--- a/Docs/DDoSDefence.pptx
+++ b/Docs/DDoSDefence.pptx
@@ -5,12 +5,16 @@
     <p:sldMasterId id="2147483696" r:id="rId1"/>
   </p:sldMasterIdLst>
   <p:notesMasterIdLst>
-    <p:notesMasterId r:id="rId5"/>
+    <p:notesMasterId r:id="rId9"/>
   </p:notesMasterIdLst>
   <p:sldIdLst>
     <p:sldId id="256" r:id="rId2"/>
-    <p:sldId id="258" r:id="rId3"/>
-    <p:sldId id="257" r:id="rId4"/>
+    <p:sldId id="260" r:id="rId3"/>
+    <p:sldId id="261" r:id="rId4"/>
+    <p:sldId id="262" r:id="rId5"/>
+    <p:sldId id="259" r:id="rId6"/>
+    <p:sldId id="258" r:id="rId7"/>
+    <p:sldId id="257" r:id="rId8"/>
   </p:sldIdLst>
   <p:sldSz cx="12192000" cy="6858000"/>
   <p:notesSz cx="6858000" cy="9144000"/>
@@ -109,6 +113,11 @@
       </a:defRPr>
     </a:lvl9pPr>
   </p:defaultTextStyle>
+  <p:extLst>
+    <p:ext uri="{EFAFB233-063F-42B5-8137-9DF3F51BA10A}">
+      <p15:sldGuideLst xmlns:p15="http://schemas.microsoft.com/office/powerpoint/2012/main"/>
+    </p:ext>
+  </p:extLst>
 </p:presentation>
 </file>
 
@@ -194,7 +203,7 @@
           <a:p>
             <a:fld id="{77EA6FB2-8CC3-4627-9AFD-974BAE12EB8C}" type="datetimeFigureOut">
               <a:rPr lang="en-GB" smtClean="0"/>
-              <a:t>17/01/2019</a:t>
+              <a:t>22/01/2019</a:t>
             </a:fld>
             <a:endParaRPr lang="en-GB"/>
           </a:p>
@@ -611,7 +620,7 @@
           <a:p>
             <a:fld id="{144F7E4B-DE20-473D-AB1D-E55B028D2B82}" type="datetime1">
               <a:rPr lang="en-GB" smtClean="0"/>
-              <a:t>17/01/2019</a:t>
+              <a:t>22/01/2019</a:t>
             </a:fld>
             <a:endParaRPr lang="en-GB"/>
           </a:p>
@@ -815,7 +824,7 @@
           <a:p>
             <a:fld id="{5EF5E582-83CD-4B5D-93A5-3EE70CBA785D}" type="datetime1">
               <a:rPr lang="en-GB" smtClean="0"/>
-              <a:t>17/01/2019</a:t>
+              <a:t>22/01/2019</a:t>
             </a:fld>
             <a:endParaRPr lang="en-GB"/>
           </a:p>
@@ -1029,7 +1038,7 @@
           <a:p>
             <a:fld id="{9BDD35A3-C59F-4EE5-AD24-E668C12CE372}" type="datetime1">
               <a:rPr lang="en-GB" smtClean="0"/>
-              <a:t>17/01/2019</a:t>
+              <a:t>22/01/2019</a:t>
             </a:fld>
             <a:endParaRPr lang="en-GB"/>
           </a:p>
@@ -1233,7 +1242,7 @@
           <a:p>
             <a:fld id="{A6F8E820-4D09-4884-A162-6CE29A96B170}" type="datetime1">
               <a:rPr lang="en-GB" smtClean="0"/>
-              <a:t>17/01/2019</a:t>
+              <a:t>22/01/2019</a:t>
             </a:fld>
             <a:endParaRPr lang="en-GB"/>
           </a:p>
@@ -1513,7 +1522,7 @@
           <a:p>
             <a:fld id="{5D05A4AA-0914-4B1F-88E3-9415A6274E09}" type="datetime1">
               <a:rPr lang="en-GB" smtClean="0"/>
-              <a:t>17/01/2019</a:t>
+              <a:t>22/01/2019</a:t>
             </a:fld>
             <a:endParaRPr lang="en-GB"/>
           </a:p>
@@ -1785,7 +1794,7 @@
           <a:p>
             <a:fld id="{6A2CF0AD-B45F-40C1-B1FF-A739A7554DF9}" type="datetime1">
               <a:rPr lang="en-GB" smtClean="0"/>
-              <a:t>17/01/2019</a:t>
+              <a:t>22/01/2019</a:t>
             </a:fld>
             <a:endParaRPr lang="en-GB"/>
           </a:p>
@@ -2204,7 +2213,7 @@
           <a:p>
             <a:fld id="{3E087565-DE12-408E-9747-F41F38EDB236}" type="datetime1">
               <a:rPr lang="en-GB" smtClean="0"/>
-              <a:t>17/01/2019</a:t>
+              <a:t>22/01/2019</a:t>
             </a:fld>
             <a:endParaRPr lang="en-GB"/>
           </a:p>
@@ -2350,7 +2359,7 @@
           <a:p>
             <a:fld id="{CBC1C182-3B38-4198-AA69-8B60B91A400A}" type="datetime1">
               <a:rPr lang="en-GB" smtClean="0"/>
-              <a:t>17/01/2019</a:t>
+              <a:t>22/01/2019</a:t>
             </a:fld>
             <a:endParaRPr lang="en-GB"/>
           </a:p>
@@ -2467,7 +2476,7 @@
           <a:p>
             <a:fld id="{5BF3AFCF-F646-465F-92EC-2785C2E056CD}" type="datetime1">
               <a:rPr lang="en-GB" smtClean="0"/>
-              <a:t>17/01/2019</a:t>
+              <a:t>22/01/2019</a:t>
             </a:fld>
             <a:endParaRPr lang="en-GB"/>
           </a:p>
@@ -2784,7 +2793,7 @@
           <a:p>
             <a:fld id="{9A8F7003-99C8-481C-A4CD-B3BB91C2A8F7}" type="datetime1">
               <a:rPr lang="en-GB" smtClean="0"/>
-              <a:t>17/01/2019</a:t>
+              <a:t>22/01/2019</a:t>
             </a:fld>
             <a:endParaRPr lang="en-GB"/>
           </a:p>
@@ -3077,7 +3086,7 @@
           <a:p>
             <a:fld id="{E0584EEC-4656-48D7-8A48-D261D57F7554}" type="datetime1">
               <a:rPr lang="en-GB" smtClean="0"/>
-              <a:t>17/01/2019</a:t>
+              <a:t>22/01/2019</a:t>
             </a:fld>
             <a:endParaRPr lang="en-GB"/>
           </a:p>
@@ -3324,7 +3333,7 @@
           <a:p>
             <a:fld id="{08A3035C-570A-4995-B50D-9FFDAF4A1C50}" type="datetime1">
               <a:rPr lang="en-GB" smtClean="0"/>
-              <a:t>17/01/2019</a:t>
+              <a:t>22/01/2019</a:t>
             </a:fld>
             <a:endParaRPr lang="en-GB"/>
           </a:p>
@@ -3899,7 +3908,7 @@
           <a:p>
             <a:pPr algn="r"/>
             <a:r>
-              <a:rPr lang="it-IT" dirty="0">
+              <a:rPr lang="it-IT" b="1" dirty="0">
                 <a:solidFill>
                   <a:schemeClr val="tx2"/>
                 </a:solidFill>
@@ -3911,7 +3920,7 @@
           <a:p>
             <a:pPr algn="r"/>
             <a:r>
-              <a:rPr lang="it-IT" dirty="0">
+              <a:rPr lang="it-IT" b="1" dirty="0">
                 <a:solidFill>
                   <a:schemeClr val="tx2"/>
                 </a:solidFill>
@@ -3923,7 +3932,7 @@
           <a:p>
             <a:pPr algn="r"/>
             <a:r>
-              <a:rPr lang="it-IT" dirty="0">
+              <a:rPr lang="it-IT" b="1" dirty="0">
                 <a:solidFill>
                   <a:schemeClr val="tx2"/>
                 </a:solidFill>
@@ -3931,7 +3940,7 @@
               </a:rPr>
               <a:t>Elena SCARSELLI</a:t>
             </a:r>
-            <a:endParaRPr lang="en-GB" dirty="0">
+            <a:endParaRPr lang="en-GB" b="1" dirty="0">
               <a:solidFill>
                 <a:schemeClr val="tx2"/>
               </a:solidFill>
@@ -4011,7 +4020,7 @@
           <p:cNvPr id="2" name="Titolo 1">
             <a:extLst>
               <a:ext uri="{FF2B5EF4-FFF2-40B4-BE49-F238E27FC236}">
-                <a16:creationId xmlns:a16="http://schemas.microsoft.com/office/drawing/2014/main" id="{71BF20B7-4BA0-4CF1-8E2B-382DBDBD21EB}"/>
+                <a16:creationId xmlns:a16="http://schemas.microsoft.com/office/drawing/2014/main" id="{428BB0E2-7B0F-41C3-B033-9D1FFBBC8A2F}"/>
               </a:ext>
             </a:extLst>
           </p:cNvPr>
@@ -4027,7 +4036,23 @@
           <a:bodyPr/>
           <a:lstStyle/>
           <a:p>
-            <a:endParaRPr lang="en-GB"/>
+            <a:r>
+              <a:rPr lang="it-IT" dirty="0"/>
+              <a:t>How </a:t>
+            </a:r>
+            <a:r>
+              <a:rPr lang="it-IT" dirty="0" err="1"/>
+              <a:t>protection</a:t>
+            </a:r>
+            <a:r>
+              <a:rPr lang="it-IT" dirty="0"/>
+              <a:t> </a:t>
+            </a:r>
+            <a:r>
+              <a:rPr lang="it-IT" dirty="0" err="1"/>
+              <a:t>works</a:t>
+            </a:r>
+            <a:endParaRPr lang="en-GB" dirty="0"/>
           </a:p>
         </p:txBody>
       </p:sp>
@@ -4036,7 +4061,7 @@
           <p:cNvPr id="3" name="Segnaposto contenuto 2">
             <a:extLst>
               <a:ext uri="{FF2B5EF4-FFF2-40B4-BE49-F238E27FC236}">
-                <a16:creationId xmlns:a16="http://schemas.microsoft.com/office/drawing/2014/main" id="{1782FCE5-F53E-4593-973C-F17B3AFD336B}"/>
+                <a16:creationId xmlns:a16="http://schemas.microsoft.com/office/drawing/2014/main" id="{CE721F29-E99B-44CE-9945-94B87CB84BAE}"/>
               </a:ext>
             </a:extLst>
           </p:cNvPr>
@@ -4061,7 +4086,7 @@
           <p:cNvPr id="4" name="Segnaposto piè di pagina 3">
             <a:extLst>
               <a:ext uri="{FF2B5EF4-FFF2-40B4-BE49-F238E27FC236}">
-                <a16:creationId xmlns:a16="http://schemas.microsoft.com/office/drawing/2014/main" id="{65E15F71-FD24-4519-9713-A3CBDEEFE96A}"/>
+                <a16:creationId xmlns:a16="http://schemas.microsoft.com/office/drawing/2014/main" id="{64856BD1-05FF-4319-A62B-843781618CEB}"/>
               </a:ext>
             </a:extLst>
           </p:cNvPr>
@@ -4090,7 +4115,7 @@
           <p:cNvPr id="5" name="Segnaposto numero diapositiva 4">
             <a:extLst>
               <a:ext uri="{FF2B5EF4-FFF2-40B4-BE49-F238E27FC236}">
-                <a16:creationId xmlns:a16="http://schemas.microsoft.com/office/drawing/2014/main" id="{FBB32699-A021-4E06-954D-B48771B9AF8C}"/>
+                <a16:creationId xmlns:a16="http://schemas.microsoft.com/office/drawing/2014/main" id="{00ECBA30-D47C-4877-8324-A69DF5EB2842}"/>
               </a:ext>
             </a:extLst>
           </p:cNvPr>
@@ -4117,7 +4142,7 @@
     </p:spTree>
     <p:extLst>
       <p:ext uri="{BB962C8B-B14F-4D97-AF65-F5344CB8AC3E}">
-        <p14:creationId xmlns:p14="http://schemas.microsoft.com/office/powerpoint/2010/main" val="1277185730"/>
+        <p14:creationId xmlns:p14="http://schemas.microsoft.com/office/powerpoint/2010/main" val="3860122334"/>
       </p:ext>
     </p:extLst>
   </p:cSld>
@@ -4149,6 +4174,578 @@
           <p:cNvPr id="2" name="Titolo 1">
             <a:extLst>
               <a:ext uri="{FF2B5EF4-FFF2-40B4-BE49-F238E27FC236}">
+                <a16:creationId xmlns:a16="http://schemas.microsoft.com/office/drawing/2014/main" id="{69898956-8F92-49CB-855F-F6736435C5D2}"/>
+              </a:ext>
+            </a:extLst>
+          </p:cNvPr>
+          <p:cNvSpPr>
+            <a:spLocks noGrp="1"/>
+          </p:cNvSpPr>
+          <p:nvPr>
+            <p:ph type="title"/>
+          </p:nvPr>
+        </p:nvSpPr>
+        <p:spPr/>
+        <p:txBody>
+          <a:bodyPr/>
+          <a:lstStyle/>
+          <a:p>
+            <a:r>
+              <a:rPr lang="it-IT" dirty="0"/>
+              <a:t>Model: request std</a:t>
+            </a:r>
+            <a:endParaRPr lang="en-GB" dirty="0"/>
+          </a:p>
+        </p:txBody>
+      </p:sp>
+      <p:sp>
+        <p:nvSpPr>
+          <p:cNvPr id="3" name="Segnaposto contenuto 2">
+            <a:extLst>
+              <a:ext uri="{FF2B5EF4-FFF2-40B4-BE49-F238E27FC236}">
+                <a16:creationId xmlns:a16="http://schemas.microsoft.com/office/drawing/2014/main" id="{B0541A4C-E281-424A-A078-63DE6C810BD9}"/>
+              </a:ext>
+            </a:extLst>
+          </p:cNvPr>
+          <p:cNvSpPr>
+            <a:spLocks noGrp="1"/>
+          </p:cNvSpPr>
+          <p:nvPr>
+            <p:ph idx="1"/>
+          </p:nvPr>
+        </p:nvSpPr>
+        <p:spPr/>
+        <p:txBody>
+          <a:bodyPr/>
+          <a:lstStyle/>
+          <a:p>
+            <a:endParaRPr lang="en-GB"/>
+          </a:p>
+        </p:txBody>
+      </p:sp>
+      <p:sp>
+        <p:nvSpPr>
+          <p:cNvPr id="4" name="Segnaposto piè di pagina 3">
+            <a:extLst>
+              <a:ext uri="{FF2B5EF4-FFF2-40B4-BE49-F238E27FC236}">
+                <a16:creationId xmlns:a16="http://schemas.microsoft.com/office/drawing/2014/main" id="{590B7072-A1FE-4635-A5DB-D5BFBA541B89}"/>
+              </a:ext>
+            </a:extLst>
+          </p:cNvPr>
+          <p:cNvSpPr>
+            <a:spLocks noGrp="1"/>
+          </p:cNvSpPr>
+          <p:nvPr>
+            <p:ph type="ftr" sz="quarter" idx="11"/>
+          </p:nvPr>
+        </p:nvSpPr>
+        <p:spPr/>
+        <p:txBody>
+          <a:bodyPr/>
+          <a:lstStyle/>
+          <a:p>
+            <a:r>
+              <a:rPr lang="it-IT"/>
+              <a:t>A. Le Caldare, E. Sassu, E. Scarselli</a:t>
+            </a:r>
+            <a:endParaRPr lang="en-GB"/>
+          </a:p>
+        </p:txBody>
+      </p:sp>
+      <p:sp>
+        <p:nvSpPr>
+          <p:cNvPr id="5" name="Segnaposto numero diapositiva 4">
+            <a:extLst>
+              <a:ext uri="{FF2B5EF4-FFF2-40B4-BE49-F238E27FC236}">
+                <a16:creationId xmlns:a16="http://schemas.microsoft.com/office/drawing/2014/main" id="{1526AF9B-3917-4A70-AC80-4F260B77C3EF}"/>
+              </a:ext>
+            </a:extLst>
+          </p:cNvPr>
+          <p:cNvSpPr>
+            <a:spLocks noGrp="1"/>
+          </p:cNvSpPr>
+          <p:nvPr>
+            <p:ph type="sldNum" sz="quarter" idx="12"/>
+          </p:nvPr>
+        </p:nvSpPr>
+        <p:spPr/>
+        <p:txBody>
+          <a:bodyPr/>
+          <a:lstStyle/>
+          <a:p>
+            <a:fld id="{5BB7E168-F539-4513-AD44-F276B24E7DDF}" type="slidenum">
+              <a:rPr lang="en-GB" smtClean="0"/>
+              <a:t>3</a:t>
+            </a:fld>
+            <a:endParaRPr lang="en-GB"/>
+          </a:p>
+        </p:txBody>
+      </p:sp>
+    </p:spTree>
+    <p:extLst>
+      <p:ext uri="{BB962C8B-B14F-4D97-AF65-F5344CB8AC3E}">
+        <p14:creationId xmlns:p14="http://schemas.microsoft.com/office/powerpoint/2010/main" val="194670911"/>
+      </p:ext>
+    </p:extLst>
+  </p:cSld>
+  <p:clrMapOvr>
+    <a:masterClrMapping/>
+  </p:clrMapOvr>
+</p:sld>
+</file>
+
+<file path=ppt/slides/slide4.xml><?xml version="1.0" encoding="utf-8"?>
+<p:sld xmlns:a="http://schemas.openxmlformats.org/drawingml/2006/main" xmlns:r="http://schemas.openxmlformats.org/officeDocument/2006/relationships" xmlns:p="http://schemas.openxmlformats.org/presentationml/2006/main">
+  <p:cSld>
+    <p:spTree>
+      <p:nvGrpSpPr>
+        <p:cNvPr id="1" name=""/>
+        <p:cNvGrpSpPr/>
+        <p:nvPr/>
+      </p:nvGrpSpPr>
+      <p:grpSpPr>
+        <a:xfrm>
+          <a:off x="0" y="0"/>
+          <a:ext cx="0" cy="0"/>
+          <a:chOff x="0" y="0"/>
+          <a:chExt cx="0" cy="0"/>
+        </a:xfrm>
+      </p:grpSpPr>
+      <p:sp>
+        <p:nvSpPr>
+          <p:cNvPr id="2" name="Titolo 1">
+            <a:extLst>
+              <a:ext uri="{FF2B5EF4-FFF2-40B4-BE49-F238E27FC236}">
+                <a16:creationId xmlns:a16="http://schemas.microsoft.com/office/drawing/2014/main" id="{002EDB8D-BE18-4584-97E4-2E2688A4757B}"/>
+              </a:ext>
+            </a:extLst>
+          </p:cNvPr>
+          <p:cNvSpPr>
+            <a:spLocks noGrp="1"/>
+          </p:cNvSpPr>
+          <p:nvPr>
+            <p:ph type="title"/>
+          </p:nvPr>
+        </p:nvSpPr>
+        <p:spPr/>
+        <p:txBody>
+          <a:bodyPr/>
+          <a:lstStyle/>
+          <a:p>
+            <a:r>
+              <a:rPr lang="it-IT" dirty="0"/>
+              <a:t>Model: forward request, block bot </a:t>
+            </a:r>
+            <a:endParaRPr lang="en-GB" dirty="0"/>
+          </a:p>
+        </p:txBody>
+      </p:sp>
+      <p:sp>
+        <p:nvSpPr>
+          <p:cNvPr id="3" name="Segnaposto contenuto 2">
+            <a:extLst>
+              <a:ext uri="{FF2B5EF4-FFF2-40B4-BE49-F238E27FC236}">
+                <a16:creationId xmlns:a16="http://schemas.microsoft.com/office/drawing/2014/main" id="{E0E26385-0E01-470A-BB6F-7B57DBF5736F}"/>
+              </a:ext>
+            </a:extLst>
+          </p:cNvPr>
+          <p:cNvSpPr>
+            <a:spLocks noGrp="1"/>
+          </p:cNvSpPr>
+          <p:nvPr>
+            <p:ph idx="1"/>
+          </p:nvPr>
+        </p:nvSpPr>
+        <p:spPr/>
+        <p:txBody>
+          <a:bodyPr/>
+          <a:lstStyle/>
+          <a:p>
+            <a:endParaRPr lang="en-GB"/>
+          </a:p>
+        </p:txBody>
+      </p:sp>
+      <p:sp>
+        <p:nvSpPr>
+          <p:cNvPr id="4" name="Segnaposto piè di pagina 3">
+            <a:extLst>
+              <a:ext uri="{FF2B5EF4-FFF2-40B4-BE49-F238E27FC236}">
+                <a16:creationId xmlns:a16="http://schemas.microsoft.com/office/drawing/2014/main" id="{23AF2C31-751A-42BD-9794-DD0FA346C4AE}"/>
+              </a:ext>
+            </a:extLst>
+          </p:cNvPr>
+          <p:cNvSpPr>
+            <a:spLocks noGrp="1"/>
+          </p:cNvSpPr>
+          <p:nvPr>
+            <p:ph type="ftr" sz="quarter" idx="11"/>
+          </p:nvPr>
+        </p:nvSpPr>
+        <p:spPr/>
+        <p:txBody>
+          <a:bodyPr/>
+          <a:lstStyle/>
+          <a:p>
+            <a:r>
+              <a:rPr lang="it-IT"/>
+              <a:t>A. Le Caldare, E. Sassu, E. Scarselli</a:t>
+            </a:r>
+            <a:endParaRPr lang="en-GB"/>
+          </a:p>
+        </p:txBody>
+      </p:sp>
+      <p:sp>
+        <p:nvSpPr>
+          <p:cNvPr id="5" name="Segnaposto numero diapositiva 4">
+            <a:extLst>
+              <a:ext uri="{FF2B5EF4-FFF2-40B4-BE49-F238E27FC236}">
+                <a16:creationId xmlns:a16="http://schemas.microsoft.com/office/drawing/2014/main" id="{DE7D02B0-0FD4-446F-B7C5-11D7DE6AB82B}"/>
+              </a:ext>
+            </a:extLst>
+          </p:cNvPr>
+          <p:cNvSpPr>
+            <a:spLocks noGrp="1"/>
+          </p:cNvSpPr>
+          <p:nvPr>
+            <p:ph type="sldNum" sz="quarter" idx="12"/>
+          </p:nvPr>
+        </p:nvSpPr>
+        <p:spPr/>
+        <p:txBody>
+          <a:bodyPr/>
+          <a:lstStyle/>
+          <a:p>
+            <a:fld id="{5BB7E168-F539-4513-AD44-F276B24E7DDF}" type="slidenum">
+              <a:rPr lang="en-GB" smtClean="0"/>
+              <a:t>4</a:t>
+            </a:fld>
+            <a:endParaRPr lang="en-GB"/>
+          </a:p>
+        </p:txBody>
+      </p:sp>
+    </p:spTree>
+    <p:extLst>
+      <p:ext uri="{BB962C8B-B14F-4D97-AF65-F5344CB8AC3E}">
+        <p14:creationId xmlns:p14="http://schemas.microsoft.com/office/powerpoint/2010/main" val="650050981"/>
+      </p:ext>
+    </p:extLst>
+  </p:cSld>
+  <p:clrMapOvr>
+    <a:masterClrMapping/>
+  </p:clrMapOvr>
+</p:sld>
+</file>
+
+<file path=ppt/slides/slide5.xml><?xml version="1.0" encoding="utf-8"?>
+<p:sld xmlns:a="http://schemas.openxmlformats.org/drawingml/2006/main" xmlns:r="http://schemas.openxmlformats.org/officeDocument/2006/relationships" xmlns:p="http://schemas.openxmlformats.org/presentationml/2006/main">
+  <p:cSld>
+    <p:spTree>
+      <p:nvGrpSpPr>
+        <p:cNvPr id="1" name=""/>
+        <p:cNvGrpSpPr/>
+        <p:nvPr/>
+      </p:nvGrpSpPr>
+      <p:grpSpPr>
+        <a:xfrm>
+          <a:off x="0" y="0"/>
+          <a:ext cx="0" cy="0"/>
+          <a:chOff x="0" y="0"/>
+          <a:chExt cx="0" cy="0"/>
+        </a:xfrm>
+      </p:grpSpPr>
+      <p:sp>
+        <p:nvSpPr>
+          <p:cNvPr id="2" name="Titolo 1">
+            <a:extLst>
+              <a:ext uri="{FF2B5EF4-FFF2-40B4-BE49-F238E27FC236}">
+                <a16:creationId xmlns:a16="http://schemas.microsoft.com/office/drawing/2014/main" id="{7D96BAD6-31BA-457C-A1F7-FFE448CEFCD7}"/>
+              </a:ext>
+            </a:extLst>
+          </p:cNvPr>
+          <p:cNvSpPr>
+            <a:spLocks noGrp="1"/>
+          </p:cNvSpPr>
+          <p:nvPr>
+            <p:ph type="title"/>
+          </p:nvPr>
+        </p:nvSpPr>
+        <p:spPr/>
+        <p:txBody>
+          <a:bodyPr/>
+          <a:lstStyle/>
+          <a:p>
+            <a:r>
+              <a:rPr lang="it-IT" dirty="0"/>
+              <a:t>Why Learning Switch</a:t>
+            </a:r>
+            <a:endParaRPr lang="en-GB" dirty="0"/>
+          </a:p>
+        </p:txBody>
+      </p:sp>
+      <p:sp>
+        <p:nvSpPr>
+          <p:cNvPr id="3" name="Segnaposto contenuto 2">
+            <a:extLst>
+              <a:ext uri="{FF2B5EF4-FFF2-40B4-BE49-F238E27FC236}">
+                <a16:creationId xmlns:a16="http://schemas.microsoft.com/office/drawing/2014/main" id="{989D378B-63F3-428D-A939-B6C0D0D0EF4D}"/>
+              </a:ext>
+            </a:extLst>
+          </p:cNvPr>
+          <p:cNvSpPr>
+            <a:spLocks noGrp="1"/>
+          </p:cNvSpPr>
+          <p:nvPr>
+            <p:ph idx="1"/>
+          </p:nvPr>
+        </p:nvSpPr>
+        <p:spPr/>
+        <p:txBody>
+          <a:bodyPr/>
+          <a:lstStyle/>
+          <a:p>
+            <a:endParaRPr lang="en-GB"/>
+          </a:p>
+        </p:txBody>
+      </p:sp>
+      <p:sp>
+        <p:nvSpPr>
+          <p:cNvPr id="4" name="Segnaposto piè di pagina 3">
+            <a:extLst>
+              <a:ext uri="{FF2B5EF4-FFF2-40B4-BE49-F238E27FC236}">
+                <a16:creationId xmlns:a16="http://schemas.microsoft.com/office/drawing/2014/main" id="{B0177442-FF79-405F-89DF-63126288BA0F}"/>
+              </a:ext>
+            </a:extLst>
+          </p:cNvPr>
+          <p:cNvSpPr>
+            <a:spLocks noGrp="1"/>
+          </p:cNvSpPr>
+          <p:nvPr>
+            <p:ph type="ftr" sz="quarter" idx="11"/>
+          </p:nvPr>
+        </p:nvSpPr>
+        <p:spPr/>
+        <p:txBody>
+          <a:bodyPr/>
+          <a:lstStyle/>
+          <a:p>
+            <a:r>
+              <a:rPr lang="it-IT"/>
+              <a:t>A. Le Caldare, E. Sassu, E. Scarselli</a:t>
+            </a:r>
+            <a:endParaRPr lang="en-GB"/>
+          </a:p>
+        </p:txBody>
+      </p:sp>
+      <p:sp>
+        <p:nvSpPr>
+          <p:cNvPr id="5" name="Segnaposto numero diapositiva 4">
+            <a:extLst>
+              <a:ext uri="{FF2B5EF4-FFF2-40B4-BE49-F238E27FC236}">
+                <a16:creationId xmlns:a16="http://schemas.microsoft.com/office/drawing/2014/main" id="{0D34D309-1DD9-4B79-BD18-17DC55DC9F25}"/>
+              </a:ext>
+            </a:extLst>
+          </p:cNvPr>
+          <p:cNvSpPr>
+            <a:spLocks noGrp="1"/>
+          </p:cNvSpPr>
+          <p:nvPr>
+            <p:ph type="sldNum" sz="quarter" idx="12"/>
+          </p:nvPr>
+        </p:nvSpPr>
+        <p:spPr/>
+        <p:txBody>
+          <a:bodyPr/>
+          <a:lstStyle/>
+          <a:p>
+            <a:fld id="{5BB7E168-F539-4513-AD44-F276B24E7DDF}" type="slidenum">
+              <a:rPr lang="en-GB" smtClean="0"/>
+              <a:t>5</a:t>
+            </a:fld>
+            <a:endParaRPr lang="en-GB"/>
+          </a:p>
+        </p:txBody>
+      </p:sp>
+    </p:spTree>
+    <p:extLst>
+      <p:ext uri="{BB962C8B-B14F-4D97-AF65-F5344CB8AC3E}">
+        <p14:creationId xmlns:p14="http://schemas.microsoft.com/office/powerpoint/2010/main" val="1578765031"/>
+      </p:ext>
+    </p:extLst>
+  </p:cSld>
+  <p:clrMapOvr>
+    <a:masterClrMapping/>
+  </p:clrMapOvr>
+</p:sld>
+</file>
+
+<file path=ppt/slides/slide6.xml><?xml version="1.0" encoding="utf-8"?>
+<p:sld xmlns:a="http://schemas.openxmlformats.org/drawingml/2006/main" xmlns:r="http://schemas.openxmlformats.org/officeDocument/2006/relationships" xmlns:p="http://schemas.openxmlformats.org/presentationml/2006/main">
+  <p:cSld>
+    <p:spTree>
+      <p:nvGrpSpPr>
+        <p:cNvPr id="1" name=""/>
+        <p:cNvGrpSpPr/>
+        <p:nvPr/>
+      </p:nvGrpSpPr>
+      <p:grpSpPr>
+        <a:xfrm>
+          <a:off x="0" y="0"/>
+          <a:ext cx="0" cy="0"/>
+          <a:chOff x="0" y="0"/>
+          <a:chExt cx="0" cy="0"/>
+        </a:xfrm>
+      </p:grpSpPr>
+      <p:sp>
+        <p:nvSpPr>
+          <p:cNvPr id="2" name="Titolo 1">
+            <a:extLst>
+              <a:ext uri="{FF2B5EF4-FFF2-40B4-BE49-F238E27FC236}">
+                <a16:creationId xmlns:a16="http://schemas.microsoft.com/office/drawing/2014/main" id="{71BF20B7-4BA0-4CF1-8E2B-382DBDBD21EB}"/>
+              </a:ext>
+            </a:extLst>
+          </p:cNvPr>
+          <p:cNvSpPr>
+            <a:spLocks noGrp="1"/>
+          </p:cNvSpPr>
+          <p:nvPr>
+            <p:ph type="title"/>
+          </p:nvPr>
+        </p:nvSpPr>
+        <p:spPr/>
+        <p:txBody>
+          <a:bodyPr/>
+          <a:lstStyle/>
+          <a:p>
+            <a:r>
+              <a:rPr lang="it-IT" dirty="0"/>
+              <a:t>Code</a:t>
+            </a:r>
+            <a:endParaRPr lang="en-GB" dirty="0"/>
+          </a:p>
+        </p:txBody>
+      </p:sp>
+      <p:sp>
+        <p:nvSpPr>
+          <p:cNvPr id="3" name="Segnaposto contenuto 2">
+            <a:extLst>
+              <a:ext uri="{FF2B5EF4-FFF2-40B4-BE49-F238E27FC236}">
+                <a16:creationId xmlns:a16="http://schemas.microsoft.com/office/drawing/2014/main" id="{1782FCE5-F53E-4593-973C-F17B3AFD336B}"/>
+              </a:ext>
+            </a:extLst>
+          </p:cNvPr>
+          <p:cNvSpPr>
+            <a:spLocks noGrp="1"/>
+          </p:cNvSpPr>
+          <p:nvPr>
+            <p:ph idx="1"/>
+          </p:nvPr>
+        </p:nvSpPr>
+        <p:spPr/>
+        <p:txBody>
+          <a:bodyPr/>
+          <a:lstStyle/>
+          <a:p>
+            <a:r>
+              <a:rPr lang="it-IT" dirty="0"/>
+              <a:t>OF</a:t>
+            </a:r>
+            <a:endParaRPr lang="en-GB" dirty="0"/>
+          </a:p>
+        </p:txBody>
+      </p:sp>
+      <p:sp>
+        <p:nvSpPr>
+          <p:cNvPr id="4" name="Segnaposto piè di pagina 3">
+            <a:extLst>
+              <a:ext uri="{FF2B5EF4-FFF2-40B4-BE49-F238E27FC236}">
+                <a16:creationId xmlns:a16="http://schemas.microsoft.com/office/drawing/2014/main" id="{65E15F71-FD24-4519-9713-A3CBDEEFE96A}"/>
+              </a:ext>
+            </a:extLst>
+          </p:cNvPr>
+          <p:cNvSpPr>
+            <a:spLocks noGrp="1"/>
+          </p:cNvSpPr>
+          <p:nvPr>
+            <p:ph type="ftr" sz="quarter" idx="11"/>
+          </p:nvPr>
+        </p:nvSpPr>
+        <p:spPr/>
+        <p:txBody>
+          <a:bodyPr/>
+          <a:lstStyle/>
+          <a:p>
+            <a:r>
+              <a:rPr lang="it-IT"/>
+              <a:t>A. Le Caldare, E. Sassu, E. Scarselli</a:t>
+            </a:r>
+            <a:endParaRPr lang="en-GB"/>
+          </a:p>
+        </p:txBody>
+      </p:sp>
+      <p:sp>
+        <p:nvSpPr>
+          <p:cNvPr id="5" name="Segnaposto numero diapositiva 4">
+            <a:extLst>
+              <a:ext uri="{FF2B5EF4-FFF2-40B4-BE49-F238E27FC236}">
+                <a16:creationId xmlns:a16="http://schemas.microsoft.com/office/drawing/2014/main" id="{FBB32699-A021-4E06-954D-B48771B9AF8C}"/>
+              </a:ext>
+            </a:extLst>
+          </p:cNvPr>
+          <p:cNvSpPr>
+            <a:spLocks noGrp="1"/>
+          </p:cNvSpPr>
+          <p:nvPr>
+            <p:ph type="sldNum" sz="quarter" idx="12"/>
+          </p:nvPr>
+        </p:nvSpPr>
+        <p:spPr/>
+        <p:txBody>
+          <a:bodyPr/>
+          <a:lstStyle/>
+          <a:p>
+            <a:fld id="{5BB7E168-F539-4513-AD44-F276B24E7DDF}" type="slidenum">
+              <a:rPr lang="en-GB" smtClean="0"/>
+              <a:t>6</a:t>
+            </a:fld>
+            <a:endParaRPr lang="en-GB"/>
+          </a:p>
+        </p:txBody>
+      </p:sp>
+    </p:spTree>
+    <p:extLst>
+      <p:ext uri="{BB962C8B-B14F-4D97-AF65-F5344CB8AC3E}">
+        <p14:creationId xmlns:p14="http://schemas.microsoft.com/office/powerpoint/2010/main" val="1277185730"/>
+      </p:ext>
+    </p:extLst>
+  </p:cSld>
+  <p:clrMapOvr>
+    <a:masterClrMapping/>
+  </p:clrMapOvr>
+</p:sld>
+</file>
+
+<file path=ppt/slides/slide7.xml><?xml version="1.0" encoding="utf-8"?>
+<p:sld xmlns:a="http://schemas.openxmlformats.org/drawingml/2006/main" xmlns:r="http://schemas.openxmlformats.org/officeDocument/2006/relationships" xmlns:p="http://schemas.openxmlformats.org/presentationml/2006/main">
+  <p:cSld>
+    <p:spTree>
+      <p:nvGrpSpPr>
+        <p:cNvPr id="1" name=""/>
+        <p:cNvGrpSpPr/>
+        <p:nvPr/>
+      </p:nvGrpSpPr>
+      <p:grpSpPr>
+        <a:xfrm>
+          <a:off x="0" y="0"/>
+          <a:ext cx="0" cy="0"/>
+          <a:chOff x="0" y="0"/>
+          <a:chExt cx="0" cy="0"/>
+        </a:xfrm>
+      </p:grpSpPr>
+      <p:sp>
+        <p:nvSpPr>
+          <p:cNvPr id="2" name="Titolo 1">
+            <a:extLst>
+              <a:ext uri="{FF2B5EF4-FFF2-40B4-BE49-F238E27FC236}">
                 <a16:creationId xmlns:a16="http://schemas.microsoft.com/office/drawing/2014/main" id="{9230EBA8-4C20-412A-8D49-CAB1A0E0D737}"/>
               </a:ext>
             </a:extLst>
@@ -4271,7 +4868,7 @@
           <a:p>
             <a:fld id="{5BB7E168-F539-4513-AD44-F276B24E7DDF}" type="slidenum">
               <a:rPr lang="en-GB" smtClean="0"/>
-              <a:t>3</a:t>
+              <a:t>7</a:t>
             </a:fld>
             <a:endParaRPr lang="en-GB"/>
           </a:p>

--- a/Docs/DDoSDefence.pptx
+++ b/Docs/DDoSDefence.pptx
@@ -4192,7 +4192,7 @@
           <a:p>
             <a:r>
               <a:rPr lang="it-IT" dirty="0"/>
-              <a:t>Model: request std</a:t>
+              <a:t>Model: standard request</a:t>
             </a:r>
             <a:endParaRPr lang="en-GB" dirty="0"/>
           </a:p>
@@ -4617,8 +4617,20 @@
           <a:lstStyle/>
           <a:p>
             <a:r>
+              <a:rPr lang="it-IT" dirty="0" err="1"/>
+              <a:t>Our</a:t>
+            </a:r>
+            <a:r>
               <a:rPr lang="it-IT" dirty="0"/>
-              <a:t>Code</a:t>
+              <a:t> </a:t>
+            </a:r>
+            <a:r>
+              <a:rPr lang="it-IT" dirty="0" err="1"/>
+              <a:t>Pseudocode</a:t>
+            </a:r>
+            <a:r>
+              <a:rPr lang="it-IT" dirty="0"/>
+              <a:t> </a:t>
             </a:r>
             <a:endParaRPr lang="en-GB" dirty="0"/>
           </a:p>
@@ -4781,21 +4793,77 @@
           </a:p>
         </p:txBody>
       </p:sp>
+      <p:sp>
+        <p:nvSpPr>
+          <p:cNvPr id="6" name="Segnaposto piè di pagina 5">
+            <a:extLst>
+              <a:ext uri="{FF2B5EF4-FFF2-40B4-BE49-F238E27FC236}">
+                <a16:creationId xmlns:a16="http://schemas.microsoft.com/office/drawing/2014/main" id="{6B127EFB-4BCA-414B-9598-8EAEE6C6008C}"/>
+              </a:ext>
+            </a:extLst>
+          </p:cNvPr>
+          <p:cNvSpPr>
+            <a:spLocks noGrp="1"/>
+          </p:cNvSpPr>
+          <p:nvPr>
+            <p:ph type="ftr" sz="quarter" idx="11"/>
+          </p:nvPr>
+        </p:nvSpPr>
+        <p:spPr/>
+        <p:txBody>
+          <a:bodyPr/>
+          <a:lstStyle/>
+          <a:p>
+            <a:r>
+              <a:rPr lang="it-IT"/>
+              <a:t>A. Le Caldare, E. Sassu, E. Scarselli</a:t>
+            </a:r>
+            <a:endParaRPr lang="en-GB"/>
+          </a:p>
+        </p:txBody>
+      </p:sp>
+      <p:sp>
+        <p:nvSpPr>
+          <p:cNvPr id="7" name="Segnaposto numero diapositiva 6">
+            <a:extLst>
+              <a:ext uri="{FF2B5EF4-FFF2-40B4-BE49-F238E27FC236}">
+                <a16:creationId xmlns:a16="http://schemas.microsoft.com/office/drawing/2014/main" id="{A85974FC-8904-43F2-A4EC-EAA5CF6A5B4F}"/>
+              </a:ext>
+            </a:extLst>
+          </p:cNvPr>
+          <p:cNvSpPr>
+            <a:spLocks noGrp="1"/>
+          </p:cNvSpPr>
+          <p:nvPr>
+            <p:ph type="sldNum" sz="quarter" idx="12"/>
+          </p:nvPr>
+        </p:nvSpPr>
+        <p:spPr/>
+        <p:txBody>
+          <a:bodyPr/>
+          <a:lstStyle/>
+          <a:p>
+            <a:fld id="{5BB7E168-F539-4513-AD44-F276B24E7DDF}" type="slidenum">
+              <a:rPr lang="en-GB" smtClean="0"/>
+              <a:t>7</a:t>
+            </a:fld>
+            <a:endParaRPr lang="en-GB"/>
+          </a:p>
+        </p:txBody>
+      </p:sp>
       <p:pic>
         <p:nvPicPr>
-          <p:cNvPr id="5" name="Segnaposto contenuto 4" descr="Immagine che contiene testo, screenshot&#10;&#10;Descrizione generata automaticamente">
-            <a:extLst>
-              <a:ext uri="{FF2B5EF4-FFF2-40B4-BE49-F238E27FC236}">
-                <a16:creationId xmlns:a16="http://schemas.microsoft.com/office/drawing/2014/main" id="{26594A02-5C31-4473-93B5-B9E07C600D20}"/>
+          <p:cNvPr id="4" name="Immagine 3" descr="Immagine che contiene testo, mappa&#10;&#10;Descrizione generata automaticamente">
+            <a:extLst>
+              <a:ext uri="{FF2B5EF4-FFF2-40B4-BE49-F238E27FC236}">
+                <a16:creationId xmlns:a16="http://schemas.microsoft.com/office/drawing/2014/main" id="{C70C39FA-3DB0-4053-9205-4578EEAC5C3B}"/>
               </a:ext>
             </a:extLst>
           </p:cNvPr>
           <p:cNvPicPr>
-            <a:picLocks noGrp="1" noChangeAspect="1"/>
+            <a:picLocks noChangeAspect="1"/>
           </p:cNvPicPr>
-          <p:nvPr>
-            <p:ph idx="1"/>
-          </p:nvPr>
+          <p:nvPr/>
         </p:nvPicPr>
         <p:blipFill>
           <a:blip r:embed="rId2">
@@ -4811,69 +4879,14 @@
         </p:blipFill>
         <p:spPr>
           <a:xfrm>
-            <a:off x="3347296" y="1825625"/>
-            <a:ext cx="5497407" cy="4351338"/>
+            <a:off x="2298097" y="1561170"/>
+            <a:ext cx="6857054" cy="4771929"/>
           </a:xfrm>
+          <a:prstGeom prst="rect">
+            <a:avLst/>
+          </a:prstGeom>
         </p:spPr>
       </p:pic>
-      <p:sp>
-        <p:nvSpPr>
-          <p:cNvPr id="6" name="Segnaposto piè di pagina 5">
-            <a:extLst>
-              <a:ext uri="{FF2B5EF4-FFF2-40B4-BE49-F238E27FC236}">
-                <a16:creationId xmlns:a16="http://schemas.microsoft.com/office/drawing/2014/main" id="{6B127EFB-4BCA-414B-9598-8EAEE6C6008C}"/>
-              </a:ext>
-            </a:extLst>
-          </p:cNvPr>
-          <p:cNvSpPr>
-            <a:spLocks noGrp="1"/>
-          </p:cNvSpPr>
-          <p:nvPr>
-            <p:ph type="ftr" sz="quarter" idx="11"/>
-          </p:nvPr>
-        </p:nvSpPr>
-        <p:spPr/>
-        <p:txBody>
-          <a:bodyPr/>
-          <a:lstStyle/>
-          <a:p>
-            <a:r>
-              <a:rPr lang="it-IT"/>
-              <a:t>A. Le Caldare, E. Sassu, E. Scarselli</a:t>
-            </a:r>
-            <a:endParaRPr lang="en-GB"/>
-          </a:p>
-        </p:txBody>
-      </p:sp>
-      <p:sp>
-        <p:nvSpPr>
-          <p:cNvPr id="7" name="Segnaposto numero diapositiva 6">
-            <a:extLst>
-              <a:ext uri="{FF2B5EF4-FFF2-40B4-BE49-F238E27FC236}">
-                <a16:creationId xmlns:a16="http://schemas.microsoft.com/office/drawing/2014/main" id="{A85974FC-8904-43F2-A4EC-EAA5CF6A5B4F}"/>
-              </a:ext>
-            </a:extLst>
-          </p:cNvPr>
-          <p:cNvSpPr>
-            <a:spLocks noGrp="1"/>
-          </p:cNvSpPr>
-          <p:nvPr>
-            <p:ph type="sldNum" sz="quarter" idx="12"/>
-          </p:nvPr>
-        </p:nvSpPr>
-        <p:spPr/>
-        <p:txBody>
-          <a:bodyPr/>
-          <a:lstStyle/>
-          <a:p>
-            <a:fld id="{5BB7E168-F539-4513-AD44-F276B24E7DDF}" type="slidenum">
-              <a:rPr lang="en-GB" smtClean="0"/>
-              <a:t>7</a:t>
-            </a:fld>
-            <a:endParaRPr lang="en-GB"/>
-          </a:p>
-        </p:txBody>
-      </p:sp>
     </p:spTree>
     <p:extLst>
       <p:ext uri="{BB962C8B-B14F-4D97-AF65-F5344CB8AC3E}">

--- a/Docs/DDoSDefence.pptx
+++ b/Docs/DDoSDefence.pptx
@@ -5,16 +5,17 @@
     <p:sldMasterId id="2147483696" r:id="rId1"/>
   </p:sldMasterIdLst>
   <p:notesMasterIdLst>
-    <p:notesMasterId r:id="rId9"/>
+    <p:notesMasterId r:id="rId10"/>
   </p:notesMasterIdLst>
   <p:sldIdLst>
     <p:sldId id="256" r:id="rId2"/>
     <p:sldId id="260" r:id="rId3"/>
-    <p:sldId id="261" r:id="rId4"/>
-    <p:sldId id="262" r:id="rId5"/>
-    <p:sldId id="259" r:id="rId6"/>
-    <p:sldId id="258" r:id="rId7"/>
+    <p:sldId id="259" r:id="rId4"/>
+    <p:sldId id="265" r:id="rId5"/>
+    <p:sldId id="258" r:id="rId6"/>
+    <p:sldId id="263" r:id="rId7"/>
     <p:sldId id="257" r:id="rId8"/>
+    <p:sldId id="264" r:id="rId9"/>
   </p:sldIdLst>
   <p:sldSz cx="12192000" cy="6858000"/>
   <p:notesSz cx="6858000" cy="9144000"/>
@@ -469,6 +470,102 @@
     </a:lvl9pPr>
   </p:notesStyle>
 </p:notesMaster>
+</file>
+
+<file path=ppt/notesSlides/notesSlide1.xml><?xml version="1.0" encoding="utf-8"?>
+<p:notes xmlns:a="http://schemas.openxmlformats.org/drawingml/2006/main" xmlns:r="http://schemas.openxmlformats.org/officeDocument/2006/relationships" xmlns:p="http://schemas.openxmlformats.org/presentationml/2006/main">
+  <p:cSld>
+    <p:spTree>
+      <p:nvGrpSpPr>
+        <p:cNvPr id="1" name=""/>
+        <p:cNvGrpSpPr/>
+        <p:nvPr/>
+      </p:nvGrpSpPr>
+      <p:grpSpPr>
+        <a:xfrm>
+          <a:off x="0" y="0"/>
+          <a:ext cx="0" cy="0"/>
+          <a:chOff x="0" y="0"/>
+          <a:chExt cx="0" cy="0"/>
+        </a:xfrm>
+      </p:grpSpPr>
+      <p:sp>
+        <p:nvSpPr>
+          <p:cNvPr id="2" name="Segnaposto immagine diapositiva 1"/>
+          <p:cNvSpPr>
+            <a:spLocks noGrp="1" noRot="1" noChangeAspect="1"/>
+          </p:cNvSpPr>
+          <p:nvPr>
+            <p:ph type="sldImg"/>
+          </p:nvPr>
+        </p:nvSpPr>
+        <p:spPr/>
+      </p:sp>
+      <p:sp>
+        <p:nvSpPr>
+          <p:cNvPr id="3" name="Segnaposto note 2"/>
+          <p:cNvSpPr>
+            <a:spLocks noGrp="1"/>
+          </p:cNvSpPr>
+          <p:nvPr>
+            <p:ph type="body" idx="1"/>
+          </p:nvPr>
+        </p:nvSpPr>
+        <p:spPr/>
+        <p:txBody>
+          <a:bodyPr/>
+          <a:lstStyle/>
+          <a:p>
+            <a:pPr marL="228600" indent="-228600">
+              <a:buAutoNum type="arabicPeriod"/>
+            </a:pPr>
+            <a:r>
+              <a:rPr lang="it-IT" dirty="0"/>
+              <a:t>https://floodlight.atlassian.net/wiki/spaces/floodlightcontroller/pages/1343513/How+to+Write+a+Module#HowtoWriteaModule-OrderingModuleswhenProcessingOpenFlowMessages</a:t>
+            </a:r>
+          </a:p>
+          <a:p>
+            <a:pPr marL="228600" indent="-228600">
+              <a:buAutoNum type="arabicPeriod"/>
+            </a:pPr>
+            <a:endParaRPr lang="en-GB" dirty="0"/>
+          </a:p>
+        </p:txBody>
+      </p:sp>
+      <p:sp>
+        <p:nvSpPr>
+          <p:cNvPr id="4" name="Segnaposto numero diapositiva 3"/>
+          <p:cNvSpPr>
+            <a:spLocks noGrp="1"/>
+          </p:cNvSpPr>
+          <p:nvPr>
+            <p:ph type="sldNum" sz="quarter" idx="5"/>
+          </p:nvPr>
+        </p:nvSpPr>
+        <p:spPr/>
+        <p:txBody>
+          <a:bodyPr/>
+          <a:lstStyle/>
+          <a:p>
+            <a:fld id="{15114317-084B-44FB-95E2-F74F7746A8DF}" type="slidenum">
+              <a:rPr lang="en-GB" smtClean="0"/>
+              <a:t>4</a:t>
+            </a:fld>
+            <a:endParaRPr lang="en-GB"/>
+          </a:p>
+        </p:txBody>
+      </p:sp>
+    </p:spTree>
+    <p:extLst>
+      <p:ext uri="{BB962C8B-B14F-4D97-AF65-F5344CB8AC3E}">
+        <p14:creationId xmlns:p14="http://schemas.microsoft.com/office/powerpoint/2010/main" val="3286179310"/>
+      </p:ext>
+    </p:extLst>
+  </p:cSld>
+  <p:clrMapOvr>
+    <a:masterClrMapping/>
+  </p:clrMapOvr>
+</p:notes>
 </file>
 
 <file path=ppt/slideLayouts/slideLayout1.xml><?xml version="1.0" encoding="utf-8"?>
@@ -4037,12 +4134,143 @@
           <a:lstStyle/>
           <a:p>
             <a:r>
+              <a:rPr lang="it-IT" dirty="0">
+                <a:solidFill>
+                  <a:schemeClr val="tx2"/>
+                </a:solidFill>
+              </a:rPr>
+              <a:t>How </a:t>
+            </a:r>
+            <a:r>
+              <a:rPr lang="it-IT" dirty="0" err="1">
+                <a:solidFill>
+                  <a:schemeClr val="tx2"/>
+                </a:solidFill>
+              </a:rPr>
+              <a:t>protection</a:t>
+            </a:r>
+            <a:r>
+              <a:rPr lang="it-IT" dirty="0">
+                <a:solidFill>
+                  <a:schemeClr val="tx2"/>
+                </a:solidFill>
+              </a:rPr>
+              <a:t> </a:t>
+            </a:r>
+            <a:r>
+              <a:rPr lang="it-IT" dirty="0" err="1">
+                <a:solidFill>
+                  <a:schemeClr val="tx2"/>
+                </a:solidFill>
+              </a:rPr>
+              <a:t>works</a:t>
+            </a:r>
+            <a:endParaRPr lang="en-GB" dirty="0">
+              <a:solidFill>
+                <a:schemeClr val="tx2"/>
+              </a:solidFill>
+            </a:endParaRPr>
+          </a:p>
+        </p:txBody>
+      </p:sp>
+      <p:sp>
+        <p:nvSpPr>
+          <p:cNvPr id="3" name="Segnaposto contenuto 2">
+            <a:extLst>
+              <a:ext uri="{FF2B5EF4-FFF2-40B4-BE49-F238E27FC236}">
+                <a16:creationId xmlns:a16="http://schemas.microsoft.com/office/drawing/2014/main" id="{CE721F29-E99B-44CE-9945-94B87CB84BAE}"/>
+              </a:ext>
+            </a:extLst>
+          </p:cNvPr>
+          <p:cNvSpPr>
+            <a:spLocks noGrp="1"/>
+          </p:cNvSpPr>
+          <p:nvPr>
+            <p:ph idx="1"/>
+          </p:nvPr>
+        </p:nvSpPr>
+        <p:spPr/>
+        <p:txBody>
+          <a:bodyPr/>
+          <a:lstStyle/>
+          <a:p>
+            <a:r>
               <a:rPr lang="it-IT" dirty="0"/>
-              <a:t>How </a:t>
+              <a:t>Server </a:t>
             </a:r>
             <a:r>
               <a:rPr lang="it-IT" dirty="0" err="1"/>
-              <a:t>protection</a:t>
+              <a:t>changes</a:t>
+            </a:r>
+            <a:r>
+              <a:rPr lang="it-IT" dirty="0"/>
+              <a:t> the </a:t>
+            </a:r>
+            <a:r>
+              <a:rPr lang="it-IT" dirty="0" err="1"/>
+              <a:t>listening</a:t>
+            </a:r>
+            <a:r>
+              <a:rPr lang="it-IT" dirty="0"/>
+              <a:t> address to a new one when </a:t>
+            </a:r>
+            <a:r>
+              <a:rPr lang="it-IT" dirty="0" err="1"/>
+              <a:t>is</a:t>
+            </a:r>
+            <a:r>
+              <a:rPr lang="it-IT" dirty="0"/>
+              <a:t> under </a:t>
+            </a:r>
+            <a:r>
+              <a:rPr lang="it-IT" dirty="0" err="1"/>
+              <a:t>attack</a:t>
+            </a:r>
+            <a:endParaRPr lang="it-IT" dirty="0"/>
+          </a:p>
+          <a:p>
+            <a:r>
+              <a:rPr lang="it-IT" dirty="0"/>
+              <a:t>The connections </a:t>
+            </a:r>
+            <a:r>
+              <a:rPr lang="it-IT" dirty="0" err="1"/>
+              <a:t>requests</a:t>
+            </a:r>
+            <a:r>
+              <a:rPr lang="it-IT" dirty="0"/>
+              <a:t> to the </a:t>
+            </a:r>
+            <a:r>
+              <a:rPr lang="it-IT" dirty="0" err="1"/>
+              <a:t>old</a:t>
+            </a:r>
+            <a:r>
+              <a:rPr lang="it-IT" dirty="0"/>
+              <a:t> server address are </a:t>
+            </a:r>
+            <a:r>
+              <a:rPr lang="it-IT" dirty="0" err="1"/>
+              <a:t>counted</a:t>
+            </a:r>
+            <a:endParaRPr lang="it-IT" dirty="0"/>
+          </a:p>
+          <a:p>
+            <a:r>
+              <a:rPr lang="it-IT" dirty="0"/>
+              <a:t>If the number of connection </a:t>
+            </a:r>
+            <a:r>
+              <a:rPr lang="it-IT" dirty="0" err="1"/>
+              <a:t>requests</a:t>
+            </a:r>
+            <a:r>
+              <a:rPr lang="it-IT" dirty="0"/>
+              <a:t> of a client, </a:t>
+            </a:r>
+            <a:r>
+              <a:rPr lang="it-IT" dirty="0" err="1"/>
+              <a:t>goes</a:t>
             </a:r>
             <a:r>
               <a:rPr lang="it-IT" dirty="0"/>
@@ -4050,34 +4278,69 @@
             </a:r>
             <a:r>
               <a:rPr lang="it-IT" dirty="0" err="1"/>
-              <a:t>works</a:t>
+              <a:t>above</a:t>
+            </a:r>
+            <a:r>
+              <a:rPr lang="it-IT" dirty="0"/>
+              <a:t> a </a:t>
+            </a:r>
+            <a:r>
+              <a:rPr lang="it-IT" dirty="0" err="1"/>
+              <a:t>certain</a:t>
+            </a:r>
+            <a:r>
+              <a:rPr lang="it-IT" dirty="0"/>
+              <a:t> </a:t>
+            </a:r>
+            <a:r>
+              <a:rPr lang="it-IT" dirty="0" err="1"/>
+              <a:t>threshold</a:t>
+            </a:r>
+            <a:r>
+              <a:rPr lang="it-IT" dirty="0"/>
+              <a:t> </a:t>
+            </a:r>
+            <a:r>
+              <a:rPr lang="el-GR" i="1" dirty="0"/>
+              <a:t>θ</a:t>
+            </a:r>
+            <a:r>
+              <a:rPr lang="it-IT" dirty="0"/>
+              <a:t>, the client </a:t>
+            </a:r>
+            <a:r>
+              <a:rPr lang="it-IT" dirty="0" err="1"/>
+              <a:t>is</a:t>
+            </a:r>
+            <a:r>
+              <a:rPr lang="it-IT" dirty="0"/>
+              <a:t> </a:t>
+            </a:r>
+            <a:r>
+              <a:rPr lang="it-IT" dirty="0" err="1"/>
+              <a:t>classified</a:t>
+            </a:r>
+            <a:r>
+              <a:rPr lang="it-IT" dirty="0"/>
+              <a:t> as a bot and all its </a:t>
+            </a:r>
+            <a:r>
+              <a:rPr lang="it-IT" dirty="0" err="1"/>
+              <a:t>packets</a:t>
+            </a:r>
+            <a:r>
+              <a:rPr lang="it-IT" dirty="0"/>
+              <a:t> are </a:t>
+            </a:r>
+            <a:r>
+              <a:rPr lang="it-IT" dirty="0" err="1"/>
+              <a:t>dropped</a:t>
+            </a:r>
+            <a:r>
+              <a:rPr lang="it-IT" dirty="0"/>
+              <a:t>. </a:t>
             </a:r>
             <a:endParaRPr lang="en-GB" dirty="0"/>
-          </a:p>
-        </p:txBody>
-      </p:sp>
-      <p:sp>
-        <p:nvSpPr>
-          <p:cNvPr id="3" name="Segnaposto contenuto 2">
-            <a:extLst>
-              <a:ext uri="{FF2B5EF4-FFF2-40B4-BE49-F238E27FC236}">
-                <a16:creationId xmlns:a16="http://schemas.microsoft.com/office/drawing/2014/main" id="{CE721F29-E99B-44CE-9945-94B87CB84BAE}"/>
-              </a:ext>
-            </a:extLst>
-          </p:cNvPr>
-          <p:cNvSpPr>
-            <a:spLocks noGrp="1"/>
-          </p:cNvSpPr>
-          <p:nvPr>
-            <p:ph idx="1"/>
-          </p:nvPr>
-        </p:nvSpPr>
-        <p:spPr/>
-        <p:txBody>
-          <a:bodyPr/>
-          <a:lstStyle/>
-          <a:p>
-            <a:endParaRPr lang="en-GB"/>
           </a:p>
         </p:txBody>
       </p:sp>
@@ -4174,7 +4437,7 @@
           <p:cNvPr id="2" name="Titolo 1">
             <a:extLst>
               <a:ext uri="{FF2B5EF4-FFF2-40B4-BE49-F238E27FC236}">
-                <a16:creationId xmlns:a16="http://schemas.microsoft.com/office/drawing/2014/main" id="{69898956-8F92-49CB-855F-F6736435C5D2}"/>
+                <a16:creationId xmlns:a16="http://schemas.microsoft.com/office/drawing/2014/main" id="{7D96BAD6-31BA-457C-A1F7-FFE448CEFCD7}"/>
               </a:ext>
             </a:extLst>
           </p:cNvPr>
@@ -4191,27 +4454,268 @@
           <a:lstStyle/>
           <a:p>
             <a:r>
+              <a:rPr lang="it-IT" dirty="0">
+                <a:solidFill>
+                  <a:schemeClr val="tx2"/>
+                </a:solidFill>
+              </a:rPr>
+              <a:t>Why Learning Switch</a:t>
+            </a:r>
+            <a:endParaRPr lang="en-GB" dirty="0">
+              <a:solidFill>
+                <a:schemeClr val="tx2"/>
+              </a:solidFill>
+            </a:endParaRPr>
+          </a:p>
+        </p:txBody>
+      </p:sp>
+      <p:sp>
+        <p:nvSpPr>
+          <p:cNvPr id="3" name="Segnaposto contenuto 2">
+            <a:extLst>
+              <a:ext uri="{FF2B5EF4-FFF2-40B4-BE49-F238E27FC236}">
+                <a16:creationId xmlns:a16="http://schemas.microsoft.com/office/drawing/2014/main" id="{989D378B-63F3-428D-A939-B6C0D0D0EF4D}"/>
+              </a:ext>
+            </a:extLst>
+          </p:cNvPr>
+          <p:cNvSpPr>
+            <a:spLocks noGrp="1"/>
+          </p:cNvSpPr>
+          <p:nvPr>
+            <p:ph idx="1"/>
+          </p:nvPr>
+        </p:nvSpPr>
+        <p:spPr/>
+        <p:txBody>
+          <a:bodyPr/>
+          <a:lstStyle/>
+          <a:p>
+            <a:r>
               <a:rPr lang="it-IT" dirty="0"/>
-              <a:t>Model: standard request</a:t>
-            </a:r>
-            <a:endParaRPr lang="en-GB" dirty="0"/>
-          </a:p>
-        </p:txBody>
-      </p:sp>
-      <p:sp>
-        <p:nvSpPr>
-          <p:cNvPr id="3" name="Segnaposto contenuto 2">
-            <a:extLst>
-              <a:ext uri="{FF2B5EF4-FFF2-40B4-BE49-F238E27FC236}">
-                <a16:creationId xmlns:a16="http://schemas.microsoft.com/office/drawing/2014/main" id="{B0541A4C-E281-424A-A078-63DE6C810BD9}"/>
-              </a:ext>
-            </a:extLst>
-          </p:cNvPr>
-          <p:cNvSpPr>
-            <a:spLocks noGrp="1"/>
-          </p:cNvSpPr>
-          <p:nvPr>
-            <p:ph idx="1"/>
+              <a:t>The learning switch </a:t>
+            </a:r>
+            <a:r>
+              <a:rPr lang="it-IT" dirty="0" err="1"/>
+              <a:t>is</a:t>
+            </a:r>
+            <a:r>
+              <a:rPr lang="it-IT" dirty="0"/>
+              <a:t> used in </a:t>
+            </a:r>
+            <a:r>
+              <a:rPr lang="it-IT" dirty="0" err="1"/>
+              <a:t>order</a:t>
+            </a:r>
+            <a:r>
+              <a:rPr lang="it-IT" dirty="0"/>
+              <a:t> to avoid the re-</a:t>
+            </a:r>
+            <a:r>
+              <a:rPr lang="it-IT" dirty="0" err="1"/>
+              <a:t>implementation</a:t>
+            </a:r>
+            <a:r>
+              <a:rPr lang="it-IT" dirty="0"/>
+              <a:t> of L2 switching </a:t>
+            </a:r>
+            <a:r>
+              <a:rPr lang="it-IT" dirty="0" err="1"/>
+              <a:t>functionalities</a:t>
+            </a:r>
+            <a:r>
+              <a:rPr lang="it-IT" dirty="0"/>
+              <a:t> in </a:t>
+            </a:r>
+            <a:r>
+              <a:rPr lang="it-IT" dirty="0" err="1"/>
+              <a:t>our</a:t>
+            </a:r>
+            <a:r>
+              <a:rPr lang="it-IT" dirty="0"/>
+              <a:t> controller</a:t>
+            </a:r>
+          </a:p>
+          <a:p>
+            <a:pPr lvl="1"/>
+            <a:r>
+              <a:rPr lang="it-IT" dirty="0"/>
+              <a:t>Switch </a:t>
+            </a:r>
+            <a:r>
+              <a:rPr lang="it-IT" dirty="0" err="1"/>
+              <a:t>will</a:t>
+            </a:r>
+            <a:r>
+              <a:rPr lang="it-IT" dirty="0"/>
+              <a:t> perform also auto-learning </a:t>
+            </a:r>
+            <a:r>
+              <a:rPr lang="it-IT" dirty="0" err="1"/>
+              <a:t>functionalities</a:t>
+            </a:r>
+            <a:r>
+              <a:rPr lang="it-IT" dirty="0"/>
+              <a:t>.</a:t>
+            </a:r>
+          </a:p>
+          <a:p>
+            <a:r>
+              <a:rPr lang="it-IT" dirty="0"/>
+              <a:t>For </a:t>
+            </a:r>
+            <a:r>
+              <a:rPr lang="it-IT" dirty="0" err="1"/>
+              <a:t>our</a:t>
+            </a:r>
+            <a:r>
+              <a:rPr lang="it-IT" dirty="0"/>
+              <a:t> </a:t>
+            </a:r>
+            <a:r>
+              <a:rPr lang="it-IT" dirty="0" err="1"/>
+              <a:t>purposes</a:t>
+            </a:r>
+            <a:r>
+              <a:rPr lang="it-IT" dirty="0"/>
+              <a:t>, this </a:t>
+            </a:r>
+            <a:r>
+              <a:rPr lang="it-IT" dirty="0" err="1"/>
+              <a:t>behaviour</a:t>
+            </a:r>
+            <a:r>
+              <a:rPr lang="it-IT" dirty="0"/>
+              <a:t> must be </a:t>
+            </a:r>
+            <a:r>
+              <a:rPr lang="it-IT" dirty="0" err="1"/>
+              <a:t>applied</a:t>
+            </a:r>
+            <a:r>
+              <a:rPr lang="it-IT" dirty="0"/>
+              <a:t> only to ARP and ICMP </a:t>
+            </a:r>
+            <a:r>
+              <a:rPr lang="it-IT" dirty="0" err="1"/>
+              <a:t>packets</a:t>
+            </a:r>
+            <a:endParaRPr lang="it-IT" dirty="0"/>
+          </a:p>
+          <a:p>
+            <a:pPr lvl="1"/>
+            <a:r>
+              <a:rPr lang="it-IT" dirty="0"/>
+              <a:t>ARP for </a:t>
+            </a:r>
+            <a:r>
+              <a:rPr lang="it-IT" dirty="0" err="1"/>
+              <a:t>enabling</a:t>
+            </a:r>
+            <a:r>
+              <a:rPr lang="it-IT" dirty="0"/>
+              <a:t> </a:t>
+            </a:r>
+            <a:r>
+              <a:rPr lang="it-IT" dirty="0" err="1"/>
+              <a:t>packets</a:t>
+            </a:r>
+            <a:r>
+              <a:rPr lang="it-IT" dirty="0"/>
+              <a:t> </a:t>
+            </a:r>
+            <a:r>
+              <a:rPr lang="it-IT" dirty="0" err="1"/>
+              <a:t>sending</a:t>
+            </a:r>
+            <a:r>
+              <a:rPr lang="it-IT" dirty="0"/>
+              <a:t> between clients and server;</a:t>
+            </a:r>
+          </a:p>
+          <a:p>
+            <a:pPr lvl="1"/>
+            <a:r>
+              <a:rPr lang="it-IT" dirty="0"/>
+              <a:t>ICMP for testing </a:t>
+            </a:r>
+            <a:r>
+              <a:rPr lang="it-IT" dirty="0" err="1"/>
+              <a:t>purposes</a:t>
+            </a:r>
+            <a:r>
+              <a:rPr lang="it-IT" dirty="0"/>
+              <a:t> (</a:t>
+            </a:r>
+            <a:r>
+              <a:rPr lang="it-IT" dirty="0" err="1"/>
+              <a:t>ping</a:t>
+            </a:r>
+            <a:r>
+              <a:rPr lang="it-IT" dirty="0"/>
+              <a:t> and </a:t>
+            </a:r>
+            <a:r>
+              <a:rPr lang="it-IT" dirty="0" err="1"/>
+              <a:t>error</a:t>
+            </a:r>
+            <a:r>
+              <a:rPr lang="it-IT" dirty="0"/>
+              <a:t> </a:t>
+            </a:r>
+            <a:r>
+              <a:rPr lang="it-IT" dirty="0" err="1"/>
+              <a:t>messages</a:t>
+            </a:r>
+            <a:r>
+              <a:rPr lang="it-IT" dirty="0"/>
+              <a:t>).</a:t>
+            </a:r>
+          </a:p>
+          <a:p>
+            <a:r>
+              <a:rPr lang="it-IT" dirty="0" err="1"/>
+              <a:t>Our</a:t>
+            </a:r>
+            <a:r>
+              <a:rPr lang="it-IT" dirty="0"/>
+              <a:t> model does not include L3 forwarding</a:t>
+            </a:r>
+          </a:p>
+          <a:p>
+            <a:pPr lvl="1"/>
+            <a:r>
+              <a:rPr lang="it-IT" dirty="0"/>
+              <a:t>Packet coming from clients and server are </a:t>
+            </a:r>
+            <a:r>
+              <a:rPr lang="it-IT" dirty="0" err="1"/>
+              <a:t>forwarded</a:t>
+            </a:r>
+            <a:r>
+              <a:rPr lang="it-IT" dirty="0"/>
+              <a:t> by default to the switch.</a:t>
+            </a:r>
+          </a:p>
+          <a:p>
+            <a:pPr lvl="1"/>
+            <a:endParaRPr lang="it-IT" dirty="0"/>
+          </a:p>
+        </p:txBody>
+      </p:sp>
+      <p:sp>
+        <p:nvSpPr>
+          <p:cNvPr id="4" name="Segnaposto piè di pagina 3">
+            <a:extLst>
+              <a:ext uri="{FF2B5EF4-FFF2-40B4-BE49-F238E27FC236}">
+                <a16:creationId xmlns:a16="http://schemas.microsoft.com/office/drawing/2014/main" id="{B0177442-FF79-405F-89DF-63126288BA0F}"/>
+              </a:ext>
+            </a:extLst>
+          </p:cNvPr>
+          <p:cNvSpPr>
+            <a:spLocks noGrp="1"/>
+          </p:cNvSpPr>
+          <p:nvPr>
+            <p:ph type="ftr" sz="quarter" idx="11"/>
           </p:nvPr>
         </p:nvSpPr>
         <p:spPr/>
@@ -4219,31 +4723,6 @@
           <a:bodyPr/>
           <a:lstStyle/>
           <a:p>
-            <a:endParaRPr lang="en-GB"/>
-          </a:p>
-        </p:txBody>
-      </p:sp>
-      <p:sp>
-        <p:nvSpPr>
-          <p:cNvPr id="4" name="Segnaposto piè di pagina 3">
-            <a:extLst>
-              <a:ext uri="{FF2B5EF4-FFF2-40B4-BE49-F238E27FC236}">
-                <a16:creationId xmlns:a16="http://schemas.microsoft.com/office/drawing/2014/main" id="{590B7072-A1FE-4635-A5DB-D5BFBA541B89}"/>
-              </a:ext>
-            </a:extLst>
-          </p:cNvPr>
-          <p:cNvSpPr>
-            <a:spLocks noGrp="1"/>
-          </p:cNvSpPr>
-          <p:nvPr>
-            <p:ph type="ftr" sz="quarter" idx="11"/>
-          </p:nvPr>
-        </p:nvSpPr>
-        <p:spPr/>
-        <p:txBody>
-          <a:bodyPr/>
-          <a:lstStyle/>
-          <a:p>
             <a:r>
               <a:rPr lang="it-IT"/>
               <a:t>A. Le Caldare, E. Sassu, E. Scarselli</a:t>
@@ -4257,7 +4736,7 @@
           <p:cNvPr id="5" name="Segnaposto numero diapositiva 4">
             <a:extLst>
               <a:ext uri="{FF2B5EF4-FFF2-40B4-BE49-F238E27FC236}">
-                <a16:creationId xmlns:a16="http://schemas.microsoft.com/office/drawing/2014/main" id="{1526AF9B-3917-4A70-AC80-4F260B77C3EF}"/>
+                <a16:creationId xmlns:a16="http://schemas.microsoft.com/office/drawing/2014/main" id="{0D34D309-1DD9-4B79-BD18-17DC55DC9F25}"/>
               </a:ext>
             </a:extLst>
           </p:cNvPr>
@@ -4284,7 +4763,7 @@
     </p:spTree>
     <p:extLst>
       <p:ext uri="{BB962C8B-B14F-4D97-AF65-F5344CB8AC3E}">
-        <p14:creationId xmlns:p14="http://schemas.microsoft.com/office/powerpoint/2010/main" val="194670911"/>
+        <p14:creationId xmlns:p14="http://schemas.microsoft.com/office/powerpoint/2010/main" val="1578765031"/>
       </p:ext>
     </p:extLst>
   </p:cSld>
@@ -4316,7 +4795,7 @@
           <p:cNvPr id="2" name="Titolo 1">
             <a:extLst>
               <a:ext uri="{FF2B5EF4-FFF2-40B4-BE49-F238E27FC236}">
-                <a16:creationId xmlns:a16="http://schemas.microsoft.com/office/drawing/2014/main" id="{002EDB8D-BE18-4584-97E4-2E2688A4757B}"/>
+                <a16:creationId xmlns:a16="http://schemas.microsoft.com/office/drawing/2014/main" id="{7E6353A6-1C85-4D8F-9EA2-AAA7BDECABC1}"/>
               </a:ext>
             </a:extLst>
           </p:cNvPr>
@@ -4334,7 +4813,7 @@
           <a:p>
             <a:r>
               <a:rPr lang="it-IT" dirty="0"/>
-              <a:t>Model: forward request, block bot </a:t>
+              <a:t>PROBLEMI INCONTRATI</a:t>
             </a:r>
             <a:endParaRPr lang="en-GB" dirty="0"/>
           </a:p>
@@ -4345,7 +4824,7 @@
           <p:cNvPr id="3" name="Segnaposto contenuto 2">
             <a:extLst>
               <a:ext uri="{FF2B5EF4-FFF2-40B4-BE49-F238E27FC236}">
-                <a16:creationId xmlns:a16="http://schemas.microsoft.com/office/drawing/2014/main" id="{E0E26385-0E01-470A-BB6F-7B57DBF5736F}"/>
+                <a16:creationId xmlns:a16="http://schemas.microsoft.com/office/drawing/2014/main" id="{DF3513A8-F910-4B01-AD7F-5C394725A6CD}"/>
               </a:ext>
             </a:extLst>
           </p:cNvPr>
@@ -4361,7 +4840,131 @@
           <a:bodyPr/>
           <a:lstStyle/>
           <a:p>
-            <a:endParaRPr lang="en-GB"/>
+            <a:r>
+              <a:rPr lang="it-IT" dirty="0"/>
+              <a:t>Execution </a:t>
+            </a:r>
+            <a:r>
+              <a:rPr lang="it-IT" dirty="0" err="1"/>
+              <a:t>order</a:t>
+            </a:r>
+            <a:r>
+              <a:rPr lang="it-IT" dirty="0"/>
+              <a:t> of </a:t>
+            </a:r>
+            <a:r>
+              <a:rPr lang="it-IT" dirty="0" err="1"/>
+              <a:t>floodlight</a:t>
+            </a:r>
+            <a:r>
+              <a:rPr lang="it-IT" dirty="0"/>
+              <a:t> </a:t>
+            </a:r>
+            <a:r>
+              <a:rPr lang="it-IT" dirty="0" err="1"/>
+              <a:t>modules</a:t>
+            </a:r>
+            <a:r>
+              <a:rPr lang="it-IT" dirty="0"/>
+              <a:t> </a:t>
+            </a:r>
+            <a:r>
+              <a:rPr lang="it-IT" dirty="0">
+                <a:hlinkClick r:id="rId3"/>
+              </a:rPr>
+              <a:t>here</a:t>
+            </a:r>
+            <a:r>
+              <a:rPr lang="it-IT" dirty="0"/>
+              <a:t>.</a:t>
+            </a:r>
+          </a:p>
+          <a:p>
+            <a:r>
+              <a:rPr lang="it-IT" dirty="0"/>
+              <a:t>The normal rule (</a:t>
+            </a:r>
+            <a:r>
+              <a:rPr lang="it-IT" dirty="0" err="1"/>
+              <a:t>action.normal</a:t>
+            </a:r>
+            <a:r>
+              <a:rPr lang="it-IT" dirty="0"/>
+              <a:t>) does not work for non </a:t>
+            </a:r>
+            <a:r>
+              <a:rPr lang="it-IT" dirty="0" err="1"/>
+              <a:t>hybrid</a:t>
+            </a:r>
+            <a:r>
+              <a:rPr lang="it-IT" dirty="0"/>
+              <a:t> </a:t>
+            </a:r>
+            <a:r>
+              <a:rPr lang="it-IT"/>
+              <a:t>switches: </a:t>
+            </a:r>
+            <a:r>
+              <a:rPr lang="it-IT" dirty="0"/>
+              <a:t>mette la regola e manda i pacchetti </a:t>
+            </a:r>
+            <a:r>
+              <a:rPr lang="it-IT" dirty="0" err="1"/>
+              <a:t>inditro</a:t>
+            </a:r>
+            <a:endParaRPr lang="it-IT" dirty="0"/>
+          </a:p>
+          <a:p>
+            <a:r>
+              <a:rPr lang="it-IT" dirty="0"/>
+              <a:t>Learning switch: </a:t>
+            </a:r>
+          </a:p>
+          <a:p>
+            <a:pPr lvl="1"/>
+            <a:r>
+              <a:rPr lang="it-IT" dirty="0"/>
+              <a:t>Aggiunti metodi (interfaccia)</a:t>
+            </a:r>
+          </a:p>
+          <a:p>
+            <a:pPr lvl="1"/>
+            <a:endParaRPr lang="it-IT" dirty="0"/>
+          </a:p>
+          <a:p>
+            <a:r>
+              <a:rPr lang="it-IT" dirty="0"/>
+              <a:t>Eliminazione delle regole con filtro (</a:t>
+            </a:r>
+            <a:r>
+              <a:rPr lang="it-IT" dirty="0" err="1"/>
+              <a:t>OFFlowDelete</a:t>
+            </a:r>
+            <a:r>
+              <a:rPr lang="it-IT" dirty="0"/>
+              <a:t>, </a:t>
+            </a:r>
+            <a:r>
+              <a:rPr lang="it-IT" dirty="0" err="1"/>
+              <a:t>OFFlowDeleteStrict</a:t>
+            </a:r>
+            <a:r>
+              <a:rPr lang="it-IT" dirty="0"/>
+              <a:t>)</a:t>
+            </a:r>
+          </a:p>
+          <a:p>
+            <a:r>
+              <a:rPr lang="it-IT" dirty="0"/>
+              <a:t>Debugging delle regole</a:t>
+            </a:r>
+          </a:p>
+          <a:p>
+            <a:endParaRPr lang="it-IT" dirty="0"/>
+          </a:p>
+          <a:p>
+            <a:pPr lvl="1"/>
+            <a:endParaRPr lang="en-GB" dirty="0"/>
           </a:p>
         </p:txBody>
       </p:sp>
@@ -4370,7 +4973,7 @@
           <p:cNvPr id="4" name="Segnaposto piè di pagina 3">
             <a:extLst>
               <a:ext uri="{FF2B5EF4-FFF2-40B4-BE49-F238E27FC236}">
-                <a16:creationId xmlns:a16="http://schemas.microsoft.com/office/drawing/2014/main" id="{23AF2C31-751A-42BD-9794-DD0FA346C4AE}"/>
+                <a16:creationId xmlns:a16="http://schemas.microsoft.com/office/drawing/2014/main" id="{143FDC5E-D0BC-456A-BA7B-938A4422FE96}"/>
               </a:ext>
             </a:extLst>
           </p:cNvPr>
@@ -4399,7 +5002,7 @@
           <p:cNvPr id="5" name="Segnaposto numero diapositiva 4">
             <a:extLst>
               <a:ext uri="{FF2B5EF4-FFF2-40B4-BE49-F238E27FC236}">
-                <a16:creationId xmlns:a16="http://schemas.microsoft.com/office/drawing/2014/main" id="{DE7D02B0-0FD4-446F-B7C5-11D7DE6AB82B}"/>
+                <a16:creationId xmlns:a16="http://schemas.microsoft.com/office/drawing/2014/main" id="{498B3CE7-B9F2-48C7-984E-87974B8C1C63}"/>
               </a:ext>
             </a:extLst>
           </p:cNvPr>
@@ -4426,7 +5029,7 @@
     </p:spTree>
     <p:extLst>
       <p:ext uri="{BB962C8B-B14F-4D97-AF65-F5344CB8AC3E}">
-        <p14:creationId xmlns:p14="http://schemas.microsoft.com/office/powerpoint/2010/main" val="650050981"/>
+        <p14:creationId xmlns:p14="http://schemas.microsoft.com/office/powerpoint/2010/main" val="3051106695"/>
       </p:ext>
     </p:extLst>
   </p:cSld>
@@ -4458,7 +5061,7 @@
           <p:cNvPr id="2" name="Titolo 1">
             <a:extLst>
               <a:ext uri="{FF2B5EF4-FFF2-40B4-BE49-F238E27FC236}">
-                <a16:creationId xmlns:a16="http://schemas.microsoft.com/office/drawing/2014/main" id="{7D96BAD6-31BA-457C-A1F7-FFE448CEFCD7}"/>
+                <a16:creationId xmlns:a16="http://schemas.microsoft.com/office/drawing/2014/main" id="{71BF20B7-4BA0-4CF1-8E2B-382DBDBD21EB}"/>
               </a:ext>
             </a:extLst>
           </p:cNvPr>
@@ -4469,41 +5072,53 @@
             <p:ph type="title"/>
           </p:nvPr>
         </p:nvSpPr>
-        <p:spPr/>
-        <p:txBody>
-          <a:bodyPr/>
-          <a:lstStyle/>
-          <a:p>
-            <a:r>
-              <a:rPr lang="it-IT" dirty="0"/>
-              <a:t>Why Learning Switch</a:t>
-            </a:r>
-            <a:endParaRPr lang="en-GB" dirty="0"/>
-          </a:p>
-        </p:txBody>
-      </p:sp>
-      <p:sp>
-        <p:nvSpPr>
-          <p:cNvPr id="3" name="Segnaposto contenuto 2">
-            <a:extLst>
-              <a:ext uri="{FF2B5EF4-FFF2-40B4-BE49-F238E27FC236}">
-                <a16:creationId xmlns:a16="http://schemas.microsoft.com/office/drawing/2014/main" id="{989D378B-63F3-428D-A939-B6C0D0D0EF4D}"/>
-              </a:ext>
-            </a:extLst>
-          </p:cNvPr>
-          <p:cNvSpPr>
-            <a:spLocks noGrp="1"/>
-          </p:cNvSpPr>
-          <p:nvPr>
-            <p:ph idx="1"/>
-          </p:nvPr>
-        </p:nvSpPr>
-        <p:spPr/>
-        <p:txBody>
-          <a:bodyPr/>
-          <a:lstStyle/>
-          <a:p>
-            <a:endParaRPr lang="en-GB"/>
+        <p:spPr>
+          <a:xfrm>
+            <a:off x="317500" y="390525"/>
+            <a:ext cx="10515600" cy="1325563"/>
+          </a:xfrm>
+        </p:spPr>
+        <p:txBody>
+          <a:bodyPr/>
+          <a:lstStyle/>
+          <a:p>
+            <a:r>
+              <a:rPr lang="it-IT" dirty="0" err="1">
+                <a:solidFill>
+                  <a:schemeClr val="tx2"/>
+                </a:solidFill>
+              </a:rPr>
+              <a:t>Our</a:t>
+            </a:r>
+            <a:r>
+              <a:rPr lang="it-IT" dirty="0">
+                <a:solidFill>
+                  <a:schemeClr val="tx2"/>
+                </a:solidFill>
+              </a:rPr>
+              <a:t> </a:t>
+            </a:r>
+            <a:r>
+              <a:rPr lang="it-IT" dirty="0" err="1">
+                <a:solidFill>
+                  <a:schemeClr val="tx2"/>
+                </a:solidFill>
+              </a:rPr>
+              <a:t>Pseudocode</a:t>
+            </a:r>
+            <a:r>
+              <a:rPr lang="it-IT" dirty="0">
+                <a:solidFill>
+                  <a:schemeClr val="tx2"/>
+                </a:solidFill>
+              </a:rPr>
+              <a:t> </a:t>
+            </a:r>
+            <a:endParaRPr lang="en-GB" dirty="0">
+              <a:solidFill>
+                <a:schemeClr val="tx2"/>
+              </a:solidFill>
+            </a:endParaRPr>
           </a:p>
         </p:txBody>
       </p:sp>
@@ -4512,7 +5127,7 @@
           <p:cNvPr id="4" name="Segnaposto piè di pagina 3">
             <a:extLst>
               <a:ext uri="{FF2B5EF4-FFF2-40B4-BE49-F238E27FC236}">
-                <a16:creationId xmlns:a16="http://schemas.microsoft.com/office/drawing/2014/main" id="{B0177442-FF79-405F-89DF-63126288BA0F}"/>
+                <a16:creationId xmlns:a16="http://schemas.microsoft.com/office/drawing/2014/main" id="{65E15F71-FD24-4519-9713-A3CBDEEFE96A}"/>
               </a:ext>
             </a:extLst>
           </p:cNvPr>
@@ -4523,7 +5138,12 @@
             <p:ph type="ftr" sz="quarter" idx="11"/>
           </p:nvPr>
         </p:nvSpPr>
-        <p:spPr/>
+        <p:spPr>
+          <a:xfrm>
+            <a:off x="4038600" y="6356350"/>
+            <a:ext cx="4114800" cy="365125"/>
+          </a:xfrm>
+        </p:spPr>
         <p:txBody>
           <a:bodyPr/>
           <a:lstStyle/>
@@ -4541,7 +5161,7 @@
           <p:cNvPr id="5" name="Segnaposto numero diapositiva 4">
             <a:extLst>
               <a:ext uri="{FF2B5EF4-FFF2-40B4-BE49-F238E27FC236}">
-                <a16:creationId xmlns:a16="http://schemas.microsoft.com/office/drawing/2014/main" id="{0D34D309-1DD9-4B79-BD18-17DC55DC9F25}"/>
+                <a16:creationId xmlns:a16="http://schemas.microsoft.com/office/drawing/2014/main" id="{FBB32699-A021-4E06-954D-B48771B9AF8C}"/>
               </a:ext>
             </a:extLst>
           </p:cNvPr>
@@ -4552,7 +5172,12 @@
             <p:ph type="sldNum" sz="quarter" idx="12"/>
           </p:nvPr>
         </p:nvSpPr>
-        <p:spPr/>
+        <p:spPr>
+          <a:xfrm>
+            <a:off x="8610600" y="6356350"/>
+            <a:ext cx="2743200" cy="365125"/>
+          </a:xfrm>
+        </p:spPr>
         <p:txBody>
           <a:bodyPr/>
           <a:lstStyle/>
@@ -4565,10 +5190,170 @@
           </a:p>
         </p:txBody>
       </p:sp>
+      <p:pic>
+        <p:nvPicPr>
+          <p:cNvPr id="6" name="Segnaposto contenuto 6">
+            <a:extLst>
+              <a:ext uri="{FF2B5EF4-FFF2-40B4-BE49-F238E27FC236}">
+                <a16:creationId xmlns:a16="http://schemas.microsoft.com/office/drawing/2014/main" id="{12FC9BFD-6F57-4CEA-921E-F45007B02160}"/>
+              </a:ext>
+            </a:extLst>
+          </p:cNvPr>
+          <p:cNvPicPr>
+            <a:picLocks noGrp="1" noChangeAspect="1"/>
+          </p:cNvPicPr>
+          <p:nvPr>
+            <p:ph idx="1"/>
+          </p:nvPr>
+        </p:nvPicPr>
+        <p:blipFill rotWithShape="1">
+          <a:blip r:embed="rId2">
+            <a:extLst>
+              <a:ext uri="{28A0092B-C50C-407E-A947-70E740481C1C}">
+                <a14:useLocalDpi xmlns:a14="http://schemas.microsoft.com/office/drawing/2010/main" val="0"/>
+              </a:ext>
+            </a:extLst>
+          </a:blip>
+          <a:srcRect l="6913" t="5317" r="7315" b="54954"/>
+          <a:stretch/>
+        </p:blipFill>
+        <p:spPr>
+          <a:xfrm>
+            <a:off x="4394242" y="886114"/>
+            <a:ext cx="7429416" cy="4652743"/>
+          </a:xfrm>
+        </p:spPr>
+      </p:pic>
+      <p:sp>
+        <p:nvSpPr>
+          <p:cNvPr id="7" name="CasellaDiTesto 6">
+            <a:extLst>
+              <a:ext uri="{FF2B5EF4-FFF2-40B4-BE49-F238E27FC236}">
+                <a16:creationId xmlns:a16="http://schemas.microsoft.com/office/drawing/2014/main" id="{5CD30BED-1BC5-4548-A8AA-416D7B7CE417}"/>
+              </a:ext>
+            </a:extLst>
+          </p:cNvPr>
+          <p:cNvSpPr txBox="1"/>
+          <p:nvPr/>
+        </p:nvSpPr>
+        <p:spPr>
+          <a:xfrm>
+            <a:off x="419101" y="2184400"/>
+            <a:ext cx="3905250" cy="5724644"/>
+          </a:xfrm>
+          <a:prstGeom prst="rect">
+            <a:avLst/>
+          </a:prstGeom>
+          <a:noFill/>
+        </p:spPr>
+        <p:txBody>
+          <a:bodyPr wrap="square" rtlCol="0">
+            <a:spAutoFit/>
+          </a:bodyPr>
+          <a:lstStyle/>
+          <a:p>
+            <a:r>
+              <a:rPr lang="it-IT" sz="2400" dirty="0" err="1"/>
+              <a:t>Differences</a:t>
+            </a:r>
+            <a:r>
+              <a:rPr lang="it-IT" sz="2400" dirty="0"/>
+              <a:t>:</a:t>
+            </a:r>
+          </a:p>
+          <a:p>
+            <a:endParaRPr lang="it-IT" sz="2400" dirty="0"/>
+          </a:p>
+          <a:p>
+            <a:pPr marL="285750" indent="-285750">
+              <a:buFontTx/>
+              <a:buChar char="-"/>
+            </a:pPr>
+            <a:r>
+              <a:rPr lang="it-IT" sz="2400" dirty="0"/>
+              <a:t>Add rules for </a:t>
+            </a:r>
+            <a:r>
+              <a:rPr lang="it-IT" sz="2400" dirty="0" err="1"/>
+              <a:t>packets</a:t>
+            </a:r>
+            <a:r>
+              <a:rPr lang="it-IT" sz="2400" dirty="0"/>
+              <a:t> coming from  </a:t>
+            </a:r>
+            <a:br>
+              <a:rPr lang="it-IT" sz="2400" dirty="0"/>
+            </a:br>
+            <a:r>
+              <a:rPr lang="it-IT" sz="2400" dirty="0"/>
+              <a:t>the server to clients. </a:t>
+            </a:r>
+          </a:p>
+          <a:p>
+            <a:pPr marL="285750" indent="-285750">
+              <a:buFontTx/>
+              <a:buChar char="-"/>
+            </a:pPr>
+            <a:r>
+              <a:rPr lang="it-IT" sz="2400" dirty="0" err="1"/>
+              <a:t>Packets</a:t>
+            </a:r>
+            <a:r>
+              <a:rPr lang="it-IT" sz="2400" dirty="0"/>
+              <a:t> coming from server need only to be </a:t>
+            </a:r>
+            <a:r>
+              <a:rPr lang="it-IT" sz="2400" dirty="0" err="1"/>
+              <a:t>forwarded</a:t>
+            </a:r>
+            <a:r>
+              <a:rPr lang="it-IT" sz="2400" dirty="0"/>
+              <a:t>, then execution can stop after </a:t>
+            </a:r>
+            <a:r>
+              <a:rPr lang="it-IT" sz="2400" dirty="0" err="1"/>
+              <a:t>adding</a:t>
+            </a:r>
+            <a:r>
+              <a:rPr lang="it-IT" sz="2400" dirty="0"/>
+              <a:t> the server forwarding rule.</a:t>
+            </a:r>
+          </a:p>
+          <a:p>
+            <a:pPr marL="285750" indent="-285750">
+              <a:buFontTx/>
+              <a:buChar char="-"/>
+            </a:pPr>
+            <a:endParaRPr lang="it-IT" dirty="0"/>
+          </a:p>
+          <a:p>
+            <a:pPr marL="285750" indent="-285750">
+              <a:buFontTx/>
+              <a:buChar char="-"/>
+            </a:pPr>
+            <a:endParaRPr lang="it-IT" dirty="0"/>
+          </a:p>
+          <a:p>
+            <a:endParaRPr lang="it-IT" dirty="0"/>
+          </a:p>
+          <a:p>
+            <a:endParaRPr lang="it-IT" dirty="0"/>
+          </a:p>
+          <a:p>
+            <a:endParaRPr lang="it-IT" dirty="0"/>
+          </a:p>
+          <a:p>
+            <a:endParaRPr lang="it-IT" dirty="0"/>
+          </a:p>
+          <a:p>
+            <a:endParaRPr lang="en-GB" dirty="0"/>
+          </a:p>
+        </p:txBody>
+      </p:sp>
     </p:spTree>
     <p:extLst>
       <p:ext uri="{BB962C8B-B14F-4D97-AF65-F5344CB8AC3E}">
-        <p14:creationId xmlns:p14="http://schemas.microsoft.com/office/powerpoint/2010/main" val="1578765031"/>
+        <p14:creationId xmlns:p14="http://schemas.microsoft.com/office/powerpoint/2010/main" val="1277185730"/>
       </p:ext>
     </p:extLst>
   </p:cSld>
@@ -4600,7 +5385,7 @@
           <p:cNvPr id="2" name="Titolo 1">
             <a:extLst>
               <a:ext uri="{FF2B5EF4-FFF2-40B4-BE49-F238E27FC236}">
-                <a16:creationId xmlns:a16="http://schemas.microsoft.com/office/drawing/2014/main" id="{71BF20B7-4BA0-4CF1-8E2B-382DBDBD21EB}"/>
+                <a16:creationId xmlns:a16="http://schemas.microsoft.com/office/drawing/2014/main" id="{9324FF3B-3B1A-463B-8372-37E5585C7A8B}"/>
               </a:ext>
             </a:extLst>
           </p:cNvPr>
@@ -4611,25 +5396,46 @@
             <p:ph type="title"/>
           </p:nvPr>
         </p:nvSpPr>
-        <p:spPr/>
-        <p:txBody>
-          <a:bodyPr/>
-          <a:lstStyle/>
-          <a:p>
-            <a:r>
-              <a:rPr lang="it-IT" dirty="0" err="1"/>
+        <p:spPr>
+          <a:xfrm>
+            <a:off x="368300" y="377825"/>
+            <a:ext cx="10515600" cy="1325563"/>
+          </a:xfrm>
+        </p:spPr>
+        <p:txBody>
+          <a:bodyPr/>
+          <a:lstStyle/>
+          <a:p>
+            <a:r>
+              <a:rPr lang="it-IT" dirty="0" err="1">
+                <a:solidFill>
+                  <a:schemeClr val="tx2"/>
+                </a:solidFill>
+              </a:rPr>
               <a:t>Our</a:t>
             </a:r>
             <a:r>
-              <a:rPr lang="it-IT" dirty="0"/>
+              <a:rPr lang="it-IT" dirty="0">
+                <a:solidFill>
+                  <a:schemeClr val="tx2"/>
+                </a:solidFill>
+              </a:rPr>
               <a:t> </a:t>
             </a:r>
             <a:r>
-              <a:rPr lang="it-IT" dirty="0" err="1"/>
+              <a:rPr lang="it-IT" dirty="0" err="1">
+                <a:solidFill>
+                  <a:schemeClr val="tx2"/>
+                </a:solidFill>
+              </a:rPr>
               <a:t>Pseudocode</a:t>
             </a:r>
             <a:r>
-              <a:rPr lang="it-IT" dirty="0"/>
+              <a:rPr lang="it-IT" dirty="0">
+                <a:solidFill>
+                  <a:schemeClr val="tx2"/>
+                </a:solidFill>
+              </a:rPr>
               <a:t> </a:t>
             </a:r>
             <a:endParaRPr lang="en-GB" dirty="0"/>
@@ -4638,39 +5444,10 @@
       </p:sp>
       <p:sp>
         <p:nvSpPr>
-          <p:cNvPr id="3" name="Segnaposto contenuto 2">
-            <a:extLst>
-              <a:ext uri="{FF2B5EF4-FFF2-40B4-BE49-F238E27FC236}">
-                <a16:creationId xmlns:a16="http://schemas.microsoft.com/office/drawing/2014/main" id="{1782FCE5-F53E-4593-973C-F17B3AFD336B}"/>
-              </a:ext>
-            </a:extLst>
-          </p:cNvPr>
-          <p:cNvSpPr>
-            <a:spLocks noGrp="1"/>
-          </p:cNvSpPr>
-          <p:nvPr>
-            <p:ph idx="1"/>
-          </p:nvPr>
-        </p:nvSpPr>
-        <p:spPr/>
-        <p:txBody>
-          <a:bodyPr/>
-          <a:lstStyle/>
-          <a:p>
-            <a:r>
-              <a:rPr lang="it-IT" dirty="0"/>
-              <a:t>OF</a:t>
-            </a:r>
-            <a:endParaRPr lang="en-GB" dirty="0"/>
-          </a:p>
-        </p:txBody>
-      </p:sp>
-      <p:sp>
-        <p:nvSpPr>
           <p:cNvPr id="4" name="Segnaposto piè di pagina 3">
             <a:extLst>
               <a:ext uri="{FF2B5EF4-FFF2-40B4-BE49-F238E27FC236}">
-                <a16:creationId xmlns:a16="http://schemas.microsoft.com/office/drawing/2014/main" id="{65E15F71-FD24-4519-9713-A3CBDEEFE96A}"/>
+                <a16:creationId xmlns:a16="http://schemas.microsoft.com/office/drawing/2014/main" id="{23D645FA-0AA3-4E37-9807-0FDE2B99459A}"/>
               </a:ext>
             </a:extLst>
           </p:cNvPr>
@@ -4681,7 +5458,12 @@
             <p:ph type="ftr" sz="quarter" idx="11"/>
           </p:nvPr>
         </p:nvSpPr>
-        <p:spPr/>
+        <p:spPr>
+          <a:xfrm>
+            <a:off x="4038600" y="6356350"/>
+            <a:ext cx="4114800" cy="365125"/>
+          </a:xfrm>
+        </p:spPr>
         <p:txBody>
           <a:bodyPr/>
           <a:lstStyle/>
@@ -4699,7 +5481,7 @@
           <p:cNvPr id="5" name="Segnaposto numero diapositiva 4">
             <a:extLst>
               <a:ext uri="{FF2B5EF4-FFF2-40B4-BE49-F238E27FC236}">
-                <a16:creationId xmlns:a16="http://schemas.microsoft.com/office/drawing/2014/main" id="{FBB32699-A021-4E06-954D-B48771B9AF8C}"/>
+                <a16:creationId xmlns:a16="http://schemas.microsoft.com/office/drawing/2014/main" id="{F9865783-E436-4F01-9664-B2759478D0A2}"/>
               </a:ext>
             </a:extLst>
           </p:cNvPr>
@@ -4710,7 +5492,12 @@
             <p:ph type="sldNum" sz="quarter" idx="12"/>
           </p:nvPr>
         </p:nvSpPr>
-        <p:spPr/>
+        <p:spPr>
+          <a:xfrm>
+            <a:off x="8610600" y="6356350"/>
+            <a:ext cx="2743200" cy="365125"/>
+          </a:xfrm>
+        </p:spPr>
         <p:txBody>
           <a:bodyPr/>
           <a:lstStyle/>
@@ -4723,10 +5510,182 @@
           </a:p>
         </p:txBody>
       </p:sp>
+      <p:pic>
+        <p:nvPicPr>
+          <p:cNvPr id="6" name="Segnaposto contenuto 6">
+            <a:extLst>
+              <a:ext uri="{FF2B5EF4-FFF2-40B4-BE49-F238E27FC236}">
+                <a16:creationId xmlns:a16="http://schemas.microsoft.com/office/drawing/2014/main" id="{D41959EA-8DEB-44C8-9569-96F37FBDB1FE}"/>
+              </a:ext>
+            </a:extLst>
+          </p:cNvPr>
+          <p:cNvPicPr>
+            <a:picLocks noGrp="1" noChangeAspect="1"/>
+          </p:cNvPicPr>
+          <p:nvPr>
+            <p:ph idx="1"/>
+          </p:nvPr>
+        </p:nvPicPr>
+        <p:blipFill rotWithShape="1">
+          <a:blip r:embed="rId2">
+            <a:extLst>
+              <a:ext uri="{28A0092B-C50C-407E-A947-70E740481C1C}">
+                <a14:useLocalDpi xmlns:a14="http://schemas.microsoft.com/office/drawing/2010/main" val="0"/>
+              </a:ext>
+            </a:extLst>
+          </a:blip>
+          <a:srcRect l="7382" t="44488" r="7382" b="7340"/>
+          <a:stretch/>
+        </p:blipFill>
+        <p:spPr>
+          <a:xfrm>
+            <a:off x="4659336" y="849214"/>
+            <a:ext cx="7113564" cy="5435600"/>
+          </a:xfrm>
+        </p:spPr>
+      </p:pic>
+      <p:sp>
+        <p:nvSpPr>
+          <p:cNvPr id="12" name="CasellaDiTesto 11">
+            <a:extLst>
+              <a:ext uri="{FF2B5EF4-FFF2-40B4-BE49-F238E27FC236}">
+                <a16:creationId xmlns:a16="http://schemas.microsoft.com/office/drawing/2014/main" id="{A2C77459-C5D4-4CC8-98D4-5DB5A7912BD8}"/>
+              </a:ext>
+            </a:extLst>
+          </p:cNvPr>
+          <p:cNvSpPr txBox="1"/>
+          <p:nvPr/>
+        </p:nvSpPr>
+        <p:spPr>
+          <a:xfrm>
+            <a:off x="419101" y="2184400"/>
+            <a:ext cx="4114800" cy="5170646"/>
+          </a:xfrm>
+          <a:prstGeom prst="rect">
+            <a:avLst/>
+          </a:prstGeom>
+          <a:noFill/>
+        </p:spPr>
+        <p:txBody>
+          <a:bodyPr wrap="square" rtlCol="0">
+            <a:spAutoFit/>
+          </a:bodyPr>
+          <a:lstStyle/>
+          <a:p>
+            <a:r>
+              <a:rPr lang="it-IT" sz="2400" dirty="0" err="1"/>
+              <a:t>Differences</a:t>
+            </a:r>
+            <a:r>
+              <a:rPr lang="it-IT" sz="2400" dirty="0"/>
+              <a:t>:</a:t>
+            </a:r>
+          </a:p>
+          <a:p>
+            <a:pPr marL="285750" indent="-285750">
+              <a:buFontTx/>
+              <a:buChar char="-"/>
+            </a:pPr>
+            <a:r>
+              <a:rPr lang="it-IT" sz="2400" dirty="0"/>
+              <a:t>Checking for connection coming from clients to new server address must be done only when </a:t>
+            </a:r>
+            <a:r>
+              <a:rPr lang="it-IT" sz="2400" dirty="0" err="1"/>
+              <a:t>protection</a:t>
+            </a:r>
+            <a:r>
+              <a:rPr lang="it-IT" sz="2400" dirty="0"/>
+              <a:t> </a:t>
+            </a:r>
+            <a:r>
+              <a:rPr lang="it-IT" sz="2400" dirty="0" err="1"/>
+              <a:t>is</a:t>
+            </a:r>
+            <a:r>
+              <a:rPr lang="it-IT" sz="2400" dirty="0"/>
+              <a:t> </a:t>
+            </a:r>
+            <a:r>
+              <a:rPr lang="it-IT" sz="2400" dirty="0" err="1"/>
+              <a:t>enabled</a:t>
+            </a:r>
+            <a:r>
+              <a:rPr lang="it-IT" sz="2400" dirty="0"/>
+              <a:t>.</a:t>
+            </a:r>
+          </a:p>
+          <a:p>
+            <a:pPr marL="285750" indent="-285750">
+              <a:buFontTx/>
+              <a:buChar char="-"/>
+            </a:pPr>
+            <a:r>
+              <a:rPr lang="it-IT" sz="2400" dirty="0"/>
+              <a:t>The </a:t>
+            </a:r>
+            <a:r>
+              <a:rPr lang="it-IT" sz="2400" dirty="0" err="1"/>
+              <a:t>dictionary</a:t>
+            </a:r>
+            <a:r>
+              <a:rPr lang="it-IT" sz="2400" dirty="0"/>
+              <a:t> of clients </a:t>
+            </a:r>
+            <a:r>
+              <a:rPr lang="it-IT" sz="2400" dirty="0" err="1"/>
+              <a:t>connecitons</a:t>
+            </a:r>
+            <a:r>
+              <a:rPr lang="it-IT" sz="2400" dirty="0"/>
+              <a:t> must be </a:t>
+            </a:r>
+            <a:r>
+              <a:rPr lang="it-IT" sz="2400" dirty="0" err="1"/>
+              <a:t>cleared</a:t>
+            </a:r>
+            <a:r>
+              <a:rPr lang="it-IT" sz="2400" dirty="0"/>
+              <a:t> when connection to new server address </a:t>
+            </a:r>
+            <a:r>
+              <a:rPr lang="it-IT" sz="2400" dirty="0" err="1"/>
+              <a:t>is</a:t>
+            </a:r>
+            <a:r>
+              <a:rPr lang="it-IT" sz="2400" dirty="0"/>
+              <a:t> </a:t>
+            </a:r>
+            <a:r>
+              <a:rPr lang="it-IT" sz="2400" dirty="0" err="1"/>
+              <a:t>detected</a:t>
+            </a:r>
+            <a:r>
+              <a:rPr lang="it-IT" sz="2400" dirty="0"/>
+              <a:t>.</a:t>
+            </a:r>
+          </a:p>
+          <a:p>
+            <a:endParaRPr lang="it-IT" dirty="0"/>
+          </a:p>
+          <a:p>
+            <a:endParaRPr lang="it-IT" dirty="0"/>
+          </a:p>
+          <a:p>
+            <a:endParaRPr lang="it-IT" dirty="0"/>
+          </a:p>
+          <a:p>
+            <a:endParaRPr lang="it-IT" dirty="0"/>
+          </a:p>
+          <a:p>
+            <a:endParaRPr lang="en-GB" dirty="0"/>
+          </a:p>
+        </p:txBody>
+      </p:sp>
     </p:spTree>
     <p:extLst>
       <p:ext uri="{BB962C8B-B14F-4D97-AF65-F5344CB8AC3E}">
-        <p14:creationId xmlns:p14="http://schemas.microsoft.com/office/powerpoint/2010/main" val="1277185730"/>
+        <p14:creationId xmlns:p14="http://schemas.microsoft.com/office/powerpoint/2010/main" val="588787209"/>
       </p:ext>
     </p:extLst>
   </p:cSld>
@@ -4891,6 +5850,144 @@
     <p:extLst>
       <p:ext uri="{BB962C8B-B14F-4D97-AF65-F5344CB8AC3E}">
         <p14:creationId xmlns:p14="http://schemas.microsoft.com/office/powerpoint/2010/main" val="3402055044"/>
+      </p:ext>
+    </p:extLst>
+  </p:cSld>
+  <p:clrMapOvr>
+    <a:masterClrMapping/>
+  </p:clrMapOvr>
+</p:sld>
+</file>
+
+<file path=ppt/slides/slide8.xml><?xml version="1.0" encoding="utf-8"?>
+<p:sld xmlns:a="http://schemas.openxmlformats.org/drawingml/2006/main" xmlns:r="http://schemas.openxmlformats.org/officeDocument/2006/relationships" xmlns:p="http://schemas.openxmlformats.org/presentationml/2006/main">
+  <p:cSld>
+    <p:spTree>
+      <p:nvGrpSpPr>
+        <p:cNvPr id="1" name=""/>
+        <p:cNvGrpSpPr/>
+        <p:nvPr/>
+      </p:nvGrpSpPr>
+      <p:grpSpPr>
+        <a:xfrm>
+          <a:off x="0" y="0"/>
+          <a:ext cx="0" cy="0"/>
+          <a:chOff x="0" y="0"/>
+          <a:chExt cx="0" cy="0"/>
+        </a:xfrm>
+      </p:grpSpPr>
+      <p:sp>
+        <p:nvSpPr>
+          <p:cNvPr id="2" name="Titolo 1">
+            <a:extLst>
+              <a:ext uri="{FF2B5EF4-FFF2-40B4-BE49-F238E27FC236}">
+                <a16:creationId xmlns:a16="http://schemas.microsoft.com/office/drawing/2014/main" id="{BC25438D-A16D-40B8-AAD1-51CFFD41A5B2}"/>
+              </a:ext>
+            </a:extLst>
+          </p:cNvPr>
+          <p:cNvSpPr>
+            <a:spLocks noGrp="1"/>
+          </p:cNvSpPr>
+          <p:nvPr>
+            <p:ph type="title"/>
+          </p:nvPr>
+        </p:nvSpPr>
+        <p:spPr/>
+        <p:txBody>
+          <a:bodyPr/>
+          <a:lstStyle/>
+          <a:p>
+            <a:endParaRPr lang="en-GB"/>
+          </a:p>
+        </p:txBody>
+      </p:sp>
+      <p:sp>
+        <p:nvSpPr>
+          <p:cNvPr id="3" name="Segnaposto contenuto 2">
+            <a:extLst>
+              <a:ext uri="{FF2B5EF4-FFF2-40B4-BE49-F238E27FC236}">
+                <a16:creationId xmlns:a16="http://schemas.microsoft.com/office/drawing/2014/main" id="{F2A7C259-20B5-447D-B7B9-DC7CDA06C56D}"/>
+              </a:ext>
+            </a:extLst>
+          </p:cNvPr>
+          <p:cNvSpPr>
+            <a:spLocks noGrp="1"/>
+          </p:cNvSpPr>
+          <p:nvPr>
+            <p:ph idx="1"/>
+          </p:nvPr>
+        </p:nvSpPr>
+        <p:spPr/>
+        <p:txBody>
+          <a:bodyPr/>
+          <a:lstStyle/>
+          <a:p>
+            <a:endParaRPr lang="en-GB"/>
+          </a:p>
+        </p:txBody>
+      </p:sp>
+      <p:sp>
+        <p:nvSpPr>
+          <p:cNvPr id="4" name="Segnaposto piè di pagina 3">
+            <a:extLst>
+              <a:ext uri="{FF2B5EF4-FFF2-40B4-BE49-F238E27FC236}">
+                <a16:creationId xmlns:a16="http://schemas.microsoft.com/office/drawing/2014/main" id="{3B0C6E34-6BD6-4096-9AAC-2FABF5D75AEB}"/>
+              </a:ext>
+            </a:extLst>
+          </p:cNvPr>
+          <p:cNvSpPr>
+            <a:spLocks noGrp="1"/>
+          </p:cNvSpPr>
+          <p:nvPr>
+            <p:ph type="ftr" sz="quarter" idx="11"/>
+          </p:nvPr>
+        </p:nvSpPr>
+        <p:spPr/>
+        <p:txBody>
+          <a:bodyPr/>
+          <a:lstStyle/>
+          <a:p>
+            <a:r>
+              <a:rPr lang="it-IT"/>
+              <a:t>A. Le Caldare, E. Sassu, E. Scarselli</a:t>
+            </a:r>
+            <a:endParaRPr lang="en-GB"/>
+          </a:p>
+        </p:txBody>
+      </p:sp>
+      <p:sp>
+        <p:nvSpPr>
+          <p:cNvPr id="5" name="Segnaposto numero diapositiva 4">
+            <a:extLst>
+              <a:ext uri="{FF2B5EF4-FFF2-40B4-BE49-F238E27FC236}">
+                <a16:creationId xmlns:a16="http://schemas.microsoft.com/office/drawing/2014/main" id="{F04444F7-8A60-4AF6-AAD4-54AB153BC805}"/>
+              </a:ext>
+            </a:extLst>
+          </p:cNvPr>
+          <p:cNvSpPr>
+            <a:spLocks noGrp="1"/>
+          </p:cNvSpPr>
+          <p:nvPr>
+            <p:ph type="sldNum" sz="quarter" idx="12"/>
+          </p:nvPr>
+        </p:nvSpPr>
+        <p:spPr/>
+        <p:txBody>
+          <a:bodyPr/>
+          <a:lstStyle/>
+          <a:p>
+            <a:fld id="{5BB7E168-F539-4513-AD44-F276B24E7DDF}" type="slidenum">
+              <a:rPr lang="en-GB" smtClean="0"/>
+              <a:t>8</a:t>
+            </a:fld>
+            <a:endParaRPr lang="en-GB"/>
+          </a:p>
+        </p:txBody>
+      </p:sp>
+    </p:spTree>
+    <p:extLst>
+      <p:ext uri="{BB962C8B-B14F-4D97-AF65-F5344CB8AC3E}">
+        <p14:creationId xmlns:p14="http://schemas.microsoft.com/office/powerpoint/2010/main" val="1415853176"/>
       </p:ext>
     </p:extLst>
   </p:cSld>

--- a/Docs/DDoSDefence.pptx
+++ b/Docs/DDoSDefence.pptx
@@ -5,17 +5,18 @@
     <p:sldMasterId id="2147483696" r:id="rId1"/>
   </p:sldMasterIdLst>
   <p:notesMasterIdLst>
-    <p:notesMasterId r:id="rId10"/>
+    <p:notesMasterId r:id="rId11"/>
   </p:notesMasterIdLst>
   <p:sldIdLst>
     <p:sldId id="256" r:id="rId2"/>
     <p:sldId id="260" r:id="rId3"/>
     <p:sldId id="259" r:id="rId4"/>
-    <p:sldId id="265" r:id="rId5"/>
+    <p:sldId id="266" r:id="rId5"/>
     <p:sldId id="258" r:id="rId6"/>
     <p:sldId id="263" r:id="rId7"/>
-    <p:sldId id="257" r:id="rId8"/>
-    <p:sldId id="264" r:id="rId9"/>
+    <p:sldId id="265" r:id="rId8"/>
+    <p:sldId id="257" r:id="rId9"/>
+    <p:sldId id="264" r:id="rId10"/>
   </p:sldIdLst>
   <p:sldSz cx="12192000" cy="6858000"/>
   <p:notesSz cx="6858000" cy="9144000"/>
@@ -528,7 +529,44 @@
             <a:pPr marL="228600" indent="-228600">
               <a:buAutoNum type="arabicPeriod"/>
             </a:pPr>
-            <a:endParaRPr lang="en-GB" dirty="0"/>
+            <a:r>
+              <a:rPr lang="it-IT" dirty="0"/>
+              <a:t>Per il normal rule, </a:t>
+            </a:r>
+            <a:r>
+              <a:rPr lang="it-IT" dirty="0" err="1"/>
+              <a:t>hybrid</a:t>
+            </a:r>
+            <a:r>
+              <a:rPr lang="it-IT" dirty="0"/>
+              <a:t> switch implementano nativamente il livello due e quindi avrebbero fatto </a:t>
+            </a:r>
+            <a:r>
+              <a:rPr lang="it-IT" dirty="0" err="1"/>
+              <a:t>arp</a:t>
+            </a:r>
+            <a:r>
+              <a:rPr lang="it-IT" dirty="0"/>
+              <a:t> e switch</a:t>
+            </a:r>
+          </a:p>
+          <a:p>
+            <a:pPr marL="228600" indent="-228600">
+              <a:buAutoNum type="arabicPeriod"/>
+            </a:pPr>
+            <a:r>
+              <a:rPr lang="it-IT" dirty="0"/>
+              <a:t>Il learning switch </a:t>
+            </a:r>
+          </a:p>
+          <a:p>
+            <a:pPr marL="228600" indent="-228600">
+              <a:buAutoNum type="arabicPeriod"/>
+            </a:pPr>
+            <a:r>
+              <a:rPr lang="en-GB" dirty="0"/>
+              <a:t>https://floodlight.atlassian.net/wiki/spaces/floodlightcontroller/pages/1343547/How+to+use+OpenFlowJ-Loxigen</a:t>
+            </a:r>
           </a:p>
         </p:txBody>
       </p:sp>
@@ -549,7 +587,7 @@
           <a:p>
             <a:fld id="{15114317-084B-44FB-95E2-F74F7746A8DF}" type="slidenum">
               <a:rPr lang="en-GB" smtClean="0"/>
-              <a:t>4</a:t>
+              <a:t>7</a:t>
             </a:fld>
             <a:endParaRPr lang="en-GB"/>
           </a:p>
@@ -4795,7 +4833,7 @@
           <p:cNvPr id="2" name="Titolo 1">
             <a:extLst>
               <a:ext uri="{FF2B5EF4-FFF2-40B4-BE49-F238E27FC236}">
-                <a16:creationId xmlns:a16="http://schemas.microsoft.com/office/drawing/2014/main" id="{7E6353A6-1C85-4D8F-9EA2-AAA7BDECABC1}"/>
+                <a16:creationId xmlns:a16="http://schemas.microsoft.com/office/drawing/2014/main" id="{BEEF15DC-FB09-470A-9AAF-D80C3E1C7177}"/>
               </a:ext>
             </a:extLst>
           </p:cNvPr>
@@ -4811,11 +4849,7 @@
           <a:bodyPr/>
           <a:lstStyle/>
           <a:p>
-            <a:r>
-              <a:rPr lang="it-IT" dirty="0"/>
-              <a:t>PROBLEMI INCONTRATI</a:t>
-            </a:r>
-            <a:endParaRPr lang="en-GB" dirty="0"/>
+            <a:endParaRPr lang="en-GB"/>
           </a:p>
         </p:txBody>
       </p:sp>
@@ -4824,7 +4858,7 @@
           <p:cNvPr id="3" name="Segnaposto contenuto 2">
             <a:extLst>
               <a:ext uri="{FF2B5EF4-FFF2-40B4-BE49-F238E27FC236}">
-                <a16:creationId xmlns:a16="http://schemas.microsoft.com/office/drawing/2014/main" id="{DF3513A8-F910-4B01-AD7F-5C394725A6CD}"/>
+                <a16:creationId xmlns:a16="http://schemas.microsoft.com/office/drawing/2014/main" id="{00D2A0FD-2600-4957-9F65-CD44DD810572}"/>
               </a:ext>
             </a:extLst>
           </p:cNvPr>
@@ -4840,131 +4874,7 @@
           <a:bodyPr/>
           <a:lstStyle/>
           <a:p>
-            <a:r>
-              <a:rPr lang="it-IT" dirty="0"/>
-              <a:t>Execution </a:t>
-            </a:r>
-            <a:r>
-              <a:rPr lang="it-IT" dirty="0" err="1"/>
-              <a:t>order</a:t>
-            </a:r>
-            <a:r>
-              <a:rPr lang="it-IT" dirty="0"/>
-              <a:t> of </a:t>
-            </a:r>
-            <a:r>
-              <a:rPr lang="it-IT" dirty="0" err="1"/>
-              <a:t>floodlight</a:t>
-            </a:r>
-            <a:r>
-              <a:rPr lang="it-IT" dirty="0"/>
-              <a:t> </a:t>
-            </a:r>
-            <a:r>
-              <a:rPr lang="it-IT" dirty="0" err="1"/>
-              <a:t>modules</a:t>
-            </a:r>
-            <a:r>
-              <a:rPr lang="it-IT" dirty="0"/>
-              <a:t> </a:t>
-            </a:r>
-            <a:r>
-              <a:rPr lang="it-IT" dirty="0">
-                <a:hlinkClick r:id="rId3"/>
-              </a:rPr>
-              <a:t>here</a:t>
-            </a:r>
-            <a:r>
-              <a:rPr lang="it-IT" dirty="0"/>
-              <a:t>.</a:t>
-            </a:r>
-          </a:p>
-          <a:p>
-            <a:r>
-              <a:rPr lang="it-IT" dirty="0"/>
-              <a:t>The normal rule (</a:t>
-            </a:r>
-            <a:r>
-              <a:rPr lang="it-IT" dirty="0" err="1"/>
-              <a:t>action.normal</a:t>
-            </a:r>
-            <a:r>
-              <a:rPr lang="it-IT" dirty="0"/>
-              <a:t>) does not work for non </a:t>
-            </a:r>
-            <a:r>
-              <a:rPr lang="it-IT" dirty="0" err="1"/>
-              <a:t>hybrid</a:t>
-            </a:r>
-            <a:r>
-              <a:rPr lang="it-IT" dirty="0"/>
-              <a:t> </a:t>
-            </a:r>
-            <a:r>
-              <a:rPr lang="it-IT"/>
-              <a:t>switches: </a:t>
-            </a:r>
-            <a:r>
-              <a:rPr lang="it-IT" dirty="0"/>
-              <a:t>mette la regola e manda i pacchetti </a:t>
-            </a:r>
-            <a:r>
-              <a:rPr lang="it-IT" dirty="0" err="1"/>
-              <a:t>inditro</a:t>
-            </a:r>
-            <a:endParaRPr lang="it-IT" dirty="0"/>
-          </a:p>
-          <a:p>
-            <a:r>
-              <a:rPr lang="it-IT" dirty="0"/>
-              <a:t>Learning switch: </a:t>
-            </a:r>
-          </a:p>
-          <a:p>
-            <a:pPr lvl="1"/>
-            <a:r>
-              <a:rPr lang="it-IT" dirty="0"/>
-              <a:t>Aggiunti metodi (interfaccia)</a:t>
-            </a:r>
-          </a:p>
-          <a:p>
-            <a:pPr lvl="1"/>
-            <a:endParaRPr lang="it-IT" dirty="0"/>
-          </a:p>
-          <a:p>
-            <a:r>
-              <a:rPr lang="it-IT" dirty="0"/>
-              <a:t>Eliminazione delle regole con filtro (</a:t>
-            </a:r>
-            <a:r>
-              <a:rPr lang="it-IT" dirty="0" err="1"/>
-              <a:t>OFFlowDelete</a:t>
-            </a:r>
-            <a:r>
-              <a:rPr lang="it-IT" dirty="0"/>
-              <a:t>, </a:t>
-            </a:r>
-            <a:r>
-              <a:rPr lang="it-IT" dirty="0" err="1"/>
-              <a:t>OFFlowDeleteStrict</a:t>
-            </a:r>
-            <a:r>
-              <a:rPr lang="it-IT" dirty="0"/>
-              <a:t>)</a:t>
-            </a:r>
-          </a:p>
-          <a:p>
-            <a:r>
-              <a:rPr lang="it-IT" dirty="0"/>
-              <a:t>Debugging delle regole</a:t>
-            </a:r>
-          </a:p>
-          <a:p>
-            <a:endParaRPr lang="it-IT" dirty="0"/>
-          </a:p>
-          <a:p>
-            <a:pPr lvl="1"/>
-            <a:endParaRPr lang="en-GB" dirty="0"/>
+            <a:endParaRPr lang="en-GB"/>
           </a:p>
         </p:txBody>
       </p:sp>
@@ -4973,7 +4883,7 @@
           <p:cNvPr id="4" name="Segnaposto piè di pagina 3">
             <a:extLst>
               <a:ext uri="{FF2B5EF4-FFF2-40B4-BE49-F238E27FC236}">
-                <a16:creationId xmlns:a16="http://schemas.microsoft.com/office/drawing/2014/main" id="{143FDC5E-D0BC-456A-BA7B-938A4422FE96}"/>
+                <a16:creationId xmlns:a16="http://schemas.microsoft.com/office/drawing/2014/main" id="{DA405F29-ABBE-449A-8277-A1D8AA9533B6}"/>
               </a:ext>
             </a:extLst>
           </p:cNvPr>
@@ -5002,7 +4912,7 @@
           <p:cNvPr id="5" name="Segnaposto numero diapositiva 4">
             <a:extLst>
               <a:ext uri="{FF2B5EF4-FFF2-40B4-BE49-F238E27FC236}">
-                <a16:creationId xmlns:a16="http://schemas.microsoft.com/office/drawing/2014/main" id="{498B3CE7-B9F2-48C7-984E-87974B8C1C63}"/>
+                <a16:creationId xmlns:a16="http://schemas.microsoft.com/office/drawing/2014/main" id="{9F6BA64F-3245-479F-97EA-497AA479A818}"/>
               </a:ext>
             </a:extLst>
           </p:cNvPr>
@@ -5029,7 +4939,7 @@
     </p:spTree>
     <p:extLst>
       <p:ext uri="{BB962C8B-B14F-4D97-AF65-F5344CB8AC3E}">
-        <p14:creationId xmlns:p14="http://schemas.microsoft.com/office/powerpoint/2010/main" val="3051106695"/>
+        <p14:creationId xmlns:p14="http://schemas.microsoft.com/office/powerpoint/2010/main" val="2137555372"/>
       </p:ext>
     </p:extLst>
   </p:cSld>
@@ -5717,6 +5627,497 @@
           <p:cNvPr id="2" name="Titolo 1">
             <a:extLst>
               <a:ext uri="{FF2B5EF4-FFF2-40B4-BE49-F238E27FC236}">
+                <a16:creationId xmlns:a16="http://schemas.microsoft.com/office/drawing/2014/main" id="{7E6353A6-1C85-4D8F-9EA2-AAA7BDECABC1}"/>
+              </a:ext>
+            </a:extLst>
+          </p:cNvPr>
+          <p:cNvSpPr>
+            <a:spLocks noGrp="1"/>
+          </p:cNvSpPr>
+          <p:nvPr>
+            <p:ph type="title"/>
+          </p:nvPr>
+        </p:nvSpPr>
+        <p:spPr/>
+        <p:txBody>
+          <a:bodyPr/>
+          <a:lstStyle/>
+          <a:p>
+            <a:r>
+              <a:rPr lang="it-IT" dirty="0" err="1"/>
+              <a:t>Implementatio</a:t>
+            </a:r>
+            <a:r>
+              <a:rPr lang="it-IT" dirty="0"/>
+              <a:t> Issues</a:t>
+            </a:r>
+            <a:endParaRPr lang="en-GB" dirty="0"/>
+          </a:p>
+        </p:txBody>
+      </p:sp>
+      <p:sp>
+        <p:nvSpPr>
+          <p:cNvPr id="3" name="Segnaposto contenuto 2">
+            <a:extLst>
+              <a:ext uri="{FF2B5EF4-FFF2-40B4-BE49-F238E27FC236}">
+                <a16:creationId xmlns:a16="http://schemas.microsoft.com/office/drawing/2014/main" id="{DF3513A8-F910-4B01-AD7F-5C394725A6CD}"/>
+              </a:ext>
+            </a:extLst>
+          </p:cNvPr>
+          <p:cNvSpPr>
+            <a:spLocks noGrp="1"/>
+          </p:cNvSpPr>
+          <p:nvPr>
+            <p:ph idx="1"/>
+          </p:nvPr>
+        </p:nvSpPr>
+        <p:spPr/>
+        <p:txBody>
+          <a:bodyPr>
+            <a:normAutofit lnSpcReduction="10000"/>
+          </a:bodyPr>
+          <a:lstStyle/>
+          <a:p>
+            <a:r>
+              <a:rPr lang="it-IT" dirty="0"/>
+              <a:t>Execution </a:t>
+            </a:r>
+            <a:r>
+              <a:rPr lang="it-IT" dirty="0" err="1"/>
+              <a:t>order</a:t>
+            </a:r>
+            <a:r>
+              <a:rPr lang="it-IT" dirty="0"/>
+              <a:t> of </a:t>
+            </a:r>
+            <a:r>
+              <a:rPr lang="it-IT" dirty="0" err="1"/>
+              <a:t>floodlight</a:t>
+            </a:r>
+            <a:r>
+              <a:rPr lang="it-IT" dirty="0"/>
+              <a:t> </a:t>
+            </a:r>
+            <a:r>
+              <a:rPr lang="it-IT" dirty="0" err="1"/>
+              <a:t>modules</a:t>
+            </a:r>
+            <a:r>
+              <a:rPr lang="it-IT" dirty="0"/>
+              <a:t> </a:t>
+            </a:r>
+            <a:r>
+              <a:rPr lang="it-IT" dirty="0">
+                <a:hlinkClick r:id="rId3"/>
+              </a:rPr>
+              <a:t>here</a:t>
+            </a:r>
+            <a:r>
+              <a:rPr lang="it-IT" dirty="0"/>
+              <a:t>.</a:t>
+            </a:r>
+          </a:p>
+          <a:p>
+            <a:r>
+              <a:rPr lang="it-IT" dirty="0"/>
+              <a:t>The normal rule (</a:t>
+            </a:r>
+            <a:r>
+              <a:rPr lang="it-IT" dirty="0" err="1"/>
+              <a:t>action.normal</a:t>
+            </a:r>
+            <a:r>
+              <a:rPr lang="it-IT" dirty="0"/>
+              <a:t>) does not work for non </a:t>
+            </a:r>
+            <a:r>
+              <a:rPr lang="it-IT" dirty="0" err="1"/>
+              <a:t>hybrid</a:t>
+            </a:r>
+            <a:r>
+              <a:rPr lang="it-IT" dirty="0"/>
+              <a:t> </a:t>
+            </a:r>
+            <a:r>
+              <a:rPr lang="it-IT" dirty="0" err="1"/>
+              <a:t>switches</a:t>
+            </a:r>
+            <a:r>
+              <a:rPr lang="it-IT" dirty="0"/>
+              <a:t>: mette la regola e manda i pacchetti </a:t>
+            </a:r>
+            <a:r>
+              <a:rPr lang="it-IT" dirty="0" err="1"/>
+              <a:t>inditro</a:t>
+            </a:r>
+            <a:endParaRPr lang="it-IT" dirty="0"/>
+          </a:p>
+          <a:p>
+            <a:r>
+              <a:rPr lang="it-IT" dirty="0"/>
+              <a:t>Learning switch: </a:t>
+            </a:r>
+          </a:p>
+          <a:p>
+            <a:pPr lvl="1"/>
+            <a:r>
+              <a:rPr lang="it-IT" dirty="0"/>
+              <a:t>Add interface to </a:t>
+            </a:r>
+            <a:r>
+              <a:rPr lang="it-IT" dirty="0" err="1"/>
+              <a:t>retreive</a:t>
+            </a:r>
+            <a:r>
+              <a:rPr lang="it-IT" dirty="0"/>
+              <a:t> MAC </a:t>
+            </a:r>
+            <a:r>
+              <a:rPr lang="it-IT" dirty="0" err="1"/>
+              <a:t>addresses</a:t>
+            </a:r>
+            <a:r>
+              <a:rPr lang="it-IT" dirty="0"/>
+              <a:t> from the learning switch controller</a:t>
+            </a:r>
+          </a:p>
+          <a:p>
+            <a:r>
+              <a:rPr lang="it-IT" dirty="0" err="1"/>
+              <a:t>Deleting</a:t>
+            </a:r>
+            <a:r>
+              <a:rPr lang="it-IT" dirty="0"/>
+              <a:t> rules are </a:t>
+            </a:r>
+            <a:r>
+              <a:rPr lang="it-IT" dirty="0" err="1"/>
+              <a:t>specified</a:t>
+            </a:r>
+            <a:r>
+              <a:rPr lang="it-IT" dirty="0"/>
+              <a:t> </a:t>
+            </a:r>
+            <a:r>
+              <a:rPr lang="it-IT" dirty="0">
+                <a:hlinkClick r:id="rId4"/>
+              </a:rPr>
+              <a:t>here</a:t>
+            </a:r>
+            <a:r>
+              <a:rPr lang="it-IT" dirty="0"/>
+              <a:t>. </a:t>
+            </a:r>
+          </a:p>
+          <a:p>
+            <a:pPr lvl="1"/>
+            <a:r>
+              <a:rPr lang="it-IT" dirty="0" err="1"/>
+              <a:t>OFFlowDelete</a:t>
+            </a:r>
+            <a:r>
+              <a:rPr lang="it-IT" dirty="0"/>
+              <a:t> </a:t>
+            </a:r>
+            <a:r>
+              <a:rPr lang="it-IT" dirty="0" err="1"/>
+              <a:t>deletes</a:t>
+            </a:r>
+            <a:r>
+              <a:rPr lang="it-IT" dirty="0"/>
+              <a:t> rules </a:t>
+            </a:r>
+            <a:r>
+              <a:rPr lang="it-IT" dirty="0" err="1"/>
+              <a:t>matching</a:t>
+            </a:r>
+            <a:r>
+              <a:rPr lang="it-IT" dirty="0"/>
+              <a:t> </a:t>
+            </a:r>
+            <a:r>
+              <a:rPr lang="it-IT" dirty="0" err="1"/>
+              <a:t>at</a:t>
+            </a:r>
+            <a:r>
+              <a:rPr lang="it-IT" dirty="0"/>
+              <a:t> </a:t>
+            </a:r>
+            <a:r>
+              <a:rPr lang="it-IT" dirty="0" err="1"/>
+              <a:t>least</a:t>
+            </a:r>
+            <a:r>
+              <a:rPr lang="it-IT" dirty="0"/>
+              <a:t> the </a:t>
+            </a:r>
+            <a:r>
+              <a:rPr lang="it-IT" dirty="0" err="1"/>
+              <a:t>specified</a:t>
+            </a:r>
+            <a:r>
+              <a:rPr lang="it-IT" dirty="0"/>
+              <a:t> fields;</a:t>
+            </a:r>
+          </a:p>
+          <a:p>
+            <a:pPr lvl="1"/>
+            <a:r>
+              <a:rPr lang="it-IT" dirty="0" err="1"/>
+              <a:t>OFFlowDeleteStrict</a:t>
+            </a:r>
+            <a:r>
+              <a:rPr lang="it-IT" dirty="0"/>
+              <a:t> </a:t>
+            </a:r>
+            <a:r>
+              <a:rPr lang="it-IT" dirty="0" err="1"/>
+              <a:t>deletes</a:t>
+            </a:r>
+            <a:r>
+              <a:rPr lang="it-IT" dirty="0"/>
+              <a:t> the rules that </a:t>
+            </a:r>
+            <a:r>
+              <a:rPr lang="en-GB" dirty="0"/>
+              <a:t>exactly looks like the match you specify</a:t>
+            </a:r>
+            <a:r>
+              <a:rPr lang="it-IT" dirty="0"/>
+              <a:t>.</a:t>
+            </a:r>
+          </a:p>
+          <a:p>
+            <a:r>
+              <a:rPr lang="it-IT" dirty="0"/>
+              <a:t>Testing </a:t>
+            </a:r>
+            <a:r>
+              <a:rPr lang="it-IT" dirty="0" err="1"/>
+              <a:t>is</a:t>
+            </a:r>
+            <a:r>
+              <a:rPr lang="it-IT" dirty="0"/>
+              <a:t> done in </a:t>
+            </a:r>
+            <a:r>
+              <a:rPr lang="it-IT" dirty="0" err="1"/>
+              <a:t>python</a:t>
+            </a:r>
+            <a:r>
+              <a:rPr lang="it-IT" dirty="0"/>
+              <a:t> </a:t>
+            </a:r>
+            <a:r>
+              <a:rPr lang="it-IT" dirty="0" err="1"/>
+              <a:t>using</a:t>
+            </a:r>
+            <a:r>
+              <a:rPr lang="it-IT" dirty="0"/>
+              <a:t> </a:t>
+            </a:r>
+            <a:r>
+              <a:rPr lang="it-IT" dirty="0" err="1"/>
+              <a:t>mininet</a:t>
+            </a:r>
+            <a:r>
+              <a:rPr lang="it-IT" dirty="0"/>
+              <a:t> library</a:t>
+            </a:r>
+          </a:p>
+          <a:p>
+            <a:pPr lvl="1"/>
+            <a:endParaRPr lang="en-GB" dirty="0"/>
+          </a:p>
+        </p:txBody>
+      </p:sp>
+      <p:sp>
+        <p:nvSpPr>
+          <p:cNvPr id="4" name="Segnaposto piè di pagina 3">
+            <a:extLst>
+              <a:ext uri="{FF2B5EF4-FFF2-40B4-BE49-F238E27FC236}">
+                <a16:creationId xmlns:a16="http://schemas.microsoft.com/office/drawing/2014/main" id="{143FDC5E-D0BC-456A-BA7B-938A4422FE96}"/>
+              </a:ext>
+            </a:extLst>
+          </p:cNvPr>
+          <p:cNvSpPr>
+            <a:spLocks noGrp="1"/>
+          </p:cNvSpPr>
+          <p:nvPr>
+            <p:ph type="ftr" sz="quarter" idx="11"/>
+          </p:nvPr>
+        </p:nvSpPr>
+        <p:spPr/>
+        <p:txBody>
+          <a:bodyPr/>
+          <a:lstStyle/>
+          <a:p>
+            <a:r>
+              <a:rPr lang="it-IT"/>
+              <a:t>A. Le Caldare, E. Sassu, E. Scarselli</a:t>
+            </a:r>
+            <a:endParaRPr lang="en-GB"/>
+          </a:p>
+        </p:txBody>
+      </p:sp>
+      <p:sp>
+        <p:nvSpPr>
+          <p:cNvPr id="5" name="Segnaposto numero diapositiva 4">
+            <a:extLst>
+              <a:ext uri="{FF2B5EF4-FFF2-40B4-BE49-F238E27FC236}">
+                <a16:creationId xmlns:a16="http://schemas.microsoft.com/office/drawing/2014/main" id="{498B3CE7-B9F2-48C7-984E-87974B8C1C63}"/>
+              </a:ext>
+            </a:extLst>
+          </p:cNvPr>
+          <p:cNvSpPr>
+            <a:spLocks noGrp="1"/>
+          </p:cNvSpPr>
+          <p:nvPr>
+            <p:ph type="sldNum" sz="quarter" idx="12"/>
+          </p:nvPr>
+        </p:nvSpPr>
+        <p:spPr/>
+        <p:txBody>
+          <a:bodyPr/>
+          <a:lstStyle/>
+          <a:p>
+            <a:fld id="{5BB7E168-F539-4513-AD44-F276B24E7DDF}" type="slidenum">
+              <a:rPr lang="en-GB" smtClean="0"/>
+              <a:t>7</a:t>
+            </a:fld>
+            <a:endParaRPr lang="en-GB"/>
+          </a:p>
+        </p:txBody>
+      </p:sp>
+    </p:spTree>
+    <p:extLst>
+      <p:ext uri="{BB962C8B-B14F-4D97-AF65-F5344CB8AC3E}">
+        <p14:creationId xmlns:p14="http://schemas.microsoft.com/office/powerpoint/2010/main" val="3051106695"/>
+      </p:ext>
+    </p:extLst>
+  </p:cSld>
+  <p:clrMapOvr>
+    <a:masterClrMapping/>
+  </p:clrMapOvr>
+  <p:timing>
+    <p:tnLst>
+      <p:par>
+        <p:cTn id="1" dur="indefinite" restart="never" nodeType="tmRoot">
+          <p:childTnLst>
+            <p:seq concurrent="1" nextAc="seek">
+              <p:cTn id="2" dur="indefinite" nodeType="mainSeq">
+                <p:childTnLst>
+                  <p:par>
+                    <p:cTn id="3" fill="hold">
+                      <p:stCondLst>
+                        <p:cond delay="indefinite"/>
+                      </p:stCondLst>
+                      <p:childTnLst>
+                        <p:par>
+                          <p:cTn id="4" fill="hold">
+                            <p:stCondLst>
+                              <p:cond delay="0"/>
+                            </p:stCondLst>
+                            <p:childTnLst>
+                              <p:par>
+                                <p:cTn id="5" presetID="10" presetClass="emph" presetSubtype="0" fill="hold" nodeType="clickEffect">
+                                  <p:stCondLst>
+                                    <p:cond delay="0"/>
+                                  </p:stCondLst>
+                                  <p:childTnLst>
+                                    <p:anim calcmode="discrete" valueType="str">
+                                      <p:cBhvr override="childStyle">
+                                        <p:cTn id="6" dur="2000" fill="hold"/>
+                                        <p:tgtEl>
+                                          <p:spTgt spid="3">
+                                            <p:txEl>
+                                              <p:pRg st="0" end="0"/>
+                                            </p:txEl>
+                                          </p:spTgt>
+                                        </p:tgtEl>
+                                        <p:attrNameLst>
+                                          <p:attrName>style.fontWeight</p:attrName>
+                                        </p:attrNameLst>
+                                      </p:cBhvr>
+                                      <p:tavLst>
+                                        <p:tav tm="0">
+                                          <p:val>
+                                            <p:strVal val="normal"/>
+                                          </p:val>
+                                        </p:tav>
+                                        <p:tav tm="50000">
+                                          <p:val>
+                                            <p:strVal val="bold"/>
+                                          </p:val>
+                                        </p:tav>
+                                        <p:tav tm="60000">
+                                          <p:val>
+                                            <p:strVal val="normal"/>
+                                          </p:val>
+                                        </p:tav>
+                                        <p:tav tm="100000">
+                                          <p:val>
+                                            <p:strVal val="normal"/>
+                                          </p:val>
+                                        </p:tav>
+                                      </p:tavLst>
+                                    </p:anim>
+                                  </p:childTnLst>
+                                </p:cTn>
+                              </p:par>
+                            </p:childTnLst>
+                          </p:cTn>
+                        </p:par>
+                      </p:childTnLst>
+                    </p:cTn>
+                  </p:par>
+                </p:childTnLst>
+              </p:cTn>
+              <p:prevCondLst>
+                <p:cond evt="onPrev" delay="0">
+                  <p:tgtEl>
+                    <p:sldTgt/>
+                  </p:tgtEl>
+                </p:cond>
+              </p:prevCondLst>
+              <p:nextCondLst>
+                <p:cond evt="onNext" delay="0">
+                  <p:tgtEl>
+                    <p:sldTgt/>
+                  </p:tgtEl>
+                </p:cond>
+              </p:nextCondLst>
+            </p:seq>
+          </p:childTnLst>
+        </p:cTn>
+      </p:par>
+    </p:tnLst>
+  </p:timing>
+</p:sld>
+</file>
+
+<file path=ppt/slides/slide8.xml><?xml version="1.0" encoding="utf-8"?>
+<p:sld xmlns:a="http://schemas.openxmlformats.org/drawingml/2006/main" xmlns:r="http://schemas.openxmlformats.org/officeDocument/2006/relationships" xmlns:p="http://schemas.openxmlformats.org/presentationml/2006/main">
+  <p:cSld>
+    <p:spTree>
+      <p:nvGrpSpPr>
+        <p:cNvPr id="1" name=""/>
+        <p:cNvGrpSpPr/>
+        <p:nvPr/>
+      </p:nvGrpSpPr>
+      <p:grpSpPr>
+        <a:xfrm>
+          <a:off x="0" y="0"/>
+          <a:ext cx="0" cy="0"/>
+          <a:chOff x="0" y="0"/>
+          <a:chExt cx="0" cy="0"/>
+        </a:xfrm>
+      </p:grpSpPr>
+      <p:sp>
+        <p:nvSpPr>
+          <p:cNvPr id="2" name="Titolo 1">
+            <a:extLst>
+              <a:ext uri="{FF2B5EF4-FFF2-40B4-BE49-F238E27FC236}">
                 <a16:creationId xmlns:a16="http://schemas.microsoft.com/office/drawing/2014/main" id="{9230EBA8-4C20-412A-8D49-CAB1A0E0D737}"/>
               </a:ext>
             </a:extLst>
@@ -5733,7 +6134,6 @@
           <a:bodyPr/>
           <a:lstStyle/>
           <a:p>
-            <a:pPr algn="ctr"/>
             <a:r>
               <a:rPr lang="it-IT" dirty="0">
                 <a:solidFill>
@@ -5804,7 +6204,7 @@
           <a:p>
             <a:fld id="{5BB7E168-F539-4513-AD44-F276B24E7DDF}" type="slidenum">
               <a:rPr lang="en-GB" smtClean="0"/>
-              <a:t>7</a:t>
+              <a:t>8</a:t>
             </a:fld>
             <a:endParaRPr lang="en-GB"/>
           </a:p>
@@ -5859,7 +6259,7 @@
 </p:sld>
 </file>
 
-<file path=ppt/slides/slide8.xml><?xml version="1.0" encoding="utf-8"?>
+<file path=ppt/slides/slide9.xml><?xml version="1.0" encoding="utf-8"?>
 <p:sld xmlns:a="http://schemas.openxmlformats.org/drawingml/2006/main" xmlns:r="http://schemas.openxmlformats.org/officeDocument/2006/relationships" xmlns:p="http://schemas.openxmlformats.org/presentationml/2006/main">
   <p:cSld>
     <p:spTree>
@@ -5897,7 +6297,11 @@
           <a:bodyPr/>
           <a:lstStyle/>
           <a:p>
-            <a:endParaRPr lang="en-GB"/>
+            <a:r>
+              <a:rPr lang="it-IT" dirty="0"/>
+              <a:t>Testing</a:t>
+            </a:r>
+            <a:endParaRPr lang="en-GB" dirty="0"/>
           </a:p>
         </p:txBody>
       </p:sp>
@@ -5919,10 +6323,89 @@
         </p:nvSpPr>
         <p:spPr/>
         <p:txBody>
-          <a:bodyPr/>
-          <a:lstStyle/>
-          <a:p>
-            <a:endParaRPr lang="en-GB"/>
+          <a:bodyPr>
+            <a:normAutofit lnSpcReduction="10000"/>
+          </a:bodyPr>
+          <a:lstStyle/>
+          <a:p>
+            <a:pPr marL="0" indent="0">
+              <a:buNone/>
+            </a:pPr>
+            <a:r>
+              <a:rPr lang="it-IT" dirty="0" err="1"/>
+              <a:t>Semplificaizoni</a:t>
+            </a:r>
+            <a:r>
+              <a:rPr lang="it-IT" dirty="0"/>
+              <a:t> </a:t>
+            </a:r>
+          </a:p>
+          <a:p>
+            <a:r>
+              <a:rPr lang="it-IT" dirty="0"/>
+              <a:t>Dal vecchio server al nuovo server è </a:t>
+            </a:r>
+            <a:r>
+              <a:rPr lang="it-IT" dirty="0" err="1"/>
+              <a:t>hardcoded</a:t>
+            </a:r>
+            <a:r>
+              <a:rPr lang="it-IT" dirty="0"/>
+              <a:t> nei client</a:t>
+            </a:r>
+          </a:p>
+          <a:p>
+            <a:r>
+              <a:rPr lang="it-IT" dirty="0"/>
+              <a:t>I bot fanno continuamente richiesta di connessione HTTP al server</a:t>
+            </a:r>
+          </a:p>
+          <a:p>
+            <a:r>
+              <a:rPr lang="it-IT" dirty="0"/>
+              <a:t>I client mandano richieste periodiche</a:t>
+            </a:r>
+          </a:p>
+          <a:p>
+            <a:r>
+              <a:rPr lang="it-IT" dirty="0"/>
+              <a:t>Il server è </a:t>
+            </a:r>
+            <a:r>
+              <a:rPr lang="it-IT" dirty="0" err="1"/>
+              <a:t>multithread</a:t>
+            </a:r>
+            <a:r>
+              <a:rPr lang="it-IT" dirty="0"/>
+              <a:t> </a:t>
+            </a:r>
+          </a:p>
+          <a:p>
+            <a:r>
+              <a:rPr lang="it-IT" dirty="0"/>
+              <a:t>Non è possibile vedere l’effetto del </a:t>
+            </a:r>
+            <a:r>
+              <a:rPr lang="it-IT" dirty="0" err="1"/>
+              <a:t>Denial</a:t>
+            </a:r>
+            <a:r>
+              <a:rPr lang="it-IT" dirty="0"/>
+              <a:t> of Service</a:t>
+            </a:r>
+          </a:p>
+          <a:p>
+            <a:endParaRPr lang="it-IT" dirty="0"/>
+          </a:p>
+          <a:p>
+            <a:endParaRPr lang="it-IT" dirty="0"/>
+          </a:p>
+          <a:p>
+            <a:r>
+              <a:rPr lang="it-IT" dirty="0"/>
+              <a:t>Far vedere la demo</a:t>
+            </a:r>
+            <a:endParaRPr lang="en-GB" dirty="0"/>
           </a:p>
         </p:txBody>
       </p:sp>
@@ -5978,7 +6461,7 @@
           <a:p>
             <a:fld id="{5BB7E168-F539-4513-AD44-F276B24E7DDF}" type="slidenum">
               <a:rPr lang="en-GB" smtClean="0"/>
-              <a:t>8</a:t>
+              <a:t>9</a:t>
             </a:fld>
             <a:endParaRPr lang="en-GB"/>
           </a:p>

--- a/Docs/DDoSDefence.pptx
+++ b/Docs/DDoSDefence.pptx
@@ -5,7 +5,7 @@
     <p:sldMasterId id="2147483696" r:id="rId1"/>
   </p:sldMasterIdLst>
   <p:notesMasterIdLst>
-    <p:notesMasterId r:id="rId11"/>
+    <p:notesMasterId r:id="rId15"/>
   </p:notesMasterIdLst>
   <p:sldIdLst>
     <p:sldId id="256" r:id="rId2"/>
@@ -15,8 +15,12 @@
     <p:sldId id="258" r:id="rId6"/>
     <p:sldId id="263" r:id="rId7"/>
     <p:sldId id="265" r:id="rId8"/>
-    <p:sldId id="257" r:id="rId9"/>
-    <p:sldId id="264" r:id="rId10"/>
+    <p:sldId id="267" r:id="rId9"/>
+    <p:sldId id="268" r:id="rId10"/>
+    <p:sldId id="269" r:id="rId11"/>
+    <p:sldId id="270" r:id="rId12"/>
+    <p:sldId id="257" r:id="rId13"/>
+    <p:sldId id="264" r:id="rId14"/>
   </p:sldIdLst>
   <p:sldSz cx="12192000" cy="6858000"/>
   <p:notesSz cx="6858000" cy="9144000"/>
@@ -517,6 +521,174 @@
           <a:bodyPr/>
           <a:lstStyle/>
           <a:p>
+            <a:endParaRPr lang="en-GB" dirty="0"/>
+          </a:p>
+        </p:txBody>
+      </p:sp>
+      <p:sp>
+        <p:nvSpPr>
+          <p:cNvPr id="4" name="Segnaposto numero diapositiva 3"/>
+          <p:cNvSpPr>
+            <a:spLocks noGrp="1"/>
+          </p:cNvSpPr>
+          <p:nvPr>
+            <p:ph type="sldNum" sz="quarter" idx="5"/>
+          </p:nvPr>
+        </p:nvSpPr>
+        <p:spPr/>
+        <p:txBody>
+          <a:bodyPr/>
+          <a:lstStyle/>
+          <a:p>
+            <a:fld id="{15114317-084B-44FB-95E2-F74F7746A8DF}" type="slidenum">
+              <a:rPr lang="en-GB" smtClean="0"/>
+              <a:t>2</a:t>
+            </a:fld>
+            <a:endParaRPr lang="en-GB"/>
+          </a:p>
+        </p:txBody>
+      </p:sp>
+    </p:spTree>
+    <p:extLst>
+      <p:ext uri="{BB962C8B-B14F-4D97-AF65-F5344CB8AC3E}">
+        <p14:creationId xmlns:p14="http://schemas.microsoft.com/office/powerpoint/2010/main" val="957463667"/>
+      </p:ext>
+    </p:extLst>
+  </p:cSld>
+  <p:clrMapOvr>
+    <a:masterClrMapping/>
+  </p:clrMapOvr>
+</p:notes>
+</file>
+
+<file path=ppt/notesSlides/notesSlide2.xml><?xml version="1.0" encoding="utf-8"?>
+<p:notes xmlns:a="http://schemas.openxmlformats.org/drawingml/2006/main" xmlns:r="http://schemas.openxmlformats.org/officeDocument/2006/relationships" xmlns:p="http://schemas.openxmlformats.org/presentationml/2006/main">
+  <p:cSld>
+    <p:spTree>
+      <p:nvGrpSpPr>
+        <p:cNvPr id="1" name=""/>
+        <p:cNvGrpSpPr/>
+        <p:nvPr/>
+      </p:nvGrpSpPr>
+      <p:grpSpPr>
+        <a:xfrm>
+          <a:off x="0" y="0"/>
+          <a:ext cx="0" cy="0"/>
+          <a:chOff x="0" y="0"/>
+          <a:chExt cx="0" cy="0"/>
+        </a:xfrm>
+      </p:grpSpPr>
+      <p:sp>
+        <p:nvSpPr>
+          <p:cNvPr id="2" name="Segnaposto immagine diapositiva 1"/>
+          <p:cNvSpPr>
+            <a:spLocks noGrp="1" noRot="1" noChangeAspect="1"/>
+          </p:cNvSpPr>
+          <p:nvPr>
+            <p:ph type="sldImg"/>
+          </p:nvPr>
+        </p:nvSpPr>
+        <p:spPr/>
+      </p:sp>
+      <p:sp>
+        <p:nvSpPr>
+          <p:cNvPr id="3" name="Segnaposto note 2"/>
+          <p:cNvSpPr>
+            <a:spLocks noGrp="1"/>
+          </p:cNvSpPr>
+          <p:nvPr>
+            <p:ph type="body" idx="1"/>
+          </p:nvPr>
+        </p:nvSpPr>
+        <p:spPr/>
+        <p:txBody>
+          <a:bodyPr/>
+          <a:lstStyle/>
+          <a:p>
+            <a:endParaRPr lang="en-GB" dirty="0"/>
+          </a:p>
+        </p:txBody>
+      </p:sp>
+      <p:sp>
+        <p:nvSpPr>
+          <p:cNvPr id="4" name="Segnaposto numero diapositiva 3"/>
+          <p:cNvSpPr>
+            <a:spLocks noGrp="1"/>
+          </p:cNvSpPr>
+          <p:nvPr>
+            <p:ph type="sldNum" sz="quarter" idx="5"/>
+          </p:nvPr>
+        </p:nvSpPr>
+        <p:spPr/>
+        <p:txBody>
+          <a:bodyPr/>
+          <a:lstStyle/>
+          <a:p>
+            <a:fld id="{15114317-084B-44FB-95E2-F74F7746A8DF}" type="slidenum">
+              <a:rPr lang="en-GB" smtClean="0"/>
+              <a:t>6</a:t>
+            </a:fld>
+            <a:endParaRPr lang="en-GB"/>
+          </a:p>
+        </p:txBody>
+      </p:sp>
+    </p:spTree>
+    <p:extLst>
+      <p:ext uri="{BB962C8B-B14F-4D97-AF65-F5344CB8AC3E}">
+        <p14:creationId xmlns:p14="http://schemas.microsoft.com/office/powerpoint/2010/main" val="3416633694"/>
+      </p:ext>
+    </p:extLst>
+  </p:cSld>
+  <p:clrMapOvr>
+    <a:masterClrMapping/>
+  </p:clrMapOvr>
+</p:notes>
+</file>
+
+<file path=ppt/notesSlides/notesSlide3.xml><?xml version="1.0" encoding="utf-8"?>
+<p:notes xmlns:a="http://schemas.openxmlformats.org/drawingml/2006/main" xmlns:r="http://schemas.openxmlformats.org/officeDocument/2006/relationships" xmlns:p="http://schemas.openxmlformats.org/presentationml/2006/main">
+  <p:cSld>
+    <p:spTree>
+      <p:nvGrpSpPr>
+        <p:cNvPr id="1" name=""/>
+        <p:cNvGrpSpPr/>
+        <p:nvPr/>
+      </p:nvGrpSpPr>
+      <p:grpSpPr>
+        <a:xfrm>
+          <a:off x="0" y="0"/>
+          <a:ext cx="0" cy="0"/>
+          <a:chOff x="0" y="0"/>
+          <a:chExt cx="0" cy="0"/>
+        </a:xfrm>
+      </p:grpSpPr>
+      <p:sp>
+        <p:nvSpPr>
+          <p:cNvPr id="2" name="Segnaposto immagine diapositiva 1"/>
+          <p:cNvSpPr>
+            <a:spLocks noGrp="1" noRot="1" noChangeAspect="1"/>
+          </p:cNvSpPr>
+          <p:nvPr>
+            <p:ph type="sldImg"/>
+          </p:nvPr>
+        </p:nvSpPr>
+        <p:spPr/>
+      </p:sp>
+      <p:sp>
+        <p:nvSpPr>
+          <p:cNvPr id="3" name="Segnaposto note 2"/>
+          <p:cNvSpPr>
+            <a:spLocks noGrp="1"/>
+          </p:cNvSpPr>
+          <p:nvPr>
+            <p:ph type="body" idx="1"/>
+          </p:nvPr>
+        </p:nvSpPr>
+        <p:spPr/>
+        <p:txBody>
+          <a:bodyPr/>
+          <a:lstStyle/>
+          <a:p>
             <a:pPr marL="228600" indent="-228600">
               <a:buAutoNum type="arabicPeriod"/>
             </a:pPr>
@@ -597,6 +769,538 @@
     <p:extLst>
       <p:ext uri="{BB962C8B-B14F-4D97-AF65-F5344CB8AC3E}">
         <p14:creationId xmlns:p14="http://schemas.microsoft.com/office/powerpoint/2010/main" val="3286179310"/>
+      </p:ext>
+    </p:extLst>
+  </p:cSld>
+  <p:clrMapOvr>
+    <a:masterClrMapping/>
+  </p:clrMapOvr>
+</p:notes>
+</file>
+
+<file path=ppt/notesSlides/notesSlide4.xml><?xml version="1.0" encoding="utf-8"?>
+<p:notes xmlns:a="http://schemas.openxmlformats.org/drawingml/2006/main" xmlns:r="http://schemas.openxmlformats.org/officeDocument/2006/relationships" xmlns:p="http://schemas.openxmlformats.org/presentationml/2006/main">
+  <p:cSld>
+    <p:spTree>
+      <p:nvGrpSpPr>
+        <p:cNvPr id="1" name=""/>
+        <p:cNvGrpSpPr/>
+        <p:nvPr/>
+      </p:nvGrpSpPr>
+      <p:grpSpPr>
+        <a:xfrm>
+          <a:off x="0" y="0"/>
+          <a:ext cx="0" cy="0"/>
+          <a:chOff x="0" y="0"/>
+          <a:chExt cx="0" cy="0"/>
+        </a:xfrm>
+      </p:grpSpPr>
+      <p:sp>
+        <p:nvSpPr>
+          <p:cNvPr id="2" name="Segnaposto immagine diapositiva 1"/>
+          <p:cNvSpPr>
+            <a:spLocks noGrp="1" noRot="1" noChangeAspect="1"/>
+          </p:cNvSpPr>
+          <p:nvPr>
+            <p:ph type="sldImg"/>
+          </p:nvPr>
+        </p:nvSpPr>
+        <p:spPr/>
+      </p:sp>
+      <p:sp>
+        <p:nvSpPr>
+          <p:cNvPr id="3" name="Segnaposto note 2"/>
+          <p:cNvSpPr>
+            <a:spLocks noGrp="1"/>
+          </p:cNvSpPr>
+          <p:nvPr>
+            <p:ph type="body" idx="1"/>
+          </p:nvPr>
+        </p:nvSpPr>
+        <p:spPr/>
+        <p:txBody>
+          <a:bodyPr/>
+          <a:lstStyle/>
+          <a:p>
+            <a:pPr marL="228600" indent="-228600">
+              <a:buAutoNum type="arabicPeriod"/>
+            </a:pPr>
+            <a:r>
+              <a:rPr lang="it-IT" dirty="0"/>
+              <a:t>https://floodlight.atlassian.net/wiki/spaces/floodlightcontroller/pages/1343513/How+to+Write+a+Module#HowtoWriteaModule-OrderingModuleswhenProcessingOpenFlowMessages</a:t>
+            </a:r>
+          </a:p>
+          <a:p>
+            <a:pPr marL="228600" indent="-228600">
+              <a:buAutoNum type="arabicPeriod"/>
+            </a:pPr>
+            <a:r>
+              <a:rPr lang="it-IT" dirty="0"/>
+              <a:t>Per il normal rule, </a:t>
+            </a:r>
+            <a:r>
+              <a:rPr lang="it-IT" dirty="0" err="1"/>
+              <a:t>hybrid</a:t>
+            </a:r>
+            <a:r>
+              <a:rPr lang="it-IT" dirty="0"/>
+              <a:t> switch implementano nativamente il livello due e quindi avrebbero fatto </a:t>
+            </a:r>
+            <a:r>
+              <a:rPr lang="it-IT" dirty="0" err="1"/>
+              <a:t>arp</a:t>
+            </a:r>
+            <a:r>
+              <a:rPr lang="it-IT" dirty="0"/>
+              <a:t> e switch</a:t>
+            </a:r>
+          </a:p>
+          <a:p>
+            <a:pPr marL="228600" indent="-228600">
+              <a:buAutoNum type="arabicPeriod"/>
+            </a:pPr>
+            <a:r>
+              <a:rPr lang="it-IT" dirty="0"/>
+              <a:t>Il learning switch </a:t>
+            </a:r>
+          </a:p>
+          <a:p>
+            <a:pPr marL="228600" indent="-228600">
+              <a:buAutoNum type="arabicPeriod"/>
+            </a:pPr>
+            <a:r>
+              <a:rPr lang="en-GB" dirty="0"/>
+              <a:t>https://floodlight.atlassian.net/wiki/spaces/floodlightcontroller/pages/1343547/How+to+use+OpenFlowJ-Loxigen</a:t>
+            </a:r>
+          </a:p>
+        </p:txBody>
+      </p:sp>
+      <p:sp>
+        <p:nvSpPr>
+          <p:cNvPr id="4" name="Segnaposto numero diapositiva 3"/>
+          <p:cNvSpPr>
+            <a:spLocks noGrp="1"/>
+          </p:cNvSpPr>
+          <p:nvPr>
+            <p:ph type="sldNum" sz="quarter" idx="5"/>
+          </p:nvPr>
+        </p:nvSpPr>
+        <p:spPr/>
+        <p:txBody>
+          <a:bodyPr/>
+          <a:lstStyle/>
+          <a:p>
+            <a:fld id="{15114317-084B-44FB-95E2-F74F7746A8DF}" type="slidenum">
+              <a:rPr lang="en-GB" smtClean="0"/>
+              <a:t>8</a:t>
+            </a:fld>
+            <a:endParaRPr lang="en-GB"/>
+          </a:p>
+        </p:txBody>
+      </p:sp>
+    </p:spTree>
+    <p:extLst>
+      <p:ext uri="{BB962C8B-B14F-4D97-AF65-F5344CB8AC3E}">
+        <p14:creationId xmlns:p14="http://schemas.microsoft.com/office/powerpoint/2010/main" val="1747886683"/>
+      </p:ext>
+    </p:extLst>
+  </p:cSld>
+  <p:clrMapOvr>
+    <a:masterClrMapping/>
+  </p:clrMapOvr>
+</p:notes>
+</file>
+
+<file path=ppt/notesSlides/notesSlide5.xml><?xml version="1.0" encoding="utf-8"?>
+<p:notes xmlns:a="http://schemas.openxmlformats.org/drawingml/2006/main" xmlns:r="http://schemas.openxmlformats.org/officeDocument/2006/relationships" xmlns:p="http://schemas.openxmlformats.org/presentationml/2006/main">
+  <p:cSld>
+    <p:spTree>
+      <p:nvGrpSpPr>
+        <p:cNvPr id="1" name=""/>
+        <p:cNvGrpSpPr/>
+        <p:nvPr/>
+      </p:nvGrpSpPr>
+      <p:grpSpPr>
+        <a:xfrm>
+          <a:off x="0" y="0"/>
+          <a:ext cx="0" cy="0"/>
+          <a:chOff x="0" y="0"/>
+          <a:chExt cx="0" cy="0"/>
+        </a:xfrm>
+      </p:grpSpPr>
+      <p:sp>
+        <p:nvSpPr>
+          <p:cNvPr id="2" name="Segnaposto immagine diapositiva 1"/>
+          <p:cNvSpPr>
+            <a:spLocks noGrp="1" noRot="1" noChangeAspect="1"/>
+          </p:cNvSpPr>
+          <p:nvPr>
+            <p:ph type="sldImg"/>
+          </p:nvPr>
+        </p:nvSpPr>
+        <p:spPr/>
+      </p:sp>
+      <p:sp>
+        <p:nvSpPr>
+          <p:cNvPr id="3" name="Segnaposto note 2"/>
+          <p:cNvSpPr>
+            <a:spLocks noGrp="1"/>
+          </p:cNvSpPr>
+          <p:nvPr>
+            <p:ph type="body" idx="1"/>
+          </p:nvPr>
+        </p:nvSpPr>
+        <p:spPr/>
+        <p:txBody>
+          <a:bodyPr/>
+          <a:lstStyle/>
+          <a:p>
+            <a:pPr marL="228600" indent="-228600">
+              <a:buAutoNum type="arabicPeriod"/>
+            </a:pPr>
+            <a:r>
+              <a:rPr lang="it-IT" dirty="0"/>
+              <a:t>https://floodlight.atlassian.net/wiki/spaces/floodlightcontroller/pages/1343513/How+to+Write+a+Module#HowtoWriteaModule-OrderingModuleswhenProcessingOpenFlowMessages</a:t>
+            </a:r>
+          </a:p>
+          <a:p>
+            <a:pPr marL="228600" indent="-228600">
+              <a:buAutoNum type="arabicPeriod"/>
+            </a:pPr>
+            <a:r>
+              <a:rPr lang="it-IT" dirty="0"/>
+              <a:t>Per il normal rule, </a:t>
+            </a:r>
+            <a:r>
+              <a:rPr lang="it-IT" dirty="0" err="1"/>
+              <a:t>hybrid</a:t>
+            </a:r>
+            <a:r>
+              <a:rPr lang="it-IT" dirty="0"/>
+              <a:t> switch implementano nativamente il livello due e quindi avrebbero fatto </a:t>
+            </a:r>
+            <a:r>
+              <a:rPr lang="it-IT" dirty="0" err="1"/>
+              <a:t>arp</a:t>
+            </a:r>
+            <a:r>
+              <a:rPr lang="it-IT" dirty="0"/>
+              <a:t> e switch</a:t>
+            </a:r>
+          </a:p>
+          <a:p>
+            <a:pPr marL="228600" indent="-228600">
+              <a:buAutoNum type="arabicPeriod"/>
+            </a:pPr>
+            <a:r>
+              <a:rPr lang="it-IT" dirty="0"/>
+              <a:t>Il learning switch </a:t>
+            </a:r>
+          </a:p>
+          <a:p>
+            <a:pPr marL="228600" indent="-228600">
+              <a:buAutoNum type="arabicPeriod"/>
+            </a:pPr>
+            <a:r>
+              <a:rPr lang="en-GB" dirty="0"/>
+              <a:t>https://floodlight.atlassian.net/wiki/spaces/floodlightcontroller/pages/1343547/How+to+use+OpenFlowJ-Loxigen</a:t>
+            </a:r>
+          </a:p>
+        </p:txBody>
+      </p:sp>
+      <p:sp>
+        <p:nvSpPr>
+          <p:cNvPr id="4" name="Segnaposto numero diapositiva 3"/>
+          <p:cNvSpPr>
+            <a:spLocks noGrp="1"/>
+          </p:cNvSpPr>
+          <p:nvPr>
+            <p:ph type="sldNum" sz="quarter" idx="5"/>
+          </p:nvPr>
+        </p:nvSpPr>
+        <p:spPr/>
+        <p:txBody>
+          <a:bodyPr/>
+          <a:lstStyle/>
+          <a:p>
+            <a:fld id="{15114317-084B-44FB-95E2-F74F7746A8DF}" type="slidenum">
+              <a:rPr lang="en-GB" smtClean="0"/>
+              <a:t>9</a:t>
+            </a:fld>
+            <a:endParaRPr lang="en-GB"/>
+          </a:p>
+        </p:txBody>
+      </p:sp>
+    </p:spTree>
+    <p:extLst>
+      <p:ext uri="{BB962C8B-B14F-4D97-AF65-F5344CB8AC3E}">
+        <p14:creationId xmlns:p14="http://schemas.microsoft.com/office/powerpoint/2010/main" val="1023302255"/>
+      </p:ext>
+    </p:extLst>
+  </p:cSld>
+  <p:clrMapOvr>
+    <a:masterClrMapping/>
+  </p:clrMapOvr>
+</p:notes>
+</file>
+
+<file path=ppt/notesSlides/notesSlide6.xml><?xml version="1.0" encoding="utf-8"?>
+<p:notes xmlns:a="http://schemas.openxmlformats.org/drawingml/2006/main" xmlns:r="http://schemas.openxmlformats.org/officeDocument/2006/relationships" xmlns:p="http://schemas.openxmlformats.org/presentationml/2006/main">
+  <p:cSld>
+    <p:spTree>
+      <p:nvGrpSpPr>
+        <p:cNvPr id="1" name=""/>
+        <p:cNvGrpSpPr/>
+        <p:nvPr/>
+      </p:nvGrpSpPr>
+      <p:grpSpPr>
+        <a:xfrm>
+          <a:off x="0" y="0"/>
+          <a:ext cx="0" cy="0"/>
+          <a:chOff x="0" y="0"/>
+          <a:chExt cx="0" cy="0"/>
+        </a:xfrm>
+      </p:grpSpPr>
+      <p:sp>
+        <p:nvSpPr>
+          <p:cNvPr id="2" name="Segnaposto immagine diapositiva 1"/>
+          <p:cNvSpPr>
+            <a:spLocks noGrp="1" noRot="1" noChangeAspect="1"/>
+          </p:cNvSpPr>
+          <p:nvPr>
+            <p:ph type="sldImg"/>
+          </p:nvPr>
+        </p:nvSpPr>
+        <p:spPr/>
+      </p:sp>
+      <p:sp>
+        <p:nvSpPr>
+          <p:cNvPr id="3" name="Segnaposto note 2"/>
+          <p:cNvSpPr>
+            <a:spLocks noGrp="1"/>
+          </p:cNvSpPr>
+          <p:nvPr>
+            <p:ph type="body" idx="1"/>
+          </p:nvPr>
+        </p:nvSpPr>
+        <p:spPr/>
+        <p:txBody>
+          <a:bodyPr/>
+          <a:lstStyle/>
+          <a:p>
+            <a:pPr marL="228600" indent="-228600">
+              <a:buAutoNum type="arabicPeriod"/>
+            </a:pPr>
+            <a:r>
+              <a:rPr lang="it-IT" dirty="0"/>
+              <a:t>https://floodlight.atlassian.net/wiki/spaces/floodlightcontroller/pages/1343513/How+to+Write+a+Module#HowtoWriteaModule-OrderingModuleswhenProcessingOpenFlowMessages</a:t>
+            </a:r>
+          </a:p>
+          <a:p>
+            <a:pPr marL="228600" indent="-228600">
+              <a:buAutoNum type="arabicPeriod"/>
+            </a:pPr>
+            <a:r>
+              <a:rPr lang="it-IT" dirty="0"/>
+              <a:t>Per il normal rule, </a:t>
+            </a:r>
+            <a:r>
+              <a:rPr lang="it-IT" dirty="0" err="1"/>
+              <a:t>hybrid</a:t>
+            </a:r>
+            <a:r>
+              <a:rPr lang="it-IT" dirty="0"/>
+              <a:t> switch implementano nativamente il livello due e quindi avrebbero fatto </a:t>
+            </a:r>
+            <a:r>
+              <a:rPr lang="it-IT" dirty="0" err="1"/>
+              <a:t>arp</a:t>
+            </a:r>
+            <a:r>
+              <a:rPr lang="it-IT" dirty="0"/>
+              <a:t> e switch</a:t>
+            </a:r>
+          </a:p>
+          <a:p>
+            <a:pPr marL="228600" indent="-228600">
+              <a:buAutoNum type="arabicPeriod"/>
+            </a:pPr>
+            <a:r>
+              <a:rPr lang="it-IT" dirty="0"/>
+              <a:t>Il learning switch </a:t>
+            </a:r>
+          </a:p>
+          <a:p>
+            <a:pPr marL="228600" indent="-228600">
+              <a:buAutoNum type="arabicPeriod"/>
+            </a:pPr>
+            <a:r>
+              <a:rPr lang="en-GB" dirty="0"/>
+              <a:t>https://floodlight.atlassian.net/wiki/spaces/floodlightcontroller/pages/1343547/How+to+use+OpenFlowJ-Loxigen</a:t>
+            </a:r>
+          </a:p>
+        </p:txBody>
+      </p:sp>
+      <p:sp>
+        <p:nvSpPr>
+          <p:cNvPr id="4" name="Segnaposto numero diapositiva 3"/>
+          <p:cNvSpPr>
+            <a:spLocks noGrp="1"/>
+          </p:cNvSpPr>
+          <p:nvPr>
+            <p:ph type="sldNum" sz="quarter" idx="5"/>
+          </p:nvPr>
+        </p:nvSpPr>
+        <p:spPr/>
+        <p:txBody>
+          <a:bodyPr/>
+          <a:lstStyle/>
+          <a:p>
+            <a:fld id="{15114317-084B-44FB-95E2-F74F7746A8DF}" type="slidenum">
+              <a:rPr lang="en-GB" smtClean="0"/>
+              <a:t>10</a:t>
+            </a:fld>
+            <a:endParaRPr lang="en-GB"/>
+          </a:p>
+        </p:txBody>
+      </p:sp>
+    </p:spTree>
+    <p:extLst>
+      <p:ext uri="{BB962C8B-B14F-4D97-AF65-F5344CB8AC3E}">
+        <p14:creationId xmlns:p14="http://schemas.microsoft.com/office/powerpoint/2010/main" val="1126364253"/>
+      </p:ext>
+    </p:extLst>
+  </p:cSld>
+  <p:clrMapOvr>
+    <a:masterClrMapping/>
+  </p:clrMapOvr>
+</p:notes>
+</file>
+
+<file path=ppt/notesSlides/notesSlide7.xml><?xml version="1.0" encoding="utf-8"?>
+<p:notes xmlns:a="http://schemas.openxmlformats.org/drawingml/2006/main" xmlns:r="http://schemas.openxmlformats.org/officeDocument/2006/relationships" xmlns:p="http://schemas.openxmlformats.org/presentationml/2006/main">
+  <p:cSld>
+    <p:spTree>
+      <p:nvGrpSpPr>
+        <p:cNvPr id="1" name=""/>
+        <p:cNvGrpSpPr/>
+        <p:nvPr/>
+      </p:nvGrpSpPr>
+      <p:grpSpPr>
+        <a:xfrm>
+          <a:off x="0" y="0"/>
+          <a:ext cx="0" cy="0"/>
+          <a:chOff x="0" y="0"/>
+          <a:chExt cx="0" cy="0"/>
+        </a:xfrm>
+      </p:grpSpPr>
+      <p:sp>
+        <p:nvSpPr>
+          <p:cNvPr id="2" name="Segnaposto immagine diapositiva 1"/>
+          <p:cNvSpPr>
+            <a:spLocks noGrp="1" noRot="1" noChangeAspect="1"/>
+          </p:cNvSpPr>
+          <p:nvPr>
+            <p:ph type="sldImg"/>
+          </p:nvPr>
+        </p:nvSpPr>
+        <p:spPr/>
+      </p:sp>
+      <p:sp>
+        <p:nvSpPr>
+          <p:cNvPr id="3" name="Segnaposto note 2"/>
+          <p:cNvSpPr>
+            <a:spLocks noGrp="1"/>
+          </p:cNvSpPr>
+          <p:nvPr>
+            <p:ph type="body" idx="1"/>
+          </p:nvPr>
+        </p:nvSpPr>
+        <p:spPr/>
+        <p:txBody>
+          <a:bodyPr/>
+          <a:lstStyle/>
+          <a:p>
+            <a:pPr marL="228600" indent="-228600">
+              <a:buAutoNum type="arabicPeriod"/>
+            </a:pPr>
+            <a:r>
+              <a:rPr lang="it-IT" dirty="0"/>
+              <a:t>https://floodlight.atlassian.net/wiki/spaces/floodlightcontroller/pages/1343513/How+to+Write+a+Module#HowtoWriteaModule-OrderingModuleswhenProcessingOpenFlowMessages</a:t>
+            </a:r>
+          </a:p>
+          <a:p>
+            <a:pPr marL="228600" indent="-228600">
+              <a:buAutoNum type="arabicPeriod"/>
+            </a:pPr>
+            <a:r>
+              <a:rPr lang="it-IT" dirty="0"/>
+              <a:t>Per il normal rule, </a:t>
+            </a:r>
+            <a:r>
+              <a:rPr lang="it-IT" dirty="0" err="1"/>
+              <a:t>hybrid</a:t>
+            </a:r>
+            <a:r>
+              <a:rPr lang="it-IT" dirty="0"/>
+              <a:t> switch implementano nativamente il livello due e quindi avrebbero fatto </a:t>
+            </a:r>
+            <a:r>
+              <a:rPr lang="it-IT" dirty="0" err="1"/>
+              <a:t>arp</a:t>
+            </a:r>
+            <a:r>
+              <a:rPr lang="it-IT" dirty="0"/>
+              <a:t> e switch</a:t>
+            </a:r>
+          </a:p>
+          <a:p>
+            <a:pPr marL="228600" indent="-228600">
+              <a:buAutoNum type="arabicPeriod"/>
+            </a:pPr>
+            <a:r>
+              <a:rPr lang="it-IT" dirty="0"/>
+              <a:t>Il learning switch </a:t>
+            </a:r>
+          </a:p>
+          <a:p>
+            <a:pPr marL="228600" indent="-228600">
+              <a:buAutoNum type="arabicPeriod"/>
+            </a:pPr>
+            <a:r>
+              <a:rPr lang="en-GB" dirty="0"/>
+              <a:t>https://floodlight.atlassian.net/wiki/spaces/floodlightcontroller/pages/1343547/How+to+use+OpenFlowJ-Loxigen</a:t>
+            </a:r>
+          </a:p>
+        </p:txBody>
+      </p:sp>
+      <p:sp>
+        <p:nvSpPr>
+          <p:cNvPr id="4" name="Segnaposto numero diapositiva 3"/>
+          <p:cNvSpPr>
+            <a:spLocks noGrp="1"/>
+          </p:cNvSpPr>
+          <p:nvPr>
+            <p:ph type="sldNum" sz="quarter" idx="5"/>
+          </p:nvPr>
+        </p:nvSpPr>
+        <p:spPr/>
+        <p:txBody>
+          <a:bodyPr/>
+          <a:lstStyle/>
+          <a:p>
+            <a:fld id="{15114317-084B-44FB-95E2-F74F7746A8DF}" type="slidenum">
+              <a:rPr lang="en-GB" smtClean="0"/>
+              <a:t>11</a:t>
+            </a:fld>
+            <a:endParaRPr lang="en-GB"/>
+          </a:p>
+        </p:txBody>
+      </p:sp>
+    </p:spTree>
+    <p:extLst>
+      <p:ext uri="{BB962C8B-B14F-4D97-AF65-F5344CB8AC3E}">
+        <p14:creationId xmlns:p14="http://schemas.microsoft.com/office/powerpoint/2010/main" val="3244972490"/>
       </p:ext>
     </p:extLst>
   </p:cSld>
@@ -4133,7 +4837,7 @@
 </p:sld>
 </file>
 
-<file path=ppt/slides/slide2.xml><?xml version="1.0" encoding="utf-8"?>
+<file path=ppt/slides/slide10.xml><?xml version="1.0" encoding="utf-8"?>
 <p:sld xmlns:a="http://schemas.openxmlformats.org/drawingml/2006/main" xmlns:r="http://schemas.openxmlformats.org/officeDocument/2006/relationships" xmlns:p="http://schemas.openxmlformats.org/presentationml/2006/main">
   <p:cSld>
     <p:spTree>
@@ -4155,7 +4859,7 @@
           <p:cNvPr id="2" name="Titolo 1">
             <a:extLst>
               <a:ext uri="{FF2B5EF4-FFF2-40B4-BE49-F238E27FC236}">
-                <a16:creationId xmlns:a16="http://schemas.microsoft.com/office/drawing/2014/main" id="{428BB0E2-7B0F-41C3-B033-9D1FFBBC8A2F}"/>
+                <a16:creationId xmlns:a16="http://schemas.microsoft.com/office/drawing/2014/main" id="{7E6353A6-1C85-4D8F-9EA2-AAA7BDECABC1}"/>
               </a:ext>
             </a:extLst>
           </p:cNvPr>
@@ -4172,51 +4876,1443 @@
           <a:lstStyle/>
           <a:p>
             <a:r>
+              <a:rPr lang="it-IT" b="1" dirty="0" err="1"/>
+              <a:t>Implementatio</a:t>
+            </a:r>
+            <a:r>
+              <a:rPr lang="it-IT" b="1" dirty="0"/>
+              <a:t> Issues</a:t>
+            </a:r>
+            <a:endParaRPr lang="en-GB" b="1" dirty="0"/>
+          </a:p>
+        </p:txBody>
+      </p:sp>
+      <p:sp>
+        <p:nvSpPr>
+          <p:cNvPr id="3" name="Segnaposto contenuto 2">
+            <a:extLst>
+              <a:ext uri="{FF2B5EF4-FFF2-40B4-BE49-F238E27FC236}">
+                <a16:creationId xmlns:a16="http://schemas.microsoft.com/office/drawing/2014/main" id="{DF3513A8-F910-4B01-AD7F-5C394725A6CD}"/>
+              </a:ext>
+            </a:extLst>
+          </p:cNvPr>
+          <p:cNvSpPr>
+            <a:spLocks noGrp="1"/>
+          </p:cNvSpPr>
+          <p:nvPr>
+            <p:ph idx="1"/>
+          </p:nvPr>
+        </p:nvSpPr>
+        <p:spPr/>
+        <p:txBody>
+          <a:bodyPr>
+            <a:normAutofit lnSpcReduction="10000"/>
+          </a:bodyPr>
+          <a:lstStyle/>
+          <a:p>
+            <a:r>
               <a:rPr lang="it-IT" dirty="0">
                 <a:solidFill>
+                  <a:schemeClr val="bg1">
+                    <a:lumMod val="75000"/>
+                  </a:schemeClr>
+                </a:solidFill>
+              </a:rPr>
+              <a:t>Execution </a:t>
+            </a:r>
+            <a:r>
+              <a:rPr lang="it-IT" dirty="0" err="1">
+                <a:solidFill>
+                  <a:schemeClr val="bg1">
+                    <a:lumMod val="75000"/>
+                  </a:schemeClr>
+                </a:solidFill>
+              </a:rPr>
+              <a:t>order</a:t>
+            </a:r>
+            <a:r>
+              <a:rPr lang="it-IT" dirty="0">
+                <a:solidFill>
+                  <a:schemeClr val="bg1">
+                    <a:lumMod val="75000"/>
+                  </a:schemeClr>
+                </a:solidFill>
+              </a:rPr>
+              <a:t> of </a:t>
+            </a:r>
+            <a:r>
+              <a:rPr lang="it-IT" dirty="0" err="1">
+                <a:solidFill>
+                  <a:schemeClr val="bg1">
+                    <a:lumMod val="75000"/>
+                  </a:schemeClr>
+                </a:solidFill>
+              </a:rPr>
+              <a:t>floodlight</a:t>
+            </a:r>
+            <a:r>
+              <a:rPr lang="it-IT" dirty="0">
+                <a:solidFill>
+                  <a:schemeClr val="bg1">
+                    <a:lumMod val="75000"/>
+                  </a:schemeClr>
+                </a:solidFill>
+              </a:rPr>
+              <a:t> </a:t>
+            </a:r>
+            <a:r>
+              <a:rPr lang="it-IT" dirty="0" err="1">
+                <a:solidFill>
+                  <a:schemeClr val="bg1">
+                    <a:lumMod val="75000"/>
+                  </a:schemeClr>
+                </a:solidFill>
+              </a:rPr>
+              <a:t>modules</a:t>
+            </a:r>
+            <a:r>
+              <a:rPr lang="it-IT" dirty="0">
+                <a:solidFill>
+                  <a:schemeClr val="bg1">
+                    <a:lumMod val="75000"/>
+                  </a:schemeClr>
+                </a:solidFill>
+              </a:rPr>
+              <a:t> </a:t>
+            </a:r>
+            <a:r>
+              <a:rPr lang="it-IT" dirty="0">
+                <a:solidFill>
+                  <a:schemeClr val="bg1">
+                    <a:lumMod val="75000"/>
+                  </a:schemeClr>
+                </a:solidFill>
+                <a:hlinkClick r:id="rId3">
+                  <a:extLst>
+                    <a:ext uri="{A12FA001-AC4F-418D-AE19-62706E023703}">
+                      <ahyp:hlinkClr xmlns:ahyp="http://schemas.microsoft.com/office/drawing/2018/hyperlinkcolor" val="tx"/>
+                    </a:ext>
+                  </a:extLst>
+                </a:hlinkClick>
+              </a:rPr>
+              <a:t>here</a:t>
+            </a:r>
+            <a:r>
+              <a:rPr lang="it-IT" dirty="0">
+                <a:solidFill>
+                  <a:schemeClr val="bg1">
+                    <a:lumMod val="75000"/>
+                  </a:schemeClr>
+                </a:solidFill>
+              </a:rPr>
+              <a:t>.</a:t>
+            </a:r>
+          </a:p>
+          <a:p>
+            <a:r>
+              <a:rPr lang="it-IT" dirty="0">
+                <a:solidFill>
+                  <a:schemeClr val="bg1">
+                    <a:lumMod val="75000"/>
+                  </a:schemeClr>
+                </a:solidFill>
+              </a:rPr>
+              <a:t>The normal rule (</a:t>
+            </a:r>
+            <a:r>
+              <a:rPr lang="it-IT" dirty="0" err="1">
+                <a:solidFill>
+                  <a:schemeClr val="bg1">
+                    <a:lumMod val="75000"/>
+                  </a:schemeClr>
+                </a:solidFill>
+              </a:rPr>
+              <a:t>action.normal</a:t>
+            </a:r>
+            <a:r>
+              <a:rPr lang="it-IT" dirty="0">
+                <a:solidFill>
+                  <a:schemeClr val="bg1">
+                    <a:lumMod val="75000"/>
+                  </a:schemeClr>
+                </a:solidFill>
+              </a:rPr>
+              <a:t>) does not work for non </a:t>
+            </a:r>
+            <a:r>
+              <a:rPr lang="it-IT" dirty="0" err="1">
+                <a:solidFill>
+                  <a:schemeClr val="bg1">
+                    <a:lumMod val="75000"/>
+                  </a:schemeClr>
+                </a:solidFill>
+              </a:rPr>
+              <a:t>hybrid</a:t>
+            </a:r>
+            <a:r>
+              <a:rPr lang="it-IT" dirty="0">
+                <a:solidFill>
+                  <a:schemeClr val="bg1">
+                    <a:lumMod val="75000"/>
+                  </a:schemeClr>
+                </a:solidFill>
+              </a:rPr>
+              <a:t> </a:t>
+            </a:r>
+            <a:r>
+              <a:rPr lang="it-IT" dirty="0" err="1">
+                <a:solidFill>
+                  <a:schemeClr val="bg1">
+                    <a:lumMod val="75000"/>
+                  </a:schemeClr>
+                </a:solidFill>
+              </a:rPr>
+              <a:t>switches</a:t>
+            </a:r>
+            <a:r>
+              <a:rPr lang="it-IT" dirty="0">
+                <a:solidFill>
+                  <a:schemeClr val="bg1">
+                    <a:lumMod val="75000"/>
+                  </a:schemeClr>
+                </a:solidFill>
+              </a:rPr>
+              <a:t>.</a:t>
+            </a:r>
+          </a:p>
+          <a:p>
+            <a:r>
+              <a:rPr lang="it-IT" dirty="0">
+                <a:solidFill>
+                  <a:schemeClr val="bg1">
+                    <a:lumMod val="75000"/>
+                  </a:schemeClr>
+                </a:solidFill>
+              </a:rPr>
+              <a:t>Learning switch: </a:t>
+            </a:r>
+          </a:p>
+          <a:p>
+            <a:pPr lvl="1"/>
+            <a:r>
+              <a:rPr lang="it-IT" dirty="0">
+                <a:solidFill>
+                  <a:schemeClr val="bg1">
+                    <a:lumMod val="75000"/>
+                  </a:schemeClr>
+                </a:solidFill>
+              </a:rPr>
+              <a:t>Add interface to </a:t>
+            </a:r>
+            <a:r>
+              <a:rPr lang="it-IT" dirty="0" err="1">
+                <a:solidFill>
+                  <a:schemeClr val="bg1">
+                    <a:lumMod val="75000"/>
+                  </a:schemeClr>
+                </a:solidFill>
+              </a:rPr>
+              <a:t>retreive</a:t>
+            </a:r>
+            <a:r>
+              <a:rPr lang="it-IT" dirty="0">
+                <a:solidFill>
+                  <a:schemeClr val="bg1">
+                    <a:lumMod val="75000"/>
+                  </a:schemeClr>
+                </a:solidFill>
+              </a:rPr>
+              <a:t> MAC </a:t>
+            </a:r>
+            <a:r>
+              <a:rPr lang="it-IT" dirty="0" err="1">
+                <a:solidFill>
+                  <a:schemeClr val="bg1">
+                    <a:lumMod val="75000"/>
+                  </a:schemeClr>
+                </a:solidFill>
+              </a:rPr>
+              <a:t>addresses</a:t>
+            </a:r>
+            <a:r>
+              <a:rPr lang="it-IT" dirty="0">
+                <a:solidFill>
+                  <a:schemeClr val="bg1">
+                    <a:lumMod val="75000"/>
+                  </a:schemeClr>
+                </a:solidFill>
+              </a:rPr>
+              <a:t> from the learning switch controller</a:t>
+            </a:r>
+          </a:p>
+          <a:p>
+            <a:r>
+              <a:rPr lang="it-IT" sz="3200" b="1" dirty="0" err="1"/>
+              <a:t>Deleting</a:t>
+            </a:r>
+            <a:r>
+              <a:rPr lang="it-IT" sz="3200" b="1" dirty="0"/>
+              <a:t> rules are </a:t>
+            </a:r>
+            <a:r>
+              <a:rPr lang="it-IT" sz="3200" b="1" dirty="0" err="1"/>
+              <a:t>specified</a:t>
+            </a:r>
+            <a:r>
+              <a:rPr lang="it-IT" sz="3200" b="1" dirty="0"/>
+              <a:t> </a:t>
+            </a:r>
+            <a:r>
+              <a:rPr lang="it-IT" sz="3200" b="1" dirty="0">
+                <a:hlinkClick r:id="rId4"/>
+              </a:rPr>
+              <a:t>here</a:t>
+            </a:r>
+            <a:r>
+              <a:rPr lang="it-IT" sz="3200" b="1" dirty="0"/>
+              <a:t>. </a:t>
+            </a:r>
+          </a:p>
+          <a:p>
+            <a:pPr lvl="1"/>
+            <a:r>
+              <a:rPr lang="it-IT" sz="2600" b="1" dirty="0" err="1"/>
+              <a:t>OFFlowDelete</a:t>
+            </a:r>
+            <a:r>
+              <a:rPr lang="it-IT" sz="2600" b="1" dirty="0"/>
+              <a:t> </a:t>
+            </a:r>
+            <a:r>
+              <a:rPr lang="it-IT" sz="2600" b="1" dirty="0" err="1"/>
+              <a:t>deletes</a:t>
+            </a:r>
+            <a:r>
+              <a:rPr lang="it-IT" sz="2600" b="1" dirty="0"/>
+              <a:t> rules </a:t>
+            </a:r>
+            <a:r>
+              <a:rPr lang="it-IT" sz="2600" b="1" dirty="0" err="1"/>
+              <a:t>matching</a:t>
+            </a:r>
+            <a:r>
+              <a:rPr lang="it-IT" sz="2600" b="1" dirty="0"/>
+              <a:t> </a:t>
+            </a:r>
+            <a:r>
+              <a:rPr lang="it-IT" sz="2600" b="1" dirty="0" err="1"/>
+              <a:t>at</a:t>
+            </a:r>
+            <a:r>
+              <a:rPr lang="it-IT" sz="2600" b="1" dirty="0"/>
+              <a:t> </a:t>
+            </a:r>
+            <a:r>
+              <a:rPr lang="it-IT" sz="2600" b="1" dirty="0" err="1"/>
+              <a:t>least</a:t>
+            </a:r>
+            <a:r>
+              <a:rPr lang="it-IT" sz="2600" b="1" dirty="0"/>
+              <a:t> the </a:t>
+            </a:r>
+            <a:r>
+              <a:rPr lang="it-IT" sz="2600" b="1" dirty="0" err="1"/>
+              <a:t>specified</a:t>
+            </a:r>
+            <a:r>
+              <a:rPr lang="it-IT" sz="2600" b="1" dirty="0"/>
+              <a:t> fields;</a:t>
+            </a:r>
+          </a:p>
+          <a:p>
+            <a:pPr lvl="1"/>
+            <a:r>
+              <a:rPr lang="it-IT" sz="2600" b="1" dirty="0" err="1"/>
+              <a:t>OFFlowDeleteStrict</a:t>
+            </a:r>
+            <a:r>
+              <a:rPr lang="it-IT" sz="2600" b="1" dirty="0"/>
+              <a:t> </a:t>
+            </a:r>
+            <a:r>
+              <a:rPr lang="it-IT" sz="2600" b="1" dirty="0" err="1"/>
+              <a:t>deletes</a:t>
+            </a:r>
+            <a:r>
+              <a:rPr lang="it-IT" sz="2600" b="1" dirty="0"/>
+              <a:t> the rules that </a:t>
+            </a:r>
+            <a:r>
+              <a:rPr lang="en-GB" sz="2600" b="1" dirty="0"/>
+              <a:t>exactly looks like the match you specify</a:t>
+            </a:r>
+            <a:r>
+              <a:rPr lang="it-IT" sz="2600" b="1" dirty="0"/>
+              <a:t>.</a:t>
+            </a:r>
+          </a:p>
+          <a:p>
+            <a:r>
+              <a:rPr lang="it-IT" dirty="0">
+                <a:solidFill>
+                  <a:schemeClr val="bg1">
+                    <a:lumMod val="75000"/>
+                  </a:schemeClr>
+                </a:solidFill>
+              </a:rPr>
+              <a:t>Testing </a:t>
+            </a:r>
+            <a:r>
+              <a:rPr lang="it-IT" dirty="0" err="1">
+                <a:solidFill>
+                  <a:schemeClr val="bg1">
+                    <a:lumMod val="75000"/>
+                  </a:schemeClr>
+                </a:solidFill>
+              </a:rPr>
+              <a:t>is</a:t>
+            </a:r>
+            <a:r>
+              <a:rPr lang="it-IT" dirty="0">
+                <a:solidFill>
+                  <a:schemeClr val="bg1">
+                    <a:lumMod val="75000"/>
+                  </a:schemeClr>
+                </a:solidFill>
+              </a:rPr>
+              <a:t> done in </a:t>
+            </a:r>
+            <a:r>
+              <a:rPr lang="it-IT" dirty="0" err="1">
+                <a:solidFill>
+                  <a:schemeClr val="bg1">
+                    <a:lumMod val="75000"/>
+                  </a:schemeClr>
+                </a:solidFill>
+              </a:rPr>
+              <a:t>python</a:t>
+            </a:r>
+            <a:r>
+              <a:rPr lang="it-IT" dirty="0">
+                <a:solidFill>
+                  <a:schemeClr val="bg1">
+                    <a:lumMod val="75000"/>
+                  </a:schemeClr>
+                </a:solidFill>
+              </a:rPr>
+              <a:t> </a:t>
+            </a:r>
+            <a:r>
+              <a:rPr lang="it-IT" dirty="0" err="1">
+                <a:solidFill>
+                  <a:schemeClr val="bg1">
+                    <a:lumMod val="75000"/>
+                  </a:schemeClr>
+                </a:solidFill>
+              </a:rPr>
+              <a:t>using</a:t>
+            </a:r>
+            <a:r>
+              <a:rPr lang="it-IT" dirty="0">
+                <a:solidFill>
+                  <a:schemeClr val="bg1">
+                    <a:lumMod val="75000"/>
+                  </a:schemeClr>
+                </a:solidFill>
+              </a:rPr>
+              <a:t> </a:t>
+            </a:r>
+            <a:r>
+              <a:rPr lang="it-IT" dirty="0" err="1">
+                <a:solidFill>
+                  <a:schemeClr val="bg1">
+                    <a:lumMod val="75000"/>
+                  </a:schemeClr>
+                </a:solidFill>
+              </a:rPr>
+              <a:t>mininet</a:t>
+            </a:r>
+            <a:r>
+              <a:rPr lang="it-IT" dirty="0">
+                <a:solidFill>
+                  <a:schemeClr val="bg1">
+                    <a:lumMod val="75000"/>
+                  </a:schemeClr>
+                </a:solidFill>
+              </a:rPr>
+              <a:t> library</a:t>
+            </a:r>
+          </a:p>
+          <a:p>
+            <a:pPr lvl="1"/>
+            <a:endParaRPr lang="en-GB" dirty="0"/>
+          </a:p>
+        </p:txBody>
+      </p:sp>
+      <p:sp>
+        <p:nvSpPr>
+          <p:cNvPr id="4" name="Segnaposto piè di pagina 3">
+            <a:extLst>
+              <a:ext uri="{FF2B5EF4-FFF2-40B4-BE49-F238E27FC236}">
+                <a16:creationId xmlns:a16="http://schemas.microsoft.com/office/drawing/2014/main" id="{143FDC5E-D0BC-456A-BA7B-938A4422FE96}"/>
+              </a:ext>
+            </a:extLst>
+          </p:cNvPr>
+          <p:cNvSpPr>
+            <a:spLocks noGrp="1"/>
+          </p:cNvSpPr>
+          <p:nvPr>
+            <p:ph type="ftr" sz="quarter" idx="11"/>
+          </p:nvPr>
+        </p:nvSpPr>
+        <p:spPr/>
+        <p:txBody>
+          <a:bodyPr/>
+          <a:lstStyle/>
+          <a:p>
+            <a:r>
+              <a:rPr lang="it-IT"/>
+              <a:t>A. Le Caldare, E. Sassu, E. Scarselli</a:t>
+            </a:r>
+            <a:endParaRPr lang="en-GB"/>
+          </a:p>
+        </p:txBody>
+      </p:sp>
+      <p:sp>
+        <p:nvSpPr>
+          <p:cNvPr id="5" name="Segnaposto numero diapositiva 4">
+            <a:extLst>
+              <a:ext uri="{FF2B5EF4-FFF2-40B4-BE49-F238E27FC236}">
+                <a16:creationId xmlns:a16="http://schemas.microsoft.com/office/drawing/2014/main" id="{498B3CE7-B9F2-48C7-984E-87974B8C1C63}"/>
+              </a:ext>
+            </a:extLst>
+          </p:cNvPr>
+          <p:cNvSpPr>
+            <a:spLocks noGrp="1"/>
+          </p:cNvSpPr>
+          <p:nvPr>
+            <p:ph type="sldNum" sz="quarter" idx="12"/>
+          </p:nvPr>
+        </p:nvSpPr>
+        <p:spPr/>
+        <p:txBody>
+          <a:bodyPr/>
+          <a:lstStyle/>
+          <a:p>
+            <a:fld id="{5BB7E168-F539-4513-AD44-F276B24E7DDF}" type="slidenum">
+              <a:rPr lang="en-GB" smtClean="0"/>
+              <a:t>10</a:t>
+            </a:fld>
+            <a:endParaRPr lang="en-GB"/>
+          </a:p>
+        </p:txBody>
+      </p:sp>
+    </p:spTree>
+    <p:extLst>
+      <p:ext uri="{BB962C8B-B14F-4D97-AF65-F5344CB8AC3E}">
+        <p14:creationId xmlns:p14="http://schemas.microsoft.com/office/powerpoint/2010/main" val="887066111"/>
+      </p:ext>
+    </p:extLst>
+  </p:cSld>
+  <p:clrMapOvr>
+    <a:masterClrMapping/>
+  </p:clrMapOvr>
+</p:sld>
+</file>
+
+<file path=ppt/slides/slide11.xml><?xml version="1.0" encoding="utf-8"?>
+<p:sld xmlns:a="http://schemas.openxmlformats.org/drawingml/2006/main" xmlns:r="http://schemas.openxmlformats.org/officeDocument/2006/relationships" xmlns:p="http://schemas.openxmlformats.org/presentationml/2006/main">
+  <p:cSld>
+    <p:spTree>
+      <p:nvGrpSpPr>
+        <p:cNvPr id="1" name=""/>
+        <p:cNvGrpSpPr/>
+        <p:nvPr/>
+      </p:nvGrpSpPr>
+      <p:grpSpPr>
+        <a:xfrm>
+          <a:off x="0" y="0"/>
+          <a:ext cx="0" cy="0"/>
+          <a:chOff x="0" y="0"/>
+          <a:chExt cx="0" cy="0"/>
+        </a:xfrm>
+      </p:grpSpPr>
+      <p:sp>
+        <p:nvSpPr>
+          <p:cNvPr id="2" name="Titolo 1">
+            <a:extLst>
+              <a:ext uri="{FF2B5EF4-FFF2-40B4-BE49-F238E27FC236}">
+                <a16:creationId xmlns:a16="http://schemas.microsoft.com/office/drawing/2014/main" id="{7E6353A6-1C85-4D8F-9EA2-AAA7BDECABC1}"/>
+              </a:ext>
+            </a:extLst>
+          </p:cNvPr>
+          <p:cNvSpPr>
+            <a:spLocks noGrp="1"/>
+          </p:cNvSpPr>
+          <p:nvPr>
+            <p:ph type="title"/>
+          </p:nvPr>
+        </p:nvSpPr>
+        <p:spPr/>
+        <p:txBody>
+          <a:bodyPr/>
+          <a:lstStyle/>
+          <a:p>
+            <a:r>
+              <a:rPr lang="it-IT" b="1" dirty="0" err="1"/>
+              <a:t>Implementatio</a:t>
+            </a:r>
+            <a:r>
+              <a:rPr lang="it-IT" b="1" dirty="0"/>
+              <a:t> Issues</a:t>
+            </a:r>
+            <a:endParaRPr lang="en-GB" b="1" dirty="0"/>
+          </a:p>
+        </p:txBody>
+      </p:sp>
+      <p:sp>
+        <p:nvSpPr>
+          <p:cNvPr id="3" name="Segnaposto contenuto 2">
+            <a:extLst>
+              <a:ext uri="{FF2B5EF4-FFF2-40B4-BE49-F238E27FC236}">
+                <a16:creationId xmlns:a16="http://schemas.microsoft.com/office/drawing/2014/main" id="{DF3513A8-F910-4B01-AD7F-5C394725A6CD}"/>
+              </a:ext>
+            </a:extLst>
+          </p:cNvPr>
+          <p:cNvSpPr>
+            <a:spLocks noGrp="1"/>
+          </p:cNvSpPr>
+          <p:nvPr>
+            <p:ph idx="1"/>
+          </p:nvPr>
+        </p:nvSpPr>
+        <p:spPr/>
+        <p:txBody>
+          <a:bodyPr>
+            <a:normAutofit lnSpcReduction="10000"/>
+          </a:bodyPr>
+          <a:lstStyle/>
+          <a:p>
+            <a:r>
+              <a:rPr lang="it-IT" dirty="0">
+                <a:solidFill>
+                  <a:schemeClr val="bg1">
+                    <a:lumMod val="75000"/>
+                  </a:schemeClr>
+                </a:solidFill>
+              </a:rPr>
+              <a:t>Execution </a:t>
+            </a:r>
+            <a:r>
+              <a:rPr lang="it-IT" dirty="0" err="1">
+                <a:solidFill>
+                  <a:schemeClr val="bg1">
+                    <a:lumMod val="75000"/>
+                  </a:schemeClr>
+                </a:solidFill>
+              </a:rPr>
+              <a:t>order</a:t>
+            </a:r>
+            <a:r>
+              <a:rPr lang="it-IT" dirty="0">
+                <a:solidFill>
+                  <a:schemeClr val="bg1">
+                    <a:lumMod val="75000"/>
+                  </a:schemeClr>
+                </a:solidFill>
+              </a:rPr>
+              <a:t> of </a:t>
+            </a:r>
+            <a:r>
+              <a:rPr lang="it-IT" dirty="0" err="1">
+                <a:solidFill>
+                  <a:schemeClr val="bg1">
+                    <a:lumMod val="75000"/>
+                  </a:schemeClr>
+                </a:solidFill>
+              </a:rPr>
+              <a:t>floodlight</a:t>
+            </a:r>
+            <a:r>
+              <a:rPr lang="it-IT" dirty="0">
+                <a:solidFill>
+                  <a:schemeClr val="bg1">
+                    <a:lumMod val="75000"/>
+                  </a:schemeClr>
+                </a:solidFill>
+              </a:rPr>
+              <a:t> </a:t>
+            </a:r>
+            <a:r>
+              <a:rPr lang="it-IT" dirty="0" err="1">
+                <a:solidFill>
+                  <a:schemeClr val="bg1">
+                    <a:lumMod val="75000"/>
+                  </a:schemeClr>
+                </a:solidFill>
+              </a:rPr>
+              <a:t>modules</a:t>
+            </a:r>
+            <a:r>
+              <a:rPr lang="it-IT" dirty="0">
+                <a:solidFill>
+                  <a:schemeClr val="bg1">
+                    <a:lumMod val="75000"/>
+                  </a:schemeClr>
+                </a:solidFill>
+              </a:rPr>
+              <a:t> </a:t>
+            </a:r>
+            <a:r>
+              <a:rPr lang="it-IT" dirty="0">
+                <a:solidFill>
+                  <a:schemeClr val="bg1">
+                    <a:lumMod val="75000"/>
+                  </a:schemeClr>
+                </a:solidFill>
+                <a:hlinkClick r:id="rId3">
+                  <a:extLst>
+                    <a:ext uri="{A12FA001-AC4F-418D-AE19-62706E023703}">
+                      <ahyp:hlinkClr xmlns:ahyp="http://schemas.microsoft.com/office/drawing/2018/hyperlinkcolor" val="tx"/>
+                    </a:ext>
+                  </a:extLst>
+                </a:hlinkClick>
+              </a:rPr>
+              <a:t>here</a:t>
+            </a:r>
+            <a:r>
+              <a:rPr lang="it-IT" dirty="0">
+                <a:solidFill>
+                  <a:schemeClr val="bg1">
+                    <a:lumMod val="75000"/>
+                  </a:schemeClr>
+                </a:solidFill>
+              </a:rPr>
+              <a:t>.</a:t>
+            </a:r>
+          </a:p>
+          <a:p>
+            <a:r>
+              <a:rPr lang="it-IT" dirty="0">
+                <a:solidFill>
+                  <a:schemeClr val="bg1">
+                    <a:lumMod val="75000"/>
+                  </a:schemeClr>
+                </a:solidFill>
+              </a:rPr>
+              <a:t>The normal rule (</a:t>
+            </a:r>
+            <a:r>
+              <a:rPr lang="it-IT" dirty="0" err="1">
+                <a:solidFill>
+                  <a:schemeClr val="bg1">
+                    <a:lumMod val="75000"/>
+                  </a:schemeClr>
+                </a:solidFill>
+              </a:rPr>
+              <a:t>action.normal</a:t>
+            </a:r>
+            <a:r>
+              <a:rPr lang="it-IT" dirty="0">
+                <a:solidFill>
+                  <a:schemeClr val="bg1">
+                    <a:lumMod val="75000"/>
+                  </a:schemeClr>
+                </a:solidFill>
+              </a:rPr>
+              <a:t>) does not work for non </a:t>
+            </a:r>
+            <a:r>
+              <a:rPr lang="it-IT" dirty="0" err="1">
+                <a:solidFill>
+                  <a:schemeClr val="bg1">
+                    <a:lumMod val="75000"/>
+                  </a:schemeClr>
+                </a:solidFill>
+              </a:rPr>
+              <a:t>hybrid</a:t>
+            </a:r>
+            <a:r>
+              <a:rPr lang="it-IT" dirty="0">
+                <a:solidFill>
+                  <a:schemeClr val="bg1">
+                    <a:lumMod val="75000"/>
+                  </a:schemeClr>
+                </a:solidFill>
+              </a:rPr>
+              <a:t> </a:t>
+            </a:r>
+            <a:r>
+              <a:rPr lang="it-IT" dirty="0" err="1">
+                <a:solidFill>
+                  <a:schemeClr val="bg1">
+                    <a:lumMod val="75000"/>
+                  </a:schemeClr>
+                </a:solidFill>
+              </a:rPr>
+              <a:t>switches</a:t>
+            </a:r>
+            <a:r>
+              <a:rPr lang="it-IT" dirty="0">
+                <a:solidFill>
+                  <a:schemeClr val="bg1">
+                    <a:lumMod val="75000"/>
+                  </a:schemeClr>
+                </a:solidFill>
+              </a:rPr>
+              <a:t>.</a:t>
+            </a:r>
+          </a:p>
+          <a:p>
+            <a:r>
+              <a:rPr lang="it-IT" dirty="0">
+                <a:solidFill>
+                  <a:schemeClr val="bg1">
+                    <a:lumMod val="75000"/>
+                  </a:schemeClr>
+                </a:solidFill>
+              </a:rPr>
+              <a:t>Learning switch: </a:t>
+            </a:r>
+          </a:p>
+          <a:p>
+            <a:pPr lvl="1"/>
+            <a:r>
+              <a:rPr lang="it-IT" dirty="0">
+                <a:solidFill>
+                  <a:schemeClr val="bg1">
+                    <a:lumMod val="75000"/>
+                  </a:schemeClr>
+                </a:solidFill>
+              </a:rPr>
+              <a:t>Add interface to </a:t>
+            </a:r>
+            <a:r>
+              <a:rPr lang="it-IT" dirty="0" err="1">
+                <a:solidFill>
+                  <a:schemeClr val="bg1">
+                    <a:lumMod val="75000"/>
+                  </a:schemeClr>
+                </a:solidFill>
+              </a:rPr>
+              <a:t>retreive</a:t>
+            </a:r>
+            <a:r>
+              <a:rPr lang="it-IT" dirty="0">
+                <a:solidFill>
+                  <a:schemeClr val="bg1">
+                    <a:lumMod val="75000"/>
+                  </a:schemeClr>
+                </a:solidFill>
+              </a:rPr>
+              <a:t> MAC </a:t>
+            </a:r>
+            <a:r>
+              <a:rPr lang="it-IT" dirty="0" err="1">
+                <a:solidFill>
+                  <a:schemeClr val="bg1">
+                    <a:lumMod val="75000"/>
+                  </a:schemeClr>
+                </a:solidFill>
+              </a:rPr>
+              <a:t>addresses</a:t>
+            </a:r>
+            <a:r>
+              <a:rPr lang="it-IT" dirty="0">
+                <a:solidFill>
+                  <a:schemeClr val="bg1">
+                    <a:lumMod val="75000"/>
+                  </a:schemeClr>
+                </a:solidFill>
+              </a:rPr>
+              <a:t> from the learning switch controller</a:t>
+            </a:r>
+          </a:p>
+          <a:p>
+            <a:r>
+              <a:rPr lang="it-IT" dirty="0" err="1">
+                <a:solidFill>
+                  <a:schemeClr val="bg1">
+                    <a:lumMod val="75000"/>
+                  </a:schemeClr>
+                </a:solidFill>
+              </a:rPr>
+              <a:t>Deleting</a:t>
+            </a:r>
+            <a:r>
+              <a:rPr lang="it-IT" dirty="0">
+                <a:solidFill>
+                  <a:schemeClr val="bg1">
+                    <a:lumMod val="75000"/>
+                  </a:schemeClr>
+                </a:solidFill>
+              </a:rPr>
+              <a:t> rules are </a:t>
+            </a:r>
+            <a:r>
+              <a:rPr lang="it-IT" dirty="0" err="1">
+                <a:solidFill>
+                  <a:schemeClr val="bg1">
+                    <a:lumMod val="75000"/>
+                  </a:schemeClr>
+                </a:solidFill>
+              </a:rPr>
+              <a:t>specified</a:t>
+            </a:r>
+            <a:r>
+              <a:rPr lang="it-IT" dirty="0">
+                <a:solidFill>
+                  <a:schemeClr val="bg1">
+                    <a:lumMod val="75000"/>
+                  </a:schemeClr>
+                </a:solidFill>
+              </a:rPr>
+              <a:t> </a:t>
+            </a:r>
+            <a:r>
+              <a:rPr lang="it-IT" dirty="0">
+                <a:solidFill>
+                  <a:schemeClr val="bg1">
+                    <a:lumMod val="75000"/>
+                  </a:schemeClr>
+                </a:solidFill>
+                <a:hlinkClick r:id="rId4">
+                  <a:extLst>
+                    <a:ext uri="{A12FA001-AC4F-418D-AE19-62706E023703}">
+                      <ahyp:hlinkClr xmlns:ahyp="http://schemas.microsoft.com/office/drawing/2018/hyperlinkcolor" val="tx"/>
+                    </a:ext>
+                  </a:extLst>
+                </a:hlinkClick>
+              </a:rPr>
+              <a:t>here</a:t>
+            </a:r>
+            <a:r>
+              <a:rPr lang="it-IT" dirty="0">
+                <a:solidFill>
+                  <a:schemeClr val="bg1">
+                    <a:lumMod val="75000"/>
+                  </a:schemeClr>
+                </a:solidFill>
+              </a:rPr>
+              <a:t>. </a:t>
+            </a:r>
+          </a:p>
+          <a:p>
+            <a:pPr lvl="1"/>
+            <a:r>
+              <a:rPr lang="it-IT" dirty="0" err="1">
+                <a:solidFill>
+                  <a:schemeClr val="bg1">
+                    <a:lumMod val="75000"/>
+                  </a:schemeClr>
+                </a:solidFill>
+              </a:rPr>
+              <a:t>OFFlowDelete</a:t>
+            </a:r>
+            <a:r>
+              <a:rPr lang="it-IT" dirty="0">
+                <a:solidFill>
+                  <a:schemeClr val="bg1">
+                    <a:lumMod val="75000"/>
+                  </a:schemeClr>
+                </a:solidFill>
+              </a:rPr>
+              <a:t> </a:t>
+            </a:r>
+            <a:r>
+              <a:rPr lang="it-IT" dirty="0" err="1">
+                <a:solidFill>
+                  <a:schemeClr val="bg1">
+                    <a:lumMod val="75000"/>
+                  </a:schemeClr>
+                </a:solidFill>
+              </a:rPr>
+              <a:t>deletes</a:t>
+            </a:r>
+            <a:r>
+              <a:rPr lang="it-IT" dirty="0">
+                <a:solidFill>
+                  <a:schemeClr val="bg1">
+                    <a:lumMod val="75000"/>
+                  </a:schemeClr>
+                </a:solidFill>
+              </a:rPr>
+              <a:t> rules </a:t>
+            </a:r>
+            <a:r>
+              <a:rPr lang="it-IT" dirty="0" err="1">
+                <a:solidFill>
+                  <a:schemeClr val="bg1">
+                    <a:lumMod val="75000"/>
+                  </a:schemeClr>
+                </a:solidFill>
+              </a:rPr>
+              <a:t>matching</a:t>
+            </a:r>
+            <a:r>
+              <a:rPr lang="it-IT" dirty="0">
+                <a:solidFill>
+                  <a:schemeClr val="bg1">
+                    <a:lumMod val="75000"/>
+                  </a:schemeClr>
+                </a:solidFill>
+              </a:rPr>
+              <a:t> </a:t>
+            </a:r>
+            <a:r>
+              <a:rPr lang="it-IT" dirty="0" err="1">
+                <a:solidFill>
+                  <a:schemeClr val="bg1">
+                    <a:lumMod val="75000"/>
+                  </a:schemeClr>
+                </a:solidFill>
+              </a:rPr>
+              <a:t>at</a:t>
+            </a:r>
+            <a:r>
+              <a:rPr lang="it-IT" dirty="0">
+                <a:solidFill>
+                  <a:schemeClr val="bg1">
+                    <a:lumMod val="75000"/>
+                  </a:schemeClr>
+                </a:solidFill>
+              </a:rPr>
+              <a:t> </a:t>
+            </a:r>
+            <a:r>
+              <a:rPr lang="it-IT" dirty="0" err="1">
+                <a:solidFill>
+                  <a:schemeClr val="bg1">
+                    <a:lumMod val="75000"/>
+                  </a:schemeClr>
+                </a:solidFill>
+              </a:rPr>
+              <a:t>least</a:t>
+            </a:r>
+            <a:r>
+              <a:rPr lang="it-IT" dirty="0">
+                <a:solidFill>
+                  <a:schemeClr val="bg1">
+                    <a:lumMod val="75000"/>
+                  </a:schemeClr>
+                </a:solidFill>
+              </a:rPr>
+              <a:t> the </a:t>
+            </a:r>
+            <a:r>
+              <a:rPr lang="it-IT" dirty="0" err="1">
+                <a:solidFill>
+                  <a:schemeClr val="bg1">
+                    <a:lumMod val="75000"/>
+                  </a:schemeClr>
+                </a:solidFill>
+              </a:rPr>
+              <a:t>specified</a:t>
+            </a:r>
+            <a:r>
+              <a:rPr lang="it-IT" dirty="0">
+                <a:solidFill>
+                  <a:schemeClr val="bg1">
+                    <a:lumMod val="75000"/>
+                  </a:schemeClr>
+                </a:solidFill>
+              </a:rPr>
+              <a:t> fields;</a:t>
+            </a:r>
+          </a:p>
+          <a:p>
+            <a:pPr lvl="1"/>
+            <a:r>
+              <a:rPr lang="it-IT" dirty="0" err="1">
+                <a:solidFill>
+                  <a:schemeClr val="bg1">
+                    <a:lumMod val="75000"/>
+                  </a:schemeClr>
+                </a:solidFill>
+              </a:rPr>
+              <a:t>OFFlowDeleteStrict</a:t>
+            </a:r>
+            <a:r>
+              <a:rPr lang="it-IT" dirty="0">
+                <a:solidFill>
+                  <a:schemeClr val="bg1">
+                    <a:lumMod val="75000"/>
+                  </a:schemeClr>
+                </a:solidFill>
+              </a:rPr>
+              <a:t> </a:t>
+            </a:r>
+            <a:r>
+              <a:rPr lang="it-IT" dirty="0" err="1">
+                <a:solidFill>
+                  <a:schemeClr val="bg1">
+                    <a:lumMod val="75000"/>
+                  </a:schemeClr>
+                </a:solidFill>
+              </a:rPr>
+              <a:t>deletes</a:t>
+            </a:r>
+            <a:r>
+              <a:rPr lang="it-IT" dirty="0">
+                <a:solidFill>
+                  <a:schemeClr val="bg1">
+                    <a:lumMod val="75000"/>
+                  </a:schemeClr>
+                </a:solidFill>
+              </a:rPr>
+              <a:t> the rules that </a:t>
+            </a:r>
+            <a:r>
+              <a:rPr lang="en-GB" dirty="0">
+                <a:solidFill>
+                  <a:schemeClr val="bg1">
+                    <a:lumMod val="75000"/>
+                  </a:schemeClr>
+                </a:solidFill>
+              </a:rPr>
+              <a:t>exactly looks like the match you specify</a:t>
+            </a:r>
+            <a:r>
+              <a:rPr lang="it-IT" dirty="0">
+                <a:solidFill>
+                  <a:schemeClr val="bg1">
+                    <a:lumMod val="75000"/>
+                  </a:schemeClr>
+                </a:solidFill>
+              </a:rPr>
+              <a:t>.</a:t>
+            </a:r>
+          </a:p>
+          <a:p>
+            <a:r>
+              <a:rPr lang="it-IT" sz="3200" b="1" dirty="0"/>
+              <a:t>Testing </a:t>
+            </a:r>
+            <a:r>
+              <a:rPr lang="it-IT" sz="3200" b="1" dirty="0" err="1"/>
+              <a:t>is</a:t>
+            </a:r>
+            <a:r>
+              <a:rPr lang="it-IT" sz="3200" b="1" dirty="0"/>
+              <a:t> done in </a:t>
+            </a:r>
+            <a:r>
+              <a:rPr lang="it-IT" sz="3200" b="1" dirty="0" err="1"/>
+              <a:t>python</a:t>
+            </a:r>
+            <a:r>
+              <a:rPr lang="it-IT" sz="3200" b="1" dirty="0"/>
+              <a:t> </a:t>
+            </a:r>
+            <a:r>
+              <a:rPr lang="it-IT" sz="3200" b="1" dirty="0" err="1"/>
+              <a:t>using</a:t>
+            </a:r>
+            <a:r>
+              <a:rPr lang="it-IT" sz="3200" b="1" dirty="0"/>
+              <a:t> </a:t>
+            </a:r>
+            <a:r>
+              <a:rPr lang="it-IT" sz="3200" b="1" dirty="0" err="1"/>
+              <a:t>mininet</a:t>
+            </a:r>
+            <a:r>
+              <a:rPr lang="it-IT" sz="3200" b="1" dirty="0"/>
+              <a:t> library</a:t>
+            </a:r>
+          </a:p>
+          <a:p>
+            <a:pPr lvl="1"/>
+            <a:endParaRPr lang="en-GB" dirty="0"/>
+          </a:p>
+        </p:txBody>
+      </p:sp>
+      <p:sp>
+        <p:nvSpPr>
+          <p:cNvPr id="4" name="Segnaposto piè di pagina 3">
+            <a:extLst>
+              <a:ext uri="{FF2B5EF4-FFF2-40B4-BE49-F238E27FC236}">
+                <a16:creationId xmlns:a16="http://schemas.microsoft.com/office/drawing/2014/main" id="{143FDC5E-D0BC-456A-BA7B-938A4422FE96}"/>
+              </a:ext>
+            </a:extLst>
+          </p:cNvPr>
+          <p:cNvSpPr>
+            <a:spLocks noGrp="1"/>
+          </p:cNvSpPr>
+          <p:nvPr>
+            <p:ph type="ftr" sz="quarter" idx="11"/>
+          </p:nvPr>
+        </p:nvSpPr>
+        <p:spPr/>
+        <p:txBody>
+          <a:bodyPr/>
+          <a:lstStyle/>
+          <a:p>
+            <a:r>
+              <a:rPr lang="it-IT"/>
+              <a:t>A. Le Caldare, E. Sassu, E. Scarselli</a:t>
+            </a:r>
+            <a:endParaRPr lang="en-GB"/>
+          </a:p>
+        </p:txBody>
+      </p:sp>
+      <p:sp>
+        <p:nvSpPr>
+          <p:cNvPr id="5" name="Segnaposto numero diapositiva 4">
+            <a:extLst>
+              <a:ext uri="{FF2B5EF4-FFF2-40B4-BE49-F238E27FC236}">
+                <a16:creationId xmlns:a16="http://schemas.microsoft.com/office/drawing/2014/main" id="{498B3CE7-B9F2-48C7-984E-87974B8C1C63}"/>
+              </a:ext>
+            </a:extLst>
+          </p:cNvPr>
+          <p:cNvSpPr>
+            <a:spLocks noGrp="1"/>
+          </p:cNvSpPr>
+          <p:nvPr>
+            <p:ph type="sldNum" sz="quarter" idx="12"/>
+          </p:nvPr>
+        </p:nvSpPr>
+        <p:spPr/>
+        <p:txBody>
+          <a:bodyPr/>
+          <a:lstStyle/>
+          <a:p>
+            <a:fld id="{5BB7E168-F539-4513-AD44-F276B24E7DDF}" type="slidenum">
+              <a:rPr lang="en-GB" smtClean="0"/>
+              <a:t>11</a:t>
+            </a:fld>
+            <a:endParaRPr lang="en-GB"/>
+          </a:p>
+        </p:txBody>
+      </p:sp>
+    </p:spTree>
+    <p:extLst>
+      <p:ext uri="{BB962C8B-B14F-4D97-AF65-F5344CB8AC3E}">
+        <p14:creationId xmlns:p14="http://schemas.microsoft.com/office/powerpoint/2010/main" val="264186129"/>
+      </p:ext>
+    </p:extLst>
+  </p:cSld>
+  <p:clrMapOvr>
+    <a:masterClrMapping/>
+  </p:clrMapOvr>
+</p:sld>
+</file>
+
+<file path=ppt/slides/slide12.xml><?xml version="1.0" encoding="utf-8"?>
+<p:sld xmlns:a="http://schemas.openxmlformats.org/drawingml/2006/main" xmlns:r="http://schemas.openxmlformats.org/officeDocument/2006/relationships" xmlns:p="http://schemas.openxmlformats.org/presentationml/2006/main">
+  <p:cSld>
+    <p:spTree>
+      <p:nvGrpSpPr>
+        <p:cNvPr id="1" name=""/>
+        <p:cNvGrpSpPr/>
+        <p:nvPr/>
+      </p:nvGrpSpPr>
+      <p:grpSpPr>
+        <a:xfrm>
+          <a:off x="0" y="0"/>
+          <a:ext cx="0" cy="0"/>
+          <a:chOff x="0" y="0"/>
+          <a:chExt cx="0" cy="0"/>
+        </a:xfrm>
+      </p:grpSpPr>
+      <p:sp>
+        <p:nvSpPr>
+          <p:cNvPr id="2" name="Titolo 1">
+            <a:extLst>
+              <a:ext uri="{FF2B5EF4-FFF2-40B4-BE49-F238E27FC236}">
+                <a16:creationId xmlns:a16="http://schemas.microsoft.com/office/drawing/2014/main" id="{9230EBA8-4C20-412A-8D49-CAB1A0E0D737}"/>
+              </a:ext>
+            </a:extLst>
+          </p:cNvPr>
+          <p:cNvSpPr>
+            <a:spLocks noGrp="1"/>
+          </p:cNvSpPr>
+          <p:nvPr>
+            <p:ph type="title"/>
+          </p:nvPr>
+        </p:nvSpPr>
+        <p:spPr/>
+        <p:txBody>
+          <a:bodyPr/>
+          <a:lstStyle/>
+          <a:p>
+            <a:r>
+              <a:rPr lang="it-IT" dirty="0">
+                <a:solidFill>
                   <a:schemeClr val="tx2"/>
                 </a:solidFill>
-              </a:rPr>
-              <a:t>How </a:t>
-            </a:r>
-            <a:r>
-              <a:rPr lang="it-IT" dirty="0" err="1">
-                <a:solidFill>
-                  <a:schemeClr val="tx2"/>
-                </a:solidFill>
-              </a:rPr>
-              <a:t>protection</a:t>
-            </a:r>
-            <a:r>
-              <a:rPr lang="it-IT" dirty="0">
-                <a:solidFill>
-                  <a:schemeClr val="tx2"/>
-                </a:solidFill>
-              </a:rPr>
-              <a:t> </a:t>
-            </a:r>
-            <a:r>
-              <a:rPr lang="it-IT" dirty="0" err="1">
-                <a:solidFill>
-                  <a:schemeClr val="tx2"/>
-                </a:solidFill>
-              </a:rPr>
-              <a:t>works</a:t>
+                <a:latin typeface="+mn-lt"/>
+              </a:rPr>
+              <a:t>TESTING SYSTEM</a:t>
             </a:r>
             <a:endParaRPr lang="en-GB" dirty="0">
               <a:solidFill>
                 <a:schemeClr val="tx2"/>
               </a:solidFill>
+              <a:latin typeface="+mn-lt"/>
             </a:endParaRPr>
           </a:p>
         </p:txBody>
       </p:sp>
       <p:sp>
         <p:nvSpPr>
+          <p:cNvPr id="6" name="Segnaposto piè di pagina 5">
+            <a:extLst>
+              <a:ext uri="{FF2B5EF4-FFF2-40B4-BE49-F238E27FC236}">
+                <a16:creationId xmlns:a16="http://schemas.microsoft.com/office/drawing/2014/main" id="{6B127EFB-4BCA-414B-9598-8EAEE6C6008C}"/>
+              </a:ext>
+            </a:extLst>
+          </p:cNvPr>
+          <p:cNvSpPr>
+            <a:spLocks noGrp="1"/>
+          </p:cNvSpPr>
+          <p:nvPr>
+            <p:ph type="ftr" sz="quarter" idx="11"/>
+          </p:nvPr>
+        </p:nvSpPr>
+        <p:spPr/>
+        <p:txBody>
+          <a:bodyPr/>
+          <a:lstStyle/>
+          <a:p>
+            <a:r>
+              <a:rPr lang="it-IT"/>
+              <a:t>A. Le Caldare, E. Sassu, E. Scarselli</a:t>
+            </a:r>
+            <a:endParaRPr lang="en-GB"/>
+          </a:p>
+        </p:txBody>
+      </p:sp>
+      <p:sp>
+        <p:nvSpPr>
+          <p:cNvPr id="7" name="Segnaposto numero diapositiva 6">
+            <a:extLst>
+              <a:ext uri="{FF2B5EF4-FFF2-40B4-BE49-F238E27FC236}">
+                <a16:creationId xmlns:a16="http://schemas.microsoft.com/office/drawing/2014/main" id="{A85974FC-8904-43F2-A4EC-EAA5CF6A5B4F}"/>
+              </a:ext>
+            </a:extLst>
+          </p:cNvPr>
+          <p:cNvSpPr>
+            <a:spLocks noGrp="1"/>
+          </p:cNvSpPr>
+          <p:nvPr>
+            <p:ph type="sldNum" sz="quarter" idx="12"/>
+          </p:nvPr>
+        </p:nvSpPr>
+        <p:spPr/>
+        <p:txBody>
+          <a:bodyPr/>
+          <a:lstStyle/>
+          <a:p>
+            <a:fld id="{5BB7E168-F539-4513-AD44-F276B24E7DDF}" type="slidenum">
+              <a:rPr lang="en-GB" smtClean="0"/>
+              <a:t>12</a:t>
+            </a:fld>
+            <a:endParaRPr lang="en-GB"/>
+          </a:p>
+        </p:txBody>
+      </p:sp>
+      <p:pic>
+        <p:nvPicPr>
+          <p:cNvPr id="4" name="Immagine 3" descr="Immagine che contiene testo, mappa&#10;&#10;Descrizione generata automaticamente">
+            <a:extLst>
+              <a:ext uri="{FF2B5EF4-FFF2-40B4-BE49-F238E27FC236}">
+                <a16:creationId xmlns:a16="http://schemas.microsoft.com/office/drawing/2014/main" id="{C70C39FA-3DB0-4053-9205-4578EEAC5C3B}"/>
+              </a:ext>
+            </a:extLst>
+          </p:cNvPr>
+          <p:cNvPicPr>
+            <a:picLocks noChangeAspect="1"/>
+          </p:cNvPicPr>
+          <p:nvPr/>
+        </p:nvPicPr>
+        <p:blipFill>
+          <a:blip r:embed="rId2">
+            <a:extLst>
+              <a:ext uri="{28A0092B-C50C-407E-A947-70E740481C1C}">
+                <a14:useLocalDpi xmlns:a14="http://schemas.microsoft.com/office/drawing/2010/main" val="0"/>
+              </a:ext>
+            </a:extLst>
+          </a:blip>
+          <a:stretch>
+            <a:fillRect/>
+          </a:stretch>
+        </p:blipFill>
+        <p:spPr>
+          <a:xfrm>
+            <a:off x="2298097" y="1561170"/>
+            <a:ext cx="6857054" cy="4771929"/>
+          </a:xfrm>
+          <a:prstGeom prst="rect">
+            <a:avLst/>
+          </a:prstGeom>
+        </p:spPr>
+      </p:pic>
+    </p:spTree>
+    <p:extLst>
+      <p:ext uri="{BB962C8B-B14F-4D97-AF65-F5344CB8AC3E}">
+        <p14:creationId xmlns:p14="http://schemas.microsoft.com/office/powerpoint/2010/main" val="3402055044"/>
+      </p:ext>
+    </p:extLst>
+  </p:cSld>
+  <p:clrMapOvr>
+    <a:masterClrMapping/>
+  </p:clrMapOvr>
+</p:sld>
+</file>
+
+<file path=ppt/slides/slide13.xml><?xml version="1.0" encoding="utf-8"?>
+<p:sld xmlns:a="http://schemas.openxmlformats.org/drawingml/2006/main" xmlns:r="http://schemas.openxmlformats.org/officeDocument/2006/relationships" xmlns:p="http://schemas.openxmlformats.org/presentationml/2006/main">
+  <p:cSld>
+    <p:spTree>
+      <p:nvGrpSpPr>
+        <p:cNvPr id="1" name=""/>
+        <p:cNvGrpSpPr/>
+        <p:nvPr/>
+      </p:nvGrpSpPr>
+      <p:grpSpPr>
+        <a:xfrm>
+          <a:off x="0" y="0"/>
+          <a:ext cx="0" cy="0"/>
+          <a:chOff x="0" y="0"/>
+          <a:chExt cx="0" cy="0"/>
+        </a:xfrm>
+      </p:grpSpPr>
+      <p:sp>
+        <p:nvSpPr>
+          <p:cNvPr id="2" name="Titolo 1">
+            <a:extLst>
+              <a:ext uri="{FF2B5EF4-FFF2-40B4-BE49-F238E27FC236}">
+                <a16:creationId xmlns:a16="http://schemas.microsoft.com/office/drawing/2014/main" id="{BC25438D-A16D-40B8-AAD1-51CFFD41A5B2}"/>
+              </a:ext>
+            </a:extLst>
+          </p:cNvPr>
+          <p:cNvSpPr>
+            <a:spLocks noGrp="1"/>
+          </p:cNvSpPr>
+          <p:nvPr>
+            <p:ph type="title"/>
+          </p:nvPr>
+        </p:nvSpPr>
+        <p:spPr/>
+        <p:txBody>
+          <a:bodyPr/>
+          <a:lstStyle/>
+          <a:p>
+            <a:r>
+              <a:rPr lang="it-IT" dirty="0"/>
+              <a:t>Testing</a:t>
+            </a:r>
+            <a:endParaRPr lang="en-GB" dirty="0"/>
+          </a:p>
+        </p:txBody>
+      </p:sp>
+      <p:sp>
+        <p:nvSpPr>
           <p:cNvPr id="3" name="Segnaposto contenuto 2">
             <a:extLst>
               <a:ext uri="{FF2B5EF4-FFF2-40B4-BE49-F238E27FC236}">
-                <a16:creationId xmlns:a16="http://schemas.microsoft.com/office/drawing/2014/main" id="{CE721F29-E99B-44CE-9945-94B87CB84BAE}"/>
+                <a16:creationId xmlns:a16="http://schemas.microsoft.com/office/drawing/2014/main" id="{F2A7C259-20B5-447D-B7B9-DC7CDA06C56D}"/>
               </a:ext>
             </a:extLst>
           </p:cNvPr>
@@ -4229,154 +6325,87 @@
         </p:nvSpPr>
         <p:spPr/>
         <p:txBody>
-          <a:bodyPr/>
-          <a:lstStyle/>
-          <a:p>
-            <a:r>
-              <a:rPr lang="it-IT" dirty="0"/>
-              <a:t>Server </a:t>
-            </a:r>
+          <a:bodyPr>
+            <a:normAutofit lnSpcReduction="10000"/>
+          </a:bodyPr>
+          <a:lstStyle/>
+          <a:p>
+            <a:pPr marL="0" indent="0">
+              <a:buNone/>
+            </a:pPr>
             <a:r>
               <a:rPr lang="it-IT" dirty="0" err="1"/>
-              <a:t>changes</a:t>
-            </a:r>
-            <a:r>
-              <a:rPr lang="it-IT" dirty="0"/>
-              <a:t> the </a:t>
-            </a:r>
-            <a:r>
-              <a:rPr lang="it-IT" dirty="0" err="1"/>
-              <a:t>listening</a:t>
-            </a:r>
-            <a:r>
-              <a:rPr lang="it-IT" dirty="0"/>
-              <a:t> address to a new one when </a:t>
-            </a:r>
-            <a:r>
-              <a:rPr lang="it-IT" dirty="0" err="1"/>
-              <a:t>is</a:t>
-            </a:r>
-            <a:r>
-              <a:rPr lang="it-IT" dirty="0"/>
-              <a:t> under </a:t>
-            </a:r>
-            <a:r>
-              <a:rPr lang="it-IT" dirty="0" err="1"/>
-              <a:t>attack</a:t>
-            </a:r>
-            <a:endParaRPr lang="it-IT" dirty="0"/>
-          </a:p>
-          <a:p>
-            <a:r>
-              <a:rPr lang="it-IT" dirty="0"/>
-              <a:t>The connections </a:t>
-            </a:r>
-            <a:r>
-              <a:rPr lang="it-IT" dirty="0" err="1"/>
-              <a:t>requests</a:t>
-            </a:r>
-            <a:r>
-              <a:rPr lang="it-IT" dirty="0"/>
-              <a:t> to the </a:t>
-            </a:r>
-            <a:r>
-              <a:rPr lang="it-IT" dirty="0" err="1"/>
-              <a:t>old</a:t>
-            </a:r>
-            <a:r>
-              <a:rPr lang="it-IT" dirty="0"/>
-              <a:t> server address are </a:t>
-            </a:r>
-            <a:r>
-              <a:rPr lang="it-IT" dirty="0" err="1"/>
-              <a:t>counted</a:t>
-            </a:r>
-            <a:endParaRPr lang="it-IT" dirty="0"/>
-          </a:p>
-          <a:p>
-            <a:r>
-              <a:rPr lang="it-IT" dirty="0"/>
-              <a:t>If the number of connection </a:t>
-            </a:r>
-            <a:r>
-              <a:rPr lang="it-IT" dirty="0" err="1"/>
-              <a:t>requests</a:t>
-            </a:r>
-            <a:r>
-              <a:rPr lang="it-IT" dirty="0"/>
-              <a:t> of a client, </a:t>
-            </a:r>
-            <a:r>
-              <a:rPr lang="it-IT" dirty="0" err="1"/>
-              <a:t>goes</a:t>
+              <a:t>Semplificaizoni</a:t>
             </a:r>
             <a:r>
               <a:rPr lang="it-IT" dirty="0"/>
               <a:t> </a:t>
             </a:r>
+          </a:p>
+          <a:p>
+            <a:r>
+              <a:rPr lang="it-IT" dirty="0"/>
+              <a:t>Dal vecchio server al nuovo server è </a:t>
+            </a:r>
             <a:r>
               <a:rPr lang="it-IT" dirty="0" err="1"/>
-              <a:t>above</a:t>
+              <a:t>hardcoded</a:t>
             </a:r>
             <a:r>
               <a:rPr lang="it-IT" dirty="0"/>
-              <a:t> a </a:t>
+              <a:t> nei client</a:t>
+            </a:r>
+          </a:p>
+          <a:p>
+            <a:r>
+              <a:rPr lang="it-IT" dirty="0"/>
+              <a:t>I bot fanno continuamente richiesta di connessione HTTP al server</a:t>
+            </a:r>
+          </a:p>
+          <a:p>
+            <a:r>
+              <a:rPr lang="it-IT" dirty="0"/>
+              <a:t>I client mandano richieste periodiche</a:t>
+            </a:r>
+          </a:p>
+          <a:p>
+            <a:r>
+              <a:rPr lang="it-IT" dirty="0"/>
+              <a:t>Il server è </a:t>
             </a:r>
             <a:r>
               <a:rPr lang="it-IT" dirty="0" err="1"/>
-              <a:t>certain</a:t>
+              <a:t>multithread</a:t>
             </a:r>
             <a:r>
               <a:rPr lang="it-IT" dirty="0"/>
               <a:t> </a:t>
             </a:r>
+          </a:p>
+          <a:p>
+            <a:r>
+              <a:rPr lang="it-IT" dirty="0"/>
+              <a:t>Non è possibile vedere l’effetto del </a:t>
+            </a:r>
             <a:r>
               <a:rPr lang="it-IT" dirty="0" err="1"/>
-              <a:t>threshold</a:t>
+              <a:t>Denial</a:t>
             </a:r>
             <a:r>
               <a:rPr lang="it-IT" dirty="0"/>
-              <a:t> </a:t>
-            </a:r>
-            <a:r>
-              <a:rPr lang="el-GR" i="1" dirty="0"/>
-              <a:t>θ</a:t>
-            </a:r>
+              <a:t> of Service</a:t>
+            </a:r>
+          </a:p>
+          <a:p>
+            <a:endParaRPr lang="it-IT" dirty="0"/>
+          </a:p>
+          <a:p>
+            <a:endParaRPr lang="it-IT" dirty="0"/>
+          </a:p>
+          <a:p>
             <a:r>
               <a:rPr lang="it-IT" dirty="0"/>
-              <a:t>, the client </a:t>
-            </a:r>
-            <a:r>
-              <a:rPr lang="it-IT" dirty="0" err="1"/>
-              <a:t>is</a:t>
-            </a:r>
-            <a:r>
-              <a:rPr lang="it-IT" dirty="0"/>
-              <a:t> </a:t>
-            </a:r>
-            <a:r>
-              <a:rPr lang="it-IT" dirty="0" err="1"/>
-              <a:t>classified</a:t>
-            </a:r>
-            <a:r>
-              <a:rPr lang="it-IT" dirty="0"/>
-              <a:t> as a bot and all its </a:t>
-            </a:r>
-            <a:r>
-              <a:rPr lang="it-IT" dirty="0" err="1"/>
-              <a:t>packets</a:t>
-            </a:r>
-            <a:r>
-              <a:rPr lang="it-IT" dirty="0"/>
-              <a:t> are </a:t>
-            </a:r>
-            <a:r>
-              <a:rPr lang="it-IT" dirty="0" err="1"/>
-              <a:t>dropped</a:t>
-            </a:r>
-            <a:r>
-              <a:rPr lang="it-IT" dirty="0"/>
-              <a:t>. </a:t>
+              <a:t>Far vedere la demo</a:t>
             </a:r>
             <a:endParaRPr lang="en-GB" dirty="0"/>
           </a:p>
@@ -4387,7 +6416,7 @@
           <p:cNvPr id="4" name="Segnaposto piè di pagina 3">
             <a:extLst>
               <a:ext uri="{FF2B5EF4-FFF2-40B4-BE49-F238E27FC236}">
-                <a16:creationId xmlns:a16="http://schemas.microsoft.com/office/drawing/2014/main" id="{64856BD1-05FF-4319-A62B-843781618CEB}"/>
+                <a16:creationId xmlns:a16="http://schemas.microsoft.com/office/drawing/2014/main" id="{3B0C6E34-6BD6-4096-9AAC-2FABF5D75AEB}"/>
               </a:ext>
             </a:extLst>
           </p:cNvPr>
@@ -4416,7 +6445,7 @@
           <p:cNvPr id="5" name="Segnaposto numero diapositiva 4">
             <a:extLst>
               <a:ext uri="{FF2B5EF4-FFF2-40B4-BE49-F238E27FC236}">
-                <a16:creationId xmlns:a16="http://schemas.microsoft.com/office/drawing/2014/main" id="{00ECBA30-D47C-4877-8324-A69DF5EB2842}"/>
+                <a16:creationId xmlns:a16="http://schemas.microsoft.com/office/drawing/2014/main" id="{F04444F7-8A60-4AF6-AAD4-54AB153BC805}"/>
               </a:ext>
             </a:extLst>
           </p:cNvPr>
@@ -4434,9 +6463,826 @@
           <a:p>
             <a:fld id="{5BB7E168-F539-4513-AD44-F276B24E7DDF}" type="slidenum">
               <a:rPr lang="en-GB" smtClean="0"/>
+              <a:t>13</a:t>
+            </a:fld>
+            <a:endParaRPr lang="en-GB"/>
+          </a:p>
+        </p:txBody>
+      </p:sp>
+    </p:spTree>
+    <p:extLst>
+      <p:ext uri="{BB962C8B-B14F-4D97-AF65-F5344CB8AC3E}">
+        <p14:creationId xmlns:p14="http://schemas.microsoft.com/office/powerpoint/2010/main" val="1415853176"/>
+      </p:ext>
+    </p:extLst>
+  </p:cSld>
+  <p:clrMapOvr>
+    <a:masterClrMapping/>
+  </p:clrMapOvr>
+</p:sld>
+</file>
+
+<file path=ppt/slides/slide2.xml><?xml version="1.0" encoding="utf-8"?>
+<p:sld xmlns:a="http://schemas.openxmlformats.org/drawingml/2006/main" xmlns:r="http://schemas.openxmlformats.org/officeDocument/2006/relationships" xmlns:p="http://schemas.openxmlformats.org/presentationml/2006/main">
+  <p:cSld>
+    <p:bg>
+      <p:bgPr>
+        <a:solidFill>
+          <a:schemeClr val="bg1"/>
+        </a:solidFill>
+        <a:effectLst/>
+      </p:bgPr>
+    </p:bg>
+    <p:spTree>
+      <p:nvGrpSpPr>
+        <p:cNvPr id="1" name=""/>
+        <p:cNvGrpSpPr/>
+        <p:nvPr/>
+      </p:nvGrpSpPr>
+      <p:grpSpPr>
+        <a:xfrm>
+          <a:off x="0" y="0"/>
+          <a:ext cx="0" cy="0"/>
+          <a:chOff x="0" y="0"/>
+          <a:chExt cx="0" cy="0"/>
+        </a:xfrm>
+      </p:grpSpPr>
+      <p:pic>
+        <p:nvPicPr>
+          <p:cNvPr id="7" name="Immagine 6">
+            <a:extLst>
+              <a:ext uri="{FF2B5EF4-FFF2-40B4-BE49-F238E27FC236}">
+                <a16:creationId xmlns:a16="http://schemas.microsoft.com/office/drawing/2014/main" id="{E3A062A0-6FB7-44C9-903C-6987F5F231B1}"/>
+              </a:ext>
+            </a:extLst>
+          </p:cNvPr>
+          <p:cNvPicPr>
+            <a:picLocks noChangeAspect="1"/>
+          </p:cNvPicPr>
+          <p:nvPr/>
+        </p:nvPicPr>
+        <p:blipFill rotWithShape="1">
+          <a:blip r:embed="rId3">
+            <a:extLst>
+              <a:ext uri="{28A0092B-C50C-407E-A947-70E740481C1C}">
+                <a14:useLocalDpi xmlns:a14="http://schemas.microsoft.com/office/drawing/2010/main" val="0"/>
+              </a:ext>
+            </a:extLst>
+          </a:blip>
+          <a:srcRect l="1236" t="-2140" r="-432" b="-1565"/>
+          <a:stretch/>
+        </p:blipFill>
+        <p:spPr>
+          <a:xfrm>
+            <a:off x="3055660" y="-93218"/>
+            <a:ext cx="8954370" cy="7044435"/>
+          </a:xfrm>
+          <a:prstGeom prst="rect">
+            <a:avLst/>
+          </a:prstGeom>
+        </p:spPr>
+      </p:pic>
+      <p:sp>
+        <p:nvSpPr>
+          <p:cNvPr id="19" name="Freeform: Shape 18">
+            <a:extLst>
+              <a:ext uri="{FF2B5EF4-FFF2-40B4-BE49-F238E27FC236}">
+                <a16:creationId xmlns:a16="http://schemas.microsoft.com/office/drawing/2014/main" id="{E862BE82-D00D-42C1-BF16-93AA37870C32}"/>
+              </a:ext>
+              <a:ext uri="{C183D7F6-B498-43B3-948B-1728B52AA6E4}">
+                <adec:decorative xmlns:adec="http://schemas.microsoft.com/office/drawing/2017/decorative" val="1"/>
+              </a:ext>
+            </a:extLst>
+          </p:cNvPr>
+          <p:cNvSpPr>
+            <a:spLocks noGrp="1" noRot="1" noChangeAspect="1" noMove="1" noResize="1" noEditPoints="1" noAdjustHandles="1" noChangeArrowheads="1" noChangeShapeType="1" noTextEdit="1"/>
+          </p:cNvSpPr>
+          <p:nvPr>
+            <p:extLst>
+              <p:ext uri="{386F3935-93C4-4BCD-93E2-E3B085C9AB24}">
+                <p16:designElem xmlns:p16="http://schemas.microsoft.com/office/powerpoint/2015/main" val="1"/>
+              </p:ext>
+            </p:extLst>
+          </p:nvPr>
+        </p:nvSpPr>
+        <p:spPr>
+          <a:xfrm>
+            <a:off x="0" y="-2008"/>
+            <a:ext cx="5609220" cy="5840278"/>
+          </a:xfrm>
+          <a:custGeom>
+            <a:avLst/>
+            <a:gdLst>
+              <a:gd name="connsiteX0" fmla="*/ 0 w 5609220"/>
+              <a:gd name="connsiteY0" fmla="*/ 0 h 5840278"/>
+              <a:gd name="connsiteX1" fmla="*/ 4637091 w 5609220"/>
+              <a:gd name="connsiteY1" fmla="*/ 0 h 5840278"/>
+              <a:gd name="connsiteX2" fmla="*/ 4822569 w 5609220"/>
+              <a:gd name="connsiteY2" fmla="*/ 204077 h 5840278"/>
+              <a:gd name="connsiteX3" fmla="*/ 5609220 w 5609220"/>
+              <a:gd name="connsiteY3" fmla="*/ 2395363 h 5840278"/>
+              <a:gd name="connsiteX4" fmla="*/ 2164305 w 5609220"/>
+              <a:gd name="connsiteY4" fmla="*/ 5840278 h 5840278"/>
+              <a:gd name="connsiteX5" fmla="*/ 238220 w 5609220"/>
+              <a:gd name="connsiteY5" fmla="*/ 5251941 h 5840278"/>
+              <a:gd name="connsiteX6" fmla="*/ 0 w 5609220"/>
+              <a:gd name="connsiteY6" fmla="*/ 5073803 h 5840278"/>
+            </a:gdLst>
+            <a:ahLst/>
+            <a:cxnLst>
+              <a:cxn ang="0">
+                <a:pos x="connsiteX0" y="connsiteY0"/>
+              </a:cxn>
+              <a:cxn ang="0">
+                <a:pos x="connsiteX1" y="connsiteY1"/>
+              </a:cxn>
+              <a:cxn ang="0">
+                <a:pos x="connsiteX2" y="connsiteY2"/>
+              </a:cxn>
+              <a:cxn ang="0">
+                <a:pos x="connsiteX3" y="connsiteY3"/>
+              </a:cxn>
+              <a:cxn ang="0">
+                <a:pos x="connsiteX4" y="connsiteY4"/>
+              </a:cxn>
+              <a:cxn ang="0">
+                <a:pos x="connsiteX5" y="connsiteY5"/>
+              </a:cxn>
+              <a:cxn ang="0">
+                <a:pos x="connsiteX6" y="connsiteY6"/>
+              </a:cxn>
+            </a:cxnLst>
+            <a:rect l="l" t="t" r="r" b="b"/>
+            <a:pathLst>
+              <a:path w="5609220" h="5840278">
+                <a:moveTo>
+                  <a:pt x="0" y="0"/>
+                </a:moveTo>
+                <a:lnTo>
+                  <a:pt x="4637091" y="0"/>
+                </a:lnTo>
+                <a:lnTo>
+                  <a:pt x="4822569" y="204077"/>
+                </a:lnTo>
+                <a:cubicBezTo>
+                  <a:pt x="5314007" y="799562"/>
+                  <a:pt x="5609220" y="1562987"/>
+                  <a:pt x="5609220" y="2395363"/>
+                </a:cubicBezTo>
+                <a:cubicBezTo>
+                  <a:pt x="5609220" y="4297937"/>
+                  <a:pt x="4066879" y="5840278"/>
+                  <a:pt x="2164305" y="5840278"/>
+                </a:cubicBezTo>
+                <a:cubicBezTo>
+                  <a:pt x="1450840" y="5840278"/>
+                  <a:pt x="788032" y="5623387"/>
+                  <a:pt x="238220" y="5251941"/>
+                </a:cubicBezTo>
+                <a:lnTo>
+                  <a:pt x="0" y="5073803"/>
+                </a:lnTo>
+                <a:close/>
+              </a:path>
+            </a:pathLst>
+          </a:custGeom>
+          <a:solidFill>
+            <a:schemeClr val="bg1">
+              <a:alpha val="50000"/>
+            </a:schemeClr>
+          </a:solidFill>
+          <a:ln>
+            <a:noFill/>
+          </a:ln>
+        </p:spPr>
+        <p:style>
+          <a:lnRef idx="2">
+            <a:schemeClr val="accent1">
+              <a:shade val="50000"/>
+            </a:schemeClr>
+          </a:lnRef>
+          <a:fillRef idx="1">
+            <a:schemeClr val="accent1"/>
+          </a:fillRef>
+          <a:effectRef idx="0">
+            <a:schemeClr val="accent1"/>
+          </a:effectRef>
+          <a:fontRef idx="minor">
+            <a:schemeClr val="lt1"/>
+          </a:fontRef>
+        </p:style>
+        <p:txBody>
+          <a:bodyPr rtlCol="0" anchor="ctr"/>
+          <a:lstStyle/>
+          <a:p>
+            <a:pPr marL="0" marR="0" lvl="0" indent="0" algn="ctr" defTabSz="914400" rtl="0" eaLnBrk="1" fontAlgn="auto" latinLnBrk="0" hangingPunct="1">
+              <a:lnSpc>
+                <a:spcPct val="100000"/>
+              </a:lnSpc>
+              <a:spcBef>
+                <a:spcPts val="0"/>
+              </a:spcBef>
+              <a:spcAft>
+                <a:spcPts val="0"/>
+              </a:spcAft>
+              <a:buClrTx/>
+              <a:buSzTx/>
+              <a:buFontTx/>
+              <a:buNone/>
+              <a:tabLst/>
+              <a:defRPr/>
+            </a:pPr>
+            <a:endParaRPr kumimoji="0" lang="en-US" sz="1800" b="0" i="0" u="none" strike="noStrike" kern="1200" cap="none" spc="0" normalizeH="0" baseline="0" noProof="0">
+              <a:ln>
+                <a:noFill/>
+              </a:ln>
+              <a:solidFill>
+                <a:prstClr val="white"/>
+              </a:solidFill>
+              <a:effectLst/>
+              <a:uLnTx/>
+              <a:uFillTx/>
+              <a:latin typeface="Calibri" panose="020F0502020204030204"/>
+              <a:ea typeface="+mn-ea"/>
+              <a:cs typeface="+mn-cs"/>
+            </a:endParaRPr>
+          </a:p>
+        </p:txBody>
+      </p:sp>
+      <p:sp>
+        <p:nvSpPr>
+          <p:cNvPr id="21" name="Freeform: Shape 20">
+            <a:extLst>
+              <a:ext uri="{FF2B5EF4-FFF2-40B4-BE49-F238E27FC236}">
+                <a16:creationId xmlns:a16="http://schemas.microsoft.com/office/drawing/2014/main" id="{F6D92C2D-1D3D-4974-918C-06579FB354A9}"/>
+              </a:ext>
+              <a:ext uri="{C183D7F6-B498-43B3-948B-1728B52AA6E4}">
+                <adec:decorative xmlns:adec="http://schemas.microsoft.com/office/drawing/2017/decorative" val="1"/>
+              </a:ext>
+            </a:extLst>
+          </p:cNvPr>
+          <p:cNvSpPr>
+            <a:spLocks noGrp="1" noRot="1" noChangeAspect="1" noMove="1" noResize="1" noEditPoints="1" noAdjustHandles="1" noChangeArrowheads="1" noChangeShapeType="1" noTextEdit="1"/>
+          </p:cNvSpPr>
+          <p:nvPr>
+            <p:extLst>
+              <p:ext uri="{386F3935-93C4-4BCD-93E2-E3B085C9AB24}">
+                <p16:designElem xmlns:p16="http://schemas.microsoft.com/office/powerpoint/2015/main" val="1"/>
+              </p:ext>
+            </p:extLst>
+          </p:nvPr>
+        </p:nvSpPr>
+        <p:spPr>
+          <a:xfrm>
+            <a:off x="-2333" y="-2"/>
+            <a:ext cx="5441859" cy="5654940"/>
+          </a:xfrm>
+          <a:custGeom>
+            <a:avLst/>
+            <a:gdLst>
+              <a:gd name="connsiteX0" fmla="*/ 0 w 5441859"/>
+              <a:gd name="connsiteY0" fmla="*/ 0 h 5654940"/>
+              <a:gd name="connsiteX1" fmla="*/ 4400492 w 5441859"/>
+              <a:gd name="connsiteY1" fmla="*/ 0 h 5654940"/>
+              <a:gd name="connsiteX2" fmla="*/ 4484767 w 5441859"/>
+              <a:gd name="connsiteY2" fmla="*/ 76595 h 5654940"/>
+              <a:gd name="connsiteX3" fmla="*/ 5441859 w 5441859"/>
+              <a:gd name="connsiteY3" fmla="*/ 2387221 h 5654940"/>
+              <a:gd name="connsiteX4" fmla="*/ 2174140 w 5441859"/>
+              <a:gd name="connsiteY4" fmla="*/ 5654940 h 5654940"/>
+              <a:gd name="connsiteX5" fmla="*/ 156693 w 5441859"/>
+              <a:gd name="connsiteY5" fmla="*/ 4957981 h 5654940"/>
+              <a:gd name="connsiteX6" fmla="*/ 0 w 5441859"/>
+              <a:gd name="connsiteY6" fmla="*/ 4820612 h 5654940"/>
+            </a:gdLst>
+            <a:ahLst/>
+            <a:cxnLst>
+              <a:cxn ang="0">
+                <a:pos x="connsiteX0" y="connsiteY0"/>
+              </a:cxn>
+              <a:cxn ang="0">
+                <a:pos x="connsiteX1" y="connsiteY1"/>
+              </a:cxn>
+              <a:cxn ang="0">
+                <a:pos x="connsiteX2" y="connsiteY2"/>
+              </a:cxn>
+              <a:cxn ang="0">
+                <a:pos x="connsiteX3" y="connsiteY3"/>
+              </a:cxn>
+              <a:cxn ang="0">
+                <a:pos x="connsiteX4" y="connsiteY4"/>
+              </a:cxn>
+              <a:cxn ang="0">
+                <a:pos x="connsiteX5" y="connsiteY5"/>
+              </a:cxn>
+              <a:cxn ang="0">
+                <a:pos x="connsiteX6" y="connsiteY6"/>
+              </a:cxn>
+            </a:cxnLst>
+            <a:rect l="l" t="t" r="r" b="b"/>
+            <a:pathLst>
+              <a:path w="5441859" h="5654940">
+                <a:moveTo>
+                  <a:pt x="0" y="0"/>
+                </a:moveTo>
+                <a:lnTo>
+                  <a:pt x="4400492" y="0"/>
+                </a:lnTo>
+                <a:lnTo>
+                  <a:pt x="4484767" y="76595"/>
+                </a:lnTo>
+                <a:cubicBezTo>
+                  <a:pt x="5076108" y="667936"/>
+                  <a:pt x="5441859" y="1484866"/>
+                  <a:pt x="5441859" y="2387221"/>
+                </a:cubicBezTo>
+                <a:cubicBezTo>
+                  <a:pt x="5441859" y="4191932"/>
+                  <a:pt x="3978851" y="5654940"/>
+                  <a:pt x="2174140" y="5654940"/>
+                </a:cubicBezTo>
+                <a:cubicBezTo>
+                  <a:pt x="1412778" y="5654940"/>
+                  <a:pt x="712231" y="5394557"/>
+                  <a:pt x="156693" y="4957981"/>
+                </a:cubicBezTo>
+                <a:lnTo>
+                  <a:pt x="0" y="4820612"/>
+                </a:lnTo>
+                <a:close/>
+              </a:path>
+            </a:pathLst>
+          </a:custGeom>
+          <a:solidFill>
+            <a:schemeClr val="bg1">
+              <a:alpha val="75000"/>
+            </a:schemeClr>
+          </a:solidFill>
+          <a:ln>
+            <a:noFill/>
+          </a:ln>
+        </p:spPr>
+        <p:style>
+          <a:lnRef idx="2">
+            <a:schemeClr val="accent1">
+              <a:shade val="50000"/>
+            </a:schemeClr>
+          </a:lnRef>
+          <a:fillRef idx="1">
+            <a:schemeClr val="accent1"/>
+          </a:fillRef>
+          <a:effectRef idx="0">
+            <a:schemeClr val="accent1"/>
+          </a:effectRef>
+          <a:fontRef idx="minor">
+            <a:schemeClr val="lt1"/>
+          </a:fontRef>
+        </p:style>
+        <p:txBody>
+          <a:bodyPr rtlCol="0" anchor="ctr"/>
+          <a:lstStyle/>
+          <a:p>
+            <a:pPr marL="0" marR="0" lvl="0" indent="0" algn="ctr" defTabSz="914400" rtl="0" eaLnBrk="1" fontAlgn="auto" latinLnBrk="0" hangingPunct="1">
+              <a:lnSpc>
+                <a:spcPct val="100000"/>
+              </a:lnSpc>
+              <a:spcBef>
+                <a:spcPts val="0"/>
+              </a:spcBef>
+              <a:spcAft>
+                <a:spcPts val="0"/>
+              </a:spcAft>
+              <a:buClrTx/>
+              <a:buSzTx/>
+              <a:buFontTx/>
+              <a:buNone/>
+              <a:tabLst/>
+              <a:defRPr/>
+            </a:pPr>
+            <a:endParaRPr kumimoji="0" lang="en-US" sz="1800" b="0" i="0" u="none" strike="noStrike" kern="1200" cap="none" spc="0" normalizeH="0" baseline="0" noProof="0" dirty="0">
+              <a:ln>
+                <a:noFill/>
+              </a:ln>
+              <a:solidFill>
+                <a:prstClr val="white"/>
+              </a:solidFill>
+              <a:effectLst/>
+              <a:uLnTx/>
+              <a:uFillTx/>
+              <a:latin typeface="Calibri" panose="020F0502020204030204"/>
+              <a:ea typeface="+mn-ea"/>
+              <a:cs typeface="+mn-cs"/>
+            </a:endParaRPr>
+          </a:p>
+        </p:txBody>
+      </p:sp>
+      <p:sp>
+        <p:nvSpPr>
+          <p:cNvPr id="2" name="Titolo 1">
+            <a:extLst>
+              <a:ext uri="{FF2B5EF4-FFF2-40B4-BE49-F238E27FC236}">
+                <a16:creationId xmlns:a16="http://schemas.microsoft.com/office/drawing/2014/main" id="{428BB0E2-7B0F-41C3-B033-9D1FFBBC8A2F}"/>
+              </a:ext>
+            </a:extLst>
+          </p:cNvPr>
+          <p:cNvSpPr>
+            <a:spLocks noGrp="1"/>
+          </p:cNvSpPr>
+          <p:nvPr>
+            <p:ph type="title"/>
+          </p:nvPr>
+        </p:nvSpPr>
+        <p:spPr>
+          <a:xfrm>
+            <a:off x="750242" y="632990"/>
+            <a:ext cx="4062643" cy="1043409"/>
+          </a:xfrm>
+        </p:spPr>
+        <p:txBody>
+          <a:bodyPr>
+            <a:normAutofit/>
+          </a:bodyPr>
+          <a:lstStyle/>
+          <a:p>
+            <a:r>
+              <a:rPr lang="it-IT" sz="3400" b="1" dirty="0">
+                <a:solidFill>
+                  <a:schemeClr val="tx2"/>
+                </a:solidFill>
+              </a:rPr>
+              <a:t>How </a:t>
+            </a:r>
+            <a:r>
+              <a:rPr lang="it-IT" sz="3400" b="1" dirty="0" err="1">
+                <a:solidFill>
+                  <a:schemeClr val="tx2"/>
+                </a:solidFill>
+              </a:rPr>
+              <a:t>protection</a:t>
+            </a:r>
+            <a:r>
+              <a:rPr lang="it-IT" sz="3400" b="1" dirty="0">
+                <a:solidFill>
+                  <a:schemeClr val="tx2"/>
+                </a:solidFill>
+              </a:rPr>
+              <a:t> </a:t>
+            </a:r>
+            <a:r>
+              <a:rPr lang="it-IT" sz="3400" b="1" dirty="0" err="1">
+                <a:solidFill>
+                  <a:schemeClr val="tx2"/>
+                </a:solidFill>
+              </a:rPr>
+              <a:t>works</a:t>
+            </a:r>
+            <a:endParaRPr lang="en-GB" sz="3400" b="1" dirty="0">
+              <a:solidFill>
+                <a:schemeClr val="tx2"/>
+              </a:solidFill>
+            </a:endParaRPr>
+          </a:p>
+        </p:txBody>
+      </p:sp>
+      <p:sp>
+        <p:nvSpPr>
+          <p:cNvPr id="3" name="Segnaposto contenuto 2">
+            <a:extLst>
+              <a:ext uri="{FF2B5EF4-FFF2-40B4-BE49-F238E27FC236}">
+                <a16:creationId xmlns:a16="http://schemas.microsoft.com/office/drawing/2014/main" id="{CE721F29-E99B-44CE-9945-94B87CB84BAE}"/>
+              </a:ext>
+            </a:extLst>
+          </p:cNvPr>
+          <p:cNvSpPr>
+            <a:spLocks noGrp="1"/>
+          </p:cNvSpPr>
+          <p:nvPr>
+            <p:ph idx="1"/>
+          </p:nvPr>
+        </p:nvSpPr>
+        <p:spPr>
+          <a:xfrm>
+            <a:off x="520242" y="1774371"/>
+            <a:ext cx="4836504" cy="3780267"/>
+          </a:xfrm>
+        </p:spPr>
+        <p:txBody>
+          <a:bodyPr anchor="t">
+            <a:normAutofit/>
+          </a:bodyPr>
+          <a:lstStyle/>
+          <a:p>
+            <a:r>
+              <a:rPr lang="it-IT" sz="2400" dirty="0"/>
+              <a:t>Server </a:t>
+            </a:r>
+            <a:r>
+              <a:rPr lang="it-IT" sz="2400" b="1" dirty="0" err="1"/>
+              <a:t>changes</a:t>
+            </a:r>
+            <a:r>
+              <a:rPr lang="it-IT" sz="2400" b="1" dirty="0"/>
+              <a:t> the </a:t>
+            </a:r>
+            <a:r>
+              <a:rPr lang="it-IT" sz="2400" b="1" dirty="0" err="1"/>
+              <a:t>listening</a:t>
+            </a:r>
+            <a:r>
+              <a:rPr lang="it-IT" sz="2400" b="1" dirty="0"/>
+              <a:t> address </a:t>
+            </a:r>
+            <a:r>
+              <a:rPr lang="it-IT" sz="2400" dirty="0"/>
+              <a:t>to a new one when </a:t>
+            </a:r>
+            <a:r>
+              <a:rPr lang="it-IT" sz="2400" dirty="0" err="1"/>
+              <a:t>is</a:t>
+            </a:r>
+            <a:r>
+              <a:rPr lang="it-IT" sz="2400" dirty="0"/>
+              <a:t> under </a:t>
+            </a:r>
+            <a:r>
+              <a:rPr lang="it-IT" sz="2400" dirty="0" err="1"/>
+              <a:t>attack</a:t>
+            </a:r>
+            <a:r>
+              <a:rPr lang="it-IT" sz="2400" dirty="0"/>
+              <a:t>;</a:t>
+            </a:r>
+          </a:p>
+          <a:p>
+            <a:r>
+              <a:rPr lang="it-IT" sz="2400" dirty="0"/>
+              <a:t>The </a:t>
+            </a:r>
+            <a:r>
+              <a:rPr lang="it-IT" sz="2400" b="1" dirty="0"/>
+              <a:t>connections</a:t>
+            </a:r>
+            <a:r>
+              <a:rPr lang="it-IT" sz="2400" dirty="0"/>
+              <a:t> </a:t>
+            </a:r>
+            <a:r>
+              <a:rPr lang="it-IT" sz="2400" dirty="0" err="1"/>
+              <a:t>requests</a:t>
+            </a:r>
+            <a:r>
+              <a:rPr lang="it-IT" sz="2400" dirty="0"/>
+              <a:t> to the </a:t>
+            </a:r>
+            <a:r>
+              <a:rPr lang="it-IT" sz="2400" dirty="0" err="1"/>
+              <a:t>old</a:t>
+            </a:r>
+            <a:r>
+              <a:rPr lang="it-IT" sz="2400" dirty="0"/>
+              <a:t> server address </a:t>
+            </a:r>
+            <a:r>
+              <a:rPr lang="it-IT" sz="2400" b="1" dirty="0"/>
+              <a:t>are </a:t>
+            </a:r>
+            <a:r>
+              <a:rPr lang="it-IT" sz="2400" b="1" dirty="0" err="1"/>
+              <a:t>counted</a:t>
+            </a:r>
+            <a:r>
+              <a:rPr lang="it-IT" sz="2400" dirty="0"/>
+              <a:t>;</a:t>
+            </a:r>
+            <a:endParaRPr lang="it-IT" sz="2400" b="1" dirty="0"/>
+          </a:p>
+          <a:p>
+            <a:r>
+              <a:rPr lang="it-IT" sz="2400" dirty="0"/>
+              <a:t>If the number of connection </a:t>
+            </a:r>
+            <a:r>
+              <a:rPr lang="it-IT" sz="2400" dirty="0" err="1"/>
+              <a:t>requests</a:t>
+            </a:r>
+            <a:r>
+              <a:rPr lang="it-IT" sz="2400" dirty="0"/>
+              <a:t> of a client, </a:t>
+            </a:r>
+            <a:r>
+              <a:rPr lang="it-IT" sz="2400" dirty="0" err="1"/>
+              <a:t>goes</a:t>
+            </a:r>
+            <a:r>
+              <a:rPr lang="it-IT" sz="2400" dirty="0"/>
+              <a:t> </a:t>
+            </a:r>
+            <a:r>
+              <a:rPr lang="it-IT" sz="2400" dirty="0" err="1"/>
+              <a:t>above</a:t>
+            </a:r>
+            <a:r>
+              <a:rPr lang="it-IT" sz="2400" dirty="0"/>
+              <a:t> a </a:t>
+            </a:r>
+            <a:r>
+              <a:rPr lang="it-IT" sz="2400" dirty="0" err="1"/>
+              <a:t>certain</a:t>
+            </a:r>
+            <a:r>
+              <a:rPr lang="it-IT" sz="2400" dirty="0"/>
+              <a:t> </a:t>
+            </a:r>
+            <a:r>
+              <a:rPr lang="it-IT" sz="2400" b="1" dirty="0" err="1"/>
+              <a:t>threshold</a:t>
+            </a:r>
+            <a:r>
+              <a:rPr lang="it-IT" sz="2400" b="1" dirty="0"/>
+              <a:t> </a:t>
+            </a:r>
+            <a:r>
+              <a:rPr lang="el-GR" sz="2400" b="1" i="1" dirty="0"/>
+              <a:t>θ</a:t>
+            </a:r>
+            <a:r>
+              <a:rPr lang="it-IT" sz="2400" dirty="0"/>
+              <a:t>, the client </a:t>
+            </a:r>
+            <a:r>
+              <a:rPr lang="it-IT" sz="2400" dirty="0" err="1"/>
+              <a:t>is</a:t>
+            </a:r>
+            <a:r>
+              <a:rPr lang="it-IT" sz="2400" dirty="0"/>
+              <a:t> </a:t>
+            </a:r>
+            <a:r>
+              <a:rPr lang="it-IT" sz="2400" dirty="0" err="1"/>
+              <a:t>classified</a:t>
+            </a:r>
+            <a:r>
+              <a:rPr lang="it-IT" sz="2400" dirty="0"/>
+              <a:t> as a bot and all its </a:t>
+            </a:r>
+            <a:r>
+              <a:rPr lang="it-IT" sz="2400" dirty="0" err="1"/>
+              <a:t>packets</a:t>
+            </a:r>
+            <a:r>
+              <a:rPr lang="it-IT" sz="2400" dirty="0"/>
+              <a:t> are </a:t>
+            </a:r>
+            <a:r>
+              <a:rPr lang="it-IT" sz="2400" dirty="0" err="1"/>
+              <a:t>dropped</a:t>
+            </a:r>
+            <a:r>
+              <a:rPr lang="it-IT" sz="2400" dirty="0"/>
+              <a:t>. </a:t>
+            </a:r>
+            <a:endParaRPr lang="en-GB" sz="2400" dirty="0"/>
+          </a:p>
+        </p:txBody>
+      </p:sp>
+      <p:sp>
+        <p:nvSpPr>
+          <p:cNvPr id="4" name="Segnaposto piè di pagina 3">
+            <a:extLst>
+              <a:ext uri="{FF2B5EF4-FFF2-40B4-BE49-F238E27FC236}">
+                <a16:creationId xmlns:a16="http://schemas.microsoft.com/office/drawing/2014/main" id="{64856BD1-05FF-4319-A62B-843781618CEB}"/>
+              </a:ext>
+            </a:extLst>
+          </p:cNvPr>
+          <p:cNvSpPr>
+            <a:spLocks noGrp="1"/>
+          </p:cNvSpPr>
+          <p:nvPr>
+            <p:ph type="ftr" sz="quarter" idx="11"/>
+          </p:nvPr>
+        </p:nvSpPr>
+        <p:spPr>
+          <a:xfrm>
+            <a:off x="750242" y="6092880"/>
+            <a:ext cx="3246992" cy="617260"/>
+          </a:xfrm>
+        </p:spPr>
+        <p:txBody>
+          <a:bodyPr>
+            <a:normAutofit/>
+          </a:bodyPr>
+          <a:lstStyle/>
+          <a:p>
+            <a:pPr algn="l">
+              <a:spcAft>
+                <a:spcPts val="600"/>
+              </a:spcAft>
+            </a:pPr>
+            <a:r>
+              <a:rPr lang="it-IT" sz="1100" dirty="0">
+                <a:solidFill>
+                  <a:schemeClr val="tx1"/>
+                </a:solidFill>
+              </a:rPr>
+              <a:t>A. Le </a:t>
+            </a:r>
+            <a:r>
+              <a:rPr lang="it-IT" sz="1100" dirty="0" err="1">
+                <a:solidFill>
+                  <a:schemeClr val="tx1"/>
+                </a:solidFill>
+              </a:rPr>
+              <a:t>Caldare</a:t>
+            </a:r>
+            <a:r>
+              <a:rPr lang="it-IT" sz="1100" dirty="0">
+                <a:solidFill>
+                  <a:schemeClr val="tx1"/>
+                </a:solidFill>
+              </a:rPr>
+              <a:t>, E. </a:t>
+            </a:r>
+            <a:r>
+              <a:rPr lang="it-IT" sz="1100" dirty="0" err="1">
+                <a:solidFill>
+                  <a:schemeClr val="tx1"/>
+                </a:solidFill>
+              </a:rPr>
+              <a:t>Sassu</a:t>
+            </a:r>
+            <a:r>
+              <a:rPr lang="it-IT" sz="1100" dirty="0">
+                <a:solidFill>
+                  <a:schemeClr val="tx1"/>
+                </a:solidFill>
+              </a:rPr>
+              <a:t>, E. Scarselli</a:t>
+            </a:r>
+            <a:endParaRPr lang="en-GB" sz="1100" dirty="0">
+              <a:solidFill>
+                <a:schemeClr val="tx1"/>
+              </a:solidFill>
+            </a:endParaRPr>
+          </a:p>
+        </p:txBody>
+      </p:sp>
+      <p:sp>
+        <p:nvSpPr>
+          <p:cNvPr id="5" name="Segnaposto numero diapositiva 4">
+            <a:extLst>
+              <a:ext uri="{FF2B5EF4-FFF2-40B4-BE49-F238E27FC236}">
+                <a16:creationId xmlns:a16="http://schemas.microsoft.com/office/drawing/2014/main" id="{00ECBA30-D47C-4877-8324-A69DF5EB2842}"/>
+              </a:ext>
+            </a:extLst>
+          </p:cNvPr>
+          <p:cNvSpPr>
+            <a:spLocks noGrp="1"/>
+          </p:cNvSpPr>
+          <p:nvPr>
+            <p:ph type="sldNum" sz="quarter" idx="12"/>
+          </p:nvPr>
+        </p:nvSpPr>
+        <p:spPr>
+          <a:xfrm>
+            <a:off x="11000232" y="6108192"/>
+            <a:ext cx="548640" cy="548640"/>
+          </a:xfrm>
+          <a:prstGeom prst="ellipse">
+            <a:avLst/>
+          </a:prstGeom>
+          <a:solidFill>
+            <a:srgbClr val="368B50"/>
+          </a:solidFill>
+        </p:spPr>
+        <p:txBody>
+          <a:bodyPr anchor="ctr">
+            <a:normAutofit/>
+          </a:bodyPr>
+          <a:lstStyle/>
+          <a:p>
+            <a:pPr algn="ctr">
+              <a:spcAft>
+                <a:spcPts val="600"/>
+              </a:spcAft>
+            </a:pPr>
+            <a:fld id="{5BB7E168-F539-4513-AD44-F276B24E7DDF}" type="slidenum">
+              <a:rPr lang="en-GB" sz="1500">
+                <a:solidFill>
+                  <a:srgbClr val="FFFFFF"/>
+                </a:solidFill>
+              </a:rPr>
+              <a:pPr algn="ctr">
+                <a:spcAft>
+                  <a:spcPts val="600"/>
+                </a:spcAft>
+              </a:pPr>
               <a:t>2</a:t>
             </a:fld>
-            <a:endParaRPr lang="en-GB"/>
+            <a:endParaRPr lang="en-GB" sz="1500">
+              <a:solidFill>
+                <a:srgbClr val="FFFFFF"/>
+              </a:solidFill>
+            </a:endParaRPr>
           </a:p>
         </p:txBody>
       </p:sp>
@@ -4492,14 +7338,14 @@
           <a:lstStyle/>
           <a:p>
             <a:r>
-              <a:rPr lang="it-IT" dirty="0">
+              <a:rPr lang="it-IT" b="1" dirty="0">
                 <a:solidFill>
                   <a:schemeClr val="tx2"/>
                 </a:solidFill>
               </a:rPr>
               <a:t>Why Learning Switch</a:t>
             </a:r>
-            <a:endParaRPr lang="en-GB" dirty="0">
+            <a:endParaRPr lang="en-GB" b="1" dirty="0">
               <a:solidFill>
                 <a:schemeClr val="tx2"/>
               </a:solidFill>
@@ -4546,15 +7392,58 @@
             </a:r>
             <a:r>
               <a:rPr lang="it-IT" dirty="0"/>
-              <a:t> to avoid the re-</a:t>
+              <a:t> to </a:t>
+            </a:r>
+            <a:r>
+              <a:rPr lang="it-IT" b="1" dirty="0"/>
+              <a:t>avoid</a:t>
+            </a:r>
+            <a:r>
+              <a:rPr lang="it-IT" dirty="0"/>
+              <a:t> </a:t>
+            </a:r>
+            <a:r>
+              <a:rPr lang="it-IT" b="1" dirty="0"/>
+              <a:t>the re-</a:t>
+            </a:r>
+            <a:r>
+              <a:rPr lang="it-IT" b="1" dirty="0" err="1"/>
+              <a:t>implementation</a:t>
+            </a:r>
+            <a:r>
+              <a:rPr lang="it-IT" b="1" dirty="0"/>
+              <a:t> of L2 switching </a:t>
+            </a:r>
+            <a:r>
+              <a:rPr lang="it-IT" b="1" dirty="0" err="1"/>
+              <a:t>functionalities</a:t>
+            </a:r>
+            <a:r>
+              <a:rPr lang="it-IT" dirty="0"/>
+              <a:t> in </a:t>
             </a:r>
             <a:r>
               <a:rPr lang="it-IT" dirty="0" err="1"/>
-              <a:t>implementation</a:t>
+              <a:t>our</a:t>
             </a:r>
             <a:r>
               <a:rPr lang="it-IT" dirty="0"/>
-              <a:t> of L2 switching </a:t>
+              <a:t> controller</a:t>
+            </a:r>
+          </a:p>
+          <a:p>
+            <a:pPr lvl="1"/>
+            <a:r>
+              <a:rPr lang="it-IT" dirty="0"/>
+              <a:t>Switch </a:t>
+            </a:r>
+            <a:r>
+              <a:rPr lang="it-IT" dirty="0" err="1"/>
+              <a:t>will</a:t>
+            </a:r>
+            <a:r>
+              <a:rPr lang="it-IT" dirty="0"/>
+              <a:t> perform also auto-learning </a:t>
             </a:r>
             <a:r>
               <a:rPr lang="it-IT" dirty="0" err="1"/>
@@ -4562,7 +7451,13 @@
             </a:r>
             <a:r>
               <a:rPr lang="it-IT" dirty="0"/>
-              <a:t> in </a:t>
+              <a:t>.</a:t>
+            </a:r>
+          </a:p>
+          <a:p>
+            <a:r>
+              <a:rPr lang="it-IT" dirty="0"/>
+              <a:t>For </a:t>
             </a:r>
             <a:r>
               <a:rPr lang="it-IT" dirty="0" err="1"/>
@@ -4570,40 +7465,55 @@
             </a:r>
             <a:r>
               <a:rPr lang="it-IT" dirty="0"/>
-              <a:t> controller</a:t>
-            </a:r>
+              <a:t> </a:t>
+            </a:r>
+            <a:r>
+              <a:rPr lang="it-IT" dirty="0" err="1"/>
+              <a:t>purposes</a:t>
+            </a:r>
+            <a:r>
+              <a:rPr lang="it-IT" dirty="0"/>
+              <a:t>, this </a:t>
+            </a:r>
+            <a:r>
+              <a:rPr lang="it-IT" dirty="0" err="1"/>
+              <a:t>behaviour</a:t>
+            </a:r>
+            <a:r>
+              <a:rPr lang="it-IT" dirty="0"/>
+              <a:t> must be </a:t>
+            </a:r>
+            <a:r>
+              <a:rPr lang="it-IT" dirty="0" err="1"/>
+              <a:t>applied</a:t>
+            </a:r>
+            <a:r>
+              <a:rPr lang="it-IT" dirty="0"/>
+              <a:t> only to </a:t>
+            </a:r>
+            <a:r>
+              <a:rPr lang="it-IT" b="1" dirty="0"/>
+              <a:t>ARP and ICMP </a:t>
+            </a:r>
+            <a:r>
+              <a:rPr lang="it-IT" b="1" dirty="0" err="1"/>
+              <a:t>packets</a:t>
+            </a:r>
+            <a:endParaRPr lang="it-IT" b="1" dirty="0"/>
           </a:p>
           <a:p>
             <a:pPr lvl="1"/>
             <a:r>
+              <a:rPr lang="it-IT" b="1" dirty="0"/>
+              <a:t>ARP </a:t>
+            </a:r>
+            <a:r>
               <a:rPr lang="it-IT" dirty="0"/>
-              <a:t>Switch </a:t>
+              <a:t>for </a:t>
             </a:r>
             <a:r>
               <a:rPr lang="it-IT" dirty="0" err="1"/>
-              <a:t>will</a:t>
-            </a:r>
-            <a:r>
-              <a:rPr lang="it-IT" dirty="0"/>
-              <a:t> perform also auto-learning </a:t>
-            </a:r>
-            <a:r>
-              <a:rPr lang="it-IT" dirty="0" err="1"/>
-              <a:t>functionalities</a:t>
-            </a:r>
-            <a:r>
-              <a:rPr lang="it-IT" dirty="0"/>
-              <a:t>.</a:t>
-            </a:r>
-          </a:p>
-          <a:p>
-            <a:r>
-              <a:rPr lang="it-IT" dirty="0"/>
-              <a:t>For </a:t>
-            </a:r>
-            <a:r>
-              <a:rPr lang="it-IT" dirty="0" err="1"/>
-              <a:t>our</a:t>
+              <a:t>enabling</a:t>
             </a:r>
             <a:r>
               <a:rPr lang="it-IT" dirty="0"/>
@@ -4611,43 +7521,7 @@
             </a:r>
             <a:r>
               <a:rPr lang="it-IT" dirty="0" err="1"/>
-              <a:t>purposes</a:t>
-            </a:r>
-            <a:r>
-              <a:rPr lang="it-IT" dirty="0"/>
-              <a:t>, this </a:t>
-            </a:r>
-            <a:r>
-              <a:rPr lang="it-IT" dirty="0" err="1"/>
-              <a:t>behaviour</a:t>
-            </a:r>
-            <a:r>
-              <a:rPr lang="it-IT" dirty="0"/>
-              <a:t> must be </a:t>
-            </a:r>
-            <a:r>
-              <a:rPr lang="it-IT" dirty="0" err="1"/>
-              <a:t>applied</a:t>
-            </a:r>
-            <a:r>
-              <a:rPr lang="it-IT" dirty="0"/>
-              <a:t> only to ARP and ICMP </a:t>
-            </a:r>
-            <a:r>
-              <a:rPr lang="it-IT" dirty="0" err="1"/>
               <a:t>packets</a:t>
-            </a:r>
-            <a:endParaRPr lang="it-IT" dirty="0"/>
-          </a:p>
-          <a:p>
-            <a:pPr lvl="1"/>
-            <a:r>
-              <a:rPr lang="it-IT" dirty="0"/>
-              <a:t>ARP for </a:t>
-            </a:r>
-            <a:r>
-              <a:rPr lang="it-IT" dirty="0" err="1"/>
-              <a:t>enabling</a:t>
             </a:r>
             <a:r>
               <a:rPr lang="it-IT" dirty="0"/>
@@ -4655,7 +7529,42 @@
             </a:r>
             <a:r>
               <a:rPr lang="it-IT" dirty="0" err="1"/>
-              <a:t>packets</a:t>
+              <a:t>sending</a:t>
+            </a:r>
+            <a:r>
+              <a:rPr lang="it-IT" dirty="0"/>
+              <a:t> between clients and server;</a:t>
+            </a:r>
+          </a:p>
+          <a:p>
+            <a:pPr lvl="1"/>
+            <a:r>
+              <a:rPr lang="it-IT" b="1" dirty="0"/>
+              <a:t>ICMP </a:t>
+            </a:r>
+            <a:r>
+              <a:rPr lang="it-IT" dirty="0"/>
+              <a:t>for testing </a:t>
+            </a:r>
+            <a:r>
+              <a:rPr lang="it-IT" dirty="0" err="1"/>
+              <a:t>purposes</a:t>
+            </a:r>
+            <a:r>
+              <a:rPr lang="it-IT" dirty="0"/>
+              <a:t> (</a:t>
+            </a:r>
+            <a:r>
+              <a:rPr lang="it-IT" dirty="0" err="1"/>
+              <a:t>ping</a:t>
+            </a:r>
+            <a:r>
+              <a:rPr lang="it-IT" dirty="0"/>
+              <a:t> and </a:t>
+            </a:r>
+            <a:r>
+              <a:rPr lang="it-IT" dirty="0" err="1"/>
+              <a:t>error</a:t>
             </a:r>
             <a:r>
               <a:rPr lang="it-IT" dirty="0"/>
@@ -4663,45 +7572,6 @@
             </a:r>
             <a:r>
               <a:rPr lang="it-IT" dirty="0" err="1"/>
-              <a:t>sending</a:t>
-            </a:r>
-            <a:r>
-              <a:rPr lang="it-IT" dirty="0"/>
-              <a:t> between clients and server;</a:t>
-            </a:r>
-          </a:p>
-          <a:p>
-            <a:pPr lvl="1"/>
-            <a:r>
-              <a:rPr lang="it-IT" dirty="0"/>
-              <a:t>ICMP for testing </a:t>
-            </a:r>
-            <a:r>
-              <a:rPr lang="it-IT" dirty="0" err="1"/>
-              <a:t>purposes</a:t>
-            </a:r>
-            <a:r>
-              <a:rPr lang="it-IT" dirty="0"/>
-              <a:t> (</a:t>
-            </a:r>
-            <a:r>
-              <a:rPr lang="it-IT" dirty="0" err="1"/>
-              <a:t>ping</a:t>
-            </a:r>
-            <a:r>
-              <a:rPr lang="it-IT" dirty="0"/>
-              <a:t> and </a:t>
-            </a:r>
-            <a:r>
-              <a:rPr lang="it-IT" dirty="0" err="1"/>
-              <a:t>error</a:t>
-            </a:r>
-            <a:r>
-              <a:rPr lang="it-IT" dirty="0"/>
-              <a:t> </a:t>
-            </a:r>
-            <a:r>
-              <a:rPr lang="it-IT" dirty="0" err="1"/>
               <a:t>messages</a:t>
             </a:r>
             <a:r>
@@ -4716,7 +7586,11 @@
             </a:r>
             <a:r>
               <a:rPr lang="it-IT" dirty="0"/>
-              <a:t> model does not include L3 forwarding</a:t>
+              <a:t> model does not include </a:t>
+            </a:r>
+            <a:r>
+              <a:rPr lang="it-IT" b="1" dirty="0"/>
+              <a:t>L3 forwarding</a:t>
             </a:r>
           </a:p>
           <a:p>
@@ -4993,7 +7867,7 @@
           <a:lstStyle/>
           <a:p>
             <a:r>
-              <a:rPr lang="it-IT" dirty="0" err="1">
+              <a:rPr lang="it-IT" b="1" dirty="0" err="1">
                 <a:solidFill>
                   <a:schemeClr val="tx2"/>
                 </a:solidFill>
@@ -5001,7 +7875,7 @@
               <a:t>Our</a:t>
             </a:r>
             <a:r>
-              <a:rPr lang="it-IT" dirty="0">
+              <a:rPr lang="it-IT" b="1" dirty="0">
                 <a:solidFill>
                   <a:schemeClr val="tx2"/>
                 </a:solidFill>
@@ -5009,7 +7883,7 @@
               <a:t> </a:t>
             </a:r>
             <a:r>
-              <a:rPr lang="it-IT" dirty="0" err="1">
+              <a:rPr lang="it-IT" b="1" dirty="0" err="1">
                 <a:solidFill>
                   <a:schemeClr val="tx2"/>
                 </a:solidFill>
@@ -5017,14 +7891,14 @@
               <a:t>Pseudocode</a:t>
             </a:r>
             <a:r>
-              <a:rPr lang="it-IT" dirty="0">
+              <a:rPr lang="it-IT" b="1" dirty="0">
                 <a:solidFill>
                   <a:schemeClr val="tx2"/>
                 </a:solidFill>
               </a:rPr>
               <a:t> </a:t>
             </a:r>
-            <a:endParaRPr lang="en-GB" dirty="0">
+            <a:endParaRPr lang="en-GB" b="1" dirty="0">
               <a:solidFill>
                 <a:schemeClr val="tx2"/>
               </a:solidFill>
@@ -5148,7 +8022,7 @@
         </p:nvSpPr>
         <p:spPr>
           <a:xfrm>
-            <a:off x="419101" y="2184400"/>
+            <a:off x="419101" y="1850033"/>
             <a:ext cx="3905250" cy="5724644"/>
           </a:xfrm>
           <a:prstGeom prst="rect">
@@ -5175,9 +8049,9 @@
             <a:endParaRPr lang="it-IT" sz="2400" dirty="0"/>
           </a:p>
           <a:p>
-            <a:pPr marL="285750" indent="-285750">
-              <a:buFontTx/>
-              <a:buChar char="-"/>
+            <a:pPr marL="342900" indent="-342900">
+              <a:buFont typeface="Arial" panose="020B0604020202020204" pitchFamily="34" charset="0"/>
+              <a:buChar char="•"/>
             </a:pPr>
             <a:r>
               <a:rPr lang="it-IT" sz="2400" dirty="0"/>
@@ -5189,20 +8063,28 @@
             </a:r>
             <a:r>
               <a:rPr lang="it-IT" sz="2400" dirty="0"/>
-              <a:t> coming from  </a:t>
+              <a:t> coming </a:t>
+            </a:r>
+            <a:r>
+              <a:rPr lang="it-IT" sz="2400" b="1" dirty="0"/>
+              <a:t>from  </a:t>
             </a:r>
             <a:br>
+              <a:rPr lang="it-IT" sz="2400" b="1" dirty="0"/>
+            </a:br>
+            <a:r>
+              <a:rPr lang="it-IT" sz="2400" b="1" dirty="0"/>
+              <a:t>the server to clients</a:t>
+            </a:r>
+            <a:r>
               <a:rPr lang="it-IT" sz="2400" dirty="0"/>
-            </a:br>
-            <a:r>
-              <a:rPr lang="it-IT" sz="2400" dirty="0"/>
-              <a:t>the server to clients. </a:t>
-            </a:r>
-          </a:p>
-          <a:p>
-            <a:pPr marL="285750" indent="-285750">
-              <a:buFontTx/>
-              <a:buChar char="-"/>
+              <a:t>. </a:t>
+            </a:r>
+          </a:p>
+          <a:p>
+            <a:pPr marL="342900" indent="-342900">
+              <a:buFont typeface="Arial" panose="020B0604020202020204" pitchFamily="34" charset="0"/>
+              <a:buChar char="•"/>
             </a:pPr>
             <a:r>
               <a:rPr lang="it-IT" sz="2400" dirty="0" err="1"/>
@@ -5213,7 +8095,7 @@
               <a:t> coming from server need only to be </a:t>
             </a:r>
             <a:r>
-              <a:rPr lang="it-IT" sz="2400" dirty="0" err="1"/>
+              <a:rPr lang="it-IT" sz="2400" b="1" dirty="0" err="1"/>
               <a:t>forwarded</a:t>
             </a:r>
             <a:r>
@@ -5221,12 +8103,16 @@
               <a:t>, then execution can stop after </a:t>
             </a:r>
             <a:r>
-              <a:rPr lang="it-IT" sz="2400" dirty="0" err="1"/>
+              <a:rPr lang="it-IT" sz="2400" b="1" dirty="0" err="1"/>
               <a:t>adding</a:t>
             </a:r>
             <a:r>
+              <a:rPr lang="it-IT" sz="2400" b="1" dirty="0"/>
+              <a:t> the server forwarding rule</a:t>
+            </a:r>
+            <a:r>
               <a:rPr lang="it-IT" sz="2400" dirty="0"/>
-              <a:t> the server forwarding rule.</a:t>
+              <a:t>.</a:t>
             </a:r>
           </a:p>
           <a:p>
@@ -5308,7 +8194,7 @@
         </p:nvSpPr>
         <p:spPr>
           <a:xfrm>
-            <a:off x="368300" y="377825"/>
+            <a:off x="334180" y="377825"/>
             <a:ext cx="10515600" cy="1325563"/>
           </a:xfrm>
         </p:spPr>
@@ -5317,7 +8203,7 @@
           <a:lstStyle/>
           <a:p>
             <a:r>
-              <a:rPr lang="it-IT" dirty="0" err="1">
+              <a:rPr lang="it-IT" b="1" dirty="0" err="1">
                 <a:solidFill>
                   <a:schemeClr val="tx2"/>
                 </a:solidFill>
@@ -5325,7 +8211,7 @@
               <a:t>Our</a:t>
             </a:r>
             <a:r>
-              <a:rPr lang="it-IT" dirty="0">
+              <a:rPr lang="it-IT" b="1" dirty="0">
                 <a:solidFill>
                   <a:schemeClr val="tx2"/>
                 </a:solidFill>
@@ -5333,7 +8219,7 @@
               <a:t> </a:t>
             </a:r>
             <a:r>
-              <a:rPr lang="it-IT" dirty="0" err="1">
+              <a:rPr lang="it-IT" b="1" dirty="0" err="1">
                 <a:solidFill>
                   <a:schemeClr val="tx2"/>
                 </a:solidFill>
@@ -5341,14 +8227,14 @@
               <a:t>Pseudocode</a:t>
             </a:r>
             <a:r>
-              <a:rPr lang="it-IT" dirty="0">
+              <a:rPr lang="it-IT" b="1" dirty="0">
                 <a:solidFill>
                   <a:schemeClr val="tx2"/>
                 </a:solidFill>
               </a:rPr>
               <a:t> </a:t>
             </a:r>
-            <a:endParaRPr lang="en-GB" dirty="0"/>
+            <a:endParaRPr lang="en-GB" b="1" dirty="0"/>
           </a:p>
         </p:txBody>
       </p:sp>
@@ -5437,7 +8323,7 @@
           </p:nvPr>
         </p:nvPicPr>
         <p:blipFill rotWithShape="1">
-          <a:blip r:embed="rId2">
+          <a:blip r:embed="rId3">
             <a:extLst>
               <a:ext uri="{28A0092B-C50C-407E-A947-70E740481C1C}">
                 <a14:useLocalDpi xmlns:a14="http://schemas.microsoft.com/office/drawing/2010/main" val="0"/>
@@ -5468,8 +8354,8 @@
         </p:nvSpPr>
         <p:spPr>
           <a:xfrm>
-            <a:off x="419101" y="2184400"/>
-            <a:ext cx="4114800" cy="5170646"/>
+            <a:off x="419101" y="1850400"/>
+            <a:ext cx="4114800" cy="5909310"/>
           </a:xfrm>
           <a:prstGeom prst="rect">
             <a:avLst/>
@@ -5492,32 +8378,43 @@
             </a:r>
           </a:p>
           <a:p>
-            <a:pPr marL="285750" indent="-285750">
-              <a:buFontTx/>
-              <a:buChar char="-"/>
+            <a:endParaRPr lang="it-IT" sz="2400" dirty="0"/>
+          </a:p>
+          <a:p>
+            <a:pPr marL="342900" indent="-342900">
+              <a:buFont typeface="Arial" panose="020B0604020202020204" pitchFamily="34" charset="0"/>
+              <a:buChar char="•"/>
             </a:pPr>
             <a:r>
+              <a:rPr lang="it-IT" sz="2400" b="1" dirty="0"/>
+              <a:t>Checking for connection </a:t>
+            </a:r>
+            <a:r>
               <a:rPr lang="it-IT" sz="2400" dirty="0"/>
-              <a:t>Checking for connection coming from clients to new server address must be done only when </a:t>
-            </a:r>
-            <a:r>
-              <a:rPr lang="it-IT" sz="2400" dirty="0" err="1"/>
+              <a:t>coming from clients to new server address must be done only </a:t>
+            </a:r>
+            <a:r>
+              <a:rPr lang="it-IT" sz="2400" b="1" dirty="0"/>
+              <a:t>when </a:t>
+            </a:r>
+            <a:r>
+              <a:rPr lang="it-IT" sz="2400" b="1" dirty="0" err="1"/>
               <a:t>protection</a:t>
             </a:r>
             <a:r>
-              <a:rPr lang="it-IT" sz="2400" dirty="0"/>
+              <a:rPr lang="it-IT" sz="2400" b="1" dirty="0"/>
               <a:t> </a:t>
             </a:r>
             <a:r>
-              <a:rPr lang="it-IT" sz="2400" dirty="0" err="1"/>
+              <a:rPr lang="it-IT" sz="2400" b="1" dirty="0" err="1"/>
               <a:t>is</a:t>
             </a:r>
             <a:r>
-              <a:rPr lang="it-IT" sz="2400" dirty="0"/>
+              <a:rPr lang="it-IT" sz="2400" b="1" dirty="0"/>
               <a:t> </a:t>
             </a:r>
             <a:r>
-              <a:rPr lang="it-IT" sz="2400" dirty="0" err="1"/>
+              <a:rPr lang="it-IT" sz="2400" b="1" dirty="0" err="1"/>
               <a:t>enabled</a:t>
             </a:r>
             <a:r>
@@ -5526,37 +8423,41 @@
             </a:r>
           </a:p>
           <a:p>
-            <a:pPr marL="285750" indent="-285750">
-              <a:buFontTx/>
-              <a:buChar char="-"/>
+            <a:pPr marL="342900" indent="-342900">
+              <a:buFont typeface="Arial" panose="020B0604020202020204" pitchFamily="34" charset="0"/>
+              <a:buChar char="•"/>
             </a:pPr>
             <a:r>
               <a:rPr lang="it-IT" sz="2400" dirty="0"/>
               <a:t>The </a:t>
             </a:r>
             <a:r>
-              <a:rPr lang="it-IT" sz="2400" dirty="0" err="1"/>
+              <a:rPr lang="it-IT" sz="2400" b="1" dirty="0" err="1"/>
               <a:t>dictionary</a:t>
             </a:r>
             <a:r>
+              <a:rPr lang="it-IT" sz="2400" b="1" dirty="0"/>
+              <a:t> of clients </a:t>
+            </a:r>
+            <a:r>
+              <a:rPr lang="it-IT" sz="2400" b="1" dirty="0" err="1"/>
+              <a:t>connecitons</a:t>
+            </a:r>
+            <a:r>
+              <a:rPr lang="it-IT" sz="2400" b="1" dirty="0"/>
+              <a:t> must be </a:t>
+            </a:r>
+            <a:r>
+              <a:rPr lang="it-IT" sz="2400" b="1" dirty="0" err="1"/>
+              <a:t>cleared</a:t>
+            </a:r>
+            <a:r>
+              <a:rPr lang="it-IT" sz="2400" b="1" dirty="0"/>
+              <a:t> </a:t>
+            </a:r>
+            <a:r>
               <a:rPr lang="it-IT" sz="2400" dirty="0"/>
-              <a:t> of clients </a:t>
-            </a:r>
-            <a:r>
-              <a:rPr lang="it-IT" sz="2400" dirty="0" err="1"/>
-              <a:t>connecitons</a:t>
-            </a:r>
-            <a:r>
-              <a:rPr lang="it-IT" sz="2400" dirty="0"/>
-              <a:t> must be </a:t>
-            </a:r>
-            <a:r>
-              <a:rPr lang="it-IT" sz="2400" dirty="0" err="1"/>
-              <a:t>cleared</a:t>
-            </a:r>
-            <a:r>
-              <a:rPr lang="it-IT" sz="2400" dirty="0"/>
-              <a:t> when connection to new server address </a:t>
+              <a:t>when connection to new server address </a:t>
             </a:r>
             <a:r>
               <a:rPr lang="it-IT" sz="2400" dirty="0" err="1"/>
@@ -5644,14 +8545,26 @@
           <a:lstStyle/>
           <a:p>
             <a:r>
-              <a:rPr lang="it-IT" dirty="0" err="1"/>
+              <a:rPr lang="it-IT" b="1" dirty="0" err="1">
+                <a:solidFill>
+                  <a:schemeClr val="tx2"/>
+                </a:solidFill>
+              </a:rPr>
               <a:t>Implementatio</a:t>
             </a:r>
             <a:r>
-              <a:rPr lang="it-IT" dirty="0"/>
+              <a:rPr lang="it-IT" b="1" dirty="0">
+                <a:solidFill>
+                  <a:schemeClr val="tx2"/>
+                </a:solidFill>
+              </a:rPr>
               <a:t> Issues</a:t>
             </a:r>
-            <a:endParaRPr lang="en-GB" dirty="0"/>
+            <a:endParaRPr lang="en-GB" b="1" dirty="0">
+              <a:solidFill>
+                <a:schemeClr val="tx2"/>
+              </a:solidFill>
+            </a:endParaRPr>
           </a:p>
         </p:txBody>
       </p:sp>
@@ -5679,249 +8592,525 @@
           <a:lstStyle/>
           <a:p>
             <a:r>
-              <a:rPr lang="it-IT" dirty="0"/>
+              <a:rPr lang="it-IT" sz="3200" b="1" dirty="0"/>
               <a:t>Execution </a:t>
             </a:r>
             <a:r>
-              <a:rPr lang="it-IT" dirty="0" err="1"/>
+              <a:rPr lang="it-IT" sz="3200" b="1" dirty="0" err="1"/>
               <a:t>order</a:t>
             </a:r>
             <a:r>
-              <a:rPr lang="it-IT" dirty="0"/>
+              <a:rPr lang="it-IT" sz="3200" b="1" dirty="0"/>
               <a:t> of </a:t>
             </a:r>
             <a:r>
-              <a:rPr lang="it-IT" dirty="0" err="1"/>
+              <a:rPr lang="it-IT" sz="3200" b="1" dirty="0" err="1"/>
               <a:t>floodlight</a:t>
             </a:r>
             <a:r>
-              <a:rPr lang="it-IT" dirty="0"/>
+              <a:rPr lang="it-IT" sz="3200" b="1" dirty="0"/>
               <a:t> </a:t>
             </a:r>
             <a:r>
-              <a:rPr lang="it-IT" dirty="0" err="1"/>
+              <a:rPr lang="it-IT" sz="3200" b="1" dirty="0" err="1"/>
               <a:t>modules</a:t>
             </a:r>
             <a:r>
-              <a:rPr lang="it-IT" dirty="0"/>
+              <a:rPr lang="it-IT" sz="3200" b="1" dirty="0"/>
               <a:t> </a:t>
             </a:r>
             <a:r>
+              <a:rPr lang="it-IT" sz="3200" b="1" dirty="0">
+                <a:hlinkClick r:id="rId3"/>
+              </a:rPr>
+              <a:t>here</a:t>
+            </a:r>
+            <a:r>
+              <a:rPr lang="it-IT" sz="3200" b="1" dirty="0"/>
+              <a:t>.</a:t>
+            </a:r>
+          </a:p>
+          <a:p>
+            <a:r>
               <a:rPr lang="it-IT" dirty="0">
-                <a:hlinkClick r:id="rId3"/>
+                <a:solidFill>
+                  <a:schemeClr val="bg1">
+                    <a:lumMod val="75000"/>
+                  </a:schemeClr>
+                </a:solidFill>
+              </a:rPr>
+              <a:t>The normal rule (</a:t>
+            </a:r>
+            <a:r>
+              <a:rPr lang="it-IT" dirty="0" err="1">
+                <a:solidFill>
+                  <a:schemeClr val="bg1">
+                    <a:lumMod val="75000"/>
+                  </a:schemeClr>
+                </a:solidFill>
+              </a:rPr>
+              <a:t>action.normal</a:t>
+            </a:r>
+            <a:r>
+              <a:rPr lang="it-IT" dirty="0">
+                <a:solidFill>
+                  <a:schemeClr val="bg1">
+                    <a:lumMod val="75000"/>
+                  </a:schemeClr>
+                </a:solidFill>
+              </a:rPr>
+              <a:t>) does not work for non </a:t>
+            </a:r>
+            <a:r>
+              <a:rPr lang="it-IT" dirty="0" err="1">
+                <a:solidFill>
+                  <a:schemeClr val="bg1">
+                    <a:lumMod val="75000"/>
+                  </a:schemeClr>
+                </a:solidFill>
+              </a:rPr>
+              <a:t>hybrid</a:t>
+            </a:r>
+            <a:r>
+              <a:rPr lang="it-IT" dirty="0">
+                <a:solidFill>
+                  <a:schemeClr val="bg1">
+                    <a:lumMod val="75000"/>
+                  </a:schemeClr>
+                </a:solidFill>
+              </a:rPr>
+              <a:t> </a:t>
+            </a:r>
+            <a:r>
+              <a:rPr lang="it-IT" dirty="0" err="1">
+                <a:solidFill>
+                  <a:schemeClr val="bg1">
+                    <a:lumMod val="75000"/>
+                  </a:schemeClr>
+                </a:solidFill>
+              </a:rPr>
+              <a:t>switches</a:t>
+            </a:r>
+            <a:r>
+              <a:rPr lang="it-IT" dirty="0">
+                <a:solidFill>
+                  <a:schemeClr val="bg1">
+                    <a:lumMod val="75000"/>
+                  </a:schemeClr>
+                </a:solidFill>
+              </a:rPr>
+              <a:t>.</a:t>
+            </a:r>
+          </a:p>
+          <a:p>
+            <a:r>
+              <a:rPr lang="it-IT" dirty="0">
+                <a:solidFill>
+                  <a:schemeClr val="bg1">
+                    <a:lumMod val="75000"/>
+                  </a:schemeClr>
+                </a:solidFill>
+              </a:rPr>
+              <a:t>Learning switch: </a:t>
+            </a:r>
+          </a:p>
+          <a:p>
+            <a:pPr lvl="1"/>
+            <a:r>
+              <a:rPr lang="it-IT" dirty="0">
+                <a:solidFill>
+                  <a:schemeClr val="bg1">
+                    <a:lumMod val="75000"/>
+                  </a:schemeClr>
+                </a:solidFill>
+              </a:rPr>
+              <a:t>Add interface to </a:t>
+            </a:r>
+            <a:r>
+              <a:rPr lang="it-IT" dirty="0" err="1">
+                <a:solidFill>
+                  <a:schemeClr val="bg1">
+                    <a:lumMod val="75000"/>
+                  </a:schemeClr>
+                </a:solidFill>
+              </a:rPr>
+              <a:t>retreive</a:t>
+            </a:r>
+            <a:r>
+              <a:rPr lang="it-IT" dirty="0">
+                <a:solidFill>
+                  <a:schemeClr val="bg1">
+                    <a:lumMod val="75000"/>
+                  </a:schemeClr>
+                </a:solidFill>
+              </a:rPr>
+              <a:t> MAC </a:t>
+            </a:r>
+            <a:r>
+              <a:rPr lang="it-IT" dirty="0" err="1">
+                <a:solidFill>
+                  <a:schemeClr val="bg1">
+                    <a:lumMod val="75000"/>
+                  </a:schemeClr>
+                </a:solidFill>
+              </a:rPr>
+              <a:t>addresses</a:t>
+            </a:r>
+            <a:r>
+              <a:rPr lang="it-IT" dirty="0">
+                <a:solidFill>
+                  <a:schemeClr val="bg1">
+                    <a:lumMod val="75000"/>
+                  </a:schemeClr>
+                </a:solidFill>
+              </a:rPr>
+              <a:t> from the learning switch controller</a:t>
+            </a:r>
+          </a:p>
+          <a:p>
+            <a:r>
+              <a:rPr lang="it-IT" dirty="0" err="1">
+                <a:solidFill>
+                  <a:schemeClr val="bg1">
+                    <a:lumMod val="75000"/>
+                  </a:schemeClr>
+                </a:solidFill>
+              </a:rPr>
+              <a:t>Deleting</a:t>
+            </a:r>
+            <a:r>
+              <a:rPr lang="it-IT" dirty="0">
+                <a:solidFill>
+                  <a:schemeClr val="bg1">
+                    <a:lumMod val="75000"/>
+                  </a:schemeClr>
+                </a:solidFill>
+              </a:rPr>
+              <a:t> rules are </a:t>
+            </a:r>
+            <a:r>
+              <a:rPr lang="it-IT" dirty="0" err="1">
+                <a:solidFill>
+                  <a:schemeClr val="bg1">
+                    <a:lumMod val="75000"/>
+                  </a:schemeClr>
+                </a:solidFill>
+              </a:rPr>
+              <a:t>specified</a:t>
+            </a:r>
+            <a:r>
+              <a:rPr lang="it-IT" dirty="0">
+                <a:solidFill>
+                  <a:schemeClr val="bg1">
+                    <a:lumMod val="75000"/>
+                  </a:schemeClr>
+                </a:solidFill>
+              </a:rPr>
+              <a:t> </a:t>
+            </a:r>
+            <a:r>
+              <a:rPr lang="it-IT" dirty="0">
+                <a:solidFill>
+                  <a:schemeClr val="bg1">
+                    <a:lumMod val="75000"/>
+                  </a:schemeClr>
+                </a:solidFill>
+                <a:hlinkClick r:id="rId4">
+                  <a:extLst>
+                    <a:ext uri="{A12FA001-AC4F-418D-AE19-62706E023703}">
+                      <ahyp:hlinkClr xmlns:ahyp="http://schemas.microsoft.com/office/drawing/2018/hyperlinkcolor" val="tx"/>
+                    </a:ext>
+                  </a:extLst>
+                </a:hlinkClick>
               </a:rPr>
               <a:t>here</a:t>
             </a:r>
             <a:r>
-              <a:rPr lang="it-IT" dirty="0"/>
+              <a:rPr lang="it-IT" dirty="0">
+                <a:solidFill>
+                  <a:schemeClr val="bg1">
+                    <a:lumMod val="75000"/>
+                  </a:schemeClr>
+                </a:solidFill>
+              </a:rPr>
+              <a:t>. </a:t>
+            </a:r>
+          </a:p>
+          <a:p>
+            <a:pPr lvl="1"/>
+            <a:r>
+              <a:rPr lang="it-IT" dirty="0" err="1">
+                <a:solidFill>
+                  <a:schemeClr val="bg1">
+                    <a:lumMod val="75000"/>
+                  </a:schemeClr>
+                </a:solidFill>
+              </a:rPr>
+              <a:t>OFFlowDelete</a:t>
+            </a:r>
+            <a:r>
+              <a:rPr lang="it-IT" dirty="0">
+                <a:solidFill>
+                  <a:schemeClr val="bg1">
+                    <a:lumMod val="75000"/>
+                  </a:schemeClr>
+                </a:solidFill>
+              </a:rPr>
+              <a:t> </a:t>
+            </a:r>
+            <a:r>
+              <a:rPr lang="it-IT" dirty="0" err="1">
+                <a:solidFill>
+                  <a:schemeClr val="bg1">
+                    <a:lumMod val="75000"/>
+                  </a:schemeClr>
+                </a:solidFill>
+              </a:rPr>
+              <a:t>deletes</a:t>
+            </a:r>
+            <a:r>
+              <a:rPr lang="it-IT" dirty="0">
+                <a:solidFill>
+                  <a:schemeClr val="bg1">
+                    <a:lumMod val="75000"/>
+                  </a:schemeClr>
+                </a:solidFill>
+              </a:rPr>
+              <a:t> rules </a:t>
+            </a:r>
+            <a:r>
+              <a:rPr lang="it-IT" dirty="0" err="1">
+                <a:solidFill>
+                  <a:schemeClr val="bg1">
+                    <a:lumMod val="75000"/>
+                  </a:schemeClr>
+                </a:solidFill>
+              </a:rPr>
+              <a:t>matching</a:t>
+            </a:r>
+            <a:r>
+              <a:rPr lang="it-IT" dirty="0">
+                <a:solidFill>
+                  <a:schemeClr val="bg1">
+                    <a:lumMod val="75000"/>
+                  </a:schemeClr>
+                </a:solidFill>
+              </a:rPr>
+              <a:t> </a:t>
+            </a:r>
+            <a:r>
+              <a:rPr lang="it-IT" dirty="0" err="1">
+                <a:solidFill>
+                  <a:schemeClr val="bg1">
+                    <a:lumMod val="75000"/>
+                  </a:schemeClr>
+                </a:solidFill>
+              </a:rPr>
+              <a:t>at</a:t>
+            </a:r>
+            <a:r>
+              <a:rPr lang="it-IT" dirty="0">
+                <a:solidFill>
+                  <a:schemeClr val="bg1">
+                    <a:lumMod val="75000"/>
+                  </a:schemeClr>
+                </a:solidFill>
+              </a:rPr>
+              <a:t> </a:t>
+            </a:r>
+            <a:r>
+              <a:rPr lang="it-IT" dirty="0" err="1">
+                <a:solidFill>
+                  <a:schemeClr val="bg1">
+                    <a:lumMod val="75000"/>
+                  </a:schemeClr>
+                </a:solidFill>
+              </a:rPr>
+              <a:t>least</a:t>
+            </a:r>
+            <a:r>
+              <a:rPr lang="it-IT" dirty="0">
+                <a:solidFill>
+                  <a:schemeClr val="bg1">
+                    <a:lumMod val="75000"/>
+                  </a:schemeClr>
+                </a:solidFill>
+              </a:rPr>
+              <a:t> the </a:t>
+            </a:r>
+            <a:r>
+              <a:rPr lang="it-IT" dirty="0" err="1">
+                <a:solidFill>
+                  <a:schemeClr val="bg1">
+                    <a:lumMod val="75000"/>
+                  </a:schemeClr>
+                </a:solidFill>
+              </a:rPr>
+              <a:t>specified</a:t>
+            </a:r>
+            <a:r>
+              <a:rPr lang="it-IT" dirty="0">
+                <a:solidFill>
+                  <a:schemeClr val="bg1">
+                    <a:lumMod val="75000"/>
+                  </a:schemeClr>
+                </a:solidFill>
+              </a:rPr>
+              <a:t> fields;</a:t>
+            </a:r>
+          </a:p>
+          <a:p>
+            <a:pPr lvl="1"/>
+            <a:r>
+              <a:rPr lang="it-IT" dirty="0" err="1">
+                <a:solidFill>
+                  <a:schemeClr val="bg1">
+                    <a:lumMod val="75000"/>
+                  </a:schemeClr>
+                </a:solidFill>
+              </a:rPr>
+              <a:t>OFFlowDeleteStrict</a:t>
+            </a:r>
+            <a:r>
+              <a:rPr lang="it-IT" dirty="0">
+                <a:solidFill>
+                  <a:schemeClr val="bg1">
+                    <a:lumMod val="75000"/>
+                  </a:schemeClr>
+                </a:solidFill>
+              </a:rPr>
+              <a:t> </a:t>
+            </a:r>
+            <a:r>
+              <a:rPr lang="it-IT" dirty="0" err="1">
+                <a:solidFill>
+                  <a:schemeClr val="bg1">
+                    <a:lumMod val="75000"/>
+                  </a:schemeClr>
+                </a:solidFill>
+              </a:rPr>
+              <a:t>deletes</a:t>
+            </a:r>
+            <a:r>
+              <a:rPr lang="it-IT" dirty="0">
+                <a:solidFill>
+                  <a:schemeClr val="bg1">
+                    <a:lumMod val="75000"/>
+                  </a:schemeClr>
+                </a:solidFill>
+              </a:rPr>
+              <a:t> the rules that </a:t>
+            </a:r>
+            <a:r>
+              <a:rPr lang="en-GB" dirty="0">
+                <a:solidFill>
+                  <a:schemeClr val="bg1">
+                    <a:lumMod val="75000"/>
+                  </a:schemeClr>
+                </a:solidFill>
+              </a:rPr>
+              <a:t>exactly looks like the match you specify</a:t>
+            </a:r>
+            <a:r>
+              <a:rPr lang="it-IT" dirty="0">
+                <a:solidFill>
+                  <a:schemeClr val="bg1">
+                    <a:lumMod val="75000"/>
+                  </a:schemeClr>
+                </a:solidFill>
+              </a:rPr>
               <a:t>.</a:t>
             </a:r>
           </a:p>
           <a:p>
             <a:r>
-              <a:rPr lang="it-IT" dirty="0"/>
-              <a:t>The normal rule (</a:t>
-            </a:r>
-            <a:r>
-              <a:rPr lang="it-IT" dirty="0" err="1"/>
-              <a:t>action.normal</a:t>
-            </a:r>
-            <a:r>
-              <a:rPr lang="it-IT" dirty="0"/>
-              <a:t>) does not work for non </a:t>
-            </a:r>
-            <a:r>
-              <a:rPr lang="it-IT" dirty="0" err="1"/>
-              <a:t>hybrid</a:t>
-            </a:r>
-            <a:r>
-              <a:rPr lang="it-IT" dirty="0"/>
+              <a:rPr lang="it-IT" dirty="0">
+                <a:solidFill>
+                  <a:schemeClr val="bg1">
+                    <a:lumMod val="75000"/>
+                  </a:schemeClr>
+                </a:solidFill>
+              </a:rPr>
+              <a:t>Testing </a:t>
+            </a:r>
+            <a:r>
+              <a:rPr lang="it-IT" dirty="0" err="1">
+                <a:solidFill>
+                  <a:schemeClr val="bg1">
+                    <a:lumMod val="75000"/>
+                  </a:schemeClr>
+                </a:solidFill>
+              </a:rPr>
+              <a:t>is</a:t>
+            </a:r>
+            <a:r>
+              <a:rPr lang="it-IT" dirty="0">
+                <a:solidFill>
+                  <a:schemeClr val="bg1">
+                    <a:lumMod val="75000"/>
+                  </a:schemeClr>
+                </a:solidFill>
+              </a:rPr>
+              <a:t> done in </a:t>
+            </a:r>
+            <a:r>
+              <a:rPr lang="it-IT" dirty="0" err="1">
+                <a:solidFill>
+                  <a:schemeClr val="bg1">
+                    <a:lumMod val="75000"/>
+                  </a:schemeClr>
+                </a:solidFill>
+              </a:rPr>
+              <a:t>python</a:t>
+            </a:r>
+            <a:r>
+              <a:rPr lang="it-IT" dirty="0">
+                <a:solidFill>
+                  <a:schemeClr val="bg1">
+                    <a:lumMod val="75000"/>
+                  </a:schemeClr>
+                </a:solidFill>
+              </a:rPr>
               <a:t> </a:t>
             </a:r>
             <a:r>
-              <a:rPr lang="it-IT" dirty="0" err="1"/>
-              <a:t>switches</a:t>
-            </a:r>
-            <a:r>
-              <a:rPr lang="it-IT" dirty="0"/>
-              <a:t>: mette la regola e manda i pacchetti </a:t>
-            </a:r>
-            <a:r>
-              <a:rPr lang="it-IT" dirty="0" err="1"/>
-              <a:t>inditro</a:t>
-            </a:r>
-            <a:endParaRPr lang="it-IT" dirty="0"/>
-          </a:p>
-          <a:p>
-            <a:r>
-              <a:rPr lang="it-IT" dirty="0"/>
-              <a:t>Learning switch: </a:t>
-            </a:r>
-          </a:p>
-          <a:p>
-            <a:pPr lvl="1"/>
-            <a:r>
-              <a:rPr lang="it-IT" dirty="0"/>
-              <a:t>Add interface to </a:t>
-            </a:r>
-            <a:r>
-              <a:rPr lang="it-IT" dirty="0" err="1"/>
-              <a:t>retreive</a:t>
-            </a:r>
-            <a:r>
-              <a:rPr lang="it-IT" dirty="0"/>
-              <a:t> MAC </a:t>
-            </a:r>
-            <a:r>
-              <a:rPr lang="it-IT" dirty="0" err="1"/>
-              <a:t>addresses</a:t>
-            </a:r>
-            <a:r>
-              <a:rPr lang="it-IT" dirty="0"/>
-              <a:t> from the learning switch controller</a:t>
-            </a:r>
-          </a:p>
-          <a:p>
-            <a:r>
-              <a:rPr lang="it-IT" dirty="0" err="1"/>
-              <a:t>Deleting</a:t>
-            </a:r>
-            <a:r>
-              <a:rPr lang="it-IT" dirty="0"/>
-              <a:t> rules are </a:t>
-            </a:r>
-            <a:r>
-              <a:rPr lang="it-IT" dirty="0" err="1"/>
-              <a:t>specified</a:t>
-            </a:r>
-            <a:r>
-              <a:rPr lang="it-IT" dirty="0"/>
+              <a:rPr lang="it-IT" dirty="0" err="1">
+                <a:solidFill>
+                  <a:schemeClr val="bg1">
+                    <a:lumMod val="75000"/>
+                  </a:schemeClr>
+                </a:solidFill>
+              </a:rPr>
+              <a:t>using</a:t>
+            </a:r>
+            <a:r>
+              <a:rPr lang="it-IT" dirty="0">
+                <a:solidFill>
+                  <a:schemeClr val="bg1">
+                    <a:lumMod val="75000"/>
+                  </a:schemeClr>
+                </a:solidFill>
+              </a:rPr>
               <a:t> </a:t>
             </a:r>
             <a:r>
+              <a:rPr lang="it-IT" dirty="0" err="1">
+                <a:solidFill>
+                  <a:schemeClr val="bg1">
+                    <a:lumMod val="75000"/>
+                  </a:schemeClr>
+                </a:solidFill>
+              </a:rPr>
+              <a:t>mininet</a:t>
+            </a:r>
+            <a:r>
               <a:rPr lang="it-IT" dirty="0">
-                <a:hlinkClick r:id="rId4"/>
-              </a:rPr>
-              <a:t>here</a:t>
-            </a:r>
-            <a:r>
-              <a:rPr lang="it-IT" dirty="0"/>
-              <a:t>. </a:t>
-            </a:r>
-          </a:p>
-          <a:p>
-            <a:pPr lvl="1"/>
-            <a:r>
-              <a:rPr lang="it-IT" dirty="0" err="1"/>
-              <a:t>OFFlowDelete</a:t>
-            </a:r>
-            <a:r>
-              <a:rPr lang="it-IT" dirty="0"/>
-              <a:t> </a:t>
-            </a:r>
-            <a:r>
-              <a:rPr lang="it-IT" dirty="0" err="1"/>
-              <a:t>deletes</a:t>
-            </a:r>
-            <a:r>
-              <a:rPr lang="it-IT" dirty="0"/>
-              <a:t> rules </a:t>
-            </a:r>
-            <a:r>
-              <a:rPr lang="it-IT" dirty="0" err="1"/>
-              <a:t>matching</a:t>
-            </a:r>
-            <a:r>
-              <a:rPr lang="it-IT" dirty="0"/>
-              <a:t> </a:t>
-            </a:r>
-            <a:r>
-              <a:rPr lang="it-IT" dirty="0" err="1"/>
-              <a:t>at</a:t>
-            </a:r>
-            <a:r>
-              <a:rPr lang="it-IT" dirty="0"/>
-              <a:t> </a:t>
-            </a:r>
-            <a:r>
-              <a:rPr lang="it-IT" dirty="0" err="1"/>
-              <a:t>least</a:t>
-            </a:r>
-            <a:r>
-              <a:rPr lang="it-IT" dirty="0"/>
-              <a:t> the </a:t>
-            </a:r>
-            <a:r>
-              <a:rPr lang="it-IT" dirty="0" err="1"/>
-              <a:t>specified</a:t>
-            </a:r>
-            <a:r>
-              <a:rPr lang="it-IT" dirty="0"/>
-              <a:t> fields;</a:t>
-            </a:r>
-          </a:p>
-          <a:p>
-            <a:pPr lvl="1"/>
-            <a:r>
-              <a:rPr lang="it-IT" dirty="0" err="1"/>
-              <a:t>OFFlowDeleteStrict</a:t>
-            </a:r>
-            <a:r>
-              <a:rPr lang="it-IT" dirty="0"/>
-              <a:t> </a:t>
-            </a:r>
-            <a:r>
-              <a:rPr lang="it-IT" dirty="0" err="1"/>
-              <a:t>deletes</a:t>
-            </a:r>
-            <a:r>
-              <a:rPr lang="it-IT" dirty="0"/>
-              <a:t> the rules that </a:t>
-            </a:r>
-            <a:r>
-              <a:rPr lang="en-GB" dirty="0"/>
-              <a:t>exactly looks like the match you specify</a:t>
-            </a:r>
-            <a:r>
-              <a:rPr lang="it-IT" dirty="0"/>
-              <a:t>.</a:t>
-            </a:r>
-          </a:p>
-          <a:p>
-            <a:r>
-              <a:rPr lang="it-IT" dirty="0"/>
-              <a:t>Testing </a:t>
-            </a:r>
-            <a:r>
-              <a:rPr lang="it-IT" dirty="0" err="1"/>
-              <a:t>is</a:t>
-            </a:r>
-            <a:r>
-              <a:rPr lang="it-IT" dirty="0"/>
-              <a:t> done in </a:t>
-            </a:r>
-            <a:r>
-              <a:rPr lang="it-IT" dirty="0" err="1"/>
-              <a:t>python</a:t>
-            </a:r>
-            <a:r>
-              <a:rPr lang="it-IT" dirty="0"/>
-              <a:t> </a:t>
-            </a:r>
-            <a:r>
-              <a:rPr lang="it-IT" dirty="0" err="1"/>
-              <a:t>using</a:t>
-            </a:r>
-            <a:r>
-              <a:rPr lang="it-IT" dirty="0"/>
-              <a:t> </a:t>
-            </a:r>
-            <a:r>
-              <a:rPr lang="it-IT" dirty="0" err="1"/>
-              <a:t>mininet</a:t>
-            </a:r>
-            <a:r>
-              <a:rPr lang="it-IT" dirty="0"/>
+                <a:solidFill>
+                  <a:schemeClr val="bg1">
+                    <a:lumMod val="75000"/>
+                  </a:schemeClr>
+                </a:solidFill>
+              </a:rPr>
               <a:t> library</a:t>
             </a:r>
           </a:p>
@@ -5999,100 +9188,6 @@
   <p:clrMapOvr>
     <a:masterClrMapping/>
   </p:clrMapOvr>
-  <p:timing>
-    <p:tnLst>
-      <p:par>
-        <p:cTn id="1" dur="indefinite" restart="never" nodeType="tmRoot">
-          <p:childTnLst>
-            <p:seq concurrent="1" nextAc="seek">
-              <p:cTn id="2" dur="indefinite" nodeType="mainSeq">
-                <p:childTnLst>
-                  <p:par>
-                    <p:cTn id="3" fill="hold">
-                      <p:stCondLst>
-                        <p:cond delay="indefinite"/>
-                      </p:stCondLst>
-                      <p:childTnLst>
-                        <p:par>
-                          <p:cTn id="4" fill="hold">
-                            <p:stCondLst>
-                              <p:cond delay="0"/>
-                            </p:stCondLst>
-                            <p:childTnLst>
-                              <p:par>
-                                <p:cTn id="5" presetID="10" presetClass="emph" presetSubtype="0" fill="hold" nodeType="clickEffect">
-                                  <p:stCondLst>
-                                    <p:cond delay="0"/>
-                                  </p:stCondLst>
-                                  <p:childTnLst>
-                                    <p:anim calcmode="discrete" valueType="str">
-                                      <p:cBhvr override="childStyle">
-                                        <p:cTn id="6" dur="2000" fill="hold"/>
-                                        <p:tgtEl>
-                                          <p:spTgt spid="3">
-                                            <p:txEl>
-                                              <p:pRg st="0" end="0"/>
-                                            </p:txEl>
-                                          </p:spTgt>
-                                        </p:tgtEl>
-                                        <p:attrNameLst>
-                                          <p:attrName>style.fontWeight</p:attrName>
-                                        </p:attrNameLst>
-                                      </p:cBhvr>
-                                      <p:tavLst>
-                                        <p:tav tm="0">
-                                          <p:val>
-                                            <p:strVal val="normal"/>
-                                          </p:val>
-                                        </p:tav>
-                                        <p:tav tm="50000">
-                                          <p:val>
-                                            <p:strVal val="bold"/>
-                                          </p:val>
-                                        </p:tav>
-                                        <p:tav tm="60000">
-                                          <p:val>
-                                            <p:strVal val="normal"/>
-                                          </p:val>
-                                        </p:tav>
-                                        <p:tav tm="100000">
-                                          <p:val>
-                                            <p:strVal val="normal"/>
-                                          </p:val>
-                                        </p:tav>
-                                      </p:tavLst>
-                                    </p:anim>
-                                  </p:childTnLst>
-                                </p:cTn>
-                              </p:par>
-                            </p:childTnLst>
-                          </p:cTn>
-                        </p:par>
-                      </p:childTnLst>
-                    </p:cTn>
-                  </p:par>
-                </p:childTnLst>
-              </p:cTn>
-              <p:prevCondLst>
-                <p:cond evt="onPrev" delay="0">
-                  <p:tgtEl>
-                    <p:sldTgt/>
-                  </p:tgtEl>
-                </p:cond>
-              </p:prevCondLst>
-              <p:nextCondLst>
-                <p:cond evt="onNext" delay="0">
-                  <p:tgtEl>
-                    <p:sldTgt/>
-                  </p:tgtEl>
-                </p:cond>
-              </p:nextCondLst>
-            </p:seq>
-          </p:childTnLst>
-        </p:cTn>
-      </p:par>
-    </p:tnLst>
-  </p:timing>
 </p:sld>
 </file>
 
@@ -6118,7 +9213,7 @@
           <p:cNvPr id="2" name="Titolo 1">
             <a:extLst>
               <a:ext uri="{FF2B5EF4-FFF2-40B4-BE49-F238E27FC236}">
-                <a16:creationId xmlns:a16="http://schemas.microsoft.com/office/drawing/2014/main" id="{9230EBA8-4C20-412A-8D49-CAB1A0E0D737}"/>
+                <a16:creationId xmlns:a16="http://schemas.microsoft.com/office/drawing/2014/main" id="{7E6353A6-1C85-4D8F-9EA2-AAA7BDECABC1}"/>
               </a:ext>
             </a:extLst>
           </p:cNvPr>
@@ -6135,29 +9230,604 @@
           <a:lstStyle/>
           <a:p>
             <a:r>
-              <a:rPr lang="it-IT" dirty="0">
+              <a:rPr lang="it-IT" b="1" dirty="0" err="1">
                 <a:solidFill>
                   <a:schemeClr val="tx2"/>
                 </a:solidFill>
-                <a:latin typeface="+mn-lt"/>
-              </a:rPr>
-              <a:t>TESTING SYSTEM</a:t>
-            </a:r>
-            <a:endParaRPr lang="en-GB" dirty="0">
+              </a:rPr>
+              <a:t>Implementatio</a:t>
+            </a:r>
+            <a:r>
+              <a:rPr lang="it-IT" b="1" dirty="0">
+                <a:solidFill>
+                  <a:schemeClr val="tx2"/>
+                </a:solidFill>
+              </a:rPr>
+              <a:t> Issues</a:t>
+            </a:r>
+            <a:endParaRPr lang="en-GB" b="1" dirty="0">
               <a:solidFill>
                 <a:schemeClr val="tx2"/>
               </a:solidFill>
-              <a:latin typeface="+mn-lt"/>
             </a:endParaRPr>
           </a:p>
         </p:txBody>
       </p:sp>
       <p:sp>
         <p:nvSpPr>
-          <p:cNvPr id="6" name="Segnaposto piè di pagina 5">
-            <a:extLst>
-              <a:ext uri="{FF2B5EF4-FFF2-40B4-BE49-F238E27FC236}">
-                <a16:creationId xmlns:a16="http://schemas.microsoft.com/office/drawing/2014/main" id="{6B127EFB-4BCA-414B-9598-8EAEE6C6008C}"/>
+          <p:cNvPr id="3" name="Segnaposto contenuto 2">
+            <a:extLst>
+              <a:ext uri="{FF2B5EF4-FFF2-40B4-BE49-F238E27FC236}">
+                <a16:creationId xmlns:a16="http://schemas.microsoft.com/office/drawing/2014/main" id="{DF3513A8-F910-4B01-AD7F-5C394725A6CD}"/>
+              </a:ext>
+            </a:extLst>
+          </p:cNvPr>
+          <p:cNvSpPr>
+            <a:spLocks noGrp="1"/>
+          </p:cNvSpPr>
+          <p:nvPr>
+            <p:ph idx="1"/>
+          </p:nvPr>
+        </p:nvSpPr>
+        <p:spPr/>
+        <p:txBody>
+          <a:bodyPr>
+            <a:normAutofit lnSpcReduction="10000"/>
+          </a:bodyPr>
+          <a:lstStyle/>
+          <a:p>
+            <a:r>
+              <a:rPr lang="it-IT" dirty="0">
+                <a:solidFill>
+                  <a:schemeClr val="bg1">
+                    <a:lumMod val="75000"/>
+                  </a:schemeClr>
+                </a:solidFill>
+              </a:rPr>
+              <a:t>Execution </a:t>
+            </a:r>
+            <a:r>
+              <a:rPr lang="it-IT" dirty="0" err="1">
+                <a:solidFill>
+                  <a:schemeClr val="bg1">
+                    <a:lumMod val="75000"/>
+                  </a:schemeClr>
+                </a:solidFill>
+              </a:rPr>
+              <a:t>order</a:t>
+            </a:r>
+            <a:r>
+              <a:rPr lang="it-IT" dirty="0">
+                <a:solidFill>
+                  <a:schemeClr val="bg1">
+                    <a:lumMod val="75000"/>
+                  </a:schemeClr>
+                </a:solidFill>
+              </a:rPr>
+              <a:t> of </a:t>
+            </a:r>
+            <a:r>
+              <a:rPr lang="it-IT" dirty="0" err="1">
+                <a:solidFill>
+                  <a:schemeClr val="bg1">
+                    <a:lumMod val="75000"/>
+                  </a:schemeClr>
+                </a:solidFill>
+              </a:rPr>
+              <a:t>floodlight</a:t>
+            </a:r>
+            <a:r>
+              <a:rPr lang="it-IT" dirty="0">
+                <a:solidFill>
+                  <a:schemeClr val="bg1">
+                    <a:lumMod val="75000"/>
+                  </a:schemeClr>
+                </a:solidFill>
+              </a:rPr>
+              <a:t> </a:t>
+            </a:r>
+            <a:r>
+              <a:rPr lang="it-IT" dirty="0" err="1">
+                <a:solidFill>
+                  <a:schemeClr val="bg1">
+                    <a:lumMod val="75000"/>
+                  </a:schemeClr>
+                </a:solidFill>
+              </a:rPr>
+              <a:t>modules</a:t>
+            </a:r>
+            <a:r>
+              <a:rPr lang="it-IT" dirty="0">
+                <a:solidFill>
+                  <a:schemeClr val="bg1">
+                    <a:lumMod val="75000"/>
+                  </a:schemeClr>
+                </a:solidFill>
+              </a:rPr>
+              <a:t> </a:t>
+            </a:r>
+            <a:r>
+              <a:rPr lang="it-IT" dirty="0">
+                <a:solidFill>
+                  <a:schemeClr val="bg1">
+                    <a:lumMod val="75000"/>
+                  </a:schemeClr>
+                </a:solidFill>
+                <a:hlinkClick r:id="rId3">
+                  <a:extLst>
+                    <a:ext uri="{A12FA001-AC4F-418D-AE19-62706E023703}">
+                      <ahyp:hlinkClr xmlns:ahyp="http://schemas.microsoft.com/office/drawing/2018/hyperlinkcolor" val="tx"/>
+                    </a:ext>
+                  </a:extLst>
+                </a:hlinkClick>
+              </a:rPr>
+              <a:t>here</a:t>
+            </a:r>
+            <a:r>
+              <a:rPr lang="it-IT" dirty="0">
+                <a:solidFill>
+                  <a:schemeClr val="bg1">
+                    <a:lumMod val="75000"/>
+                  </a:schemeClr>
+                </a:solidFill>
+              </a:rPr>
+              <a:t>.</a:t>
+            </a:r>
+          </a:p>
+          <a:p>
+            <a:r>
+              <a:rPr lang="it-IT" sz="3200" b="1" dirty="0"/>
+              <a:t>The normal rule (</a:t>
+            </a:r>
+            <a:r>
+              <a:rPr lang="it-IT" sz="3200" b="1" dirty="0" err="1"/>
+              <a:t>action.normal</a:t>
+            </a:r>
+            <a:r>
+              <a:rPr lang="it-IT" sz="3200" b="1" dirty="0"/>
+              <a:t>) does not work for non </a:t>
+            </a:r>
+            <a:r>
+              <a:rPr lang="it-IT" sz="3200" b="1" dirty="0" err="1"/>
+              <a:t>hybrid</a:t>
+            </a:r>
+            <a:r>
+              <a:rPr lang="it-IT" sz="3200" b="1" dirty="0"/>
+              <a:t> </a:t>
+            </a:r>
+            <a:r>
+              <a:rPr lang="it-IT" sz="3200" b="1" dirty="0" err="1"/>
+              <a:t>switches</a:t>
+            </a:r>
+            <a:r>
+              <a:rPr lang="it-IT" sz="3200" b="1" dirty="0"/>
+              <a:t>.</a:t>
+            </a:r>
+          </a:p>
+          <a:p>
+            <a:r>
+              <a:rPr lang="it-IT" dirty="0">
+                <a:solidFill>
+                  <a:schemeClr val="bg1">
+                    <a:lumMod val="75000"/>
+                  </a:schemeClr>
+                </a:solidFill>
+              </a:rPr>
+              <a:t>Learning switch: </a:t>
+            </a:r>
+          </a:p>
+          <a:p>
+            <a:pPr lvl="1"/>
+            <a:r>
+              <a:rPr lang="it-IT" dirty="0">
+                <a:solidFill>
+                  <a:schemeClr val="bg1">
+                    <a:lumMod val="75000"/>
+                  </a:schemeClr>
+                </a:solidFill>
+              </a:rPr>
+              <a:t>Add interface to </a:t>
+            </a:r>
+            <a:r>
+              <a:rPr lang="it-IT" dirty="0" err="1">
+                <a:solidFill>
+                  <a:schemeClr val="bg1">
+                    <a:lumMod val="75000"/>
+                  </a:schemeClr>
+                </a:solidFill>
+              </a:rPr>
+              <a:t>retreive</a:t>
+            </a:r>
+            <a:r>
+              <a:rPr lang="it-IT" dirty="0">
+                <a:solidFill>
+                  <a:schemeClr val="bg1">
+                    <a:lumMod val="75000"/>
+                  </a:schemeClr>
+                </a:solidFill>
+              </a:rPr>
+              <a:t> MAC </a:t>
+            </a:r>
+            <a:r>
+              <a:rPr lang="it-IT" dirty="0" err="1">
+                <a:solidFill>
+                  <a:schemeClr val="bg1">
+                    <a:lumMod val="75000"/>
+                  </a:schemeClr>
+                </a:solidFill>
+              </a:rPr>
+              <a:t>addresses</a:t>
+            </a:r>
+            <a:r>
+              <a:rPr lang="it-IT" dirty="0">
+                <a:solidFill>
+                  <a:schemeClr val="bg1">
+                    <a:lumMod val="75000"/>
+                  </a:schemeClr>
+                </a:solidFill>
+              </a:rPr>
+              <a:t> from the learning switch controller</a:t>
+            </a:r>
+          </a:p>
+          <a:p>
+            <a:r>
+              <a:rPr lang="it-IT" dirty="0" err="1">
+                <a:solidFill>
+                  <a:schemeClr val="bg1">
+                    <a:lumMod val="75000"/>
+                  </a:schemeClr>
+                </a:solidFill>
+              </a:rPr>
+              <a:t>Deleting</a:t>
+            </a:r>
+            <a:r>
+              <a:rPr lang="it-IT" dirty="0">
+                <a:solidFill>
+                  <a:schemeClr val="bg1">
+                    <a:lumMod val="75000"/>
+                  </a:schemeClr>
+                </a:solidFill>
+              </a:rPr>
+              <a:t> rules are </a:t>
+            </a:r>
+            <a:r>
+              <a:rPr lang="it-IT" dirty="0" err="1">
+                <a:solidFill>
+                  <a:schemeClr val="bg1">
+                    <a:lumMod val="75000"/>
+                  </a:schemeClr>
+                </a:solidFill>
+              </a:rPr>
+              <a:t>specified</a:t>
+            </a:r>
+            <a:r>
+              <a:rPr lang="it-IT" dirty="0">
+                <a:solidFill>
+                  <a:schemeClr val="bg1">
+                    <a:lumMod val="75000"/>
+                  </a:schemeClr>
+                </a:solidFill>
+              </a:rPr>
+              <a:t> </a:t>
+            </a:r>
+            <a:r>
+              <a:rPr lang="it-IT" dirty="0">
+                <a:solidFill>
+                  <a:schemeClr val="bg1">
+                    <a:lumMod val="75000"/>
+                  </a:schemeClr>
+                </a:solidFill>
+                <a:hlinkClick r:id="rId4">
+                  <a:extLst>
+                    <a:ext uri="{A12FA001-AC4F-418D-AE19-62706E023703}">
+                      <ahyp:hlinkClr xmlns:ahyp="http://schemas.microsoft.com/office/drawing/2018/hyperlinkcolor" val="tx"/>
+                    </a:ext>
+                  </a:extLst>
+                </a:hlinkClick>
+              </a:rPr>
+              <a:t>here</a:t>
+            </a:r>
+            <a:r>
+              <a:rPr lang="it-IT" dirty="0">
+                <a:solidFill>
+                  <a:schemeClr val="bg1">
+                    <a:lumMod val="75000"/>
+                  </a:schemeClr>
+                </a:solidFill>
+              </a:rPr>
+              <a:t>. </a:t>
+            </a:r>
+          </a:p>
+          <a:p>
+            <a:pPr lvl="1"/>
+            <a:r>
+              <a:rPr lang="it-IT" dirty="0" err="1">
+                <a:solidFill>
+                  <a:schemeClr val="bg1">
+                    <a:lumMod val="75000"/>
+                  </a:schemeClr>
+                </a:solidFill>
+              </a:rPr>
+              <a:t>OFFlowDelete</a:t>
+            </a:r>
+            <a:r>
+              <a:rPr lang="it-IT" dirty="0">
+                <a:solidFill>
+                  <a:schemeClr val="bg1">
+                    <a:lumMod val="75000"/>
+                  </a:schemeClr>
+                </a:solidFill>
+              </a:rPr>
+              <a:t> </a:t>
+            </a:r>
+            <a:r>
+              <a:rPr lang="it-IT" dirty="0" err="1">
+                <a:solidFill>
+                  <a:schemeClr val="bg1">
+                    <a:lumMod val="75000"/>
+                  </a:schemeClr>
+                </a:solidFill>
+              </a:rPr>
+              <a:t>deletes</a:t>
+            </a:r>
+            <a:r>
+              <a:rPr lang="it-IT" dirty="0">
+                <a:solidFill>
+                  <a:schemeClr val="bg1">
+                    <a:lumMod val="75000"/>
+                  </a:schemeClr>
+                </a:solidFill>
+              </a:rPr>
+              <a:t> rules </a:t>
+            </a:r>
+            <a:r>
+              <a:rPr lang="it-IT" dirty="0" err="1">
+                <a:solidFill>
+                  <a:schemeClr val="bg1">
+                    <a:lumMod val="75000"/>
+                  </a:schemeClr>
+                </a:solidFill>
+              </a:rPr>
+              <a:t>matching</a:t>
+            </a:r>
+            <a:r>
+              <a:rPr lang="it-IT" dirty="0">
+                <a:solidFill>
+                  <a:schemeClr val="bg1">
+                    <a:lumMod val="75000"/>
+                  </a:schemeClr>
+                </a:solidFill>
+              </a:rPr>
+              <a:t> </a:t>
+            </a:r>
+            <a:r>
+              <a:rPr lang="it-IT" dirty="0" err="1">
+                <a:solidFill>
+                  <a:schemeClr val="bg1">
+                    <a:lumMod val="75000"/>
+                  </a:schemeClr>
+                </a:solidFill>
+              </a:rPr>
+              <a:t>at</a:t>
+            </a:r>
+            <a:r>
+              <a:rPr lang="it-IT" dirty="0">
+                <a:solidFill>
+                  <a:schemeClr val="bg1">
+                    <a:lumMod val="75000"/>
+                  </a:schemeClr>
+                </a:solidFill>
+              </a:rPr>
+              <a:t> </a:t>
+            </a:r>
+            <a:r>
+              <a:rPr lang="it-IT" dirty="0" err="1">
+                <a:solidFill>
+                  <a:schemeClr val="bg1">
+                    <a:lumMod val="75000"/>
+                  </a:schemeClr>
+                </a:solidFill>
+              </a:rPr>
+              <a:t>least</a:t>
+            </a:r>
+            <a:r>
+              <a:rPr lang="it-IT" dirty="0">
+                <a:solidFill>
+                  <a:schemeClr val="bg1">
+                    <a:lumMod val="75000"/>
+                  </a:schemeClr>
+                </a:solidFill>
+              </a:rPr>
+              <a:t> the </a:t>
+            </a:r>
+            <a:r>
+              <a:rPr lang="it-IT" dirty="0" err="1">
+                <a:solidFill>
+                  <a:schemeClr val="bg1">
+                    <a:lumMod val="75000"/>
+                  </a:schemeClr>
+                </a:solidFill>
+              </a:rPr>
+              <a:t>specified</a:t>
+            </a:r>
+            <a:r>
+              <a:rPr lang="it-IT" dirty="0">
+                <a:solidFill>
+                  <a:schemeClr val="bg1">
+                    <a:lumMod val="75000"/>
+                  </a:schemeClr>
+                </a:solidFill>
+              </a:rPr>
+              <a:t> fields;</a:t>
+            </a:r>
+          </a:p>
+          <a:p>
+            <a:pPr lvl="1"/>
+            <a:r>
+              <a:rPr lang="it-IT" dirty="0" err="1">
+                <a:solidFill>
+                  <a:schemeClr val="bg1">
+                    <a:lumMod val="75000"/>
+                  </a:schemeClr>
+                </a:solidFill>
+              </a:rPr>
+              <a:t>OFFlowDeleteStrict</a:t>
+            </a:r>
+            <a:r>
+              <a:rPr lang="it-IT" dirty="0">
+                <a:solidFill>
+                  <a:schemeClr val="bg1">
+                    <a:lumMod val="75000"/>
+                  </a:schemeClr>
+                </a:solidFill>
+              </a:rPr>
+              <a:t> </a:t>
+            </a:r>
+            <a:r>
+              <a:rPr lang="it-IT" dirty="0" err="1">
+                <a:solidFill>
+                  <a:schemeClr val="bg1">
+                    <a:lumMod val="75000"/>
+                  </a:schemeClr>
+                </a:solidFill>
+              </a:rPr>
+              <a:t>deletes</a:t>
+            </a:r>
+            <a:r>
+              <a:rPr lang="it-IT" dirty="0">
+                <a:solidFill>
+                  <a:schemeClr val="bg1">
+                    <a:lumMod val="75000"/>
+                  </a:schemeClr>
+                </a:solidFill>
+              </a:rPr>
+              <a:t> the rules that </a:t>
+            </a:r>
+            <a:r>
+              <a:rPr lang="en-GB" dirty="0">
+                <a:solidFill>
+                  <a:schemeClr val="bg1">
+                    <a:lumMod val="75000"/>
+                  </a:schemeClr>
+                </a:solidFill>
+              </a:rPr>
+              <a:t>exactly looks like the match you specify</a:t>
+            </a:r>
+            <a:r>
+              <a:rPr lang="it-IT" dirty="0">
+                <a:solidFill>
+                  <a:schemeClr val="bg1">
+                    <a:lumMod val="75000"/>
+                  </a:schemeClr>
+                </a:solidFill>
+              </a:rPr>
+              <a:t>.</a:t>
+            </a:r>
+          </a:p>
+          <a:p>
+            <a:r>
+              <a:rPr lang="it-IT" dirty="0">
+                <a:solidFill>
+                  <a:schemeClr val="bg1">
+                    <a:lumMod val="75000"/>
+                  </a:schemeClr>
+                </a:solidFill>
+              </a:rPr>
+              <a:t>Testing </a:t>
+            </a:r>
+            <a:r>
+              <a:rPr lang="it-IT" dirty="0" err="1">
+                <a:solidFill>
+                  <a:schemeClr val="bg1">
+                    <a:lumMod val="75000"/>
+                  </a:schemeClr>
+                </a:solidFill>
+              </a:rPr>
+              <a:t>is</a:t>
+            </a:r>
+            <a:r>
+              <a:rPr lang="it-IT" dirty="0">
+                <a:solidFill>
+                  <a:schemeClr val="bg1">
+                    <a:lumMod val="75000"/>
+                  </a:schemeClr>
+                </a:solidFill>
+              </a:rPr>
+              <a:t> done in </a:t>
+            </a:r>
+            <a:r>
+              <a:rPr lang="it-IT" dirty="0" err="1">
+                <a:solidFill>
+                  <a:schemeClr val="bg1">
+                    <a:lumMod val="75000"/>
+                  </a:schemeClr>
+                </a:solidFill>
+              </a:rPr>
+              <a:t>python</a:t>
+            </a:r>
+            <a:r>
+              <a:rPr lang="it-IT" dirty="0">
+                <a:solidFill>
+                  <a:schemeClr val="bg1">
+                    <a:lumMod val="75000"/>
+                  </a:schemeClr>
+                </a:solidFill>
+              </a:rPr>
+              <a:t> </a:t>
+            </a:r>
+            <a:r>
+              <a:rPr lang="it-IT" dirty="0" err="1">
+                <a:solidFill>
+                  <a:schemeClr val="bg1">
+                    <a:lumMod val="75000"/>
+                  </a:schemeClr>
+                </a:solidFill>
+              </a:rPr>
+              <a:t>using</a:t>
+            </a:r>
+            <a:r>
+              <a:rPr lang="it-IT" dirty="0">
+                <a:solidFill>
+                  <a:schemeClr val="bg1">
+                    <a:lumMod val="75000"/>
+                  </a:schemeClr>
+                </a:solidFill>
+              </a:rPr>
+              <a:t> </a:t>
+            </a:r>
+            <a:r>
+              <a:rPr lang="it-IT" dirty="0" err="1">
+                <a:solidFill>
+                  <a:schemeClr val="bg1">
+                    <a:lumMod val="75000"/>
+                  </a:schemeClr>
+                </a:solidFill>
+              </a:rPr>
+              <a:t>mininet</a:t>
+            </a:r>
+            <a:r>
+              <a:rPr lang="it-IT" dirty="0">
+                <a:solidFill>
+                  <a:schemeClr val="bg1">
+                    <a:lumMod val="75000"/>
+                  </a:schemeClr>
+                </a:solidFill>
+              </a:rPr>
+              <a:t> library</a:t>
+            </a:r>
+          </a:p>
+          <a:p>
+            <a:pPr lvl="1"/>
+            <a:endParaRPr lang="en-GB" dirty="0"/>
+          </a:p>
+        </p:txBody>
+      </p:sp>
+      <p:sp>
+        <p:nvSpPr>
+          <p:cNvPr id="4" name="Segnaposto piè di pagina 3">
+            <a:extLst>
+              <a:ext uri="{FF2B5EF4-FFF2-40B4-BE49-F238E27FC236}">
+                <a16:creationId xmlns:a16="http://schemas.microsoft.com/office/drawing/2014/main" id="{143FDC5E-D0BC-456A-BA7B-938A4422FE96}"/>
               </a:ext>
             </a:extLst>
           </p:cNvPr>
@@ -6183,10 +9853,10 @@
       </p:sp>
       <p:sp>
         <p:nvSpPr>
-          <p:cNvPr id="7" name="Segnaposto numero diapositiva 6">
-            <a:extLst>
-              <a:ext uri="{FF2B5EF4-FFF2-40B4-BE49-F238E27FC236}">
-                <a16:creationId xmlns:a16="http://schemas.microsoft.com/office/drawing/2014/main" id="{A85974FC-8904-43F2-A4EC-EAA5CF6A5B4F}"/>
+          <p:cNvPr id="5" name="Segnaposto numero diapositiva 4">
+            <a:extLst>
+              <a:ext uri="{FF2B5EF4-FFF2-40B4-BE49-F238E27FC236}">
+                <a16:creationId xmlns:a16="http://schemas.microsoft.com/office/drawing/2014/main" id="{498B3CE7-B9F2-48C7-984E-87974B8C1C63}"/>
               </a:ext>
             </a:extLst>
           </p:cNvPr>
@@ -6210,46 +9880,10 @@
           </a:p>
         </p:txBody>
       </p:sp>
-      <p:pic>
-        <p:nvPicPr>
-          <p:cNvPr id="4" name="Immagine 3" descr="Immagine che contiene testo, mappa&#10;&#10;Descrizione generata automaticamente">
-            <a:extLst>
-              <a:ext uri="{FF2B5EF4-FFF2-40B4-BE49-F238E27FC236}">
-                <a16:creationId xmlns:a16="http://schemas.microsoft.com/office/drawing/2014/main" id="{C70C39FA-3DB0-4053-9205-4578EEAC5C3B}"/>
-              </a:ext>
-            </a:extLst>
-          </p:cNvPr>
-          <p:cNvPicPr>
-            <a:picLocks noChangeAspect="1"/>
-          </p:cNvPicPr>
-          <p:nvPr/>
-        </p:nvPicPr>
-        <p:blipFill>
-          <a:blip r:embed="rId2">
-            <a:extLst>
-              <a:ext uri="{28A0092B-C50C-407E-A947-70E740481C1C}">
-                <a14:useLocalDpi xmlns:a14="http://schemas.microsoft.com/office/drawing/2010/main" val="0"/>
-              </a:ext>
-            </a:extLst>
-          </a:blip>
-          <a:stretch>
-            <a:fillRect/>
-          </a:stretch>
-        </p:blipFill>
-        <p:spPr>
-          <a:xfrm>
-            <a:off x="2298097" y="1561170"/>
-            <a:ext cx="6857054" cy="4771929"/>
-          </a:xfrm>
-          <a:prstGeom prst="rect">
-            <a:avLst/>
-          </a:prstGeom>
-        </p:spPr>
-      </p:pic>
     </p:spTree>
     <p:extLst>
       <p:ext uri="{BB962C8B-B14F-4D97-AF65-F5344CB8AC3E}">
-        <p14:creationId xmlns:p14="http://schemas.microsoft.com/office/powerpoint/2010/main" val="3402055044"/>
+        <p14:creationId xmlns:p14="http://schemas.microsoft.com/office/powerpoint/2010/main" val="81249771"/>
       </p:ext>
     </p:extLst>
   </p:cSld>
@@ -6281,7 +9915,7 @@
           <p:cNvPr id="2" name="Titolo 1">
             <a:extLst>
               <a:ext uri="{FF2B5EF4-FFF2-40B4-BE49-F238E27FC236}">
-                <a16:creationId xmlns:a16="http://schemas.microsoft.com/office/drawing/2014/main" id="{BC25438D-A16D-40B8-AAD1-51CFFD41A5B2}"/>
+                <a16:creationId xmlns:a16="http://schemas.microsoft.com/office/drawing/2014/main" id="{7E6353A6-1C85-4D8F-9EA2-AAA7BDECABC1}"/>
               </a:ext>
             </a:extLst>
           </p:cNvPr>
@@ -6298,123 +9932,598 @@
           <a:lstStyle/>
           <a:p>
             <a:r>
-              <a:rPr lang="it-IT" dirty="0"/>
-              <a:t>Testing</a:t>
-            </a:r>
+              <a:rPr lang="it-IT" b="1" dirty="0" err="1"/>
+              <a:t>Implementatio</a:t>
+            </a:r>
+            <a:r>
+              <a:rPr lang="it-IT" b="1" dirty="0"/>
+              <a:t> Issues</a:t>
+            </a:r>
+            <a:endParaRPr lang="en-GB" b="1" dirty="0"/>
+          </a:p>
+        </p:txBody>
+      </p:sp>
+      <p:sp>
+        <p:nvSpPr>
+          <p:cNvPr id="3" name="Segnaposto contenuto 2">
+            <a:extLst>
+              <a:ext uri="{FF2B5EF4-FFF2-40B4-BE49-F238E27FC236}">
+                <a16:creationId xmlns:a16="http://schemas.microsoft.com/office/drawing/2014/main" id="{DF3513A8-F910-4B01-AD7F-5C394725A6CD}"/>
+              </a:ext>
+            </a:extLst>
+          </p:cNvPr>
+          <p:cNvSpPr>
+            <a:spLocks noGrp="1"/>
+          </p:cNvSpPr>
+          <p:nvPr>
+            <p:ph idx="1"/>
+          </p:nvPr>
+        </p:nvSpPr>
+        <p:spPr/>
+        <p:txBody>
+          <a:bodyPr>
+            <a:normAutofit fontScale="92500" lnSpcReduction="20000"/>
+          </a:bodyPr>
+          <a:lstStyle/>
+          <a:p>
+            <a:r>
+              <a:rPr lang="it-IT" sz="3000" dirty="0">
+                <a:solidFill>
+                  <a:schemeClr val="bg1">
+                    <a:lumMod val="75000"/>
+                  </a:schemeClr>
+                </a:solidFill>
+              </a:rPr>
+              <a:t>Execution </a:t>
+            </a:r>
+            <a:r>
+              <a:rPr lang="it-IT" sz="3000" dirty="0" err="1">
+                <a:solidFill>
+                  <a:schemeClr val="bg1">
+                    <a:lumMod val="75000"/>
+                  </a:schemeClr>
+                </a:solidFill>
+              </a:rPr>
+              <a:t>order</a:t>
+            </a:r>
+            <a:r>
+              <a:rPr lang="it-IT" sz="3000" dirty="0">
+                <a:solidFill>
+                  <a:schemeClr val="bg1">
+                    <a:lumMod val="75000"/>
+                  </a:schemeClr>
+                </a:solidFill>
+              </a:rPr>
+              <a:t> of </a:t>
+            </a:r>
+            <a:r>
+              <a:rPr lang="it-IT" sz="3000" dirty="0" err="1">
+                <a:solidFill>
+                  <a:schemeClr val="bg1">
+                    <a:lumMod val="75000"/>
+                  </a:schemeClr>
+                </a:solidFill>
+              </a:rPr>
+              <a:t>floodlight</a:t>
+            </a:r>
+            <a:r>
+              <a:rPr lang="it-IT" sz="3000" dirty="0">
+                <a:solidFill>
+                  <a:schemeClr val="bg1">
+                    <a:lumMod val="75000"/>
+                  </a:schemeClr>
+                </a:solidFill>
+              </a:rPr>
+              <a:t> </a:t>
+            </a:r>
+            <a:r>
+              <a:rPr lang="it-IT" sz="3000" dirty="0" err="1">
+                <a:solidFill>
+                  <a:schemeClr val="bg1">
+                    <a:lumMod val="75000"/>
+                  </a:schemeClr>
+                </a:solidFill>
+              </a:rPr>
+              <a:t>modules</a:t>
+            </a:r>
+            <a:r>
+              <a:rPr lang="it-IT" sz="3000" dirty="0">
+                <a:solidFill>
+                  <a:schemeClr val="bg1">
+                    <a:lumMod val="75000"/>
+                  </a:schemeClr>
+                </a:solidFill>
+              </a:rPr>
+              <a:t> </a:t>
+            </a:r>
+            <a:r>
+              <a:rPr lang="it-IT" sz="3000" dirty="0">
+                <a:solidFill>
+                  <a:schemeClr val="bg1">
+                    <a:lumMod val="75000"/>
+                  </a:schemeClr>
+                </a:solidFill>
+                <a:hlinkClick r:id="rId3">
+                  <a:extLst>
+                    <a:ext uri="{A12FA001-AC4F-418D-AE19-62706E023703}">
+                      <ahyp:hlinkClr xmlns:ahyp="http://schemas.microsoft.com/office/drawing/2018/hyperlinkcolor" val="tx"/>
+                    </a:ext>
+                  </a:extLst>
+                </a:hlinkClick>
+              </a:rPr>
+              <a:t>here</a:t>
+            </a:r>
+            <a:r>
+              <a:rPr lang="it-IT" sz="3000" dirty="0">
+                <a:solidFill>
+                  <a:schemeClr val="bg1">
+                    <a:lumMod val="75000"/>
+                  </a:schemeClr>
+                </a:solidFill>
+              </a:rPr>
+              <a:t>.</a:t>
+            </a:r>
+          </a:p>
+          <a:p>
+            <a:r>
+              <a:rPr lang="it-IT" sz="3000" dirty="0">
+                <a:solidFill>
+                  <a:schemeClr val="bg1">
+                    <a:lumMod val="75000"/>
+                  </a:schemeClr>
+                </a:solidFill>
+              </a:rPr>
+              <a:t>The normal rule (</a:t>
+            </a:r>
+            <a:r>
+              <a:rPr lang="it-IT" sz="3000" dirty="0" err="1">
+                <a:solidFill>
+                  <a:schemeClr val="bg1">
+                    <a:lumMod val="75000"/>
+                  </a:schemeClr>
+                </a:solidFill>
+              </a:rPr>
+              <a:t>action.normal</a:t>
+            </a:r>
+            <a:r>
+              <a:rPr lang="it-IT" sz="3000" dirty="0">
+                <a:solidFill>
+                  <a:schemeClr val="bg1">
+                    <a:lumMod val="75000"/>
+                  </a:schemeClr>
+                </a:solidFill>
+              </a:rPr>
+              <a:t>) does not work for non </a:t>
+            </a:r>
+            <a:r>
+              <a:rPr lang="it-IT" sz="3000" dirty="0" err="1">
+                <a:solidFill>
+                  <a:schemeClr val="bg1">
+                    <a:lumMod val="75000"/>
+                  </a:schemeClr>
+                </a:solidFill>
+              </a:rPr>
+              <a:t>hybrid</a:t>
+            </a:r>
+            <a:r>
+              <a:rPr lang="it-IT" sz="3000" dirty="0">
+                <a:solidFill>
+                  <a:schemeClr val="bg1">
+                    <a:lumMod val="75000"/>
+                  </a:schemeClr>
+                </a:solidFill>
+              </a:rPr>
+              <a:t> </a:t>
+            </a:r>
+            <a:r>
+              <a:rPr lang="it-IT" sz="3000" dirty="0" err="1">
+                <a:solidFill>
+                  <a:schemeClr val="bg1">
+                    <a:lumMod val="75000"/>
+                  </a:schemeClr>
+                </a:solidFill>
+              </a:rPr>
+              <a:t>switches</a:t>
+            </a:r>
+            <a:r>
+              <a:rPr lang="it-IT" sz="3000" dirty="0">
+                <a:solidFill>
+                  <a:schemeClr val="bg1">
+                    <a:lumMod val="75000"/>
+                  </a:schemeClr>
+                </a:solidFill>
+              </a:rPr>
+              <a:t>.</a:t>
+            </a:r>
+          </a:p>
+          <a:p>
+            <a:r>
+              <a:rPr lang="it-IT" sz="3500" b="1" dirty="0"/>
+              <a:t>Learning switch: </a:t>
+            </a:r>
+          </a:p>
+          <a:p>
+            <a:pPr lvl="1"/>
+            <a:r>
+              <a:rPr lang="it-IT" sz="2800" b="1" dirty="0"/>
+              <a:t>Add interface to </a:t>
+            </a:r>
+            <a:r>
+              <a:rPr lang="it-IT" sz="2800" b="1" dirty="0" err="1"/>
+              <a:t>retreive</a:t>
+            </a:r>
+            <a:r>
+              <a:rPr lang="it-IT" sz="2800" b="1" dirty="0"/>
+              <a:t> MAC </a:t>
+            </a:r>
+            <a:r>
+              <a:rPr lang="it-IT" sz="2800" b="1" dirty="0" err="1"/>
+              <a:t>addresses</a:t>
+            </a:r>
+            <a:r>
+              <a:rPr lang="it-IT" sz="2800" b="1" dirty="0"/>
+              <a:t> from the learning switch controller.</a:t>
+            </a:r>
+          </a:p>
+          <a:p>
+            <a:r>
+              <a:rPr lang="it-IT" sz="2900" dirty="0" err="1">
+                <a:solidFill>
+                  <a:schemeClr val="bg1">
+                    <a:lumMod val="75000"/>
+                  </a:schemeClr>
+                </a:solidFill>
+              </a:rPr>
+              <a:t>Deleting</a:t>
+            </a:r>
+            <a:r>
+              <a:rPr lang="it-IT" sz="2900" dirty="0">
+                <a:solidFill>
+                  <a:schemeClr val="bg1">
+                    <a:lumMod val="75000"/>
+                  </a:schemeClr>
+                </a:solidFill>
+              </a:rPr>
+              <a:t> rules are </a:t>
+            </a:r>
+            <a:r>
+              <a:rPr lang="it-IT" sz="2900" dirty="0" err="1">
+                <a:solidFill>
+                  <a:schemeClr val="bg1">
+                    <a:lumMod val="75000"/>
+                  </a:schemeClr>
+                </a:solidFill>
+              </a:rPr>
+              <a:t>specified</a:t>
+            </a:r>
+            <a:r>
+              <a:rPr lang="it-IT" sz="2900" dirty="0">
+                <a:solidFill>
+                  <a:schemeClr val="bg1">
+                    <a:lumMod val="75000"/>
+                  </a:schemeClr>
+                </a:solidFill>
+              </a:rPr>
+              <a:t> </a:t>
+            </a:r>
+            <a:r>
+              <a:rPr lang="it-IT" sz="2900" dirty="0">
+                <a:solidFill>
+                  <a:schemeClr val="bg1">
+                    <a:lumMod val="75000"/>
+                  </a:schemeClr>
+                </a:solidFill>
+                <a:hlinkClick r:id="rId4">
+                  <a:extLst>
+                    <a:ext uri="{A12FA001-AC4F-418D-AE19-62706E023703}">
+                      <ahyp:hlinkClr xmlns:ahyp="http://schemas.microsoft.com/office/drawing/2018/hyperlinkcolor" val="tx"/>
+                    </a:ext>
+                  </a:extLst>
+                </a:hlinkClick>
+              </a:rPr>
+              <a:t>here</a:t>
+            </a:r>
+            <a:r>
+              <a:rPr lang="it-IT" sz="2900" dirty="0">
+                <a:solidFill>
+                  <a:schemeClr val="bg1">
+                    <a:lumMod val="75000"/>
+                  </a:schemeClr>
+                </a:solidFill>
+              </a:rPr>
+              <a:t>. </a:t>
+            </a:r>
+          </a:p>
+          <a:p>
+            <a:pPr lvl="1"/>
+            <a:r>
+              <a:rPr lang="it-IT" sz="2600" dirty="0" err="1">
+                <a:solidFill>
+                  <a:schemeClr val="bg1">
+                    <a:lumMod val="75000"/>
+                  </a:schemeClr>
+                </a:solidFill>
+              </a:rPr>
+              <a:t>OFFlowDelete</a:t>
+            </a:r>
+            <a:r>
+              <a:rPr lang="it-IT" sz="2600" dirty="0">
+                <a:solidFill>
+                  <a:schemeClr val="bg1">
+                    <a:lumMod val="75000"/>
+                  </a:schemeClr>
+                </a:solidFill>
+              </a:rPr>
+              <a:t> </a:t>
+            </a:r>
+            <a:r>
+              <a:rPr lang="it-IT" sz="2600" dirty="0" err="1">
+                <a:solidFill>
+                  <a:schemeClr val="bg1">
+                    <a:lumMod val="75000"/>
+                  </a:schemeClr>
+                </a:solidFill>
+              </a:rPr>
+              <a:t>deletes</a:t>
+            </a:r>
+            <a:r>
+              <a:rPr lang="it-IT" sz="2600" dirty="0">
+                <a:solidFill>
+                  <a:schemeClr val="bg1">
+                    <a:lumMod val="75000"/>
+                  </a:schemeClr>
+                </a:solidFill>
+              </a:rPr>
+              <a:t> rules </a:t>
+            </a:r>
+            <a:r>
+              <a:rPr lang="it-IT" sz="2600" dirty="0" err="1">
+                <a:solidFill>
+                  <a:schemeClr val="bg1">
+                    <a:lumMod val="75000"/>
+                  </a:schemeClr>
+                </a:solidFill>
+              </a:rPr>
+              <a:t>matching</a:t>
+            </a:r>
+            <a:r>
+              <a:rPr lang="it-IT" sz="2600" dirty="0">
+                <a:solidFill>
+                  <a:schemeClr val="bg1">
+                    <a:lumMod val="75000"/>
+                  </a:schemeClr>
+                </a:solidFill>
+              </a:rPr>
+              <a:t> </a:t>
+            </a:r>
+            <a:r>
+              <a:rPr lang="it-IT" sz="2600" dirty="0" err="1">
+                <a:solidFill>
+                  <a:schemeClr val="bg1">
+                    <a:lumMod val="75000"/>
+                  </a:schemeClr>
+                </a:solidFill>
+              </a:rPr>
+              <a:t>at</a:t>
+            </a:r>
+            <a:r>
+              <a:rPr lang="it-IT" sz="2600" dirty="0">
+                <a:solidFill>
+                  <a:schemeClr val="bg1">
+                    <a:lumMod val="75000"/>
+                  </a:schemeClr>
+                </a:solidFill>
+              </a:rPr>
+              <a:t> </a:t>
+            </a:r>
+            <a:r>
+              <a:rPr lang="it-IT" sz="2600" dirty="0" err="1">
+                <a:solidFill>
+                  <a:schemeClr val="bg1">
+                    <a:lumMod val="75000"/>
+                  </a:schemeClr>
+                </a:solidFill>
+              </a:rPr>
+              <a:t>least</a:t>
+            </a:r>
+            <a:r>
+              <a:rPr lang="it-IT" sz="2600" dirty="0">
+                <a:solidFill>
+                  <a:schemeClr val="bg1">
+                    <a:lumMod val="75000"/>
+                  </a:schemeClr>
+                </a:solidFill>
+              </a:rPr>
+              <a:t> the </a:t>
+            </a:r>
+            <a:r>
+              <a:rPr lang="it-IT" sz="2600" dirty="0" err="1">
+                <a:solidFill>
+                  <a:schemeClr val="bg1">
+                    <a:lumMod val="75000"/>
+                  </a:schemeClr>
+                </a:solidFill>
+              </a:rPr>
+              <a:t>specified</a:t>
+            </a:r>
+            <a:r>
+              <a:rPr lang="it-IT" sz="2600" dirty="0">
+                <a:solidFill>
+                  <a:schemeClr val="bg1">
+                    <a:lumMod val="75000"/>
+                  </a:schemeClr>
+                </a:solidFill>
+              </a:rPr>
+              <a:t> fields;</a:t>
+            </a:r>
+          </a:p>
+          <a:p>
+            <a:pPr lvl="1"/>
+            <a:r>
+              <a:rPr lang="it-IT" sz="2600" dirty="0" err="1">
+                <a:solidFill>
+                  <a:schemeClr val="bg1">
+                    <a:lumMod val="75000"/>
+                  </a:schemeClr>
+                </a:solidFill>
+              </a:rPr>
+              <a:t>OFFlowDeleteStrict</a:t>
+            </a:r>
+            <a:r>
+              <a:rPr lang="it-IT" sz="2600" dirty="0">
+                <a:solidFill>
+                  <a:schemeClr val="bg1">
+                    <a:lumMod val="75000"/>
+                  </a:schemeClr>
+                </a:solidFill>
+              </a:rPr>
+              <a:t> </a:t>
+            </a:r>
+            <a:r>
+              <a:rPr lang="it-IT" sz="2600" dirty="0" err="1">
+                <a:solidFill>
+                  <a:schemeClr val="bg1">
+                    <a:lumMod val="75000"/>
+                  </a:schemeClr>
+                </a:solidFill>
+              </a:rPr>
+              <a:t>deletes</a:t>
+            </a:r>
+            <a:r>
+              <a:rPr lang="it-IT" sz="2600" dirty="0">
+                <a:solidFill>
+                  <a:schemeClr val="bg1">
+                    <a:lumMod val="75000"/>
+                  </a:schemeClr>
+                </a:solidFill>
+              </a:rPr>
+              <a:t> the rules that </a:t>
+            </a:r>
+            <a:r>
+              <a:rPr lang="en-GB" sz="2600" dirty="0">
+                <a:solidFill>
+                  <a:schemeClr val="bg1">
+                    <a:lumMod val="75000"/>
+                  </a:schemeClr>
+                </a:solidFill>
+              </a:rPr>
+              <a:t>exactly looks like the match you specify</a:t>
+            </a:r>
+            <a:r>
+              <a:rPr lang="it-IT" sz="2600" dirty="0">
+                <a:solidFill>
+                  <a:schemeClr val="bg1">
+                    <a:lumMod val="75000"/>
+                  </a:schemeClr>
+                </a:solidFill>
+              </a:rPr>
+              <a:t>.</a:t>
+            </a:r>
+          </a:p>
+          <a:p>
+            <a:r>
+              <a:rPr lang="it-IT" sz="2900" dirty="0">
+                <a:solidFill>
+                  <a:schemeClr val="bg1">
+                    <a:lumMod val="75000"/>
+                  </a:schemeClr>
+                </a:solidFill>
+              </a:rPr>
+              <a:t>Testing </a:t>
+            </a:r>
+            <a:r>
+              <a:rPr lang="it-IT" sz="2900" dirty="0" err="1">
+                <a:solidFill>
+                  <a:schemeClr val="bg1">
+                    <a:lumMod val="75000"/>
+                  </a:schemeClr>
+                </a:solidFill>
+              </a:rPr>
+              <a:t>is</a:t>
+            </a:r>
+            <a:r>
+              <a:rPr lang="it-IT" sz="2900" dirty="0">
+                <a:solidFill>
+                  <a:schemeClr val="bg1">
+                    <a:lumMod val="75000"/>
+                  </a:schemeClr>
+                </a:solidFill>
+              </a:rPr>
+              <a:t> done in </a:t>
+            </a:r>
+            <a:r>
+              <a:rPr lang="it-IT" sz="2900" dirty="0" err="1">
+                <a:solidFill>
+                  <a:schemeClr val="bg1">
+                    <a:lumMod val="75000"/>
+                  </a:schemeClr>
+                </a:solidFill>
+              </a:rPr>
+              <a:t>python</a:t>
+            </a:r>
+            <a:r>
+              <a:rPr lang="it-IT" sz="2900" dirty="0">
+                <a:solidFill>
+                  <a:schemeClr val="bg1">
+                    <a:lumMod val="75000"/>
+                  </a:schemeClr>
+                </a:solidFill>
+              </a:rPr>
+              <a:t> </a:t>
+            </a:r>
+            <a:r>
+              <a:rPr lang="it-IT" sz="2900" dirty="0" err="1">
+                <a:solidFill>
+                  <a:schemeClr val="bg1">
+                    <a:lumMod val="75000"/>
+                  </a:schemeClr>
+                </a:solidFill>
+              </a:rPr>
+              <a:t>using</a:t>
+            </a:r>
+            <a:r>
+              <a:rPr lang="it-IT" sz="2900" dirty="0">
+                <a:solidFill>
+                  <a:schemeClr val="bg1">
+                    <a:lumMod val="75000"/>
+                  </a:schemeClr>
+                </a:solidFill>
+              </a:rPr>
+              <a:t> </a:t>
+            </a:r>
+            <a:r>
+              <a:rPr lang="it-IT" sz="2900" dirty="0" err="1">
+                <a:solidFill>
+                  <a:schemeClr val="bg1">
+                    <a:lumMod val="75000"/>
+                  </a:schemeClr>
+                </a:solidFill>
+              </a:rPr>
+              <a:t>mininet</a:t>
+            </a:r>
+            <a:r>
+              <a:rPr lang="it-IT" sz="2900" dirty="0">
+                <a:solidFill>
+                  <a:schemeClr val="bg1">
+                    <a:lumMod val="75000"/>
+                  </a:schemeClr>
+                </a:solidFill>
+              </a:rPr>
+              <a:t> library</a:t>
+            </a:r>
+          </a:p>
+          <a:p>
+            <a:pPr lvl="1"/>
             <a:endParaRPr lang="en-GB" dirty="0"/>
           </a:p>
         </p:txBody>
       </p:sp>
       <p:sp>
         <p:nvSpPr>
-          <p:cNvPr id="3" name="Segnaposto contenuto 2">
-            <a:extLst>
-              <a:ext uri="{FF2B5EF4-FFF2-40B4-BE49-F238E27FC236}">
-                <a16:creationId xmlns:a16="http://schemas.microsoft.com/office/drawing/2014/main" id="{F2A7C259-20B5-447D-B7B9-DC7CDA06C56D}"/>
-              </a:ext>
-            </a:extLst>
-          </p:cNvPr>
-          <p:cNvSpPr>
-            <a:spLocks noGrp="1"/>
-          </p:cNvSpPr>
-          <p:nvPr>
-            <p:ph idx="1"/>
-          </p:nvPr>
-        </p:nvSpPr>
-        <p:spPr/>
-        <p:txBody>
-          <a:bodyPr>
-            <a:normAutofit lnSpcReduction="10000"/>
-          </a:bodyPr>
-          <a:lstStyle/>
-          <a:p>
-            <a:pPr marL="0" indent="0">
-              <a:buNone/>
-            </a:pPr>
-            <a:r>
-              <a:rPr lang="it-IT" dirty="0" err="1"/>
-              <a:t>Semplificaizoni</a:t>
-            </a:r>
-            <a:r>
-              <a:rPr lang="it-IT" dirty="0"/>
-              <a:t> </a:t>
-            </a:r>
-          </a:p>
-          <a:p>
-            <a:r>
-              <a:rPr lang="it-IT" dirty="0"/>
-              <a:t>Dal vecchio server al nuovo server è </a:t>
-            </a:r>
-            <a:r>
-              <a:rPr lang="it-IT" dirty="0" err="1"/>
-              <a:t>hardcoded</a:t>
-            </a:r>
-            <a:r>
-              <a:rPr lang="it-IT" dirty="0"/>
-              <a:t> nei client</a:t>
-            </a:r>
-          </a:p>
-          <a:p>
-            <a:r>
-              <a:rPr lang="it-IT" dirty="0"/>
-              <a:t>I bot fanno continuamente richiesta di connessione HTTP al server</a:t>
-            </a:r>
-          </a:p>
-          <a:p>
-            <a:r>
-              <a:rPr lang="it-IT" dirty="0"/>
-              <a:t>I client mandano richieste periodiche</a:t>
-            </a:r>
-          </a:p>
-          <a:p>
-            <a:r>
-              <a:rPr lang="it-IT" dirty="0"/>
-              <a:t>Il server è </a:t>
-            </a:r>
-            <a:r>
-              <a:rPr lang="it-IT" dirty="0" err="1"/>
-              <a:t>multithread</a:t>
-            </a:r>
-            <a:r>
-              <a:rPr lang="it-IT" dirty="0"/>
-              <a:t> </a:t>
-            </a:r>
-          </a:p>
-          <a:p>
-            <a:r>
-              <a:rPr lang="it-IT" dirty="0"/>
-              <a:t>Non è possibile vedere l’effetto del </a:t>
-            </a:r>
-            <a:r>
-              <a:rPr lang="it-IT" dirty="0" err="1"/>
-              <a:t>Denial</a:t>
-            </a:r>
-            <a:r>
-              <a:rPr lang="it-IT" dirty="0"/>
-              <a:t> of Service</a:t>
-            </a:r>
-          </a:p>
-          <a:p>
-            <a:endParaRPr lang="it-IT" dirty="0"/>
-          </a:p>
-          <a:p>
-            <a:endParaRPr lang="it-IT" dirty="0"/>
-          </a:p>
-          <a:p>
-            <a:r>
-              <a:rPr lang="it-IT" dirty="0"/>
-              <a:t>Far vedere la demo</a:t>
-            </a:r>
-            <a:endParaRPr lang="en-GB" dirty="0"/>
-          </a:p>
-        </p:txBody>
-      </p:sp>
-      <p:sp>
-        <p:nvSpPr>
           <p:cNvPr id="4" name="Segnaposto piè di pagina 3">
             <a:extLst>
               <a:ext uri="{FF2B5EF4-FFF2-40B4-BE49-F238E27FC236}">
-                <a16:creationId xmlns:a16="http://schemas.microsoft.com/office/drawing/2014/main" id="{3B0C6E34-6BD6-4096-9AAC-2FABF5D75AEB}"/>
+                <a16:creationId xmlns:a16="http://schemas.microsoft.com/office/drawing/2014/main" id="{143FDC5E-D0BC-456A-BA7B-938A4422FE96}"/>
               </a:ext>
             </a:extLst>
           </p:cNvPr>
@@ -6443,7 +10552,7 @@
           <p:cNvPr id="5" name="Segnaposto numero diapositiva 4">
             <a:extLst>
               <a:ext uri="{FF2B5EF4-FFF2-40B4-BE49-F238E27FC236}">
-                <a16:creationId xmlns:a16="http://schemas.microsoft.com/office/drawing/2014/main" id="{F04444F7-8A60-4AF6-AAD4-54AB153BC805}"/>
+                <a16:creationId xmlns:a16="http://schemas.microsoft.com/office/drawing/2014/main" id="{498B3CE7-B9F2-48C7-984E-87974B8C1C63}"/>
               </a:ext>
             </a:extLst>
           </p:cNvPr>
@@ -6470,7 +10579,7 @@
     </p:spTree>
     <p:extLst>
       <p:ext uri="{BB962C8B-B14F-4D97-AF65-F5344CB8AC3E}">
-        <p14:creationId xmlns:p14="http://schemas.microsoft.com/office/powerpoint/2010/main" val="1415853176"/>
+        <p14:creationId xmlns:p14="http://schemas.microsoft.com/office/powerpoint/2010/main" val="1033961260"/>
       </p:ext>
     </p:extLst>
   </p:cSld>

--- a/Docs/DDoSDefence.pptx
+++ b/Docs/DDoSDefence.pptx
@@ -5,7 +5,7 @@
     <p:sldMasterId id="2147483696" r:id="rId1"/>
   </p:sldMasterIdLst>
   <p:notesMasterIdLst>
-    <p:notesMasterId r:id="rId15"/>
+    <p:notesMasterId r:id="rId19"/>
   </p:notesMasterIdLst>
   <p:sldIdLst>
     <p:sldId id="256" r:id="rId2"/>
@@ -20,7 +20,11 @@
     <p:sldId id="269" r:id="rId11"/>
     <p:sldId id="270" r:id="rId12"/>
     <p:sldId id="257" r:id="rId13"/>
-    <p:sldId id="264" r:id="rId14"/>
+    <p:sldId id="273" r:id="rId14"/>
+    <p:sldId id="274" r:id="rId15"/>
+    <p:sldId id="275" r:id="rId16"/>
+    <p:sldId id="276" r:id="rId17"/>
+    <p:sldId id="271" r:id="rId18"/>
   </p:sldIdLst>
   <p:sldSz cx="12192000" cy="6858000"/>
   <p:notesSz cx="6858000" cy="9144000"/>
@@ -209,7 +213,7 @@
           <a:p>
             <a:fld id="{77EA6FB2-8CC3-4627-9AFD-974BAE12EB8C}" type="datetimeFigureOut">
               <a:rPr lang="en-GB" smtClean="0"/>
-              <a:t>22/01/2019</a:t>
+              <a:t>24/01/2019</a:t>
             </a:fld>
             <a:endParaRPr lang="en-GB"/>
           </a:p>
@@ -561,6 +565,330 @@
 </p:notes>
 </file>
 
+<file path=ppt/notesSlides/notesSlide10.xml><?xml version="1.0" encoding="utf-8"?>
+<p:notes xmlns:a="http://schemas.openxmlformats.org/drawingml/2006/main" xmlns:r="http://schemas.openxmlformats.org/officeDocument/2006/relationships" xmlns:p="http://schemas.openxmlformats.org/presentationml/2006/main">
+  <p:cSld>
+    <p:spTree>
+      <p:nvGrpSpPr>
+        <p:cNvPr id="1" name=""/>
+        <p:cNvGrpSpPr/>
+        <p:nvPr/>
+      </p:nvGrpSpPr>
+      <p:grpSpPr>
+        <a:xfrm>
+          <a:off x="0" y="0"/>
+          <a:ext cx="0" cy="0"/>
+          <a:chOff x="0" y="0"/>
+          <a:chExt cx="0" cy="0"/>
+        </a:xfrm>
+      </p:grpSpPr>
+      <p:sp>
+        <p:nvSpPr>
+          <p:cNvPr id="2" name="Segnaposto immagine diapositiva 1"/>
+          <p:cNvSpPr>
+            <a:spLocks noGrp="1" noRot="1" noChangeAspect="1"/>
+          </p:cNvSpPr>
+          <p:nvPr>
+            <p:ph type="sldImg"/>
+          </p:nvPr>
+        </p:nvSpPr>
+        <p:spPr/>
+      </p:sp>
+      <p:sp>
+        <p:nvSpPr>
+          <p:cNvPr id="3" name="Segnaposto note 2"/>
+          <p:cNvSpPr>
+            <a:spLocks noGrp="1"/>
+          </p:cNvSpPr>
+          <p:nvPr>
+            <p:ph type="body" idx="1"/>
+          </p:nvPr>
+        </p:nvSpPr>
+        <p:spPr/>
+        <p:txBody>
+          <a:bodyPr/>
+          <a:lstStyle/>
+          <a:p>
+            <a:pPr marL="0" marR="0" lvl="0" indent="0" algn="l" defTabSz="914400" rtl="0" eaLnBrk="1" fontAlgn="auto" latinLnBrk="0" hangingPunct="1">
+              <a:lnSpc>
+                <a:spcPct val="100000"/>
+              </a:lnSpc>
+              <a:spcBef>
+                <a:spcPts val="0"/>
+              </a:spcBef>
+              <a:spcAft>
+                <a:spcPts val="0"/>
+              </a:spcAft>
+              <a:buClrTx/>
+              <a:buSzTx/>
+              <a:buFontTx/>
+              <a:buNone/>
+              <a:tabLst/>
+              <a:defRPr/>
+            </a:pPr>
+            <a:r>
+              <a:rPr lang="en-GB" dirty="0"/>
+              <a:t>Even if the Bots send requests continuously, the Server is always able to respond, because it opens a new thread for each request, so the server does not stop even if it is bombarded with requests</a:t>
+            </a:r>
+            <a:endParaRPr lang="it-IT" dirty="0"/>
+          </a:p>
+          <a:p>
+            <a:endParaRPr lang="en-GB" dirty="0"/>
+          </a:p>
+        </p:txBody>
+      </p:sp>
+      <p:sp>
+        <p:nvSpPr>
+          <p:cNvPr id="4" name="Segnaposto numero diapositiva 3"/>
+          <p:cNvSpPr>
+            <a:spLocks noGrp="1"/>
+          </p:cNvSpPr>
+          <p:nvPr>
+            <p:ph type="sldNum" sz="quarter" idx="5"/>
+          </p:nvPr>
+        </p:nvSpPr>
+        <p:spPr/>
+        <p:txBody>
+          <a:bodyPr/>
+          <a:lstStyle/>
+          <a:p>
+            <a:fld id="{15114317-084B-44FB-95E2-F74F7746A8DF}" type="slidenum">
+              <a:rPr lang="en-GB" smtClean="0"/>
+              <a:t>15</a:t>
+            </a:fld>
+            <a:endParaRPr lang="en-GB"/>
+          </a:p>
+        </p:txBody>
+      </p:sp>
+    </p:spTree>
+    <p:extLst>
+      <p:ext uri="{BB962C8B-B14F-4D97-AF65-F5344CB8AC3E}">
+        <p14:creationId xmlns:p14="http://schemas.microsoft.com/office/powerpoint/2010/main" val="3622924729"/>
+      </p:ext>
+    </p:extLst>
+  </p:cSld>
+  <p:clrMapOvr>
+    <a:masterClrMapping/>
+  </p:clrMapOvr>
+</p:notes>
+</file>
+
+<file path=ppt/notesSlides/notesSlide11.xml><?xml version="1.0" encoding="utf-8"?>
+<p:notes xmlns:a="http://schemas.openxmlformats.org/drawingml/2006/main" xmlns:r="http://schemas.openxmlformats.org/officeDocument/2006/relationships" xmlns:p="http://schemas.openxmlformats.org/presentationml/2006/main">
+  <p:cSld>
+    <p:spTree>
+      <p:nvGrpSpPr>
+        <p:cNvPr id="1" name=""/>
+        <p:cNvGrpSpPr/>
+        <p:nvPr/>
+      </p:nvGrpSpPr>
+      <p:grpSpPr>
+        <a:xfrm>
+          <a:off x="0" y="0"/>
+          <a:ext cx="0" cy="0"/>
+          <a:chOff x="0" y="0"/>
+          <a:chExt cx="0" cy="0"/>
+        </a:xfrm>
+      </p:grpSpPr>
+      <p:sp>
+        <p:nvSpPr>
+          <p:cNvPr id="2" name="Segnaposto immagine diapositiva 1"/>
+          <p:cNvSpPr>
+            <a:spLocks noGrp="1" noRot="1" noChangeAspect="1"/>
+          </p:cNvSpPr>
+          <p:nvPr>
+            <p:ph type="sldImg"/>
+          </p:nvPr>
+        </p:nvSpPr>
+        <p:spPr/>
+      </p:sp>
+      <p:sp>
+        <p:nvSpPr>
+          <p:cNvPr id="3" name="Segnaposto note 2"/>
+          <p:cNvSpPr>
+            <a:spLocks noGrp="1"/>
+          </p:cNvSpPr>
+          <p:nvPr>
+            <p:ph type="body" idx="1"/>
+          </p:nvPr>
+        </p:nvSpPr>
+        <p:spPr/>
+        <p:txBody>
+          <a:bodyPr/>
+          <a:lstStyle/>
+          <a:p>
+            <a:pPr marL="0" marR="0" lvl="0" indent="0" algn="l" defTabSz="914400" rtl="0" eaLnBrk="1" fontAlgn="auto" latinLnBrk="0" hangingPunct="1">
+              <a:lnSpc>
+                <a:spcPct val="100000"/>
+              </a:lnSpc>
+              <a:spcBef>
+                <a:spcPts val="0"/>
+              </a:spcBef>
+              <a:spcAft>
+                <a:spcPts val="0"/>
+              </a:spcAft>
+              <a:buClrTx/>
+              <a:buSzTx/>
+              <a:buFontTx/>
+              <a:buNone/>
+              <a:tabLst/>
+              <a:defRPr/>
+            </a:pPr>
+            <a:r>
+              <a:rPr lang="en-GB" dirty="0"/>
+              <a:t>Even if the Bots send requests continuously, the Server is always able to respond, because it opens a new thread for each request, so the server does not stop even if it is bombarded with requests</a:t>
+            </a:r>
+            <a:endParaRPr lang="it-IT" dirty="0"/>
+          </a:p>
+          <a:p>
+            <a:endParaRPr lang="en-GB" dirty="0"/>
+          </a:p>
+        </p:txBody>
+      </p:sp>
+      <p:sp>
+        <p:nvSpPr>
+          <p:cNvPr id="4" name="Segnaposto numero diapositiva 3"/>
+          <p:cNvSpPr>
+            <a:spLocks noGrp="1"/>
+          </p:cNvSpPr>
+          <p:nvPr>
+            <p:ph type="sldNum" sz="quarter" idx="5"/>
+          </p:nvPr>
+        </p:nvSpPr>
+        <p:spPr/>
+        <p:txBody>
+          <a:bodyPr/>
+          <a:lstStyle/>
+          <a:p>
+            <a:fld id="{15114317-084B-44FB-95E2-F74F7746A8DF}" type="slidenum">
+              <a:rPr lang="en-GB" smtClean="0"/>
+              <a:t>16</a:t>
+            </a:fld>
+            <a:endParaRPr lang="en-GB"/>
+          </a:p>
+        </p:txBody>
+      </p:sp>
+    </p:spTree>
+    <p:extLst>
+      <p:ext uri="{BB962C8B-B14F-4D97-AF65-F5344CB8AC3E}">
+        <p14:creationId xmlns:p14="http://schemas.microsoft.com/office/powerpoint/2010/main" val="2355205322"/>
+      </p:ext>
+    </p:extLst>
+  </p:cSld>
+  <p:clrMapOvr>
+    <a:masterClrMapping/>
+  </p:clrMapOvr>
+</p:notes>
+</file>
+
+<file path=ppt/notesSlides/notesSlide12.xml><?xml version="1.0" encoding="utf-8"?>
+<p:notes xmlns:a="http://schemas.openxmlformats.org/drawingml/2006/main" xmlns:r="http://schemas.openxmlformats.org/officeDocument/2006/relationships" xmlns:p="http://schemas.openxmlformats.org/presentationml/2006/main">
+  <p:cSld>
+    <p:spTree>
+      <p:nvGrpSpPr>
+        <p:cNvPr id="1" name=""/>
+        <p:cNvGrpSpPr/>
+        <p:nvPr/>
+      </p:nvGrpSpPr>
+      <p:grpSpPr>
+        <a:xfrm>
+          <a:off x="0" y="0"/>
+          <a:ext cx="0" cy="0"/>
+          <a:chOff x="0" y="0"/>
+          <a:chExt cx="0" cy="0"/>
+        </a:xfrm>
+      </p:grpSpPr>
+      <p:sp>
+        <p:nvSpPr>
+          <p:cNvPr id="2" name="Segnaposto immagine diapositiva 1"/>
+          <p:cNvSpPr>
+            <a:spLocks noGrp="1" noRot="1" noChangeAspect="1"/>
+          </p:cNvSpPr>
+          <p:nvPr>
+            <p:ph type="sldImg"/>
+          </p:nvPr>
+        </p:nvSpPr>
+        <p:spPr/>
+      </p:sp>
+      <p:sp>
+        <p:nvSpPr>
+          <p:cNvPr id="3" name="Segnaposto note 2"/>
+          <p:cNvSpPr>
+            <a:spLocks noGrp="1"/>
+          </p:cNvSpPr>
+          <p:nvPr>
+            <p:ph type="body" idx="1"/>
+          </p:nvPr>
+        </p:nvSpPr>
+        <p:spPr/>
+        <p:txBody>
+          <a:bodyPr/>
+          <a:lstStyle/>
+          <a:p>
+            <a:pPr marL="0" marR="0" lvl="0" indent="0" algn="l" defTabSz="914400" rtl="0" eaLnBrk="1" fontAlgn="auto" latinLnBrk="0" hangingPunct="1">
+              <a:lnSpc>
+                <a:spcPct val="100000"/>
+              </a:lnSpc>
+              <a:spcBef>
+                <a:spcPts val="0"/>
+              </a:spcBef>
+              <a:spcAft>
+                <a:spcPts val="0"/>
+              </a:spcAft>
+              <a:buClrTx/>
+              <a:buSzTx/>
+              <a:buFontTx/>
+              <a:buNone/>
+              <a:tabLst/>
+              <a:defRPr/>
+            </a:pPr>
+            <a:r>
+              <a:rPr lang="en-GB" dirty="0"/>
+              <a:t>Even if the Bots send requests continuously, the Server is always able to respond, because it opens a new thread for each request, so the server does not stop even if it is bombarded with requests</a:t>
+            </a:r>
+            <a:endParaRPr lang="it-IT" dirty="0"/>
+          </a:p>
+          <a:p>
+            <a:endParaRPr lang="en-GB" dirty="0"/>
+          </a:p>
+        </p:txBody>
+      </p:sp>
+      <p:sp>
+        <p:nvSpPr>
+          <p:cNvPr id="4" name="Segnaposto numero diapositiva 3"/>
+          <p:cNvSpPr>
+            <a:spLocks noGrp="1"/>
+          </p:cNvSpPr>
+          <p:nvPr>
+            <p:ph type="sldNum" sz="quarter" idx="5"/>
+          </p:nvPr>
+        </p:nvSpPr>
+        <p:spPr/>
+        <p:txBody>
+          <a:bodyPr/>
+          <a:lstStyle/>
+          <a:p>
+            <a:fld id="{15114317-084B-44FB-95E2-F74F7746A8DF}" type="slidenum">
+              <a:rPr lang="en-GB" smtClean="0"/>
+              <a:t>17</a:t>
+            </a:fld>
+            <a:endParaRPr lang="en-GB"/>
+          </a:p>
+        </p:txBody>
+      </p:sp>
+    </p:spTree>
+    <p:extLst>
+      <p:ext uri="{BB962C8B-B14F-4D97-AF65-F5344CB8AC3E}">
+        <p14:creationId xmlns:p14="http://schemas.microsoft.com/office/powerpoint/2010/main" val="3059828949"/>
+      </p:ext>
+    </p:extLst>
+  </p:cSld>
+  <p:clrMapOvr>
+    <a:masterClrMapping/>
+  </p:clrMapOvr>
+</p:notes>
+</file>
+
 <file path=ppt/notesSlides/notesSlide2.xml><?xml version="1.0" encoding="utf-8"?>
 <p:notes xmlns:a="http://schemas.openxmlformats.org/drawingml/2006/main" xmlns:r="http://schemas.openxmlformats.org/officeDocument/2006/relationships" xmlns:p="http://schemas.openxmlformats.org/presentationml/2006/main">
   <p:cSld>
@@ -1301,6 +1629,222 @@
     <p:extLst>
       <p:ext uri="{BB962C8B-B14F-4D97-AF65-F5344CB8AC3E}">
         <p14:creationId xmlns:p14="http://schemas.microsoft.com/office/powerpoint/2010/main" val="3244972490"/>
+      </p:ext>
+    </p:extLst>
+  </p:cSld>
+  <p:clrMapOvr>
+    <a:masterClrMapping/>
+  </p:clrMapOvr>
+</p:notes>
+</file>
+
+<file path=ppt/notesSlides/notesSlide8.xml><?xml version="1.0" encoding="utf-8"?>
+<p:notes xmlns:a="http://schemas.openxmlformats.org/drawingml/2006/main" xmlns:r="http://schemas.openxmlformats.org/officeDocument/2006/relationships" xmlns:p="http://schemas.openxmlformats.org/presentationml/2006/main">
+  <p:cSld>
+    <p:spTree>
+      <p:nvGrpSpPr>
+        <p:cNvPr id="1" name=""/>
+        <p:cNvGrpSpPr/>
+        <p:nvPr/>
+      </p:nvGrpSpPr>
+      <p:grpSpPr>
+        <a:xfrm>
+          <a:off x="0" y="0"/>
+          <a:ext cx="0" cy="0"/>
+          <a:chOff x="0" y="0"/>
+          <a:chExt cx="0" cy="0"/>
+        </a:xfrm>
+      </p:grpSpPr>
+      <p:sp>
+        <p:nvSpPr>
+          <p:cNvPr id="2" name="Segnaposto immagine diapositiva 1"/>
+          <p:cNvSpPr>
+            <a:spLocks noGrp="1" noRot="1" noChangeAspect="1"/>
+          </p:cNvSpPr>
+          <p:nvPr>
+            <p:ph type="sldImg"/>
+          </p:nvPr>
+        </p:nvSpPr>
+        <p:spPr/>
+      </p:sp>
+      <p:sp>
+        <p:nvSpPr>
+          <p:cNvPr id="3" name="Segnaposto note 2"/>
+          <p:cNvSpPr>
+            <a:spLocks noGrp="1"/>
+          </p:cNvSpPr>
+          <p:nvPr>
+            <p:ph type="body" idx="1"/>
+          </p:nvPr>
+        </p:nvSpPr>
+        <p:spPr/>
+        <p:txBody>
+          <a:bodyPr/>
+          <a:lstStyle/>
+          <a:p>
+            <a:pPr marL="0" marR="0" lvl="0" indent="0" algn="l" defTabSz="914400" rtl="0" eaLnBrk="1" fontAlgn="auto" latinLnBrk="0" hangingPunct="1">
+              <a:lnSpc>
+                <a:spcPct val="100000"/>
+              </a:lnSpc>
+              <a:spcBef>
+                <a:spcPts val="0"/>
+              </a:spcBef>
+              <a:spcAft>
+                <a:spcPts val="0"/>
+              </a:spcAft>
+              <a:buClrTx/>
+              <a:buSzTx/>
+              <a:buFontTx/>
+              <a:buNone/>
+              <a:tabLst/>
+              <a:defRPr/>
+            </a:pPr>
+            <a:r>
+              <a:rPr lang="en-GB" dirty="0"/>
+              <a:t>Even if the Bots send requests continuously, the Server is always able to respond, because it opens a new thread for each request, so the server does not stop even if it is bombarded with requests</a:t>
+            </a:r>
+            <a:endParaRPr lang="it-IT" dirty="0"/>
+          </a:p>
+          <a:p>
+            <a:endParaRPr lang="en-GB" dirty="0"/>
+          </a:p>
+        </p:txBody>
+      </p:sp>
+      <p:sp>
+        <p:nvSpPr>
+          <p:cNvPr id="4" name="Segnaposto numero diapositiva 3"/>
+          <p:cNvSpPr>
+            <a:spLocks noGrp="1"/>
+          </p:cNvSpPr>
+          <p:nvPr>
+            <p:ph type="sldNum" sz="quarter" idx="5"/>
+          </p:nvPr>
+        </p:nvSpPr>
+        <p:spPr/>
+        <p:txBody>
+          <a:bodyPr/>
+          <a:lstStyle/>
+          <a:p>
+            <a:fld id="{15114317-084B-44FB-95E2-F74F7746A8DF}" type="slidenum">
+              <a:rPr lang="en-GB" smtClean="0"/>
+              <a:t>13</a:t>
+            </a:fld>
+            <a:endParaRPr lang="en-GB"/>
+          </a:p>
+        </p:txBody>
+      </p:sp>
+    </p:spTree>
+    <p:extLst>
+      <p:ext uri="{BB962C8B-B14F-4D97-AF65-F5344CB8AC3E}">
+        <p14:creationId xmlns:p14="http://schemas.microsoft.com/office/powerpoint/2010/main" val="3853835990"/>
+      </p:ext>
+    </p:extLst>
+  </p:cSld>
+  <p:clrMapOvr>
+    <a:masterClrMapping/>
+  </p:clrMapOvr>
+</p:notes>
+</file>
+
+<file path=ppt/notesSlides/notesSlide9.xml><?xml version="1.0" encoding="utf-8"?>
+<p:notes xmlns:a="http://schemas.openxmlformats.org/drawingml/2006/main" xmlns:r="http://schemas.openxmlformats.org/officeDocument/2006/relationships" xmlns:p="http://schemas.openxmlformats.org/presentationml/2006/main">
+  <p:cSld>
+    <p:spTree>
+      <p:nvGrpSpPr>
+        <p:cNvPr id="1" name=""/>
+        <p:cNvGrpSpPr/>
+        <p:nvPr/>
+      </p:nvGrpSpPr>
+      <p:grpSpPr>
+        <a:xfrm>
+          <a:off x="0" y="0"/>
+          <a:ext cx="0" cy="0"/>
+          <a:chOff x="0" y="0"/>
+          <a:chExt cx="0" cy="0"/>
+        </a:xfrm>
+      </p:grpSpPr>
+      <p:sp>
+        <p:nvSpPr>
+          <p:cNvPr id="2" name="Segnaposto immagine diapositiva 1"/>
+          <p:cNvSpPr>
+            <a:spLocks noGrp="1" noRot="1" noChangeAspect="1"/>
+          </p:cNvSpPr>
+          <p:nvPr>
+            <p:ph type="sldImg"/>
+          </p:nvPr>
+        </p:nvSpPr>
+        <p:spPr/>
+      </p:sp>
+      <p:sp>
+        <p:nvSpPr>
+          <p:cNvPr id="3" name="Segnaposto note 2"/>
+          <p:cNvSpPr>
+            <a:spLocks noGrp="1"/>
+          </p:cNvSpPr>
+          <p:nvPr>
+            <p:ph type="body" idx="1"/>
+          </p:nvPr>
+        </p:nvSpPr>
+        <p:spPr/>
+        <p:txBody>
+          <a:bodyPr/>
+          <a:lstStyle/>
+          <a:p>
+            <a:pPr marL="0" marR="0" lvl="0" indent="0" algn="l" defTabSz="914400" rtl="0" eaLnBrk="1" fontAlgn="auto" latinLnBrk="0" hangingPunct="1">
+              <a:lnSpc>
+                <a:spcPct val="100000"/>
+              </a:lnSpc>
+              <a:spcBef>
+                <a:spcPts val="0"/>
+              </a:spcBef>
+              <a:spcAft>
+                <a:spcPts val="0"/>
+              </a:spcAft>
+              <a:buClrTx/>
+              <a:buSzTx/>
+              <a:buFontTx/>
+              <a:buNone/>
+              <a:tabLst/>
+              <a:defRPr/>
+            </a:pPr>
+            <a:r>
+              <a:rPr lang="en-GB" dirty="0"/>
+              <a:t>Even if the Bots send requests continuously, the Server is always able to respond, because it opens a new thread for each request, so the server does not stop even if it is bombarded with requests</a:t>
+            </a:r>
+            <a:endParaRPr lang="it-IT" dirty="0"/>
+          </a:p>
+          <a:p>
+            <a:endParaRPr lang="en-GB" dirty="0"/>
+          </a:p>
+        </p:txBody>
+      </p:sp>
+      <p:sp>
+        <p:nvSpPr>
+          <p:cNvPr id="4" name="Segnaposto numero diapositiva 3"/>
+          <p:cNvSpPr>
+            <a:spLocks noGrp="1"/>
+          </p:cNvSpPr>
+          <p:nvPr>
+            <p:ph type="sldNum" sz="quarter" idx="5"/>
+          </p:nvPr>
+        </p:nvSpPr>
+        <p:spPr/>
+        <p:txBody>
+          <a:bodyPr/>
+          <a:lstStyle/>
+          <a:p>
+            <a:fld id="{15114317-084B-44FB-95E2-F74F7746A8DF}" type="slidenum">
+              <a:rPr lang="en-GB" smtClean="0"/>
+              <a:t>14</a:t>
+            </a:fld>
+            <a:endParaRPr lang="en-GB"/>
+          </a:p>
+        </p:txBody>
+      </p:sp>
+    </p:spTree>
+    <p:extLst>
+      <p:ext uri="{BB962C8B-B14F-4D97-AF65-F5344CB8AC3E}">
+        <p14:creationId xmlns:p14="http://schemas.microsoft.com/office/powerpoint/2010/main" val="600231459"/>
       </p:ext>
     </p:extLst>
   </p:cSld>
@@ -1459,7 +2003,7 @@
           <a:p>
             <a:fld id="{144F7E4B-DE20-473D-AB1D-E55B028D2B82}" type="datetime1">
               <a:rPr lang="en-GB" smtClean="0"/>
-              <a:t>22/01/2019</a:t>
+              <a:t>24/01/2019</a:t>
             </a:fld>
             <a:endParaRPr lang="en-GB"/>
           </a:p>
@@ -1663,7 +2207,7 @@
           <a:p>
             <a:fld id="{5EF5E582-83CD-4B5D-93A5-3EE70CBA785D}" type="datetime1">
               <a:rPr lang="en-GB" smtClean="0"/>
-              <a:t>22/01/2019</a:t>
+              <a:t>24/01/2019</a:t>
             </a:fld>
             <a:endParaRPr lang="en-GB"/>
           </a:p>
@@ -1877,7 +2421,7 @@
           <a:p>
             <a:fld id="{9BDD35A3-C59F-4EE5-AD24-E668C12CE372}" type="datetime1">
               <a:rPr lang="en-GB" smtClean="0"/>
-              <a:t>22/01/2019</a:t>
+              <a:t>24/01/2019</a:t>
             </a:fld>
             <a:endParaRPr lang="en-GB"/>
           </a:p>
@@ -2081,7 +2625,7 @@
           <a:p>
             <a:fld id="{A6F8E820-4D09-4884-A162-6CE29A96B170}" type="datetime1">
               <a:rPr lang="en-GB" smtClean="0"/>
-              <a:t>22/01/2019</a:t>
+              <a:t>24/01/2019</a:t>
             </a:fld>
             <a:endParaRPr lang="en-GB"/>
           </a:p>
@@ -2361,7 +2905,7 @@
           <a:p>
             <a:fld id="{5D05A4AA-0914-4B1F-88E3-9415A6274E09}" type="datetime1">
               <a:rPr lang="en-GB" smtClean="0"/>
-              <a:t>22/01/2019</a:t>
+              <a:t>24/01/2019</a:t>
             </a:fld>
             <a:endParaRPr lang="en-GB"/>
           </a:p>
@@ -2633,7 +3177,7 @@
           <a:p>
             <a:fld id="{6A2CF0AD-B45F-40C1-B1FF-A739A7554DF9}" type="datetime1">
               <a:rPr lang="en-GB" smtClean="0"/>
-              <a:t>22/01/2019</a:t>
+              <a:t>24/01/2019</a:t>
             </a:fld>
             <a:endParaRPr lang="en-GB"/>
           </a:p>
@@ -3052,7 +3596,7 @@
           <a:p>
             <a:fld id="{3E087565-DE12-408E-9747-F41F38EDB236}" type="datetime1">
               <a:rPr lang="en-GB" smtClean="0"/>
-              <a:t>22/01/2019</a:t>
+              <a:t>24/01/2019</a:t>
             </a:fld>
             <a:endParaRPr lang="en-GB"/>
           </a:p>
@@ -3198,7 +3742,7 @@
           <a:p>
             <a:fld id="{CBC1C182-3B38-4198-AA69-8B60B91A400A}" type="datetime1">
               <a:rPr lang="en-GB" smtClean="0"/>
-              <a:t>22/01/2019</a:t>
+              <a:t>24/01/2019</a:t>
             </a:fld>
             <a:endParaRPr lang="en-GB"/>
           </a:p>
@@ -3315,7 +3859,7 @@
           <a:p>
             <a:fld id="{5BF3AFCF-F646-465F-92EC-2785C2E056CD}" type="datetime1">
               <a:rPr lang="en-GB" smtClean="0"/>
-              <a:t>22/01/2019</a:t>
+              <a:t>24/01/2019</a:t>
             </a:fld>
             <a:endParaRPr lang="en-GB"/>
           </a:p>
@@ -3632,7 +4176,7 @@
           <a:p>
             <a:fld id="{9A8F7003-99C8-481C-A4CD-B3BB91C2A8F7}" type="datetime1">
               <a:rPr lang="en-GB" smtClean="0"/>
-              <a:t>22/01/2019</a:t>
+              <a:t>24/01/2019</a:t>
             </a:fld>
             <a:endParaRPr lang="en-GB"/>
           </a:p>
@@ -3925,7 +4469,7 @@
           <a:p>
             <a:fld id="{E0584EEC-4656-48D7-8A48-D261D57F7554}" type="datetime1">
               <a:rPr lang="en-GB" smtClean="0"/>
-              <a:t>22/01/2019</a:t>
+              <a:t>24/01/2019</a:t>
             </a:fld>
             <a:endParaRPr lang="en-GB"/>
           </a:p>
@@ -4172,7 +4716,7 @@
           <a:p>
             <a:fld id="{08A3035C-570A-4995-B50D-9FFDAF4A1C50}" type="datetime1">
               <a:rPr lang="en-GB" smtClean="0"/>
-              <a:t>22/01/2019</a:t>
+              <a:t>24/01/2019</a:t>
             </a:fld>
             <a:endParaRPr lang="en-GB"/>
           </a:p>
@@ -6101,6 +6645,14 @@
 <file path=ppt/slides/slide12.xml><?xml version="1.0" encoding="utf-8"?>
 <p:sld xmlns:a="http://schemas.openxmlformats.org/drawingml/2006/main" xmlns:r="http://schemas.openxmlformats.org/officeDocument/2006/relationships" xmlns:p="http://schemas.openxmlformats.org/presentationml/2006/main">
   <p:cSld>
+    <p:bg>
+      <p:bgPr>
+        <a:solidFill>
+          <a:schemeClr val="bg1"/>
+        </a:solidFill>
+        <a:effectLst/>
+      </p:bgPr>
+    </p:bg>
     <p:spTree>
       <p:nvGrpSpPr>
         <p:cNvPr id="1" name=""/>
@@ -6117,98 +6669,64 @@
       </p:grpSpPr>
       <p:sp>
         <p:nvSpPr>
-          <p:cNvPr id="2" name="Titolo 1">
+          <p:cNvPr id="12" name="Flowchart: Document 11">
             <a:extLst>
               <a:ext uri="{FF2B5EF4-FFF2-40B4-BE49-F238E27FC236}">
-                <a16:creationId xmlns:a16="http://schemas.microsoft.com/office/drawing/2014/main" id="{9230EBA8-4C20-412A-8D49-CAB1A0E0D737}"/>
+                <a16:creationId xmlns:a16="http://schemas.microsoft.com/office/drawing/2014/main" id="{D12DDE76-C203-4047-9998-63900085B5E8}"/>
+              </a:ext>
+              <a:ext uri="{C183D7F6-B498-43B3-948B-1728B52AA6E4}">
+                <adec:decorative xmlns:adec="http://schemas.microsoft.com/office/drawing/2017/decorative" val="1"/>
               </a:ext>
             </a:extLst>
           </p:cNvPr>
           <p:cNvSpPr>
-            <a:spLocks noGrp="1"/>
-          </p:cNvSpPr>
-          <p:nvPr>
-            <p:ph type="title"/>
-          </p:nvPr>
-        </p:nvSpPr>
-        <p:spPr/>
-        <p:txBody>
-          <a:bodyPr/>
+            <a:spLocks noGrp="1" noRot="1" noChangeAspect="1" noMove="1" noResize="1" noEditPoints="1" noAdjustHandles="1" noChangeArrowheads="1" noChangeShapeType="1" noTextEdit="1"/>
+          </p:cNvSpPr>
+          <p:nvPr>
+            <p:extLst>
+              <p:ext uri="{386F3935-93C4-4BCD-93E2-E3B085C9AB24}">
+                <p16:designElem xmlns:p16="http://schemas.microsoft.com/office/powerpoint/2015/main" val="1"/>
+              </p:ext>
+            </p:extLst>
+          </p:nvPr>
+        </p:nvSpPr>
+        <p:spPr>
+          <a:xfrm>
+            <a:off x="638175" y="0"/>
+            <a:ext cx="3248025" cy="3400426"/>
+          </a:xfrm>
+          <a:prstGeom prst="flowChartDocument">
+            <a:avLst/>
+          </a:prstGeom>
+          <a:solidFill>
+            <a:srgbClr val="665453"/>
+          </a:solidFill>
+          <a:ln>
+            <a:noFill/>
+          </a:ln>
+        </p:spPr>
+        <p:style>
+          <a:lnRef idx="2">
+            <a:schemeClr val="accent1">
+              <a:shade val="50000"/>
+            </a:schemeClr>
+          </a:lnRef>
+          <a:fillRef idx="1">
+            <a:schemeClr val="accent1"/>
+          </a:fillRef>
+          <a:effectRef idx="0">
+            <a:schemeClr val="accent1"/>
+          </a:effectRef>
+          <a:fontRef idx="minor">
+            <a:schemeClr val="lt1"/>
+          </a:fontRef>
+        </p:style>
+        <p:txBody>
+          <a:bodyPr rtlCol="0" anchor="ctr"/>
           <a:lstStyle/>
           <a:p>
-            <a:r>
-              <a:rPr lang="it-IT" dirty="0">
-                <a:solidFill>
-                  <a:schemeClr val="tx2"/>
-                </a:solidFill>
-                <a:latin typeface="+mn-lt"/>
-              </a:rPr>
-              <a:t>TESTING SYSTEM</a:t>
-            </a:r>
-            <a:endParaRPr lang="en-GB" dirty="0">
-              <a:solidFill>
-                <a:schemeClr val="tx2"/>
-              </a:solidFill>
-              <a:latin typeface="+mn-lt"/>
-            </a:endParaRPr>
-          </a:p>
-        </p:txBody>
-      </p:sp>
-      <p:sp>
-        <p:nvSpPr>
-          <p:cNvPr id="6" name="Segnaposto piè di pagina 5">
-            <a:extLst>
-              <a:ext uri="{FF2B5EF4-FFF2-40B4-BE49-F238E27FC236}">
-                <a16:creationId xmlns:a16="http://schemas.microsoft.com/office/drawing/2014/main" id="{6B127EFB-4BCA-414B-9598-8EAEE6C6008C}"/>
-              </a:ext>
-            </a:extLst>
-          </p:cNvPr>
-          <p:cNvSpPr>
-            <a:spLocks noGrp="1"/>
-          </p:cNvSpPr>
-          <p:nvPr>
-            <p:ph type="ftr" sz="quarter" idx="11"/>
-          </p:nvPr>
-        </p:nvSpPr>
-        <p:spPr/>
-        <p:txBody>
-          <a:bodyPr/>
-          <a:lstStyle/>
-          <a:p>
-            <a:r>
-              <a:rPr lang="it-IT"/>
-              <a:t>A. Le Caldare, E. Sassu, E. Scarselli</a:t>
-            </a:r>
-            <a:endParaRPr lang="en-GB"/>
-          </a:p>
-        </p:txBody>
-      </p:sp>
-      <p:sp>
-        <p:nvSpPr>
-          <p:cNvPr id="7" name="Segnaposto numero diapositiva 6">
-            <a:extLst>
-              <a:ext uri="{FF2B5EF4-FFF2-40B4-BE49-F238E27FC236}">
-                <a16:creationId xmlns:a16="http://schemas.microsoft.com/office/drawing/2014/main" id="{A85974FC-8904-43F2-A4EC-EAA5CF6A5B4F}"/>
-              </a:ext>
-            </a:extLst>
-          </p:cNvPr>
-          <p:cNvSpPr>
-            <a:spLocks noGrp="1"/>
-          </p:cNvSpPr>
-          <p:nvPr>
-            <p:ph type="sldNum" sz="quarter" idx="12"/>
-          </p:nvPr>
-        </p:nvSpPr>
-        <p:spPr/>
-        <p:txBody>
-          <a:bodyPr/>
-          <a:lstStyle/>
-          <a:p>
-            <a:fld id="{5BB7E168-F539-4513-AD44-F276B24E7DDF}" type="slidenum">
-              <a:rPr lang="en-GB" smtClean="0"/>
-              <a:t>12</a:t>
-            </a:fld>
-            <a:endParaRPr lang="en-GB"/>
+            <a:pPr algn="ctr"/>
+            <a:endParaRPr lang="en-US"/>
           </a:p>
         </p:txBody>
       </p:sp>
@@ -6240,14 +6758,236 @@
         </p:blipFill>
         <p:spPr>
           <a:xfrm>
-            <a:off x="2298097" y="1561170"/>
-            <a:ext cx="6857054" cy="4771929"/>
+            <a:off x="4207933" y="876219"/>
+            <a:ext cx="7347537" cy="5106538"/>
           </a:xfrm>
           <a:prstGeom prst="rect">
             <a:avLst/>
           </a:prstGeom>
         </p:spPr>
       </p:pic>
+      <p:sp>
+        <p:nvSpPr>
+          <p:cNvPr id="6" name="Segnaposto piè di pagina 5">
+            <a:extLst>
+              <a:ext uri="{FF2B5EF4-FFF2-40B4-BE49-F238E27FC236}">
+                <a16:creationId xmlns:a16="http://schemas.microsoft.com/office/drawing/2014/main" id="{6B127EFB-4BCA-414B-9598-8EAEE6C6008C}"/>
+              </a:ext>
+            </a:extLst>
+          </p:cNvPr>
+          <p:cNvSpPr>
+            <a:spLocks noGrp="1"/>
+          </p:cNvSpPr>
+          <p:nvPr>
+            <p:ph type="ftr" sz="quarter" idx="11"/>
+          </p:nvPr>
+        </p:nvSpPr>
+        <p:spPr>
+          <a:xfrm>
+            <a:off x="838200" y="6356350"/>
+            <a:ext cx="5960951" cy="365125"/>
+          </a:xfrm>
+          <a:noFill/>
+        </p:spPr>
+        <p:txBody>
+          <a:bodyPr vert="horz" lIns="91440" tIns="45720" rIns="91440" bIns="45720" rtlCol="0" anchor="ctr">
+            <a:normAutofit/>
+          </a:bodyPr>
+          <a:lstStyle/>
+          <a:p>
+            <a:pPr algn="l">
+              <a:spcAft>
+                <a:spcPts val="600"/>
+              </a:spcAft>
+            </a:pPr>
+            <a:r>
+              <a:rPr lang="en-US" kern="1200">
+                <a:solidFill>
+                  <a:schemeClr val="tx1">
+                    <a:tint val="75000"/>
+                  </a:schemeClr>
+                </a:solidFill>
+                <a:latin typeface="+mn-lt"/>
+                <a:ea typeface="+mn-ea"/>
+                <a:cs typeface="+mn-cs"/>
+              </a:rPr>
+              <a:t>A. Le Caldare, E. Sassu, E. Scarselli</a:t>
+            </a:r>
+          </a:p>
+        </p:txBody>
+      </p:sp>
+      <p:sp>
+        <p:nvSpPr>
+          <p:cNvPr id="7" name="Segnaposto numero diapositiva 6">
+            <a:extLst>
+              <a:ext uri="{FF2B5EF4-FFF2-40B4-BE49-F238E27FC236}">
+                <a16:creationId xmlns:a16="http://schemas.microsoft.com/office/drawing/2014/main" id="{A85974FC-8904-43F2-A4EC-EAA5CF6A5B4F}"/>
+              </a:ext>
+            </a:extLst>
+          </p:cNvPr>
+          <p:cNvSpPr>
+            <a:spLocks noGrp="1"/>
+          </p:cNvSpPr>
+          <p:nvPr>
+            <p:ph type="sldNum" sz="quarter" idx="12"/>
+          </p:nvPr>
+        </p:nvSpPr>
+        <p:spPr>
+          <a:xfrm>
+            <a:off x="10926476" y="6356350"/>
+            <a:ext cx="625443" cy="365125"/>
+          </a:xfrm>
+          <a:noFill/>
+        </p:spPr>
+        <p:txBody>
+          <a:bodyPr vert="horz" lIns="91440" tIns="45720" rIns="91440" bIns="45720" rtlCol="0" anchor="ctr">
+            <a:normAutofit/>
+          </a:bodyPr>
+          <a:lstStyle/>
+          <a:p>
+            <a:pPr algn="l">
+              <a:spcAft>
+                <a:spcPts val="600"/>
+              </a:spcAft>
+            </a:pPr>
+            <a:fld id="{5BB7E168-F539-4513-AD44-F276B24E7DDF}" type="slidenum">
+              <a:rPr lang="en-US" smtClean="0"/>
+              <a:pPr algn="l">
+                <a:spcAft>
+                  <a:spcPts val="600"/>
+                </a:spcAft>
+              </a:pPr>
+              <a:t>12</a:t>
+            </a:fld>
+            <a:endParaRPr lang="en-US"/>
+          </a:p>
+        </p:txBody>
+      </p:sp>
+      <p:sp>
+        <p:nvSpPr>
+          <p:cNvPr id="3" name="Documento 2">
+            <a:extLst>
+              <a:ext uri="{FF2B5EF4-FFF2-40B4-BE49-F238E27FC236}">
+                <a16:creationId xmlns:a16="http://schemas.microsoft.com/office/drawing/2014/main" id="{34296573-DA25-4154-B2A0-EC503C6C7DB9}"/>
+              </a:ext>
+            </a:extLst>
+          </p:cNvPr>
+          <p:cNvSpPr/>
+          <p:nvPr/>
+        </p:nvSpPr>
+        <p:spPr>
+          <a:xfrm>
+            <a:off x="636530" y="0"/>
+            <a:ext cx="3248025" cy="3400426"/>
+          </a:xfrm>
+          <a:prstGeom prst="flowChartDocument">
+            <a:avLst/>
+          </a:prstGeom>
+          <a:solidFill>
+            <a:schemeClr val="tx2"/>
+          </a:solidFill>
+        </p:spPr>
+        <p:style>
+          <a:lnRef idx="2">
+            <a:schemeClr val="accent1">
+              <a:shade val="50000"/>
+            </a:schemeClr>
+          </a:lnRef>
+          <a:fillRef idx="1">
+            <a:schemeClr val="accent1"/>
+          </a:fillRef>
+          <a:effectRef idx="0">
+            <a:schemeClr val="accent1"/>
+          </a:effectRef>
+          <a:fontRef idx="minor">
+            <a:schemeClr val="lt1"/>
+          </a:fontRef>
+        </p:style>
+        <p:txBody>
+          <a:bodyPr rtlCol="0" anchor="ctr"/>
+          <a:lstStyle/>
+          <a:p>
+            <a:pPr algn="ctr"/>
+            <a:endParaRPr lang="en-GB">
+              <a:solidFill>
+                <a:schemeClr val="tx2"/>
+              </a:solidFill>
+            </a:endParaRPr>
+          </a:p>
+        </p:txBody>
+      </p:sp>
+      <p:sp>
+        <p:nvSpPr>
+          <p:cNvPr id="2" name="Titolo 1">
+            <a:extLst>
+              <a:ext uri="{FF2B5EF4-FFF2-40B4-BE49-F238E27FC236}">
+                <a16:creationId xmlns:a16="http://schemas.microsoft.com/office/drawing/2014/main" id="{9230EBA8-4C20-412A-8D49-CAB1A0E0D737}"/>
+              </a:ext>
+            </a:extLst>
+          </p:cNvPr>
+          <p:cNvSpPr>
+            <a:spLocks noGrp="1"/>
+          </p:cNvSpPr>
+          <p:nvPr>
+            <p:ph type="title"/>
+          </p:nvPr>
+        </p:nvSpPr>
+        <p:spPr>
+          <a:xfrm>
+            <a:off x="1366106" y="136525"/>
+            <a:ext cx="2018539" cy="2371148"/>
+          </a:xfrm>
+          <a:solidFill>
+            <a:schemeClr val="tx2"/>
+          </a:solidFill>
+          <a:ln>
+            <a:solidFill>
+              <a:schemeClr val="tx2"/>
+            </a:solidFill>
+          </a:ln>
+        </p:spPr>
+        <p:txBody>
+          <a:bodyPr vert="horz" lIns="91440" tIns="45720" rIns="91440" bIns="45720" rtlCol="0" anchor="ctr">
+            <a:normAutofit/>
+          </a:bodyPr>
+          <a:lstStyle/>
+          <a:p>
+            <a:r>
+              <a:rPr lang="en-US" sz="3200" b="1" kern="1200" dirty="0">
+                <a:solidFill>
+                  <a:srgbClr val="FFFFFF"/>
+                </a:solidFill>
+                <a:latin typeface="+mj-lt"/>
+                <a:ea typeface="+mj-ea"/>
+                <a:cs typeface="+mj-cs"/>
+              </a:rPr>
+              <a:t>TESTING</a:t>
+            </a:r>
+            <a:r>
+              <a:rPr lang="en-US" sz="3200" kern="1200" dirty="0">
+                <a:solidFill>
+                  <a:srgbClr val="FFFFFF"/>
+                </a:solidFill>
+                <a:latin typeface="+mj-lt"/>
+                <a:ea typeface="+mj-ea"/>
+                <a:cs typeface="+mj-cs"/>
+              </a:rPr>
+              <a:t> </a:t>
+            </a:r>
+            <a:r>
+              <a:rPr lang="en-US" sz="3200" b="1" kern="1200" dirty="0">
+                <a:solidFill>
+                  <a:srgbClr val="FFFFFF"/>
+                </a:solidFill>
+                <a:latin typeface="+mj-lt"/>
+                <a:ea typeface="+mj-ea"/>
+                <a:cs typeface="+mj-cs"/>
+              </a:rPr>
+              <a:t>SYSTEM</a:t>
+            </a:r>
+          </a:p>
+        </p:txBody>
+      </p:sp>
     </p:spTree>
     <p:extLst>
       <p:ext uri="{BB962C8B-B14F-4D97-AF65-F5344CB8AC3E}">
@@ -6264,6 +7004,14 @@
 <file path=ppt/slides/slide13.xml><?xml version="1.0" encoding="utf-8"?>
 <p:sld xmlns:a="http://schemas.openxmlformats.org/drawingml/2006/main" xmlns:r="http://schemas.openxmlformats.org/officeDocument/2006/relationships" xmlns:p="http://schemas.openxmlformats.org/presentationml/2006/main">
   <p:cSld>
+    <p:bg>
+      <p:bgPr>
+        <a:solidFill>
+          <a:schemeClr val="bg1"/>
+        </a:solidFill>
+        <a:effectLst/>
+      </p:bgPr>
+    </p:bg>
     <p:spTree>
       <p:nvGrpSpPr>
         <p:cNvPr id="1" name=""/>
@@ -6278,6 +7026,4061 @@
           <a:chExt cx="0" cy="0"/>
         </a:xfrm>
       </p:grpSpPr>
+      <p:pic>
+        <p:nvPicPr>
+          <p:cNvPr id="6" name="Immagine 5" descr="Immagine che contiene testo, mappa&#10;&#10;Descrizione generata automaticamente">
+            <a:extLst>
+              <a:ext uri="{FF2B5EF4-FFF2-40B4-BE49-F238E27FC236}">
+                <a16:creationId xmlns:a16="http://schemas.microsoft.com/office/drawing/2014/main" id="{9A0D6532-ACC6-4C0C-A95D-9D4851321469}"/>
+              </a:ext>
+            </a:extLst>
+          </p:cNvPr>
+          <p:cNvPicPr>
+            <a:picLocks noChangeAspect="1"/>
+          </p:cNvPicPr>
+          <p:nvPr/>
+        </p:nvPicPr>
+        <p:blipFill rotWithShape="1">
+          <a:blip r:embed="rId3">
+            <a:extLst>
+              <a:ext uri="{28A0092B-C50C-407E-A947-70E740481C1C}">
+                <a14:useLocalDpi xmlns:a14="http://schemas.microsoft.com/office/drawing/2010/main" val="0"/>
+              </a:ext>
+            </a:extLst>
+          </a:blip>
+          <a:srcRect t="1370" r="1" b="1"/>
+          <a:stretch/>
+        </p:blipFill>
+        <p:spPr>
+          <a:xfrm>
+            <a:off x="1828801" y="201168"/>
+            <a:ext cx="10248331" cy="6599739"/>
+          </a:xfrm>
+          <a:prstGeom prst="rect">
+            <a:avLst/>
+          </a:prstGeom>
+        </p:spPr>
+      </p:pic>
+      <p:sp>
+        <p:nvSpPr>
+          <p:cNvPr id="22" name="Freeform: Shape 18">
+            <a:extLst>
+              <a:ext uri="{FF2B5EF4-FFF2-40B4-BE49-F238E27FC236}">
+                <a16:creationId xmlns:a16="http://schemas.microsoft.com/office/drawing/2014/main" id="{0A17A3F1-0233-4065-85F8-72464D7AAC9C}"/>
+              </a:ext>
+              <a:ext uri="{C183D7F6-B498-43B3-948B-1728B52AA6E4}">
+                <adec:decorative xmlns:adec="http://schemas.microsoft.com/office/drawing/2017/decorative" val="1"/>
+              </a:ext>
+            </a:extLst>
+          </p:cNvPr>
+          <p:cNvSpPr>
+            <a:spLocks noGrp="1" noRot="1" noChangeAspect="1" noMove="1" noResize="1" noEditPoints="1" noAdjustHandles="1" noChangeArrowheads="1" noChangeShapeType="1" noTextEdit="1"/>
+          </p:cNvSpPr>
+          <p:nvPr>
+            <p:extLst>
+              <p:ext uri="{386F3935-93C4-4BCD-93E2-E3B085C9AB24}">
+                <p16:designElem xmlns:p16="http://schemas.microsoft.com/office/powerpoint/2015/main" val="1"/>
+              </p:ext>
+            </p:extLst>
+          </p:nvPr>
+        </p:nvSpPr>
+        <p:spPr>
+          <a:xfrm>
+            <a:off x="0" y="-2008"/>
+            <a:ext cx="5609220" cy="5840278"/>
+          </a:xfrm>
+          <a:custGeom>
+            <a:avLst/>
+            <a:gdLst>
+              <a:gd name="connsiteX0" fmla="*/ 0 w 5609220"/>
+              <a:gd name="connsiteY0" fmla="*/ 0 h 5840278"/>
+              <a:gd name="connsiteX1" fmla="*/ 4637091 w 5609220"/>
+              <a:gd name="connsiteY1" fmla="*/ 0 h 5840278"/>
+              <a:gd name="connsiteX2" fmla="*/ 4822569 w 5609220"/>
+              <a:gd name="connsiteY2" fmla="*/ 204077 h 5840278"/>
+              <a:gd name="connsiteX3" fmla="*/ 5609220 w 5609220"/>
+              <a:gd name="connsiteY3" fmla="*/ 2395363 h 5840278"/>
+              <a:gd name="connsiteX4" fmla="*/ 2164305 w 5609220"/>
+              <a:gd name="connsiteY4" fmla="*/ 5840278 h 5840278"/>
+              <a:gd name="connsiteX5" fmla="*/ 238220 w 5609220"/>
+              <a:gd name="connsiteY5" fmla="*/ 5251941 h 5840278"/>
+              <a:gd name="connsiteX6" fmla="*/ 0 w 5609220"/>
+              <a:gd name="connsiteY6" fmla="*/ 5073803 h 5840278"/>
+            </a:gdLst>
+            <a:ahLst/>
+            <a:cxnLst>
+              <a:cxn ang="0">
+                <a:pos x="connsiteX0" y="connsiteY0"/>
+              </a:cxn>
+              <a:cxn ang="0">
+                <a:pos x="connsiteX1" y="connsiteY1"/>
+              </a:cxn>
+              <a:cxn ang="0">
+                <a:pos x="connsiteX2" y="connsiteY2"/>
+              </a:cxn>
+              <a:cxn ang="0">
+                <a:pos x="connsiteX3" y="connsiteY3"/>
+              </a:cxn>
+              <a:cxn ang="0">
+                <a:pos x="connsiteX4" y="connsiteY4"/>
+              </a:cxn>
+              <a:cxn ang="0">
+                <a:pos x="connsiteX5" y="connsiteY5"/>
+              </a:cxn>
+              <a:cxn ang="0">
+                <a:pos x="connsiteX6" y="connsiteY6"/>
+              </a:cxn>
+            </a:cxnLst>
+            <a:rect l="l" t="t" r="r" b="b"/>
+            <a:pathLst>
+              <a:path w="5609220" h="5840278">
+                <a:moveTo>
+                  <a:pt x="0" y="0"/>
+                </a:moveTo>
+                <a:lnTo>
+                  <a:pt x="4637091" y="0"/>
+                </a:lnTo>
+                <a:lnTo>
+                  <a:pt x="4822569" y="204077"/>
+                </a:lnTo>
+                <a:cubicBezTo>
+                  <a:pt x="5314007" y="799562"/>
+                  <a:pt x="5609220" y="1562987"/>
+                  <a:pt x="5609220" y="2395363"/>
+                </a:cubicBezTo>
+                <a:cubicBezTo>
+                  <a:pt x="5609220" y="4297937"/>
+                  <a:pt x="4066879" y="5840278"/>
+                  <a:pt x="2164305" y="5840278"/>
+                </a:cubicBezTo>
+                <a:cubicBezTo>
+                  <a:pt x="1450840" y="5840278"/>
+                  <a:pt x="788032" y="5623387"/>
+                  <a:pt x="238220" y="5251941"/>
+                </a:cubicBezTo>
+                <a:lnTo>
+                  <a:pt x="0" y="5073803"/>
+                </a:lnTo>
+                <a:close/>
+              </a:path>
+            </a:pathLst>
+          </a:custGeom>
+          <a:solidFill>
+            <a:schemeClr val="bg1">
+              <a:alpha val="50000"/>
+            </a:schemeClr>
+          </a:solidFill>
+          <a:ln>
+            <a:noFill/>
+          </a:ln>
+        </p:spPr>
+        <p:style>
+          <a:lnRef idx="2">
+            <a:schemeClr val="accent1">
+              <a:shade val="50000"/>
+            </a:schemeClr>
+          </a:lnRef>
+          <a:fillRef idx="1">
+            <a:schemeClr val="accent1"/>
+          </a:fillRef>
+          <a:effectRef idx="0">
+            <a:schemeClr val="accent1"/>
+          </a:effectRef>
+          <a:fontRef idx="minor">
+            <a:schemeClr val="lt1"/>
+          </a:fontRef>
+        </p:style>
+        <p:txBody>
+          <a:bodyPr rtlCol="0" anchor="ctr"/>
+          <a:lstStyle/>
+          <a:p>
+            <a:pPr marL="0" marR="0" lvl="0" indent="0" algn="ctr" defTabSz="914400" rtl="0" eaLnBrk="1" fontAlgn="auto" latinLnBrk="0" hangingPunct="1">
+              <a:lnSpc>
+                <a:spcPct val="100000"/>
+              </a:lnSpc>
+              <a:spcBef>
+                <a:spcPts val="0"/>
+              </a:spcBef>
+              <a:spcAft>
+                <a:spcPts val="0"/>
+              </a:spcAft>
+              <a:buClrTx/>
+              <a:buSzTx/>
+              <a:buFontTx/>
+              <a:buNone/>
+              <a:tabLst/>
+              <a:defRPr/>
+            </a:pPr>
+            <a:endParaRPr kumimoji="0" lang="en-US" sz="1800" b="0" i="0" u="none" strike="noStrike" kern="1200" cap="none" spc="0" normalizeH="0" baseline="0" noProof="0">
+              <a:ln>
+                <a:noFill/>
+              </a:ln>
+              <a:solidFill>
+                <a:prstClr val="white"/>
+              </a:solidFill>
+              <a:effectLst/>
+              <a:uLnTx/>
+              <a:uFillTx/>
+              <a:latin typeface="Calibri" panose="020F0502020204030204"/>
+              <a:ea typeface="+mn-ea"/>
+              <a:cs typeface="+mn-cs"/>
+            </a:endParaRPr>
+          </a:p>
+        </p:txBody>
+      </p:sp>
+      <p:sp>
+        <p:nvSpPr>
+          <p:cNvPr id="23" name="Freeform: Shape 20">
+            <a:extLst>
+              <a:ext uri="{FF2B5EF4-FFF2-40B4-BE49-F238E27FC236}">
+                <a16:creationId xmlns:a16="http://schemas.microsoft.com/office/drawing/2014/main" id="{3D180422-2407-4A7F-828A-60F76B6CD491}"/>
+              </a:ext>
+              <a:ext uri="{C183D7F6-B498-43B3-948B-1728B52AA6E4}">
+                <adec:decorative xmlns:adec="http://schemas.microsoft.com/office/drawing/2017/decorative" val="1"/>
+              </a:ext>
+            </a:extLst>
+          </p:cNvPr>
+          <p:cNvSpPr>
+            <a:spLocks noGrp="1" noRot="1" noChangeAspect="1" noMove="1" noResize="1" noEditPoints="1" noAdjustHandles="1" noChangeArrowheads="1" noChangeShapeType="1" noTextEdit="1"/>
+          </p:cNvSpPr>
+          <p:nvPr>
+            <p:extLst>
+              <p:ext uri="{386F3935-93C4-4BCD-93E2-E3B085C9AB24}">
+                <p16:designElem xmlns:p16="http://schemas.microsoft.com/office/powerpoint/2015/main" val="1"/>
+              </p:ext>
+            </p:extLst>
+          </p:nvPr>
+        </p:nvSpPr>
+        <p:spPr>
+          <a:xfrm>
+            <a:off x="-2333" y="-2"/>
+            <a:ext cx="5441859" cy="5654940"/>
+          </a:xfrm>
+          <a:custGeom>
+            <a:avLst/>
+            <a:gdLst>
+              <a:gd name="connsiteX0" fmla="*/ 0 w 5441859"/>
+              <a:gd name="connsiteY0" fmla="*/ 0 h 5654940"/>
+              <a:gd name="connsiteX1" fmla="*/ 4400492 w 5441859"/>
+              <a:gd name="connsiteY1" fmla="*/ 0 h 5654940"/>
+              <a:gd name="connsiteX2" fmla="*/ 4484767 w 5441859"/>
+              <a:gd name="connsiteY2" fmla="*/ 76595 h 5654940"/>
+              <a:gd name="connsiteX3" fmla="*/ 5441859 w 5441859"/>
+              <a:gd name="connsiteY3" fmla="*/ 2387221 h 5654940"/>
+              <a:gd name="connsiteX4" fmla="*/ 2174140 w 5441859"/>
+              <a:gd name="connsiteY4" fmla="*/ 5654940 h 5654940"/>
+              <a:gd name="connsiteX5" fmla="*/ 156693 w 5441859"/>
+              <a:gd name="connsiteY5" fmla="*/ 4957981 h 5654940"/>
+              <a:gd name="connsiteX6" fmla="*/ 0 w 5441859"/>
+              <a:gd name="connsiteY6" fmla="*/ 4820612 h 5654940"/>
+            </a:gdLst>
+            <a:ahLst/>
+            <a:cxnLst>
+              <a:cxn ang="0">
+                <a:pos x="connsiteX0" y="connsiteY0"/>
+              </a:cxn>
+              <a:cxn ang="0">
+                <a:pos x="connsiteX1" y="connsiteY1"/>
+              </a:cxn>
+              <a:cxn ang="0">
+                <a:pos x="connsiteX2" y="connsiteY2"/>
+              </a:cxn>
+              <a:cxn ang="0">
+                <a:pos x="connsiteX3" y="connsiteY3"/>
+              </a:cxn>
+              <a:cxn ang="0">
+                <a:pos x="connsiteX4" y="connsiteY4"/>
+              </a:cxn>
+              <a:cxn ang="0">
+                <a:pos x="connsiteX5" y="connsiteY5"/>
+              </a:cxn>
+              <a:cxn ang="0">
+                <a:pos x="connsiteX6" y="connsiteY6"/>
+              </a:cxn>
+            </a:cxnLst>
+            <a:rect l="l" t="t" r="r" b="b"/>
+            <a:pathLst>
+              <a:path w="5441859" h="5654940">
+                <a:moveTo>
+                  <a:pt x="0" y="0"/>
+                </a:moveTo>
+                <a:lnTo>
+                  <a:pt x="4400492" y="0"/>
+                </a:lnTo>
+                <a:lnTo>
+                  <a:pt x="4484767" y="76595"/>
+                </a:lnTo>
+                <a:cubicBezTo>
+                  <a:pt x="5076108" y="667936"/>
+                  <a:pt x="5441859" y="1484866"/>
+                  <a:pt x="5441859" y="2387221"/>
+                </a:cubicBezTo>
+                <a:cubicBezTo>
+                  <a:pt x="5441859" y="4191932"/>
+                  <a:pt x="3978851" y="5654940"/>
+                  <a:pt x="2174140" y="5654940"/>
+                </a:cubicBezTo>
+                <a:cubicBezTo>
+                  <a:pt x="1412778" y="5654940"/>
+                  <a:pt x="712231" y="5394557"/>
+                  <a:pt x="156693" y="4957981"/>
+                </a:cubicBezTo>
+                <a:lnTo>
+                  <a:pt x="0" y="4820612"/>
+                </a:lnTo>
+                <a:close/>
+              </a:path>
+            </a:pathLst>
+          </a:custGeom>
+          <a:solidFill>
+            <a:schemeClr val="bg1">
+              <a:alpha val="75000"/>
+            </a:schemeClr>
+          </a:solidFill>
+          <a:ln>
+            <a:noFill/>
+          </a:ln>
+        </p:spPr>
+        <p:style>
+          <a:lnRef idx="2">
+            <a:schemeClr val="accent1">
+              <a:shade val="50000"/>
+            </a:schemeClr>
+          </a:lnRef>
+          <a:fillRef idx="1">
+            <a:schemeClr val="accent1"/>
+          </a:fillRef>
+          <a:effectRef idx="0">
+            <a:schemeClr val="accent1"/>
+          </a:effectRef>
+          <a:fontRef idx="minor">
+            <a:schemeClr val="lt1"/>
+          </a:fontRef>
+        </p:style>
+        <p:txBody>
+          <a:bodyPr rtlCol="0" anchor="ctr"/>
+          <a:lstStyle/>
+          <a:p>
+            <a:pPr marL="0" marR="0" lvl="0" indent="0" algn="ctr" defTabSz="914400" rtl="0" eaLnBrk="1" fontAlgn="auto" latinLnBrk="0" hangingPunct="1">
+              <a:lnSpc>
+                <a:spcPct val="100000"/>
+              </a:lnSpc>
+              <a:spcBef>
+                <a:spcPts val="0"/>
+              </a:spcBef>
+              <a:spcAft>
+                <a:spcPts val="0"/>
+              </a:spcAft>
+              <a:buClrTx/>
+              <a:buSzTx/>
+              <a:buFontTx/>
+              <a:buNone/>
+              <a:tabLst/>
+              <a:defRPr/>
+            </a:pPr>
+            <a:endParaRPr kumimoji="0" lang="en-US" sz="1800" b="0" i="0" u="none" strike="noStrike" kern="1200" cap="none" spc="0" normalizeH="0" baseline="0" noProof="0" dirty="0">
+              <a:ln>
+                <a:noFill/>
+              </a:ln>
+              <a:solidFill>
+                <a:prstClr val="white"/>
+              </a:solidFill>
+              <a:effectLst/>
+              <a:uLnTx/>
+              <a:uFillTx/>
+              <a:latin typeface="Calibri" panose="020F0502020204030204"/>
+              <a:ea typeface="+mn-ea"/>
+              <a:cs typeface="+mn-cs"/>
+            </a:endParaRPr>
+          </a:p>
+        </p:txBody>
+      </p:sp>
+      <p:sp>
+        <p:nvSpPr>
+          <p:cNvPr id="24" name="Titolo 1">
+            <a:extLst>
+              <a:ext uri="{FF2B5EF4-FFF2-40B4-BE49-F238E27FC236}">
+                <a16:creationId xmlns:a16="http://schemas.microsoft.com/office/drawing/2014/main" id="{A6A7A402-1981-462B-B43A-2992CC477682}"/>
+              </a:ext>
+            </a:extLst>
+          </p:cNvPr>
+          <p:cNvSpPr txBox="1">
+            <a:spLocks/>
+          </p:cNvSpPr>
+          <p:nvPr/>
+        </p:nvSpPr>
+        <p:spPr>
+          <a:xfrm>
+            <a:off x="750242" y="632990"/>
+            <a:ext cx="4062643" cy="1043409"/>
+          </a:xfrm>
+          <a:prstGeom prst="rect">
+            <a:avLst/>
+          </a:prstGeom>
+        </p:spPr>
+        <p:txBody>
+          <a:bodyPr vert="horz" lIns="91440" tIns="45720" rIns="91440" bIns="45720" rtlCol="0" anchor="ctr">
+            <a:normAutofit/>
+          </a:bodyPr>
+          <a:lstStyle>
+            <a:lvl1pPr algn="l" defTabSz="914400" rtl="0" eaLnBrk="1" latinLnBrk="0" hangingPunct="1">
+              <a:lnSpc>
+                <a:spcPct val="90000"/>
+              </a:lnSpc>
+              <a:spcBef>
+                <a:spcPct val="0"/>
+              </a:spcBef>
+              <a:buNone/>
+              <a:defRPr sz="4400" kern="1200">
+                <a:solidFill>
+                  <a:schemeClr val="tx1"/>
+                </a:solidFill>
+                <a:latin typeface="+mj-lt"/>
+                <a:ea typeface="+mj-ea"/>
+                <a:cs typeface="+mj-cs"/>
+              </a:defRPr>
+            </a:lvl1pPr>
+          </a:lstStyle>
+          <a:p>
+            <a:r>
+              <a:rPr lang="it-IT" sz="3400" b="1" dirty="0">
+                <a:solidFill>
+                  <a:schemeClr val="tx2"/>
+                </a:solidFill>
+              </a:rPr>
+              <a:t>Testing </a:t>
+            </a:r>
+            <a:r>
+              <a:rPr lang="it-IT" sz="3400" b="1" dirty="0" err="1">
+                <a:solidFill>
+                  <a:schemeClr val="tx2"/>
+                </a:solidFill>
+              </a:rPr>
+              <a:t>environment</a:t>
+            </a:r>
+            <a:endParaRPr lang="en-GB" sz="3400" b="1" dirty="0">
+              <a:solidFill>
+                <a:schemeClr val="tx2"/>
+              </a:solidFill>
+            </a:endParaRPr>
+          </a:p>
+        </p:txBody>
+      </p:sp>
+      <p:sp>
+        <p:nvSpPr>
+          <p:cNvPr id="25" name="Segnaposto contenuto 2">
+            <a:extLst>
+              <a:ext uri="{FF2B5EF4-FFF2-40B4-BE49-F238E27FC236}">
+                <a16:creationId xmlns:a16="http://schemas.microsoft.com/office/drawing/2014/main" id="{5AC5E6F4-A89B-462D-8116-E88054885160}"/>
+              </a:ext>
+            </a:extLst>
+          </p:cNvPr>
+          <p:cNvSpPr txBox="1">
+            <a:spLocks/>
+          </p:cNvSpPr>
+          <p:nvPr/>
+        </p:nvSpPr>
+        <p:spPr>
+          <a:xfrm>
+            <a:off x="750242" y="2489098"/>
+            <a:ext cx="4836504" cy="3780267"/>
+          </a:xfrm>
+          <a:prstGeom prst="rect">
+            <a:avLst/>
+          </a:prstGeom>
+        </p:spPr>
+        <p:txBody>
+          <a:bodyPr vert="horz" lIns="91440" tIns="45720" rIns="91440" bIns="45720" rtlCol="0" anchor="t">
+            <a:normAutofit/>
+          </a:bodyPr>
+          <a:lstStyle>
+            <a:lvl1pPr marL="228600" indent="-228600" algn="l" defTabSz="914400" rtl="0" eaLnBrk="1" latinLnBrk="0" hangingPunct="1">
+              <a:lnSpc>
+                <a:spcPct val="90000"/>
+              </a:lnSpc>
+              <a:spcBef>
+                <a:spcPts val="1000"/>
+              </a:spcBef>
+              <a:buFont typeface="Arial" panose="020B0604020202020204" pitchFamily="34" charset="0"/>
+              <a:buChar char="•"/>
+              <a:defRPr sz="2800" kern="1200">
+                <a:solidFill>
+                  <a:schemeClr val="tx1"/>
+                </a:solidFill>
+                <a:latin typeface="+mn-lt"/>
+                <a:ea typeface="+mn-ea"/>
+                <a:cs typeface="+mn-cs"/>
+              </a:defRPr>
+            </a:lvl1pPr>
+            <a:lvl2pPr marL="685800" indent="-228600" algn="l" defTabSz="914400" rtl="0" eaLnBrk="1" latinLnBrk="0" hangingPunct="1">
+              <a:lnSpc>
+                <a:spcPct val="90000"/>
+              </a:lnSpc>
+              <a:spcBef>
+                <a:spcPts val="500"/>
+              </a:spcBef>
+              <a:buFont typeface="Arial" panose="020B0604020202020204" pitchFamily="34" charset="0"/>
+              <a:buChar char="•"/>
+              <a:defRPr sz="2400" kern="1200">
+                <a:solidFill>
+                  <a:schemeClr val="tx1"/>
+                </a:solidFill>
+                <a:latin typeface="+mn-lt"/>
+                <a:ea typeface="+mn-ea"/>
+                <a:cs typeface="+mn-cs"/>
+              </a:defRPr>
+            </a:lvl2pPr>
+            <a:lvl3pPr marL="1143000" indent="-228600" algn="l" defTabSz="914400" rtl="0" eaLnBrk="1" latinLnBrk="0" hangingPunct="1">
+              <a:lnSpc>
+                <a:spcPct val="90000"/>
+              </a:lnSpc>
+              <a:spcBef>
+                <a:spcPts val="500"/>
+              </a:spcBef>
+              <a:buFont typeface="Arial" panose="020B0604020202020204" pitchFamily="34" charset="0"/>
+              <a:buChar char="•"/>
+              <a:defRPr sz="2000" kern="1200">
+                <a:solidFill>
+                  <a:schemeClr val="tx1"/>
+                </a:solidFill>
+                <a:latin typeface="+mn-lt"/>
+                <a:ea typeface="+mn-ea"/>
+                <a:cs typeface="+mn-cs"/>
+              </a:defRPr>
+            </a:lvl3pPr>
+            <a:lvl4pPr marL="1600200" indent="-228600" algn="l" defTabSz="914400" rtl="0" eaLnBrk="1" latinLnBrk="0" hangingPunct="1">
+              <a:lnSpc>
+                <a:spcPct val="90000"/>
+              </a:lnSpc>
+              <a:spcBef>
+                <a:spcPts val="500"/>
+              </a:spcBef>
+              <a:buFont typeface="Arial" panose="020B0604020202020204" pitchFamily="34" charset="0"/>
+              <a:buChar char="•"/>
+              <a:defRPr sz="1800" kern="1200">
+                <a:solidFill>
+                  <a:schemeClr val="tx1"/>
+                </a:solidFill>
+                <a:latin typeface="+mn-lt"/>
+                <a:ea typeface="+mn-ea"/>
+                <a:cs typeface="+mn-cs"/>
+              </a:defRPr>
+            </a:lvl4pPr>
+            <a:lvl5pPr marL="2057400" indent="-228600" algn="l" defTabSz="914400" rtl="0" eaLnBrk="1" latinLnBrk="0" hangingPunct="1">
+              <a:lnSpc>
+                <a:spcPct val="90000"/>
+              </a:lnSpc>
+              <a:spcBef>
+                <a:spcPts val="500"/>
+              </a:spcBef>
+              <a:buFont typeface="Arial" panose="020B0604020202020204" pitchFamily="34" charset="0"/>
+              <a:buChar char="•"/>
+              <a:defRPr sz="1800" kern="1200">
+                <a:solidFill>
+                  <a:schemeClr val="tx1"/>
+                </a:solidFill>
+                <a:latin typeface="+mn-lt"/>
+                <a:ea typeface="+mn-ea"/>
+                <a:cs typeface="+mn-cs"/>
+              </a:defRPr>
+            </a:lvl5pPr>
+            <a:lvl6pPr marL="2514600" indent="-228600" algn="l" defTabSz="914400" rtl="0" eaLnBrk="1" latinLnBrk="0" hangingPunct="1">
+              <a:lnSpc>
+                <a:spcPct val="90000"/>
+              </a:lnSpc>
+              <a:spcBef>
+                <a:spcPts val="500"/>
+              </a:spcBef>
+              <a:buFont typeface="Arial" panose="020B0604020202020204" pitchFamily="34" charset="0"/>
+              <a:buChar char="•"/>
+              <a:defRPr sz="1800" kern="1200">
+                <a:solidFill>
+                  <a:schemeClr val="tx1"/>
+                </a:solidFill>
+                <a:latin typeface="+mn-lt"/>
+                <a:ea typeface="+mn-ea"/>
+                <a:cs typeface="+mn-cs"/>
+              </a:defRPr>
+            </a:lvl6pPr>
+            <a:lvl7pPr marL="2971800" indent="-228600" algn="l" defTabSz="914400" rtl="0" eaLnBrk="1" latinLnBrk="0" hangingPunct="1">
+              <a:lnSpc>
+                <a:spcPct val="90000"/>
+              </a:lnSpc>
+              <a:spcBef>
+                <a:spcPts val="500"/>
+              </a:spcBef>
+              <a:buFont typeface="Arial" panose="020B0604020202020204" pitchFamily="34" charset="0"/>
+              <a:buChar char="•"/>
+              <a:defRPr sz="1800" kern="1200">
+                <a:solidFill>
+                  <a:schemeClr val="tx1"/>
+                </a:solidFill>
+                <a:latin typeface="+mn-lt"/>
+                <a:ea typeface="+mn-ea"/>
+                <a:cs typeface="+mn-cs"/>
+              </a:defRPr>
+            </a:lvl7pPr>
+            <a:lvl8pPr marL="3429000" indent="-228600" algn="l" defTabSz="914400" rtl="0" eaLnBrk="1" latinLnBrk="0" hangingPunct="1">
+              <a:lnSpc>
+                <a:spcPct val="90000"/>
+              </a:lnSpc>
+              <a:spcBef>
+                <a:spcPts val="500"/>
+              </a:spcBef>
+              <a:buFont typeface="Arial" panose="020B0604020202020204" pitchFamily="34" charset="0"/>
+              <a:buChar char="•"/>
+              <a:defRPr sz="1800" kern="1200">
+                <a:solidFill>
+                  <a:schemeClr val="tx1"/>
+                </a:solidFill>
+                <a:latin typeface="+mn-lt"/>
+                <a:ea typeface="+mn-ea"/>
+                <a:cs typeface="+mn-cs"/>
+              </a:defRPr>
+            </a:lvl8pPr>
+            <a:lvl9pPr marL="3886200" indent="-228600" algn="l" defTabSz="914400" rtl="0" eaLnBrk="1" latinLnBrk="0" hangingPunct="1">
+              <a:lnSpc>
+                <a:spcPct val="90000"/>
+              </a:lnSpc>
+              <a:spcBef>
+                <a:spcPts val="500"/>
+              </a:spcBef>
+              <a:buFont typeface="Arial" panose="020B0604020202020204" pitchFamily="34" charset="0"/>
+              <a:buChar char="•"/>
+              <a:defRPr sz="1800" kern="1200">
+                <a:solidFill>
+                  <a:schemeClr val="tx1"/>
+                </a:solidFill>
+                <a:latin typeface="+mn-lt"/>
+                <a:ea typeface="+mn-ea"/>
+                <a:cs typeface="+mn-cs"/>
+              </a:defRPr>
+            </a:lvl9pPr>
+          </a:lstStyle>
+          <a:p>
+            <a:r>
+              <a:rPr lang="it-IT" sz="2400" dirty="0" err="1"/>
+              <a:t>Bots</a:t>
+            </a:r>
+            <a:r>
+              <a:rPr lang="en-GB" sz="2400" dirty="0"/>
+              <a:t> </a:t>
+            </a:r>
+            <a:r>
+              <a:rPr lang="en-GB" sz="2400" b="1" dirty="0"/>
+              <a:t>continuously request </a:t>
+            </a:r>
+            <a:r>
+              <a:rPr lang="en-GB" sz="2400" dirty="0"/>
+              <a:t>an HTTP connection to the server.</a:t>
+            </a:r>
+            <a:endParaRPr lang="it-IT" sz="2400" dirty="0"/>
+          </a:p>
+          <a:p>
+            <a:r>
+              <a:rPr lang="it-IT" sz="2400" dirty="0"/>
+              <a:t>Clients send </a:t>
+            </a:r>
+            <a:r>
+              <a:rPr lang="it-IT" sz="2400" b="1" dirty="0" err="1"/>
+              <a:t>periodic</a:t>
+            </a:r>
+            <a:r>
+              <a:rPr lang="it-IT" sz="2400" b="1" dirty="0"/>
+              <a:t> </a:t>
+            </a:r>
+            <a:r>
+              <a:rPr lang="it-IT" sz="2400" b="1" dirty="0" err="1"/>
+              <a:t>requests</a:t>
+            </a:r>
+            <a:r>
+              <a:rPr lang="it-IT" sz="2400" dirty="0"/>
+              <a:t>.</a:t>
+            </a:r>
+          </a:p>
+          <a:p>
+            <a:r>
+              <a:rPr lang="it-IT" sz="2400" dirty="0"/>
+              <a:t>The server </a:t>
+            </a:r>
+            <a:r>
+              <a:rPr lang="it-IT" sz="2400" dirty="0" err="1"/>
+              <a:t>is</a:t>
+            </a:r>
+            <a:r>
+              <a:rPr lang="it-IT" sz="2400" dirty="0"/>
+              <a:t> </a:t>
+            </a:r>
+            <a:r>
+              <a:rPr lang="it-IT" sz="2400" b="1" dirty="0" err="1"/>
+              <a:t>multithreaded</a:t>
+            </a:r>
+            <a:r>
+              <a:rPr lang="it-IT" sz="2400" dirty="0"/>
+              <a:t>.</a:t>
+            </a:r>
+          </a:p>
+        </p:txBody>
+      </p:sp>
+      <p:sp>
+        <p:nvSpPr>
+          <p:cNvPr id="26" name="Segnaposto piè di pagina 3">
+            <a:extLst>
+              <a:ext uri="{FF2B5EF4-FFF2-40B4-BE49-F238E27FC236}">
+                <a16:creationId xmlns:a16="http://schemas.microsoft.com/office/drawing/2014/main" id="{F5919EAC-275A-46C3-86EC-C350ABC98A16}"/>
+              </a:ext>
+            </a:extLst>
+          </p:cNvPr>
+          <p:cNvSpPr txBox="1">
+            <a:spLocks/>
+          </p:cNvSpPr>
+          <p:nvPr/>
+        </p:nvSpPr>
+        <p:spPr>
+          <a:xfrm>
+            <a:off x="750242" y="6092880"/>
+            <a:ext cx="3246992" cy="617260"/>
+          </a:xfrm>
+          <a:prstGeom prst="rect">
+            <a:avLst/>
+          </a:prstGeom>
+        </p:spPr>
+        <p:txBody>
+          <a:bodyPr vert="horz" lIns="91440" tIns="45720" rIns="91440" bIns="45720" rtlCol="0" anchor="ctr">
+            <a:normAutofit/>
+          </a:bodyPr>
+          <a:lstStyle>
+            <a:defPPr>
+              <a:defRPr lang="en-US"/>
+            </a:defPPr>
+            <a:lvl1pPr marL="0" algn="ctr" defTabSz="914400" rtl="0" eaLnBrk="1" latinLnBrk="0" hangingPunct="1">
+              <a:defRPr sz="1200" kern="1200">
+                <a:solidFill>
+                  <a:schemeClr val="tx1">
+                    <a:tint val="75000"/>
+                  </a:schemeClr>
+                </a:solidFill>
+                <a:latin typeface="+mn-lt"/>
+                <a:ea typeface="+mn-ea"/>
+                <a:cs typeface="+mn-cs"/>
+              </a:defRPr>
+            </a:lvl1pPr>
+            <a:lvl2pPr marL="457200" algn="l" defTabSz="914400" rtl="0" eaLnBrk="1" latinLnBrk="0" hangingPunct="1">
+              <a:defRPr sz="1800" kern="1200">
+                <a:solidFill>
+                  <a:schemeClr val="tx1"/>
+                </a:solidFill>
+                <a:latin typeface="+mn-lt"/>
+                <a:ea typeface="+mn-ea"/>
+                <a:cs typeface="+mn-cs"/>
+              </a:defRPr>
+            </a:lvl2pPr>
+            <a:lvl3pPr marL="914400" algn="l" defTabSz="914400" rtl="0" eaLnBrk="1" latinLnBrk="0" hangingPunct="1">
+              <a:defRPr sz="1800" kern="1200">
+                <a:solidFill>
+                  <a:schemeClr val="tx1"/>
+                </a:solidFill>
+                <a:latin typeface="+mn-lt"/>
+                <a:ea typeface="+mn-ea"/>
+                <a:cs typeface="+mn-cs"/>
+              </a:defRPr>
+            </a:lvl3pPr>
+            <a:lvl4pPr marL="1371600" algn="l" defTabSz="914400" rtl="0" eaLnBrk="1" latinLnBrk="0" hangingPunct="1">
+              <a:defRPr sz="1800" kern="1200">
+                <a:solidFill>
+                  <a:schemeClr val="tx1"/>
+                </a:solidFill>
+                <a:latin typeface="+mn-lt"/>
+                <a:ea typeface="+mn-ea"/>
+                <a:cs typeface="+mn-cs"/>
+              </a:defRPr>
+            </a:lvl4pPr>
+            <a:lvl5pPr marL="1828800" algn="l" defTabSz="914400" rtl="0" eaLnBrk="1" latinLnBrk="0" hangingPunct="1">
+              <a:defRPr sz="1800" kern="1200">
+                <a:solidFill>
+                  <a:schemeClr val="tx1"/>
+                </a:solidFill>
+                <a:latin typeface="+mn-lt"/>
+                <a:ea typeface="+mn-ea"/>
+                <a:cs typeface="+mn-cs"/>
+              </a:defRPr>
+            </a:lvl5pPr>
+            <a:lvl6pPr marL="2286000" algn="l" defTabSz="914400" rtl="0" eaLnBrk="1" latinLnBrk="0" hangingPunct="1">
+              <a:defRPr sz="1800" kern="1200">
+                <a:solidFill>
+                  <a:schemeClr val="tx1"/>
+                </a:solidFill>
+                <a:latin typeface="+mn-lt"/>
+                <a:ea typeface="+mn-ea"/>
+                <a:cs typeface="+mn-cs"/>
+              </a:defRPr>
+            </a:lvl6pPr>
+            <a:lvl7pPr marL="2743200" algn="l" defTabSz="914400" rtl="0" eaLnBrk="1" latinLnBrk="0" hangingPunct="1">
+              <a:defRPr sz="1800" kern="1200">
+                <a:solidFill>
+                  <a:schemeClr val="tx1"/>
+                </a:solidFill>
+                <a:latin typeface="+mn-lt"/>
+                <a:ea typeface="+mn-ea"/>
+                <a:cs typeface="+mn-cs"/>
+              </a:defRPr>
+            </a:lvl7pPr>
+            <a:lvl8pPr marL="3200400" algn="l" defTabSz="914400" rtl="0" eaLnBrk="1" latinLnBrk="0" hangingPunct="1">
+              <a:defRPr sz="1800" kern="1200">
+                <a:solidFill>
+                  <a:schemeClr val="tx1"/>
+                </a:solidFill>
+                <a:latin typeface="+mn-lt"/>
+                <a:ea typeface="+mn-ea"/>
+                <a:cs typeface="+mn-cs"/>
+              </a:defRPr>
+            </a:lvl8pPr>
+            <a:lvl9pPr marL="3657600" algn="l" defTabSz="914400" rtl="0" eaLnBrk="1" latinLnBrk="0" hangingPunct="1">
+              <a:defRPr sz="1800" kern="1200">
+                <a:solidFill>
+                  <a:schemeClr val="tx1"/>
+                </a:solidFill>
+                <a:latin typeface="+mn-lt"/>
+                <a:ea typeface="+mn-ea"/>
+                <a:cs typeface="+mn-cs"/>
+              </a:defRPr>
+            </a:lvl9pPr>
+          </a:lstStyle>
+          <a:p>
+            <a:pPr algn="l">
+              <a:spcAft>
+                <a:spcPts val="600"/>
+              </a:spcAft>
+            </a:pPr>
+            <a:r>
+              <a:rPr lang="it-IT" sz="1100">
+                <a:solidFill>
+                  <a:schemeClr val="tx1"/>
+                </a:solidFill>
+              </a:rPr>
+              <a:t>A. Le Caldare, E. Sassu, E. Scarselli</a:t>
+            </a:r>
+            <a:endParaRPr lang="en-GB" sz="1100" dirty="0">
+              <a:solidFill>
+                <a:schemeClr val="tx1"/>
+              </a:solidFill>
+            </a:endParaRPr>
+          </a:p>
+        </p:txBody>
+      </p:sp>
+      <p:sp>
+        <p:nvSpPr>
+          <p:cNvPr id="27" name="Segnaposto numero diapositiva 4">
+            <a:extLst>
+              <a:ext uri="{FF2B5EF4-FFF2-40B4-BE49-F238E27FC236}">
+                <a16:creationId xmlns:a16="http://schemas.microsoft.com/office/drawing/2014/main" id="{144FA246-62DE-4D8A-B3A7-E14DD88F9E99}"/>
+              </a:ext>
+            </a:extLst>
+          </p:cNvPr>
+          <p:cNvSpPr txBox="1">
+            <a:spLocks/>
+          </p:cNvSpPr>
+          <p:nvPr/>
+        </p:nvSpPr>
+        <p:spPr>
+          <a:xfrm>
+            <a:off x="11000232" y="6108192"/>
+            <a:ext cx="548640" cy="548640"/>
+          </a:xfrm>
+          <a:prstGeom prst="ellipse">
+            <a:avLst/>
+          </a:prstGeom>
+          <a:solidFill>
+            <a:srgbClr val="368B50"/>
+          </a:solidFill>
+        </p:spPr>
+        <p:txBody>
+          <a:bodyPr vert="horz" lIns="91440" tIns="45720" rIns="91440" bIns="45720" rtlCol="0" anchor="ctr">
+            <a:normAutofit/>
+          </a:bodyPr>
+          <a:lstStyle>
+            <a:defPPr>
+              <a:defRPr lang="en-US"/>
+            </a:defPPr>
+            <a:lvl1pPr marL="0" algn="r" defTabSz="914400" rtl="0" eaLnBrk="1" latinLnBrk="0" hangingPunct="1">
+              <a:defRPr sz="1200" kern="1200">
+                <a:solidFill>
+                  <a:schemeClr val="tx1">
+                    <a:tint val="75000"/>
+                  </a:schemeClr>
+                </a:solidFill>
+                <a:latin typeface="+mn-lt"/>
+                <a:ea typeface="+mn-ea"/>
+                <a:cs typeface="+mn-cs"/>
+              </a:defRPr>
+            </a:lvl1pPr>
+            <a:lvl2pPr marL="457200" algn="l" defTabSz="914400" rtl="0" eaLnBrk="1" latinLnBrk="0" hangingPunct="1">
+              <a:defRPr sz="1800" kern="1200">
+                <a:solidFill>
+                  <a:schemeClr val="tx1"/>
+                </a:solidFill>
+                <a:latin typeface="+mn-lt"/>
+                <a:ea typeface="+mn-ea"/>
+                <a:cs typeface="+mn-cs"/>
+              </a:defRPr>
+            </a:lvl2pPr>
+            <a:lvl3pPr marL="914400" algn="l" defTabSz="914400" rtl="0" eaLnBrk="1" latinLnBrk="0" hangingPunct="1">
+              <a:defRPr sz="1800" kern="1200">
+                <a:solidFill>
+                  <a:schemeClr val="tx1"/>
+                </a:solidFill>
+                <a:latin typeface="+mn-lt"/>
+                <a:ea typeface="+mn-ea"/>
+                <a:cs typeface="+mn-cs"/>
+              </a:defRPr>
+            </a:lvl3pPr>
+            <a:lvl4pPr marL="1371600" algn="l" defTabSz="914400" rtl="0" eaLnBrk="1" latinLnBrk="0" hangingPunct="1">
+              <a:defRPr sz="1800" kern="1200">
+                <a:solidFill>
+                  <a:schemeClr val="tx1"/>
+                </a:solidFill>
+                <a:latin typeface="+mn-lt"/>
+                <a:ea typeface="+mn-ea"/>
+                <a:cs typeface="+mn-cs"/>
+              </a:defRPr>
+            </a:lvl4pPr>
+            <a:lvl5pPr marL="1828800" algn="l" defTabSz="914400" rtl="0" eaLnBrk="1" latinLnBrk="0" hangingPunct="1">
+              <a:defRPr sz="1800" kern="1200">
+                <a:solidFill>
+                  <a:schemeClr val="tx1"/>
+                </a:solidFill>
+                <a:latin typeface="+mn-lt"/>
+                <a:ea typeface="+mn-ea"/>
+                <a:cs typeface="+mn-cs"/>
+              </a:defRPr>
+            </a:lvl5pPr>
+            <a:lvl6pPr marL="2286000" algn="l" defTabSz="914400" rtl="0" eaLnBrk="1" latinLnBrk="0" hangingPunct="1">
+              <a:defRPr sz="1800" kern="1200">
+                <a:solidFill>
+                  <a:schemeClr val="tx1"/>
+                </a:solidFill>
+                <a:latin typeface="+mn-lt"/>
+                <a:ea typeface="+mn-ea"/>
+                <a:cs typeface="+mn-cs"/>
+              </a:defRPr>
+            </a:lvl6pPr>
+            <a:lvl7pPr marL="2743200" algn="l" defTabSz="914400" rtl="0" eaLnBrk="1" latinLnBrk="0" hangingPunct="1">
+              <a:defRPr sz="1800" kern="1200">
+                <a:solidFill>
+                  <a:schemeClr val="tx1"/>
+                </a:solidFill>
+                <a:latin typeface="+mn-lt"/>
+                <a:ea typeface="+mn-ea"/>
+                <a:cs typeface="+mn-cs"/>
+              </a:defRPr>
+            </a:lvl7pPr>
+            <a:lvl8pPr marL="3200400" algn="l" defTabSz="914400" rtl="0" eaLnBrk="1" latinLnBrk="0" hangingPunct="1">
+              <a:defRPr sz="1800" kern="1200">
+                <a:solidFill>
+                  <a:schemeClr val="tx1"/>
+                </a:solidFill>
+                <a:latin typeface="+mn-lt"/>
+                <a:ea typeface="+mn-ea"/>
+                <a:cs typeface="+mn-cs"/>
+              </a:defRPr>
+            </a:lvl8pPr>
+            <a:lvl9pPr marL="3657600" algn="l" defTabSz="914400" rtl="0" eaLnBrk="1" latinLnBrk="0" hangingPunct="1">
+              <a:defRPr sz="1800" kern="1200">
+                <a:solidFill>
+                  <a:schemeClr val="tx1"/>
+                </a:solidFill>
+                <a:latin typeface="+mn-lt"/>
+                <a:ea typeface="+mn-ea"/>
+                <a:cs typeface="+mn-cs"/>
+              </a:defRPr>
+            </a:lvl9pPr>
+          </a:lstStyle>
+          <a:p>
+            <a:pPr algn="ctr">
+              <a:spcAft>
+                <a:spcPts val="600"/>
+              </a:spcAft>
+            </a:pPr>
+            <a:fld id="{5BB7E168-F539-4513-AD44-F276B24E7DDF}" type="slidenum">
+              <a:rPr lang="en-GB" sz="1500" smtClean="0">
+                <a:solidFill>
+                  <a:srgbClr val="FFFFFF"/>
+                </a:solidFill>
+              </a:rPr>
+              <a:pPr algn="ctr">
+                <a:spcAft>
+                  <a:spcPts val="600"/>
+                </a:spcAft>
+              </a:pPr>
+              <a:t>13</a:t>
+            </a:fld>
+            <a:endParaRPr lang="en-GB" sz="1500">
+              <a:solidFill>
+                <a:srgbClr val="FFFFFF"/>
+              </a:solidFill>
+            </a:endParaRPr>
+          </a:p>
+        </p:txBody>
+      </p:sp>
+    </p:spTree>
+    <p:extLst>
+      <p:ext uri="{BB962C8B-B14F-4D97-AF65-F5344CB8AC3E}">
+        <p14:creationId xmlns:p14="http://schemas.microsoft.com/office/powerpoint/2010/main" val="2924522011"/>
+      </p:ext>
+    </p:extLst>
+  </p:cSld>
+  <p:clrMapOvr>
+    <a:masterClrMapping/>
+  </p:clrMapOvr>
+</p:sld>
+</file>
+
+<file path=ppt/slides/slide14.xml><?xml version="1.0" encoding="utf-8"?>
+<p:sld xmlns:a="http://schemas.openxmlformats.org/drawingml/2006/main" xmlns:r="http://schemas.openxmlformats.org/officeDocument/2006/relationships" xmlns:p="http://schemas.openxmlformats.org/presentationml/2006/main">
+  <p:cSld>
+    <p:bg>
+      <p:bgPr>
+        <a:solidFill>
+          <a:schemeClr val="bg1"/>
+        </a:solidFill>
+        <a:effectLst/>
+      </p:bgPr>
+    </p:bg>
+    <p:spTree>
+      <p:nvGrpSpPr>
+        <p:cNvPr id="1" name=""/>
+        <p:cNvGrpSpPr/>
+        <p:nvPr/>
+      </p:nvGrpSpPr>
+      <p:grpSpPr>
+        <a:xfrm>
+          <a:off x="0" y="0"/>
+          <a:ext cx="0" cy="0"/>
+          <a:chOff x="0" y="0"/>
+          <a:chExt cx="0" cy="0"/>
+        </a:xfrm>
+      </p:grpSpPr>
+      <p:pic>
+        <p:nvPicPr>
+          <p:cNvPr id="6" name="Immagine 5" descr="Immagine che contiene testo, mappa&#10;&#10;Descrizione generata automaticamente">
+            <a:extLst>
+              <a:ext uri="{FF2B5EF4-FFF2-40B4-BE49-F238E27FC236}">
+                <a16:creationId xmlns:a16="http://schemas.microsoft.com/office/drawing/2014/main" id="{9A0D6532-ACC6-4C0C-A95D-9D4851321469}"/>
+              </a:ext>
+            </a:extLst>
+          </p:cNvPr>
+          <p:cNvPicPr>
+            <a:picLocks noChangeAspect="1"/>
+          </p:cNvPicPr>
+          <p:nvPr/>
+        </p:nvPicPr>
+        <p:blipFill rotWithShape="1">
+          <a:blip r:embed="rId3">
+            <a:extLst>
+              <a:ext uri="{28A0092B-C50C-407E-A947-70E740481C1C}">
+                <a14:useLocalDpi xmlns:a14="http://schemas.microsoft.com/office/drawing/2010/main" val="0"/>
+              </a:ext>
+            </a:extLst>
+          </a:blip>
+          <a:srcRect t="1370" r="1" b="1"/>
+          <a:stretch/>
+        </p:blipFill>
+        <p:spPr>
+          <a:xfrm>
+            <a:off x="1828801" y="201168"/>
+            <a:ext cx="10248331" cy="6599739"/>
+          </a:xfrm>
+          <a:prstGeom prst="rect">
+            <a:avLst/>
+          </a:prstGeom>
+        </p:spPr>
+      </p:pic>
+      <p:sp>
+        <p:nvSpPr>
+          <p:cNvPr id="22" name="Freeform: Shape 18">
+            <a:extLst>
+              <a:ext uri="{FF2B5EF4-FFF2-40B4-BE49-F238E27FC236}">
+                <a16:creationId xmlns:a16="http://schemas.microsoft.com/office/drawing/2014/main" id="{0A17A3F1-0233-4065-85F8-72464D7AAC9C}"/>
+              </a:ext>
+              <a:ext uri="{C183D7F6-B498-43B3-948B-1728B52AA6E4}">
+                <adec:decorative xmlns:adec="http://schemas.microsoft.com/office/drawing/2017/decorative" val="1"/>
+              </a:ext>
+            </a:extLst>
+          </p:cNvPr>
+          <p:cNvSpPr>
+            <a:spLocks noGrp="1" noRot="1" noChangeAspect="1" noMove="1" noResize="1" noEditPoints="1" noAdjustHandles="1" noChangeArrowheads="1" noChangeShapeType="1" noTextEdit="1"/>
+          </p:cNvSpPr>
+          <p:nvPr>
+            <p:extLst>
+              <p:ext uri="{386F3935-93C4-4BCD-93E2-E3B085C9AB24}">
+                <p16:designElem xmlns:p16="http://schemas.microsoft.com/office/powerpoint/2015/main" val="1"/>
+              </p:ext>
+            </p:extLst>
+          </p:nvPr>
+        </p:nvSpPr>
+        <p:spPr>
+          <a:xfrm>
+            <a:off x="0" y="-2008"/>
+            <a:ext cx="5609220" cy="5840278"/>
+          </a:xfrm>
+          <a:custGeom>
+            <a:avLst/>
+            <a:gdLst>
+              <a:gd name="connsiteX0" fmla="*/ 0 w 5609220"/>
+              <a:gd name="connsiteY0" fmla="*/ 0 h 5840278"/>
+              <a:gd name="connsiteX1" fmla="*/ 4637091 w 5609220"/>
+              <a:gd name="connsiteY1" fmla="*/ 0 h 5840278"/>
+              <a:gd name="connsiteX2" fmla="*/ 4822569 w 5609220"/>
+              <a:gd name="connsiteY2" fmla="*/ 204077 h 5840278"/>
+              <a:gd name="connsiteX3" fmla="*/ 5609220 w 5609220"/>
+              <a:gd name="connsiteY3" fmla="*/ 2395363 h 5840278"/>
+              <a:gd name="connsiteX4" fmla="*/ 2164305 w 5609220"/>
+              <a:gd name="connsiteY4" fmla="*/ 5840278 h 5840278"/>
+              <a:gd name="connsiteX5" fmla="*/ 238220 w 5609220"/>
+              <a:gd name="connsiteY5" fmla="*/ 5251941 h 5840278"/>
+              <a:gd name="connsiteX6" fmla="*/ 0 w 5609220"/>
+              <a:gd name="connsiteY6" fmla="*/ 5073803 h 5840278"/>
+            </a:gdLst>
+            <a:ahLst/>
+            <a:cxnLst>
+              <a:cxn ang="0">
+                <a:pos x="connsiteX0" y="connsiteY0"/>
+              </a:cxn>
+              <a:cxn ang="0">
+                <a:pos x="connsiteX1" y="connsiteY1"/>
+              </a:cxn>
+              <a:cxn ang="0">
+                <a:pos x="connsiteX2" y="connsiteY2"/>
+              </a:cxn>
+              <a:cxn ang="0">
+                <a:pos x="connsiteX3" y="connsiteY3"/>
+              </a:cxn>
+              <a:cxn ang="0">
+                <a:pos x="connsiteX4" y="connsiteY4"/>
+              </a:cxn>
+              <a:cxn ang="0">
+                <a:pos x="connsiteX5" y="connsiteY5"/>
+              </a:cxn>
+              <a:cxn ang="0">
+                <a:pos x="connsiteX6" y="connsiteY6"/>
+              </a:cxn>
+            </a:cxnLst>
+            <a:rect l="l" t="t" r="r" b="b"/>
+            <a:pathLst>
+              <a:path w="5609220" h="5840278">
+                <a:moveTo>
+                  <a:pt x="0" y="0"/>
+                </a:moveTo>
+                <a:lnTo>
+                  <a:pt x="4637091" y="0"/>
+                </a:lnTo>
+                <a:lnTo>
+                  <a:pt x="4822569" y="204077"/>
+                </a:lnTo>
+                <a:cubicBezTo>
+                  <a:pt x="5314007" y="799562"/>
+                  <a:pt x="5609220" y="1562987"/>
+                  <a:pt x="5609220" y="2395363"/>
+                </a:cubicBezTo>
+                <a:cubicBezTo>
+                  <a:pt x="5609220" y="4297937"/>
+                  <a:pt x="4066879" y="5840278"/>
+                  <a:pt x="2164305" y="5840278"/>
+                </a:cubicBezTo>
+                <a:cubicBezTo>
+                  <a:pt x="1450840" y="5840278"/>
+                  <a:pt x="788032" y="5623387"/>
+                  <a:pt x="238220" y="5251941"/>
+                </a:cubicBezTo>
+                <a:lnTo>
+                  <a:pt x="0" y="5073803"/>
+                </a:lnTo>
+                <a:close/>
+              </a:path>
+            </a:pathLst>
+          </a:custGeom>
+          <a:solidFill>
+            <a:schemeClr val="bg1">
+              <a:alpha val="50000"/>
+            </a:schemeClr>
+          </a:solidFill>
+          <a:ln>
+            <a:noFill/>
+          </a:ln>
+        </p:spPr>
+        <p:style>
+          <a:lnRef idx="2">
+            <a:schemeClr val="accent1">
+              <a:shade val="50000"/>
+            </a:schemeClr>
+          </a:lnRef>
+          <a:fillRef idx="1">
+            <a:schemeClr val="accent1"/>
+          </a:fillRef>
+          <a:effectRef idx="0">
+            <a:schemeClr val="accent1"/>
+          </a:effectRef>
+          <a:fontRef idx="minor">
+            <a:schemeClr val="lt1"/>
+          </a:fontRef>
+        </p:style>
+        <p:txBody>
+          <a:bodyPr rtlCol="0" anchor="ctr"/>
+          <a:lstStyle/>
+          <a:p>
+            <a:pPr marL="0" marR="0" lvl="0" indent="0" algn="ctr" defTabSz="914400" rtl="0" eaLnBrk="1" fontAlgn="auto" latinLnBrk="0" hangingPunct="1">
+              <a:lnSpc>
+                <a:spcPct val="100000"/>
+              </a:lnSpc>
+              <a:spcBef>
+                <a:spcPts val="0"/>
+              </a:spcBef>
+              <a:spcAft>
+                <a:spcPts val="0"/>
+              </a:spcAft>
+              <a:buClrTx/>
+              <a:buSzTx/>
+              <a:buFontTx/>
+              <a:buNone/>
+              <a:tabLst/>
+              <a:defRPr/>
+            </a:pPr>
+            <a:endParaRPr kumimoji="0" lang="en-US" sz="1800" b="0" i="0" u="none" strike="noStrike" kern="1200" cap="none" spc="0" normalizeH="0" baseline="0" noProof="0">
+              <a:ln>
+                <a:noFill/>
+              </a:ln>
+              <a:solidFill>
+                <a:prstClr val="white"/>
+              </a:solidFill>
+              <a:effectLst/>
+              <a:uLnTx/>
+              <a:uFillTx/>
+              <a:latin typeface="Calibri" panose="020F0502020204030204"/>
+              <a:ea typeface="+mn-ea"/>
+              <a:cs typeface="+mn-cs"/>
+            </a:endParaRPr>
+          </a:p>
+        </p:txBody>
+      </p:sp>
+      <p:sp>
+        <p:nvSpPr>
+          <p:cNvPr id="23" name="Freeform: Shape 20">
+            <a:extLst>
+              <a:ext uri="{FF2B5EF4-FFF2-40B4-BE49-F238E27FC236}">
+                <a16:creationId xmlns:a16="http://schemas.microsoft.com/office/drawing/2014/main" id="{3D180422-2407-4A7F-828A-60F76B6CD491}"/>
+              </a:ext>
+              <a:ext uri="{C183D7F6-B498-43B3-948B-1728B52AA6E4}">
+                <adec:decorative xmlns:adec="http://schemas.microsoft.com/office/drawing/2017/decorative" val="1"/>
+              </a:ext>
+            </a:extLst>
+          </p:cNvPr>
+          <p:cNvSpPr>
+            <a:spLocks noGrp="1" noRot="1" noChangeAspect="1" noMove="1" noResize="1" noEditPoints="1" noAdjustHandles="1" noChangeArrowheads="1" noChangeShapeType="1" noTextEdit="1"/>
+          </p:cNvSpPr>
+          <p:nvPr>
+            <p:extLst>
+              <p:ext uri="{386F3935-93C4-4BCD-93E2-E3B085C9AB24}">
+                <p16:designElem xmlns:p16="http://schemas.microsoft.com/office/powerpoint/2015/main" val="1"/>
+              </p:ext>
+            </p:extLst>
+          </p:nvPr>
+        </p:nvSpPr>
+        <p:spPr>
+          <a:xfrm>
+            <a:off x="-2333" y="-2"/>
+            <a:ext cx="5441859" cy="5654940"/>
+          </a:xfrm>
+          <a:custGeom>
+            <a:avLst/>
+            <a:gdLst>
+              <a:gd name="connsiteX0" fmla="*/ 0 w 5441859"/>
+              <a:gd name="connsiteY0" fmla="*/ 0 h 5654940"/>
+              <a:gd name="connsiteX1" fmla="*/ 4400492 w 5441859"/>
+              <a:gd name="connsiteY1" fmla="*/ 0 h 5654940"/>
+              <a:gd name="connsiteX2" fmla="*/ 4484767 w 5441859"/>
+              <a:gd name="connsiteY2" fmla="*/ 76595 h 5654940"/>
+              <a:gd name="connsiteX3" fmla="*/ 5441859 w 5441859"/>
+              <a:gd name="connsiteY3" fmla="*/ 2387221 h 5654940"/>
+              <a:gd name="connsiteX4" fmla="*/ 2174140 w 5441859"/>
+              <a:gd name="connsiteY4" fmla="*/ 5654940 h 5654940"/>
+              <a:gd name="connsiteX5" fmla="*/ 156693 w 5441859"/>
+              <a:gd name="connsiteY5" fmla="*/ 4957981 h 5654940"/>
+              <a:gd name="connsiteX6" fmla="*/ 0 w 5441859"/>
+              <a:gd name="connsiteY6" fmla="*/ 4820612 h 5654940"/>
+            </a:gdLst>
+            <a:ahLst/>
+            <a:cxnLst>
+              <a:cxn ang="0">
+                <a:pos x="connsiteX0" y="connsiteY0"/>
+              </a:cxn>
+              <a:cxn ang="0">
+                <a:pos x="connsiteX1" y="connsiteY1"/>
+              </a:cxn>
+              <a:cxn ang="0">
+                <a:pos x="connsiteX2" y="connsiteY2"/>
+              </a:cxn>
+              <a:cxn ang="0">
+                <a:pos x="connsiteX3" y="connsiteY3"/>
+              </a:cxn>
+              <a:cxn ang="0">
+                <a:pos x="connsiteX4" y="connsiteY4"/>
+              </a:cxn>
+              <a:cxn ang="0">
+                <a:pos x="connsiteX5" y="connsiteY5"/>
+              </a:cxn>
+              <a:cxn ang="0">
+                <a:pos x="connsiteX6" y="connsiteY6"/>
+              </a:cxn>
+            </a:cxnLst>
+            <a:rect l="l" t="t" r="r" b="b"/>
+            <a:pathLst>
+              <a:path w="5441859" h="5654940">
+                <a:moveTo>
+                  <a:pt x="0" y="0"/>
+                </a:moveTo>
+                <a:lnTo>
+                  <a:pt x="4400492" y="0"/>
+                </a:lnTo>
+                <a:lnTo>
+                  <a:pt x="4484767" y="76595"/>
+                </a:lnTo>
+                <a:cubicBezTo>
+                  <a:pt x="5076108" y="667936"/>
+                  <a:pt x="5441859" y="1484866"/>
+                  <a:pt x="5441859" y="2387221"/>
+                </a:cubicBezTo>
+                <a:cubicBezTo>
+                  <a:pt x="5441859" y="4191932"/>
+                  <a:pt x="3978851" y="5654940"/>
+                  <a:pt x="2174140" y="5654940"/>
+                </a:cubicBezTo>
+                <a:cubicBezTo>
+                  <a:pt x="1412778" y="5654940"/>
+                  <a:pt x="712231" y="5394557"/>
+                  <a:pt x="156693" y="4957981"/>
+                </a:cubicBezTo>
+                <a:lnTo>
+                  <a:pt x="0" y="4820612"/>
+                </a:lnTo>
+                <a:close/>
+              </a:path>
+            </a:pathLst>
+          </a:custGeom>
+          <a:solidFill>
+            <a:schemeClr val="bg1">
+              <a:alpha val="75000"/>
+            </a:schemeClr>
+          </a:solidFill>
+          <a:ln>
+            <a:noFill/>
+          </a:ln>
+        </p:spPr>
+        <p:style>
+          <a:lnRef idx="2">
+            <a:schemeClr val="accent1">
+              <a:shade val="50000"/>
+            </a:schemeClr>
+          </a:lnRef>
+          <a:fillRef idx="1">
+            <a:schemeClr val="accent1"/>
+          </a:fillRef>
+          <a:effectRef idx="0">
+            <a:schemeClr val="accent1"/>
+          </a:effectRef>
+          <a:fontRef idx="minor">
+            <a:schemeClr val="lt1"/>
+          </a:fontRef>
+        </p:style>
+        <p:txBody>
+          <a:bodyPr rtlCol="0" anchor="ctr"/>
+          <a:lstStyle/>
+          <a:p>
+            <a:pPr marL="0" marR="0" lvl="0" indent="0" algn="ctr" defTabSz="914400" rtl="0" eaLnBrk="1" fontAlgn="auto" latinLnBrk="0" hangingPunct="1">
+              <a:lnSpc>
+                <a:spcPct val="100000"/>
+              </a:lnSpc>
+              <a:spcBef>
+                <a:spcPts val="0"/>
+              </a:spcBef>
+              <a:spcAft>
+                <a:spcPts val="0"/>
+              </a:spcAft>
+              <a:buClrTx/>
+              <a:buSzTx/>
+              <a:buFontTx/>
+              <a:buNone/>
+              <a:tabLst/>
+              <a:defRPr/>
+            </a:pPr>
+            <a:endParaRPr kumimoji="0" lang="en-US" sz="1800" b="0" i="0" u="none" strike="noStrike" kern="1200" cap="none" spc="0" normalizeH="0" baseline="0" noProof="0" dirty="0">
+              <a:ln>
+                <a:noFill/>
+              </a:ln>
+              <a:solidFill>
+                <a:prstClr val="white"/>
+              </a:solidFill>
+              <a:effectLst/>
+              <a:uLnTx/>
+              <a:uFillTx/>
+              <a:latin typeface="Calibri" panose="020F0502020204030204"/>
+              <a:ea typeface="+mn-ea"/>
+              <a:cs typeface="+mn-cs"/>
+            </a:endParaRPr>
+          </a:p>
+        </p:txBody>
+      </p:sp>
+      <p:sp>
+        <p:nvSpPr>
+          <p:cNvPr id="24" name="Titolo 1">
+            <a:extLst>
+              <a:ext uri="{FF2B5EF4-FFF2-40B4-BE49-F238E27FC236}">
+                <a16:creationId xmlns:a16="http://schemas.microsoft.com/office/drawing/2014/main" id="{A6A7A402-1981-462B-B43A-2992CC477682}"/>
+              </a:ext>
+            </a:extLst>
+          </p:cNvPr>
+          <p:cNvSpPr txBox="1">
+            <a:spLocks/>
+          </p:cNvSpPr>
+          <p:nvPr/>
+        </p:nvSpPr>
+        <p:spPr>
+          <a:xfrm>
+            <a:off x="750242" y="632990"/>
+            <a:ext cx="4062643" cy="1043409"/>
+          </a:xfrm>
+          <a:prstGeom prst="rect">
+            <a:avLst/>
+          </a:prstGeom>
+        </p:spPr>
+        <p:txBody>
+          <a:bodyPr vert="horz" lIns="91440" tIns="45720" rIns="91440" bIns="45720" rtlCol="0" anchor="ctr">
+            <a:normAutofit/>
+          </a:bodyPr>
+          <a:lstStyle>
+            <a:lvl1pPr algn="l" defTabSz="914400" rtl="0" eaLnBrk="1" latinLnBrk="0" hangingPunct="1">
+              <a:lnSpc>
+                <a:spcPct val="90000"/>
+              </a:lnSpc>
+              <a:spcBef>
+                <a:spcPct val="0"/>
+              </a:spcBef>
+              <a:buNone/>
+              <a:defRPr sz="4400" kern="1200">
+                <a:solidFill>
+                  <a:schemeClr val="tx1"/>
+                </a:solidFill>
+                <a:latin typeface="+mj-lt"/>
+                <a:ea typeface="+mj-ea"/>
+                <a:cs typeface="+mj-cs"/>
+              </a:defRPr>
+            </a:lvl1pPr>
+          </a:lstStyle>
+          <a:p>
+            <a:r>
+              <a:rPr lang="it-IT" sz="3400" b="1" dirty="0">
+                <a:solidFill>
+                  <a:schemeClr val="tx2"/>
+                </a:solidFill>
+              </a:rPr>
+              <a:t>Testing </a:t>
+            </a:r>
+            <a:r>
+              <a:rPr lang="it-IT" sz="3400" b="1" dirty="0" err="1">
+                <a:solidFill>
+                  <a:schemeClr val="tx2"/>
+                </a:solidFill>
+              </a:rPr>
+              <a:t>environment</a:t>
+            </a:r>
+            <a:endParaRPr lang="en-GB" sz="3400" b="1" dirty="0">
+              <a:solidFill>
+                <a:schemeClr val="tx2"/>
+              </a:solidFill>
+            </a:endParaRPr>
+          </a:p>
+        </p:txBody>
+      </p:sp>
+      <p:sp>
+        <p:nvSpPr>
+          <p:cNvPr id="25" name="Segnaposto contenuto 2">
+            <a:extLst>
+              <a:ext uri="{FF2B5EF4-FFF2-40B4-BE49-F238E27FC236}">
+                <a16:creationId xmlns:a16="http://schemas.microsoft.com/office/drawing/2014/main" id="{5AC5E6F4-A89B-462D-8116-E88054885160}"/>
+              </a:ext>
+            </a:extLst>
+          </p:cNvPr>
+          <p:cNvSpPr txBox="1">
+            <a:spLocks/>
+          </p:cNvSpPr>
+          <p:nvPr/>
+        </p:nvSpPr>
+        <p:spPr>
+          <a:xfrm>
+            <a:off x="750242" y="2489098"/>
+            <a:ext cx="3924116" cy="3780267"/>
+          </a:xfrm>
+          <a:prstGeom prst="rect">
+            <a:avLst/>
+          </a:prstGeom>
+        </p:spPr>
+        <p:txBody>
+          <a:bodyPr vert="horz" lIns="91440" tIns="45720" rIns="91440" bIns="45720" rtlCol="0" anchor="t">
+            <a:normAutofit/>
+          </a:bodyPr>
+          <a:lstStyle>
+            <a:lvl1pPr marL="228600" indent="-228600" algn="l" defTabSz="914400" rtl="0" eaLnBrk="1" latinLnBrk="0" hangingPunct="1">
+              <a:lnSpc>
+                <a:spcPct val="90000"/>
+              </a:lnSpc>
+              <a:spcBef>
+                <a:spcPts val="1000"/>
+              </a:spcBef>
+              <a:buFont typeface="Arial" panose="020B0604020202020204" pitchFamily="34" charset="0"/>
+              <a:buChar char="•"/>
+              <a:defRPr sz="2800" kern="1200">
+                <a:solidFill>
+                  <a:schemeClr val="tx1"/>
+                </a:solidFill>
+                <a:latin typeface="+mn-lt"/>
+                <a:ea typeface="+mn-ea"/>
+                <a:cs typeface="+mn-cs"/>
+              </a:defRPr>
+            </a:lvl1pPr>
+            <a:lvl2pPr marL="685800" indent="-228600" algn="l" defTabSz="914400" rtl="0" eaLnBrk="1" latinLnBrk="0" hangingPunct="1">
+              <a:lnSpc>
+                <a:spcPct val="90000"/>
+              </a:lnSpc>
+              <a:spcBef>
+                <a:spcPts val="500"/>
+              </a:spcBef>
+              <a:buFont typeface="Arial" panose="020B0604020202020204" pitchFamily="34" charset="0"/>
+              <a:buChar char="•"/>
+              <a:defRPr sz="2400" kern="1200">
+                <a:solidFill>
+                  <a:schemeClr val="tx1"/>
+                </a:solidFill>
+                <a:latin typeface="+mn-lt"/>
+                <a:ea typeface="+mn-ea"/>
+                <a:cs typeface="+mn-cs"/>
+              </a:defRPr>
+            </a:lvl2pPr>
+            <a:lvl3pPr marL="1143000" indent="-228600" algn="l" defTabSz="914400" rtl="0" eaLnBrk="1" latinLnBrk="0" hangingPunct="1">
+              <a:lnSpc>
+                <a:spcPct val="90000"/>
+              </a:lnSpc>
+              <a:spcBef>
+                <a:spcPts val="500"/>
+              </a:spcBef>
+              <a:buFont typeface="Arial" panose="020B0604020202020204" pitchFamily="34" charset="0"/>
+              <a:buChar char="•"/>
+              <a:defRPr sz="2000" kern="1200">
+                <a:solidFill>
+                  <a:schemeClr val="tx1"/>
+                </a:solidFill>
+                <a:latin typeface="+mn-lt"/>
+                <a:ea typeface="+mn-ea"/>
+                <a:cs typeface="+mn-cs"/>
+              </a:defRPr>
+            </a:lvl3pPr>
+            <a:lvl4pPr marL="1600200" indent="-228600" algn="l" defTabSz="914400" rtl="0" eaLnBrk="1" latinLnBrk="0" hangingPunct="1">
+              <a:lnSpc>
+                <a:spcPct val="90000"/>
+              </a:lnSpc>
+              <a:spcBef>
+                <a:spcPts val="500"/>
+              </a:spcBef>
+              <a:buFont typeface="Arial" panose="020B0604020202020204" pitchFamily="34" charset="0"/>
+              <a:buChar char="•"/>
+              <a:defRPr sz="1800" kern="1200">
+                <a:solidFill>
+                  <a:schemeClr val="tx1"/>
+                </a:solidFill>
+                <a:latin typeface="+mn-lt"/>
+                <a:ea typeface="+mn-ea"/>
+                <a:cs typeface="+mn-cs"/>
+              </a:defRPr>
+            </a:lvl4pPr>
+            <a:lvl5pPr marL="2057400" indent="-228600" algn="l" defTabSz="914400" rtl="0" eaLnBrk="1" latinLnBrk="0" hangingPunct="1">
+              <a:lnSpc>
+                <a:spcPct val="90000"/>
+              </a:lnSpc>
+              <a:spcBef>
+                <a:spcPts val="500"/>
+              </a:spcBef>
+              <a:buFont typeface="Arial" panose="020B0604020202020204" pitchFamily="34" charset="0"/>
+              <a:buChar char="•"/>
+              <a:defRPr sz="1800" kern="1200">
+                <a:solidFill>
+                  <a:schemeClr val="tx1"/>
+                </a:solidFill>
+                <a:latin typeface="+mn-lt"/>
+                <a:ea typeface="+mn-ea"/>
+                <a:cs typeface="+mn-cs"/>
+              </a:defRPr>
+            </a:lvl5pPr>
+            <a:lvl6pPr marL="2514600" indent="-228600" algn="l" defTabSz="914400" rtl="0" eaLnBrk="1" latinLnBrk="0" hangingPunct="1">
+              <a:lnSpc>
+                <a:spcPct val="90000"/>
+              </a:lnSpc>
+              <a:spcBef>
+                <a:spcPts val="500"/>
+              </a:spcBef>
+              <a:buFont typeface="Arial" panose="020B0604020202020204" pitchFamily="34" charset="0"/>
+              <a:buChar char="•"/>
+              <a:defRPr sz="1800" kern="1200">
+                <a:solidFill>
+                  <a:schemeClr val="tx1"/>
+                </a:solidFill>
+                <a:latin typeface="+mn-lt"/>
+                <a:ea typeface="+mn-ea"/>
+                <a:cs typeface="+mn-cs"/>
+              </a:defRPr>
+            </a:lvl6pPr>
+            <a:lvl7pPr marL="2971800" indent="-228600" algn="l" defTabSz="914400" rtl="0" eaLnBrk="1" latinLnBrk="0" hangingPunct="1">
+              <a:lnSpc>
+                <a:spcPct val="90000"/>
+              </a:lnSpc>
+              <a:spcBef>
+                <a:spcPts val="500"/>
+              </a:spcBef>
+              <a:buFont typeface="Arial" panose="020B0604020202020204" pitchFamily="34" charset="0"/>
+              <a:buChar char="•"/>
+              <a:defRPr sz="1800" kern="1200">
+                <a:solidFill>
+                  <a:schemeClr val="tx1"/>
+                </a:solidFill>
+                <a:latin typeface="+mn-lt"/>
+                <a:ea typeface="+mn-ea"/>
+                <a:cs typeface="+mn-cs"/>
+              </a:defRPr>
+            </a:lvl7pPr>
+            <a:lvl8pPr marL="3429000" indent="-228600" algn="l" defTabSz="914400" rtl="0" eaLnBrk="1" latinLnBrk="0" hangingPunct="1">
+              <a:lnSpc>
+                <a:spcPct val="90000"/>
+              </a:lnSpc>
+              <a:spcBef>
+                <a:spcPts val="500"/>
+              </a:spcBef>
+              <a:buFont typeface="Arial" panose="020B0604020202020204" pitchFamily="34" charset="0"/>
+              <a:buChar char="•"/>
+              <a:defRPr sz="1800" kern="1200">
+                <a:solidFill>
+                  <a:schemeClr val="tx1"/>
+                </a:solidFill>
+                <a:latin typeface="+mn-lt"/>
+                <a:ea typeface="+mn-ea"/>
+                <a:cs typeface="+mn-cs"/>
+              </a:defRPr>
+            </a:lvl8pPr>
+            <a:lvl9pPr marL="3886200" indent="-228600" algn="l" defTabSz="914400" rtl="0" eaLnBrk="1" latinLnBrk="0" hangingPunct="1">
+              <a:lnSpc>
+                <a:spcPct val="90000"/>
+              </a:lnSpc>
+              <a:spcBef>
+                <a:spcPts val="500"/>
+              </a:spcBef>
+              <a:buFont typeface="Arial" panose="020B0604020202020204" pitchFamily="34" charset="0"/>
+              <a:buChar char="•"/>
+              <a:defRPr sz="1800" kern="1200">
+                <a:solidFill>
+                  <a:schemeClr val="tx1"/>
+                </a:solidFill>
+                <a:latin typeface="+mn-lt"/>
+                <a:ea typeface="+mn-ea"/>
+                <a:cs typeface="+mn-cs"/>
+              </a:defRPr>
+            </a:lvl9pPr>
+          </a:lstStyle>
+          <a:p>
+            <a:r>
+              <a:rPr lang="it-IT" dirty="0"/>
+              <a:t>When the server </a:t>
+            </a:r>
+            <a:r>
+              <a:rPr lang="it-IT" dirty="0" err="1"/>
+              <a:t>is</a:t>
+            </a:r>
+            <a:r>
+              <a:rPr lang="it-IT" dirty="0"/>
+              <a:t> </a:t>
+            </a:r>
+            <a:r>
+              <a:rPr lang="it-IT" b="1" dirty="0"/>
+              <a:t>under </a:t>
+            </a:r>
+            <a:r>
+              <a:rPr lang="it-IT" b="1" dirty="0" err="1"/>
+              <a:t>attack</a:t>
+            </a:r>
+            <a:r>
+              <a:rPr lang="it-IT" dirty="0"/>
+              <a:t>:</a:t>
+            </a:r>
+          </a:p>
+          <a:p>
+            <a:pPr lvl="1"/>
+            <a:r>
+              <a:rPr lang="it-IT" dirty="0"/>
+              <a:t>it </a:t>
+            </a:r>
+            <a:r>
+              <a:rPr lang="it-IT" b="1" dirty="0" err="1"/>
+              <a:t>changes</a:t>
+            </a:r>
+            <a:r>
+              <a:rPr lang="it-IT" b="1" dirty="0"/>
+              <a:t> its address</a:t>
+            </a:r>
+            <a:r>
+              <a:rPr lang="it-IT" dirty="0"/>
+              <a:t>;</a:t>
+            </a:r>
+          </a:p>
+          <a:p>
+            <a:pPr lvl="1"/>
+            <a:r>
+              <a:rPr lang="it-IT" dirty="0"/>
+              <a:t>It </a:t>
+            </a:r>
+            <a:r>
+              <a:rPr lang="it-IT" b="1" dirty="0" err="1"/>
+              <a:t>notifies</a:t>
+            </a:r>
+            <a:r>
+              <a:rPr lang="it-IT" b="1" dirty="0"/>
+              <a:t> the Controller </a:t>
+            </a:r>
+            <a:r>
+              <a:rPr lang="it-IT" dirty="0"/>
+              <a:t>about the </a:t>
+            </a:r>
+            <a:r>
+              <a:rPr lang="it-IT" dirty="0" err="1"/>
+              <a:t>attack</a:t>
+            </a:r>
+            <a:r>
+              <a:rPr lang="it-IT" dirty="0"/>
+              <a:t>.  </a:t>
+            </a:r>
+          </a:p>
+        </p:txBody>
+      </p:sp>
+      <p:sp>
+        <p:nvSpPr>
+          <p:cNvPr id="26" name="Segnaposto piè di pagina 3">
+            <a:extLst>
+              <a:ext uri="{FF2B5EF4-FFF2-40B4-BE49-F238E27FC236}">
+                <a16:creationId xmlns:a16="http://schemas.microsoft.com/office/drawing/2014/main" id="{F5919EAC-275A-46C3-86EC-C350ABC98A16}"/>
+              </a:ext>
+            </a:extLst>
+          </p:cNvPr>
+          <p:cNvSpPr txBox="1">
+            <a:spLocks/>
+          </p:cNvSpPr>
+          <p:nvPr/>
+        </p:nvSpPr>
+        <p:spPr>
+          <a:xfrm>
+            <a:off x="750242" y="6092880"/>
+            <a:ext cx="3246992" cy="617260"/>
+          </a:xfrm>
+          <a:prstGeom prst="rect">
+            <a:avLst/>
+          </a:prstGeom>
+        </p:spPr>
+        <p:txBody>
+          <a:bodyPr vert="horz" lIns="91440" tIns="45720" rIns="91440" bIns="45720" rtlCol="0" anchor="ctr">
+            <a:normAutofit/>
+          </a:bodyPr>
+          <a:lstStyle>
+            <a:defPPr>
+              <a:defRPr lang="en-US"/>
+            </a:defPPr>
+            <a:lvl1pPr marL="0" algn="ctr" defTabSz="914400" rtl="0" eaLnBrk="1" latinLnBrk="0" hangingPunct="1">
+              <a:defRPr sz="1200" kern="1200">
+                <a:solidFill>
+                  <a:schemeClr val="tx1">
+                    <a:tint val="75000"/>
+                  </a:schemeClr>
+                </a:solidFill>
+                <a:latin typeface="+mn-lt"/>
+                <a:ea typeface="+mn-ea"/>
+                <a:cs typeface="+mn-cs"/>
+              </a:defRPr>
+            </a:lvl1pPr>
+            <a:lvl2pPr marL="457200" algn="l" defTabSz="914400" rtl="0" eaLnBrk="1" latinLnBrk="0" hangingPunct="1">
+              <a:defRPr sz="1800" kern="1200">
+                <a:solidFill>
+                  <a:schemeClr val="tx1"/>
+                </a:solidFill>
+                <a:latin typeface="+mn-lt"/>
+                <a:ea typeface="+mn-ea"/>
+                <a:cs typeface="+mn-cs"/>
+              </a:defRPr>
+            </a:lvl2pPr>
+            <a:lvl3pPr marL="914400" algn="l" defTabSz="914400" rtl="0" eaLnBrk="1" latinLnBrk="0" hangingPunct="1">
+              <a:defRPr sz="1800" kern="1200">
+                <a:solidFill>
+                  <a:schemeClr val="tx1"/>
+                </a:solidFill>
+                <a:latin typeface="+mn-lt"/>
+                <a:ea typeface="+mn-ea"/>
+                <a:cs typeface="+mn-cs"/>
+              </a:defRPr>
+            </a:lvl3pPr>
+            <a:lvl4pPr marL="1371600" algn="l" defTabSz="914400" rtl="0" eaLnBrk="1" latinLnBrk="0" hangingPunct="1">
+              <a:defRPr sz="1800" kern="1200">
+                <a:solidFill>
+                  <a:schemeClr val="tx1"/>
+                </a:solidFill>
+                <a:latin typeface="+mn-lt"/>
+                <a:ea typeface="+mn-ea"/>
+                <a:cs typeface="+mn-cs"/>
+              </a:defRPr>
+            </a:lvl4pPr>
+            <a:lvl5pPr marL="1828800" algn="l" defTabSz="914400" rtl="0" eaLnBrk="1" latinLnBrk="0" hangingPunct="1">
+              <a:defRPr sz="1800" kern="1200">
+                <a:solidFill>
+                  <a:schemeClr val="tx1"/>
+                </a:solidFill>
+                <a:latin typeface="+mn-lt"/>
+                <a:ea typeface="+mn-ea"/>
+                <a:cs typeface="+mn-cs"/>
+              </a:defRPr>
+            </a:lvl5pPr>
+            <a:lvl6pPr marL="2286000" algn="l" defTabSz="914400" rtl="0" eaLnBrk="1" latinLnBrk="0" hangingPunct="1">
+              <a:defRPr sz="1800" kern="1200">
+                <a:solidFill>
+                  <a:schemeClr val="tx1"/>
+                </a:solidFill>
+                <a:latin typeface="+mn-lt"/>
+                <a:ea typeface="+mn-ea"/>
+                <a:cs typeface="+mn-cs"/>
+              </a:defRPr>
+            </a:lvl6pPr>
+            <a:lvl7pPr marL="2743200" algn="l" defTabSz="914400" rtl="0" eaLnBrk="1" latinLnBrk="0" hangingPunct="1">
+              <a:defRPr sz="1800" kern="1200">
+                <a:solidFill>
+                  <a:schemeClr val="tx1"/>
+                </a:solidFill>
+                <a:latin typeface="+mn-lt"/>
+                <a:ea typeface="+mn-ea"/>
+                <a:cs typeface="+mn-cs"/>
+              </a:defRPr>
+            </a:lvl7pPr>
+            <a:lvl8pPr marL="3200400" algn="l" defTabSz="914400" rtl="0" eaLnBrk="1" latinLnBrk="0" hangingPunct="1">
+              <a:defRPr sz="1800" kern="1200">
+                <a:solidFill>
+                  <a:schemeClr val="tx1"/>
+                </a:solidFill>
+                <a:latin typeface="+mn-lt"/>
+                <a:ea typeface="+mn-ea"/>
+                <a:cs typeface="+mn-cs"/>
+              </a:defRPr>
+            </a:lvl8pPr>
+            <a:lvl9pPr marL="3657600" algn="l" defTabSz="914400" rtl="0" eaLnBrk="1" latinLnBrk="0" hangingPunct="1">
+              <a:defRPr sz="1800" kern="1200">
+                <a:solidFill>
+                  <a:schemeClr val="tx1"/>
+                </a:solidFill>
+                <a:latin typeface="+mn-lt"/>
+                <a:ea typeface="+mn-ea"/>
+                <a:cs typeface="+mn-cs"/>
+              </a:defRPr>
+            </a:lvl9pPr>
+          </a:lstStyle>
+          <a:p>
+            <a:pPr algn="l">
+              <a:spcAft>
+                <a:spcPts val="600"/>
+              </a:spcAft>
+            </a:pPr>
+            <a:r>
+              <a:rPr lang="it-IT" sz="1100">
+                <a:solidFill>
+                  <a:schemeClr val="tx1"/>
+                </a:solidFill>
+              </a:rPr>
+              <a:t>A. Le Caldare, E. Sassu, E. Scarselli</a:t>
+            </a:r>
+            <a:endParaRPr lang="en-GB" sz="1100" dirty="0">
+              <a:solidFill>
+                <a:schemeClr val="tx1"/>
+              </a:solidFill>
+            </a:endParaRPr>
+          </a:p>
+        </p:txBody>
+      </p:sp>
+      <p:sp>
+        <p:nvSpPr>
+          <p:cNvPr id="27" name="Segnaposto numero diapositiva 4">
+            <a:extLst>
+              <a:ext uri="{FF2B5EF4-FFF2-40B4-BE49-F238E27FC236}">
+                <a16:creationId xmlns:a16="http://schemas.microsoft.com/office/drawing/2014/main" id="{144FA246-62DE-4D8A-B3A7-E14DD88F9E99}"/>
+              </a:ext>
+            </a:extLst>
+          </p:cNvPr>
+          <p:cNvSpPr txBox="1">
+            <a:spLocks/>
+          </p:cNvSpPr>
+          <p:nvPr/>
+        </p:nvSpPr>
+        <p:spPr>
+          <a:xfrm>
+            <a:off x="11000232" y="6108192"/>
+            <a:ext cx="548640" cy="548640"/>
+          </a:xfrm>
+          <a:prstGeom prst="ellipse">
+            <a:avLst/>
+          </a:prstGeom>
+          <a:solidFill>
+            <a:srgbClr val="368B50"/>
+          </a:solidFill>
+        </p:spPr>
+        <p:txBody>
+          <a:bodyPr vert="horz" lIns="91440" tIns="45720" rIns="91440" bIns="45720" rtlCol="0" anchor="ctr">
+            <a:normAutofit/>
+          </a:bodyPr>
+          <a:lstStyle>
+            <a:defPPr>
+              <a:defRPr lang="en-US"/>
+            </a:defPPr>
+            <a:lvl1pPr marL="0" algn="r" defTabSz="914400" rtl="0" eaLnBrk="1" latinLnBrk="0" hangingPunct="1">
+              <a:defRPr sz="1200" kern="1200">
+                <a:solidFill>
+                  <a:schemeClr val="tx1">
+                    <a:tint val="75000"/>
+                  </a:schemeClr>
+                </a:solidFill>
+                <a:latin typeface="+mn-lt"/>
+                <a:ea typeface="+mn-ea"/>
+                <a:cs typeface="+mn-cs"/>
+              </a:defRPr>
+            </a:lvl1pPr>
+            <a:lvl2pPr marL="457200" algn="l" defTabSz="914400" rtl="0" eaLnBrk="1" latinLnBrk="0" hangingPunct="1">
+              <a:defRPr sz="1800" kern="1200">
+                <a:solidFill>
+                  <a:schemeClr val="tx1"/>
+                </a:solidFill>
+                <a:latin typeface="+mn-lt"/>
+                <a:ea typeface="+mn-ea"/>
+                <a:cs typeface="+mn-cs"/>
+              </a:defRPr>
+            </a:lvl2pPr>
+            <a:lvl3pPr marL="914400" algn="l" defTabSz="914400" rtl="0" eaLnBrk="1" latinLnBrk="0" hangingPunct="1">
+              <a:defRPr sz="1800" kern="1200">
+                <a:solidFill>
+                  <a:schemeClr val="tx1"/>
+                </a:solidFill>
+                <a:latin typeface="+mn-lt"/>
+                <a:ea typeface="+mn-ea"/>
+                <a:cs typeface="+mn-cs"/>
+              </a:defRPr>
+            </a:lvl3pPr>
+            <a:lvl4pPr marL="1371600" algn="l" defTabSz="914400" rtl="0" eaLnBrk="1" latinLnBrk="0" hangingPunct="1">
+              <a:defRPr sz="1800" kern="1200">
+                <a:solidFill>
+                  <a:schemeClr val="tx1"/>
+                </a:solidFill>
+                <a:latin typeface="+mn-lt"/>
+                <a:ea typeface="+mn-ea"/>
+                <a:cs typeface="+mn-cs"/>
+              </a:defRPr>
+            </a:lvl4pPr>
+            <a:lvl5pPr marL="1828800" algn="l" defTabSz="914400" rtl="0" eaLnBrk="1" latinLnBrk="0" hangingPunct="1">
+              <a:defRPr sz="1800" kern="1200">
+                <a:solidFill>
+                  <a:schemeClr val="tx1"/>
+                </a:solidFill>
+                <a:latin typeface="+mn-lt"/>
+                <a:ea typeface="+mn-ea"/>
+                <a:cs typeface="+mn-cs"/>
+              </a:defRPr>
+            </a:lvl5pPr>
+            <a:lvl6pPr marL="2286000" algn="l" defTabSz="914400" rtl="0" eaLnBrk="1" latinLnBrk="0" hangingPunct="1">
+              <a:defRPr sz="1800" kern="1200">
+                <a:solidFill>
+                  <a:schemeClr val="tx1"/>
+                </a:solidFill>
+                <a:latin typeface="+mn-lt"/>
+                <a:ea typeface="+mn-ea"/>
+                <a:cs typeface="+mn-cs"/>
+              </a:defRPr>
+            </a:lvl6pPr>
+            <a:lvl7pPr marL="2743200" algn="l" defTabSz="914400" rtl="0" eaLnBrk="1" latinLnBrk="0" hangingPunct="1">
+              <a:defRPr sz="1800" kern="1200">
+                <a:solidFill>
+                  <a:schemeClr val="tx1"/>
+                </a:solidFill>
+                <a:latin typeface="+mn-lt"/>
+                <a:ea typeface="+mn-ea"/>
+                <a:cs typeface="+mn-cs"/>
+              </a:defRPr>
+            </a:lvl7pPr>
+            <a:lvl8pPr marL="3200400" algn="l" defTabSz="914400" rtl="0" eaLnBrk="1" latinLnBrk="0" hangingPunct="1">
+              <a:defRPr sz="1800" kern="1200">
+                <a:solidFill>
+                  <a:schemeClr val="tx1"/>
+                </a:solidFill>
+                <a:latin typeface="+mn-lt"/>
+                <a:ea typeface="+mn-ea"/>
+                <a:cs typeface="+mn-cs"/>
+              </a:defRPr>
+            </a:lvl8pPr>
+            <a:lvl9pPr marL="3657600" algn="l" defTabSz="914400" rtl="0" eaLnBrk="1" latinLnBrk="0" hangingPunct="1">
+              <a:defRPr sz="1800" kern="1200">
+                <a:solidFill>
+                  <a:schemeClr val="tx1"/>
+                </a:solidFill>
+                <a:latin typeface="+mn-lt"/>
+                <a:ea typeface="+mn-ea"/>
+                <a:cs typeface="+mn-cs"/>
+              </a:defRPr>
+            </a:lvl9pPr>
+          </a:lstStyle>
+          <a:p>
+            <a:pPr algn="ctr">
+              <a:spcAft>
+                <a:spcPts val="600"/>
+              </a:spcAft>
+            </a:pPr>
+            <a:fld id="{5BB7E168-F539-4513-AD44-F276B24E7DDF}" type="slidenum">
+              <a:rPr lang="en-GB" sz="1500" smtClean="0">
+                <a:solidFill>
+                  <a:srgbClr val="FFFFFF"/>
+                </a:solidFill>
+              </a:rPr>
+              <a:pPr algn="ctr">
+                <a:spcAft>
+                  <a:spcPts val="600"/>
+                </a:spcAft>
+              </a:pPr>
+              <a:t>14</a:t>
+            </a:fld>
+            <a:endParaRPr lang="en-GB" sz="1500">
+              <a:solidFill>
+                <a:srgbClr val="FFFFFF"/>
+              </a:solidFill>
+            </a:endParaRPr>
+          </a:p>
+        </p:txBody>
+      </p:sp>
+    </p:spTree>
+    <p:extLst>
+      <p:ext uri="{BB962C8B-B14F-4D97-AF65-F5344CB8AC3E}">
+        <p14:creationId xmlns:p14="http://schemas.microsoft.com/office/powerpoint/2010/main" val="1995289489"/>
+      </p:ext>
+    </p:extLst>
+  </p:cSld>
+  <p:clrMapOvr>
+    <a:masterClrMapping/>
+  </p:clrMapOvr>
+</p:sld>
+</file>
+
+<file path=ppt/slides/slide15.xml><?xml version="1.0" encoding="utf-8"?>
+<p:sld xmlns:a="http://schemas.openxmlformats.org/drawingml/2006/main" xmlns:r="http://schemas.openxmlformats.org/officeDocument/2006/relationships" xmlns:p="http://schemas.openxmlformats.org/presentationml/2006/main">
+  <p:cSld>
+    <p:bg>
+      <p:bgPr>
+        <a:solidFill>
+          <a:schemeClr val="bg1"/>
+        </a:solidFill>
+        <a:effectLst/>
+      </p:bgPr>
+    </p:bg>
+    <p:spTree>
+      <p:nvGrpSpPr>
+        <p:cNvPr id="1" name=""/>
+        <p:cNvGrpSpPr/>
+        <p:nvPr/>
+      </p:nvGrpSpPr>
+      <p:grpSpPr>
+        <a:xfrm>
+          <a:off x="0" y="0"/>
+          <a:ext cx="0" cy="0"/>
+          <a:chOff x="0" y="0"/>
+          <a:chExt cx="0" cy="0"/>
+        </a:xfrm>
+      </p:grpSpPr>
+      <p:pic>
+        <p:nvPicPr>
+          <p:cNvPr id="6" name="Immagine 5" descr="Immagine che contiene testo, mappa&#10;&#10;Descrizione generata automaticamente">
+            <a:extLst>
+              <a:ext uri="{FF2B5EF4-FFF2-40B4-BE49-F238E27FC236}">
+                <a16:creationId xmlns:a16="http://schemas.microsoft.com/office/drawing/2014/main" id="{9A0D6532-ACC6-4C0C-A95D-9D4851321469}"/>
+              </a:ext>
+            </a:extLst>
+          </p:cNvPr>
+          <p:cNvPicPr>
+            <a:picLocks noChangeAspect="1"/>
+          </p:cNvPicPr>
+          <p:nvPr/>
+        </p:nvPicPr>
+        <p:blipFill rotWithShape="1">
+          <a:blip r:embed="rId3">
+            <a:extLst>
+              <a:ext uri="{28A0092B-C50C-407E-A947-70E740481C1C}">
+                <a14:useLocalDpi xmlns:a14="http://schemas.microsoft.com/office/drawing/2010/main" val="0"/>
+              </a:ext>
+            </a:extLst>
+          </a:blip>
+          <a:srcRect t="1370" r="1" b="1"/>
+          <a:stretch/>
+        </p:blipFill>
+        <p:spPr>
+          <a:xfrm>
+            <a:off x="1828801" y="201168"/>
+            <a:ext cx="10248331" cy="6599739"/>
+          </a:xfrm>
+          <a:prstGeom prst="rect">
+            <a:avLst/>
+          </a:prstGeom>
+        </p:spPr>
+      </p:pic>
+      <p:sp>
+        <p:nvSpPr>
+          <p:cNvPr id="22" name="Freeform: Shape 18">
+            <a:extLst>
+              <a:ext uri="{FF2B5EF4-FFF2-40B4-BE49-F238E27FC236}">
+                <a16:creationId xmlns:a16="http://schemas.microsoft.com/office/drawing/2014/main" id="{0A17A3F1-0233-4065-85F8-72464D7AAC9C}"/>
+              </a:ext>
+              <a:ext uri="{C183D7F6-B498-43B3-948B-1728B52AA6E4}">
+                <adec:decorative xmlns:adec="http://schemas.microsoft.com/office/drawing/2017/decorative" val="1"/>
+              </a:ext>
+            </a:extLst>
+          </p:cNvPr>
+          <p:cNvSpPr>
+            <a:spLocks noGrp="1" noRot="1" noChangeAspect="1" noMove="1" noResize="1" noEditPoints="1" noAdjustHandles="1" noChangeArrowheads="1" noChangeShapeType="1" noTextEdit="1"/>
+          </p:cNvSpPr>
+          <p:nvPr>
+            <p:extLst>
+              <p:ext uri="{386F3935-93C4-4BCD-93E2-E3B085C9AB24}">
+                <p16:designElem xmlns:p16="http://schemas.microsoft.com/office/powerpoint/2015/main" val="1"/>
+              </p:ext>
+            </p:extLst>
+          </p:nvPr>
+        </p:nvSpPr>
+        <p:spPr>
+          <a:xfrm>
+            <a:off x="0" y="-2008"/>
+            <a:ext cx="5609220" cy="5840278"/>
+          </a:xfrm>
+          <a:custGeom>
+            <a:avLst/>
+            <a:gdLst>
+              <a:gd name="connsiteX0" fmla="*/ 0 w 5609220"/>
+              <a:gd name="connsiteY0" fmla="*/ 0 h 5840278"/>
+              <a:gd name="connsiteX1" fmla="*/ 4637091 w 5609220"/>
+              <a:gd name="connsiteY1" fmla="*/ 0 h 5840278"/>
+              <a:gd name="connsiteX2" fmla="*/ 4822569 w 5609220"/>
+              <a:gd name="connsiteY2" fmla="*/ 204077 h 5840278"/>
+              <a:gd name="connsiteX3" fmla="*/ 5609220 w 5609220"/>
+              <a:gd name="connsiteY3" fmla="*/ 2395363 h 5840278"/>
+              <a:gd name="connsiteX4" fmla="*/ 2164305 w 5609220"/>
+              <a:gd name="connsiteY4" fmla="*/ 5840278 h 5840278"/>
+              <a:gd name="connsiteX5" fmla="*/ 238220 w 5609220"/>
+              <a:gd name="connsiteY5" fmla="*/ 5251941 h 5840278"/>
+              <a:gd name="connsiteX6" fmla="*/ 0 w 5609220"/>
+              <a:gd name="connsiteY6" fmla="*/ 5073803 h 5840278"/>
+            </a:gdLst>
+            <a:ahLst/>
+            <a:cxnLst>
+              <a:cxn ang="0">
+                <a:pos x="connsiteX0" y="connsiteY0"/>
+              </a:cxn>
+              <a:cxn ang="0">
+                <a:pos x="connsiteX1" y="connsiteY1"/>
+              </a:cxn>
+              <a:cxn ang="0">
+                <a:pos x="connsiteX2" y="connsiteY2"/>
+              </a:cxn>
+              <a:cxn ang="0">
+                <a:pos x="connsiteX3" y="connsiteY3"/>
+              </a:cxn>
+              <a:cxn ang="0">
+                <a:pos x="connsiteX4" y="connsiteY4"/>
+              </a:cxn>
+              <a:cxn ang="0">
+                <a:pos x="connsiteX5" y="connsiteY5"/>
+              </a:cxn>
+              <a:cxn ang="0">
+                <a:pos x="connsiteX6" y="connsiteY6"/>
+              </a:cxn>
+            </a:cxnLst>
+            <a:rect l="l" t="t" r="r" b="b"/>
+            <a:pathLst>
+              <a:path w="5609220" h="5840278">
+                <a:moveTo>
+                  <a:pt x="0" y="0"/>
+                </a:moveTo>
+                <a:lnTo>
+                  <a:pt x="4637091" y="0"/>
+                </a:lnTo>
+                <a:lnTo>
+                  <a:pt x="4822569" y="204077"/>
+                </a:lnTo>
+                <a:cubicBezTo>
+                  <a:pt x="5314007" y="799562"/>
+                  <a:pt x="5609220" y="1562987"/>
+                  <a:pt x="5609220" y="2395363"/>
+                </a:cubicBezTo>
+                <a:cubicBezTo>
+                  <a:pt x="5609220" y="4297937"/>
+                  <a:pt x="4066879" y="5840278"/>
+                  <a:pt x="2164305" y="5840278"/>
+                </a:cubicBezTo>
+                <a:cubicBezTo>
+                  <a:pt x="1450840" y="5840278"/>
+                  <a:pt x="788032" y="5623387"/>
+                  <a:pt x="238220" y="5251941"/>
+                </a:cubicBezTo>
+                <a:lnTo>
+                  <a:pt x="0" y="5073803"/>
+                </a:lnTo>
+                <a:close/>
+              </a:path>
+            </a:pathLst>
+          </a:custGeom>
+          <a:solidFill>
+            <a:schemeClr val="bg1">
+              <a:alpha val="50000"/>
+            </a:schemeClr>
+          </a:solidFill>
+          <a:ln>
+            <a:noFill/>
+          </a:ln>
+        </p:spPr>
+        <p:style>
+          <a:lnRef idx="2">
+            <a:schemeClr val="accent1">
+              <a:shade val="50000"/>
+            </a:schemeClr>
+          </a:lnRef>
+          <a:fillRef idx="1">
+            <a:schemeClr val="accent1"/>
+          </a:fillRef>
+          <a:effectRef idx="0">
+            <a:schemeClr val="accent1"/>
+          </a:effectRef>
+          <a:fontRef idx="minor">
+            <a:schemeClr val="lt1"/>
+          </a:fontRef>
+        </p:style>
+        <p:txBody>
+          <a:bodyPr rtlCol="0" anchor="ctr"/>
+          <a:lstStyle/>
+          <a:p>
+            <a:pPr marL="0" marR="0" lvl="0" indent="0" algn="ctr" defTabSz="914400" rtl="0" eaLnBrk="1" fontAlgn="auto" latinLnBrk="0" hangingPunct="1">
+              <a:lnSpc>
+                <a:spcPct val="100000"/>
+              </a:lnSpc>
+              <a:spcBef>
+                <a:spcPts val="0"/>
+              </a:spcBef>
+              <a:spcAft>
+                <a:spcPts val="0"/>
+              </a:spcAft>
+              <a:buClrTx/>
+              <a:buSzTx/>
+              <a:buFontTx/>
+              <a:buNone/>
+              <a:tabLst/>
+              <a:defRPr/>
+            </a:pPr>
+            <a:endParaRPr kumimoji="0" lang="en-US" sz="1800" b="0" i="0" u="none" strike="noStrike" kern="1200" cap="none" spc="0" normalizeH="0" baseline="0" noProof="0">
+              <a:ln>
+                <a:noFill/>
+              </a:ln>
+              <a:solidFill>
+                <a:prstClr val="white"/>
+              </a:solidFill>
+              <a:effectLst/>
+              <a:uLnTx/>
+              <a:uFillTx/>
+              <a:latin typeface="Calibri" panose="020F0502020204030204"/>
+              <a:ea typeface="+mn-ea"/>
+              <a:cs typeface="+mn-cs"/>
+            </a:endParaRPr>
+          </a:p>
+        </p:txBody>
+      </p:sp>
+      <p:sp>
+        <p:nvSpPr>
+          <p:cNvPr id="23" name="Freeform: Shape 20">
+            <a:extLst>
+              <a:ext uri="{FF2B5EF4-FFF2-40B4-BE49-F238E27FC236}">
+                <a16:creationId xmlns:a16="http://schemas.microsoft.com/office/drawing/2014/main" id="{3D180422-2407-4A7F-828A-60F76B6CD491}"/>
+              </a:ext>
+              <a:ext uri="{C183D7F6-B498-43B3-948B-1728B52AA6E4}">
+                <adec:decorative xmlns:adec="http://schemas.microsoft.com/office/drawing/2017/decorative" val="1"/>
+              </a:ext>
+            </a:extLst>
+          </p:cNvPr>
+          <p:cNvSpPr>
+            <a:spLocks noGrp="1" noRot="1" noChangeAspect="1" noMove="1" noResize="1" noEditPoints="1" noAdjustHandles="1" noChangeArrowheads="1" noChangeShapeType="1" noTextEdit="1"/>
+          </p:cNvSpPr>
+          <p:nvPr>
+            <p:extLst>
+              <p:ext uri="{386F3935-93C4-4BCD-93E2-E3B085C9AB24}">
+                <p16:designElem xmlns:p16="http://schemas.microsoft.com/office/powerpoint/2015/main" val="1"/>
+              </p:ext>
+            </p:extLst>
+          </p:nvPr>
+        </p:nvSpPr>
+        <p:spPr>
+          <a:xfrm>
+            <a:off x="-2333" y="-2"/>
+            <a:ext cx="5441859" cy="5654940"/>
+          </a:xfrm>
+          <a:custGeom>
+            <a:avLst/>
+            <a:gdLst>
+              <a:gd name="connsiteX0" fmla="*/ 0 w 5441859"/>
+              <a:gd name="connsiteY0" fmla="*/ 0 h 5654940"/>
+              <a:gd name="connsiteX1" fmla="*/ 4400492 w 5441859"/>
+              <a:gd name="connsiteY1" fmla="*/ 0 h 5654940"/>
+              <a:gd name="connsiteX2" fmla="*/ 4484767 w 5441859"/>
+              <a:gd name="connsiteY2" fmla="*/ 76595 h 5654940"/>
+              <a:gd name="connsiteX3" fmla="*/ 5441859 w 5441859"/>
+              <a:gd name="connsiteY3" fmla="*/ 2387221 h 5654940"/>
+              <a:gd name="connsiteX4" fmla="*/ 2174140 w 5441859"/>
+              <a:gd name="connsiteY4" fmla="*/ 5654940 h 5654940"/>
+              <a:gd name="connsiteX5" fmla="*/ 156693 w 5441859"/>
+              <a:gd name="connsiteY5" fmla="*/ 4957981 h 5654940"/>
+              <a:gd name="connsiteX6" fmla="*/ 0 w 5441859"/>
+              <a:gd name="connsiteY6" fmla="*/ 4820612 h 5654940"/>
+            </a:gdLst>
+            <a:ahLst/>
+            <a:cxnLst>
+              <a:cxn ang="0">
+                <a:pos x="connsiteX0" y="connsiteY0"/>
+              </a:cxn>
+              <a:cxn ang="0">
+                <a:pos x="connsiteX1" y="connsiteY1"/>
+              </a:cxn>
+              <a:cxn ang="0">
+                <a:pos x="connsiteX2" y="connsiteY2"/>
+              </a:cxn>
+              <a:cxn ang="0">
+                <a:pos x="connsiteX3" y="connsiteY3"/>
+              </a:cxn>
+              <a:cxn ang="0">
+                <a:pos x="connsiteX4" y="connsiteY4"/>
+              </a:cxn>
+              <a:cxn ang="0">
+                <a:pos x="connsiteX5" y="connsiteY5"/>
+              </a:cxn>
+              <a:cxn ang="0">
+                <a:pos x="connsiteX6" y="connsiteY6"/>
+              </a:cxn>
+            </a:cxnLst>
+            <a:rect l="l" t="t" r="r" b="b"/>
+            <a:pathLst>
+              <a:path w="5441859" h="5654940">
+                <a:moveTo>
+                  <a:pt x="0" y="0"/>
+                </a:moveTo>
+                <a:lnTo>
+                  <a:pt x="4400492" y="0"/>
+                </a:lnTo>
+                <a:lnTo>
+                  <a:pt x="4484767" y="76595"/>
+                </a:lnTo>
+                <a:cubicBezTo>
+                  <a:pt x="5076108" y="667936"/>
+                  <a:pt x="5441859" y="1484866"/>
+                  <a:pt x="5441859" y="2387221"/>
+                </a:cubicBezTo>
+                <a:cubicBezTo>
+                  <a:pt x="5441859" y="4191932"/>
+                  <a:pt x="3978851" y="5654940"/>
+                  <a:pt x="2174140" y="5654940"/>
+                </a:cubicBezTo>
+                <a:cubicBezTo>
+                  <a:pt x="1412778" y="5654940"/>
+                  <a:pt x="712231" y="5394557"/>
+                  <a:pt x="156693" y="4957981"/>
+                </a:cubicBezTo>
+                <a:lnTo>
+                  <a:pt x="0" y="4820612"/>
+                </a:lnTo>
+                <a:close/>
+              </a:path>
+            </a:pathLst>
+          </a:custGeom>
+          <a:solidFill>
+            <a:schemeClr val="bg1">
+              <a:alpha val="75000"/>
+            </a:schemeClr>
+          </a:solidFill>
+          <a:ln>
+            <a:noFill/>
+          </a:ln>
+        </p:spPr>
+        <p:style>
+          <a:lnRef idx="2">
+            <a:schemeClr val="accent1">
+              <a:shade val="50000"/>
+            </a:schemeClr>
+          </a:lnRef>
+          <a:fillRef idx="1">
+            <a:schemeClr val="accent1"/>
+          </a:fillRef>
+          <a:effectRef idx="0">
+            <a:schemeClr val="accent1"/>
+          </a:effectRef>
+          <a:fontRef idx="minor">
+            <a:schemeClr val="lt1"/>
+          </a:fontRef>
+        </p:style>
+        <p:txBody>
+          <a:bodyPr rtlCol="0" anchor="ctr"/>
+          <a:lstStyle/>
+          <a:p>
+            <a:pPr marL="0" marR="0" lvl="0" indent="0" algn="ctr" defTabSz="914400" rtl="0" eaLnBrk="1" fontAlgn="auto" latinLnBrk="0" hangingPunct="1">
+              <a:lnSpc>
+                <a:spcPct val="100000"/>
+              </a:lnSpc>
+              <a:spcBef>
+                <a:spcPts val="0"/>
+              </a:spcBef>
+              <a:spcAft>
+                <a:spcPts val="0"/>
+              </a:spcAft>
+              <a:buClrTx/>
+              <a:buSzTx/>
+              <a:buFontTx/>
+              <a:buNone/>
+              <a:tabLst/>
+              <a:defRPr/>
+            </a:pPr>
+            <a:endParaRPr kumimoji="0" lang="en-US" sz="1800" b="0" i="0" u="none" strike="noStrike" kern="1200" cap="none" spc="0" normalizeH="0" baseline="0" noProof="0" dirty="0">
+              <a:ln>
+                <a:noFill/>
+              </a:ln>
+              <a:solidFill>
+                <a:prstClr val="white"/>
+              </a:solidFill>
+              <a:effectLst/>
+              <a:uLnTx/>
+              <a:uFillTx/>
+              <a:latin typeface="Calibri" panose="020F0502020204030204"/>
+              <a:ea typeface="+mn-ea"/>
+              <a:cs typeface="+mn-cs"/>
+            </a:endParaRPr>
+          </a:p>
+        </p:txBody>
+      </p:sp>
+      <p:sp>
+        <p:nvSpPr>
+          <p:cNvPr id="24" name="Titolo 1">
+            <a:extLst>
+              <a:ext uri="{FF2B5EF4-FFF2-40B4-BE49-F238E27FC236}">
+                <a16:creationId xmlns:a16="http://schemas.microsoft.com/office/drawing/2014/main" id="{A6A7A402-1981-462B-B43A-2992CC477682}"/>
+              </a:ext>
+            </a:extLst>
+          </p:cNvPr>
+          <p:cNvSpPr txBox="1">
+            <a:spLocks/>
+          </p:cNvSpPr>
+          <p:nvPr/>
+        </p:nvSpPr>
+        <p:spPr>
+          <a:xfrm>
+            <a:off x="750242" y="632990"/>
+            <a:ext cx="4062643" cy="1043409"/>
+          </a:xfrm>
+          <a:prstGeom prst="rect">
+            <a:avLst/>
+          </a:prstGeom>
+        </p:spPr>
+        <p:txBody>
+          <a:bodyPr vert="horz" lIns="91440" tIns="45720" rIns="91440" bIns="45720" rtlCol="0" anchor="ctr">
+            <a:normAutofit/>
+          </a:bodyPr>
+          <a:lstStyle>
+            <a:lvl1pPr algn="l" defTabSz="914400" rtl="0" eaLnBrk="1" latinLnBrk="0" hangingPunct="1">
+              <a:lnSpc>
+                <a:spcPct val="90000"/>
+              </a:lnSpc>
+              <a:spcBef>
+                <a:spcPct val="0"/>
+              </a:spcBef>
+              <a:buNone/>
+              <a:defRPr sz="4400" kern="1200">
+                <a:solidFill>
+                  <a:schemeClr val="tx1"/>
+                </a:solidFill>
+                <a:latin typeface="+mj-lt"/>
+                <a:ea typeface="+mj-ea"/>
+                <a:cs typeface="+mj-cs"/>
+              </a:defRPr>
+            </a:lvl1pPr>
+          </a:lstStyle>
+          <a:p>
+            <a:r>
+              <a:rPr lang="it-IT" sz="3400" b="1" dirty="0">
+                <a:solidFill>
+                  <a:schemeClr val="tx2"/>
+                </a:solidFill>
+              </a:rPr>
+              <a:t>Testing </a:t>
+            </a:r>
+            <a:r>
+              <a:rPr lang="it-IT" sz="3400" b="1" dirty="0" err="1">
+                <a:solidFill>
+                  <a:schemeClr val="tx2"/>
+                </a:solidFill>
+              </a:rPr>
+              <a:t>environment</a:t>
+            </a:r>
+            <a:endParaRPr lang="en-GB" sz="3400" b="1" dirty="0">
+              <a:solidFill>
+                <a:schemeClr val="tx2"/>
+              </a:solidFill>
+            </a:endParaRPr>
+          </a:p>
+        </p:txBody>
+      </p:sp>
+      <p:sp>
+        <p:nvSpPr>
+          <p:cNvPr id="25" name="Segnaposto contenuto 2">
+            <a:extLst>
+              <a:ext uri="{FF2B5EF4-FFF2-40B4-BE49-F238E27FC236}">
+                <a16:creationId xmlns:a16="http://schemas.microsoft.com/office/drawing/2014/main" id="{5AC5E6F4-A89B-462D-8116-E88054885160}"/>
+              </a:ext>
+            </a:extLst>
+          </p:cNvPr>
+          <p:cNvSpPr txBox="1">
+            <a:spLocks/>
+          </p:cNvSpPr>
+          <p:nvPr/>
+        </p:nvSpPr>
+        <p:spPr>
+          <a:xfrm>
+            <a:off x="750242" y="2489098"/>
+            <a:ext cx="3924116" cy="3780267"/>
+          </a:xfrm>
+          <a:prstGeom prst="rect">
+            <a:avLst/>
+          </a:prstGeom>
+        </p:spPr>
+        <p:txBody>
+          <a:bodyPr vert="horz" lIns="91440" tIns="45720" rIns="91440" bIns="45720" rtlCol="0" anchor="t">
+            <a:normAutofit/>
+          </a:bodyPr>
+          <a:lstStyle>
+            <a:lvl1pPr marL="228600" indent="-228600" algn="l" defTabSz="914400" rtl="0" eaLnBrk="1" latinLnBrk="0" hangingPunct="1">
+              <a:lnSpc>
+                <a:spcPct val="90000"/>
+              </a:lnSpc>
+              <a:spcBef>
+                <a:spcPts val="1000"/>
+              </a:spcBef>
+              <a:buFont typeface="Arial" panose="020B0604020202020204" pitchFamily="34" charset="0"/>
+              <a:buChar char="•"/>
+              <a:defRPr sz="2800" kern="1200">
+                <a:solidFill>
+                  <a:schemeClr val="tx1"/>
+                </a:solidFill>
+                <a:latin typeface="+mn-lt"/>
+                <a:ea typeface="+mn-ea"/>
+                <a:cs typeface="+mn-cs"/>
+              </a:defRPr>
+            </a:lvl1pPr>
+            <a:lvl2pPr marL="685800" indent="-228600" algn="l" defTabSz="914400" rtl="0" eaLnBrk="1" latinLnBrk="0" hangingPunct="1">
+              <a:lnSpc>
+                <a:spcPct val="90000"/>
+              </a:lnSpc>
+              <a:spcBef>
+                <a:spcPts val="500"/>
+              </a:spcBef>
+              <a:buFont typeface="Arial" panose="020B0604020202020204" pitchFamily="34" charset="0"/>
+              <a:buChar char="•"/>
+              <a:defRPr sz="2400" kern="1200">
+                <a:solidFill>
+                  <a:schemeClr val="tx1"/>
+                </a:solidFill>
+                <a:latin typeface="+mn-lt"/>
+                <a:ea typeface="+mn-ea"/>
+                <a:cs typeface="+mn-cs"/>
+              </a:defRPr>
+            </a:lvl2pPr>
+            <a:lvl3pPr marL="1143000" indent="-228600" algn="l" defTabSz="914400" rtl="0" eaLnBrk="1" latinLnBrk="0" hangingPunct="1">
+              <a:lnSpc>
+                <a:spcPct val="90000"/>
+              </a:lnSpc>
+              <a:spcBef>
+                <a:spcPts val="500"/>
+              </a:spcBef>
+              <a:buFont typeface="Arial" panose="020B0604020202020204" pitchFamily="34" charset="0"/>
+              <a:buChar char="•"/>
+              <a:defRPr sz="2000" kern="1200">
+                <a:solidFill>
+                  <a:schemeClr val="tx1"/>
+                </a:solidFill>
+                <a:latin typeface="+mn-lt"/>
+                <a:ea typeface="+mn-ea"/>
+                <a:cs typeface="+mn-cs"/>
+              </a:defRPr>
+            </a:lvl3pPr>
+            <a:lvl4pPr marL="1600200" indent="-228600" algn="l" defTabSz="914400" rtl="0" eaLnBrk="1" latinLnBrk="0" hangingPunct="1">
+              <a:lnSpc>
+                <a:spcPct val="90000"/>
+              </a:lnSpc>
+              <a:spcBef>
+                <a:spcPts val="500"/>
+              </a:spcBef>
+              <a:buFont typeface="Arial" panose="020B0604020202020204" pitchFamily="34" charset="0"/>
+              <a:buChar char="•"/>
+              <a:defRPr sz="1800" kern="1200">
+                <a:solidFill>
+                  <a:schemeClr val="tx1"/>
+                </a:solidFill>
+                <a:latin typeface="+mn-lt"/>
+                <a:ea typeface="+mn-ea"/>
+                <a:cs typeface="+mn-cs"/>
+              </a:defRPr>
+            </a:lvl4pPr>
+            <a:lvl5pPr marL="2057400" indent="-228600" algn="l" defTabSz="914400" rtl="0" eaLnBrk="1" latinLnBrk="0" hangingPunct="1">
+              <a:lnSpc>
+                <a:spcPct val="90000"/>
+              </a:lnSpc>
+              <a:spcBef>
+                <a:spcPts val="500"/>
+              </a:spcBef>
+              <a:buFont typeface="Arial" panose="020B0604020202020204" pitchFamily="34" charset="0"/>
+              <a:buChar char="•"/>
+              <a:defRPr sz="1800" kern="1200">
+                <a:solidFill>
+                  <a:schemeClr val="tx1"/>
+                </a:solidFill>
+                <a:latin typeface="+mn-lt"/>
+                <a:ea typeface="+mn-ea"/>
+                <a:cs typeface="+mn-cs"/>
+              </a:defRPr>
+            </a:lvl5pPr>
+            <a:lvl6pPr marL="2514600" indent="-228600" algn="l" defTabSz="914400" rtl="0" eaLnBrk="1" latinLnBrk="0" hangingPunct="1">
+              <a:lnSpc>
+                <a:spcPct val="90000"/>
+              </a:lnSpc>
+              <a:spcBef>
+                <a:spcPts val="500"/>
+              </a:spcBef>
+              <a:buFont typeface="Arial" panose="020B0604020202020204" pitchFamily="34" charset="0"/>
+              <a:buChar char="•"/>
+              <a:defRPr sz="1800" kern="1200">
+                <a:solidFill>
+                  <a:schemeClr val="tx1"/>
+                </a:solidFill>
+                <a:latin typeface="+mn-lt"/>
+                <a:ea typeface="+mn-ea"/>
+                <a:cs typeface="+mn-cs"/>
+              </a:defRPr>
+            </a:lvl6pPr>
+            <a:lvl7pPr marL="2971800" indent="-228600" algn="l" defTabSz="914400" rtl="0" eaLnBrk="1" latinLnBrk="0" hangingPunct="1">
+              <a:lnSpc>
+                <a:spcPct val="90000"/>
+              </a:lnSpc>
+              <a:spcBef>
+                <a:spcPts val="500"/>
+              </a:spcBef>
+              <a:buFont typeface="Arial" panose="020B0604020202020204" pitchFamily="34" charset="0"/>
+              <a:buChar char="•"/>
+              <a:defRPr sz="1800" kern="1200">
+                <a:solidFill>
+                  <a:schemeClr val="tx1"/>
+                </a:solidFill>
+                <a:latin typeface="+mn-lt"/>
+                <a:ea typeface="+mn-ea"/>
+                <a:cs typeface="+mn-cs"/>
+              </a:defRPr>
+            </a:lvl7pPr>
+            <a:lvl8pPr marL="3429000" indent="-228600" algn="l" defTabSz="914400" rtl="0" eaLnBrk="1" latinLnBrk="0" hangingPunct="1">
+              <a:lnSpc>
+                <a:spcPct val="90000"/>
+              </a:lnSpc>
+              <a:spcBef>
+                <a:spcPts val="500"/>
+              </a:spcBef>
+              <a:buFont typeface="Arial" panose="020B0604020202020204" pitchFamily="34" charset="0"/>
+              <a:buChar char="•"/>
+              <a:defRPr sz="1800" kern="1200">
+                <a:solidFill>
+                  <a:schemeClr val="tx1"/>
+                </a:solidFill>
+                <a:latin typeface="+mn-lt"/>
+                <a:ea typeface="+mn-ea"/>
+                <a:cs typeface="+mn-cs"/>
+              </a:defRPr>
+            </a:lvl8pPr>
+            <a:lvl9pPr marL="3886200" indent="-228600" algn="l" defTabSz="914400" rtl="0" eaLnBrk="1" latinLnBrk="0" hangingPunct="1">
+              <a:lnSpc>
+                <a:spcPct val="90000"/>
+              </a:lnSpc>
+              <a:spcBef>
+                <a:spcPts val="500"/>
+              </a:spcBef>
+              <a:buFont typeface="Arial" panose="020B0604020202020204" pitchFamily="34" charset="0"/>
+              <a:buChar char="•"/>
+              <a:defRPr sz="1800" kern="1200">
+                <a:solidFill>
+                  <a:schemeClr val="tx1"/>
+                </a:solidFill>
+                <a:latin typeface="+mn-lt"/>
+                <a:ea typeface="+mn-ea"/>
+                <a:cs typeface="+mn-cs"/>
+              </a:defRPr>
+            </a:lvl9pPr>
+          </a:lstStyle>
+          <a:p>
+            <a:r>
+              <a:rPr lang="en-GB" dirty="0"/>
+              <a:t>When the server </a:t>
+            </a:r>
+            <a:r>
+              <a:rPr lang="en-GB" b="1" dirty="0"/>
+              <a:t>changes address</a:t>
+            </a:r>
+            <a:r>
+              <a:rPr lang="en-GB" dirty="0"/>
+              <a:t>:</a:t>
+            </a:r>
+          </a:p>
+          <a:p>
+            <a:pPr lvl="1"/>
+            <a:r>
+              <a:rPr lang="en-GB" dirty="0"/>
+              <a:t>Clients can forward to the new server address,</a:t>
+            </a:r>
+          </a:p>
+          <a:p>
+            <a:pPr lvl="1"/>
+            <a:r>
+              <a:rPr lang="en-GB" dirty="0"/>
+              <a:t>Bots can’t switch to the new address.</a:t>
+            </a:r>
+            <a:endParaRPr lang="it-IT" dirty="0"/>
+          </a:p>
+        </p:txBody>
+      </p:sp>
+      <p:sp>
+        <p:nvSpPr>
+          <p:cNvPr id="26" name="Segnaposto piè di pagina 3">
+            <a:extLst>
+              <a:ext uri="{FF2B5EF4-FFF2-40B4-BE49-F238E27FC236}">
+                <a16:creationId xmlns:a16="http://schemas.microsoft.com/office/drawing/2014/main" id="{F5919EAC-275A-46C3-86EC-C350ABC98A16}"/>
+              </a:ext>
+            </a:extLst>
+          </p:cNvPr>
+          <p:cNvSpPr txBox="1">
+            <a:spLocks/>
+          </p:cNvSpPr>
+          <p:nvPr/>
+        </p:nvSpPr>
+        <p:spPr>
+          <a:xfrm>
+            <a:off x="750242" y="6092880"/>
+            <a:ext cx="3246992" cy="617260"/>
+          </a:xfrm>
+          <a:prstGeom prst="rect">
+            <a:avLst/>
+          </a:prstGeom>
+        </p:spPr>
+        <p:txBody>
+          <a:bodyPr vert="horz" lIns="91440" tIns="45720" rIns="91440" bIns="45720" rtlCol="0" anchor="ctr">
+            <a:normAutofit/>
+          </a:bodyPr>
+          <a:lstStyle>
+            <a:defPPr>
+              <a:defRPr lang="en-US"/>
+            </a:defPPr>
+            <a:lvl1pPr marL="0" algn="ctr" defTabSz="914400" rtl="0" eaLnBrk="1" latinLnBrk="0" hangingPunct="1">
+              <a:defRPr sz="1200" kern="1200">
+                <a:solidFill>
+                  <a:schemeClr val="tx1">
+                    <a:tint val="75000"/>
+                  </a:schemeClr>
+                </a:solidFill>
+                <a:latin typeface="+mn-lt"/>
+                <a:ea typeface="+mn-ea"/>
+                <a:cs typeface="+mn-cs"/>
+              </a:defRPr>
+            </a:lvl1pPr>
+            <a:lvl2pPr marL="457200" algn="l" defTabSz="914400" rtl="0" eaLnBrk="1" latinLnBrk="0" hangingPunct="1">
+              <a:defRPr sz="1800" kern="1200">
+                <a:solidFill>
+                  <a:schemeClr val="tx1"/>
+                </a:solidFill>
+                <a:latin typeface="+mn-lt"/>
+                <a:ea typeface="+mn-ea"/>
+                <a:cs typeface="+mn-cs"/>
+              </a:defRPr>
+            </a:lvl2pPr>
+            <a:lvl3pPr marL="914400" algn="l" defTabSz="914400" rtl="0" eaLnBrk="1" latinLnBrk="0" hangingPunct="1">
+              <a:defRPr sz="1800" kern="1200">
+                <a:solidFill>
+                  <a:schemeClr val="tx1"/>
+                </a:solidFill>
+                <a:latin typeface="+mn-lt"/>
+                <a:ea typeface="+mn-ea"/>
+                <a:cs typeface="+mn-cs"/>
+              </a:defRPr>
+            </a:lvl3pPr>
+            <a:lvl4pPr marL="1371600" algn="l" defTabSz="914400" rtl="0" eaLnBrk="1" latinLnBrk="0" hangingPunct="1">
+              <a:defRPr sz="1800" kern="1200">
+                <a:solidFill>
+                  <a:schemeClr val="tx1"/>
+                </a:solidFill>
+                <a:latin typeface="+mn-lt"/>
+                <a:ea typeface="+mn-ea"/>
+                <a:cs typeface="+mn-cs"/>
+              </a:defRPr>
+            </a:lvl4pPr>
+            <a:lvl5pPr marL="1828800" algn="l" defTabSz="914400" rtl="0" eaLnBrk="1" latinLnBrk="0" hangingPunct="1">
+              <a:defRPr sz="1800" kern="1200">
+                <a:solidFill>
+                  <a:schemeClr val="tx1"/>
+                </a:solidFill>
+                <a:latin typeface="+mn-lt"/>
+                <a:ea typeface="+mn-ea"/>
+                <a:cs typeface="+mn-cs"/>
+              </a:defRPr>
+            </a:lvl5pPr>
+            <a:lvl6pPr marL="2286000" algn="l" defTabSz="914400" rtl="0" eaLnBrk="1" latinLnBrk="0" hangingPunct="1">
+              <a:defRPr sz="1800" kern="1200">
+                <a:solidFill>
+                  <a:schemeClr val="tx1"/>
+                </a:solidFill>
+                <a:latin typeface="+mn-lt"/>
+                <a:ea typeface="+mn-ea"/>
+                <a:cs typeface="+mn-cs"/>
+              </a:defRPr>
+            </a:lvl6pPr>
+            <a:lvl7pPr marL="2743200" algn="l" defTabSz="914400" rtl="0" eaLnBrk="1" latinLnBrk="0" hangingPunct="1">
+              <a:defRPr sz="1800" kern="1200">
+                <a:solidFill>
+                  <a:schemeClr val="tx1"/>
+                </a:solidFill>
+                <a:latin typeface="+mn-lt"/>
+                <a:ea typeface="+mn-ea"/>
+                <a:cs typeface="+mn-cs"/>
+              </a:defRPr>
+            </a:lvl7pPr>
+            <a:lvl8pPr marL="3200400" algn="l" defTabSz="914400" rtl="0" eaLnBrk="1" latinLnBrk="0" hangingPunct="1">
+              <a:defRPr sz="1800" kern="1200">
+                <a:solidFill>
+                  <a:schemeClr val="tx1"/>
+                </a:solidFill>
+                <a:latin typeface="+mn-lt"/>
+                <a:ea typeface="+mn-ea"/>
+                <a:cs typeface="+mn-cs"/>
+              </a:defRPr>
+            </a:lvl8pPr>
+            <a:lvl9pPr marL="3657600" algn="l" defTabSz="914400" rtl="0" eaLnBrk="1" latinLnBrk="0" hangingPunct="1">
+              <a:defRPr sz="1800" kern="1200">
+                <a:solidFill>
+                  <a:schemeClr val="tx1"/>
+                </a:solidFill>
+                <a:latin typeface="+mn-lt"/>
+                <a:ea typeface="+mn-ea"/>
+                <a:cs typeface="+mn-cs"/>
+              </a:defRPr>
+            </a:lvl9pPr>
+          </a:lstStyle>
+          <a:p>
+            <a:pPr algn="l">
+              <a:spcAft>
+                <a:spcPts val="600"/>
+              </a:spcAft>
+            </a:pPr>
+            <a:r>
+              <a:rPr lang="it-IT" sz="1100">
+                <a:solidFill>
+                  <a:schemeClr val="tx1"/>
+                </a:solidFill>
+              </a:rPr>
+              <a:t>A. Le Caldare, E. Sassu, E. Scarselli</a:t>
+            </a:r>
+            <a:endParaRPr lang="en-GB" sz="1100" dirty="0">
+              <a:solidFill>
+                <a:schemeClr val="tx1"/>
+              </a:solidFill>
+            </a:endParaRPr>
+          </a:p>
+        </p:txBody>
+      </p:sp>
+      <p:sp>
+        <p:nvSpPr>
+          <p:cNvPr id="27" name="Segnaposto numero diapositiva 4">
+            <a:extLst>
+              <a:ext uri="{FF2B5EF4-FFF2-40B4-BE49-F238E27FC236}">
+                <a16:creationId xmlns:a16="http://schemas.microsoft.com/office/drawing/2014/main" id="{144FA246-62DE-4D8A-B3A7-E14DD88F9E99}"/>
+              </a:ext>
+            </a:extLst>
+          </p:cNvPr>
+          <p:cNvSpPr txBox="1">
+            <a:spLocks/>
+          </p:cNvSpPr>
+          <p:nvPr/>
+        </p:nvSpPr>
+        <p:spPr>
+          <a:xfrm>
+            <a:off x="11000232" y="6108192"/>
+            <a:ext cx="548640" cy="548640"/>
+          </a:xfrm>
+          <a:prstGeom prst="ellipse">
+            <a:avLst/>
+          </a:prstGeom>
+          <a:solidFill>
+            <a:srgbClr val="368B50"/>
+          </a:solidFill>
+        </p:spPr>
+        <p:txBody>
+          <a:bodyPr vert="horz" lIns="91440" tIns="45720" rIns="91440" bIns="45720" rtlCol="0" anchor="ctr">
+            <a:normAutofit/>
+          </a:bodyPr>
+          <a:lstStyle>
+            <a:defPPr>
+              <a:defRPr lang="en-US"/>
+            </a:defPPr>
+            <a:lvl1pPr marL="0" algn="r" defTabSz="914400" rtl="0" eaLnBrk="1" latinLnBrk="0" hangingPunct="1">
+              <a:defRPr sz="1200" kern="1200">
+                <a:solidFill>
+                  <a:schemeClr val="tx1">
+                    <a:tint val="75000"/>
+                  </a:schemeClr>
+                </a:solidFill>
+                <a:latin typeface="+mn-lt"/>
+                <a:ea typeface="+mn-ea"/>
+                <a:cs typeface="+mn-cs"/>
+              </a:defRPr>
+            </a:lvl1pPr>
+            <a:lvl2pPr marL="457200" algn="l" defTabSz="914400" rtl="0" eaLnBrk="1" latinLnBrk="0" hangingPunct="1">
+              <a:defRPr sz="1800" kern="1200">
+                <a:solidFill>
+                  <a:schemeClr val="tx1"/>
+                </a:solidFill>
+                <a:latin typeface="+mn-lt"/>
+                <a:ea typeface="+mn-ea"/>
+                <a:cs typeface="+mn-cs"/>
+              </a:defRPr>
+            </a:lvl2pPr>
+            <a:lvl3pPr marL="914400" algn="l" defTabSz="914400" rtl="0" eaLnBrk="1" latinLnBrk="0" hangingPunct="1">
+              <a:defRPr sz="1800" kern="1200">
+                <a:solidFill>
+                  <a:schemeClr val="tx1"/>
+                </a:solidFill>
+                <a:latin typeface="+mn-lt"/>
+                <a:ea typeface="+mn-ea"/>
+                <a:cs typeface="+mn-cs"/>
+              </a:defRPr>
+            </a:lvl3pPr>
+            <a:lvl4pPr marL="1371600" algn="l" defTabSz="914400" rtl="0" eaLnBrk="1" latinLnBrk="0" hangingPunct="1">
+              <a:defRPr sz="1800" kern="1200">
+                <a:solidFill>
+                  <a:schemeClr val="tx1"/>
+                </a:solidFill>
+                <a:latin typeface="+mn-lt"/>
+                <a:ea typeface="+mn-ea"/>
+                <a:cs typeface="+mn-cs"/>
+              </a:defRPr>
+            </a:lvl4pPr>
+            <a:lvl5pPr marL="1828800" algn="l" defTabSz="914400" rtl="0" eaLnBrk="1" latinLnBrk="0" hangingPunct="1">
+              <a:defRPr sz="1800" kern="1200">
+                <a:solidFill>
+                  <a:schemeClr val="tx1"/>
+                </a:solidFill>
+                <a:latin typeface="+mn-lt"/>
+                <a:ea typeface="+mn-ea"/>
+                <a:cs typeface="+mn-cs"/>
+              </a:defRPr>
+            </a:lvl5pPr>
+            <a:lvl6pPr marL="2286000" algn="l" defTabSz="914400" rtl="0" eaLnBrk="1" latinLnBrk="0" hangingPunct="1">
+              <a:defRPr sz="1800" kern="1200">
+                <a:solidFill>
+                  <a:schemeClr val="tx1"/>
+                </a:solidFill>
+                <a:latin typeface="+mn-lt"/>
+                <a:ea typeface="+mn-ea"/>
+                <a:cs typeface="+mn-cs"/>
+              </a:defRPr>
+            </a:lvl6pPr>
+            <a:lvl7pPr marL="2743200" algn="l" defTabSz="914400" rtl="0" eaLnBrk="1" latinLnBrk="0" hangingPunct="1">
+              <a:defRPr sz="1800" kern="1200">
+                <a:solidFill>
+                  <a:schemeClr val="tx1"/>
+                </a:solidFill>
+                <a:latin typeface="+mn-lt"/>
+                <a:ea typeface="+mn-ea"/>
+                <a:cs typeface="+mn-cs"/>
+              </a:defRPr>
+            </a:lvl7pPr>
+            <a:lvl8pPr marL="3200400" algn="l" defTabSz="914400" rtl="0" eaLnBrk="1" latinLnBrk="0" hangingPunct="1">
+              <a:defRPr sz="1800" kern="1200">
+                <a:solidFill>
+                  <a:schemeClr val="tx1"/>
+                </a:solidFill>
+                <a:latin typeface="+mn-lt"/>
+                <a:ea typeface="+mn-ea"/>
+                <a:cs typeface="+mn-cs"/>
+              </a:defRPr>
+            </a:lvl8pPr>
+            <a:lvl9pPr marL="3657600" algn="l" defTabSz="914400" rtl="0" eaLnBrk="1" latinLnBrk="0" hangingPunct="1">
+              <a:defRPr sz="1800" kern="1200">
+                <a:solidFill>
+                  <a:schemeClr val="tx1"/>
+                </a:solidFill>
+                <a:latin typeface="+mn-lt"/>
+                <a:ea typeface="+mn-ea"/>
+                <a:cs typeface="+mn-cs"/>
+              </a:defRPr>
+            </a:lvl9pPr>
+          </a:lstStyle>
+          <a:p>
+            <a:pPr algn="ctr">
+              <a:spcAft>
+                <a:spcPts val="600"/>
+              </a:spcAft>
+            </a:pPr>
+            <a:fld id="{5BB7E168-F539-4513-AD44-F276B24E7DDF}" type="slidenum">
+              <a:rPr lang="en-GB" sz="1500" smtClean="0">
+                <a:solidFill>
+                  <a:srgbClr val="FFFFFF"/>
+                </a:solidFill>
+              </a:rPr>
+              <a:pPr algn="ctr">
+                <a:spcAft>
+                  <a:spcPts val="600"/>
+                </a:spcAft>
+              </a:pPr>
+              <a:t>15</a:t>
+            </a:fld>
+            <a:endParaRPr lang="en-GB" sz="1500">
+              <a:solidFill>
+                <a:srgbClr val="FFFFFF"/>
+              </a:solidFill>
+            </a:endParaRPr>
+          </a:p>
+        </p:txBody>
+      </p:sp>
+    </p:spTree>
+    <p:extLst>
+      <p:ext uri="{BB962C8B-B14F-4D97-AF65-F5344CB8AC3E}">
+        <p14:creationId xmlns:p14="http://schemas.microsoft.com/office/powerpoint/2010/main" val="1690088265"/>
+      </p:ext>
+    </p:extLst>
+  </p:cSld>
+  <p:clrMapOvr>
+    <a:masterClrMapping/>
+  </p:clrMapOvr>
+</p:sld>
+</file>
+
+<file path=ppt/slides/slide16.xml><?xml version="1.0" encoding="utf-8"?>
+<p:sld xmlns:a="http://schemas.openxmlformats.org/drawingml/2006/main" xmlns:r="http://schemas.openxmlformats.org/officeDocument/2006/relationships" xmlns:p="http://schemas.openxmlformats.org/presentationml/2006/main">
+  <p:cSld>
+    <p:bg>
+      <p:bgPr>
+        <a:solidFill>
+          <a:schemeClr val="bg1"/>
+        </a:solidFill>
+        <a:effectLst/>
+      </p:bgPr>
+    </p:bg>
+    <p:spTree>
+      <p:nvGrpSpPr>
+        <p:cNvPr id="1" name=""/>
+        <p:cNvGrpSpPr/>
+        <p:nvPr/>
+      </p:nvGrpSpPr>
+      <p:grpSpPr>
+        <a:xfrm>
+          <a:off x="0" y="0"/>
+          <a:ext cx="0" cy="0"/>
+          <a:chOff x="0" y="0"/>
+          <a:chExt cx="0" cy="0"/>
+        </a:xfrm>
+      </p:grpSpPr>
+      <p:pic>
+        <p:nvPicPr>
+          <p:cNvPr id="6" name="Immagine 5" descr="Immagine che contiene testo, mappa&#10;&#10;Descrizione generata automaticamente">
+            <a:extLst>
+              <a:ext uri="{FF2B5EF4-FFF2-40B4-BE49-F238E27FC236}">
+                <a16:creationId xmlns:a16="http://schemas.microsoft.com/office/drawing/2014/main" id="{9A0D6532-ACC6-4C0C-A95D-9D4851321469}"/>
+              </a:ext>
+            </a:extLst>
+          </p:cNvPr>
+          <p:cNvPicPr>
+            <a:picLocks noChangeAspect="1"/>
+          </p:cNvPicPr>
+          <p:nvPr/>
+        </p:nvPicPr>
+        <p:blipFill rotWithShape="1">
+          <a:blip r:embed="rId3">
+            <a:extLst>
+              <a:ext uri="{28A0092B-C50C-407E-A947-70E740481C1C}">
+                <a14:useLocalDpi xmlns:a14="http://schemas.microsoft.com/office/drawing/2010/main" val="0"/>
+              </a:ext>
+            </a:extLst>
+          </a:blip>
+          <a:srcRect t="1370" r="1" b="1"/>
+          <a:stretch/>
+        </p:blipFill>
+        <p:spPr>
+          <a:xfrm>
+            <a:off x="1828801" y="201168"/>
+            <a:ext cx="10248331" cy="6599739"/>
+          </a:xfrm>
+          <a:prstGeom prst="rect">
+            <a:avLst/>
+          </a:prstGeom>
+        </p:spPr>
+      </p:pic>
+      <p:sp>
+        <p:nvSpPr>
+          <p:cNvPr id="22" name="Freeform: Shape 18">
+            <a:extLst>
+              <a:ext uri="{FF2B5EF4-FFF2-40B4-BE49-F238E27FC236}">
+                <a16:creationId xmlns:a16="http://schemas.microsoft.com/office/drawing/2014/main" id="{0A17A3F1-0233-4065-85F8-72464D7AAC9C}"/>
+              </a:ext>
+              <a:ext uri="{C183D7F6-B498-43B3-948B-1728B52AA6E4}">
+                <adec:decorative xmlns:adec="http://schemas.microsoft.com/office/drawing/2017/decorative" val="1"/>
+              </a:ext>
+            </a:extLst>
+          </p:cNvPr>
+          <p:cNvSpPr>
+            <a:spLocks noGrp="1" noRot="1" noChangeAspect="1" noMove="1" noResize="1" noEditPoints="1" noAdjustHandles="1" noChangeArrowheads="1" noChangeShapeType="1" noTextEdit="1"/>
+          </p:cNvSpPr>
+          <p:nvPr>
+            <p:extLst>
+              <p:ext uri="{386F3935-93C4-4BCD-93E2-E3B085C9AB24}">
+                <p16:designElem xmlns:p16="http://schemas.microsoft.com/office/powerpoint/2015/main" val="1"/>
+              </p:ext>
+            </p:extLst>
+          </p:nvPr>
+        </p:nvSpPr>
+        <p:spPr>
+          <a:xfrm>
+            <a:off x="0" y="-2008"/>
+            <a:ext cx="5609220" cy="5840278"/>
+          </a:xfrm>
+          <a:custGeom>
+            <a:avLst/>
+            <a:gdLst>
+              <a:gd name="connsiteX0" fmla="*/ 0 w 5609220"/>
+              <a:gd name="connsiteY0" fmla="*/ 0 h 5840278"/>
+              <a:gd name="connsiteX1" fmla="*/ 4637091 w 5609220"/>
+              <a:gd name="connsiteY1" fmla="*/ 0 h 5840278"/>
+              <a:gd name="connsiteX2" fmla="*/ 4822569 w 5609220"/>
+              <a:gd name="connsiteY2" fmla="*/ 204077 h 5840278"/>
+              <a:gd name="connsiteX3" fmla="*/ 5609220 w 5609220"/>
+              <a:gd name="connsiteY3" fmla="*/ 2395363 h 5840278"/>
+              <a:gd name="connsiteX4" fmla="*/ 2164305 w 5609220"/>
+              <a:gd name="connsiteY4" fmla="*/ 5840278 h 5840278"/>
+              <a:gd name="connsiteX5" fmla="*/ 238220 w 5609220"/>
+              <a:gd name="connsiteY5" fmla="*/ 5251941 h 5840278"/>
+              <a:gd name="connsiteX6" fmla="*/ 0 w 5609220"/>
+              <a:gd name="connsiteY6" fmla="*/ 5073803 h 5840278"/>
+            </a:gdLst>
+            <a:ahLst/>
+            <a:cxnLst>
+              <a:cxn ang="0">
+                <a:pos x="connsiteX0" y="connsiteY0"/>
+              </a:cxn>
+              <a:cxn ang="0">
+                <a:pos x="connsiteX1" y="connsiteY1"/>
+              </a:cxn>
+              <a:cxn ang="0">
+                <a:pos x="connsiteX2" y="connsiteY2"/>
+              </a:cxn>
+              <a:cxn ang="0">
+                <a:pos x="connsiteX3" y="connsiteY3"/>
+              </a:cxn>
+              <a:cxn ang="0">
+                <a:pos x="connsiteX4" y="connsiteY4"/>
+              </a:cxn>
+              <a:cxn ang="0">
+                <a:pos x="connsiteX5" y="connsiteY5"/>
+              </a:cxn>
+              <a:cxn ang="0">
+                <a:pos x="connsiteX6" y="connsiteY6"/>
+              </a:cxn>
+            </a:cxnLst>
+            <a:rect l="l" t="t" r="r" b="b"/>
+            <a:pathLst>
+              <a:path w="5609220" h="5840278">
+                <a:moveTo>
+                  <a:pt x="0" y="0"/>
+                </a:moveTo>
+                <a:lnTo>
+                  <a:pt x="4637091" y="0"/>
+                </a:lnTo>
+                <a:lnTo>
+                  <a:pt x="4822569" y="204077"/>
+                </a:lnTo>
+                <a:cubicBezTo>
+                  <a:pt x="5314007" y="799562"/>
+                  <a:pt x="5609220" y="1562987"/>
+                  <a:pt x="5609220" y="2395363"/>
+                </a:cubicBezTo>
+                <a:cubicBezTo>
+                  <a:pt x="5609220" y="4297937"/>
+                  <a:pt x="4066879" y="5840278"/>
+                  <a:pt x="2164305" y="5840278"/>
+                </a:cubicBezTo>
+                <a:cubicBezTo>
+                  <a:pt x="1450840" y="5840278"/>
+                  <a:pt x="788032" y="5623387"/>
+                  <a:pt x="238220" y="5251941"/>
+                </a:cubicBezTo>
+                <a:lnTo>
+                  <a:pt x="0" y="5073803"/>
+                </a:lnTo>
+                <a:close/>
+              </a:path>
+            </a:pathLst>
+          </a:custGeom>
+          <a:solidFill>
+            <a:schemeClr val="bg1">
+              <a:alpha val="50000"/>
+            </a:schemeClr>
+          </a:solidFill>
+          <a:ln>
+            <a:noFill/>
+          </a:ln>
+        </p:spPr>
+        <p:style>
+          <a:lnRef idx="2">
+            <a:schemeClr val="accent1">
+              <a:shade val="50000"/>
+            </a:schemeClr>
+          </a:lnRef>
+          <a:fillRef idx="1">
+            <a:schemeClr val="accent1"/>
+          </a:fillRef>
+          <a:effectRef idx="0">
+            <a:schemeClr val="accent1"/>
+          </a:effectRef>
+          <a:fontRef idx="minor">
+            <a:schemeClr val="lt1"/>
+          </a:fontRef>
+        </p:style>
+        <p:txBody>
+          <a:bodyPr rtlCol="0" anchor="ctr"/>
+          <a:lstStyle/>
+          <a:p>
+            <a:pPr marL="0" marR="0" lvl="0" indent="0" algn="ctr" defTabSz="914400" rtl="0" eaLnBrk="1" fontAlgn="auto" latinLnBrk="0" hangingPunct="1">
+              <a:lnSpc>
+                <a:spcPct val="100000"/>
+              </a:lnSpc>
+              <a:spcBef>
+                <a:spcPts val="0"/>
+              </a:spcBef>
+              <a:spcAft>
+                <a:spcPts val="0"/>
+              </a:spcAft>
+              <a:buClrTx/>
+              <a:buSzTx/>
+              <a:buFontTx/>
+              <a:buNone/>
+              <a:tabLst/>
+              <a:defRPr/>
+            </a:pPr>
+            <a:endParaRPr kumimoji="0" lang="en-US" sz="1800" b="0" i="0" u="none" strike="noStrike" kern="1200" cap="none" spc="0" normalizeH="0" baseline="0" noProof="0">
+              <a:ln>
+                <a:noFill/>
+              </a:ln>
+              <a:solidFill>
+                <a:prstClr val="white"/>
+              </a:solidFill>
+              <a:effectLst/>
+              <a:uLnTx/>
+              <a:uFillTx/>
+              <a:latin typeface="Calibri" panose="020F0502020204030204"/>
+              <a:ea typeface="+mn-ea"/>
+              <a:cs typeface="+mn-cs"/>
+            </a:endParaRPr>
+          </a:p>
+        </p:txBody>
+      </p:sp>
+      <p:sp>
+        <p:nvSpPr>
+          <p:cNvPr id="23" name="Freeform: Shape 20">
+            <a:extLst>
+              <a:ext uri="{FF2B5EF4-FFF2-40B4-BE49-F238E27FC236}">
+                <a16:creationId xmlns:a16="http://schemas.microsoft.com/office/drawing/2014/main" id="{3D180422-2407-4A7F-828A-60F76B6CD491}"/>
+              </a:ext>
+              <a:ext uri="{C183D7F6-B498-43B3-948B-1728B52AA6E4}">
+                <adec:decorative xmlns:adec="http://schemas.microsoft.com/office/drawing/2017/decorative" val="1"/>
+              </a:ext>
+            </a:extLst>
+          </p:cNvPr>
+          <p:cNvSpPr>
+            <a:spLocks noGrp="1" noRot="1" noChangeAspect="1" noMove="1" noResize="1" noEditPoints="1" noAdjustHandles="1" noChangeArrowheads="1" noChangeShapeType="1" noTextEdit="1"/>
+          </p:cNvSpPr>
+          <p:nvPr>
+            <p:extLst>
+              <p:ext uri="{386F3935-93C4-4BCD-93E2-E3B085C9AB24}">
+                <p16:designElem xmlns:p16="http://schemas.microsoft.com/office/powerpoint/2015/main" val="1"/>
+              </p:ext>
+            </p:extLst>
+          </p:nvPr>
+        </p:nvSpPr>
+        <p:spPr>
+          <a:xfrm>
+            <a:off x="-2333" y="-2"/>
+            <a:ext cx="5441859" cy="5654940"/>
+          </a:xfrm>
+          <a:custGeom>
+            <a:avLst/>
+            <a:gdLst>
+              <a:gd name="connsiteX0" fmla="*/ 0 w 5441859"/>
+              <a:gd name="connsiteY0" fmla="*/ 0 h 5654940"/>
+              <a:gd name="connsiteX1" fmla="*/ 4400492 w 5441859"/>
+              <a:gd name="connsiteY1" fmla="*/ 0 h 5654940"/>
+              <a:gd name="connsiteX2" fmla="*/ 4484767 w 5441859"/>
+              <a:gd name="connsiteY2" fmla="*/ 76595 h 5654940"/>
+              <a:gd name="connsiteX3" fmla="*/ 5441859 w 5441859"/>
+              <a:gd name="connsiteY3" fmla="*/ 2387221 h 5654940"/>
+              <a:gd name="connsiteX4" fmla="*/ 2174140 w 5441859"/>
+              <a:gd name="connsiteY4" fmla="*/ 5654940 h 5654940"/>
+              <a:gd name="connsiteX5" fmla="*/ 156693 w 5441859"/>
+              <a:gd name="connsiteY5" fmla="*/ 4957981 h 5654940"/>
+              <a:gd name="connsiteX6" fmla="*/ 0 w 5441859"/>
+              <a:gd name="connsiteY6" fmla="*/ 4820612 h 5654940"/>
+            </a:gdLst>
+            <a:ahLst/>
+            <a:cxnLst>
+              <a:cxn ang="0">
+                <a:pos x="connsiteX0" y="connsiteY0"/>
+              </a:cxn>
+              <a:cxn ang="0">
+                <a:pos x="connsiteX1" y="connsiteY1"/>
+              </a:cxn>
+              <a:cxn ang="0">
+                <a:pos x="connsiteX2" y="connsiteY2"/>
+              </a:cxn>
+              <a:cxn ang="0">
+                <a:pos x="connsiteX3" y="connsiteY3"/>
+              </a:cxn>
+              <a:cxn ang="0">
+                <a:pos x="connsiteX4" y="connsiteY4"/>
+              </a:cxn>
+              <a:cxn ang="0">
+                <a:pos x="connsiteX5" y="connsiteY5"/>
+              </a:cxn>
+              <a:cxn ang="0">
+                <a:pos x="connsiteX6" y="connsiteY6"/>
+              </a:cxn>
+            </a:cxnLst>
+            <a:rect l="l" t="t" r="r" b="b"/>
+            <a:pathLst>
+              <a:path w="5441859" h="5654940">
+                <a:moveTo>
+                  <a:pt x="0" y="0"/>
+                </a:moveTo>
+                <a:lnTo>
+                  <a:pt x="4400492" y="0"/>
+                </a:lnTo>
+                <a:lnTo>
+                  <a:pt x="4484767" y="76595"/>
+                </a:lnTo>
+                <a:cubicBezTo>
+                  <a:pt x="5076108" y="667936"/>
+                  <a:pt x="5441859" y="1484866"/>
+                  <a:pt x="5441859" y="2387221"/>
+                </a:cubicBezTo>
+                <a:cubicBezTo>
+                  <a:pt x="5441859" y="4191932"/>
+                  <a:pt x="3978851" y="5654940"/>
+                  <a:pt x="2174140" y="5654940"/>
+                </a:cubicBezTo>
+                <a:cubicBezTo>
+                  <a:pt x="1412778" y="5654940"/>
+                  <a:pt x="712231" y="5394557"/>
+                  <a:pt x="156693" y="4957981"/>
+                </a:cubicBezTo>
+                <a:lnTo>
+                  <a:pt x="0" y="4820612"/>
+                </a:lnTo>
+                <a:close/>
+              </a:path>
+            </a:pathLst>
+          </a:custGeom>
+          <a:solidFill>
+            <a:schemeClr val="bg1">
+              <a:alpha val="75000"/>
+            </a:schemeClr>
+          </a:solidFill>
+          <a:ln>
+            <a:noFill/>
+          </a:ln>
+        </p:spPr>
+        <p:style>
+          <a:lnRef idx="2">
+            <a:schemeClr val="accent1">
+              <a:shade val="50000"/>
+            </a:schemeClr>
+          </a:lnRef>
+          <a:fillRef idx="1">
+            <a:schemeClr val="accent1"/>
+          </a:fillRef>
+          <a:effectRef idx="0">
+            <a:schemeClr val="accent1"/>
+          </a:effectRef>
+          <a:fontRef idx="minor">
+            <a:schemeClr val="lt1"/>
+          </a:fontRef>
+        </p:style>
+        <p:txBody>
+          <a:bodyPr rtlCol="0" anchor="ctr"/>
+          <a:lstStyle/>
+          <a:p>
+            <a:pPr marL="0" marR="0" lvl="0" indent="0" algn="ctr" defTabSz="914400" rtl="0" eaLnBrk="1" fontAlgn="auto" latinLnBrk="0" hangingPunct="1">
+              <a:lnSpc>
+                <a:spcPct val="100000"/>
+              </a:lnSpc>
+              <a:spcBef>
+                <a:spcPts val="0"/>
+              </a:spcBef>
+              <a:spcAft>
+                <a:spcPts val="0"/>
+              </a:spcAft>
+              <a:buClrTx/>
+              <a:buSzTx/>
+              <a:buFontTx/>
+              <a:buNone/>
+              <a:tabLst/>
+              <a:defRPr/>
+            </a:pPr>
+            <a:endParaRPr kumimoji="0" lang="en-US" sz="1800" b="0" i="0" u="none" strike="noStrike" kern="1200" cap="none" spc="0" normalizeH="0" baseline="0" noProof="0" dirty="0">
+              <a:ln>
+                <a:noFill/>
+              </a:ln>
+              <a:solidFill>
+                <a:prstClr val="white"/>
+              </a:solidFill>
+              <a:effectLst/>
+              <a:uLnTx/>
+              <a:uFillTx/>
+              <a:latin typeface="Calibri" panose="020F0502020204030204"/>
+              <a:ea typeface="+mn-ea"/>
+              <a:cs typeface="+mn-cs"/>
+            </a:endParaRPr>
+          </a:p>
+        </p:txBody>
+      </p:sp>
+      <p:sp>
+        <p:nvSpPr>
+          <p:cNvPr id="24" name="Titolo 1">
+            <a:extLst>
+              <a:ext uri="{FF2B5EF4-FFF2-40B4-BE49-F238E27FC236}">
+                <a16:creationId xmlns:a16="http://schemas.microsoft.com/office/drawing/2014/main" id="{A6A7A402-1981-462B-B43A-2992CC477682}"/>
+              </a:ext>
+            </a:extLst>
+          </p:cNvPr>
+          <p:cNvSpPr txBox="1">
+            <a:spLocks/>
+          </p:cNvSpPr>
+          <p:nvPr/>
+        </p:nvSpPr>
+        <p:spPr>
+          <a:xfrm>
+            <a:off x="750242" y="632990"/>
+            <a:ext cx="4062643" cy="1043409"/>
+          </a:xfrm>
+          <a:prstGeom prst="rect">
+            <a:avLst/>
+          </a:prstGeom>
+        </p:spPr>
+        <p:txBody>
+          <a:bodyPr vert="horz" lIns="91440" tIns="45720" rIns="91440" bIns="45720" rtlCol="0" anchor="ctr">
+            <a:normAutofit/>
+          </a:bodyPr>
+          <a:lstStyle>
+            <a:lvl1pPr algn="l" defTabSz="914400" rtl="0" eaLnBrk="1" latinLnBrk="0" hangingPunct="1">
+              <a:lnSpc>
+                <a:spcPct val="90000"/>
+              </a:lnSpc>
+              <a:spcBef>
+                <a:spcPct val="0"/>
+              </a:spcBef>
+              <a:buNone/>
+              <a:defRPr sz="4400" kern="1200">
+                <a:solidFill>
+                  <a:schemeClr val="tx1"/>
+                </a:solidFill>
+                <a:latin typeface="+mj-lt"/>
+                <a:ea typeface="+mj-ea"/>
+                <a:cs typeface="+mj-cs"/>
+              </a:defRPr>
+            </a:lvl1pPr>
+          </a:lstStyle>
+          <a:p>
+            <a:r>
+              <a:rPr lang="it-IT" sz="3400" b="1" dirty="0">
+                <a:solidFill>
+                  <a:schemeClr val="tx2"/>
+                </a:solidFill>
+              </a:rPr>
+              <a:t>Testing </a:t>
+            </a:r>
+            <a:r>
+              <a:rPr lang="it-IT" sz="3400" b="1" dirty="0" err="1">
+                <a:solidFill>
+                  <a:schemeClr val="tx2"/>
+                </a:solidFill>
+              </a:rPr>
+              <a:t>environment</a:t>
+            </a:r>
+            <a:endParaRPr lang="en-GB" sz="3400" b="1" dirty="0">
+              <a:solidFill>
+                <a:schemeClr val="tx2"/>
+              </a:solidFill>
+            </a:endParaRPr>
+          </a:p>
+        </p:txBody>
+      </p:sp>
+      <p:sp>
+        <p:nvSpPr>
+          <p:cNvPr id="25" name="Segnaposto contenuto 2">
+            <a:extLst>
+              <a:ext uri="{FF2B5EF4-FFF2-40B4-BE49-F238E27FC236}">
+                <a16:creationId xmlns:a16="http://schemas.microsoft.com/office/drawing/2014/main" id="{5AC5E6F4-A89B-462D-8116-E88054885160}"/>
+              </a:ext>
+            </a:extLst>
+          </p:cNvPr>
+          <p:cNvSpPr txBox="1">
+            <a:spLocks/>
+          </p:cNvSpPr>
+          <p:nvPr/>
+        </p:nvSpPr>
+        <p:spPr>
+          <a:xfrm>
+            <a:off x="750242" y="2489098"/>
+            <a:ext cx="3924116" cy="3780267"/>
+          </a:xfrm>
+          <a:prstGeom prst="rect">
+            <a:avLst/>
+          </a:prstGeom>
+        </p:spPr>
+        <p:txBody>
+          <a:bodyPr vert="horz" lIns="91440" tIns="45720" rIns="91440" bIns="45720" rtlCol="0" anchor="t">
+            <a:normAutofit/>
+          </a:bodyPr>
+          <a:lstStyle>
+            <a:lvl1pPr marL="228600" indent="-228600" algn="l" defTabSz="914400" rtl="0" eaLnBrk="1" latinLnBrk="0" hangingPunct="1">
+              <a:lnSpc>
+                <a:spcPct val="90000"/>
+              </a:lnSpc>
+              <a:spcBef>
+                <a:spcPts val="1000"/>
+              </a:spcBef>
+              <a:buFont typeface="Arial" panose="020B0604020202020204" pitchFamily="34" charset="0"/>
+              <a:buChar char="•"/>
+              <a:defRPr sz="2800" kern="1200">
+                <a:solidFill>
+                  <a:schemeClr val="tx1"/>
+                </a:solidFill>
+                <a:latin typeface="+mn-lt"/>
+                <a:ea typeface="+mn-ea"/>
+                <a:cs typeface="+mn-cs"/>
+              </a:defRPr>
+            </a:lvl1pPr>
+            <a:lvl2pPr marL="685800" indent="-228600" algn="l" defTabSz="914400" rtl="0" eaLnBrk="1" latinLnBrk="0" hangingPunct="1">
+              <a:lnSpc>
+                <a:spcPct val="90000"/>
+              </a:lnSpc>
+              <a:spcBef>
+                <a:spcPts val="500"/>
+              </a:spcBef>
+              <a:buFont typeface="Arial" panose="020B0604020202020204" pitchFamily="34" charset="0"/>
+              <a:buChar char="•"/>
+              <a:defRPr sz="2400" kern="1200">
+                <a:solidFill>
+                  <a:schemeClr val="tx1"/>
+                </a:solidFill>
+                <a:latin typeface="+mn-lt"/>
+                <a:ea typeface="+mn-ea"/>
+                <a:cs typeface="+mn-cs"/>
+              </a:defRPr>
+            </a:lvl2pPr>
+            <a:lvl3pPr marL="1143000" indent="-228600" algn="l" defTabSz="914400" rtl="0" eaLnBrk="1" latinLnBrk="0" hangingPunct="1">
+              <a:lnSpc>
+                <a:spcPct val="90000"/>
+              </a:lnSpc>
+              <a:spcBef>
+                <a:spcPts val="500"/>
+              </a:spcBef>
+              <a:buFont typeface="Arial" panose="020B0604020202020204" pitchFamily="34" charset="0"/>
+              <a:buChar char="•"/>
+              <a:defRPr sz="2000" kern="1200">
+                <a:solidFill>
+                  <a:schemeClr val="tx1"/>
+                </a:solidFill>
+                <a:latin typeface="+mn-lt"/>
+                <a:ea typeface="+mn-ea"/>
+                <a:cs typeface="+mn-cs"/>
+              </a:defRPr>
+            </a:lvl3pPr>
+            <a:lvl4pPr marL="1600200" indent="-228600" algn="l" defTabSz="914400" rtl="0" eaLnBrk="1" latinLnBrk="0" hangingPunct="1">
+              <a:lnSpc>
+                <a:spcPct val="90000"/>
+              </a:lnSpc>
+              <a:spcBef>
+                <a:spcPts val="500"/>
+              </a:spcBef>
+              <a:buFont typeface="Arial" panose="020B0604020202020204" pitchFamily="34" charset="0"/>
+              <a:buChar char="•"/>
+              <a:defRPr sz="1800" kern="1200">
+                <a:solidFill>
+                  <a:schemeClr val="tx1"/>
+                </a:solidFill>
+                <a:latin typeface="+mn-lt"/>
+                <a:ea typeface="+mn-ea"/>
+                <a:cs typeface="+mn-cs"/>
+              </a:defRPr>
+            </a:lvl4pPr>
+            <a:lvl5pPr marL="2057400" indent="-228600" algn="l" defTabSz="914400" rtl="0" eaLnBrk="1" latinLnBrk="0" hangingPunct="1">
+              <a:lnSpc>
+                <a:spcPct val="90000"/>
+              </a:lnSpc>
+              <a:spcBef>
+                <a:spcPts val="500"/>
+              </a:spcBef>
+              <a:buFont typeface="Arial" panose="020B0604020202020204" pitchFamily="34" charset="0"/>
+              <a:buChar char="•"/>
+              <a:defRPr sz="1800" kern="1200">
+                <a:solidFill>
+                  <a:schemeClr val="tx1"/>
+                </a:solidFill>
+                <a:latin typeface="+mn-lt"/>
+                <a:ea typeface="+mn-ea"/>
+                <a:cs typeface="+mn-cs"/>
+              </a:defRPr>
+            </a:lvl5pPr>
+            <a:lvl6pPr marL="2514600" indent="-228600" algn="l" defTabSz="914400" rtl="0" eaLnBrk="1" latinLnBrk="0" hangingPunct="1">
+              <a:lnSpc>
+                <a:spcPct val="90000"/>
+              </a:lnSpc>
+              <a:spcBef>
+                <a:spcPts val="500"/>
+              </a:spcBef>
+              <a:buFont typeface="Arial" panose="020B0604020202020204" pitchFamily="34" charset="0"/>
+              <a:buChar char="•"/>
+              <a:defRPr sz="1800" kern="1200">
+                <a:solidFill>
+                  <a:schemeClr val="tx1"/>
+                </a:solidFill>
+                <a:latin typeface="+mn-lt"/>
+                <a:ea typeface="+mn-ea"/>
+                <a:cs typeface="+mn-cs"/>
+              </a:defRPr>
+            </a:lvl6pPr>
+            <a:lvl7pPr marL="2971800" indent="-228600" algn="l" defTabSz="914400" rtl="0" eaLnBrk="1" latinLnBrk="0" hangingPunct="1">
+              <a:lnSpc>
+                <a:spcPct val="90000"/>
+              </a:lnSpc>
+              <a:spcBef>
+                <a:spcPts val="500"/>
+              </a:spcBef>
+              <a:buFont typeface="Arial" panose="020B0604020202020204" pitchFamily="34" charset="0"/>
+              <a:buChar char="•"/>
+              <a:defRPr sz="1800" kern="1200">
+                <a:solidFill>
+                  <a:schemeClr val="tx1"/>
+                </a:solidFill>
+                <a:latin typeface="+mn-lt"/>
+                <a:ea typeface="+mn-ea"/>
+                <a:cs typeface="+mn-cs"/>
+              </a:defRPr>
+            </a:lvl7pPr>
+            <a:lvl8pPr marL="3429000" indent="-228600" algn="l" defTabSz="914400" rtl="0" eaLnBrk="1" latinLnBrk="0" hangingPunct="1">
+              <a:lnSpc>
+                <a:spcPct val="90000"/>
+              </a:lnSpc>
+              <a:spcBef>
+                <a:spcPts val="500"/>
+              </a:spcBef>
+              <a:buFont typeface="Arial" panose="020B0604020202020204" pitchFamily="34" charset="0"/>
+              <a:buChar char="•"/>
+              <a:defRPr sz="1800" kern="1200">
+                <a:solidFill>
+                  <a:schemeClr val="tx1"/>
+                </a:solidFill>
+                <a:latin typeface="+mn-lt"/>
+                <a:ea typeface="+mn-ea"/>
+                <a:cs typeface="+mn-cs"/>
+              </a:defRPr>
+            </a:lvl8pPr>
+            <a:lvl9pPr marL="3886200" indent="-228600" algn="l" defTabSz="914400" rtl="0" eaLnBrk="1" latinLnBrk="0" hangingPunct="1">
+              <a:lnSpc>
+                <a:spcPct val="90000"/>
+              </a:lnSpc>
+              <a:spcBef>
+                <a:spcPts val="500"/>
+              </a:spcBef>
+              <a:buFont typeface="Arial" panose="020B0604020202020204" pitchFamily="34" charset="0"/>
+              <a:buChar char="•"/>
+              <a:defRPr sz="1800" kern="1200">
+                <a:solidFill>
+                  <a:schemeClr val="tx1"/>
+                </a:solidFill>
+                <a:latin typeface="+mn-lt"/>
+                <a:ea typeface="+mn-ea"/>
+                <a:cs typeface="+mn-cs"/>
+              </a:defRPr>
+            </a:lvl9pPr>
+          </a:lstStyle>
+          <a:p>
+            <a:r>
+              <a:rPr lang="en-GB" dirty="0"/>
+              <a:t>Even if the Bots send requests continuously, the </a:t>
+            </a:r>
+            <a:r>
+              <a:rPr lang="en-GB" b="1" dirty="0"/>
+              <a:t>Server is always able to reply </a:t>
+            </a:r>
+            <a:r>
+              <a:rPr lang="en-GB" dirty="0"/>
+              <a:t>and it does not stop, even if it is flooded with requests.</a:t>
+            </a:r>
+            <a:endParaRPr lang="it-IT" dirty="0"/>
+          </a:p>
+        </p:txBody>
+      </p:sp>
+      <p:sp>
+        <p:nvSpPr>
+          <p:cNvPr id="26" name="Segnaposto piè di pagina 3">
+            <a:extLst>
+              <a:ext uri="{FF2B5EF4-FFF2-40B4-BE49-F238E27FC236}">
+                <a16:creationId xmlns:a16="http://schemas.microsoft.com/office/drawing/2014/main" id="{F5919EAC-275A-46C3-86EC-C350ABC98A16}"/>
+              </a:ext>
+            </a:extLst>
+          </p:cNvPr>
+          <p:cNvSpPr txBox="1">
+            <a:spLocks/>
+          </p:cNvSpPr>
+          <p:nvPr/>
+        </p:nvSpPr>
+        <p:spPr>
+          <a:xfrm>
+            <a:off x="750242" y="6092880"/>
+            <a:ext cx="3246992" cy="617260"/>
+          </a:xfrm>
+          <a:prstGeom prst="rect">
+            <a:avLst/>
+          </a:prstGeom>
+        </p:spPr>
+        <p:txBody>
+          <a:bodyPr vert="horz" lIns="91440" tIns="45720" rIns="91440" bIns="45720" rtlCol="0" anchor="ctr">
+            <a:normAutofit/>
+          </a:bodyPr>
+          <a:lstStyle>
+            <a:defPPr>
+              <a:defRPr lang="en-US"/>
+            </a:defPPr>
+            <a:lvl1pPr marL="0" algn="ctr" defTabSz="914400" rtl="0" eaLnBrk="1" latinLnBrk="0" hangingPunct="1">
+              <a:defRPr sz="1200" kern="1200">
+                <a:solidFill>
+                  <a:schemeClr val="tx1">
+                    <a:tint val="75000"/>
+                  </a:schemeClr>
+                </a:solidFill>
+                <a:latin typeface="+mn-lt"/>
+                <a:ea typeface="+mn-ea"/>
+                <a:cs typeface="+mn-cs"/>
+              </a:defRPr>
+            </a:lvl1pPr>
+            <a:lvl2pPr marL="457200" algn="l" defTabSz="914400" rtl="0" eaLnBrk="1" latinLnBrk="0" hangingPunct="1">
+              <a:defRPr sz="1800" kern="1200">
+                <a:solidFill>
+                  <a:schemeClr val="tx1"/>
+                </a:solidFill>
+                <a:latin typeface="+mn-lt"/>
+                <a:ea typeface="+mn-ea"/>
+                <a:cs typeface="+mn-cs"/>
+              </a:defRPr>
+            </a:lvl2pPr>
+            <a:lvl3pPr marL="914400" algn="l" defTabSz="914400" rtl="0" eaLnBrk="1" latinLnBrk="0" hangingPunct="1">
+              <a:defRPr sz="1800" kern="1200">
+                <a:solidFill>
+                  <a:schemeClr val="tx1"/>
+                </a:solidFill>
+                <a:latin typeface="+mn-lt"/>
+                <a:ea typeface="+mn-ea"/>
+                <a:cs typeface="+mn-cs"/>
+              </a:defRPr>
+            </a:lvl3pPr>
+            <a:lvl4pPr marL="1371600" algn="l" defTabSz="914400" rtl="0" eaLnBrk="1" latinLnBrk="0" hangingPunct="1">
+              <a:defRPr sz="1800" kern="1200">
+                <a:solidFill>
+                  <a:schemeClr val="tx1"/>
+                </a:solidFill>
+                <a:latin typeface="+mn-lt"/>
+                <a:ea typeface="+mn-ea"/>
+                <a:cs typeface="+mn-cs"/>
+              </a:defRPr>
+            </a:lvl4pPr>
+            <a:lvl5pPr marL="1828800" algn="l" defTabSz="914400" rtl="0" eaLnBrk="1" latinLnBrk="0" hangingPunct="1">
+              <a:defRPr sz="1800" kern="1200">
+                <a:solidFill>
+                  <a:schemeClr val="tx1"/>
+                </a:solidFill>
+                <a:latin typeface="+mn-lt"/>
+                <a:ea typeface="+mn-ea"/>
+                <a:cs typeface="+mn-cs"/>
+              </a:defRPr>
+            </a:lvl5pPr>
+            <a:lvl6pPr marL="2286000" algn="l" defTabSz="914400" rtl="0" eaLnBrk="1" latinLnBrk="0" hangingPunct="1">
+              <a:defRPr sz="1800" kern="1200">
+                <a:solidFill>
+                  <a:schemeClr val="tx1"/>
+                </a:solidFill>
+                <a:latin typeface="+mn-lt"/>
+                <a:ea typeface="+mn-ea"/>
+                <a:cs typeface="+mn-cs"/>
+              </a:defRPr>
+            </a:lvl6pPr>
+            <a:lvl7pPr marL="2743200" algn="l" defTabSz="914400" rtl="0" eaLnBrk="1" latinLnBrk="0" hangingPunct="1">
+              <a:defRPr sz="1800" kern="1200">
+                <a:solidFill>
+                  <a:schemeClr val="tx1"/>
+                </a:solidFill>
+                <a:latin typeface="+mn-lt"/>
+                <a:ea typeface="+mn-ea"/>
+                <a:cs typeface="+mn-cs"/>
+              </a:defRPr>
+            </a:lvl7pPr>
+            <a:lvl8pPr marL="3200400" algn="l" defTabSz="914400" rtl="0" eaLnBrk="1" latinLnBrk="0" hangingPunct="1">
+              <a:defRPr sz="1800" kern="1200">
+                <a:solidFill>
+                  <a:schemeClr val="tx1"/>
+                </a:solidFill>
+                <a:latin typeface="+mn-lt"/>
+                <a:ea typeface="+mn-ea"/>
+                <a:cs typeface="+mn-cs"/>
+              </a:defRPr>
+            </a:lvl8pPr>
+            <a:lvl9pPr marL="3657600" algn="l" defTabSz="914400" rtl="0" eaLnBrk="1" latinLnBrk="0" hangingPunct="1">
+              <a:defRPr sz="1800" kern="1200">
+                <a:solidFill>
+                  <a:schemeClr val="tx1"/>
+                </a:solidFill>
+                <a:latin typeface="+mn-lt"/>
+                <a:ea typeface="+mn-ea"/>
+                <a:cs typeface="+mn-cs"/>
+              </a:defRPr>
+            </a:lvl9pPr>
+          </a:lstStyle>
+          <a:p>
+            <a:pPr algn="l">
+              <a:spcAft>
+                <a:spcPts val="600"/>
+              </a:spcAft>
+            </a:pPr>
+            <a:r>
+              <a:rPr lang="it-IT" sz="1100">
+                <a:solidFill>
+                  <a:schemeClr val="tx1"/>
+                </a:solidFill>
+              </a:rPr>
+              <a:t>A. Le Caldare, E. Sassu, E. Scarselli</a:t>
+            </a:r>
+            <a:endParaRPr lang="en-GB" sz="1100" dirty="0">
+              <a:solidFill>
+                <a:schemeClr val="tx1"/>
+              </a:solidFill>
+            </a:endParaRPr>
+          </a:p>
+        </p:txBody>
+      </p:sp>
+      <p:sp>
+        <p:nvSpPr>
+          <p:cNvPr id="27" name="Segnaposto numero diapositiva 4">
+            <a:extLst>
+              <a:ext uri="{FF2B5EF4-FFF2-40B4-BE49-F238E27FC236}">
+                <a16:creationId xmlns:a16="http://schemas.microsoft.com/office/drawing/2014/main" id="{144FA246-62DE-4D8A-B3A7-E14DD88F9E99}"/>
+              </a:ext>
+            </a:extLst>
+          </p:cNvPr>
+          <p:cNvSpPr txBox="1">
+            <a:spLocks/>
+          </p:cNvSpPr>
+          <p:nvPr/>
+        </p:nvSpPr>
+        <p:spPr>
+          <a:xfrm>
+            <a:off x="11000232" y="6108192"/>
+            <a:ext cx="548640" cy="548640"/>
+          </a:xfrm>
+          <a:prstGeom prst="ellipse">
+            <a:avLst/>
+          </a:prstGeom>
+          <a:solidFill>
+            <a:srgbClr val="368B50"/>
+          </a:solidFill>
+        </p:spPr>
+        <p:txBody>
+          <a:bodyPr vert="horz" lIns="91440" tIns="45720" rIns="91440" bIns="45720" rtlCol="0" anchor="ctr">
+            <a:normAutofit/>
+          </a:bodyPr>
+          <a:lstStyle>
+            <a:defPPr>
+              <a:defRPr lang="en-US"/>
+            </a:defPPr>
+            <a:lvl1pPr marL="0" algn="r" defTabSz="914400" rtl="0" eaLnBrk="1" latinLnBrk="0" hangingPunct="1">
+              <a:defRPr sz="1200" kern="1200">
+                <a:solidFill>
+                  <a:schemeClr val="tx1">
+                    <a:tint val="75000"/>
+                  </a:schemeClr>
+                </a:solidFill>
+                <a:latin typeface="+mn-lt"/>
+                <a:ea typeface="+mn-ea"/>
+                <a:cs typeface="+mn-cs"/>
+              </a:defRPr>
+            </a:lvl1pPr>
+            <a:lvl2pPr marL="457200" algn="l" defTabSz="914400" rtl="0" eaLnBrk="1" latinLnBrk="0" hangingPunct="1">
+              <a:defRPr sz="1800" kern="1200">
+                <a:solidFill>
+                  <a:schemeClr val="tx1"/>
+                </a:solidFill>
+                <a:latin typeface="+mn-lt"/>
+                <a:ea typeface="+mn-ea"/>
+                <a:cs typeface="+mn-cs"/>
+              </a:defRPr>
+            </a:lvl2pPr>
+            <a:lvl3pPr marL="914400" algn="l" defTabSz="914400" rtl="0" eaLnBrk="1" latinLnBrk="0" hangingPunct="1">
+              <a:defRPr sz="1800" kern="1200">
+                <a:solidFill>
+                  <a:schemeClr val="tx1"/>
+                </a:solidFill>
+                <a:latin typeface="+mn-lt"/>
+                <a:ea typeface="+mn-ea"/>
+                <a:cs typeface="+mn-cs"/>
+              </a:defRPr>
+            </a:lvl3pPr>
+            <a:lvl4pPr marL="1371600" algn="l" defTabSz="914400" rtl="0" eaLnBrk="1" latinLnBrk="0" hangingPunct="1">
+              <a:defRPr sz="1800" kern="1200">
+                <a:solidFill>
+                  <a:schemeClr val="tx1"/>
+                </a:solidFill>
+                <a:latin typeface="+mn-lt"/>
+                <a:ea typeface="+mn-ea"/>
+                <a:cs typeface="+mn-cs"/>
+              </a:defRPr>
+            </a:lvl4pPr>
+            <a:lvl5pPr marL="1828800" algn="l" defTabSz="914400" rtl="0" eaLnBrk="1" latinLnBrk="0" hangingPunct="1">
+              <a:defRPr sz="1800" kern="1200">
+                <a:solidFill>
+                  <a:schemeClr val="tx1"/>
+                </a:solidFill>
+                <a:latin typeface="+mn-lt"/>
+                <a:ea typeface="+mn-ea"/>
+                <a:cs typeface="+mn-cs"/>
+              </a:defRPr>
+            </a:lvl5pPr>
+            <a:lvl6pPr marL="2286000" algn="l" defTabSz="914400" rtl="0" eaLnBrk="1" latinLnBrk="0" hangingPunct="1">
+              <a:defRPr sz="1800" kern="1200">
+                <a:solidFill>
+                  <a:schemeClr val="tx1"/>
+                </a:solidFill>
+                <a:latin typeface="+mn-lt"/>
+                <a:ea typeface="+mn-ea"/>
+                <a:cs typeface="+mn-cs"/>
+              </a:defRPr>
+            </a:lvl6pPr>
+            <a:lvl7pPr marL="2743200" algn="l" defTabSz="914400" rtl="0" eaLnBrk="1" latinLnBrk="0" hangingPunct="1">
+              <a:defRPr sz="1800" kern="1200">
+                <a:solidFill>
+                  <a:schemeClr val="tx1"/>
+                </a:solidFill>
+                <a:latin typeface="+mn-lt"/>
+                <a:ea typeface="+mn-ea"/>
+                <a:cs typeface="+mn-cs"/>
+              </a:defRPr>
+            </a:lvl7pPr>
+            <a:lvl8pPr marL="3200400" algn="l" defTabSz="914400" rtl="0" eaLnBrk="1" latinLnBrk="0" hangingPunct="1">
+              <a:defRPr sz="1800" kern="1200">
+                <a:solidFill>
+                  <a:schemeClr val="tx1"/>
+                </a:solidFill>
+                <a:latin typeface="+mn-lt"/>
+                <a:ea typeface="+mn-ea"/>
+                <a:cs typeface="+mn-cs"/>
+              </a:defRPr>
+            </a:lvl8pPr>
+            <a:lvl9pPr marL="3657600" algn="l" defTabSz="914400" rtl="0" eaLnBrk="1" latinLnBrk="0" hangingPunct="1">
+              <a:defRPr sz="1800" kern="1200">
+                <a:solidFill>
+                  <a:schemeClr val="tx1"/>
+                </a:solidFill>
+                <a:latin typeface="+mn-lt"/>
+                <a:ea typeface="+mn-ea"/>
+                <a:cs typeface="+mn-cs"/>
+              </a:defRPr>
+            </a:lvl9pPr>
+          </a:lstStyle>
+          <a:p>
+            <a:pPr algn="ctr">
+              <a:spcAft>
+                <a:spcPts val="600"/>
+              </a:spcAft>
+            </a:pPr>
+            <a:fld id="{5BB7E168-F539-4513-AD44-F276B24E7DDF}" type="slidenum">
+              <a:rPr lang="en-GB" sz="1500" smtClean="0">
+                <a:solidFill>
+                  <a:srgbClr val="FFFFFF"/>
+                </a:solidFill>
+              </a:rPr>
+              <a:pPr algn="ctr">
+                <a:spcAft>
+                  <a:spcPts val="600"/>
+                </a:spcAft>
+              </a:pPr>
+              <a:t>16</a:t>
+            </a:fld>
+            <a:endParaRPr lang="en-GB" sz="1500">
+              <a:solidFill>
+                <a:srgbClr val="FFFFFF"/>
+              </a:solidFill>
+            </a:endParaRPr>
+          </a:p>
+        </p:txBody>
+      </p:sp>
+    </p:spTree>
+    <p:extLst>
+      <p:ext uri="{BB962C8B-B14F-4D97-AF65-F5344CB8AC3E}">
+        <p14:creationId xmlns:p14="http://schemas.microsoft.com/office/powerpoint/2010/main" val="870870926"/>
+      </p:ext>
+    </p:extLst>
+  </p:cSld>
+  <p:clrMapOvr>
+    <a:masterClrMapping/>
+  </p:clrMapOvr>
+</p:sld>
+</file>
+
+<file path=ppt/slides/slide17.xml><?xml version="1.0" encoding="utf-8"?>
+<p:sld xmlns:a="http://schemas.openxmlformats.org/drawingml/2006/main" xmlns:r="http://schemas.openxmlformats.org/officeDocument/2006/relationships" xmlns:p="http://schemas.openxmlformats.org/presentationml/2006/main">
+  <p:cSld>
+    <p:spTree>
+      <p:nvGrpSpPr>
+        <p:cNvPr id="1" name=""/>
+        <p:cNvGrpSpPr/>
+        <p:nvPr/>
+      </p:nvGrpSpPr>
+      <p:grpSpPr>
+        <a:xfrm>
+          <a:off x="0" y="0"/>
+          <a:ext cx="0" cy="0"/>
+          <a:chOff x="0" y="0"/>
+          <a:chExt cx="0" cy="0"/>
+        </a:xfrm>
+      </p:grpSpPr>
       <p:sp>
         <p:nvSpPr>
           <p:cNvPr id="2" name="Titolo 1">
@@ -6300,10 +11103,26 @@
           <a:lstStyle/>
           <a:p>
             <a:r>
-              <a:rPr lang="it-IT" dirty="0"/>
-              <a:t>Testing</a:t>
-            </a:r>
-            <a:endParaRPr lang="en-GB" dirty="0"/>
+              <a:rPr lang="it-IT" dirty="0">
+                <a:solidFill>
+                  <a:schemeClr val="tx2"/>
+                </a:solidFill>
+              </a:rPr>
+              <a:t>Testing </a:t>
+            </a:r>
+            <a:r>
+              <a:rPr lang="it-IT" dirty="0" err="1">
+                <a:solidFill>
+                  <a:schemeClr val="tx2"/>
+                </a:solidFill>
+              </a:rPr>
+              <a:t>environment</a:t>
+            </a:r>
+            <a:endParaRPr lang="en-GB" dirty="0">
+              <a:solidFill>
+                <a:schemeClr val="tx2"/>
+              </a:solidFill>
+            </a:endParaRPr>
           </a:p>
         </p:txBody>
       </p:sp>
@@ -6326,88 +11145,151 @@
         <p:spPr/>
         <p:txBody>
           <a:bodyPr>
-            <a:normAutofit lnSpcReduction="10000"/>
+            <a:normAutofit fontScale="92500" lnSpcReduction="10000"/>
           </a:bodyPr>
           <a:lstStyle/>
           <a:p>
-            <a:pPr marL="0" indent="0">
-              <a:buNone/>
-            </a:pPr>
             <a:r>
               <a:rPr lang="it-IT" dirty="0" err="1"/>
-              <a:t>Semplificaizoni</a:t>
+              <a:t>Bots</a:t>
+            </a:r>
+            <a:r>
+              <a:rPr lang="en-GB" dirty="0"/>
+              <a:t> continually request an HTTP connection to the server.</a:t>
+            </a:r>
+            <a:endParaRPr lang="it-IT" dirty="0"/>
+          </a:p>
+          <a:p>
+            <a:r>
+              <a:rPr lang="it-IT" dirty="0"/>
+              <a:t>Clients send </a:t>
+            </a:r>
+            <a:r>
+              <a:rPr lang="it-IT" dirty="0" err="1"/>
+              <a:t>periodic</a:t>
             </a:r>
             <a:r>
               <a:rPr lang="it-IT" dirty="0"/>
               <a:t> </a:t>
             </a:r>
-          </a:p>
-          <a:p>
+            <a:r>
+              <a:rPr lang="it-IT" dirty="0" err="1"/>
+              <a:t>requests</a:t>
+            </a:r>
             <a:r>
               <a:rPr lang="it-IT" dirty="0"/>
-              <a:t>Dal vecchio server al nuovo server è </a:t>
+              <a:t>.</a:t>
+            </a:r>
+          </a:p>
+          <a:p>
+            <a:r>
+              <a:rPr lang="it-IT" dirty="0"/>
+              <a:t>The server </a:t>
             </a:r>
             <a:r>
               <a:rPr lang="it-IT" dirty="0" err="1"/>
-              <a:t>hardcoded</a:t>
-            </a:r>
-            <a:r>
-              <a:rPr lang="it-IT" dirty="0"/>
-              <a:t> nei client</a:t>
-            </a:r>
-          </a:p>
-          <a:p>
-            <a:r>
-              <a:rPr lang="it-IT" dirty="0"/>
-              <a:t>I bot fanno continuamente richiesta di connessione HTTP al server</a:t>
-            </a:r>
-          </a:p>
-          <a:p>
-            <a:r>
-              <a:rPr lang="it-IT" dirty="0"/>
-              <a:t>I client mandano richieste periodiche</a:t>
-            </a:r>
-          </a:p>
-          <a:p>
-            <a:r>
-              <a:rPr lang="it-IT" dirty="0"/>
-              <a:t>Il server è </a:t>
-            </a:r>
-            <a:r>
-              <a:rPr lang="it-IT" dirty="0" err="1"/>
-              <a:t>multithread</a:t>
+              <a:t>is</a:t>
             </a:r>
             <a:r>
               <a:rPr lang="it-IT" dirty="0"/>
               <a:t> </a:t>
             </a:r>
-          </a:p>
-          <a:p>
+            <a:r>
+              <a:rPr lang="it-IT" dirty="0" err="1"/>
+              <a:t>multithreaded</a:t>
+            </a:r>
             <a:r>
               <a:rPr lang="it-IT" dirty="0"/>
-              <a:t>Non è possibile vedere l’effetto del </a:t>
+              <a:t>.</a:t>
+            </a:r>
+          </a:p>
+          <a:p>
+            <a:r>
+              <a:rPr lang="it-IT" dirty="0"/>
+              <a:t>When the server </a:t>
             </a:r>
             <a:r>
               <a:rPr lang="it-IT" dirty="0" err="1"/>
-              <a:t>Denial</a:t>
+              <a:t>is</a:t>
             </a:r>
             <a:r>
               <a:rPr lang="it-IT" dirty="0"/>
-              <a:t> of Service</a:t>
-            </a:r>
-          </a:p>
-          <a:p>
+              <a:t> under </a:t>
+            </a:r>
+            <a:r>
+              <a:rPr lang="it-IT" dirty="0" err="1"/>
+              <a:t>attack</a:t>
+            </a:r>
+            <a:r>
+              <a:rPr lang="it-IT" dirty="0"/>
+              <a:t>:</a:t>
+            </a:r>
+          </a:p>
+          <a:p>
+            <a:pPr lvl="1"/>
+            <a:r>
+              <a:rPr lang="it-IT" dirty="0"/>
+              <a:t>it </a:t>
+            </a:r>
+            <a:r>
+              <a:rPr lang="it-IT" dirty="0" err="1"/>
+              <a:t>changes</a:t>
+            </a:r>
+            <a:r>
+              <a:rPr lang="it-IT" dirty="0"/>
+              <a:t> its address;</a:t>
+            </a:r>
+          </a:p>
+          <a:p>
+            <a:pPr lvl="1"/>
+            <a:r>
+              <a:rPr lang="it-IT" dirty="0"/>
+              <a:t>It </a:t>
+            </a:r>
+            <a:r>
+              <a:rPr lang="it-IT" dirty="0" err="1"/>
+              <a:t>notifies</a:t>
+            </a:r>
+            <a:r>
+              <a:rPr lang="it-IT" dirty="0"/>
+              <a:t> the Controller about the </a:t>
+            </a:r>
+            <a:r>
+              <a:rPr lang="it-IT" dirty="0" err="1"/>
+              <a:t>attack</a:t>
+            </a:r>
+            <a:r>
+              <a:rPr lang="it-IT" dirty="0"/>
+              <a:t>.  </a:t>
+            </a:r>
+          </a:p>
+          <a:p>
+            <a:r>
+              <a:rPr lang="en-GB" dirty="0"/>
+              <a:t>When the server changes address:</a:t>
+            </a:r>
+          </a:p>
+          <a:p>
+            <a:pPr lvl="1"/>
+            <a:r>
+              <a:rPr lang="en-GB" dirty="0"/>
+              <a:t>clients can forward the address of the server</a:t>
+            </a:r>
+          </a:p>
+          <a:p>
+            <a:pPr lvl="1"/>
+            <a:r>
+              <a:rPr lang="en-GB" dirty="0"/>
+              <a:t>while the bots do not</a:t>
+            </a:r>
             <a:endParaRPr lang="it-IT" dirty="0"/>
           </a:p>
           <a:p>
+            <a:r>
+              <a:rPr lang="en-GB" dirty="0"/>
+              <a:t>Even if the Bots send requests continuously, the Server is always able to respond and it does not stop even if it is bombarded with requests.</a:t>
+            </a:r>
             <a:endParaRPr lang="it-IT" dirty="0"/>
-          </a:p>
-          <a:p>
-            <a:r>
-              <a:rPr lang="it-IT" dirty="0"/>
-              <a:t>Far vedere la demo</a:t>
-            </a:r>
-            <a:endParaRPr lang="en-GB" dirty="0"/>
           </a:p>
         </p:txBody>
       </p:sp>
@@ -6463,7 +11345,7 @@
           <a:p>
             <a:fld id="{5BB7E168-F539-4513-AD44-F276B24E7DDF}" type="slidenum">
               <a:rPr lang="en-GB" smtClean="0"/>
-              <a:t>13</a:t>
+              <a:t>17</a:t>
             </a:fld>
             <a:endParaRPr lang="en-GB"/>
           </a:p>
@@ -6472,7 +11354,7 @@
     </p:spTree>
     <p:extLst>
       <p:ext uri="{BB962C8B-B14F-4D97-AF65-F5344CB8AC3E}">
-        <p14:creationId xmlns:p14="http://schemas.microsoft.com/office/powerpoint/2010/main" val="1415853176"/>
+        <p14:creationId xmlns:p14="http://schemas.microsoft.com/office/powerpoint/2010/main" val="581588775"/>
       </p:ext>
     </p:extLst>
   </p:cSld>

--- a/Docs/DDoSDefence.pptx
+++ b/Docs/DDoSDefence.pptx
@@ -9,22 +9,22 @@
   </p:notesMasterIdLst>
   <p:sldIdLst>
     <p:sldId id="256" r:id="rId2"/>
-    <p:sldId id="260" r:id="rId3"/>
-    <p:sldId id="259" r:id="rId4"/>
-    <p:sldId id="266" r:id="rId5"/>
-    <p:sldId id="258" r:id="rId6"/>
-    <p:sldId id="263" r:id="rId7"/>
-    <p:sldId id="265" r:id="rId8"/>
-    <p:sldId id="267" r:id="rId9"/>
-    <p:sldId id="268" r:id="rId10"/>
-    <p:sldId id="269" r:id="rId11"/>
-    <p:sldId id="270" r:id="rId12"/>
-    <p:sldId id="257" r:id="rId13"/>
-    <p:sldId id="273" r:id="rId14"/>
-    <p:sldId id="274" r:id="rId15"/>
-    <p:sldId id="275" r:id="rId16"/>
-    <p:sldId id="276" r:id="rId17"/>
-    <p:sldId id="271" r:id="rId18"/>
+    <p:sldId id="279" r:id="rId3"/>
+    <p:sldId id="260" r:id="rId4"/>
+    <p:sldId id="280" r:id="rId5"/>
+    <p:sldId id="259" r:id="rId6"/>
+    <p:sldId id="258" r:id="rId7"/>
+    <p:sldId id="263" r:id="rId8"/>
+    <p:sldId id="265" r:id="rId9"/>
+    <p:sldId id="267" r:id="rId10"/>
+    <p:sldId id="268" r:id="rId11"/>
+    <p:sldId id="269" r:id="rId12"/>
+    <p:sldId id="270" r:id="rId13"/>
+    <p:sldId id="257" r:id="rId14"/>
+    <p:sldId id="277" r:id="rId15"/>
+    <p:sldId id="273" r:id="rId16"/>
+    <p:sldId id="274" r:id="rId17"/>
+    <p:sldId id="278" r:id="rId18"/>
   </p:sldIdLst>
   <p:sldSz cx="12192000" cy="6858000"/>
   <p:notesSz cx="6858000" cy="9144000"/>
@@ -213,7 +213,7 @@
           <a:p>
             <a:fld id="{77EA6FB2-8CC3-4627-9AFD-974BAE12EB8C}" type="datetimeFigureOut">
               <a:rPr lang="en-GB" smtClean="0"/>
-              <a:t>24/01/2019</a:t>
+              <a:t>27/01/2019</a:t>
             </a:fld>
             <a:endParaRPr lang="en-GB"/>
           </a:p>
@@ -546,7 +546,7 @@
           <a:p>
             <a:fld id="{15114317-084B-44FB-95E2-F74F7746A8DF}" type="slidenum">
               <a:rPr lang="en-GB" smtClean="0"/>
-              <a:t>2</a:t>
+              <a:t>3</a:t>
             </a:fld>
             <a:endParaRPr lang="en-GB"/>
           </a:p>
@@ -609,31 +609,56 @@
           <a:bodyPr/>
           <a:lstStyle/>
           <a:p>
-            <a:pPr marL="0" marR="0" lvl="0" indent="0" algn="l" defTabSz="914400" rtl="0" eaLnBrk="1" fontAlgn="auto" latinLnBrk="0" hangingPunct="1">
-              <a:lnSpc>
-                <a:spcPct val="100000"/>
-              </a:lnSpc>
-              <a:spcBef>
-                <a:spcPts val="0"/>
-              </a:spcBef>
-              <a:spcAft>
-                <a:spcPts val="0"/>
-              </a:spcAft>
-              <a:buClrTx/>
-              <a:buSzTx/>
-              <a:buFontTx/>
-              <a:buNone/>
-              <a:tabLst/>
-              <a:defRPr/>
+            <a:pPr marL="228600" indent="-228600">
+              <a:buAutoNum type="arabicPeriod"/>
             </a:pPr>
             <a:r>
+              <a:rPr lang="it-IT" dirty="0"/>
+              <a:t>https://floodlight.atlassian.net/wiki/spaces/floodlightcontroller/pages/1343513/How+to+Write+a+Module#HowtoWriteaModule-OrderingModuleswhenProcessingOpenFlowMessages</a:t>
+            </a:r>
+          </a:p>
+          <a:p>
+            <a:pPr marL="228600" indent="-228600">
+              <a:buAutoNum type="arabicPeriod"/>
+            </a:pPr>
+            <a:r>
+              <a:rPr lang="it-IT" dirty="0"/>
+              <a:t>Per il normal rule, </a:t>
+            </a:r>
+            <a:r>
+              <a:rPr lang="it-IT" dirty="0" err="1"/>
+              <a:t>hybrid</a:t>
+            </a:r>
+            <a:r>
+              <a:rPr lang="it-IT" dirty="0"/>
+              <a:t> switch implementano nativamente il livello due e quindi avrebbero fatto </a:t>
+            </a:r>
+            <a:r>
+              <a:rPr lang="it-IT" dirty="0" err="1"/>
+              <a:t>arp</a:t>
+            </a:r>
+            <a:r>
+              <a:rPr lang="it-IT" dirty="0"/>
+              <a:t> e switch</a:t>
+            </a:r>
+          </a:p>
+          <a:p>
+            <a:pPr marL="228600" indent="-228600">
+              <a:buAutoNum type="arabicPeriod"/>
+            </a:pPr>
+            <a:r>
+              <a:rPr lang="it-IT" dirty="0"/>
+              <a:t>Il learning switch </a:t>
+            </a:r>
+          </a:p>
+          <a:p>
+            <a:pPr marL="228600" indent="-228600">
+              <a:buAutoNum type="arabicPeriod"/>
+            </a:pPr>
+            <a:r>
               <a:rPr lang="en-GB" dirty="0"/>
-              <a:t>Even if the Bots send requests continuously, the Server is always able to respond, because it opens a new thread for each request, so the server does not stop even if it is bombarded with requests</a:t>
-            </a:r>
-            <a:endParaRPr lang="it-IT" dirty="0"/>
-          </a:p>
-          <a:p>
-            <a:endParaRPr lang="en-GB" dirty="0"/>
+              <a:t>https://floodlight.atlassian.net/wiki/spaces/floodlightcontroller/pages/1343547/How+to+use+OpenFlowJ-Loxigen</a:t>
+            </a:r>
           </a:p>
         </p:txBody>
       </p:sp>
@@ -654,7 +679,7 @@
           <a:p>
             <a:fld id="{15114317-084B-44FB-95E2-F74F7746A8DF}" type="slidenum">
               <a:rPr lang="en-GB" smtClean="0"/>
-              <a:t>15</a:t>
+              <a:t>12</a:t>
             </a:fld>
             <a:endParaRPr lang="en-GB"/>
           </a:p>
@@ -663,7 +688,7 @@
     </p:spTree>
     <p:extLst>
       <p:ext uri="{BB962C8B-B14F-4D97-AF65-F5344CB8AC3E}">
-        <p14:creationId xmlns:p14="http://schemas.microsoft.com/office/powerpoint/2010/main" val="3622924729"/>
+        <p14:creationId xmlns:p14="http://schemas.microsoft.com/office/powerpoint/2010/main" val="3244972490"/>
       </p:ext>
     </p:extLst>
   </p:cSld>
@@ -717,31 +742,7 @@
           <a:bodyPr/>
           <a:lstStyle/>
           <a:p>
-            <a:pPr marL="0" marR="0" lvl="0" indent="0" algn="l" defTabSz="914400" rtl="0" eaLnBrk="1" fontAlgn="auto" latinLnBrk="0" hangingPunct="1">
-              <a:lnSpc>
-                <a:spcPct val="100000"/>
-              </a:lnSpc>
-              <a:spcBef>
-                <a:spcPts val="0"/>
-              </a:spcBef>
-              <a:spcAft>
-                <a:spcPts val="0"/>
-              </a:spcAft>
-              <a:buClrTx/>
-              <a:buSzTx/>
-              <a:buFontTx/>
-              <a:buNone/>
-              <a:tabLst/>
-              <a:defRPr/>
-            </a:pPr>
-            <a:r>
-              <a:rPr lang="en-GB" dirty="0"/>
-              <a:t>Even if the Bots send requests continuously, the Server is always able to respond, because it opens a new thread for each request, so the server does not stop even if it is bombarded with requests</a:t>
-            </a:r>
-            <a:endParaRPr lang="it-IT" dirty="0"/>
-          </a:p>
-          <a:p>
-            <a:endParaRPr lang="en-GB" dirty="0"/>
+            <a:endParaRPr lang="en-US" dirty="0"/>
           </a:p>
         </p:txBody>
       </p:sp>
@@ -762,7 +763,7 @@
           <a:p>
             <a:fld id="{15114317-084B-44FB-95E2-F74F7746A8DF}" type="slidenum">
               <a:rPr lang="en-GB" smtClean="0"/>
-              <a:t>16</a:t>
+              <a:t>13</a:t>
             </a:fld>
             <a:endParaRPr lang="en-GB"/>
           </a:p>
@@ -771,7 +772,7 @@
     </p:spTree>
     <p:extLst>
       <p:ext uri="{BB962C8B-B14F-4D97-AF65-F5344CB8AC3E}">
-        <p14:creationId xmlns:p14="http://schemas.microsoft.com/office/powerpoint/2010/main" val="2355205322"/>
+        <p14:creationId xmlns:p14="http://schemas.microsoft.com/office/powerpoint/2010/main" val="4051144184"/>
       </p:ext>
     </p:extLst>
   </p:cSld>
@@ -870,6 +871,330 @@
           <a:p>
             <a:fld id="{15114317-084B-44FB-95E2-F74F7746A8DF}" type="slidenum">
               <a:rPr lang="en-GB" smtClean="0"/>
+              <a:t>14</a:t>
+            </a:fld>
+            <a:endParaRPr lang="en-GB"/>
+          </a:p>
+        </p:txBody>
+      </p:sp>
+    </p:spTree>
+    <p:extLst>
+      <p:ext uri="{BB962C8B-B14F-4D97-AF65-F5344CB8AC3E}">
+        <p14:creationId xmlns:p14="http://schemas.microsoft.com/office/powerpoint/2010/main" val="3296047101"/>
+      </p:ext>
+    </p:extLst>
+  </p:cSld>
+  <p:clrMapOvr>
+    <a:masterClrMapping/>
+  </p:clrMapOvr>
+</p:notes>
+</file>
+
+<file path=ppt/notesSlides/notesSlide13.xml><?xml version="1.0" encoding="utf-8"?>
+<p:notes xmlns:a="http://schemas.openxmlformats.org/drawingml/2006/main" xmlns:r="http://schemas.openxmlformats.org/officeDocument/2006/relationships" xmlns:p="http://schemas.openxmlformats.org/presentationml/2006/main">
+  <p:cSld>
+    <p:spTree>
+      <p:nvGrpSpPr>
+        <p:cNvPr id="1" name=""/>
+        <p:cNvGrpSpPr/>
+        <p:nvPr/>
+      </p:nvGrpSpPr>
+      <p:grpSpPr>
+        <a:xfrm>
+          <a:off x="0" y="0"/>
+          <a:ext cx="0" cy="0"/>
+          <a:chOff x="0" y="0"/>
+          <a:chExt cx="0" cy="0"/>
+        </a:xfrm>
+      </p:grpSpPr>
+      <p:sp>
+        <p:nvSpPr>
+          <p:cNvPr id="2" name="Segnaposto immagine diapositiva 1"/>
+          <p:cNvSpPr>
+            <a:spLocks noGrp="1" noRot="1" noChangeAspect="1"/>
+          </p:cNvSpPr>
+          <p:nvPr>
+            <p:ph type="sldImg"/>
+          </p:nvPr>
+        </p:nvSpPr>
+        <p:spPr/>
+      </p:sp>
+      <p:sp>
+        <p:nvSpPr>
+          <p:cNvPr id="3" name="Segnaposto note 2"/>
+          <p:cNvSpPr>
+            <a:spLocks noGrp="1"/>
+          </p:cNvSpPr>
+          <p:nvPr>
+            <p:ph type="body" idx="1"/>
+          </p:nvPr>
+        </p:nvSpPr>
+        <p:spPr/>
+        <p:txBody>
+          <a:bodyPr/>
+          <a:lstStyle/>
+          <a:p>
+            <a:pPr marL="0" marR="0" lvl="0" indent="0" algn="l" defTabSz="914400" rtl="0" eaLnBrk="1" fontAlgn="auto" latinLnBrk="0" hangingPunct="1">
+              <a:lnSpc>
+                <a:spcPct val="100000"/>
+              </a:lnSpc>
+              <a:spcBef>
+                <a:spcPts val="0"/>
+              </a:spcBef>
+              <a:spcAft>
+                <a:spcPts val="0"/>
+              </a:spcAft>
+              <a:buClrTx/>
+              <a:buSzTx/>
+              <a:buFontTx/>
+              <a:buNone/>
+              <a:tabLst/>
+              <a:defRPr/>
+            </a:pPr>
+            <a:r>
+              <a:rPr lang="en-GB" dirty="0"/>
+              <a:t>Even if the Bots send requests continuously, the Server is always able to respond, because it opens a new thread for each request, so the server does not stop even if it is bombarded with requests</a:t>
+            </a:r>
+            <a:endParaRPr lang="it-IT" dirty="0"/>
+          </a:p>
+          <a:p>
+            <a:endParaRPr lang="en-GB" dirty="0"/>
+          </a:p>
+        </p:txBody>
+      </p:sp>
+      <p:sp>
+        <p:nvSpPr>
+          <p:cNvPr id="4" name="Segnaposto numero diapositiva 3"/>
+          <p:cNvSpPr>
+            <a:spLocks noGrp="1"/>
+          </p:cNvSpPr>
+          <p:nvPr>
+            <p:ph type="sldNum" sz="quarter" idx="5"/>
+          </p:nvPr>
+        </p:nvSpPr>
+        <p:spPr/>
+        <p:txBody>
+          <a:bodyPr/>
+          <a:lstStyle/>
+          <a:p>
+            <a:fld id="{15114317-084B-44FB-95E2-F74F7746A8DF}" type="slidenum">
+              <a:rPr lang="en-GB" smtClean="0"/>
+              <a:t>15</a:t>
+            </a:fld>
+            <a:endParaRPr lang="en-GB"/>
+          </a:p>
+        </p:txBody>
+      </p:sp>
+    </p:spTree>
+    <p:extLst>
+      <p:ext uri="{BB962C8B-B14F-4D97-AF65-F5344CB8AC3E}">
+        <p14:creationId xmlns:p14="http://schemas.microsoft.com/office/powerpoint/2010/main" val="3853835990"/>
+      </p:ext>
+    </p:extLst>
+  </p:cSld>
+  <p:clrMapOvr>
+    <a:masterClrMapping/>
+  </p:clrMapOvr>
+</p:notes>
+</file>
+
+<file path=ppt/notesSlides/notesSlide14.xml><?xml version="1.0" encoding="utf-8"?>
+<p:notes xmlns:a="http://schemas.openxmlformats.org/drawingml/2006/main" xmlns:r="http://schemas.openxmlformats.org/officeDocument/2006/relationships" xmlns:p="http://schemas.openxmlformats.org/presentationml/2006/main">
+  <p:cSld>
+    <p:spTree>
+      <p:nvGrpSpPr>
+        <p:cNvPr id="1" name=""/>
+        <p:cNvGrpSpPr/>
+        <p:nvPr/>
+      </p:nvGrpSpPr>
+      <p:grpSpPr>
+        <a:xfrm>
+          <a:off x="0" y="0"/>
+          <a:ext cx="0" cy="0"/>
+          <a:chOff x="0" y="0"/>
+          <a:chExt cx="0" cy="0"/>
+        </a:xfrm>
+      </p:grpSpPr>
+      <p:sp>
+        <p:nvSpPr>
+          <p:cNvPr id="2" name="Segnaposto immagine diapositiva 1"/>
+          <p:cNvSpPr>
+            <a:spLocks noGrp="1" noRot="1" noChangeAspect="1"/>
+          </p:cNvSpPr>
+          <p:nvPr>
+            <p:ph type="sldImg"/>
+          </p:nvPr>
+        </p:nvSpPr>
+        <p:spPr/>
+      </p:sp>
+      <p:sp>
+        <p:nvSpPr>
+          <p:cNvPr id="3" name="Segnaposto note 2"/>
+          <p:cNvSpPr>
+            <a:spLocks noGrp="1"/>
+          </p:cNvSpPr>
+          <p:nvPr>
+            <p:ph type="body" idx="1"/>
+          </p:nvPr>
+        </p:nvSpPr>
+        <p:spPr/>
+        <p:txBody>
+          <a:bodyPr/>
+          <a:lstStyle/>
+          <a:p>
+            <a:pPr marL="0" marR="0" lvl="0" indent="0" algn="l" defTabSz="914400" rtl="0" eaLnBrk="1" fontAlgn="auto" latinLnBrk="0" hangingPunct="1">
+              <a:lnSpc>
+                <a:spcPct val="100000"/>
+              </a:lnSpc>
+              <a:spcBef>
+                <a:spcPts val="0"/>
+              </a:spcBef>
+              <a:spcAft>
+                <a:spcPts val="0"/>
+              </a:spcAft>
+              <a:buClrTx/>
+              <a:buSzTx/>
+              <a:buFontTx/>
+              <a:buNone/>
+              <a:tabLst/>
+              <a:defRPr/>
+            </a:pPr>
+            <a:r>
+              <a:rPr lang="en-GB" dirty="0"/>
+              <a:t>Even if the Bots send requests continuously, the Server is always able to respond, because it opens a new thread for each request, so the server does not stop even if it is bombarded with requests</a:t>
+            </a:r>
+            <a:endParaRPr lang="it-IT" dirty="0"/>
+          </a:p>
+          <a:p>
+            <a:endParaRPr lang="en-GB" dirty="0"/>
+          </a:p>
+        </p:txBody>
+      </p:sp>
+      <p:sp>
+        <p:nvSpPr>
+          <p:cNvPr id="4" name="Segnaposto numero diapositiva 3"/>
+          <p:cNvSpPr>
+            <a:spLocks noGrp="1"/>
+          </p:cNvSpPr>
+          <p:nvPr>
+            <p:ph type="sldNum" sz="quarter" idx="5"/>
+          </p:nvPr>
+        </p:nvSpPr>
+        <p:spPr/>
+        <p:txBody>
+          <a:bodyPr/>
+          <a:lstStyle/>
+          <a:p>
+            <a:fld id="{15114317-084B-44FB-95E2-F74F7746A8DF}" type="slidenum">
+              <a:rPr lang="en-GB" smtClean="0"/>
+              <a:t>16</a:t>
+            </a:fld>
+            <a:endParaRPr lang="en-GB"/>
+          </a:p>
+        </p:txBody>
+      </p:sp>
+    </p:spTree>
+    <p:extLst>
+      <p:ext uri="{BB962C8B-B14F-4D97-AF65-F5344CB8AC3E}">
+        <p14:creationId xmlns:p14="http://schemas.microsoft.com/office/powerpoint/2010/main" val="600231459"/>
+      </p:ext>
+    </p:extLst>
+  </p:cSld>
+  <p:clrMapOvr>
+    <a:masterClrMapping/>
+  </p:clrMapOvr>
+</p:notes>
+</file>
+
+<file path=ppt/notesSlides/notesSlide15.xml><?xml version="1.0" encoding="utf-8"?>
+<p:notes xmlns:a="http://schemas.openxmlformats.org/drawingml/2006/main" xmlns:r="http://schemas.openxmlformats.org/officeDocument/2006/relationships" xmlns:p="http://schemas.openxmlformats.org/presentationml/2006/main">
+  <p:cSld>
+    <p:spTree>
+      <p:nvGrpSpPr>
+        <p:cNvPr id="1" name=""/>
+        <p:cNvGrpSpPr/>
+        <p:nvPr/>
+      </p:nvGrpSpPr>
+      <p:grpSpPr>
+        <a:xfrm>
+          <a:off x="0" y="0"/>
+          <a:ext cx="0" cy="0"/>
+          <a:chOff x="0" y="0"/>
+          <a:chExt cx="0" cy="0"/>
+        </a:xfrm>
+      </p:grpSpPr>
+      <p:sp>
+        <p:nvSpPr>
+          <p:cNvPr id="2" name="Segnaposto immagine diapositiva 1"/>
+          <p:cNvSpPr>
+            <a:spLocks noGrp="1" noRot="1" noChangeAspect="1"/>
+          </p:cNvSpPr>
+          <p:nvPr>
+            <p:ph type="sldImg"/>
+          </p:nvPr>
+        </p:nvSpPr>
+        <p:spPr/>
+      </p:sp>
+      <p:sp>
+        <p:nvSpPr>
+          <p:cNvPr id="3" name="Segnaposto note 2"/>
+          <p:cNvSpPr>
+            <a:spLocks noGrp="1"/>
+          </p:cNvSpPr>
+          <p:nvPr>
+            <p:ph type="body" idx="1"/>
+          </p:nvPr>
+        </p:nvSpPr>
+        <p:spPr/>
+        <p:txBody>
+          <a:bodyPr/>
+          <a:lstStyle/>
+          <a:p>
+            <a:pPr marL="0" marR="0" lvl="0" indent="0" algn="l" defTabSz="914400" rtl="0" eaLnBrk="1" fontAlgn="auto" latinLnBrk="0" hangingPunct="1">
+              <a:lnSpc>
+                <a:spcPct val="100000"/>
+              </a:lnSpc>
+              <a:spcBef>
+                <a:spcPts val="0"/>
+              </a:spcBef>
+              <a:spcAft>
+                <a:spcPts val="0"/>
+              </a:spcAft>
+              <a:buClrTx/>
+              <a:buSzTx/>
+              <a:buFontTx/>
+              <a:buNone/>
+              <a:tabLst/>
+              <a:defRPr/>
+            </a:pPr>
+            <a:r>
+              <a:rPr lang="en-GB" dirty="0"/>
+              <a:t>Even if the Bots send requests continuously, the Server is always able to respond, because it opens a new thread for each request, so the server does not stop even if it is bombarded with requests</a:t>
+            </a:r>
+            <a:endParaRPr lang="it-IT" dirty="0"/>
+          </a:p>
+          <a:p>
+            <a:endParaRPr lang="en-GB" dirty="0"/>
+          </a:p>
+        </p:txBody>
+      </p:sp>
+      <p:sp>
+        <p:nvSpPr>
+          <p:cNvPr id="4" name="Segnaposto numero diapositiva 3"/>
+          <p:cNvSpPr>
+            <a:spLocks noGrp="1"/>
+          </p:cNvSpPr>
+          <p:nvPr>
+            <p:ph type="sldNum" sz="quarter" idx="5"/>
+          </p:nvPr>
+        </p:nvSpPr>
+        <p:spPr/>
+        <p:txBody>
+          <a:bodyPr/>
+          <a:lstStyle/>
+          <a:p>
+            <a:fld id="{15114317-084B-44FB-95E2-F74F7746A8DF}" type="slidenum">
+              <a:rPr lang="en-GB" smtClean="0"/>
               <a:t>17</a:t>
             </a:fld>
             <a:endParaRPr lang="en-GB"/>
@@ -879,7 +1204,7 @@
     </p:spTree>
     <p:extLst>
       <p:ext uri="{BB962C8B-B14F-4D97-AF65-F5344CB8AC3E}">
-        <p14:creationId xmlns:p14="http://schemas.microsoft.com/office/powerpoint/2010/main" val="3059828949"/>
+        <p14:creationId xmlns:p14="http://schemas.microsoft.com/office/powerpoint/2010/main" val="1609588553"/>
       </p:ext>
     </p:extLst>
   </p:cSld>
@@ -933,7 +1258,7 @@
           <a:bodyPr/>
           <a:lstStyle/>
           <a:p>
-            <a:endParaRPr lang="en-GB" dirty="0"/>
+            <a:endParaRPr lang="en-US" dirty="0"/>
           </a:p>
         </p:txBody>
       </p:sp>
@@ -954,7 +1279,7 @@
           <a:p>
             <a:fld id="{15114317-084B-44FB-95E2-F74F7746A8DF}" type="slidenum">
               <a:rPr lang="en-GB" smtClean="0"/>
-              <a:t>6</a:t>
+              <a:t>4</a:t>
             </a:fld>
             <a:endParaRPr lang="en-GB"/>
           </a:p>
@@ -963,7 +1288,7 @@
     </p:spTree>
     <p:extLst>
       <p:ext uri="{BB962C8B-B14F-4D97-AF65-F5344CB8AC3E}">
-        <p14:creationId xmlns:p14="http://schemas.microsoft.com/office/powerpoint/2010/main" val="3416633694"/>
+        <p14:creationId xmlns:p14="http://schemas.microsoft.com/office/powerpoint/2010/main" val="3824539655"/>
       </p:ext>
     </p:extLst>
   </p:cSld>
@@ -1017,56 +1342,7 @@
           <a:bodyPr/>
           <a:lstStyle/>
           <a:p>
-            <a:pPr marL="228600" indent="-228600">
-              <a:buAutoNum type="arabicPeriod"/>
-            </a:pPr>
-            <a:r>
-              <a:rPr lang="it-IT" dirty="0"/>
-              <a:t>https://floodlight.atlassian.net/wiki/spaces/floodlightcontroller/pages/1343513/How+to+Write+a+Module#HowtoWriteaModule-OrderingModuleswhenProcessingOpenFlowMessages</a:t>
-            </a:r>
-          </a:p>
-          <a:p>
-            <a:pPr marL="228600" indent="-228600">
-              <a:buAutoNum type="arabicPeriod"/>
-            </a:pPr>
-            <a:r>
-              <a:rPr lang="it-IT" dirty="0"/>
-              <a:t>Per il normal rule, </a:t>
-            </a:r>
-            <a:r>
-              <a:rPr lang="it-IT" dirty="0" err="1"/>
-              <a:t>hybrid</a:t>
-            </a:r>
-            <a:r>
-              <a:rPr lang="it-IT" dirty="0"/>
-              <a:t> switch implementano nativamente il livello due e quindi avrebbero fatto </a:t>
-            </a:r>
-            <a:r>
-              <a:rPr lang="it-IT" dirty="0" err="1"/>
-              <a:t>arp</a:t>
-            </a:r>
-            <a:r>
-              <a:rPr lang="it-IT" dirty="0"/>
-              <a:t> e switch</a:t>
-            </a:r>
-          </a:p>
-          <a:p>
-            <a:pPr marL="228600" indent="-228600">
-              <a:buAutoNum type="arabicPeriod"/>
-            </a:pPr>
-            <a:r>
-              <a:rPr lang="it-IT" dirty="0"/>
-              <a:t>Il learning switch </a:t>
-            </a:r>
-          </a:p>
-          <a:p>
-            <a:pPr marL="228600" indent="-228600">
-              <a:buAutoNum type="arabicPeriod"/>
-            </a:pPr>
-            <a:r>
-              <a:rPr lang="en-GB" dirty="0"/>
-              <a:t>https://floodlight.atlassian.net/wiki/spaces/floodlightcontroller/pages/1343547/How+to+use+OpenFlowJ-Loxigen</a:t>
-            </a:r>
+            <a:endParaRPr lang="en-US" dirty="0"/>
           </a:p>
         </p:txBody>
       </p:sp>
@@ -1087,7 +1363,7 @@
           <a:p>
             <a:fld id="{15114317-084B-44FB-95E2-F74F7746A8DF}" type="slidenum">
               <a:rPr lang="en-GB" smtClean="0"/>
-              <a:t>7</a:t>
+              <a:t>5</a:t>
             </a:fld>
             <a:endParaRPr lang="en-GB"/>
           </a:p>
@@ -1096,7 +1372,7 @@
     </p:spTree>
     <p:extLst>
       <p:ext uri="{BB962C8B-B14F-4D97-AF65-F5344CB8AC3E}">
-        <p14:creationId xmlns:p14="http://schemas.microsoft.com/office/powerpoint/2010/main" val="3286179310"/>
+        <p14:creationId xmlns:p14="http://schemas.microsoft.com/office/powerpoint/2010/main" val="4084336493"/>
       </p:ext>
     </p:extLst>
   </p:cSld>
@@ -1150,56 +1426,7 @@
           <a:bodyPr/>
           <a:lstStyle/>
           <a:p>
-            <a:pPr marL="228600" indent="-228600">
-              <a:buAutoNum type="arabicPeriod"/>
-            </a:pPr>
-            <a:r>
-              <a:rPr lang="it-IT" dirty="0"/>
-              <a:t>https://floodlight.atlassian.net/wiki/spaces/floodlightcontroller/pages/1343513/How+to+Write+a+Module#HowtoWriteaModule-OrderingModuleswhenProcessingOpenFlowMessages</a:t>
-            </a:r>
-          </a:p>
-          <a:p>
-            <a:pPr marL="228600" indent="-228600">
-              <a:buAutoNum type="arabicPeriod"/>
-            </a:pPr>
-            <a:r>
-              <a:rPr lang="it-IT" dirty="0"/>
-              <a:t>Per il normal rule, </a:t>
-            </a:r>
-            <a:r>
-              <a:rPr lang="it-IT" dirty="0" err="1"/>
-              <a:t>hybrid</a:t>
-            </a:r>
-            <a:r>
-              <a:rPr lang="it-IT" dirty="0"/>
-              <a:t> switch implementano nativamente il livello due e quindi avrebbero fatto </a:t>
-            </a:r>
-            <a:r>
-              <a:rPr lang="it-IT" dirty="0" err="1"/>
-              <a:t>arp</a:t>
-            </a:r>
-            <a:r>
-              <a:rPr lang="it-IT" dirty="0"/>
-              <a:t> e switch</a:t>
-            </a:r>
-          </a:p>
-          <a:p>
-            <a:pPr marL="228600" indent="-228600">
-              <a:buAutoNum type="arabicPeriod"/>
-            </a:pPr>
-            <a:r>
-              <a:rPr lang="it-IT" dirty="0"/>
-              <a:t>Il learning switch </a:t>
-            </a:r>
-          </a:p>
-          <a:p>
-            <a:pPr marL="228600" indent="-228600">
-              <a:buAutoNum type="arabicPeriod"/>
-            </a:pPr>
-            <a:r>
-              <a:rPr lang="en-GB" dirty="0"/>
-              <a:t>https://floodlight.atlassian.net/wiki/spaces/floodlightcontroller/pages/1343547/How+to+use+OpenFlowJ-Loxigen</a:t>
-            </a:r>
+            <a:endParaRPr lang="en-US" dirty="0"/>
           </a:p>
         </p:txBody>
       </p:sp>
@@ -1220,7 +1447,7 @@
           <a:p>
             <a:fld id="{15114317-084B-44FB-95E2-F74F7746A8DF}" type="slidenum">
               <a:rPr lang="en-GB" smtClean="0"/>
-              <a:t>8</a:t>
+              <a:t>6</a:t>
             </a:fld>
             <a:endParaRPr lang="en-GB"/>
           </a:p>
@@ -1229,7 +1456,7 @@
     </p:spTree>
     <p:extLst>
       <p:ext uri="{BB962C8B-B14F-4D97-AF65-F5344CB8AC3E}">
-        <p14:creationId xmlns:p14="http://schemas.microsoft.com/office/powerpoint/2010/main" val="1747886683"/>
+        <p14:creationId xmlns:p14="http://schemas.microsoft.com/office/powerpoint/2010/main" val="151325074"/>
       </p:ext>
     </p:extLst>
   </p:cSld>
@@ -1283,56 +1510,7 @@
           <a:bodyPr/>
           <a:lstStyle/>
           <a:p>
-            <a:pPr marL="228600" indent="-228600">
-              <a:buAutoNum type="arabicPeriod"/>
-            </a:pPr>
-            <a:r>
-              <a:rPr lang="it-IT" dirty="0"/>
-              <a:t>https://floodlight.atlassian.net/wiki/spaces/floodlightcontroller/pages/1343513/How+to+Write+a+Module#HowtoWriteaModule-OrderingModuleswhenProcessingOpenFlowMessages</a:t>
-            </a:r>
-          </a:p>
-          <a:p>
-            <a:pPr marL="228600" indent="-228600">
-              <a:buAutoNum type="arabicPeriod"/>
-            </a:pPr>
-            <a:r>
-              <a:rPr lang="it-IT" dirty="0"/>
-              <a:t>Per il normal rule, </a:t>
-            </a:r>
-            <a:r>
-              <a:rPr lang="it-IT" dirty="0" err="1"/>
-              <a:t>hybrid</a:t>
-            </a:r>
-            <a:r>
-              <a:rPr lang="it-IT" dirty="0"/>
-              <a:t> switch implementano nativamente il livello due e quindi avrebbero fatto </a:t>
-            </a:r>
-            <a:r>
-              <a:rPr lang="it-IT" dirty="0" err="1"/>
-              <a:t>arp</a:t>
-            </a:r>
-            <a:r>
-              <a:rPr lang="it-IT" dirty="0"/>
-              <a:t> e switch</a:t>
-            </a:r>
-          </a:p>
-          <a:p>
-            <a:pPr marL="228600" indent="-228600">
-              <a:buAutoNum type="arabicPeriod"/>
-            </a:pPr>
-            <a:r>
-              <a:rPr lang="it-IT" dirty="0"/>
-              <a:t>Il learning switch </a:t>
-            </a:r>
-          </a:p>
-          <a:p>
-            <a:pPr marL="228600" indent="-228600">
-              <a:buAutoNum type="arabicPeriod"/>
-            </a:pPr>
-            <a:r>
-              <a:rPr lang="en-GB" dirty="0"/>
-              <a:t>https://floodlight.atlassian.net/wiki/spaces/floodlightcontroller/pages/1343547/How+to+use+OpenFlowJ-Loxigen</a:t>
-            </a:r>
+            <a:endParaRPr lang="en-GB" dirty="0"/>
           </a:p>
         </p:txBody>
       </p:sp>
@@ -1353,7 +1531,7 @@
           <a:p>
             <a:fld id="{15114317-084B-44FB-95E2-F74F7746A8DF}" type="slidenum">
               <a:rPr lang="en-GB" smtClean="0"/>
-              <a:t>9</a:t>
+              <a:t>7</a:t>
             </a:fld>
             <a:endParaRPr lang="en-GB"/>
           </a:p>
@@ -1362,7 +1540,7 @@
     </p:spTree>
     <p:extLst>
       <p:ext uri="{BB962C8B-B14F-4D97-AF65-F5344CB8AC3E}">
-        <p14:creationId xmlns:p14="http://schemas.microsoft.com/office/powerpoint/2010/main" val="1023302255"/>
+        <p14:creationId xmlns:p14="http://schemas.microsoft.com/office/powerpoint/2010/main" val="3416633694"/>
       </p:ext>
     </p:extLst>
   </p:cSld>
@@ -1448,21 +1626,45 @@
               <a:rPr lang="it-IT" dirty="0"/>
               <a:t> e switch</a:t>
             </a:r>
+            <a:br>
+              <a:rPr lang="it-IT" dirty="0"/>
+            </a:br>
+            <a:r>
+              <a:rPr lang="it-IT" dirty="0"/>
+              <a:t>https://www.opennetworking.org/wp-content/uploads/2014/10/openflow-spec-v1.3.3.pdf</a:t>
+            </a:r>
+            <a:br>
+              <a:rPr lang="it-IT" dirty="0"/>
+            </a:br>
+            <a:r>
+              <a:rPr lang="it-IT" dirty="0" err="1"/>
+              <a:t>chapter</a:t>
+            </a:r>
+            <a:r>
+              <a:rPr lang="it-IT" dirty="0"/>
+              <a:t> 5.1</a:t>
+            </a:r>
           </a:p>
           <a:p>
             <a:pPr marL="228600" indent="-228600">
               <a:buAutoNum type="arabicPeriod"/>
             </a:pPr>
-            <a:r>
-              <a:rPr lang="it-IT" dirty="0"/>
-              <a:t>Il learning switch </a:t>
-            </a:r>
+            <a:endParaRPr lang="it-IT" dirty="0"/>
           </a:p>
           <a:p>
             <a:pPr marL="228600" indent="-228600">
               <a:buAutoNum type="arabicPeriod"/>
             </a:pPr>
             <a:r>
+              <a:rPr lang="it-IT" dirty="0"/>
+              <a:t>Il learning switch </a:t>
+            </a:r>
+          </a:p>
+          <a:p>
+            <a:pPr marL="228600" indent="-228600">
+              <a:buAutoNum type="arabicPeriod"/>
+            </a:pPr>
+            <a:r>
               <a:rPr lang="en-GB" dirty="0"/>
               <a:t>https://floodlight.atlassian.net/wiki/spaces/floodlightcontroller/pages/1343547/How+to+use+OpenFlowJ-Loxigen</a:t>
             </a:r>
@@ -1486,7 +1688,7 @@
           <a:p>
             <a:fld id="{15114317-084B-44FB-95E2-F74F7746A8DF}" type="slidenum">
               <a:rPr lang="en-GB" smtClean="0"/>
-              <a:t>10</a:t>
+              <a:t>8</a:t>
             </a:fld>
             <a:endParaRPr lang="en-GB"/>
           </a:p>
@@ -1495,7 +1697,7 @@
     </p:spTree>
     <p:extLst>
       <p:ext uri="{BB962C8B-B14F-4D97-AF65-F5344CB8AC3E}">
-        <p14:creationId xmlns:p14="http://schemas.microsoft.com/office/powerpoint/2010/main" val="1126364253"/>
+        <p14:creationId xmlns:p14="http://schemas.microsoft.com/office/powerpoint/2010/main" val="3286179310"/>
       </p:ext>
     </p:extLst>
   </p:cSld>
@@ -1619,7 +1821,7 @@
           <a:p>
             <a:fld id="{15114317-084B-44FB-95E2-F74F7746A8DF}" type="slidenum">
               <a:rPr lang="en-GB" smtClean="0"/>
-              <a:t>11</a:t>
+              <a:t>9</a:t>
             </a:fld>
             <a:endParaRPr lang="en-GB"/>
           </a:p>
@@ -1628,7 +1830,7 @@
     </p:spTree>
     <p:extLst>
       <p:ext uri="{BB962C8B-B14F-4D97-AF65-F5344CB8AC3E}">
-        <p14:creationId xmlns:p14="http://schemas.microsoft.com/office/powerpoint/2010/main" val="3244972490"/>
+        <p14:creationId xmlns:p14="http://schemas.microsoft.com/office/powerpoint/2010/main" val="1747886683"/>
       </p:ext>
     </p:extLst>
   </p:cSld>
@@ -1682,31 +1884,56 @@
           <a:bodyPr/>
           <a:lstStyle/>
           <a:p>
-            <a:pPr marL="0" marR="0" lvl="0" indent="0" algn="l" defTabSz="914400" rtl="0" eaLnBrk="1" fontAlgn="auto" latinLnBrk="0" hangingPunct="1">
-              <a:lnSpc>
-                <a:spcPct val="100000"/>
-              </a:lnSpc>
-              <a:spcBef>
-                <a:spcPts val="0"/>
-              </a:spcBef>
-              <a:spcAft>
-                <a:spcPts val="0"/>
-              </a:spcAft>
-              <a:buClrTx/>
-              <a:buSzTx/>
-              <a:buFontTx/>
-              <a:buNone/>
-              <a:tabLst/>
-              <a:defRPr/>
+            <a:pPr marL="228600" indent="-228600">
+              <a:buAutoNum type="arabicPeriod"/>
             </a:pPr>
             <a:r>
+              <a:rPr lang="it-IT" dirty="0"/>
+              <a:t>https://floodlight.atlassian.net/wiki/spaces/floodlightcontroller/pages/1343513/How+to+Write+a+Module#HowtoWriteaModule-OrderingModuleswhenProcessingOpenFlowMessages</a:t>
+            </a:r>
+          </a:p>
+          <a:p>
+            <a:pPr marL="228600" indent="-228600">
+              <a:buAutoNum type="arabicPeriod"/>
+            </a:pPr>
+            <a:r>
+              <a:rPr lang="it-IT" dirty="0"/>
+              <a:t>Per il normal rule, </a:t>
+            </a:r>
+            <a:r>
+              <a:rPr lang="it-IT" dirty="0" err="1"/>
+              <a:t>hybrid</a:t>
+            </a:r>
+            <a:r>
+              <a:rPr lang="it-IT" dirty="0"/>
+              <a:t> switch implementano nativamente il livello due e quindi avrebbero fatto </a:t>
+            </a:r>
+            <a:r>
+              <a:rPr lang="it-IT" dirty="0" err="1"/>
+              <a:t>arp</a:t>
+            </a:r>
+            <a:r>
+              <a:rPr lang="it-IT" dirty="0"/>
+              <a:t> e switch</a:t>
+            </a:r>
+          </a:p>
+          <a:p>
+            <a:pPr marL="228600" indent="-228600">
+              <a:buAutoNum type="arabicPeriod"/>
+            </a:pPr>
+            <a:r>
+              <a:rPr lang="it-IT" dirty="0"/>
+              <a:t>Il learning switch </a:t>
+            </a:r>
+          </a:p>
+          <a:p>
+            <a:pPr marL="228600" indent="-228600">
+              <a:buAutoNum type="arabicPeriod"/>
+            </a:pPr>
+            <a:r>
               <a:rPr lang="en-GB" dirty="0"/>
-              <a:t>Even if the Bots send requests continuously, the Server is always able to respond, because it opens a new thread for each request, so the server does not stop even if it is bombarded with requests</a:t>
-            </a:r>
-            <a:endParaRPr lang="it-IT" dirty="0"/>
-          </a:p>
-          <a:p>
-            <a:endParaRPr lang="en-GB" dirty="0"/>
+              <a:t>https://floodlight.atlassian.net/wiki/spaces/floodlightcontroller/pages/1343547/How+to+use+OpenFlowJ-Loxigen</a:t>
+            </a:r>
           </a:p>
         </p:txBody>
       </p:sp>
@@ -1727,7 +1954,7 @@
           <a:p>
             <a:fld id="{15114317-084B-44FB-95E2-F74F7746A8DF}" type="slidenum">
               <a:rPr lang="en-GB" smtClean="0"/>
-              <a:t>13</a:t>
+              <a:t>10</a:t>
             </a:fld>
             <a:endParaRPr lang="en-GB"/>
           </a:p>
@@ -1736,7 +1963,7 @@
     </p:spTree>
     <p:extLst>
       <p:ext uri="{BB962C8B-B14F-4D97-AF65-F5344CB8AC3E}">
-        <p14:creationId xmlns:p14="http://schemas.microsoft.com/office/powerpoint/2010/main" val="3853835990"/>
+        <p14:creationId xmlns:p14="http://schemas.microsoft.com/office/powerpoint/2010/main" val="1023302255"/>
       </p:ext>
     </p:extLst>
   </p:cSld>
@@ -1790,31 +2017,56 @@
           <a:bodyPr/>
           <a:lstStyle/>
           <a:p>
-            <a:pPr marL="0" marR="0" lvl="0" indent="0" algn="l" defTabSz="914400" rtl="0" eaLnBrk="1" fontAlgn="auto" latinLnBrk="0" hangingPunct="1">
-              <a:lnSpc>
-                <a:spcPct val="100000"/>
-              </a:lnSpc>
-              <a:spcBef>
-                <a:spcPts val="0"/>
-              </a:spcBef>
-              <a:spcAft>
-                <a:spcPts val="0"/>
-              </a:spcAft>
-              <a:buClrTx/>
-              <a:buSzTx/>
-              <a:buFontTx/>
-              <a:buNone/>
-              <a:tabLst/>
-              <a:defRPr/>
+            <a:pPr marL="228600" indent="-228600">
+              <a:buAutoNum type="arabicPeriod"/>
             </a:pPr>
             <a:r>
+              <a:rPr lang="it-IT" dirty="0"/>
+              <a:t>https://floodlight.atlassian.net/wiki/spaces/floodlightcontroller/pages/1343513/How+to+Write+a+Module#HowtoWriteaModule-OrderingModuleswhenProcessingOpenFlowMessages</a:t>
+            </a:r>
+          </a:p>
+          <a:p>
+            <a:pPr marL="228600" indent="-228600">
+              <a:buAutoNum type="arabicPeriod"/>
+            </a:pPr>
+            <a:r>
+              <a:rPr lang="it-IT" dirty="0"/>
+              <a:t>Per il normal rule, </a:t>
+            </a:r>
+            <a:r>
+              <a:rPr lang="it-IT" dirty="0" err="1"/>
+              <a:t>hybrid</a:t>
+            </a:r>
+            <a:r>
+              <a:rPr lang="it-IT" dirty="0"/>
+              <a:t> switch implementano nativamente il livello due e quindi avrebbero fatto </a:t>
+            </a:r>
+            <a:r>
+              <a:rPr lang="it-IT" dirty="0" err="1"/>
+              <a:t>arp</a:t>
+            </a:r>
+            <a:r>
+              <a:rPr lang="it-IT" dirty="0"/>
+              <a:t> e switch</a:t>
+            </a:r>
+          </a:p>
+          <a:p>
+            <a:pPr marL="228600" indent="-228600">
+              <a:buAutoNum type="arabicPeriod"/>
+            </a:pPr>
+            <a:r>
+              <a:rPr lang="it-IT" dirty="0"/>
+              <a:t>Il learning switch </a:t>
+            </a:r>
+          </a:p>
+          <a:p>
+            <a:pPr marL="228600" indent="-228600">
+              <a:buAutoNum type="arabicPeriod"/>
+            </a:pPr>
+            <a:r>
               <a:rPr lang="en-GB" dirty="0"/>
-              <a:t>Even if the Bots send requests continuously, the Server is always able to respond, because it opens a new thread for each request, so the server does not stop even if it is bombarded with requests</a:t>
-            </a:r>
-            <a:endParaRPr lang="it-IT" dirty="0"/>
-          </a:p>
-          <a:p>
-            <a:endParaRPr lang="en-GB" dirty="0"/>
+              <a:t>https://floodlight.atlassian.net/wiki/spaces/floodlightcontroller/pages/1343547/How+to+use+OpenFlowJ-Loxigen</a:t>
+            </a:r>
           </a:p>
         </p:txBody>
       </p:sp>
@@ -1835,7 +2087,7 @@
           <a:p>
             <a:fld id="{15114317-084B-44FB-95E2-F74F7746A8DF}" type="slidenum">
               <a:rPr lang="en-GB" smtClean="0"/>
-              <a:t>14</a:t>
+              <a:t>11</a:t>
             </a:fld>
             <a:endParaRPr lang="en-GB"/>
           </a:p>
@@ -1844,7 +2096,7 @@
     </p:spTree>
     <p:extLst>
       <p:ext uri="{BB962C8B-B14F-4D97-AF65-F5344CB8AC3E}">
-        <p14:creationId xmlns:p14="http://schemas.microsoft.com/office/powerpoint/2010/main" val="600231459"/>
+        <p14:creationId xmlns:p14="http://schemas.microsoft.com/office/powerpoint/2010/main" val="1126364253"/>
       </p:ext>
     </p:extLst>
   </p:cSld>
@@ -2003,7 +2255,7 @@
           <a:p>
             <a:fld id="{144F7E4B-DE20-473D-AB1D-E55B028D2B82}" type="datetime1">
               <a:rPr lang="en-GB" smtClean="0"/>
-              <a:t>24/01/2019</a:t>
+              <a:t>27/01/2019</a:t>
             </a:fld>
             <a:endParaRPr lang="en-GB"/>
           </a:p>
@@ -2207,7 +2459,7 @@
           <a:p>
             <a:fld id="{5EF5E582-83CD-4B5D-93A5-3EE70CBA785D}" type="datetime1">
               <a:rPr lang="en-GB" smtClean="0"/>
-              <a:t>24/01/2019</a:t>
+              <a:t>27/01/2019</a:t>
             </a:fld>
             <a:endParaRPr lang="en-GB"/>
           </a:p>
@@ -2421,7 +2673,7 @@
           <a:p>
             <a:fld id="{9BDD35A3-C59F-4EE5-AD24-E668C12CE372}" type="datetime1">
               <a:rPr lang="en-GB" smtClean="0"/>
-              <a:t>24/01/2019</a:t>
+              <a:t>27/01/2019</a:t>
             </a:fld>
             <a:endParaRPr lang="en-GB"/>
           </a:p>
@@ -2625,7 +2877,7 @@
           <a:p>
             <a:fld id="{A6F8E820-4D09-4884-A162-6CE29A96B170}" type="datetime1">
               <a:rPr lang="en-GB" smtClean="0"/>
-              <a:t>24/01/2019</a:t>
+              <a:t>27/01/2019</a:t>
             </a:fld>
             <a:endParaRPr lang="en-GB"/>
           </a:p>
@@ -2905,7 +3157,7 @@
           <a:p>
             <a:fld id="{5D05A4AA-0914-4B1F-88E3-9415A6274E09}" type="datetime1">
               <a:rPr lang="en-GB" smtClean="0"/>
-              <a:t>24/01/2019</a:t>
+              <a:t>27/01/2019</a:t>
             </a:fld>
             <a:endParaRPr lang="en-GB"/>
           </a:p>
@@ -3177,7 +3429,7 @@
           <a:p>
             <a:fld id="{6A2CF0AD-B45F-40C1-B1FF-A739A7554DF9}" type="datetime1">
               <a:rPr lang="en-GB" smtClean="0"/>
-              <a:t>24/01/2019</a:t>
+              <a:t>27/01/2019</a:t>
             </a:fld>
             <a:endParaRPr lang="en-GB"/>
           </a:p>
@@ -3596,7 +3848,7 @@
           <a:p>
             <a:fld id="{3E087565-DE12-408E-9747-F41F38EDB236}" type="datetime1">
               <a:rPr lang="en-GB" smtClean="0"/>
-              <a:t>24/01/2019</a:t>
+              <a:t>27/01/2019</a:t>
             </a:fld>
             <a:endParaRPr lang="en-GB"/>
           </a:p>
@@ -3742,7 +3994,7 @@
           <a:p>
             <a:fld id="{CBC1C182-3B38-4198-AA69-8B60B91A400A}" type="datetime1">
               <a:rPr lang="en-GB" smtClean="0"/>
-              <a:t>24/01/2019</a:t>
+              <a:t>27/01/2019</a:t>
             </a:fld>
             <a:endParaRPr lang="en-GB"/>
           </a:p>
@@ -3859,7 +4111,7 @@
           <a:p>
             <a:fld id="{5BF3AFCF-F646-465F-92EC-2785C2E056CD}" type="datetime1">
               <a:rPr lang="en-GB" smtClean="0"/>
-              <a:t>24/01/2019</a:t>
+              <a:t>27/01/2019</a:t>
             </a:fld>
             <a:endParaRPr lang="en-GB"/>
           </a:p>
@@ -4176,7 +4428,7 @@
           <a:p>
             <a:fld id="{9A8F7003-99C8-481C-A4CD-B3BB91C2A8F7}" type="datetime1">
               <a:rPr lang="en-GB" smtClean="0"/>
-              <a:t>24/01/2019</a:t>
+              <a:t>27/01/2019</a:t>
             </a:fld>
             <a:endParaRPr lang="en-GB"/>
           </a:p>
@@ -4469,7 +4721,7 @@
           <a:p>
             <a:fld id="{E0584EEC-4656-48D7-8A48-D261D57F7554}" type="datetime1">
               <a:rPr lang="en-GB" smtClean="0"/>
-              <a:t>24/01/2019</a:t>
+              <a:t>27/01/2019</a:t>
             </a:fld>
             <a:endParaRPr lang="en-GB"/>
           </a:p>
@@ -4716,7 +4968,7 @@
           <a:p>
             <a:fld id="{08A3035C-570A-4995-B50D-9FFDAF4A1C50}" type="datetime1">
               <a:rPr lang="en-GB" smtClean="0"/>
-              <a:t>24/01/2019</a:t>
+              <a:t>27/01/2019</a:t>
             </a:fld>
             <a:endParaRPr lang="en-GB"/>
           </a:p>
@@ -5167,25 +5419,16 @@
           <a:lstStyle/>
           <a:p>
             <a:r>
-              <a:rPr lang="it-IT" dirty="0">
+              <a:rPr lang="en-GB" noProof="0" dirty="0">
                 <a:solidFill>
                   <a:schemeClr val="tx2"/>
                 </a:solidFill>
                 <a:latin typeface="+mn-lt"/>
               </a:rPr>
-              <a:t>SDN-</a:t>
-            </a:r>
-            <a:r>
-              <a:rPr lang="it-IT" dirty="0" err="1">
-                <a:solidFill>
-                  <a:schemeClr val="tx2"/>
-                </a:solidFill>
-                <a:latin typeface="+mn-lt"/>
-              </a:rPr>
-              <a:t>Oriented</a:t>
+              <a:t>SDN-Oriented</a:t>
             </a:r>
             <a:br>
-              <a:rPr lang="it-IT" dirty="0">
+              <a:rPr lang="en-GB" noProof="0" dirty="0">
                 <a:solidFill>
                   <a:schemeClr val="tx2"/>
                 </a:solidFill>
@@ -5193,52 +5436,16 @@
               </a:rPr>
             </a:br>
             <a:r>
-              <a:rPr lang="it-IT" dirty="0" err="1">
+              <a:rPr lang="en-GB" noProof="0" dirty="0">
                 <a:solidFill>
                   <a:schemeClr val="tx2"/>
                 </a:solidFill>
                 <a:latin typeface="+mn-lt"/>
               </a:rPr>
-              <a:t>DDoS</a:t>
-            </a:r>
-            <a:r>
-              <a:rPr lang="it-IT" dirty="0">
-                <a:solidFill>
-                  <a:schemeClr val="tx2"/>
-                </a:solidFill>
-                <a:latin typeface="+mn-lt"/>
-              </a:rPr>
-              <a:t> </a:t>
-            </a:r>
-            <a:r>
-              <a:rPr lang="it-IT" dirty="0" err="1">
-                <a:solidFill>
-                  <a:schemeClr val="tx2"/>
-                </a:solidFill>
-                <a:latin typeface="+mn-lt"/>
-              </a:rPr>
-              <a:t>Blocking</a:t>
-            </a:r>
-            <a:r>
-              <a:rPr lang="it-IT" dirty="0">
-                <a:solidFill>
-                  <a:schemeClr val="tx2"/>
-                </a:solidFill>
-                <a:latin typeface="+mn-lt"/>
-              </a:rPr>
-              <a:t> </a:t>
-            </a:r>
-            <a:r>
-              <a:rPr lang="it-IT" dirty="0" err="1">
-                <a:solidFill>
-                  <a:schemeClr val="tx2"/>
-                </a:solidFill>
-                <a:latin typeface="+mn-lt"/>
-              </a:rPr>
-              <a:t>Scheme</a:t>
+              <a:t>DDoS Blocking Scheme</a:t>
             </a:r>
             <a:br>
-              <a:rPr lang="it-IT" dirty="0">
+              <a:rPr lang="en-GB" noProof="0" dirty="0">
                 <a:solidFill>
                   <a:schemeClr val="tx2"/>
                 </a:solidFill>
@@ -5246,7 +5453,7 @@
               </a:rPr>
             </a:br>
             <a:r>
-              <a:rPr lang="it-IT" dirty="0">
+              <a:rPr lang="en-GB" noProof="0" dirty="0">
                 <a:solidFill>
                   <a:schemeClr val="tx2"/>
                 </a:solidFill>
@@ -5254,12 +5461,6 @@
               </a:rPr>
               <a:t>for Botnet-Based Attacks</a:t>
             </a:r>
-            <a:endParaRPr lang="en-GB" dirty="0">
-              <a:solidFill>
-                <a:schemeClr val="tx2"/>
-              </a:solidFill>
-              <a:latin typeface="+mn-lt"/>
-            </a:endParaRPr>
           </a:p>
         </p:txBody>
       </p:sp>
@@ -5291,7 +5492,7 @@
           <a:p>
             <a:pPr algn="r"/>
             <a:r>
-              <a:rPr lang="it-IT" b="1" dirty="0">
+              <a:rPr lang="en-GB" b="1" noProof="0" dirty="0">
                 <a:solidFill>
                   <a:schemeClr val="tx2"/>
                 </a:solidFill>
@@ -5303,19 +5504,28 @@
           <a:p>
             <a:pPr algn="r"/>
             <a:r>
-              <a:rPr lang="it-IT" b="1" dirty="0">
+              <a:rPr lang="en-GB" b="1" noProof="0" dirty="0" err="1">
                 <a:solidFill>
                   <a:schemeClr val="tx2"/>
                 </a:solidFill>
                 <a:latin typeface="Bell MT" panose="02020503060305020303" pitchFamily="18" charset="0"/>
               </a:rPr>
-              <a:t>Edoardo SASSU</a:t>
+              <a:t>Edoardo</a:t>
+            </a:r>
+            <a:r>
+              <a:rPr lang="en-GB" b="1" noProof="0" dirty="0">
+                <a:solidFill>
+                  <a:schemeClr val="tx2"/>
+                </a:solidFill>
+                <a:latin typeface="Bell MT" panose="02020503060305020303" pitchFamily="18" charset="0"/>
+              </a:rPr>
+              <a:t> SASSU</a:t>
             </a:r>
           </a:p>
           <a:p>
             <a:pPr algn="r"/>
             <a:r>
-              <a:rPr lang="it-IT" b="1" dirty="0">
+              <a:rPr lang="en-GB" b="1" noProof="0" dirty="0">
                 <a:solidFill>
                   <a:schemeClr val="tx2"/>
                 </a:solidFill>
@@ -5323,12 +5533,6 @@
               </a:rPr>
               <a:t>Elena SCARSELLI</a:t>
             </a:r>
-            <a:endParaRPr lang="en-GB" b="1" dirty="0">
-              <a:solidFill>
-                <a:schemeClr val="tx2"/>
-              </a:solidFill>
-              <a:latin typeface="Bell MT" panose="02020503060305020303" pitchFamily="18" charset="0"/>
-            </a:endParaRPr>
           </a:p>
         </p:txBody>
       </p:sp>
@@ -5420,14 +5624,9 @@
           <a:lstStyle/>
           <a:p>
             <a:r>
-              <a:rPr lang="it-IT" b="1" dirty="0" err="1"/>
-              <a:t>Implementatio</a:t>
-            </a:r>
-            <a:r>
-              <a:rPr lang="it-IT" b="1" dirty="0"/>
-              <a:t> Issues</a:t>
-            </a:r>
-            <a:endParaRPr lang="en-GB" b="1" dirty="0"/>
+              <a:rPr lang="en-GB" b="1" noProof="0" dirty="0"/>
+              <a:t>Implementation Issues</a:t>
+            </a:r>
           </a:p>
         </p:txBody>
       </p:sp>
@@ -5450,82 +5649,22 @@
         <p:spPr/>
         <p:txBody>
           <a:bodyPr>
-            <a:normAutofit lnSpcReduction="10000"/>
+            <a:normAutofit fontScale="92500" lnSpcReduction="20000"/>
           </a:bodyPr>
           <a:lstStyle/>
           <a:p>
             <a:r>
-              <a:rPr lang="it-IT" dirty="0">
+              <a:rPr lang="en-GB" sz="3000" noProof="0" dirty="0">
                 <a:solidFill>
                   <a:schemeClr val="bg1">
                     <a:lumMod val="75000"/>
                   </a:schemeClr>
                 </a:solidFill>
               </a:rPr>
-              <a:t>Execution </a:t>
-            </a:r>
-            <a:r>
-              <a:rPr lang="it-IT" dirty="0" err="1">
-                <a:solidFill>
-                  <a:schemeClr val="bg1">
-                    <a:lumMod val="75000"/>
-                  </a:schemeClr>
-                </a:solidFill>
-              </a:rPr>
-              <a:t>order</a:t>
-            </a:r>
-            <a:r>
-              <a:rPr lang="it-IT" dirty="0">
-                <a:solidFill>
-                  <a:schemeClr val="bg1">
-                    <a:lumMod val="75000"/>
-                  </a:schemeClr>
-                </a:solidFill>
-              </a:rPr>
-              <a:t> of </a:t>
-            </a:r>
-            <a:r>
-              <a:rPr lang="it-IT" dirty="0" err="1">
-                <a:solidFill>
-                  <a:schemeClr val="bg1">
-                    <a:lumMod val="75000"/>
-                  </a:schemeClr>
-                </a:solidFill>
-              </a:rPr>
-              <a:t>floodlight</a:t>
-            </a:r>
-            <a:r>
-              <a:rPr lang="it-IT" dirty="0">
-                <a:solidFill>
-                  <a:schemeClr val="bg1">
-                    <a:lumMod val="75000"/>
-                  </a:schemeClr>
-                </a:solidFill>
-              </a:rPr>
-              <a:t> </a:t>
-            </a:r>
-            <a:r>
-              <a:rPr lang="it-IT" dirty="0" err="1">
-                <a:solidFill>
-                  <a:schemeClr val="bg1">
-                    <a:lumMod val="75000"/>
-                  </a:schemeClr>
-                </a:solidFill>
-              </a:rPr>
-              <a:t>modules</a:t>
-            </a:r>
-            <a:r>
-              <a:rPr lang="it-IT" dirty="0">
-                <a:solidFill>
-                  <a:schemeClr val="bg1">
-                    <a:lumMod val="75000"/>
-                  </a:schemeClr>
-                </a:solidFill>
-              </a:rPr>
-              <a:t> </a:t>
-            </a:r>
-            <a:r>
-              <a:rPr lang="it-IT" dirty="0">
+              <a:t>Execution order of floodlight modules </a:t>
+            </a:r>
+            <a:r>
+              <a:rPr lang="en-GB" sz="3000" noProof="0" dirty="0">
                 <a:solidFill>
                   <a:schemeClr val="bg1">
                     <a:lumMod val="75000"/>
@@ -5542,7 +5681,7 @@
               <a:t>here</a:t>
             </a:r>
             <a:r>
-              <a:rPr lang="it-IT" dirty="0">
+              <a:rPr lang="en-GB" sz="3000" noProof="0" dirty="0">
                 <a:solidFill>
                   <a:schemeClr val="bg1">
                     <a:lumMod val="75000"/>
@@ -5554,7 +5693,7 @@
           </a:p>
           <a:p>
             <a:r>
-              <a:rPr lang="it-IT" dirty="0">
+              <a:rPr lang="en-GB" sz="3000" noProof="0" dirty="0">
                 <a:solidFill>
                   <a:schemeClr val="bg1">
                     <a:lumMod val="75000"/>
@@ -5564,7 +5703,7 @@
               <a:t>The normal rule (</a:t>
             </a:r>
             <a:r>
-              <a:rPr lang="it-IT" dirty="0" err="1">
+              <a:rPr lang="en-GB" sz="3000" noProof="0" dirty="0" err="1">
                 <a:solidFill>
                   <a:schemeClr val="bg1">
                     <a:lumMod val="75000"/>
@@ -5574,322 +5713,137 @@
               <a:t>action.normal</a:t>
             </a:r>
             <a:r>
-              <a:rPr lang="it-IT" dirty="0">
+              <a:rPr lang="en-GB" sz="3000" noProof="0" dirty="0">
                 <a:solidFill>
                   <a:schemeClr val="bg1">
                     <a:lumMod val="75000"/>
                   </a:schemeClr>
                 </a:solidFill>
               </a:rPr>
-              <a:t>) does not work for non </a:t>
-            </a:r>
-            <a:r>
-              <a:rPr lang="it-IT" dirty="0" err="1">
+              <a:t>) does not work for non hybrid switches.</a:t>
+            </a:r>
+          </a:p>
+          <a:p>
+            <a:r>
+              <a:rPr lang="en-GB" sz="3500" b="1" noProof="0" dirty="0"/>
+              <a:t>Learning switch: </a:t>
+            </a:r>
+          </a:p>
+          <a:p>
+            <a:pPr lvl="1"/>
+            <a:r>
+              <a:rPr lang="en-GB" sz="2800" b="1" noProof="0" dirty="0"/>
+              <a:t>Add interface </a:t>
+            </a:r>
+            <a:r>
+              <a:rPr lang="en-GB" sz="2800" b="1" dirty="0"/>
+              <a:t>to retrieve </a:t>
+            </a:r>
+            <a:r>
+              <a:rPr lang="en-GB" sz="2800" b="1" noProof="0" dirty="0"/>
+              <a:t>MAC addresses from the learning switch controller.</a:t>
+            </a:r>
+          </a:p>
+          <a:p>
+            <a:r>
+              <a:rPr lang="en-GB" sz="2900" noProof="0" dirty="0">
                 <a:solidFill>
                   <a:schemeClr val="bg1">
                     <a:lumMod val="75000"/>
                   </a:schemeClr>
                 </a:solidFill>
               </a:rPr>
-              <a:t>hybrid</a:t>
-            </a:r>
-            <a:r>
-              <a:rPr lang="it-IT" dirty="0">
+              <a:t>Deleting rules are specified </a:t>
+            </a:r>
+            <a:r>
+              <a:rPr lang="en-GB" sz="2900" noProof="0" dirty="0">
                 <a:solidFill>
                   <a:schemeClr val="bg1">
                     <a:lumMod val="75000"/>
                   </a:schemeClr>
                 </a:solidFill>
+                <a:hlinkClick r:id="rId4">
+                  <a:extLst>
+                    <a:ext uri="{A12FA001-AC4F-418D-AE19-62706E023703}">
+                      <ahyp:hlinkClr xmlns:ahyp="http://schemas.microsoft.com/office/drawing/2018/hyperlinkcolor" val="tx"/>
+                    </a:ext>
+                  </a:extLst>
+                </a:hlinkClick>
               </a:rPr>
-              <a:t> </a:t>
-            </a:r>
-            <a:r>
-              <a:rPr lang="it-IT" dirty="0" err="1">
+              <a:t>here</a:t>
+            </a:r>
+            <a:r>
+              <a:rPr lang="en-GB" sz="2900" noProof="0" dirty="0">
                 <a:solidFill>
                   <a:schemeClr val="bg1">
                     <a:lumMod val="75000"/>
                   </a:schemeClr>
                 </a:solidFill>
               </a:rPr>
-              <a:t>switches</a:t>
-            </a:r>
-            <a:r>
-              <a:rPr lang="it-IT" dirty="0">
+              <a:t>. </a:t>
+            </a:r>
+          </a:p>
+          <a:p>
+            <a:pPr lvl="1"/>
+            <a:r>
+              <a:rPr lang="en-GB" sz="2600" noProof="0" dirty="0" err="1">
                 <a:solidFill>
                   <a:schemeClr val="bg1">
                     <a:lumMod val="75000"/>
                   </a:schemeClr>
                 </a:solidFill>
               </a:rPr>
-              <a:t>.</a:t>
-            </a:r>
-          </a:p>
-          <a:p>
-            <a:r>
-              <a:rPr lang="it-IT" dirty="0">
+              <a:t>OFFlowDelete</a:t>
+            </a:r>
+            <a:r>
+              <a:rPr lang="en-GB" sz="2600" noProof="0" dirty="0">
                 <a:solidFill>
                   <a:schemeClr val="bg1">
                     <a:lumMod val="75000"/>
                   </a:schemeClr>
                 </a:solidFill>
               </a:rPr>
-              <a:t>Learning switch: </a:t>
+              <a:t> deletes rules matching at least the specified fields;</a:t>
             </a:r>
           </a:p>
           <a:p>
             <a:pPr lvl="1"/>
             <a:r>
-              <a:rPr lang="it-IT" dirty="0">
+              <a:rPr lang="en-GB" sz="2600" noProof="0" dirty="0" err="1">
                 <a:solidFill>
                   <a:schemeClr val="bg1">
                     <a:lumMod val="75000"/>
                   </a:schemeClr>
                 </a:solidFill>
               </a:rPr>
-              <a:t>Add interface to </a:t>
-            </a:r>
-            <a:r>
-              <a:rPr lang="it-IT" dirty="0" err="1">
+              <a:t>OFFlowDeleteStrict</a:t>
+            </a:r>
+            <a:r>
+              <a:rPr lang="en-GB" sz="2600" noProof="0" dirty="0">
                 <a:solidFill>
                   <a:schemeClr val="bg1">
                     <a:lumMod val="75000"/>
                   </a:schemeClr>
                 </a:solidFill>
               </a:rPr>
-              <a:t>retreive</a:t>
-            </a:r>
-            <a:r>
-              <a:rPr lang="it-IT" dirty="0">
+              <a:t> deletes the rules that exactly looks like the match you specify.</a:t>
+            </a:r>
+          </a:p>
+          <a:p>
+            <a:r>
+              <a:rPr lang="en-GB" sz="2900" noProof="0" dirty="0">
                 <a:solidFill>
                   <a:schemeClr val="bg1">
                     <a:lumMod val="75000"/>
                   </a:schemeClr>
                 </a:solidFill>
               </a:rPr>
-              <a:t> MAC </a:t>
-            </a:r>
-            <a:r>
-              <a:rPr lang="it-IT" dirty="0" err="1">
-                <a:solidFill>
-                  <a:schemeClr val="bg1">
-                    <a:lumMod val="75000"/>
-                  </a:schemeClr>
-                </a:solidFill>
-              </a:rPr>
-              <a:t>addresses</a:t>
-            </a:r>
-            <a:r>
-              <a:rPr lang="it-IT" dirty="0">
-                <a:solidFill>
-                  <a:schemeClr val="bg1">
-                    <a:lumMod val="75000"/>
-                  </a:schemeClr>
-                </a:solidFill>
-              </a:rPr>
-              <a:t> from the learning switch controller</a:t>
-            </a:r>
-          </a:p>
-          <a:p>
-            <a:r>
-              <a:rPr lang="it-IT" sz="3200" b="1" dirty="0" err="1"/>
-              <a:t>Deleting</a:t>
-            </a:r>
-            <a:r>
-              <a:rPr lang="it-IT" sz="3200" b="1" dirty="0"/>
-              <a:t> rules are </a:t>
-            </a:r>
-            <a:r>
-              <a:rPr lang="it-IT" sz="3200" b="1" dirty="0" err="1"/>
-              <a:t>specified</a:t>
-            </a:r>
-            <a:r>
-              <a:rPr lang="it-IT" sz="3200" b="1" dirty="0"/>
-              <a:t> </a:t>
-            </a:r>
-            <a:r>
-              <a:rPr lang="it-IT" sz="3200" b="1" dirty="0">
-                <a:hlinkClick r:id="rId4"/>
-              </a:rPr>
-              <a:t>here</a:t>
-            </a:r>
-            <a:r>
-              <a:rPr lang="it-IT" sz="3200" b="1" dirty="0"/>
-              <a:t>. </a:t>
+              <a:t>Testing is done in Python using mininet library</a:t>
             </a:r>
           </a:p>
           <a:p>
             <a:pPr lvl="1"/>
-            <a:r>
-              <a:rPr lang="it-IT" sz="2600" b="1" dirty="0" err="1"/>
-              <a:t>OFFlowDelete</a:t>
-            </a:r>
-            <a:r>
-              <a:rPr lang="it-IT" sz="2600" b="1" dirty="0"/>
-              <a:t> </a:t>
-            </a:r>
-            <a:r>
-              <a:rPr lang="it-IT" sz="2600" b="1" dirty="0" err="1"/>
-              <a:t>deletes</a:t>
-            </a:r>
-            <a:r>
-              <a:rPr lang="it-IT" sz="2600" b="1" dirty="0"/>
-              <a:t> rules </a:t>
-            </a:r>
-            <a:r>
-              <a:rPr lang="it-IT" sz="2600" b="1" dirty="0" err="1"/>
-              <a:t>matching</a:t>
-            </a:r>
-            <a:r>
-              <a:rPr lang="it-IT" sz="2600" b="1" dirty="0"/>
-              <a:t> </a:t>
-            </a:r>
-            <a:r>
-              <a:rPr lang="it-IT" sz="2600" b="1" dirty="0" err="1"/>
-              <a:t>at</a:t>
-            </a:r>
-            <a:r>
-              <a:rPr lang="it-IT" sz="2600" b="1" dirty="0"/>
-              <a:t> </a:t>
-            </a:r>
-            <a:r>
-              <a:rPr lang="it-IT" sz="2600" b="1" dirty="0" err="1"/>
-              <a:t>least</a:t>
-            </a:r>
-            <a:r>
-              <a:rPr lang="it-IT" sz="2600" b="1" dirty="0"/>
-              <a:t> the </a:t>
-            </a:r>
-            <a:r>
-              <a:rPr lang="it-IT" sz="2600" b="1" dirty="0" err="1"/>
-              <a:t>specified</a:t>
-            </a:r>
-            <a:r>
-              <a:rPr lang="it-IT" sz="2600" b="1" dirty="0"/>
-              <a:t> fields;</a:t>
-            </a:r>
-          </a:p>
-          <a:p>
-            <a:pPr lvl="1"/>
-            <a:r>
-              <a:rPr lang="it-IT" sz="2600" b="1" dirty="0" err="1"/>
-              <a:t>OFFlowDeleteStrict</a:t>
-            </a:r>
-            <a:r>
-              <a:rPr lang="it-IT" sz="2600" b="1" dirty="0"/>
-              <a:t> </a:t>
-            </a:r>
-            <a:r>
-              <a:rPr lang="it-IT" sz="2600" b="1" dirty="0" err="1"/>
-              <a:t>deletes</a:t>
-            </a:r>
-            <a:r>
-              <a:rPr lang="it-IT" sz="2600" b="1" dirty="0"/>
-              <a:t> the rules that </a:t>
-            </a:r>
-            <a:r>
-              <a:rPr lang="en-GB" sz="2600" b="1" dirty="0"/>
-              <a:t>exactly looks like the match you specify</a:t>
-            </a:r>
-            <a:r>
-              <a:rPr lang="it-IT" sz="2600" b="1" dirty="0"/>
-              <a:t>.</a:t>
-            </a:r>
-          </a:p>
-          <a:p>
-            <a:r>
-              <a:rPr lang="it-IT" dirty="0">
-                <a:solidFill>
-                  <a:schemeClr val="bg1">
-                    <a:lumMod val="75000"/>
-                  </a:schemeClr>
-                </a:solidFill>
-              </a:rPr>
-              <a:t>Testing </a:t>
-            </a:r>
-            <a:r>
-              <a:rPr lang="it-IT" dirty="0" err="1">
-                <a:solidFill>
-                  <a:schemeClr val="bg1">
-                    <a:lumMod val="75000"/>
-                  </a:schemeClr>
-                </a:solidFill>
-              </a:rPr>
-              <a:t>is</a:t>
-            </a:r>
-            <a:r>
-              <a:rPr lang="it-IT" dirty="0">
-                <a:solidFill>
-                  <a:schemeClr val="bg1">
-                    <a:lumMod val="75000"/>
-                  </a:schemeClr>
-                </a:solidFill>
-              </a:rPr>
-              <a:t> done in </a:t>
-            </a:r>
-            <a:r>
-              <a:rPr lang="it-IT" dirty="0" err="1">
-                <a:solidFill>
-                  <a:schemeClr val="bg1">
-                    <a:lumMod val="75000"/>
-                  </a:schemeClr>
-                </a:solidFill>
-              </a:rPr>
-              <a:t>python</a:t>
-            </a:r>
-            <a:r>
-              <a:rPr lang="it-IT" dirty="0">
-                <a:solidFill>
-                  <a:schemeClr val="bg1">
-                    <a:lumMod val="75000"/>
-                  </a:schemeClr>
-                </a:solidFill>
-              </a:rPr>
-              <a:t> </a:t>
-            </a:r>
-            <a:r>
-              <a:rPr lang="it-IT" dirty="0" err="1">
-                <a:solidFill>
-                  <a:schemeClr val="bg1">
-                    <a:lumMod val="75000"/>
-                  </a:schemeClr>
-                </a:solidFill>
-              </a:rPr>
-              <a:t>using</a:t>
-            </a:r>
-            <a:r>
-              <a:rPr lang="it-IT" dirty="0">
-                <a:solidFill>
-                  <a:schemeClr val="bg1">
-                    <a:lumMod val="75000"/>
-                  </a:schemeClr>
-                </a:solidFill>
-              </a:rPr>
-              <a:t> </a:t>
-            </a:r>
-            <a:r>
-              <a:rPr lang="it-IT" dirty="0" err="1">
-                <a:solidFill>
-                  <a:schemeClr val="bg1">
-                    <a:lumMod val="75000"/>
-                  </a:schemeClr>
-                </a:solidFill>
-              </a:rPr>
-              <a:t>mininet</a:t>
-            </a:r>
-            <a:r>
-              <a:rPr lang="it-IT" dirty="0">
-                <a:solidFill>
-                  <a:schemeClr val="bg1">
-                    <a:lumMod val="75000"/>
-                  </a:schemeClr>
-                </a:solidFill>
-              </a:rPr>
-              <a:t> library</a:t>
-            </a:r>
-          </a:p>
-          <a:p>
-            <a:pPr lvl="1"/>
-            <a:endParaRPr lang="en-GB" dirty="0"/>
+            <a:endParaRPr lang="en-GB" noProof="0" dirty="0"/>
           </a:p>
         </p:txBody>
       </p:sp>
@@ -5954,7 +5908,7 @@
     </p:spTree>
     <p:extLst>
       <p:ext uri="{BB962C8B-B14F-4D97-AF65-F5344CB8AC3E}">
-        <p14:creationId xmlns:p14="http://schemas.microsoft.com/office/powerpoint/2010/main" val="887066111"/>
+        <p14:creationId xmlns:p14="http://schemas.microsoft.com/office/powerpoint/2010/main" val="1033961260"/>
       </p:ext>
     </p:extLst>
   </p:cSld>
@@ -6003,14 +5957,9 @@
           <a:lstStyle/>
           <a:p>
             <a:r>
-              <a:rPr lang="it-IT" b="1" dirty="0" err="1"/>
-              <a:t>Implementatio</a:t>
-            </a:r>
-            <a:r>
-              <a:rPr lang="it-IT" b="1" dirty="0"/>
-              <a:t> Issues</a:t>
-            </a:r>
-            <a:endParaRPr lang="en-GB" b="1" dirty="0"/>
+              <a:rPr lang="en-GB" b="1" noProof="0" dirty="0"/>
+              <a:t>Implementation Issues</a:t>
+            </a:r>
           </a:p>
         </p:txBody>
       </p:sp>
@@ -6038,77 +5987,17 @@
           <a:lstStyle/>
           <a:p>
             <a:r>
-              <a:rPr lang="it-IT" dirty="0">
+              <a:rPr lang="en-GB" noProof="0" dirty="0">
                 <a:solidFill>
                   <a:schemeClr val="bg1">
                     <a:lumMod val="75000"/>
                   </a:schemeClr>
                 </a:solidFill>
               </a:rPr>
-              <a:t>Execution </a:t>
-            </a:r>
-            <a:r>
-              <a:rPr lang="it-IT" dirty="0" err="1">
-                <a:solidFill>
-                  <a:schemeClr val="bg1">
-                    <a:lumMod val="75000"/>
-                  </a:schemeClr>
-                </a:solidFill>
-              </a:rPr>
-              <a:t>order</a:t>
-            </a:r>
-            <a:r>
-              <a:rPr lang="it-IT" dirty="0">
-                <a:solidFill>
-                  <a:schemeClr val="bg1">
-                    <a:lumMod val="75000"/>
-                  </a:schemeClr>
-                </a:solidFill>
-              </a:rPr>
-              <a:t> of </a:t>
-            </a:r>
-            <a:r>
-              <a:rPr lang="it-IT" dirty="0" err="1">
-                <a:solidFill>
-                  <a:schemeClr val="bg1">
-                    <a:lumMod val="75000"/>
-                  </a:schemeClr>
-                </a:solidFill>
-              </a:rPr>
-              <a:t>floodlight</a:t>
-            </a:r>
-            <a:r>
-              <a:rPr lang="it-IT" dirty="0">
-                <a:solidFill>
-                  <a:schemeClr val="bg1">
-                    <a:lumMod val="75000"/>
-                  </a:schemeClr>
-                </a:solidFill>
-              </a:rPr>
-              <a:t> </a:t>
-            </a:r>
-            <a:r>
-              <a:rPr lang="it-IT" dirty="0" err="1">
-                <a:solidFill>
-                  <a:schemeClr val="bg1">
-                    <a:lumMod val="75000"/>
-                  </a:schemeClr>
-                </a:solidFill>
-              </a:rPr>
-              <a:t>modules</a:t>
-            </a:r>
-            <a:r>
-              <a:rPr lang="it-IT" dirty="0">
-                <a:solidFill>
-                  <a:schemeClr val="bg1">
-                    <a:lumMod val="75000"/>
-                  </a:schemeClr>
-                </a:solidFill>
-              </a:rPr>
-              <a:t> </a:t>
-            </a:r>
-            <a:r>
-              <a:rPr lang="it-IT" dirty="0">
+              <a:t>Execution order of floodlight modules </a:t>
+            </a:r>
+            <a:r>
+              <a:rPr lang="en-GB" noProof="0" dirty="0">
                 <a:solidFill>
                   <a:schemeClr val="bg1">
                     <a:lumMod val="75000"/>
@@ -6125,7 +6014,7 @@
               <a:t>here</a:t>
             </a:r>
             <a:r>
-              <a:rPr lang="it-IT" dirty="0">
+              <a:rPr lang="en-GB" noProof="0" dirty="0">
                 <a:solidFill>
                   <a:schemeClr val="bg1">
                     <a:lumMod val="75000"/>
@@ -6137,7 +6026,7 @@
           </a:p>
           <a:p>
             <a:r>
-              <a:rPr lang="it-IT" dirty="0">
+              <a:rPr lang="en-GB" noProof="0" dirty="0">
                 <a:solidFill>
                   <a:schemeClr val="bg1">
                     <a:lumMod val="75000"/>
@@ -6147,7 +6036,7 @@
               <a:t>The normal rule (</a:t>
             </a:r>
             <a:r>
-              <a:rPr lang="it-IT" dirty="0" err="1">
+              <a:rPr lang="en-GB" noProof="0" dirty="0" err="1">
                 <a:solidFill>
                   <a:schemeClr val="bg1">
                     <a:lumMod val="75000"/>
@@ -6157,417 +6046,114 @@
               <a:t>action.normal</a:t>
             </a:r>
             <a:r>
-              <a:rPr lang="it-IT" dirty="0">
+              <a:rPr lang="en-GB" noProof="0" dirty="0">
                 <a:solidFill>
                   <a:schemeClr val="bg1">
                     <a:lumMod val="75000"/>
                   </a:schemeClr>
                 </a:solidFill>
               </a:rPr>
-              <a:t>) does not work for non </a:t>
-            </a:r>
-            <a:r>
-              <a:rPr lang="it-IT" dirty="0" err="1">
+              <a:t>) does not work for non hybrid switches.</a:t>
+            </a:r>
+          </a:p>
+          <a:p>
+            <a:r>
+              <a:rPr lang="en-GB" noProof="0" dirty="0">
                 <a:solidFill>
                   <a:schemeClr val="bg1">
                     <a:lumMod val="75000"/>
                   </a:schemeClr>
                 </a:solidFill>
               </a:rPr>
-              <a:t>hybrid</a:t>
-            </a:r>
-            <a:r>
-              <a:rPr lang="it-IT" dirty="0">
+              <a:t>Learning switch: </a:t>
+            </a:r>
+          </a:p>
+          <a:p>
+            <a:pPr lvl="1"/>
+            <a:r>
+              <a:rPr lang="en-GB" noProof="0" dirty="0">
                 <a:solidFill>
                   <a:schemeClr val="bg1">
                     <a:lumMod val="75000"/>
                   </a:schemeClr>
                 </a:solidFill>
               </a:rPr>
-              <a:t> </a:t>
-            </a:r>
-            <a:r>
-              <a:rPr lang="it-IT" dirty="0" err="1">
+              <a:t>Add interface </a:t>
+            </a:r>
+            <a:r>
+              <a:rPr lang="en-GB" dirty="0">
                 <a:solidFill>
                   <a:schemeClr val="bg1">
                     <a:lumMod val="75000"/>
                   </a:schemeClr>
                 </a:solidFill>
               </a:rPr>
-              <a:t>switches</a:t>
-            </a:r>
-            <a:r>
-              <a:rPr lang="it-IT" dirty="0">
+              <a:t>to retrieve </a:t>
+            </a:r>
+            <a:r>
+              <a:rPr lang="en-GB" noProof="0" dirty="0">
                 <a:solidFill>
                   <a:schemeClr val="bg1">
                     <a:lumMod val="75000"/>
                   </a:schemeClr>
                 </a:solidFill>
               </a:rPr>
-              <a:t>.</a:t>
-            </a:r>
-          </a:p>
-          <a:p>
-            <a:r>
-              <a:rPr lang="it-IT" dirty="0">
+              <a:t>MAC addresses from the learning switch controller</a:t>
+            </a:r>
+          </a:p>
+          <a:p>
+            <a:r>
+              <a:rPr lang="en-GB" sz="3200" b="1" noProof="0" dirty="0"/>
+              <a:t>Deleting rules are specified </a:t>
+            </a:r>
+            <a:r>
+              <a:rPr lang="en-GB" sz="3200" b="1" noProof="0" dirty="0">
+                <a:hlinkClick r:id="rId4"/>
+              </a:rPr>
+              <a:t>here</a:t>
+            </a:r>
+            <a:r>
+              <a:rPr lang="en-GB" sz="3200" b="1" noProof="0" dirty="0"/>
+              <a:t>. </a:t>
+            </a:r>
+          </a:p>
+          <a:p>
+            <a:pPr lvl="1"/>
+            <a:r>
+              <a:rPr lang="en-GB" sz="2600" b="1" noProof="0" dirty="0" err="1"/>
+              <a:t>OFFlowDelete</a:t>
+            </a:r>
+            <a:r>
+              <a:rPr lang="en-GB" sz="2600" b="1" noProof="0" dirty="0"/>
+              <a:t> deletes rules matching at least the specified fields;</a:t>
+            </a:r>
+          </a:p>
+          <a:p>
+            <a:pPr lvl="1"/>
+            <a:r>
+              <a:rPr lang="en-GB" sz="2600" b="1" noProof="0" dirty="0" err="1"/>
+              <a:t>OFFlowDeleteStrict</a:t>
+            </a:r>
+            <a:r>
+              <a:rPr lang="en-GB" sz="2600" b="1" noProof="0" dirty="0"/>
+              <a:t> deletes the rules that exactly looks like the match you specify.</a:t>
+            </a:r>
+          </a:p>
+          <a:p>
+            <a:r>
+              <a:rPr lang="en-GB" noProof="0" dirty="0">
                 <a:solidFill>
                   <a:schemeClr val="bg1">
                     <a:lumMod val="75000"/>
                   </a:schemeClr>
                 </a:solidFill>
               </a:rPr>
-              <a:t>Learning switch: </a:t>
+              <a:t>Testing is done in Python using mininet library</a:t>
             </a:r>
           </a:p>
           <a:p>
             <a:pPr lvl="1"/>
-            <a:r>
-              <a:rPr lang="it-IT" dirty="0">
-                <a:solidFill>
-                  <a:schemeClr val="bg1">
-                    <a:lumMod val="75000"/>
-                  </a:schemeClr>
-                </a:solidFill>
-              </a:rPr>
-              <a:t>Add interface to </a:t>
-            </a:r>
-            <a:r>
-              <a:rPr lang="it-IT" dirty="0" err="1">
-                <a:solidFill>
-                  <a:schemeClr val="bg1">
-                    <a:lumMod val="75000"/>
-                  </a:schemeClr>
-                </a:solidFill>
-              </a:rPr>
-              <a:t>retreive</a:t>
-            </a:r>
-            <a:r>
-              <a:rPr lang="it-IT" dirty="0">
-                <a:solidFill>
-                  <a:schemeClr val="bg1">
-                    <a:lumMod val="75000"/>
-                  </a:schemeClr>
-                </a:solidFill>
-              </a:rPr>
-              <a:t> MAC </a:t>
-            </a:r>
-            <a:r>
-              <a:rPr lang="it-IT" dirty="0" err="1">
-                <a:solidFill>
-                  <a:schemeClr val="bg1">
-                    <a:lumMod val="75000"/>
-                  </a:schemeClr>
-                </a:solidFill>
-              </a:rPr>
-              <a:t>addresses</a:t>
-            </a:r>
-            <a:r>
-              <a:rPr lang="it-IT" dirty="0">
-                <a:solidFill>
-                  <a:schemeClr val="bg1">
-                    <a:lumMod val="75000"/>
-                  </a:schemeClr>
-                </a:solidFill>
-              </a:rPr>
-              <a:t> from the learning switch controller</a:t>
-            </a:r>
-          </a:p>
-          <a:p>
-            <a:r>
-              <a:rPr lang="it-IT" dirty="0" err="1">
-                <a:solidFill>
-                  <a:schemeClr val="bg1">
-                    <a:lumMod val="75000"/>
-                  </a:schemeClr>
-                </a:solidFill>
-              </a:rPr>
-              <a:t>Deleting</a:t>
-            </a:r>
-            <a:r>
-              <a:rPr lang="it-IT" dirty="0">
-                <a:solidFill>
-                  <a:schemeClr val="bg1">
-                    <a:lumMod val="75000"/>
-                  </a:schemeClr>
-                </a:solidFill>
-              </a:rPr>
-              <a:t> rules are </a:t>
-            </a:r>
-            <a:r>
-              <a:rPr lang="it-IT" dirty="0" err="1">
-                <a:solidFill>
-                  <a:schemeClr val="bg1">
-                    <a:lumMod val="75000"/>
-                  </a:schemeClr>
-                </a:solidFill>
-              </a:rPr>
-              <a:t>specified</a:t>
-            </a:r>
-            <a:r>
-              <a:rPr lang="it-IT" dirty="0">
-                <a:solidFill>
-                  <a:schemeClr val="bg1">
-                    <a:lumMod val="75000"/>
-                  </a:schemeClr>
-                </a:solidFill>
-              </a:rPr>
-              <a:t> </a:t>
-            </a:r>
-            <a:r>
-              <a:rPr lang="it-IT" dirty="0">
-                <a:solidFill>
-                  <a:schemeClr val="bg1">
-                    <a:lumMod val="75000"/>
-                  </a:schemeClr>
-                </a:solidFill>
-                <a:hlinkClick r:id="rId4">
-                  <a:extLst>
-                    <a:ext uri="{A12FA001-AC4F-418D-AE19-62706E023703}">
-                      <ahyp:hlinkClr xmlns:ahyp="http://schemas.microsoft.com/office/drawing/2018/hyperlinkcolor" val="tx"/>
-                    </a:ext>
-                  </a:extLst>
-                </a:hlinkClick>
-              </a:rPr>
-              <a:t>here</a:t>
-            </a:r>
-            <a:r>
-              <a:rPr lang="it-IT" dirty="0">
-                <a:solidFill>
-                  <a:schemeClr val="bg1">
-                    <a:lumMod val="75000"/>
-                  </a:schemeClr>
-                </a:solidFill>
-              </a:rPr>
-              <a:t>. </a:t>
-            </a:r>
-          </a:p>
-          <a:p>
-            <a:pPr lvl="1"/>
-            <a:r>
-              <a:rPr lang="it-IT" dirty="0" err="1">
-                <a:solidFill>
-                  <a:schemeClr val="bg1">
-                    <a:lumMod val="75000"/>
-                  </a:schemeClr>
-                </a:solidFill>
-              </a:rPr>
-              <a:t>OFFlowDelete</a:t>
-            </a:r>
-            <a:r>
-              <a:rPr lang="it-IT" dirty="0">
-                <a:solidFill>
-                  <a:schemeClr val="bg1">
-                    <a:lumMod val="75000"/>
-                  </a:schemeClr>
-                </a:solidFill>
-              </a:rPr>
-              <a:t> </a:t>
-            </a:r>
-            <a:r>
-              <a:rPr lang="it-IT" dirty="0" err="1">
-                <a:solidFill>
-                  <a:schemeClr val="bg1">
-                    <a:lumMod val="75000"/>
-                  </a:schemeClr>
-                </a:solidFill>
-              </a:rPr>
-              <a:t>deletes</a:t>
-            </a:r>
-            <a:r>
-              <a:rPr lang="it-IT" dirty="0">
-                <a:solidFill>
-                  <a:schemeClr val="bg1">
-                    <a:lumMod val="75000"/>
-                  </a:schemeClr>
-                </a:solidFill>
-              </a:rPr>
-              <a:t> rules </a:t>
-            </a:r>
-            <a:r>
-              <a:rPr lang="it-IT" dirty="0" err="1">
-                <a:solidFill>
-                  <a:schemeClr val="bg1">
-                    <a:lumMod val="75000"/>
-                  </a:schemeClr>
-                </a:solidFill>
-              </a:rPr>
-              <a:t>matching</a:t>
-            </a:r>
-            <a:r>
-              <a:rPr lang="it-IT" dirty="0">
-                <a:solidFill>
-                  <a:schemeClr val="bg1">
-                    <a:lumMod val="75000"/>
-                  </a:schemeClr>
-                </a:solidFill>
-              </a:rPr>
-              <a:t> </a:t>
-            </a:r>
-            <a:r>
-              <a:rPr lang="it-IT" dirty="0" err="1">
-                <a:solidFill>
-                  <a:schemeClr val="bg1">
-                    <a:lumMod val="75000"/>
-                  </a:schemeClr>
-                </a:solidFill>
-              </a:rPr>
-              <a:t>at</a:t>
-            </a:r>
-            <a:r>
-              <a:rPr lang="it-IT" dirty="0">
-                <a:solidFill>
-                  <a:schemeClr val="bg1">
-                    <a:lumMod val="75000"/>
-                  </a:schemeClr>
-                </a:solidFill>
-              </a:rPr>
-              <a:t> </a:t>
-            </a:r>
-            <a:r>
-              <a:rPr lang="it-IT" dirty="0" err="1">
-                <a:solidFill>
-                  <a:schemeClr val="bg1">
-                    <a:lumMod val="75000"/>
-                  </a:schemeClr>
-                </a:solidFill>
-              </a:rPr>
-              <a:t>least</a:t>
-            </a:r>
-            <a:r>
-              <a:rPr lang="it-IT" dirty="0">
-                <a:solidFill>
-                  <a:schemeClr val="bg1">
-                    <a:lumMod val="75000"/>
-                  </a:schemeClr>
-                </a:solidFill>
-              </a:rPr>
-              <a:t> the </a:t>
-            </a:r>
-            <a:r>
-              <a:rPr lang="it-IT" dirty="0" err="1">
-                <a:solidFill>
-                  <a:schemeClr val="bg1">
-                    <a:lumMod val="75000"/>
-                  </a:schemeClr>
-                </a:solidFill>
-              </a:rPr>
-              <a:t>specified</a:t>
-            </a:r>
-            <a:r>
-              <a:rPr lang="it-IT" dirty="0">
-                <a:solidFill>
-                  <a:schemeClr val="bg1">
-                    <a:lumMod val="75000"/>
-                  </a:schemeClr>
-                </a:solidFill>
-              </a:rPr>
-              <a:t> fields;</a:t>
-            </a:r>
-          </a:p>
-          <a:p>
-            <a:pPr lvl="1"/>
-            <a:r>
-              <a:rPr lang="it-IT" dirty="0" err="1">
-                <a:solidFill>
-                  <a:schemeClr val="bg1">
-                    <a:lumMod val="75000"/>
-                  </a:schemeClr>
-                </a:solidFill>
-              </a:rPr>
-              <a:t>OFFlowDeleteStrict</a:t>
-            </a:r>
-            <a:r>
-              <a:rPr lang="it-IT" dirty="0">
-                <a:solidFill>
-                  <a:schemeClr val="bg1">
-                    <a:lumMod val="75000"/>
-                  </a:schemeClr>
-                </a:solidFill>
-              </a:rPr>
-              <a:t> </a:t>
-            </a:r>
-            <a:r>
-              <a:rPr lang="it-IT" dirty="0" err="1">
-                <a:solidFill>
-                  <a:schemeClr val="bg1">
-                    <a:lumMod val="75000"/>
-                  </a:schemeClr>
-                </a:solidFill>
-              </a:rPr>
-              <a:t>deletes</a:t>
-            </a:r>
-            <a:r>
-              <a:rPr lang="it-IT" dirty="0">
-                <a:solidFill>
-                  <a:schemeClr val="bg1">
-                    <a:lumMod val="75000"/>
-                  </a:schemeClr>
-                </a:solidFill>
-              </a:rPr>
-              <a:t> the rules that </a:t>
-            </a:r>
-            <a:r>
-              <a:rPr lang="en-GB" dirty="0">
-                <a:solidFill>
-                  <a:schemeClr val="bg1">
-                    <a:lumMod val="75000"/>
-                  </a:schemeClr>
-                </a:solidFill>
-              </a:rPr>
-              <a:t>exactly looks like the match you specify</a:t>
-            </a:r>
-            <a:r>
-              <a:rPr lang="it-IT" dirty="0">
-                <a:solidFill>
-                  <a:schemeClr val="bg1">
-                    <a:lumMod val="75000"/>
-                  </a:schemeClr>
-                </a:solidFill>
-              </a:rPr>
-              <a:t>.</a:t>
-            </a:r>
-          </a:p>
-          <a:p>
-            <a:r>
-              <a:rPr lang="it-IT" sz="3200" b="1" dirty="0"/>
-              <a:t>Testing </a:t>
-            </a:r>
-            <a:r>
-              <a:rPr lang="it-IT" sz="3200" b="1" dirty="0" err="1"/>
-              <a:t>is</a:t>
-            </a:r>
-            <a:r>
-              <a:rPr lang="it-IT" sz="3200" b="1" dirty="0"/>
-              <a:t> done in </a:t>
-            </a:r>
-            <a:r>
-              <a:rPr lang="it-IT" sz="3200" b="1" dirty="0" err="1"/>
-              <a:t>python</a:t>
-            </a:r>
-            <a:r>
-              <a:rPr lang="it-IT" sz="3200" b="1" dirty="0"/>
-              <a:t> </a:t>
-            </a:r>
-            <a:r>
-              <a:rPr lang="it-IT" sz="3200" b="1" dirty="0" err="1"/>
-              <a:t>using</a:t>
-            </a:r>
-            <a:r>
-              <a:rPr lang="it-IT" sz="3200" b="1" dirty="0"/>
-              <a:t> </a:t>
-            </a:r>
-            <a:r>
-              <a:rPr lang="it-IT" sz="3200" b="1" dirty="0" err="1"/>
-              <a:t>mininet</a:t>
-            </a:r>
-            <a:r>
-              <a:rPr lang="it-IT" sz="3200" b="1" dirty="0"/>
-              <a:t> library</a:t>
-            </a:r>
-          </a:p>
-          <a:p>
-            <a:pPr lvl="1"/>
-            <a:endParaRPr lang="en-GB" dirty="0"/>
+            <a:endParaRPr lang="en-GB" noProof="0" dirty="0"/>
           </a:p>
         </p:txBody>
       </p:sp>
@@ -6632,7 +6218,7 @@
     </p:spTree>
     <p:extLst>
       <p:ext uri="{BB962C8B-B14F-4D97-AF65-F5344CB8AC3E}">
-        <p14:creationId xmlns:p14="http://schemas.microsoft.com/office/powerpoint/2010/main" val="264186129"/>
+        <p14:creationId xmlns:p14="http://schemas.microsoft.com/office/powerpoint/2010/main" val="887066111"/>
       </p:ext>
     </p:extLst>
   </p:cSld>
@@ -6645,14 +6231,6 @@
 <file path=ppt/slides/slide12.xml><?xml version="1.0" encoding="utf-8"?>
 <p:sld xmlns:a="http://schemas.openxmlformats.org/drawingml/2006/main" xmlns:r="http://schemas.openxmlformats.org/officeDocument/2006/relationships" xmlns:p="http://schemas.openxmlformats.org/presentationml/2006/main">
   <p:cSld>
-    <p:bg>
-      <p:bgPr>
-        <a:solidFill>
-          <a:schemeClr val="bg1"/>
-        </a:solidFill>
-        <a:effectLst/>
-      </p:bgPr>
-    </p:bg>
     <p:spTree>
       <p:nvGrpSpPr>
         <p:cNvPr id="1" name=""/>
@@ -6669,159 +6247,302 @@
       </p:grpSpPr>
       <p:sp>
         <p:nvSpPr>
-          <p:cNvPr id="12" name="Flowchart: Document 11">
-            <a:extLst>
-              <a:ext uri="{FF2B5EF4-FFF2-40B4-BE49-F238E27FC236}">
-                <a16:creationId xmlns:a16="http://schemas.microsoft.com/office/drawing/2014/main" id="{D12DDE76-C203-4047-9998-63900085B5E8}"/>
-              </a:ext>
-              <a:ext uri="{C183D7F6-B498-43B3-948B-1728B52AA6E4}">
-                <adec:decorative xmlns:adec="http://schemas.microsoft.com/office/drawing/2017/decorative" val="1"/>
-              </a:ext>
-            </a:extLst>
-          </p:cNvPr>
-          <p:cNvSpPr>
-            <a:spLocks noGrp="1" noRot="1" noChangeAspect="1" noMove="1" noResize="1" noEditPoints="1" noAdjustHandles="1" noChangeArrowheads="1" noChangeShapeType="1" noTextEdit="1"/>
-          </p:cNvSpPr>
-          <p:nvPr>
-            <p:extLst>
-              <p:ext uri="{386F3935-93C4-4BCD-93E2-E3B085C9AB24}">
-                <p16:designElem xmlns:p16="http://schemas.microsoft.com/office/powerpoint/2015/main" val="1"/>
-              </p:ext>
-            </p:extLst>
-          </p:nvPr>
-        </p:nvSpPr>
-        <p:spPr>
-          <a:xfrm>
-            <a:off x="638175" y="0"/>
-            <a:ext cx="3248025" cy="3400426"/>
-          </a:xfrm>
-          <a:prstGeom prst="flowChartDocument">
-            <a:avLst/>
-          </a:prstGeom>
-          <a:solidFill>
-            <a:srgbClr val="665453"/>
-          </a:solidFill>
-          <a:ln>
-            <a:noFill/>
-          </a:ln>
-        </p:spPr>
-        <p:style>
-          <a:lnRef idx="2">
-            <a:schemeClr val="accent1">
-              <a:shade val="50000"/>
-            </a:schemeClr>
-          </a:lnRef>
-          <a:fillRef idx="1">
-            <a:schemeClr val="accent1"/>
-          </a:fillRef>
-          <a:effectRef idx="0">
-            <a:schemeClr val="accent1"/>
-          </a:effectRef>
-          <a:fontRef idx="minor">
-            <a:schemeClr val="lt1"/>
-          </a:fontRef>
-        </p:style>
-        <p:txBody>
-          <a:bodyPr rtlCol="0" anchor="ctr"/>
+          <p:cNvPr id="2" name="Titolo 1">
+            <a:extLst>
+              <a:ext uri="{FF2B5EF4-FFF2-40B4-BE49-F238E27FC236}">
+                <a16:creationId xmlns:a16="http://schemas.microsoft.com/office/drawing/2014/main" id="{7E6353A6-1C85-4D8F-9EA2-AAA7BDECABC1}"/>
+              </a:ext>
+            </a:extLst>
+          </p:cNvPr>
+          <p:cNvSpPr>
+            <a:spLocks noGrp="1"/>
+          </p:cNvSpPr>
+          <p:nvPr>
+            <p:ph type="title"/>
+          </p:nvPr>
+        </p:nvSpPr>
+        <p:spPr/>
+        <p:txBody>
+          <a:bodyPr/>
           <a:lstStyle/>
           <a:p>
-            <a:pPr algn="ctr"/>
-            <a:endParaRPr lang="en-US"/>
-          </a:p>
-        </p:txBody>
-      </p:sp>
-      <p:pic>
-        <p:nvPicPr>
-          <p:cNvPr id="4" name="Immagine 3" descr="Immagine che contiene testo, mappa&#10;&#10;Descrizione generata automaticamente">
-            <a:extLst>
-              <a:ext uri="{FF2B5EF4-FFF2-40B4-BE49-F238E27FC236}">
-                <a16:creationId xmlns:a16="http://schemas.microsoft.com/office/drawing/2014/main" id="{C70C39FA-3DB0-4053-9205-4578EEAC5C3B}"/>
-              </a:ext>
-            </a:extLst>
-          </p:cNvPr>
-          <p:cNvPicPr>
-            <a:picLocks noChangeAspect="1"/>
-          </p:cNvPicPr>
-          <p:nvPr/>
-        </p:nvPicPr>
-        <p:blipFill>
-          <a:blip r:embed="rId2">
-            <a:extLst>
-              <a:ext uri="{28A0092B-C50C-407E-A947-70E740481C1C}">
-                <a14:useLocalDpi xmlns:a14="http://schemas.microsoft.com/office/drawing/2010/main" val="0"/>
-              </a:ext>
-            </a:extLst>
-          </a:blip>
-          <a:stretch>
-            <a:fillRect/>
-          </a:stretch>
-        </p:blipFill>
-        <p:spPr>
-          <a:xfrm>
-            <a:off x="4207933" y="876219"/>
-            <a:ext cx="7347537" cy="5106538"/>
-          </a:xfrm>
-          <a:prstGeom prst="rect">
-            <a:avLst/>
-          </a:prstGeom>
-        </p:spPr>
-      </p:pic>
-      <p:sp>
-        <p:nvSpPr>
-          <p:cNvPr id="6" name="Segnaposto piè di pagina 5">
-            <a:extLst>
-              <a:ext uri="{FF2B5EF4-FFF2-40B4-BE49-F238E27FC236}">
-                <a16:creationId xmlns:a16="http://schemas.microsoft.com/office/drawing/2014/main" id="{6B127EFB-4BCA-414B-9598-8EAEE6C6008C}"/>
-              </a:ext>
-            </a:extLst>
-          </p:cNvPr>
-          <p:cNvSpPr>
-            <a:spLocks noGrp="1"/>
-          </p:cNvSpPr>
-          <p:nvPr>
-            <p:ph type="ftr" sz="quarter" idx="11"/>
-          </p:nvPr>
-        </p:nvSpPr>
-        <p:spPr>
-          <a:xfrm>
-            <a:off x="838200" y="6356350"/>
-            <a:ext cx="5960951" cy="365125"/>
-          </a:xfrm>
-          <a:noFill/>
-        </p:spPr>
-        <p:txBody>
-          <a:bodyPr vert="horz" lIns="91440" tIns="45720" rIns="91440" bIns="45720" rtlCol="0" anchor="ctr">
-            <a:normAutofit/>
+            <a:r>
+              <a:rPr lang="en-GB" b="1" noProof="0" dirty="0"/>
+              <a:t>Implementation Issues</a:t>
+            </a:r>
+          </a:p>
+        </p:txBody>
+      </p:sp>
+      <p:sp>
+        <p:nvSpPr>
+          <p:cNvPr id="3" name="Segnaposto contenuto 2">
+            <a:extLst>
+              <a:ext uri="{FF2B5EF4-FFF2-40B4-BE49-F238E27FC236}">
+                <a16:creationId xmlns:a16="http://schemas.microsoft.com/office/drawing/2014/main" id="{DF3513A8-F910-4B01-AD7F-5C394725A6CD}"/>
+              </a:ext>
+            </a:extLst>
+          </p:cNvPr>
+          <p:cNvSpPr>
+            <a:spLocks noGrp="1"/>
+          </p:cNvSpPr>
+          <p:nvPr>
+            <p:ph idx="1"/>
+          </p:nvPr>
+        </p:nvSpPr>
+        <p:spPr/>
+        <p:txBody>
+          <a:bodyPr>
+            <a:normAutofit lnSpcReduction="10000"/>
           </a:bodyPr>
           <a:lstStyle/>
           <a:p>
-            <a:pPr algn="l">
-              <a:spcAft>
-                <a:spcPts val="600"/>
-              </a:spcAft>
-            </a:pPr>
-            <a:r>
-              <a:rPr lang="en-US" kern="1200">
-                <a:solidFill>
-                  <a:schemeClr val="tx1">
-                    <a:tint val="75000"/>
+            <a:r>
+              <a:rPr lang="en-GB" noProof="0" dirty="0">
+                <a:solidFill>
+                  <a:schemeClr val="bg1">
+                    <a:lumMod val="75000"/>
                   </a:schemeClr>
                 </a:solidFill>
-                <a:latin typeface="+mn-lt"/>
-                <a:ea typeface="+mn-ea"/>
-                <a:cs typeface="+mn-cs"/>
               </a:rPr>
+              <a:t>Execution order of floodlight modules </a:t>
+            </a:r>
+            <a:r>
+              <a:rPr lang="en-GB" noProof="0" dirty="0">
+                <a:solidFill>
+                  <a:schemeClr val="bg1">
+                    <a:lumMod val="75000"/>
+                  </a:schemeClr>
+                </a:solidFill>
+                <a:hlinkClick r:id="rId3">
+                  <a:extLst>
+                    <a:ext uri="{A12FA001-AC4F-418D-AE19-62706E023703}">
+                      <ahyp:hlinkClr xmlns:ahyp="http://schemas.microsoft.com/office/drawing/2018/hyperlinkcolor" val="tx"/>
+                    </a:ext>
+                  </a:extLst>
+                </a:hlinkClick>
+              </a:rPr>
+              <a:t>here</a:t>
+            </a:r>
+            <a:r>
+              <a:rPr lang="en-GB" noProof="0" dirty="0">
+                <a:solidFill>
+                  <a:schemeClr val="bg1">
+                    <a:lumMod val="75000"/>
+                  </a:schemeClr>
+                </a:solidFill>
+              </a:rPr>
+              <a:t>.</a:t>
+            </a:r>
+          </a:p>
+          <a:p>
+            <a:r>
+              <a:rPr lang="en-GB" noProof="0" dirty="0">
+                <a:solidFill>
+                  <a:schemeClr val="bg1">
+                    <a:lumMod val="75000"/>
+                  </a:schemeClr>
+                </a:solidFill>
+              </a:rPr>
+              <a:t>The normal rule (</a:t>
+            </a:r>
+            <a:r>
+              <a:rPr lang="en-GB" noProof="0" dirty="0" err="1">
+                <a:solidFill>
+                  <a:schemeClr val="bg1">
+                    <a:lumMod val="75000"/>
+                  </a:schemeClr>
+                </a:solidFill>
+              </a:rPr>
+              <a:t>action.normal</a:t>
+            </a:r>
+            <a:r>
+              <a:rPr lang="en-GB" noProof="0" dirty="0">
+                <a:solidFill>
+                  <a:schemeClr val="bg1">
+                    <a:lumMod val="75000"/>
+                  </a:schemeClr>
+                </a:solidFill>
+              </a:rPr>
+              <a:t>) does not work for non hybrid switches.</a:t>
+            </a:r>
+          </a:p>
+          <a:p>
+            <a:r>
+              <a:rPr lang="en-GB" noProof="0" dirty="0">
+                <a:solidFill>
+                  <a:schemeClr val="bg1">
+                    <a:lumMod val="75000"/>
+                  </a:schemeClr>
+                </a:solidFill>
+              </a:rPr>
+              <a:t>Learning switch: </a:t>
+            </a:r>
+          </a:p>
+          <a:p>
+            <a:pPr lvl="1"/>
+            <a:r>
+              <a:rPr lang="en-GB" noProof="0" dirty="0">
+                <a:solidFill>
+                  <a:schemeClr val="bg1">
+                    <a:lumMod val="75000"/>
+                  </a:schemeClr>
+                </a:solidFill>
+              </a:rPr>
+              <a:t>Add interface </a:t>
+            </a:r>
+            <a:r>
+              <a:rPr lang="en-GB" dirty="0">
+                <a:solidFill>
+                  <a:schemeClr val="bg1">
+                    <a:lumMod val="75000"/>
+                  </a:schemeClr>
+                </a:solidFill>
+              </a:rPr>
+              <a:t>to retrieve </a:t>
+            </a:r>
+            <a:r>
+              <a:rPr lang="en-GB" noProof="0" dirty="0">
+                <a:solidFill>
+                  <a:schemeClr val="bg1">
+                    <a:lumMod val="75000"/>
+                  </a:schemeClr>
+                </a:solidFill>
+              </a:rPr>
+              <a:t>MAC addresses from the learning switch controller</a:t>
+            </a:r>
+          </a:p>
+          <a:p>
+            <a:r>
+              <a:rPr lang="en-GB" noProof="0" dirty="0">
+                <a:solidFill>
+                  <a:schemeClr val="bg1">
+                    <a:lumMod val="75000"/>
+                  </a:schemeClr>
+                </a:solidFill>
+              </a:rPr>
+              <a:t>Deleting rules are specified </a:t>
+            </a:r>
+            <a:r>
+              <a:rPr lang="en-GB" noProof="0" dirty="0">
+                <a:solidFill>
+                  <a:schemeClr val="bg1">
+                    <a:lumMod val="75000"/>
+                  </a:schemeClr>
+                </a:solidFill>
+                <a:hlinkClick r:id="rId4">
+                  <a:extLst>
+                    <a:ext uri="{A12FA001-AC4F-418D-AE19-62706E023703}">
+                      <ahyp:hlinkClr xmlns:ahyp="http://schemas.microsoft.com/office/drawing/2018/hyperlinkcolor" val="tx"/>
+                    </a:ext>
+                  </a:extLst>
+                </a:hlinkClick>
+              </a:rPr>
+              <a:t>here</a:t>
+            </a:r>
+            <a:r>
+              <a:rPr lang="en-GB" noProof="0" dirty="0">
+                <a:solidFill>
+                  <a:schemeClr val="bg1">
+                    <a:lumMod val="75000"/>
+                  </a:schemeClr>
+                </a:solidFill>
+              </a:rPr>
+              <a:t>. </a:t>
+            </a:r>
+          </a:p>
+          <a:p>
+            <a:pPr lvl="1"/>
+            <a:r>
+              <a:rPr lang="en-GB" noProof="0" dirty="0" err="1">
+                <a:solidFill>
+                  <a:schemeClr val="bg1">
+                    <a:lumMod val="75000"/>
+                  </a:schemeClr>
+                </a:solidFill>
+              </a:rPr>
+              <a:t>OFFlowDelete</a:t>
+            </a:r>
+            <a:r>
+              <a:rPr lang="en-GB" noProof="0" dirty="0">
+                <a:solidFill>
+                  <a:schemeClr val="bg1">
+                    <a:lumMod val="75000"/>
+                  </a:schemeClr>
+                </a:solidFill>
+              </a:rPr>
+              <a:t> deletes rules matching at least the specified fields;</a:t>
+            </a:r>
+          </a:p>
+          <a:p>
+            <a:pPr lvl="1"/>
+            <a:r>
+              <a:rPr lang="en-GB" noProof="0" dirty="0" err="1">
+                <a:solidFill>
+                  <a:schemeClr val="bg1">
+                    <a:lumMod val="75000"/>
+                  </a:schemeClr>
+                </a:solidFill>
+              </a:rPr>
+              <a:t>OFFlowDeleteStrict</a:t>
+            </a:r>
+            <a:r>
+              <a:rPr lang="en-GB" noProof="0" dirty="0">
+                <a:solidFill>
+                  <a:schemeClr val="bg1">
+                    <a:lumMod val="75000"/>
+                  </a:schemeClr>
+                </a:solidFill>
+              </a:rPr>
+              <a:t> deletes the rules that exactly looks like the match you specify.</a:t>
+            </a:r>
+          </a:p>
+          <a:p>
+            <a:r>
+              <a:rPr lang="en-GB" sz="3200" b="1" noProof="0" dirty="0"/>
+              <a:t>Testing is done in Python using mininet library</a:t>
+            </a:r>
+          </a:p>
+          <a:p>
+            <a:pPr lvl="1"/>
+            <a:endParaRPr lang="en-GB" noProof="0" dirty="0"/>
+          </a:p>
+        </p:txBody>
+      </p:sp>
+      <p:sp>
+        <p:nvSpPr>
+          <p:cNvPr id="4" name="Segnaposto piè di pagina 3">
+            <a:extLst>
+              <a:ext uri="{FF2B5EF4-FFF2-40B4-BE49-F238E27FC236}">
+                <a16:creationId xmlns:a16="http://schemas.microsoft.com/office/drawing/2014/main" id="{143FDC5E-D0BC-456A-BA7B-938A4422FE96}"/>
+              </a:ext>
+            </a:extLst>
+          </p:cNvPr>
+          <p:cNvSpPr>
+            <a:spLocks noGrp="1"/>
+          </p:cNvSpPr>
+          <p:nvPr>
+            <p:ph type="ftr" sz="quarter" idx="11"/>
+          </p:nvPr>
+        </p:nvSpPr>
+        <p:spPr/>
+        <p:txBody>
+          <a:bodyPr/>
+          <a:lstStyle/>
+          <a:p>
+            <a:r>
+              <a:rPr lang="it-IT"/>
               <a:t>A. Le Caldare, E. Sassu, E. Scarselli</a:t>
             </a:r>
-          </a:p>
-        </p:txBody>
-      </p:sp>
-      <p:sp>
-        <p:nvSpPr>
-          <p:cNvPr id="7" name="Segnaposto numero diapositiva 6">
-            <a:extLst>
-              <a:ext uri="{FF2B5EF4-FFF2-40B4-BE49-F238E27FC236}">
-                <a16:creationId xmlns:a16="http://schemas.microsoft.com/office/drawing/2014/main" id="{A85974FC-8904-43F2-A4EC-EAA5CF6A5B4F}"/>
+            <a:endParaRPr lang="en-GB"/>
+          </a:p>
+        </p:txBody>
+      </p:sp>
+      <p:sp>
+        <p:nvSpPr>
+          <p:cNvPr id="5" name="Segnaposto numero diapositiva 4">
+            <a:extLst>
+              <a:ext uri="{FF2B5EF4-FFF2-40B4-BE49-F238E27FC236}">
+                <a16:creationId xmlns:a16="http://schemas.microsoft.com/office/drawing/2014/main" id="{498B3CE7-B9F2-48C7-984E-87974B8C1C63}"/>
               </a:ext>
             </a:extLst>
           </p:cNvPr>
@@ -6832,166 +6553,23 @@
             <p:ph type="sldNum" sz="quarter" idx="12"/>
           </p:nvPr>
         </p:nvSpPr>
-        <p:spPr>
-          <a:xfrm>
-            <a:off x="10926476" y="6356350"/>
-            <a:ext cx="625443" cy="365125"/>
-          </a:xfrm>
-          <a:noFill/>
-        </p:spPr>
-        <p:txBody>
-          <a:bodyPr vert="horz" lIns="91440" tIns="45720" rIns="91440" bIns="45720" rtlCol="0" anchor="ctr">
-            <a:normAutofit/>
-          </a:bodyPr>
+        <p:spPr/>
+        <p:txBody>
+          <a:bodyPr/>
           <a:lstStyle/>
           <a:p>
-            <a:pPr algn="l">
-              <a:spcAft>
-                <a:spcPts val="600"/>
-              </a:spcAft>
-            </a:pPr>
             <a:fld id="{5BB7E168-F539-4513-AD44-F276B24E7DDF}" type="slidenum">
-              <a:rPr lang="en-US" smtClean="0"/>
-              <a:pPr algn="l">
-                <a:spcAft>
-                  <a:spcPts val="600"/>
-                </a:spcAft>
-              </a:pPr>
+              <a:rPr lang="en-GB" smtClean="0"/>
               <a:t>12</a:t>
             </a:fld>
-            <a:endParaRPr lang="en-US"/>
-          </a:p>
-        </p:txBody>
-      </p:sp>
-      <p:sp>
-        <p:nvSpPr>
-          <p:cNvPr id="3" name="Documento 2">
-            <a:extLst>
-              <a:ext uri="{FF2B5EF4-FFF2-40B4-BE49-F238E27FC236}">
-                <a16:creationId xmlns:a16="http://schemas.microsoft.com/office/drawing/2014/main" id="{34296573-DA25-4154-B2A0-EC503C6C7DB9}"/>
-              </a:ext>
-            </a:extLst>
-          </p:cNvPr>
-          <p:cNvSpPr/>
-          <p:nvPr/>
-        </p:nvSpPr>
-        <p:spPr>
-          <a:xfrm>
-            <a:off x="636530" y="0"/>
-            <a:ext cx="3248025" cy="3400426"/>
-          </a:xfrm>
-          <a:prstGeom prst="flowChartDocument">
-            <a:avLst/>
-          </a:prstGeom>
-          <a:solidFill>
-            <a:schemeClr val="tx2"/>
-          </a:solidFill>
-        </p:spPr>
-        <p:style>
-          <a:lnRef idx="2">
-            <a:schemeClr val="accent1">
-              <a:shade val="50000"/>
-            </a:schemeClr>
-          </a:lnRef>
-          <a:fillRef idx="1">
-            <a:schemeClr val="accent1"/>
-          </a:fillRef>
-          <a:effectRef idx="0">
-            <a:schemeClr val="accent1"/>
-          </a:effectRef>
-          <a:fontRef idx="minor">
-            <a:schemeClr val="lt1"/>
-          </a:fontRef>
-        </p:style>
-        <p:txBody>
-          <a:bodyPr rtlCol="0" anchor="ctr"/>
-          <a:lstStyle/>
-          <a:p>
-            <a:pPr algn="ctr"/>
-            <a:endParaRPr lang="en-GB">
-              <a:solidFill>
-                <a:schemeClr val="tx2"/>
-              </a:solidFill>
-            </a:endParaRPr>
-          </a:p>
-        </p:txBody>
-      </p:sp>
-      <p:sp>
-        <p:nvSpPr>
-          <p:cNvPr id="2" name="Titolo 1">
-            <a:extLst>
-              <a:ext uri="{FF2B5EF4-FFF2-40B4-BE49-F238E27FC236}">
-                <a16:creationId xmlns:a16="http://schemas.microsoft.com/office/drawing/2014/main" id="{9230EBA8-4C20-412A-8D49-CAB1A0E0D737}"/>
-              </a:ext>
-            </a:extLst>
-          </p:cNvPr>
-          <p:cNvSpPr>
-            <a:spLocks noGrp="1"/>
-          </p:cNvSpPr>
-          <p:nvPr>
-            <p:ph type="title"/>
-          </p:nvPr>
-        </p:nvSpPr>
-        <p:spPr>
-          <a:xfrm>
-            <a:off x="1366106" y="136525"/>
-            <a:ext cx="2018539" cy="2371148"/>
-          </a:xfrm>
-          <a:solidFill>
-            <a:schemeClr val="tx2"/>
-          </a:solidFill>
-          <a:ln>
-            <a:solidFill>
-              <a:schemeClr val="tx2"/>
-            </a:solidFill>
-          </a:ln>
-        </p:spPr>
-        <p:txBody>
-          <a:bodyPr vert="horz" lIns="91440" tIns="45720" rIns="91440" bIns="45720" rtlCol="0" anchor="ctr">
-            <a:normAutofit/>
-          </a:bodyPr>
-          <a:lstStyle/>
-          <a:p>
-            <a:r>
-              <a:rPr lang="en-US" sz="3200" b="1" kern="1200" dirty="0">
-                <a:solidFill>
-                  <a:srgbClr val="FFFFFF"/>
-                </a:solidFill>
-                <a:latin typeface="+mj-lt"/>
-                <a:ea typeface="+mj-ea"/>
-                <a:cs typeface="+mj-cs"/>
-              </a:rPr>
-              <a:t>TESTING</a:t>
-            </a:r>
-            <a:r>
-              <a:rPr lang="en-US" sz="3200" kern="1200" dirty="0">
-                <a:solidFill>
-                  <a:srgbClr val="FFFFFF"/>
-                </a:solidFill>
-                <a:latin typeface="+mj-lt"/>
-                <a:ea typeface="+mj-ea"/>
-                <a:cs typeface="+mj-cs"/>
-              </a:rPr>
-              <a:t> </a:t>
-            </a:r>
-            <a:r>
-              <a:rPr lang="en-US" sz="3200" b="1" kern="1200" dirty="0">
-                <a:solidFill>
-                  <a:srgbClr val="FFFFFF"/>
-                </a:solidFill>
-                <a:latin typeface="+mj-lt"/>
-                <a:ea typeface="+mj-ea"/>
-                <a:cs typeface="+mj-cs"/>
-              </a:rPr>
-              <a:t>SYSTEM</a:t>
-            </a:r>
+            <a:endParaRPr lang="en-GB"/>
           </a:p>
         </p:txBody>
       </p:sp>
     </p:spTree>
     <p:extLst>
       <p:ext uri="{BB962C8B-B14F-4D97-AF65-F5344CB8AC3E}">
-        <p14:creationId xmlns:p14="http://schemas.microsoft.com/office/powerpoint/2010/main" val="3402055044"/>
+        <p14:creationId xmlns:p14="http://schemas.microsoft.com/office/powerpoint/2010/main" val="264186129"/>
       </p:ext>
     </p:extLst>
   </p:cSld>
@@ -7026,12 +6604,75 @@
           <a:chExt cx="0" cy="0"/>
         </a:xfrm>
       </p:grpSpPr>
+      <p:sp>
+        <p:nvSpPr>
+          <p:cNvPr id="12" name="Flowchart: Document 11">
+            <a:extLst>
+              <a:ext uri="{FF2B5EF4-FFF2-40B4-BE49-F238E27FC236}">
+                <a16:creationId xmlns:a16="http://schemas.microsoft.com/office/drawing/2014/main" id="{D12DDE76-C203-4047-9998-63900085B5E8}"/>
+              </a:ext>
+              <a:ext uri="{C183D7F6-B498-43B3-948B-1728B52AA6E4}">
+                <adec:decorative xmlns:adec="http://schemas.microsoft.com/office/drawing/2017/decorative" val="1"/>
+              </a:ext>
+            </a:extLst>
+          </p:cNvPr>
+          <p:cNvSpPr>
+            <a:spLocks noGrp="1" noRot="1" noChangeAspect="1" noMove="1" noResize="1" noEditPoints="1" noAdjustHandles="1" noChangeArrowheads="1" noChangeShapeType="1" noTextEdit="1"/>
+          </p:cNvSpPr>
+          <p:nvPr>
+            <p:extLst>
+              <p:ext uri="{386F3935-93C4-4BCD-93E2-E3B085C9AB24}">
+                <p16:designElem xmlns:p16="http://schemas.microsoft.com/office/powerpoint/2015/main" val="1"/>
+              </p:ext>
+            </p:extLst>
+          </p:nvPr>
+        </p:nvSpPr>
+        <p:spPr>
+          <a:xfrm>
+            <a:off x="638175" y="0"/>
+            <a:ext cx="3248025" cy="3400426"/>
+          </a:xfrm>
+          <a:prstGeom prst="flowChartDocument">
+            <a:avLst/>
+          </a:prstGeom>
+          <a:solidFill>
+            <a:srgbClr val="665453"/>
+          </a:solidFill>
+          <a:ln>
+            <a:noFill/>
+          </a:ln>
+        </p:spPr>
+        <p:style>
+          <a:lnRef idx="2">
+            <a:schemeClr val="accent1">
+              <a:shade val="50000"/>
+            </a:schemeClr>
+          </a:lnRef>
+          <a:fillRef idx="1">
+            <a:schemeClr val="accent1"/>
+          </a:fillRef>
+          <a:effectRef idx="0">
+            <a:schemeClr val="accent1"/>
+          </a:effectRef>
+          <a:fontRef idx="minor">
+            <a:schemeClr val="lt1"/>
+          </a:fontRef>
+        </p:style>
+        <p:txBody>
+          <a:bodyPr rtlCol="0" anchor="ctr"/>
+          <a:lstStyle/>
+          <a:p>
+            <a:pPr algn="ctr"/>
+            <a:endParaRPr lang="en-US"/>
+          </a:p>
+        </p:txBody>
+      </p:sp>
       <p:pic>
         <p:nvPicPr>
-          <p:cNvPr id="6" name="Immagine 5" descr="Immagine che contiene testo, mappa&#10;&#10;Descrizione generata automaticamente">
-            <a:extLst>
-              <a:ext uri="{FF2B5EF4-FFF2-40B4-BE49-F238E27FC236}">
-                <a16:creationId xmlns:a16="http://schemas.microsoft.com/office/drawing/2014/main" id="{9A0D6532-ACC6-4C0C-A95D-9D4851321469}"/>
+          <p:cNvPr id="4" name="Immagine 3" descr="Immagine che contiene testo, mappa&#10;&#10;Descrizione generata automaticamente">
+            <a:extLst>
+              <a:ext uri="{FF2B5EF4-FFF2-40B4-BE49-F238E27FC236}">
+                <a16:creationId xmlns:a16="http://schemas.microsoft.com/office/drawing/2014/main" id="{C70C39FA-3DB0-4053-9205-4578EEAC5C3B}"/>
               </a:ext>
             </a:extLst>
           </p:cNvPr>
@@ -7040,7 +6681,7 @@
           </p:cNvPicPr>
           <p:nvPr/>
         </p:nvPicPr>
-        <p:blipFill rotWithShape="1">
+        <p:blipFill>
           <a:blip r:embed="rId3">
             <a:extLst>
               <a:ext uri="{28A0092B-C50C-407E-A947-70E740481C1C}">
@@ -7048,13 +6689,310 @@
               </a:ext>
             </a:extLst>
           </a:blip>
-          <a:srcRect t="1370" r="1" b="1"/>
-          <a:stretch/>
+          <a:stretch>
+            <a:fillRect/>
+          </a:stretch>
         </p:blipFill>
         <p:spPr>
           <a:xfrm>
-            <a:off x="1828801" y="201168"/>
-            <a:ext cx="10248331" cy="6599739"/>
+            <a:off x="4207933" y="876219"/>
+            <a:ext cx="7347537" cy="5106538"/>
+          </a:xfrm>
+          <a:prstGeom prst="rect">
+            <a:avLst/>
+          </a:prstGeom>
+        </p:spPr>
+      </p:pic>
+      <p:sp>
+        <p:nvSpPr>
+          <p:cNvPr id="6" name="Segnaposto piè di pagina 5">
+            <a:extLst>
+              <a:ext uri="{FF2B5EF4-FFF2-40B4-BE49-F238E27FC236}">
+                <a16:creationId xmlns:a16="http://schemas.microsoft.com/office/drawing/2014/main" id="{6B127EFB-4BCA-414B-9598-8EAEE6C6008C}"/>
+              </a:ext>
+            </a:extLst>
+          </p:cNvPr>
+          <p:cNvSpPr>
+            <a:spLocks noGrp="1"/>
+          </p:cNvSpPr>
+          <p:nvPr>
+            <p:ph type="ftr" sz="quarter" idx="11"/>
+          </p:nvPr>
+        </p:nvSpPr>
+        <p:spPr>
+          <a:xfrm>
+            <a:off x="838200" y="6356350"/>
+            <a:ext cx="5960951" cy="365125"/>
+          </a:xfrm>
+          <a:noFill/>
+        </p:spPr>
+        <p:txBody>
+          <a:bodyPr vert="horz" lIns="91440" tIns="45720" rIns="91440" bIns="45720" rtlCol="0" anchor="ctr">
+            <a:normAutofit/>
+          </a:bodyPr>
+          <a:lstStyle/>
+          <a:p>
+            <a:pPr algn="l">
+              <a:spcAft>
+                <a:spcPts val="600"/>
+              </a:spcAft>
+            </a:pPr>
+            <a:r>
+              <a:rPr lang="en-US" kern="1200">
+                <a:solidFill>
+                  <a:schemeClr val="tx1">
+                    <a:tint val="75000"/>
+                  </a:schemeClr>
+                </a:solidFill>
+                <a:latin typeface="+mn-lt"/>
+                <a:ea typeface="+mn-ea"/>
+                <a:cs typeface="+mn-cs"/>
+              </a:rPr>
+              <a:t>A. Le Caldare, E. Sassu, E. Scarselli</a:t>
+            </a:r>
+          </a:p>
+        </p:txBody>
+      </p:sp>
+      <p:sp>
+        <p:nvSpPr>
+          <p:cNvPr id="7" name="Segnaposto numero diapositiva 6">
+            <a:extLst>
+              <a:ext uri="{FF2B5EF4-FFF2-40B4-BE49-F238E27FC236}">
+                <a16:creationId xmlns:a16="http://schemas.microsoft.com/office/drawing/2014/main" id="{A85974FC-8904-43F2-A4EC-EAA5CF6A5B4F}"/>
+              </a:ext>
+            </a:extLst>
+          </p:cNvPr>
+          <p:cNvSpPr>
+            <a:spLocks noGrp="1"/>
+          </p:cNvSpPr>
+          <p:nvPr>
+            <p:ph type="sldNum" sz="quarter" idx="12"/>
+          </p:nvPr>
+        </p:nvSpPr>
+        <p:spPr>
+          <a:xfrm>
+            <a:off x="10926476" y="6356350"/>
+            <a:ext cx="625443" cy="365125"/>
+          </a:xfrm>
+          <a:noFill/>
+        </p:spPr>
+        <p:txBody>
+          <a:bodyPr vert="horz" lIns="91440" tIns="45720" rIns="91440" bIns="45720" rtlCol="0" anchor="ctr">
+            <a:normAutofit/>
+          </a:bodyPr>
+          <a:lstStyle/>
+          <a:p>
+            <a:pPr algn="l">
+              <a:spcAft>
+                <a:spcPts val="600"/>
+              </a:spcAft>
+            </a:pPr>
+            <a:fld id="{5BB7E168-F539-4513-AD44-F276B24E7DDF}" type="slidenum">
+              <a:rPr lang="en-US" smtClean="0"/>
+              <a:pPr algn="l">
+                <a:spcAft>
+                  <a:spcPts val="600"/>
+                </a:spcAft>
+              </a:pPr>
+              <a:t>13</a:t>
+            </a:fld>
+            <a:endParaRPr lang="en-US"/>
+          </a:p>
+        </p:txBody>
+      </p:sp>
+      <p:sp>
+        <p:nvSpPr>
+          <p:cNvPr id="3" name="Documento 2">
+            <a:extLst>
+              <a:ext uri="{FF2B5EF4-FFF2-40B4-BE49-F238E27FC236}">
+                <a16:creationId xmlns:a16="http://schemas.microsoft.com/office/drawing/2014/main" id="{34296573-DA25-4154-B2A0-EC503C6C7DB9}"/>
+              </a:ext>
+            </a:extLst>
+          </p:cNvPr>
+          <p:cNvSpPr/>
+          <p:nvPr/>
+        </p:nvSpPr>
+        <p:spPr>
+          <a:xfrm>
+            <a:off x="636530" y="0"/>
+            <a:ext cx="3248025" cy="3400426"/>
+          </a:xfrm>
+          <a:prstGeom prst="flowChartDocument">
+            <a:avLst/>
+          </a:prstGeom>
+          <a:solidFill>
+            <a:schemeClr val="tx2"/>
+          </a:solidFill>
+        </p:spPr>
+        <p:style>
+          <a:lnRef idx="2">
+            <a:schemeClr val="accent1">
+              <a:shade val="50000"/>
+            </a:schemeClr>
+          </a:lnRef>
+          <a:fillRef idx="1">
+            <a:schemeClr val="accent1"/>
+          </a:fillRef>
+          <a:effectRef idx="0">
+            <a:schemeClr val="accent1"/>
+          </a:effectRef>
+          <a:fontRef idx="minor">
+            <a:schemeClr val="lt1"/>
+          </a:fontRef>
+        </p:style>
+        <p:txBody>
+          <a:bodyPr rtlCol="0" anchor="ctr"/>
+          <a:lstStyle/>
+          <a:p>
+            <a:pPr algn="ctr"/>
+            <a:endParaRPr lang="en-GB">
+              <a:solidFill>
+                <a:schemeClr val="tx2"/>
+              </a:solidFill>
+            </a:endParaRPr>
+          </a:p>
+        </p:txBody>
+      </p:sp>
+      <p:sp>
+        <p:nvSpPr>
+          <p:cNvPr id="2" name="Titolo 1">
+            <a:extLst>
+              <a:ext uri="{FF2B5EF4-FFF2-40B4-BE49-F238E27FC236}">
+                <a16:creationId xmlns:a16="http://schemas.microsoft.com/office/drawing/2014/main" id="{9230EBA8-4C20-412A-8D49-CAB1A0E0D737}"/>
+              </a:ext>
+            </a:extLst>
+          </p:cNvPr>
+          <p:cNvSpPr>
+            <a:spLocks noGrp="1"/>
+          </p:cNvSpPr>
+          <p:nvPr>
+            <p:ph type="title"/>
+          </p:nvPr>
+        </p:nvSpPr>
+        <p:spPr>
+          <a:xfrm>
+            <a:off x="1366106" y="136525"/>
+            <a:ext cx="2018539" cy="2371148"/>
+          </a:xfrm>
+          <a:solidFill>
+            <a:schemeClr val="tx2"/>
+          </a:solidFill>
+          <a:ln>
+            <a:solidFill>
+              <a:schemeClr val="tx2"/>
+            </a:solidFill>
+          </a:ln>
+        </p:spPr>
+        <p:txBody>
+          <a:bodyPr vert="horz" lIns="91440" tIns="45720" rIns="91440" bIns="45720" rtlCol="0" anchor="ctr">
+            <a:normAutofit/>
+          </a:bodyPr>
+          <a:lstStyle/>
+          <a:p>
+            <a:r>
+              <a:rPr lang="en-GB" sz="3200" b="1" kern="1200" noProof="0" dirty="0">
+                <a:solidFill>
+                  <a:srgbClr val="FFFFFF"/>
+                </a:solidFill>
+                <a:latin typeface="+mj-lt"/>
+                <a:ea typeface="+mj-ea"/>
+                <a:cs typeface="+mj-cs"/>
+              </a:rPr>
+              <a:t>TESTING</a:t>
+            </a:r>
+            <a:r>
+              <a:rPr lang="en-GB" sz="3200" kern="1200" noProof="0" dirty="0">
+                <a:solidFill>
+                  <a:srgbClr val="FFFFFF"/>
+                </a:solidFill>
+                <a:latin typeface="+mj-lt"/>
+                <a:ea typeface="+mj-ea"/>
+                <a:cs typeface="+mj-cs"/>
+              </a:rPr>
+              <a:t> </a:t>
+            </a:r>
+            <a:r>
+              <a:rPr lang="en-GB" sz="3200" b="1" kern="1200" noProof="0" dirty="0">
+                <a:solidFill>
+                  <a:srgbClr val="FFFFFF"/>
+                </a:solidFill>
+                <a:latin typeface="+mj-lt"/>
+                <a:ea typeface="+mj-ea"/>
+                <a:cs typeface="+mj-cs"/>
+              </a:rPr>
+              <a:t>MODEL</a:t>
+            </a:r>
+          </a:p>
+        </p:txBody>
+      </p:sp>
+    </p:spTree>
+    <p:extLst>
+      <p:ext uri="{BB962C8B-B14F-4D97-AF65-F5344CB8AC3E}">
+        <p14:creationId xmlns:p14="http://schemas.microsoft.com/office/powerpoint/2010/main" val="3402055044"/>
+      </p:ext>
+    </p:extLst>
+  </p:cSld>
+  <p:clrMapOvr>
+    <a:masterClrMapping/>
+  </p:clrMapOvr>
+</p:sld>
+</file>
+
+<file path=ppt/slides/slide14.xml><?xml version="1.0" encoding="utf-8"?>
+<p:sld xmlns:a="http://schemas.openxmlformats.org/drawingml/2006/main" xmlns:r="http://schemas.openxmlformats.org/officeDocument/2006/relationships" xmlns:p="http://schemas.openxmlformats.org/presentationml/2006/main">
+  <p:cSld>
+    <p:bg>
+      <p:bgPr>
+        <a:solidFill>
+          <a:schemeClr val="bg1"/>
+        </a:solidFill>
+        <a:effectLst/>
+      </p:bgPr>
+    </p:bg>
+    <p:spTree>
+      <p:nvGrpSpPr>
+        <p:cNvPr id="1" name=""/>
+        <p:cNvGrpSpPr/>
+        <p:nvPr/>
+      </p:nvGrpSpPr>
+      <p:grpSpPr>
+        <a:xfrm>
+          <a:off x="0" y="0"/>
+          <a:ext cx="0" cy="0"/>
+          <a:chOff x="0" y="0"/>
+          <a:chExt cx="0" cy="0"/>
+        </a:xfrm>
+      </p:grpSpPr>
+      <p:pic>
+        <p:nvPicPr>
+          <p:cNvPr id="9" name="Immagine 8" descr="Immagine che contiene testo, mappa&#10;&#10;Descrizione generata automaticamente">
+            <a:extLst>
+              <a:ext uri="{FF2B5EF4-FFF2-40B4-BE49-F238E27FC236}">
+                <a16:creationId xmlns:a16="http://schemas.microsoft.com/office/drawing/2014/main" id="{4D3089B7-8C5C-40AC-9BD2-35F7B1F441E3}"/>
+              </a:ext>
+            </a:extLst>
+          </p:cNvPr>
+          <p:cNvPicPr>
+            <a:picLocks noChangeAspect="1"/>
+          </p:cNvPicPr>
+          <p:nvPr/>
+        </p:nvPicPr>
+        <p:blipFill>
+          <a:blip r:embed="rId3">
+            <a:extLst>
+              <a:ext uri="{28A0092B-C50C-407E-A947-70E740481C1C}">
+                <a14:useLocalDpi xmlns:a14="http://schemas.microsoft.com/office/drawing/2010/main" val="0"/>
+              </a:ext>
+            </a:extLst>
+          </a:blip>
+          <a:stretch>
+            <a:fillRect/>
+          </a:stretch>
+        </p:blipFill>
+        <p:spPr>
+          <a:xfrm>
+            <a:off x="4207933" y="876219"/>
+            <a:ext cx="7347537" cy="5106538"/>
           </a:xfrm>
           <a:prstGeom prst="rect">
             <a:avLst/>
@@ -7482,8 +7420,8 @@
         </p:nvSpPr>
         <p:spPr>
           <a:xfrm>
-            <a:off x="750242" y="2489098"/>
-            <a:ext cx="4836504" cy="3780267"/>
+            <a:off x="750242" y="1610903"/>
+            <a:ext cx="4062643" cy="3780267"/>
           </a:xfrm>
           <a:prstGeom prst="rect">
             <a:avLst/>
@@ -7659,65 +7597,70 @@
           </a:lstStyle>
           <a:p>
             <a:r>
-              <a:rPr lang="it-IT" sz="2400" dirty="0" err="1"/>
-              <a:t>Bots</a:t>
-            </a:r>
-            <a:r>
-              <a:rPr lang="en-GB" sz="2400" dirty="0"/>
-              <a:t> </a:t>
-            </a:r>
-            <a:r>
-              <a:rPr lang="en-GB" sz="2400" b="1" dirty="0"/>
-              <a:t>continuously request </a:t>
-            </a:r>
-            <a:r>
-              <a:rPr lang="en-GB" sz="2400" dirty="0"/>
-              <a:t>an HTTP connection to the server.</a:t>
-            </a:r>
-            <a:endParaRPr lang="it-IT" sz="2400" dirty="0"/>
-          </a:p>
-          <a:p>
-            <a:r>
-              <a:rPr lang="it-IT" sz="2400" dirty="0"/>
-              <a:t>Clients send </a:t>
-            </a:r>
-            <a:r>
-              <a:rPr lang="it-IT" sz="2400" b="1" dirty="0" err="1"/>
-              <a:t>periodic</a:t>
-            </a:r>
-            <a:r>
-              <a:rPr lang="it-IT" sz="2400" b="1" dirty="0"/>
-              <a:t> </a:t>
-            </a:r>
-            <a:r>
-              <a:rPr lang="it-IT" sz="2400" b="1" dirty="0" err="1"/>
-              <a:t>requests</a:t>
-            </a:r>
-            <a:r>
-              <a:rPr lang="it-IT" sz="2400" dirty="0"/>
-              <a:t>.</a:t>
-            </a:r>
-          </a:p>
-          <a:p>
-            <a:r>
-              <a:rPr lang="it-IT" sz="2400" dirty="0"/>
-              <a:t>The server </a:t>
-            </a:r>
-            <a:r>
-              <a:rPr lang="it-IT" sz="2400" dirty="0" err="1"/>
-              <a:t>is</a:t>
-            </a:r>
-            <a:r>
-              <a:rPr lang="it-IT" sz="2400" dirty="0"/>
-              <a:t> </a:t>
-            </a:r>
-            <a:r>
-              <a:rPr lang="it-IT" sz="2400" b="1" dirty="0" err="1"/>
-              <a:t>multithreaded</a:t>
-            </a:r>
-            <a:r>
-              <a:rPr lang="it-IT" sz="2400" dirty="0"/>
-              <a:t>.</a:t>
+              <a:rPr lang="en-US" sz="2400" dirty="0"/>
+              <a:t>3 Clients and 8 Bots</a:t>
+            </a:r>
+          </a:p>
+          <a:p>
+            <a:pPr lvl="1"/>
+            <a:r>
+              <a:rPr lang="en-US" sz="2000" dirty="0"/>
+              <a:t>Simulated with </a:t>
+            </a:r>
+            <a:r>
+              <a:rPr lang="en-US" sz="2000" i="1" dirty="0"/>
+              <a:t>start_client.sh </a:t>
+            </a:r>
+            <a:r>
+              <a:rPr lang="en-US" sz="2000" dirty="0"/>
+              <a:t>and</a:t>
+            </a:r>
+            <a:r>
+              <a:rPr lang="en-US" sz="2000" i="1" dirty="0"/>
+              <a:t> start_bot.sh</a:t>
+            </a:r>
+            <a:r>
+              <a:rPr lang="en-US" sz="2000" dirty="0"/>
+              <a:t>, using raw </a:t>
+            </a:r>
+            <a:r>
+              <a:rPr lang="en-US" sz="2000" i="1" dirty="0" err="1"/>
+              <a:t>netcat</a:t>
+            </a:r>
+            <a:endParaRPr lang="en-US" sz="1600" dirty="0"/>
+          </a:p>
+          <a:p>
+            <a:r>
+              <a:rPr lang="en-US" sz="2400" dirty="0"/>
+              <a:t>1 HTTP Server</a:t>
+            </a:r>
+          </a:p>
+          <a:p>
+            <a:pPr lvl="1"/>
+            <a:r>
+              <a:rPr lang="en-US" sz="2000" dirty="0"/>
+              <a:t>Implemented in Python</a:t>
+            </a:r>
+          </a:p>
+          <a:p>
+            <a:pPr lvl="1"/>
+            <a:r>
+              <a:rPr lang="en-US" sz="2000" dirty="0"/>
+              <a:t>Multithreaded</a:t>
+            </a:r>
+          </a:p>
+          <a:p>
+            <a:pPr lvl="1"/>
+            <a:r>
+              <a:rPr lang="en-US" sz="2000" dirty="0"/>
+              <a:t>will perform both forward</a:t>
+            </a:r>
+            <a:br>
+              <a:rPr lang="en-US" sz="2000" dirty="0"/>
+            </a:br>
+            <a:r>
+              <a:rPr lang="en-US" sz="2000" dirty="0"/>
+              <a:t>and normal servicing</a:t>
             </a:r>
           </a:p>
         </p:txBody>
@@ -8012,7 +7955,7 @@
                   <a:spcPts val="600"/>
                 </a:spcAft>
               </a:pPr>
-              <a:t>13</a:t>
+              <a:t>14</a:t>
             </a:fld>
             <a:endParaRPr lang="en-GB" sz="1500">
               <a:solidFill>
@@ -8025,7 +7968,7 @@
     </p:spTree>
     <p:extLst>
       <p:ext uri="{BB962C8B-B14F-4D97-AF65-F5344CB8AC3E}">
-        <p14:creationId xmlns:p14="http://schemas.microsoft.com/office/powerpoint/2010/main" val="2924522011"/>
+        <p14:creationId xmlns:p14="http://schemas.microsoft.com/office/powerpoint/2010/main" val="347901962"/>
       </p:ext>
     </p:extLst>
   </p:cSld>
@@ -8035,7 +7978,7 @@
 </p:sld>
 </file>
 
-<file path=ppt/slides/slide14.xml><?xml version="1.0" encoding="utf-8"?>
+<file path=ppt/slides/slide15.xml><?xml version="1.0" encoding="utf-8"?>
 <p:sld xmlns:a="http://schemas.openxmlformats.org/drawingml/2006/main" xmlns:r="http://schemas.openxmlformats.org/officeDocument/2006/relationships" xmlns:p="http://schemas.openxmlformats.org/presentationml/2006/main">
   <p:cSld>
     <p:bg>
@@ -8060,41 +8003,6 @@
           <a:chExt cx="0" cy="0"/>
         </a:xfrm>
       </p:grpSpPr>
-      <p:pic>
-        <p:nvPicPr>
-          <p:cNvPr id="6" name="Immagine 5" descr="Immagine che contiene testo, mappa&#10;&#10;Descrizione generata automaticamente">
-            <a:extLst>
-              <a:ext uri="{FF2B5EF4-FFF2-40B4-BE49-F238E27FC236}">
-                <a16:creationId xmlns:a16="http://schemas.microsoft.com/office/drawing/2014/main" id="{9A0D6532-ACC6-4C0C-A95D-9D4851321469}"/>
-              </a:ext>
-            </a:extLst>
-          </p:cNvPr>
-          <p:cNvPicPr>
-            <a:picLocks noChangeAspect="1"/>
-          </p:cNvPicPr>
-          <p:nvPr/>
-        </p:nvPicPr>
-        <p:blipFill rotWithShape="1">
-          <a:blip r:embed="rId3">
-            <a:extLst>
-              <a:ext uri="{28A0092B-C50C-407E-A947-70E740481C1C}">
-                <a14:useLocalDpi xmlns:a14="http://schemas.microsoft.com/office/drawing/2010/main" val="0"/>
-              </a:ext>
-            </a:extLst>
-          </a:blip>
-          <a:srcRect t="1370" r="1" b="1"/>
-          <a:stretch/>
-        </p:blipFill>
-        <p:spPr>
-          <a:xfrm>
-            <a:off x="1828801" y="201168"/>
-            <a:ext cx="10248331" cy="6599739"/>
-          </a:xfrm>
-          <a:prstGeom prst="rect">
-            <a:avLst/>
-          </a:prstGeom>
-        </p:spPr>
-      </p:pic>
       <p:sp>
         <p:nvSpPr>
           <p:cNvPr id="22" name="Freeform: Shape 18">
@@ -8516,8 +8424,8 @@
         </p:nvSpPr>
         <p:spPr>
           <a:xfrm>
-            <a:off x="750242" y="2489098"/>
-            <a:ext cx="3924116" cy="3780267"/>
+            <a:off x="750242" y="1610903"/>
+            <a:ext cx="4583758" cy="3780267"/>
           </a:xfrm>
           <a:prstGeom prst="rect">
             <a:avLst/>
@@ -8693,75 +8601,56 @@
           </a:lstStyle>
           <a:p>
             <a:r>
-              <a:rPr lang="it-IT" dirty="0"/>
-              <a:t>When the server </a:t>
-            </a:r>
-            <a:r>
-              <a:rPr lang="it-IT" dirty="0" err="1"/>
-              <a:t>is</a:t>
-            </a:r>
-            <a:r>
-              <a:rPr lang="it-IT" dirty="0"/>
+              <a:rPr lang="it-IT" sz="2400" dirty="0"/>
+              <a:t>Clients and </a:t>
+            </a:r>
+            <a:r>
+              <a:rPr lang="it-IT" sz="2400" dirty="0" err="1"/>
+              <a:t>Bots</a:t>
+            </a:r>
+            <a:r>
+              <a:rPr lang="en-GB" sz="2400" dirty="0"/>
               <a:t> </a:t>
             </a:r>
             <a:r>
-              <a:rPr lang="it-IT" b="1" dirty="0"/>
-              <a:t>under </a:t>
-            </a:r>
-            <a:r>
-              <a:rPr lang="it-IT" b="1" dirty="0" err="1"/>
-              <a:t>attack</a:t>
-            </a:r>
-            <a:r>
-              <a:rPr lang="it-IT" dirty="0"/>
-              <a:t>:</a:t>
+              <a:rPr lang="en-GB" sz="2400" b="1" dirty="0"/>
+              <a:t>continuously request </a:t>
+            </a:r>
+            <a:r>
+              <a:rPr lang="en-GB" sz="2400" dirty="0"/>
+              <a:t>an HTTP connection to the server, however:</a:t>
             </a:r>
           </a:p>
           <a:p>
             <a:pPr lvl="1"/>
             <a:r>
-              <a:rPr lang="it-IT" dirty="0"/>
-              <a:t>it </a:t>
-            </a:r>
-            <a:r>
-              <a:rPr lang="it-IT" b="1" dirty="0" err="1"/>
-              <a:t>changes</a:t>
-            </a:r>
-            <a:r>
-              <a:rPr lang="it-IT" b="1" dirty="0"/>
-              <a:t> its address</a:t>
-            </a:r>
-            <a:r>
-              <a:rPr lang="it-IT" dirty="0"/>
-              <a:t>;</a:t>
+              <a:rPr lang="en-GB" sz="2000" dirty="0"/>
+              <a:t>Clients </a:t>
+            </a:r>
+            <a:r>
+              <a:rPr lang="en-GB" sz="2000" b="1" dirty="0"/>
+              <a:t>can solve CAPTCHAs </a:t>
+            </a:r>
+            <a:r>
+              <a:rPr lang="en-GB" sz="2000" dirty="0"/>
+              <a:t>and get forwarded to the </a:t>
+            </a:r>
+            <a:r>
+              <a:rPr lang="en-GB" sz="2000" b="1" dirty="0"/>
+              <a:t>new server address</a:t>
             </a:r>
           </a:p>
           <a:p>
             <a:pPr lvl="1"/>
             <a:r>
-              <a:rPr lang="it-IT" dirty="0"/>
-              <a:t>It </a:t>
-            </a:r>
-            <a:r>
-              <a:rPr lang="it-IT" b="1" dirty="0" err="1"/>
-              <a:t>notifies</a:t>
-            </a:r>
-            <a:r>
-              <a:rPr lang="it-IT" b="1" dirty="0"/>
-              <a:t> the Controller </a:t>
-            </a:r>
-            <a:r>
-              <a:rPr lang="it-IT" dirty="0"/>
-              <a:t>about the </a:t>
-            </a:r>
-            <a:r>
-              <a:rPr lang="it-IT" dirty="0" err="1"/>
-              <a:t>attack</a:t>
-            </a:r>
-            <a:r>
-              <a:rPr lang="it-IT" dirty="0"/>
-              <a:t>.  </a:t>
-            </a:r>
+              <a:rPr lang="en-GB" sz="2000" dirty="0"/>
+              <a:t>Bots, instead, will not be able to solve the problem and will keep doing requests on </a:t>
+            </a:r>
+            <a:r>
+              <a:rPr lang="en-GB" sz="2000" b="1" dirty="0"/>
+              <a:t>old server address</a:t>
+            </a:r>
+            <a:endParaRPr lang="it-IT" sz="2000" b="1" dirty="0"/>
           </a:p>
         </p:txBody>
       </p:sp>
@@ -9055,7 +8944,7 @@
                   <a:spcPts val="600"/>
                 </a:spcAft>
               </a:pPr>
-              <a:t>14</a:t>
+              <a:t>15</a:t>
             </a:fld>
             <a:endParaRPr lang="en-GB" sz="1500">
               <a:solidFill>
@@ -9065,10 +8954,46 @@
           </a:p>
         </p:txBody>
       </p:sp>
+      <p:pic>
+        <p:nvPicPr>
+          <p:cNvPr id="3" name="Immagine 2">
+            <a:extLst>
+              <a:ext uri="{FF2B5EF4-FFF2-40B4-BE49-F238E27FC236}">
+                <a16:creationId xmlns:a16="http://schemas.microsoft.com/office/drawing/2014/main" id="{3AE848C2-2ED1-4DA8-B20E-C9915BA47C6D}"/>
+              </a:ext>
+            </a:extLst>
+          </p:cNvPr>
+          <p:cNvPicPr>
+            <a:picLocks noChangeAspect="1"/>
+          </p:cNvPicPr>
+          <p:nvPr/>
+        </p:nvPicPr>
+        <p:blipFill>
+          <a:blip r:embed="rId3">
+            <a:extLst>
+              <a:ext uri="{28A0092B-C50C-407E-A947-70E740481C1C}">
+                <a14:useLocalDpi xmlns:a14="http://schemas.microsoft.com/office/drawing/2010/main" val="0"/>
+              </a:ext>
+            </a:extLst>
+          </a:blip>
+          <a:stretch>
+            <a:fillRect/>
+          </a:stretch>
+        </p:blipFill>
+        <p:spPr>
+          <a:xfrm>
+            <a:off x="6009510" y="1154694"/>
+            <a:ext cx="5539361" cy="4259965"/>
+          </a:xfrm>
+          <a:prstGeom prst="rect">
+            <a:avLst/>
+          </a:prstGeom>
+        </p:spPr>
+      </p:pic>
     </p:spTree>
     <p:extLst>
       <p:ext uri="{BB962C8B-B14F-4D97-AF65-F5344CB8AC3E}">
-        <p14:creationId xmlns:p14="http://schemas.microsoft.com/office/powerpoint/2010/main" val="1995289489"/>
+        <p14:creationId xmlns:p14="http://schemas.microsoft.com/office/powerpoint/2010/main" val="2924522011"/>
       </p:ext>
     </p:extLst>
   </p:cSld>
@@ -9078,7 +9003,7 @@
 </p:sld>
 </file>
 
-<file path=ppt/slides/slide15.xml><?xml version="1.0" encoding="utf-8"?>
+<file path=ppt/slides/slide16.xml><?xml version="1.0" encoding="utf-8"?>
 <p:sld xmlns:a="http://schemas.openxmlformats.org/drawingml/2006/main" xmlns:r="http://schemas.openxmlformats.org/officeDocument/2006/relationships" xmlns:p="http://schemas.openxmlformats.org/presentationml/2006/main">
   <p:cSld>
     <p:bg>
@@ -9103,41 +9028,6 @@
           <a:chExt cx="0" cy="0"/>
         </a:xfrm>
       </p:grpSpPr>
-      <p:pic>
-        <p:nvPicPr>
-          <p:cNvPr id="6" name="Immagine 5" descr="Immagine che contiene testo, mappa&#10;&#10;Descrizione generata automaticamente">
-            <a:extLst>
-              <a:ext uri="{FF2B5EF4-FFF2-40B4-BE49-F238E27FC236}">
-                <a16:creationId xmlns:a16="http://schemas.microsoft.com/office/drawing/2014/main" id="{9A0D6532-ACC6-4C0C-A95D-9D4851321469}"/>
-              </a:ext>
-            </a:extLst>
-          </p:cNvPr>
-          <p:cNvPicPr>
-            <a:picLocks noChangeAspect="1"/>
-          </p:cNvPicPr>
-          <p:nvPr/>
-        </p:nvPicPr>
-        <p:blipFill rotWithShape="1">
-          <a:blip r:embed="rId3">
-            <a:extLst>
-              <a:ext uri="{28A0092B-C50C-407E-A947-70E740481C1C}">
-                <a14:useLocalDpi xmlns:a14="http://schemas.microsoft.com/office/drawing/2010/main" val="0"/>
-              </a:ext>
-            </a:extLst>
-          </a:blip>
-          <a:srcRect t="1370" r="1" b="1"/>
-          <a:stretch/>
-        </p:blipFill>
-        <p:spPr>
-          <a:xfrm>
-            <a:off x="1828801" y="201168"/>
-            <a:ext cx="10248331" cy="6599739"/>
-          </a:xfrm>
-          <a:prstGeom prst="rect">
-            <a:avLst/>
-          </a:prstGeom>
-        </p:spPr>
-      </p:pic>
       <p:sp>
         <p:nvSpPr>
           <p:cNvPr id="22" name="Freeform: Shape 18">
@@ -9559,8 +9449,8 @@
         </p:nvSpPr>
         <p:spPr>
           <a:xfrm>
-            <a:off x="750242" y="2489098"/>
-            <a:ext cx="3924116" cy="3780267"/>
+            <a:off x="736388" y="1676399"/>
+            <a:ext cx="6135467" cy="4416481"/>
           </a:xfrm>
           <a:prstGeom prst="rect">
             <a:avLst/>
@@ -9736,32 +9626,91 @@
           </a:lstStyle>
           <a:p>
             <a:r>
-              <a:rPr lang="en-GB" dirty="0"/>
-              <a:t>When the server </a:t>
-            </a:r>
-            <a:r>
-              <a:rPr lang="en-GB" b="1" dirty="0"/>
-              <a:t>changes address</a:t>
-            </a:r>
-            <a:r>
-              <a:rPr lang="en-GB" dirty="0"/>
+              <a:rPr lang="en-US" sz="2400" dirty="0"/>
+              <a:t>When the server is </a:t>
+            </a:r>
+            <a:r>
+              <a:rPr lang="en-US" sz="2400" b="1" dirty="0"/>
+              <a:t>under attack</a:t>
+            </a:r>
+            <a:r>
+              <a:rPr lang="en-US" sz="2400" dirty="0"/>
               <a:t>:</a:t>
             </a:r>
           </a:p>
           <a:p>
             <a:pPr lvl="1"/>
             <a:r>
-              <a:rPr lang="en-GB" dirty="0"/>
-              <a:t>Clients can forward to the new server address,</a:t>
+              <a:rPr lang="en-US" sz="2000" dirty="0"/>
+              <a:t>it </a:t>
+            </a:r>
+            <a:r>
+              <a:rPr lang="en-US" sz="2000" b="1" dirty="0"/>
+              <a:t>notifies the Controller </a:t>
+            </a:r>
+            <a:r>
+              <a:rPr lang="en-US" sz="2000" dirty="0"/>
+              <a:t>to enable the protection using REST Interface</a:t>
             </a:r>
           </a:p>
           <a:p>
             <a:pPr lvl="1"/>
             <a:r>
-              <a:rPr lang="en-GB" dirty="0"/>
-              <a:t>Bots can’t switch to the new address.</a:t>
-            </a:r>
-            <a:endParaRPr lang="it-IT" dirty="0"/>
+              <a:rPr lang="en-US" sz="2000" dirty="0"/>
+              <a:t>it </a:t>
+            </a:r>
+            <a:r>
+              <a:rPr lang="en-US" sz="2000" b="1" dirty="0"/>
+              <a:t>changes its address </a:t>
+            </a:r>
+            <a:r>
+              <a:rPr lang="en-US" sz="2000" dirty="0"/>
+              <a:t>to the one provided by the Controller</a:t>
+            </a:r>
+          </a:p>
+          <a:p>
+            <a:pPr lvl="1"/>
+            <a:r>
+              <a:rPr lang="en-US" sz="2000" dirty="0"/>
+              <a:t>it </a:t>
+            </a:r>
+            <a:r>
+              <a:rPr lang="en-US" sz="2000" b="1" dirty="0"/>
+              <a:t>keeps the old address</a:t>
+            </a:r>
+            <a:r>
+              <a:rPr lang="en-US" sz="2000" dirty="0"/>
+              <a:t>, where it will perform </a:t>
+            </a:r>
+            <a:r>
+              <a:rPr lang="en-US" sz="2000" b="1" dirty="0"/>
+              <a:t>CAPTCHA forward </a:t>
+            </a:r>
+            <a:r>
+              <a:rPr lang="en-US" sz="2000" dirty="0"/>
+              <a:t>to the new address</a:t>
+            </a:r>
+          </a:p>
+          <a:p>
+            <a:r>
+              <a:rPr lang="en-US" sz="2400" dirty="0"/>
+              <a:t>In our implementation, both forwarding and normal services are hosted on the same machine</a:t>
+            </a:r>
+          </a:p>
+          <a:p>
+            <a:pPr lvl="1"/>
+            <a:r>
+              <a:rPr lang="en-US" sz="2000" dirty="0"/>
+              <a:t>However </a:t>
+            </a:r>
+            <a:r>
+              <a:rPr lang="en-US" sz="2000" i="1" dirty="0" err="1"/>
+              <a:t>DDoSDefence</a:t>
+            </a:r>
+            <a:r>
+              <a:rPr lang="en-US" sz="2000" dirty="0"/>
+              <a:t> Controller implementation can work also with multiple machines</a:t>
+            </a:r>
           </a:p>
         </p:txBody>
       </p:sp>
@@ -10055,7 +10004,7 @@
                   <a:spcPts val="600"/>
                 </a:spcAft>
               </a:pPr>
-              <a:t>15</a:t>
+              <a:t>16</a:t>
             </a:fld>
             <a:endParaRPr lang="en-GB" sz="1500">
               <a:solidFill>
@@ -10065,10 +10014,46 @@
           </a:p>
         </p:txBody>
       </p:sp>
+      <p:pic>
+        <p:nvPicPr>
+          <p:cNvPr id="3" name="Immagine 2">
+            <a:extLst>
+              <a:ext uri="{FF2B5EF4-FFF2-40B4-BE49-F238E27FC236}">
+                <a16:creationId xmlns:a16="http://schemas.microsoft.com/office/drawing/2014/main" id="{5F8DA2AE-AC06-4C1D-9762-8398B0F4BFD1}"/>
+              </a:ext>
+            </a:extLst>
+          </p:cNvPr>
+          <p:cNvPicPr>
+            <a:picLocks noChangeAspect="1"/>
+          </p:cNvPicPr>
+          <p:nvPr/>
+        </p:nvPicPr>
+        <p:blipFill>
+          <a:blip r:embed="rId3">
+            <a:extLst>
+              <a:ext uri="{28A0092B-C50C-407E-A947-70E740481C1C}">
+                <a14:useLocalDpi xmlns:a14="http://schemas.microsoft.com/office/drawing/2010/main" val="0"/>
+              </a:ext>
+            </a:extLst>
+          </a:blip>
+          <a:stretch>
+            <a:fillRect/>
+          </a:stretch>
+        </p:blipFill>
+        <p:spPr>
+          <a:xfrm>
+            <a:off x="7228914" y="959849"/>
+            <a:ext cx="3771318" cy="4598107"/>
+          </a:xfrm>
+          <a:prstGeom prst="rect">
+            <a:avLst/>
+          </a:prstGeom>
+        </p:spPr>
+      </p:pic>
     </p:spTree>
     <p:extLst>
       <p:ext uri="{BB962C8B-B14F-4D97-AF65-F5344CB8AC3E}">
-        <p14:creationId xmlns:p14="http://schemas.microsoft.com/office/powerpoint/2010/main" val="1690088265"/>
+        <p14:creationId xmlns:p14="http://schemas.microsoft.com/office/powerpoint/2010/main" val="1995289489"/>
       </p:ext>
     </p:extLst>
   </p:cSld>
@@ -10078,7 +10063,7 @@
 </p:sld>
 </file>
 
-<file path=ppt/slides/slide16.xml><?xml version="1.0" encoding="utf-8"?>
+<file path=ppt/slides/slide17.xml><?xml version="1.0" encoding="utf-8"?>
 <p:sld xmlns:a="http://schemas.openxmlformats.org/drawingml/2006/main" xmlns:r="http://schemas.openxmlformats.org/officeDocument/2006/relationships" xmlns:p="http://schemas.openxmlformats.org/presentationml/2006/main">
   <p:cSld>
     <p:bg>
@@ -10103,41 +10088,6 @@
           <a:chExt cx="0" cy="0"/>
         </a:xfrm>
       </p:grpSpPr>
-      <p:pic>
-        <p:nvPicPr>
-          <p:cNvPr id="6" name="Immagine 5" descr="Immagine che contiene testo, mappa&#10;&#10;Descrizione generata automaticamente">
-            <a:extLst>
-              <a:ext uri="{FF2B5EF4-FFF2-40B4-BE49-F238E27FC236}">
-                <a16:creationId xmlns:a16="http://schemas.microsoft.com/office/drawing/2014/main" id="{9A0D6532-ACC6-4C0C-A95D-9D4851321469}"/>
-              </a:ext>
-            </a:extLst>
-          </p:cNvPr>
-          <p:cNvPicPr>
-            <a:picLocks noChangeAspect="1"/>
-          </p:cNvPicPr>
-          <p:nvPr/>
-        </p:nvPicPr>
-        <p:blipFill rotWithShape="1">
-          <a:blip r:embed="rId3">
-            <a:extLst>
-              <a:ext uri="{28A0092B-C50C-407E-A947-70E740481C1C}">
-                <a14:useLocalDpi xmlns:a14="http://schemas.microsoft.com/office/drawing/2010/main" val="0"/>
-              </a:ext>
-            </a:extLst>
-          </a:blip>
-          <a:srcRect t="1370" r="1" b="1"/>
-          <a:stretch/>
-        </p:blipFill>
-        <p:spPr>
-          <a:xfrm>
-            <a:off x="1828801" y="201168"/>
-            <a:ext cx="10248331" cy="6599739"/>
-          </a:xfrm>
-          <a:prstGeom prst="rect">
-            <a:avLst/>
-          </a:prstGeom>
-        </p:spPr>
-      </p:pic>
       <p:sp>
         <p:nvSpPr>
           <p:cNvPr id="22" name="Freeform: Shape 18">
@@ -10559,8 +10509,8 @@
         </p:nvSpPr>
         <p:spPr>
           <a:xfrm>
-            <a:off x="750242" y="2489098"/>
-            <a:ext cx="3924116" cy="3780267"/>
+            <a:off x="756536" y="1676399"/>
+            <a:ext cx="10908991" cy="3780267"/>
           </a:xfrm>
           <a:prstGeom prst="rect">
             <a:avLst/>
@@ -10736,18 +10686,87 @@
           </a:lstStyle>
           <a:p>
             <a:r>
-              <a:rPr lang="en-GB" dirty="0"/>
-              <a:t>Even if the Bots send requests continuously, the </a:t>
-            </a:r>
-            <a:r>
-              <a:rPr lang="en-GB" b="1" dirty="0"/>
-              <a:t>Server is always able to reply </a:t>
-            </a:r>
-            <a:r>
-              <a:rPr lang="en-GB" dirty="0"/>
-              <a:t>and it does not stop, even if it is flooded with requests.</a:t>
-            </a:r>
-            <a:endParaRPr lang="it-IT" dirty="0"/>
+              <a:rPr lang="en-GB" sz="2400" dirty="0"/>
+              <a:t>The testing environment is implemented using a python script</a:t>
+            </a:r>
+          </a:p>
+          <a:p>
+            <a:pPr lvl="1"/>
+            <a:r>
+              <a:rPr lang="en-GB" sz="2000" dirty="0"/>
+              <a:t>Providing a GUI</a:t>
+            </a:r>
+          </a:p>
+          <a:p>
+            <a:pPr lvl="1"/>
+            <a:r>
+              <a:rPr lang="en-GB" sz="2000" dirty="0"/>
+              <a:t>Using </a:t>
+            </a:r>
+            <a:r>
+              <a:rPr lang="en-GB" sz="2000" i="1" dirty="0"/>
+              <a:t>mininet</a:t>
+            </a:r>
+            <a:r>
+              <a:rPr lang="en-GB" sz="2000" dirty="0"/>
+              <a:t> library</a:t>
+            </a:r>
+            <a:endParaRPr lang="en-GB" sz="2000" i="1" dirty="0"/>
+          </a:p>
+          <a:p>
+            <a:pPr lvl="1"/>
+            <a:r>
+              <a:rPr lang="en-GB" sz="2000" dirty="0"/>
+              <a:t>Automating nodes command injection</a:t>
+            </a:r>
+          </a:p>
+          <a:p>
+            <a:pPr lvl="1"/>
+            <a:r>
+              <a:rPr lang="en-GB" sz="2000" dirty="0"/>
+              <a:t>Executing enable protection procedure on behalf of server</a:t>
+            </a:r>
+          </a:p>
+          <a:p>
+            <a:pPr lvl="2"/>
+            <a:r>
+              <a:rPr lang="en-GB" sz="1600" dirty="0"/>
+              <a:t>Through console command injection</a:t>
+            </a:r>
+          </a:p>
+          <a:p>
+            <a:pPr lvl="2"/>
+            <a:r>
+              <a:rPr lang="en-GB" sz="1600" dirty="0"/>
+              <a:t>Using </a:t>
+            </a:r>
+            <a:r>
+              <a:rPr lang="en-GB" sz="1600" i="1" dirty="0"/>
+              <a:t>requests library</a:t>
+            </a:r>
+            <a:r>
+              <a:rPr lang="en-GB" sz="1600" dirty="0"/>
+              <a:t> for executing REST API requests (for initialization and enable protection)</a:t>
+            </a:r>
+          </a:p>
+          <a:p>
+            <a:r>
+              <a:rPr lang="en-GB" sz="2400" dirty="0"/>
+              <a:t>GUI displays one console for each Client/Bot</a:t>
+            </a:r>
+          </a:p>
+          <a:p>
+            <a:pPr lvl="1"/>
+            <a:r>
+              <a:rPr lang="en-GB" sz="2000" dirty="0"/>
+              <a:t>Reporting HTTP request result for each node</a:t>
+            </a:r>
+          </a:p>
+          <a:p>
+            <a:r>
+              <a:rPr lang="en-GB" sz="2400" dirty="0"/>
+              <a:t>GUI can also display OpenFlow Switch flow table entries</a:t>
+            </a:r>
           </a:p>
         </p:txBody>
       </p:sp>
@@ -11041,7 +11060,7 @@
                   <a:spcPts val="600"/>
                 </a:spcAft>
               </a:pPr>
-              <a:t>16</a:t>
+              <a:t>17</a:t>
             </a:fld>
             <a:endParaRPr lang="en-GB" sz="1500">
               <a:solidFill>
@@ -11054,7 +11073,7 @@
     </p:spTree>
     <p:extLst>
       <p:ext uri="{BB962C8B-B14F-4D97-AF65-F5344CB8AC3E}">
-        <p14:creationId xmlns:p14="http://schemas.microsoft.com/office/powerpoint/2010/main" val="870870926"/>
+        <p14:creationId xmlns:p14="http://schemas.microsoft.com/office/powerpoint/2010/main" val="1417723632"/>
       </p:ext>
     </p:extLst>
   </p:cSld>
@@ -11064,7 +11083,7 @@
 </p:sld>
 </file>
 
-<file path=ppt/slides/slide17.xml><?xml version="1.0" encoding="utf-8"?>
+<file path=ppt/slides/slide2.xml><?xml version="1.0" encoding="utf-8"?>
 <p:sld xmlns:a="http://schemas.openxmlformats.org/drawingml/2006/main" xmlns:r="http://schemas.openxmlformats.org/officeDocument/2006/relationships" xmlns:p="http://schemas.openxmlformats.org/presentationml/2006/main">
   <p:cSld>
     <p:spTree>
@@ -11086,7 +11105,7 @@
           <p:cNvPr id="2" name="Titolo 1">
             <a:extLst>
               <a:ext uri="{FF2B5EF4-FFF2-40B4-BE49-F238E27FC236}">
-                <a16:creationId xmlns:a16="http://schemas.microsoft.com/office/drawing/2014/main" id="{BC25438D-A16D-40B8-AAD1-51CFFD41A5B2}"/>
+                <a16:creationId xmlns:a16="http://schemas.microsoft.com/office/drawing/2014/main" id="{7D96BAD6-31BA-457C-A1F7-FFE448CEFCD7}"/>
               </a:ext>
             </a:extLst>
           </p:cNvPr>
@@ -11103,26 +11122,21 @@
           <a:lstStyle/>
           <a:p>
             <a:r>
-              <a:rPr lang="it-IT" dirty="0">
+              <a:rPr lang="en-GB" b="1" noProof="0" dirty="0" err="1">
                 <a:solidFill>
                   <a:schemeClr val="tx2"/>
                 </a:solidFill>
               </a:rPr>
-              <a:t>Testing </a:t>
-            </a:r>
-            <a:r>
-              <a:rPr lang="it-IT" dirty="0" err="1">
+              <a:t>DDosDefence</a:t>
+            </a:r>
+            <a:r>
+              <a:rPr lang="en-GB" b="1" noProof="0" dirty="0">
                 <a:solidFill>
                   <a:schemeClr val="tx2"/>
                 </a:solidFill>
               </a:rPr>
-              <a:t>environment</a:t>
-            </a:r>
-            <a:endParaRPr lang="en-GB" dirty="0">
-              <a:solidFill>
-                <a:schemeClr val="tx2"/>
-              </a:solidFill>
-            </a:endParaRPr>
+              <a:t>: Project Goal</a:t>
+            </a:r>
           </a:p>
         </p:txBody>
       </p:sp>
@@ -11131,7 +11145,7 @@
           <p:cNvPr id="3" name="Segnaposto contenuto 2">
             <a:extLst>
               <a:ext uri="{FF2B5EF4-FFF2-40B4-BE49-F238E27FC236}">
-                <a16:creationId xmlns:a16="http://schemas.microsoft.com/office/drawing/2014/main" id="{F2A7C259-20B5-447D-B7B9-DC7CDA06C56D}"/>
+                <a16:creationId xmlns:a16="http://schemas.microsoft.com/office/drawing/2014/main" id="{989D378B-63F3-428D-A939-B6C0D0D0EF4D}"/>
               </a:ext>
             </a:extLst>
           </p:cNvPr>
@@ -11140,173 +11154,6 @@
           </p:cNvSpPr>
           <p:nvPr>
             <p:ph idx="1"/>
-          </p:nvPr>
-        </p:nvSpPr>
-        <p:spPr/>
-        <p:txBody>
-          <a:bodyPr>
-            <a:normAutofit fontScale="92500" lnSpcReduction="10000"/>
-          </a:bodyPr>
-          <a:lstStyle/>
-          <a:p>
-            <a:r>
-              <a:rPr lang="it-IT" dirty="0" err="1"/>
-              <a:t>Bots</a:t>
-            </a:r>
-            <a:r>
-              <a:rPr lang="en-GB" dirty="0"/>
-              <a:t> continually request an HTTP connection to the server.</a:t>
-            </a:r>
-            <a:endParaRPr lang="it-IT" dirty="0"/>
-          </a:p>
-          <a:p>
-            <a:r>
-              <a:rPr lang="it-IT" dirty="0"/>
-              <a:t>Clients send </a:t>
-            </a:r>
-            <a:r>
-              <a:rPr lang="it-IT" dirty="0" err="1"/>
-              <a:t>periodic</a:t>
-            </a:r>
-            <a:r>
-              <a:rPr lang="it-IT" dirty="0"/>
-              <a:t> </a:t>
-            </a:r>
-            <a:r>
-              <a:rPr lang="it-IT" dirty="0" err="1"/>
-              <a:t>requests</a:t>
-            </a:r>
-            <a:r>
-              <a:rPr lang="it-IT" dirty="0"/>
-              <a:t>.</a:t>
-            </a:r>
-          </a:p>
-          <a:p>
-            <a:r>
-              <a:rPr lang="it-IT" dirty="0"/>
-              <a:t>The server </a:t>
-            </a:r>
-            <a:r>
-              <a:rPr lang="it-IT" dirty="0" err="1"/>
-              <a:t>is</a:t>
-            </a:r>
-            <a:r>
-              <a:rPr lang="it-IT" dirty="0"/>
-              <a:t> </a:t>
-            </a:r>
-            <a:r>
-              <a:rPr lang="it-IT" dirty="0" err="1"/>
-              <a:t>multithreaded</a:t>
-            </a:r>
-            <a:r>
-              <a:rPr lang="it-IT" dirty="0"/>
-              <a:t>.</a:t>
-            </a:r>
-          </a:p>
-          <a:p>
-            <a:r>
-              <a:rPr lang="it-IT" dirty="0"/>
-              <a:t>When the server </a:t>
-            </a:r>
-            <a:r>
-              <a:rPr lang="it-IT" dirty="0" err="1"/>
-              <a:t>is</a:t>
-            </a:r>
-            <a:r>
-              <a:rPr lang="it-IT" dirty="0"/>
-              <a:t> under </a:t>
-            </a:r>
-            <a:r>
-              <a:rPr lang="it-IT" dirty="0" err="1"/>
-              <a:t>attack</a:t>
-            </a:r>
-            <a:r>
-              <a:rPr lang="it-IT" dirty="0"/>
-              <a:t>:</a:t>
-            </a:r>
-          </a:p>
-          <a:p>
-            <a:pPr lvl="1"/>
-            <a:r>
-              <a:rPr lang="it-IT" dirty="0"/>
-              <a:t>it </a:t>
-            </a:r>
-            <a:r>
-              <a:rPr lang="it-IT" dirty="0" err="1"/>
-              <a:t>changes</a:t>
-            </a:r>
-            <a:r>
-              <a:rPr lang="it-IT" dirty="0"/>
-              <a:t> its address;</a:t>
-            </a:r>
-          </a:p>
-          <a:p>
-            <a:pPr lvl="1"/>
-            <a:r>
-              <a:rPr lang="it-IT" dirty="0"/>
-              <a:t>It </a:t>
-            </a:r>
-            <a:r>
-              <a:rPr lang="it-IT" dirty="0" err="1"/>
-              <a:t>notifies</a:t>
-            </a:r>
-            <a:r>
-              <a:rPr lang="it-IT" dirty="0"/>
-              <a:t> the Controller about the </a:t>
-            </a:r>
-            <a:r>
-              <a:rPr lang="it-IT" dirty="0" err="1"/>
-              <a:t>attack</a:t>
-            </a:r>
-            <a:r>
-              <a:rPr lang="it-IT" dirty="0"/>
-              <a:t>.  </a:t>
-            </a:r>
-          </a:p>
-          <a:p>
-            <a:r>
-              <a:rPr lang="en-GB" dirty="0"/>
-              <a:t>When the server changes address:</a:t>
-            </a:r>
-          </a:p>
-          <a:p>
-            <a:pPr lvl="1"/>
-            <a:r>
-              <a:rPr lang="en-GB" dirty="0"/>
-              <a:t>clients can forward the address of the server</a:t>
-            </a:r>
-          </a:p>
-          <a:p>
-            <a:pPr lvl="1"/>
-            <a:r>
-              <a:rPr lang="en-GB" dirty="0"/>
-              <a:t>while the bots do not</a:t>
-            </a:r>
-            <a:endParaRPr lang="it-IT" dirty="0"/>
-          </a:p>
-          <a:p>
-            <a:r>
-              <a:rPr lang="en-GB" dirty="0"/>
-              <a:t>Even if the Bots send requests continuously, the Server is always able to respond and it does not stop even if it is bombarded with requests.</a:t>
-            </a:r>
-            <a:endParaRPr lang="it-IT" dirty="0"/>
-          </a:p>
-        </p:txBody>
-      </p:sp>
-      <p:sp>
-        <p:nvSpPr>
-          <p:cNvPr id="4" name="Segnaposto piè di pagina 3">
-            <a:extLst>
-              <a:ext uri="{FF2B5EF4-FFF2-40B4-BE49-F238E27FC236}">
-                <a16:creationId xmlns:a16="http://schemas.microsoft.com/office/drawing/2014/main" id="{3B0C6E34-6BD6-4096-9AAC-2FABF5D75AEB}"/>
-              </a:ext>
-            </a:extLst>
-          </p:cNvPr>
-          <p:cNvSpPr>
-            <a:spLocks noGrp="1"/>
-          </p:cNvSpPr>
-          <p:nvPr>
-            <p:ph type="ftr" sz="quarter" idx="11"/>
           </p:nvPr>
         </p:nvSpPr>
         <p:spPr/>
@@ -11315,6 +11162,122 @@
           <a:lstStyle/>
           <a:p>
             <a:r>
+              <a:rPr lang="en-GB" dirty="0"/>
+              <a:t>Server protection from DDoS attacks</a:t>
+            </a:r>
+          </a:p>
+          <a:p>
+            <a:pPr lvl="1"/>
+            <a:r>
+              <a:rPr lang="en-GB" dirty="0"/>
+              <a:t>A </a:t>
+            </a:r>
+            <a:r>
+              <a:rPr lang="en-GB" b="1" dirty="0"/>
+              <a:t>Server</a:t>
+            </a:r>
+            <a:r>
+              <a:rPr lang="en-GB" dirty="0"/>
+              <a:t> (or more than one) is attached to an OpenFlow switch</a:t>
+            </a:r>
+          </a:p>
+          <a:p>
+            <a:pPr lvl="1"/>
+            <a:r>
+              <a:rPr lang="en-GB" dirty="0"/>
+              <a:t>The </a:t>
+            </a:r>
+            <a:r>
+              <a:rPr lang="en-GB" b="1" dirty="0"/>
+              <a:t>OpenFlow switch </a:t>
+            </a:r>
+            <a:r>
+              <a:rPr lang="en-GB" dirty="0"/>
+              <a:t>will perform filtering for malicious clients</a:t>
+            </a:r>
+          </a:p>
+          <a:p>
+            <a:pPr lvl="1"/>
+            <a:r>
+              <a:rPr lang="en-GB" dirty="0"/>
+              <a:t>An </a:t>
+            </a:r>
+            <a:r>
+              <a:rPr lang="en-GB" b="1" dirty="0"/>
+              <a:t>OpenFlow controller</a:t>
+            </a:r>
+            <a:r>
+              <a:rPr lang="en-GB" dirty="0"/>
+              <a:t> (</a:t>
+            </a:r>
+            <a:r>
+              <a:rPr lang="en-GB" i="1" dirty="0" err="1"/>
+              <a:t>DDoSDefence</a:t>
+            </a:r>
+            <a:r>
+              <a:rPr lang="en-GB" dirty="0"/>
+              <a:t>) will label clients into Bots or Clients</a:t>
+            </a:r>
+          </a:p>
+          <a:p>
+            <a:r>
+              <a:rPr lang="en-GB" dirty="0"/>
+              <a:t>Threat Model</a:t>
+            </a:r>
+          </a:p>
+          <a:p>
+            <a:pPr lvl="1"/>
+            <a:r>
+              <a:rPr lang="en-GB" dirty="0"/>
+              <a:t>Bots are modelled as very simple programs, which cannot do other than repeating HTTP requests to a fixed address</a:t>
+            </a:r>
+          </a:p>
+          <a:p>
+            <a:pPr lvl="1"/>
+            <a:r>
+              <a:rPr lang="en-GB" dirty="0"/>
+              <a:t>Bots can perform </a:t>
+            </a:r>
+            <a:r>
+              <a:rPr lang="en-GB" dirty="0" err="1"/>
+              <a:t>KeepAlive</a:t>
+            </a:r>
+            <a:r>
+              <a:rPr lang="en-GB" dirty="0"/>
+              <a:t> requests to reuse connections</a:t>
+            </a:r>
+          </a:p>
+          <a:p>
+            <a:pPr lvl="1"/>
+            <a:r>
+              <a:rPr lang="en-GB" dirty="0"/>
+              <a:t>Bots cannot solve CAPTCHAs and, in general, complex problems</a:t>
+            </a:r>
+          </a:p>
+        </p:txBody>
+      </p:sp>
+      <p:sp>
+        <p:nvSpPr>
+          <p:cNvPr id="4" name="Segnaposto piè di pagina 3">
+            <a:extLst>
+              <a:ext uri="{FF2B5EF4-FFF2-40B4-BE49-F238E27FC236}">
+                <a16:creationId xmlns:a16="http://schemas.microsoft.com/office/drawing/2014/main" id="{B0177442-FF79-405F-89DF-63126288BA0F}"/>
+              </a:ext>
+            </a:extLst>
+          </p:cNvPr>
+          <p:cNvSpPr>
+            <a:spLocks noGrp="1"/>
+          </p:cNvSpPr>
+          <p:nvPr>
+            <p:ph type="ftr" sz="quarter" idx="11"/>
+          </p:nvPr>
+        </p:nvSpPr>
+        <p:spPr/>
+        <p:txBody>
+          <a:bodyPr/>
+          <a:lstStyle/>
+          <a:p>
+            <a:r>
               <a:rPr lang="it-IT"/>
               <a:t>A. Le Caldare, E. Sassu, E. Scarselli</a:t>
             </a:r>
@@ -11327,7 +11290,7 @@
           <p:cNvPr id="5" name="Segnaposto numero diapositiva 4">
             <a:extLst>
               <a:ext uri="{FF2B5EF4-FFF2-40B4-BE49-F238E27FC236}">
-                <a16:creationId xmlns:a16="http://schemas.microsoft.com/office/drawing/2014/main" id="{F04444F7-8A60-4AF6-AAD4-54AB153BC805}"/>
+                <a16:creationId xmlns:a16="http://schemas.microsoft.com/office/drawing/2014/main" id="{0D34D309-1DD9-4B79-BD18-17DC55DC9F25}"/>
               </a:ext>
             </a:extLst>
           </p:cNvPr>
@@ -11345,7 +11308,7 @@
           <a:p>
             <a:fld id="{5BB7E168-F539-4513-AD44-F276B24E7DDF}" type="slidenum">
               <a:rPr lang="en-GB" smtClean="0"/>
-              <a:t>17</a:t>
+              <a:t>2</a:t>
             </a:fld>
             <a:endParaRPr lang="en-GB"/>
           </a:p>
@@ -11354,7 +11317,7 @@
     </p:spTree>
     <p:extLst>
       <p:ext uri="{BB962C8B-B14F-4D97-AF65-F5344CB8AC3E}">
-        <p14:creationId xmlns:p14="http://schemas.microsoft.com/office/powerpoint/2010/main" val="581588775"/>
+        <p14:creationId xmlns:p14="http://schemas.microsoft.com/office/powerpoint/2010/main" val="3139366314"/>
       </p:ext>
     </p:extLst>
   </p:cSld>
@@ -11364,7 +11327,7 @@
 </p:sld>
 </file>
 
-<file path=ppt/slides/slide2.xml><?xml version="1.0" encoding="utf-8"?>
+<file path=ppt/slides/slide3.xml><?xml version="1.0" encoding="utf-8"?>
 <p:sld xmlns:a="http://schemas.openxmlformats.org/drawingml/2006/main" xmlns:r="http://schemas.openxmlformats.org/officeDocument/2006/relationships" xmlns:p="http://schemas.openxmlformats.org/presentationml/2006/main">
   <p:cSld>
     <p:bg>
@@ -11787,42 +11750,13 @@
           <a:lstStyle/>
           <a:p>
             <a:r>
-              <a:rPr lang="it-IT" sz="3400" b="1" dirty="0">
+              <a:rPr lang="en-GB" sz="3400" b="1" noProof="0" dirty="0">
                 <a:solidFill>
                   <a:schemeClr val="tx2"/>
                 </a:solidFill>
               </a:rPr>
-              <a:t>How </a:t>
-            </a:r>
-            <a:r>
-              <a:rPr lang="it-IT" sz="3400" b="1" dirty="0" err="1">
-                <a:solidFill>
-                  <a:schemeClr val="tx2"/>
-                </a:solidFill>
-              </a:rPr>
-              <a:t>protection</a:t>
-            </a:r>
-            <a:r>
-              <a:rPr lang="it-IT" sz="3400" b="1" dirty="0">
-                <a:solidFill>
-                  <a:schemeClr val="tx2"/>
-                </a:solidFill>
-              </a:rPr>
-              <a:t> </a:t>
-            </a:r>
-            <a:r>
-              <a:rPr lang="it-IT" sz="3400" b="1" dirty="0" err="1">
-                <a:solidFill>
-                  <a:schemeClr val="tx2"/>
-                </a:solidFill>
-              </a:rPr>
-              <a:t>works</a:t>
-            </a:r>
-            <a:endParaRPr lang="en-GB" sz="3400" b="1" dirty="0">
-              <a:solidFill>
-                <a:schemeClr val="tx2"/>
-              </a:solidFill>
-            </a:endParaRPr>
+              <a:t>How protection works</a:t>
+            </a:r>
           </a:p>
         </p:txBody>
       </p:sp>
@@ -11855,175 +11789,53 @@
           <a:lstStyle/>
           <a:p>
             <a:r>
-              <a:rPr lang="it-IT" sz="2400" dirty="0"/>
+              <a:rPr lang="en-GB" sz="2400" noProof="0" dirty="0"/>
               <a:t>Server </a:t>
             </a:r>
             <a:r>
-              <a:rPr lang="it-IT" sz="2400" b="1" dirty="0" err="1"/>
-              <a:t>changes</a:t>
-            </a:r>
-            <a:r>
-              <a:rPr lang="it-IT" sz="2400" b="1" dirty="0"/>
-              <a:t> the </a:t>
-            </a:r>
-            <a:r>
-              <a:rPr lang="it-IT" sz="2400" b="1" dirty="0" err="1"/>
-              <a:t>listening</a:t>
-            </a:r>
-            <a:r>
-              <a:rPr lang="it-IT" sz="2400" b="1" dirty="0"/>
-              <a:t> address </a:t>
-            </a:r>
-            <a:r>
-              <a:rPr lang="it-IT" sz="2400" dirty="0"/>
-              <a:t>to a new one when </a:t>
-            </a:r>
-            <a:r>
-              <a:rPr lang="it-IT" sz="2400" dirty="0" err="1"/>
-              <a:t>is</a:t>
-            </a:r>
-            <a:r>
-              <a:rPr lang="it-IT" sz="2400" dirty="0"/>
-              <a:t> under </a:t>
-            </a:r>
-            <a:r>
-              <a:rPr lang="it-IT" sz="2400" dirty="0" err="1"/>
-              <a:t>attack</a:t>
-            </a:r>
-            <a:r>
-              <a:rPr lang="it-IT" sz="2400" dirty="0"/>
-              <a:t>;</a:t>
-            </a:r>
-          </a:p>
-          <a:p>
-            <a:r>
-              <a:rPr lang="it-IT" sz="2400" dirty="0"/>
+              <a:rPr lang="en-GB" sz="2400" b="1" noProof="0" dirty="0"/>
+              <a:t>changes the listening address </a:t>
+            </a:r>
+            <a:r>
+              <a:rPr lang="en-GB" sz="2400" noProof="0" dirty="0"/>
+              <a:t>to a new one when is under attack</a:t>
+            </a:r>
+          </a:p>
+          <a:p>
+            <a:r>
+              <a:rPr lang="en-GB" sz="2400" noProof="0" dirty="0"/>
               <a:t>The </a:t>
             </a:r>
             <a:r>
-              <a:rPr lang="it-IT" sz="2400" b="1" dirty="0"/>
+              <a:rPr lang="en-GB" sz="2400" b="1" noProof="0" dirty="0"/>
               <a:t>connections</a:t>
             </a:r>
             <a:r>
-              <a:rPr lang="it-IT" sz="2400" dirty="0"/>
-              <a:t> </a:t>
-            </a:r>
-            <a:r>
-              <a:rPr lang="it-IT" sz="2400" dirty="0" err="1"/>
-              <a:t>requests</a:t>
-            </a:r>
-            <a:r>
-              <a:rPr lang="it-IT" sz="2400" dirty="0"/>
-              <a:t> to the </a:t>
-            </a:r>
-            <a:r>
-              <a:rPr lang="it-IT" sz="2400" dirty="0" err="1"/>
-              <a:t>old</a:t>
-            </a:r>
-            <a:r>
-              <a:rPr lang="it-IT" sz="2400" dirty="0"/>
-              <a:t> server address </a:t>
-            </a:r>
-            <a:r>
-              <a:rPr lang="it-IT" sz="2400" b="1" dirty="0"/>
-              <a:t>are </a:t>
-            </a:r>
-            <a:r>
-              <a:rPr lang="it-IT" sz="2400" b="1" dirty="0" err="1"/>
-              <a:t>counted</a:t>
-            </a:r>
-            <a:r>
-              <a:rPr lang="it-IT" sz="2400" dirty="0"/>
-              <a:t>;</a:t>
-            </a:r>
-            <a:endParaRPr lang="it-IT" sz="2400" b="1" dirty="0"/>
-          </a:p>
-          <a:p>
-            <a:r>
-              <a:rPr lang="it-IT" sz="2400" dirty="0"/>
-              <a:t>If the number of connection </a:t>
-            </a:r>
-            <a:r>
-              <a:rPr lang="it-IT" sz="2400" dirty="0" err="1"/>
-              <a:t>requests</a:t>
-            </a:r>
-            <a:r>
-              <a:rPr lang="it-IT" sz="2400" dirty="0"/>
-              <a:t> of a client, </a:t>
-            </a:r>
-            <a:r>
-              <a:rPr lang="it-IT" sz="2400" dirty="0" err="1"/>
-              <a:t>goes</a:t>
-            </a:r>
-            <a:r>
-              <a:rPr lang="it-IT" sz="2400" dirty="0"/>
-              <a:t> </a:t>
-            </a:r>
-            <a:r>
-              <a:rPr lang="it-IT" sz="2400" dirty="0" err="1"/>
-              <a:t>above</a:t>
-            </a:r>
-            <a:r>
-              <a:rPr lang="it-IT" sz="2400" dirty="0"/>
-              <a:t> a </a:t>
-            </a:r>
-            <a:r>
-              <a:rPr lang="it-IT" sz="2400" dirty="0" err="1"/>
-              <a:t>certain</a:t>
-            </a:r>
-            <a:r>
-              <a:rPr lang="it-IT" sz="2400" dirty="0"/>
-              <a:t> </a:t>
-            </a:r>
-            <a:r>
-              <a:rPr lang="it-IT" sz="2400" b="1" dirty="0" err="1"/>
-              <a:t>threshold</a:t>
-            </a:r>
-            <a:r>
-              <a:rPr lang="it-IT" sz="2400" b="1" dirty="0"/>
-              <a:t> </a:t>
-            </a:r>
-            <a:r>
-              <a:rPr lang="el-GR" sz="2400" b="1" i="1" dirty="0"/>
+              <a:rPr lang="en-GB" sz="2400" noProof="0" dirty="0"/>
+              <a:t> requests to the old server address </a:t>
+            </a:r>
+            <a:r>
+              <a:rPr lang="en-GB" sz="2400" b="1" noProof="0" dirty="0"/>
+              <a:t>are counted</a:t>
+            </a:r>
+          </a:p>
+          <a:p>
+            <a:r>
+              <a:rPr lang="en-GB" sz="2400" noProof="0" dirty="0"/>
+              <a:t>If the number of connection requests of a client goes above a certain </a:t>
+            </a:r>
+            <a:r>
+              <a:rPr lang="en-GB" sz="2400" b="1" noProof="0" dirty="0"/>
+              <a:t>threshold </a:t>
+            </a:r>
+            <a:r>
+              <a:rPr lang="en-GB" sz="2400" b="1" i="1" noProof="0" dirty="0"/>
               <a:t>θ</a:t>
             </a:r>
             <a:r>
-              <a:rPr lang="it-IT" sz="2400" dirty="0"/>
-              <a:t>, the client </a:t>
-            </a:r>
-            <a:r>
-              <a:rPr lang="it-IT" sz="2400" dirty="0" err="1"/>
-              <a:t>is</a:t>
-            </a:r>
-            <a:r>
-              <a:rPr lang="it-IT" sz="2400" dirty="0"/>
-              <a:t> </a:t>
-            </a:r>
-            <a:r>
-              <a:rPr lang="it-IT" sz="2400" dirty="0" err="1"/>
-              <a:t>classified</a:t>
-            </a:r>
-            <a:r>
-              <a:rPr lang="it-IT" sz="2400" dirty="0"/>
-              <a:t> as a bot and all its </a:t>
-            </a:r>
-            <a:r>
-              <a:rPr lang="it-IT" sz="2400" dirty="0" err="1"/>
-              <a:t>packets</a:t>
-            </a:r>
-            <a:r>
-              <a:rPr lang="it-IT" sz="2400" dirty="0"/>
-              <a:t> are </a:t>
-            </a:r>
-            <a:r>
-              <a:rPr lang="it-IT" sz="2400" dirty="0" err="1"/>
-              <a:t>dropped</a:t>
-            </a:r>
-            <a:r>
-              <a:rPr lang="it-IT" sz="2400" dirty="0"/>
-              <a:t>. </a:t>
-            </a:r>
-            <a:endParaRPr lang="en-GB" sz="2400" dirty="0"/>
+              <a:rPr lang="en-GB" sz="2400" noProof="0" dirty="0"/>
+              <a:t>, the client is classified as a bot and all its connections are dropped</a:t>
+            </a:r>
           </a:p>
         </p:txBody>
       </p:sp>
@@ -12158,7 +11970,7 @@
                   <a:spcPts val="600"/>
                 </a:spcAft>
               </a:pPr>
-              <a:t>2</a:t>
+              <a:t>3</a:t>
             </a:fld>
             <a:endParaRPr lang="en-GB" sz="1500">
               <a:solidFill>
@@ -12172,392 +11984,6 @@
     <p:extLst>
       <p:ext uri="{BB962C8B-B14F-4D97-AF65-F5344CB8AC3E}">
         <p14:creationId xmlns:p14="http://schemas.microsoft.com/office/powerpoint/2010/main" val="3860122334"/>
-      </p:ext>
-    </p:extLst>
-  </p:cSld>
-  <p:clrMapOvr>
-    <a:masterClrMapping/>
-  </p:clrMapOvr>
-</p:sld>
-</file>
-
-<file path=ppt/slides/slide3.xml><?xml version="1.0" encoding="utf-8"?>
-<p:sld xmlns:a="http://schemas.openxmlformats.org/drawingml/2006/main" xmlns:r="http://schemas.openxmlformats.org/officeDocument/2006/relationships" xmlns:p="http://schemas.openxmlformats.org/presentationml/2006/main">
-  <p:cSld>
-    <p:spTree>
-      <p:nvGrpSpPr>
-        <p:cNvPr id="1" name=""/>
-        <p:cNvGrpSpPr/>
-        <p:nvPr/>
-      </p:nvGrpSpPr>
-      <p:grpSpPr>
-        <a:xfrm>
-          <a:off x="0" y="0"/>
-          <a:ext cx="0" cy="0"/>
-          <a:chOff x="0" y="0"/>
-          <a:chExt cx="0" cy="0"/>
-        </a:xfrm>
-      </p:grpSpPr>
-      <p:sp>
-        <p:nvSpPr>
-          <p:cNvPr id="2" name="Titolo 1">
-            <a:extLst>
-              <a:ext uri="{FF2B5EF4-FFF2-40B4-BE49-F238E27FC236}">
-                <a16:creationId xmlns:a16="http://schemas.microsoft.com/office/drawing/2014/main" id="{7D96BAD6-31BA-457C-A1F7-FFE448CEFCD7}"/>
-              </a:ext>
-            </a:extLst>
-          </p:cNvPr>
-          <p:cNvSpPr>
-            <a:spLocks noGrp="1"/>
-          </p:cNvSpPr>
-          <p:nvPr>
-            <p:ph type="title"/>
-          </p:nvPr>
-        </p:nvSpPr>
-        <p:spPr/>
-        <p:txBody>
-          <a:bodyPr/>
-          <a:lstStyle/>
-          <a:p>
-            <a:r>
-              <a:rPr lang="it-IT" b="1" dirty="0">
-                <a:solidFill>
-                  <a:schemeClr val="tx2"/>
-                </a:solidFill>
-              </a:rPr>
-              <a:t>Why Learning Switch</a:t>
-            </a:r>
-            <a:endParaRPr lang="en-GB" b="1" dirty="0">
-              <a:solidFill>
-                <a:schemeClr val="tx2"/>
-              </a:solidFill>
-            </a:endParaRPr>
-          </a:p>
-        </p:txBody>
-      </p:sp>
-      <p:sp>
-        <p:nvSpPr>
-          <p:cNvPr id="3" name="Segnaposto contenuto 2">
-            <a:extLst>
-              <a:ext uri="{FF2B5EF4-FFF2-40B4-BE49-F238E27FC236}">
-                <a16:creationId xmlns:a16="http://schemas.microsoft.com/office/drawing/2014/main" id="{989D378B-63F3-428D-A939-B6C0D0D0EF4D}"/>
-              </a:ext>
-            </a:extLst>
-          </p:cNvPr>
-          <p:cNvSpPr>
-            <a:spLocks noGrp="1"/>
-          </p:cNvSpPr>
-          <p:nvPr>
-            <p:ph idx="1"/>
-          </p:nvPr>
-        </p:nvSpPr>
-        <p:spPr/>
-        <p:txBody>
-          <a:bodyPr/>
-          <a:lstStyle/>
-          <a:p>
-            <a:r>
-              <a:rPr lang="it-IT" dirty="0"/>
-              <a:t>The learning switch </a:t>
-            </a:r>
-            <a:r>
-              <a:rPr lang="it-IT" dirty="0" err="1"/>
-              <a:t>is</a:t>
-            </a:r>
-            <a:r>
-              <a:rPr lang="it-IT" dirty="0"/>
-              <a:t> used in </a:t>
-            </a:r>
-            <a:r>
-              <a:rPr lang="it-IT" dirty="0" err="1"/>
-              <a:t>order</a:t>
-            </a:r>
-            <a:r>
-              <a:rPr lang="it-IT" dirty="0"/>
-              <a:t> to </a:t>
-            </a:r>
-            <a:r>
-              <a:rPr lang="it-IT" b="1" dirty="0"/>
-              <a:t>avoid</a:t>
-            </a:r>
-            <a:r>
-              <a:rPr lang="it-IT" dirty="0"/>
-              <a:t> </a:t>
-            </a:r>
-            <a:r>
-              <a:rPr lang="it-IT" b="1" dirty="0"/>
-              <a:t>the re-</a:t>
-            </a:r>
-            <a:r>
-              <a:rPr lang="it-IT" b="1" dirty="0" err="1"/>
-              <a:t>implementation</a:t>
-            </a:r>
-            <a:r>
-              <a:rPr lang="it-IT" b="1" dirty="0"/>
-              <a:t> of L2 switching </a:t>
-            </a:r>
-            <a:r>
-              <a:rPr lang="it-IT" b="1" dirty="0" err="1"/>
-              <a:t>functionalities</a:t>
-            </a:r>
-            <a:r>
-              <a:rPr lang="it-IT" dirty="0"/>
-              <a:t> in </a:t>
-            </a:r>
-            <a:r>
-              <a:rPr lang="it-IT" dirty="0" err="1"/>
-              <a:t>our</a:t>
-            </a:r>
-            <a:r>
-              <a:rPr lang="it-IT" dirty="0"/>
-              <a:t> controller</a:t>
-            </a:r>
-          </a:p>
-          <a:p>
-            <a:pPr lvl="1"/>
-            <a:r>
-              <a:rPr lang="it-IT" dirty="0"/>
-              <a:t>Switch </a:t>
-            </a:r>
-            <a:r>
-              <a:rPr lang="it-IT" dirty="0" err="1"/>
-              <a:t>will</a:t>
-            </a:r>
-            <a:r>
-              <a:rPr lang="it-IT" dirty="0"/>
-              <a:t> perform also auto-learning </a:t>
-            </a:r>
-            <a:r>
-              <a:rPr lang="it-IT" dirty="0" err="1"/>
-              <a:t>functionalities</a:t>
-            </a:r>
-            <a:r>
-              <a:rPr lang="it-IT" dirty="0"/>
-              <a:t>.</a:t>
-            </a:r>
-          </a:p>
-          <a:p>
-            <a:r>
-              <a:rPr lang="it-IT" dirty="0"/>
-              <a:t>For </a:t>
-            </a:r>
-            <a:r>
-              <a:rPr lang="it-IT" dirty="0" err="1"/>
-              <a:t>our</a:t>
-            </a:r>
-            <a:r>
-              <a:rPr lang="it-IT" dirty="0"/>
-              <a:t> </a:t>
-            </a:r>
-            <a:r>
-              <a:rPr lang="it-IT" dirty="0" err="1"/>
-              <a:t>purposes</a:t>
-            </a:r>
-            <a:r>
-              <a:rPr lang="it-IT" dirty="0"/>
-              <a:t>, this </a:t>
-            </a:r>
-            <a:r>
-              <a:rPr lang="it-IT" dirty="0" err="1"/>
-              <a:t>behaviour</a:t>
-            </a:r>
-            <a:r>
-              <a:rPr lang="it-IT" dirty="0"/>
-              <a:t> must be </a:t>
-            </a:r>
-            <a:r>
-              <a:rPr lang="it-IT" dirty="0" err="1"/>
-              <a:t>applied</a:t>
-            </a:r>
-            <a:r>
-              <a:rPr lang="it-IT" dirty="0"/>
-              <a:t> only to </a:t>
-            </a:r>
-            <a:r>
-              <a:rPr lang="it-IT" b="1" dirty="0"/>
-              <a:t>ARP and ICMP </a:t>
-            </a:r>
-            <a:r>
-              <a:rPr lang="it-IT" b="1" dirty="0" err="1"/>
-              <a:t>packets</a:t>
-            </a:r>
-            <a:endParaRPr lang="it-IT" b="1" dirty="0"/>
-          </a:p>
-          <a:p>
-            <a:pPr lvl="1"/>
-            <a:r>
-              <a:rPr lang="it-IT" b="1" dirty="0"/>
-              <a:t>ARP </a:t>
-            </a:r>
-            <a:r>
-              <a:rPr lang="it-IT" dirty="0"/>
-              <a:t>for </a:t>
-            </a:r>
-            <a:r>
-              <a:rPr lang="it-IT" dirty="0" err="1"/>
-              <a:t>enabling</a:t>
-            </a:r>
-            <a:r>
-              <a:rPr lang="it-IT" dirty="0"/>
-              <a:t> </a:t>
-            </a:r>
-            <a:r>
-              <a:rPr lang="it-IT" dirty="0" err="1"/>
-              <a:t>packets</a:t>
-            </a:r>
-            <a:r>
-              <a:rPr lang="it-IT" dirty="0"/>
-              <a:t> </a:t>
-            </a:r>
-            <a:r>
-              <a:rPr lang="it-IT" dirty="0" err="1"/>
-              <a:t>sending</a:t>
-            </a:r>
-            <a:r>
-              <a:rPr lang="it-IT" dirty="0"/>
-              <a:t> between clients and server;</a:t>
-            </a:r>
-          </a:p>
-          <a:p>
-            <a:pPr lvl="1"/>
-            <a:r>
-              <a:rPr lang="it-IT" b="1" dirty="0"/>
-              <a:t>ICMP </a:t>
-            </a:r>
-            <a:r>
-              <a:rPr lang="it-IT" dirty="0"/>
-              <a:t>for testing </a:t>
-            </a:r>
-            <a:r>
-              <a:rPr lang="it-IT" dirty="0" err="1"/>
-              <a:t>purposes</a:t>
-            </a:r>
-            <a:r>
-              <a:rPr lang="it-IT" dirty="0"/>
-              <a:t> (</a:t>
-            </a:r>
-            <a:r>
-              <a:rPr lang="it-IT" dirty="0" err="1"/>
-              <a:t>ping</a:t>
-            </a:r>
-            <a:r>
-              <a:rPr lang="it-IT" dirty="0"/>
-              <a:t> and </a:t>
-            </a:r>
-            <a:r>
-              <a:rPr lang="it-IT" dirty="0" err="1"/>
-              <a:t>error</a:t>
-            </a:r>
-            <a:r>
-              <a:rPr lang="it-IT" dirty="0"/>
-              <a:t> </a:t>
-            </a:r>
-            <a:r>
-              <a:rPr lang="it-IT" dirty="0" err="1"/>
-              <a:t>messages</a:t>
-            </a:r>
-            <a:r>
-              <a:rPr lang="it-IT" dirty="0"/>
-              <a:t>).</a:t>
-            </a:r>
-          </a:p>
-          <a:p>
-            <a:r>
-              <a:rPr lang="it-IT" dirty="0" err="1"/>
-              <a:t>Our</a:t>
-            </a:r>
-            <a:r>
-              <a:rPr lang="it-IT" dirty="0"/>
-              <a:t> model does not include </a:t>
-            </a:r>
-            <a:r>
-              <a:rPr lang="it-IT" b="1" dirty="0"/>
-              <a:t>L3 forwarding</a:t>
-            </a:r>
-          </a:p>
-          <a:p>
-            <a:pPr lvl="1"/>
-            <a:r>
-              <a:rPr lang="it-IT" dirty="0"/>
-              <a:t>Packet coming from clients and server are </a:t>
-            </a:r>
-            <a:r>
-              <a:rPr lang="it-IT" dirty="0" err="1"/>
-              <a:t>forwarded</a:t>
-            </a:r>
-            <a:r>
-              <a:rPr lang="it-IT" dirty="0"/>
-              <a:t> by default to the switch.</a:t>
-            </a:r>
-          </a:p>
-          <a:p>
-            <a:pPr lvl="1"/>
-            <a:endParaRPr lang="it-IT" dirty="0"/>
-          </a:p>
-        </p:txBody>
-      </p:sp>
-      <p:sp>
-        <p:nvSpPr>
-          <p:cNvPr id="4" name="Segnaposto piè di pagina 3">
-            <a:extLst>
-              <a:ext uri="{FF2B5EF4-FFF2-40B4-BE49-F238E27FC236}">
-                <a16:creationId xmlns:a16="http://schemas.microsoft.com/office/drawing/2014/main" id="{B0177442-FF79-405F-89DF-63126288BA0F}"/>
-              </a:ext>
-            </a:extLst>
-          </p:cNvPr>
-          <p:cNvSpPr>
-            <a:spLocks noGrp="1"/>
-          </p:cNvSpPr>
-          <p:nvPr>
-            <p:ph type="ftr" sz="quarter" idx="11"/>
-          </p:nvPr>
-        </p:nvSpPr>
-        <p:spPr/>
-        <p:txBody>
-          <a:bodyPr/>
-          <a:lstStyle/>
-          <a:p>
-            <a:r>
-              <a:rPr lang="it-IT"/>
-              <a:t>A. Le Caldare, E. Sassu, E. Scarselli</a:t>
-            </a:r>
-            <a:endParaRPr lang="en-GB"/>
-          </a:p>
-        </p:txBody>
-      </p:sp>
-      <p:sp>
-        <p:nvSpPr>
-          <p:cNvPr id="5" name="Segnaposto numero diapositiva 4">
-            <a:extLst>
-              <a:ext uri="{FF2B5EF4-FFF2-40B4-BE49-F238E27FC236}">
-                <a16:creationId xmlns:a16="http://schemas.microsoft.com/office/drawing/2014/main" id="{0D34D309-1DD9-4B79-BD18-17DC55DC9F25}"/>
-              </a:ext>
-            </a:extLst>
-          </p:cNvPr>
-          <p:cNvSpPr>
-            <a:spLocks noGrp="1"/>
-          </p:cNvSpPr>
-          <p:nvPr>
-            <p:ph type="sldNum" sz="quarter" idx="12"/>
-          </p:nvPr>
-        </p:nvSpPr>
-        <p:spPr/>
-        <p:txBody>
-          <a:bodyPr/>
-          <a:lstStyle/>
-          <a:p>
-            <a:fld id="{5BB7E168-F539-4513-AD44-F276B24E7DDF}" type="slidenum">
-              <a:rPr lang="en-GB" smtClean="0"/>
-              <a:t>3</a:t>
-            </a:fld>
-            <a:endParaRPr lang="en-GB"/>
-          </a:p>
-        </p:txBody>
-      </p:sp>
-    </p:spTree>
-    <p:extLst>
-      <p:ext uri="{BB962C8B-B14F-4D97-AF65-F5344CB8AC3E}">
-        <p14:creationId xmlns:p14="http://schemas.microsoft.com/office/powerpoint/2010/main" val="1578765031"/>
       </p:ext>
     </p:extLst>
   </p:cSld>
@@ -12589,7 +12015,7 @@
           <p:cNvPr id="2" name="Titolo 1">
             <a:extLst>
               <a:ext uri="{FF2B5EF4-FFF2-40B4-BE49-F238E27FC236}">
-                <a16:creationId xmlns:a16="http://schemas.microsoft.com/office/drawing/2014/main" id="{BEEF15DC-FB09-470A-9AAF-D80C3E1C7177}"/>
+                <a16:creationId xmlns:a16="http://schemas.microsoft.com/office/drawing/2014/main" id="{7D96BAD6-31BA-457C-A1F7-FFE448CEFCD7}"/>
               </a:ext>
             </a:extLst>
           </p:cNvPr>
@@ -12605,7 +12031,22 @@
           <a:bodyPr/>
           <a:lstStyle/>
           <a:p>
-            <a:endParaRPr lang="en-GB"/>
+            <a:r>
+              <a:rPr lang="en-GB" b="1" noProof="0" dirty="0" err="1">
+                <a:solidFill>
+                  <a:schemeClr val="tx2"/>
+                </a:solidFill>
+              </a:rPr>
+              <a:t>DDoSDefence</a:t>
+            </a:r>
+            <a:r>
+              <a:rPr lang="en-GB" b="1" noProof="0" dirty="0">
+                <a:solidFill>
+                  <a:schemeClr val="tx2"/>
+                </a:solidFill>
+              </a:rPr>
+              <a:t>: Controller Interface</a:t>
+            </a:r>
           </a:p>
         </p:txBody>
       </p:sp>
@@ -12614,7 +12055,7 @@
           <p:cNvPr id="3" name="Segnaposto contenuto 2">
             <a:extLst>
               <a:ext uri="{FF2B5EF4-FFF2-40B4-BE49-F238E27FC236}">
-                <a16:creationId xmlns:a16="http://schemas.microsoft.com/office/drawing/2014/main" id="{00D2A0FD-2600-4957-9F65-CD44DD810572}"/>
+                <a16:creationId xmlns:a16="http://schemas.microsoft.com/office/drawing/2014/main" id="{989D378B-63F3-428D-A939-B6C0D0D0EF4D}"/>
               </a:ext>
             </a:extLst>
           </p:cNvPr>
@@ -12630,7 +12071,82 @@
           <a:bodyPr/>
           <a:lstStyle/>
           <a:p>
-            <a:endParaRPr lang="en-GB"/>
+            <a:r>
+              <a:rPr lang="en-GB" dirty="0"/>
+              <a:t>The controller provides two REST resources (only POST):</a:t>
+            </a:r>
+          </a:p>
+          <a:p>
+            <a:pPr lvl="1"/>
+            <a:r>
+              <a:rPr lang="en-GB" b="1" noProof="0" dirty="0"/>
+              <a:t>Init</a:t>
+            </a:r>
+            <a:r>
+              <a:rPr lang="en-GB" noProof="0" dirty="0"/>
+              <a:t>: required to initialize the controller, can be executed only one time and is required before enabling protection for the first time. Parameters:</a:t>
+            </a:r>
+          </a:p>
+          <a:p>
+            <a:pPr lvl="2"/>
+            <a:r>
+              <a:rPr lang="en-GB" i="1" dirty="0"/>
+              <a:t>Service port</a:t>
+            </a:r>
+            <a:r>
+              <a:rPr lang="en-GB" dirty="0"/>
+              <a:t>, for protected service</a:t>
+            </a:r>
+          </a:p>
+          <a:p>
+            <a:pPr lvl="2"/>
+            <a:r>
+              <a:rPr lang="en-GB" i="1" noProof="0" dirty="0"/>
+              <a:t>Public address pool</a:t>
+            </a:r>
+            <a:r>
+              <a:rPr lang="en-GB" noProof="0" dirty="0"/>
+              <a:t>, assignable to the server(s)</a:t>
+            </a:r>
+          </a:p>
+          <a:p>
+            <a:pPr lvl="2"/>
+            <a:r>
+              <a:rPr lang="en-GB" i="1" dirty="0"/>
+              <a:t>Threshold</a:t>
+            </a:r>
+            <a:r>
+              <a:rPr lang="en-GB" dirty="0"/>
+              <a:t>, for spotting bots</a:t>
+            </a:r>
+            <a:endParaRPr lang="en-GB" i="1" dirty="0"/>
+          </a:p>
+          <a:p>
+            <a:pPr lvl="1"/>
+            <a:r>
+              <a:rPr lang="en-GB" b="1" dirty="0"/>
+              <a:t>Management</a:t>
+            </a:r>
+            <a:r>
+              <a:rPr lang="en-GB" dirty="0"/>
+              <a:t>: used to enable or disable the protection.  Parameters:</a:t>
+            </a:r>
+          </a:p>
+          <a:p>
+            <a:pPr lvl="2"/>
+            <a:r>
+              <a:rPr lang="en-GB" i="1" dirty="0"/>
+              <a:t>Enable</a:t>
+            </a:r>
+            <a:r>
+              <a:rPr lang="en-GB" dirty="0"/>
+              <a:t>, </a:t>
+            </a:r>
+            <a:r>
+              <a:rPr lang="en-GB" dirty="0" err="1"/>
+              <a:t>boolean</a:t>
+            </a:r>
+            <a:endParaRPr lang="en-GB" i="1" dirty="0"/>
           </a:p>
         </p:txBody>
       </p:sp>
@@ -12639,7 +12155,7 @@
           <p:cNvPr id="4" name="Segnaposto piè di pagina 3">
             <a:extLst>
               <a:ext uri="{FF2B5EF4-FFF2-40B4-BE49-F238E27FC236}">
-                <a16:creationId xmlns:a16="http://schemas.microsoft.com/office/drawing/2014/main" id="{DA405F29-ABBE-449A-8277-A1D8AA9533B6}"/>
+                <a16:creationId xmlns:a16="http://schemas.microsoft.com/office/drawing/2014/main" id="{B0177442-FF79-405F-89DF-63126288BA0F}"/>
               </a:ext>
             </a:extLst>
           </p:cNvPr>
@@ -12668,7 +12184,7 @@
           <p:cNvPr id="5" name="Segnaposto numero diapositiva 4">
             <a:extLst>
               <a:ext uri="{FF2B5EF4-FFF2-40B4-BE49-F238E27FC236}">
-                <a16:creationId xmlns:a16="http://schemas.microsoft.com/office/drawing/2014/main" id="{9F6BA64F-3245-479F-97EA-497AA479A818}"/>
+                <a16:creationId xmlns:a16="http://schemas.microsoft.com/office/drawing/2014/main" id="{0D34D309-1DD9-4B79-BD18-17DC55DC9F25}"/>
               </a:ext>
             </a:extLst>
           </p:cNvPr>
@@ -12695,7 +12211,7 @@
     </p:spTree>
     <p:extLst>
       <p:ext uri="{BB962C8B-B14F-4D97-AF65-F5344CB8AC3E}">
-        <p14:creationId xmlns:p14="http://schemas.microsoft.com/office/powerpoint/2010/main" val="2137555372"/>
+        <p14:creationId xmlns:p14="http://schemas.microsoft.com/office/powerpoint/2010/main" val="2406041559"/>
       </p:ext>
     </p:extLst>
   </p:cSld>
@@ -12727,7 +12243,7 @@
           <p:cNvPr id="2" name="Titolo 1">
             <a:extLst>
               <a:ext uri="{FF2B5EF4-FFF2-40B4-BE49-F238E27FC236}">
-                <a16:creationId xmlns:a16="http://schemas.microsoft.com/office/drawing/2014/main" id="{71BF20B7-4BA0-4CF1-8E2B-382DBDBD21EB}"/>
+                <a16:creationId xmlns:a16="http://schemas.microsoft.com/office/drawing/2014/main" id="{7D96BAD6-31BA-457C-A1F7-FFE448CEFCD7}"/>
               </a:ext>
             </a:extLst>
           </p:cNvPr>
@@ -12738,83 +12254,148 @@
             <p:ph type="title"/>
           </p:nvPr>
         </p:nvSpPr>
-        <p:spPr>
-          <a:xfrm>
-            <a:off x="317500" y="390525"/>
-            <a:ext cx="10515600" cy="1325563"/>
-          </a:xfrm>
-        </p:spPr>
+        <p:spPr/>
         <p:txBody>
           <a:bodyPr/>
           <a:lstStyle/>
           <a:p>
             <a:r>
-              <a:rPr lang="it-IT" b="1" dirty="0" err="1">
+              <a:rPr lang="en-GB" b="1" noProof="0" dirty="0">
                 <a:solidFill>
                   <a:schemeClr val="tx2"/>
                 </a:solidFill>
               </a:rPr>
-              <a:t>Our</a:t>
-            </a:r>
-            <a:r>
-              <a:rPr lang="it-IT" b="1" dirty="0">
-                <a:solidFill>
-                  <a:schemeClr val="tx2"/>
-                </a:solidFill>
-              </a:rPr>
-              <a:t> </a:t>
-            </a:r>
-            <a:r>
-              <a:rPr lang="it-IT" b="1" dirty="0" err="1">
-                <a:solidFill>
-                  <a:schemeClr val="tx2"/>
-                </a:solidFill>
-              </a:rPr>
-              <a:t>Pseudocode</a:t>
-            </a:r>
-            <a:r>
-              <a:rPr lang="it-IT" b="1" dirty="0">
-                <a:solidFill>
-                  <a:schemeClr val="tx2"/>
-                </a:solidFill>
-              </a:rPr>
-              <a:t> </a:t>
-            </a:r>
-            <a:endParaRPr lang="en-GB" b="1" dirty="0">
-              <a:solidFill>
-                <a:schemeClr val="tx2"/>
-              </a:solidFill>
-            </a:endParaRPr>
-          </a:p>
-        </p:txBody>
-      </p:sp>
-      <p:sp>
-        <p:nvSpPr>
-          <p:cNvPr id="4" name="Segnaposto piè di pagina 3">
-            <a:extLst>
-              <a:ext uri="{FF2B5EF4-FFF2-40B4-BE49-F238E27FC236}">
-                <a16:creationId xmlns:a16="http://schemas.microsoft.com/office/drawing/2014/main" id="{65E15F71-FD24-4519-9713-A3CBDEEFE96A}"/>
-              </a:ext>
-            </a:extLst>
-          </p:cNvPr>
-          <p:cNvSpPr>
-            <a:spLocks noGrp="1"/>
-          </p:cNvSpPr>
-          <p:nvPr>
-            <p:ph type="ftr" sz="quarter" idx="11"/>
-          </p:nvPr>
-        </p:nvSpPr>
-        <p:spPr>
-          <a:xfrm>
-            <a:off x="4038600" y="6356350"/>
-            <a:ext cx="4114800" cy="365125"/>
-          </a:xfrm>
-        </p:spPr>
+              <a:t>Learning Switch</a:t>
+            </a:r>
+          </a:p>
+        </p:txBody>
+      </p:sp>
+      <p:sp>
+        <p:nvSpPr>
+          <p:cNvPr id="3" name="Segnaposto contenuto 2">
+            <a:extLst>
+              <a:ext uri="{FF2B5EF4-FFF2-40B4-BE49-F238E27FC236}">
+                <a16:creationId xmlns:a16="http://schemas.microsoft.com/office/drawing/2014/main" id="{989D378B-63F3-428D-A939-B6C0D0D0EF4D}"/>
+              </a:ext>
+            </a:extLst>
+          </p:cNvPr>
+          <p:cNvSpPr>
+            <a:spLocks noGrp="1"/>
+          </p:cNvSpPr>
+          <p:nvPr>
+            <p:ph idx="1"/>
+          </p:nvPr>
+        </p:nvSpPr>
+        <p:spPr/>
         <p:txBody>
           <a:bodyPr/>
           <a:lstStyle/>
           <a:p>
             <a:r>
+              <a:rPr lang="en-GB" noProof="0" dirty="0"/>
+              <a:t>The learning switch is used in order to </a:t>
+            </a:r>
+            <a:r>
+              <a:rPr lang="en-GB" b="1" noProof="0" dirty="0"/>
+              <a:t>avoid</a:t>
+            </a:r>
+            <a:r>
+              <a:rPr lang="en-GB" noProof="0" dirty="0"/>
+              <a:t> </a:t>
+            </a:r>
+            <a:r>
+              <a:rPr lang="en-GB" b="1" noProof="0" dirty="0"/>
+              <a:t>the re-implementation of L2 switching functionalities</a:t>
+            </a:r>
+            <a:r>
+              <a:rPr lang="en-GB" noProof="0" dirty="0"/>
+              <a:t> in our controller</a:t>
+            </a:r>
+          </a:p>
+          <a:p>
+            <a:pPr lvl="1"/>
+            <a:r>
+              <a:rPr lang="en-GB" noProof="0" dirty="0"/>
+              <a:t>Switch will perform also auto-learning functionalities.</a:t>
+            </a:r>
+          </a:p>
+          <a:p>
+            <a:r>
+              <a:rPr lang="en-GB" noProof="0" dirty="0"/>
+              <a:t>For our purposes, this behaviour must be applied only to </a:t>
+            </a:r>
+            <a:r>
+              <a:rPr lang="en-GB" b="1" noProof="0" dirty="0"/>
+              <a:t>ARP and ICMP packets</a:t>
+            </a:r>
+          </a:p>
+          <a:p>
+            <a:pPr lvl="1"/>
+            <a:r>
+              <a:rPr lang="en-GB" b="1" noProof="0" dirty="0"/>
+              <a:t>ARP </a:t>
+            </a:r>
+            <a:r>
+              <a:rPr lang="en-GB" noProof="0" dirty="0"/>
+              <a:t>for enabling packets sending between clients and server;</a:t>
+            </a:r>
+          </a:p>
+          <a:p>
+            <a:pPr lvl="1"/>
+            <a:r>
+              <a:rPr lang="en-GB" b="1" noProof="0" dirty="0"/>
+              <a:t>ICMP </a:t>
+            </a:r>
+            <a:r>
+              <a:rPr lang="en-GB" noProof="0" dirty="0"/>
+              <a:t>for testing purposes (ping and error messages).</a:t>
+            </a:r>
+          </a:p>
+          <a:p>
+            <a:r>
+              <a:rPr lang="en-GB" noProof="0" dirty="0"/>
+              <a:t>Our model does not include </a:t>
+            </a:r>
+            <a:r>
+              <a:rPr lang="en-GB" b="1" noProof="0" dirty="0"/>
+              <a:t>L3 forwarding</a:t>
+            </a:r>
+          </a:p>
+          <a:p>
+            <a:pPr lvl="1"/>
+            <a:r>
+              <a:rPr lang="en-GB" noProof="0" dirty="0"/>
+              <a:t>Packet coming from clients and server are forwarded by default to the switch.</a:t>
+            </a:r>
+          </a:p>
+          <a:p>
+            <a:pPr lvl="1"/>
+            <a:endParaRPr lang="en-GB" noProof="0" dirty="0"/>
+          </a:p>
+        </p:txBody>
+      </p:sp>
+      <p:sp>
+        <p:nvSpPr>
+          <p:cNvPr id="4" name="Segnaposto piè di pagina 3">
+            <a:extLst>
+              <a:ext uri="{FF2B5EF4-FFF2-40B4-BE49-F238E27FC236}">
+                <a16:creationId xmlns:a16="http://schemas.microsoft.com/office/drawing/2014/main" id="{B0177442-FF79-405F-89DF-63126288BA0F}"/>
+              </a:ext>
+            </a:extLst>
+          </p:cNvPr>
+          <p:cNvSpPr>
+            <a:spLocks noGrp="1"/>
+          </p:cNvSpPr>
+          <p:nvPr>
+            <p:ph type="ftr" sz="quarter" idx="11"/>
+          </p:nvPr>
+        </p:nvSpPr>
+        <p:spPr/>
+        <p:txBody>
+          <a:bodyPr/>
+          <a:lstStyle/>
+          <a:p>
+            <a:r>
               <a:rPr lang="it-IT"/>
               <a:t>A. Le Caldare, E. Sassu, E. Scarselli</a:t>
             </a:r>
@@ -12827,7 +12408,7 @@
           <p:cNvPr id="5" name="Segnaposto numero diapositiva 4">
             <a:extLst>
               <a:ext uri="{FF2B5EF4-FFF2-40B4-BE49-F238E27FC236}">
-                <a16:creationId xmlns:a16="http://schemas.microsoft.com/office/drawing/2014/main" id="{FBB32699-A021-4E06-954D-B48771B9AF8C}"/>
+                <a16:creationId xmlns:a16="http://schemas.microsoft.com/office/drawing/2014/main" id="{0D34D309-1DD9-4B79-BD18-17DC55DC9F25}"/>
               </a:ext>
             </a:extLst>
           </p:cNvPr>
@@ -12838,12 +12419,7 @@
             <p:ph type="sldNum" sz="quarter" idx="12"/>
           </p:nvPr>
         </p:nvSpPr>
-        <p:spPr>
-          <a:xfrm>
-            <a:off x="8610600" y="6356350"/>
-            <a:ext cx="2743200" cy="365125"/>
-          </a:xfrm>
-        </p:spPr>
+        <p:spPr/>
         <p:txBody>
           <a:bodyPr/>
           <a:lstStyle/>
@@ -12856,182 +12432,10 @@
           </a:p>
         </p:txBody>
       </p:sp>
-      <p:pic>
-        <p:nvPicPr>
-          <p:cNvPr id="6" name="Segnaposto contenuto 6">
-            <a:extLst>
-              <a:ext uri="{FF2B5EF4-FFF2-40B4-BE49-F238E27FC236}">
-                <a16:creationId xmlns:a16="http://schemas.microsoft.com/office/drawing/2014/main" id="{12FC9BFD-6F57-4CEA-921E-F45007B02160}"/>
-              </a:ext>
-            </a:extLst>
-          </p:cNvPr>
-          <p:cNvPicPr>
-            <a:picLocks noGrp="1" noChangeAspect="1"/>
-          </p:cNvPicPr>
-          <p:nvPr>
-            <p:ph idx="1"/>
-          </p:nvPr>
-        </p:nvPicPr>
-        <p:blipFill rotWithShape="1">
-          <a:blip r:embed="rId2">
-            <a:extLst>
-              <a:ext uri="{28A0092B-C50C-407E-A947-70E740481C1C}">
-                <a14:useLocalDpi xmlns:a14="http://schemas.microsoft.com/office/drawing/2010/main" val="0"/>
-              </a:ext>
-            </a:extLst>
-          </a:blip>
-          <a:srcRect l="6913" t="5317" r="7315" b="54954"/>
-          <a:stretch/>
-        </p:blipFill>
-        <p:spPr>
-          <a:xfrm>
-            <a:off x="4394242" y="886114"/>
-            <a:ext cx="7429416" cy="4652743"/>
-          </a:xfrm>
-        </p:spPr>
-      </p:pic>
-      <p:sp>
-        <p:nvSpPr>
-          <p:cNvPr id="7" name="CasellaDiTesto 6">
-            <a:extLst>
-              <a:ext uri="{FF2B5EF4-FFF2-40B4-BE49-F238E27FC236}">
-                <a16:creationId xmlns:a16="http://schemas.microsoft.com/office/drawing/2014/main" id="{5CD30BED-1BC5-4548-A8AA-416D7B7CE417}"/>
-              </a:ext>
-            </a:extLst>
-          </p:cNvPr>
-          <p:cNvSpPr txBox="1"/>
-          <p:nvPr/>
-        </p:nvSpPr>
-        <p:spPr>
-          <a:xfrm>
-            <a:off x="419101" y="1850033"/>
-            <a:ext cx="3905250" cy="5724644"/>
-          </a:xfrm>
-          <a:prstGeom prst="rect">
-            <a:avLst/>
-          </a:prstGeom>
-          <a:noFill/>
-        </p:spPr>
-        <p:txBody>
-          <a:bodyPr wrap="square" rtlCol="0">
-            <a:spAutoFit/>
-          </a:bodyPr>
-          <a:lstStyle/>
-          <a:p>
-            <a:r>
-              <a:rPr lang="it-IT" sz="2400" dirty="0" err="1"/>
-              <a:t>Differences</a:t>
-            </a:r>
-            <a:r>
-              <a:rPr lang="it-IT" sz="2400" dirty="0"/>
-              <a:t>:</a:t>
-            </a:r>
-          </a:p>
-          <a:p>
-            <a:endParaRPr lang="it-IT" sz="2400" dirty="0"/>
-          </a:p>
-          <a:p>
-            <a:pPr marL="342900" indent="-342900">
-              <a:buFont typeface="Arial" panose="020B0604020202020204" pitchFamily="34" charset="0"/>
-              <a:buChar char="•"/>
-            </a:pPr>
-            <a:r>
-              <a:rPr lang="it-IT" sz="2400" dirty="0"/>
-              <a:t>Add rules for </a:t>
-            </a:r>
-            <a:r>
-              <a:rPr lang="it-IT" sz="2400" dirty="0" err="1"/>
-              <a:t>packets</a:t>
-            </a:r>
-            <a:r>
-              <a:rPr lang="it-IT" sz="2400" dirty="0"/>
-              <a:t> coming </a:t>
-            </a:r>
-            <a:r>
-              <a:rPr lang="it-IT" sz="2400" b="1" dirty="0"/>
-              <a:t>from  </a:t>
-            </a:r>
-            <a:br>
-              <a:rPr lang="it-IT" sz="2400" b="1" dirty="0"/>
-            </a:br>
-            <a:r>
-              <a:rPr lang="it-IT" sz="2400" b="1" dirty="0"/>
-              <a:t>the server to clients</a:t>
-            </a:r>
-            <a:r>
-              <a:rPr lang="it-IT" sz="2400" dirty="0"/>
-              <a:t>. </a:t>
-            </a:r>
-          </a:p>
-          <a:p>
-            <a:pPr marL="342900" indent="-342900">
-              <a:buFont typeface="Arial" panose="020B0604020202020204" pitchFamily="34" charset="0"/>
-              <a:buChar char="•"/>
-            </a:pPr>
-            <a:r>
-              <a:rPr lang="it-IT" sz="2400" dirty="0" err="1"/>
-              <a:t>Packets</a:t>
-            </a:r>
-            <a:r>
-              <a:rPr lang="it-IT" sz="2400" dirty="0"/>
-              <a:t> coming from server need only to be </a:t>
-            </a:r>
-            <a:r>
-              <a:rPr lang="it-IT" sz="2400" b="1" dirty="0" err="1"/>
-              <a:t>forwarded</a:t>
-            </a:r>
-            <a:r>
-              <a:rPr lang="it-IT" sz="2400" dirty="0"/>
-              <a:t>, then execution can stop after </a:t>
-            </a:r>
-            <a:r>
-              <a:rPr lang="it-IT" sz="2400" b="1" dirty="0" err="1"/>
-              <a:t>adding</a:t>
-            </a:r>
-            <a:r>
-              <a:rPr lang="it-IT" sz="2400" b="1" dirty="0"/>
-              <a:t> the server forwarding rule</a:t>
-            </a:r>
-            <a:r>
-              <a:rPr lang="it-IT" sz="2400" dirty="0"/>
-              <a:t>.</a:t>
-            </a:r>
-          </a:p>
-          <a:p>
-            <a:pPr marL="285750" indent="-285750">
-              <a:buFontTx/>
-              <a:buChar char="-"/>
-            </a:pPr>
-            <a:endParaRPr lang="it-IT" dirty="0"/>
-          </a:p>
-          <a:p>
-            <a:pPr marL="285750" indent="-285750">
-              <a:buFontTx/>
-              <a:buChar char="-"/>
-            </a:pPr>
-            <a:endParaRPr lang="it-IT" dirty="0"/>
-          </a:p>
-          <a:p>
-            <a:endParaRPr lang="it-IT" dirty="0"/>
-          </a:p>
-          <a:p>
-            <a:endParaRPr lang="it-IT" dirty="0"/>
-          </a:p>
-          <a:p>
-            <a:endParaRPr lang="it-IT" dirty="0"/>
-          </a:p>
-          <a:p>
-            <a:endParaRPr lang="it-IT" dirty="0"/>
-          </a:p>
-          <a:p>
-            <a:endParaRPr lang="en-GB" dirty="0"/>
-          </a:p>
-        </p:txBody>
-      </p:sp>
     </p:spTree>
     <p:extLst>
       <p:ext uri="{BB962C8B-B14F-4D97-AF65-F5344CB8AC3E}">
-        <p14:creationId xmlns:p14="http://schemas.microsoft.com/office/powerpoint/2010/main" val="1277185730"/>
+        <p14:creationId xmlns:p14="http://schemas.microsoft.com/office/powerpoint/2010/main" val="1578765031"/>
       </p:ext>
     </p:extLst>
   </p:cSld>
@@ -13063,7 +12467,7 @@
           <p:cNvPr id="2" name="Titolo 1">
             <a:extLst>
               <a:ext uri="{FF2B5EF4-FFF2-40B4-BE49-F238E27FC236}">
-                <a16:creationId xmlns:a16="http://schemas.microsoft.com/office/drawing/2014/main" id="{9324FF3B-3B1A-463B-8372-37E5585C7A8B}"/>
+                <a16:creationId xmlns:a16="http://schemas.microsoft.com/office/drawing/2014/main" id="{71BF20B7-4BA0-4CF1-8E2B-382DBDBD21EB}"/>
               </a:ext>
             </a:extLst>
           </p:cNvPr>
@@ -13076,7 +12480,7 @@
         </p:nvSpPr>
         <p:spPr>
           <a:xfrm>
-            <a:off x="334180" y="377825"/>
+            <a:off x="317500" y="390525"/>
             <a:ext cx="10515600" cy="1325563"/>
           </a:xfrm>
         </p:spPr>
@@ -13085,38 +12489,13 @@
           <a:lstStyle/>
           <a:p>
             <a:r>
-              <a:rPr lang="it-IT" b="1" dirty="0" err="1">
+              <a:rPr lang="en-GB" b="1" noProof="0" dirty="0">
                 <a:solidFill>
                   <a:schemeClr val="tx2"/>
                 </a:solidFill>
               </a:rPr>
-              <a:t>Our</a:t>
-            </a:r>
-            <a:r>
-              <a:rPr lang="it-IT" b="1" dirty="0">
-                <a:solidFill>
-                  <a:schemeClr val="tx2"/>
-                </a:solidFill>
-              </a:rPr>
-              <a:t> </a:t>
-            </a:r>
-            <a:r>
-              <a:rPr lang="it-IT" b="1" dirty="0" err="1">
-                <a:solidFill>
-                  <a:schemeClr val="tx2"/>
-                </a:solidFill>
-              </a:rPr>
-              <a:t>Pseudocode</a:t>
-            </a:r>
-            <a:r>
-              <a:rPr lang="it-IT" b="1" dirty="0">
-                <a:solidFill>
-                  <a:schemeClr val="tx2"/>
-                </a:solidFill>
-              </a:rPr>
-              <a:t> </a:t>
-            </a:r>
-            <a:endParaRPr lang="en-GB" b="1" dirty="0"/>
+              <a:t>Our Pseudocode </a:t>
+            </a:r>
           </a:p>
         </p:txBody>
       </p:sp>
@@ -13125,7 +12504,7 @@
           <p:cNvPr id="4" name="Segnaposto piè di pagina 3">
             <a:extLst>
               <a:ext uri="{FF2B5EF4-FFF2-40B4-BE49-F238E27FC236}">
-                <a16:creationId xmlns:a16="http://schemas.microsoft.com/office/drawing/2014/main" id="{23D645FA-0AA3-4E37-9807-0FDE2B99459A}"/>
+                <a16:creationId xmlns:a16="http://schemas.microsoft.com/office/drawing/2014/main" id="{65E15F71-FD24-4519-9713-A3CBDEEFE96A}"/>
               </a:ext>
             </a:extLst>
           </p:cNvPr>
@@ -13159,7 +12538,7 @@
           <p:cNvPr id="5" name="Segnaposto numero diapositiva 4">
             <a:extLst>
               <a:ext uri="{FF2B5EF4-FFF2-40B4-BE49-F238E27FC236}">
-                <a16:creationId xmlns:a16="http://schemas.microsoft.com/office/drawing/2014/main" id="{F9865783-E436-4F01-9664-B2759478D0A2}"/>
+                <a16:creationId xmlns:a16="http://schemas.microsoft.com/office/drawing/2014/main" id="{FBB32699-A021-4E06-954D-B48771B9AF8C}"/>
               </a:ext>
             </a:extLst>
           </p:cNvPr>
@@ -13193,7 +12572,7 @@
           <p:cNvPr id="6" name="Segnaposto contenuto 6">
             <a:extLst>
               <a:ext uri="{FF2B5EF4-FFF2-40B4-BE49-F238E27FC236}">
-                <a16:creationId xmlns:a16="http://schemas.microsoft.com/office/drawing/2014/main" id="{D41959EA-8DEB-44C8-9569-96F37FBDB1FE}"/>
+                <a16:creationId xmlns:a16="http://schemas.microsoft.com/office/drawing/2014/main" id="{12FC9BFD-6F57-4CEA-921E-F45007B02160}"/>
               </a:ext>
             </a:extLst>
           </p:cNvPr>
@@ -13212,22 +12591,22 @@
               </a:ext>
             </a:extLst>
           </a:blip>
-          <a:srcRect l="7382" t="44488" r="7382" b="7340"/>
+          <a:srcRect l="6913" t="5317" r="7315" b="54954"/>
           <a:stretch/>
         </p:blipFill>
         <p:spPr>
           <a:xfrm>
-            <a:off x="4659336" y="849214"/>
-            <a:ext cx="7113564" cy="5435600"/>
+            <a:off x="4394242" y="886114"/>
+            <a:ext cx="7429416" cy="4652743"/>
           </a:xfrm>
         </p:spPr>
       </p:pic>
       <p:sp>
         <p:nvSpPr>
-          <p:cNvPr id="12" name="CasellaDiTesto 11">
-            <a:extLst>
-              <a:ext uri="{FF2B5EF4-FFF2-40B4-BE49-F238E27FC236}">
-                <a16:creationId xmlns:a16="http://schemas.microsoft.com/office/drawing/2014/main" id="{A2C77459-C5D4-4CC8-98D4-5DB5A7912BD8}"/>
+          <p:cNvPr id="7" name="CasellaDiTesto 6">
+            <a:extLst>
+              <a:ext uri="{FF2B5EF4-FFF2-40B4-BE49-F238E27FC236}">
+                <a16:creationId xmlns:a16="http://schemas.microsoft.com/office/drawing/2014/main" id="{5CD30BED-1BC5-4548-A8AA-416D7B7CE417}"/>
               </a:ext>
             </a:extLst>
           </p:cNvPr>
@@ -13236,8 +12615,8 @@
         </p:nvSpPr>
         <p:spPr>
           <a:xfrm>
-            <a:off x="419101" y="1850400"/>
-            <a:ext cx="4114800" cy="5909310"/>
+            <a:off x="419101" y="1850033"/>
+            <a:ext cx="3905250" cy="5355312"/>
           </a:xfrm>
           <a:prstGeom prst="rect">
             <a:avLst/>
@@ -13260,48 +12639,36 @@
             </a:r>
           </a:p>
           <a:p>
-            <a:endParaRPr lang="it-IT" sz="2400" dirty="0"/>
-          </a:p>
-          <a:p>
             <a:pPr marL="342900" indent="-342900">
               <a:buFont typeface="Arial" panose="020B0604020202020204" pitchFamily="34" charset="0"/>
               <a:buChar char="•"/>
             </a:pPr>
             <a:r>
+              <a:rPr lang="it-IT" sz="2400" dirty="0"/>
+              <a:t>Add rules for </a:t>
+            </a:r>
+            <a:r>
+              <a:rPr lang="it-IT" sz="2400" dirty="0" err="1"/>
+              <a:t>packets</a:t>
+            </a:r>
+            <a:r>
+              <a:rPr lang="it-IT" sz="2400" dirty="0"/>
+              <a:t> coming </a:t>
+            </a:r>
+            <a:r>
               <a:rPr lang="it-IT" sz="2400" b="1" dirty="0"/>
-              <a:t>Checking for connection </a:t>
+              <a:t>from  </a:t>
+            </a:r>
+            <a:br>
+              <a:rPr lang="it-IT" sz="2400" b="1" dirty="0"/>
+            </a:br>
+            <a:r>
+              <a:rPr lang="it-IT" sz="2400" b="1" dirty="0"/>
+              <a:t>the server to clients</a:t>
             </a:r>
             <a:r>
               <a:rPr lang="it-IT" sz="2400" dirty="0"/>
-              <a:t>coming from clients to new server address must be done only </a:t>
-            </a:r>
-            <a:r>
-              <a:rPr lang="it-IT" sz="2400" b="1" dirty="0"/>
-              <a:t>when </a:t>
-            </a:r>
-            <a:r>
-              <a:rPr lang="it-IT" sz="2400" b="1" dirty="0" err="1"/>
-              <a:t>protection</a:t>
-            </a:r>
-            <a:r>
-              <a:rPr lang="it-IT" sz="2400" b="1" dirty="0"/>
-              <a:t> </a:t>
-            </a:r>
-            <a:r>
-              <a:rPr lang="it-IT" sz="2400" b="1" dirty="0" err="1"/>
-              <a:t>is</a:t>
-            </a:r>
-            <a:r>
-              <a:rPr lang="it-IT" sz="2400" b="1" dirty="0"/>
-              <a:t> </a:t>
-            </a:r>
-            <a:r>
-              <a:rPr lang="it-IT" sz="2400" b="1" dirty="0" err="1"/>
-              <a:t>enabled</a:t>
-            </a:r>
-            <a:r>
-              <a:rPr lang="it-IT" sz="2400" dirty="0"/>
-              <a:t>.</a:t>
+              <a:t>. </a:t>
             </a:r>
           </a:p>
           <a:p>
@@ -13310,53 +12677,47 @@
               <a:buChar char="•"/>
             </a:pPr>
             <a:r>
+              <a:rPr lang="it-IT" sz="2400" dirty="0" err="1"/>
+              <a:t>Packets</a:t>
+            </a:r>
+            <a:r>
               <a:rPr lang="it-IT" sz="2400" dirty="0"/>
-              <a:t>The </a:t>
+              <a:t> coming from server need only to be </a:t>
             </a:r>
             <a:r>
               <a:rPr lang="it-IT" sz="2400" b="1" dirty="0" err="1"/>
-              <a:t>dictionary</a:t>
+              <a:t>forwarded</a:t>
+            </a:r>
+            <a:r>
+              <a:rPr lang="it-IT" sz="2400" dirty="0"/>
+              <a:t>, then execution can stop after </a:t>
+            </a:r>
+            <a:r>
+              <a:rPr lang="it-IT" sz="2400" b="1" dirty="0" err="1"/>
+              <a:t>adding</a:t>
             </a:r>
             <a:r>
               <a:rPr lang="it-IT" sz="2400" b="1" dirty="0"/>
-              <a:t> of clients </a:t>
-            </a:r>
-            <a:r>
-              <a:rPr lang="it-IT" sz="2400" b="1" dirty="0" err="1"/>
-              <a:t>connecitons</a:t>
-            </a:r>
-            <a:r>
-              <a:rPr lang="it-IT" sz="2400" b="1" dirty="0"/>
-              <a:t> must be </a:t>
-            </a:r>
-            <a:r>
-              <a:rPr lang="it-IT" sz="2400" b="1" dirty="0" err="1"/>
-              <a:t>cleared</a:t>
-            </a:r>
-            <a:r>
-              <a:rPr lang="it-IT" sz="2400" b="1" dirty="0"/>
-              <a:t> </a:t>
-            </a:r>
-            <a:r>
-              <a:rPr lang="it-IT" sz="2400" dirty="0"/>
-              <a:t>when connection to new server address </a:t>
-            </a:r>
-            <a:r>
-              <a:rPr lang="it-IT" sz="2400" dirty="0" err="1"/>
-              <a:t>is</a:t>
-            </a:r>
-            <a:r>
-              <a:rPr lang="it-IT" sz="2400" dirty="0"/>
-              <a:t> </a:t>
-            </a:r>
-            <a:r>
-              <a:rPr lang="it-IT" sz="2400" dirty="0" err="1"/>
-              <a:t>detected</a:t>
+              <a:t> the server forwarding rule</a:t>
             </a:r>
             <a:r>
               <a:rPr lang="it-IT" sz="2400" dirty="0"/>
               <a:t>.</a:t>
             </a:r>
+          </a:p>
+          <a:p>
+            <a:pPr marL="285750" indent="-285750">
+              <a:buFontTx/>
+              <a:buChar char="-"/>
+            </a:pPr>
+            <a:endParaRPr lang="it-IT" dirty="0"/>
+          </a:p>
+          <a:p>
+            <a:pPr marL="285750" indent="-285750">
+              <a:buFontTx/>
+              <a:buChar char="-"/>
+            </a:pPr>
+            <a:endParaRPr lang="it-IT" dirty="0"/>
           </a:p>
           <a:p>
             <a:endParaRPr lang="it-IT" dirty="0"/>
@@ -13378,7 +12739,7 @@
     </p:spTree>
     <p:extLst>
       <p:ext uri="{BB962C8B-B14F-4D97-AF65-F5344CB8AC3E}">
-        <p14:creationId xmlns:p14="http://schemas.microsoft.com/office/powerpoint/2010/main" val="588787209"/>
+        <p14:creationId xmlns:p14="http://schemas.microsoft.com/office/powerpoint/2010/main" val="1277185730"/>
       </p:ext>
     </p:extLst>
   </p:cSld>
@@ -13410,7 +12771,7 @@
           <p:cNvPr id="2" name="Titolo 1">
             <a:extLst>
               <a:ext uri="{FF2B5EF4-FFF2-40B4-BE49-F238E27FC236}">
-                <a16:creationId xmlns:a16="http://schemas.microsoft.com/office/drawing/2014/main" id="{7E6353A6-1C85-4D8F-9EA2-AAA7BDECABC1}"/>
+                <a16:creationId xmlns:a16="http://schemas.microsoft.com/office/drawing/2014/main" id="{9324FF3B-3B1A-463B-8372-37E5585C7A8B}"/>
               </a:ext>
             </a:extLst>
           </p:cNvPr>
@@ -13421,584 +12782,25 @@
             <p:ph type="title"/>
           </p:nvPr>
         </p:nvSpPr>
-        <p:spPr/>
+        <p:spPr>
+          <a:xfrm>
+            <a:off x="334180" y="377825"/>
+            <a:ext cx="10515600" cy="1325563"/>
+          </a:xfrm>
+        </p:spPr>
         <p:txBody>
           <a:bodyPr/>
           <a:lstStyle/>
           <a:p>
             <a:r>
-              <a:rPr lang="it-IT" b="1" dirty="0" err="1">
+              <a:rPr lang="en-GB" b="1" noProof="0" dirty="0">
                 <a:solidFill>
                   <a:schemeClr val="tx2"/>
                 </a:solidFill>
               </a:rPr>
-              <a:t>Implementatio</a:t>
-            </a:r>
-            <a:r>
-              <a:rPr lang="it-IT" b="1" dirty="0">
-                <a:solidFill>
-                  <a:schemeClr val="tx2"/>
-                </a:solidFill>
-              </a:rPr>
-              <a:t> Issues</a:t>
-            </a:r>
-            <a:endParaRPr lang="en-GB" b="1" dirty="0">
-              <a:solidFill>
-                <a:schemeClr val="tx2"/>
-              </a:solidFill>
-            </a:endParaRPr>
-          </a:p>
-        </p:txBody>
-      </p:sp>
-      <p:sp>
-        <p:nvSpPr>
-          <p:cNvPr id="3" name="Segnaposto contenuto 2">
-            <a:extLst>
-              <a:ext uri="{FF2B5EF4-FFF2-40B4-BE49-F238E27FC236}">
-                <a16:creationId xmlns:a16="http://schemas.microsoft.com/office/drawing/2014/main" id="{DF3513A8-F910-4B01-AD7F-5C394725A6CD}"/>
-              </a:ext>
-            </a:extLst>
-          </p:cNvPr>
-          <p:cNvSpPr>
-            <a:spLocks noGrp="1"/>
-          </p:cNvSpPr>
-          <p:nvPr>
-            <p:ph idx="1"/>
-          </p:nvPr>
-        </p:nvSpPr>
-        <p:spPr/>
-        <p:txBody>
-          <a:bodyPr>
-            <a:normAutofit lnSpcReduction="10000"/>
-          </a:bodyPr>
-          <a:lstStyle/>
-          <a:p>
-            <a:r>
-              <a:rPr lang="it-IT" sz="3200" b="1" dirty="0"/>
-              <a:t>Execution </a:t>
-            </a:r>
-            <a:r>
-              <a:rPr lang="it-IT" sz="3200" b="1" dirty="0" err="1"/>
-              <a:t>order</a:t>
-            </a:r>
-            <a:r>
-              <a:rPr lang="it-IT" sz="3200" b="1" dirty="0"/>
-              <a:t> of </a:t>
-            </a:r>
-            <a:r>
-              <a:rPr lang="it-IT" sz="3200" b="1" dirty="0" err="1"/>
-              <a:t>floodlight</a:t>
-            </a:r>
-            <a:r>
-              <a:rPr lang="it-IT" sz="3200" b="1" dirty="0"/>
-              <a:t> </a:t>
-            </a:r>
-            <a:r>
-              <a:rPr lang="it-IT" sz="3200" b="1" dirty="0" err="1"/>
-              <a:t>modules</a:t>
-            </a:r>
-            <a:r>
-              <a:rPr lang="it-IT" sz="3200" b="1" dirty="0"/>
-              <a:t> </a:t>
-            </a:r>
-            <a:r>
-              <a:rPr lang="it-IT" sz="3200" b="1" dirty="0">
-                <a:hlinkClick r:id="rId3"/>
-              </a:rPr>
-              <a:t>here</a:t>
-            </a:r>
-            <a:r>
-              <a:rPr lang="it-IT" sz="3200" b="1" dirty="0"/>
-              <a:t>.</a:t>
-            </a:r>
-          </a:p>
-          <a:p>
-            <a:r>
-              <a:rPr lang="it-IT" dirty="0">
-                <a:solidFill>
-                  <a:schemeClr val="bg1">
-                    <a:lumMod val="75000"/>
-                  </a:schemeClr>
-                </a:solidFill>
-              </a:rPr>
-              <a:t>The normal rule (</a:t>
-            </a:r>
-            <a:r>
-              <a:rPr lang="it-IT" dirty="0" err="1">
-                <a:solidFill>
-                  <a:schemeClr val="bg1">
-                    <a:lumMod val="75000"/>
-                  </a:schemeClr>
-                </a:solidFill>
-              </a:rPr>
-              <a:t>action.normal</a:t>
-            </a:r>
-            <a:r>
-              <a:rPr lang="it-IT" dirty="0">
-                <a:solidFill>
-                  <a:schemeClr val="bg1">
-                    <a:lumMod val="75000"/>
-                  </a:schemeClr>
-                </a:solidFill>
-              </a:rPr>
-              <a:t>) does not work for non </a:t>
-            </a:r>
-            <a:r>
-              <a:rPr lang="it-IT" dirty="0" err="1">
-                <a:solidFill>
-                  <a:schemeClr val="bg1">
-                    <a:lumMod val="75000"/>
-                  </a:schemeClr>
-                </a:solidFill>
-              </a:rPr>
-              <a:t>hybrid</a:t>
-            </a:r>
-            <a:r>
-              <a:rPr lang="it-IT" dirty="0">
-                <a:solidFill>
-                  <a:schemeClr val="bg1">
-                    <a:lumMod val="75000"/>
-                  </a:schemeClr>
-                </a:solidFill>
-              </a:rPr>
-              <a:t> </a:t>
-            </a:r>
-            <a:r>
-              <a:rPr lang="it-IT" dirty="0" err="1">
-                <a:solidFill>
-                  <a:schemeClr val="bg1">
-                    <a:lumMod val="75000"/>
-                  </a:schemeClr>
-                </a:solidFill>
-              </a:rPr>
-              <a:t>switches</a:t>
-            </a:r>
-            <a:r>
-              <a:rPr lang="it-IT" dirty="0">
-                <a:solidFill>
-                  <a:schemeClr val="bg1">
-                    <a:lumMod val="75000"/>
-                  </a:schemeClr>
-                </a:solidFill>
-              </a:rPr>
-              <a:t>.</a:t>
-            </a:r>
-          </a:p>
-          <a:p>
-            <a:r>
-              <a:rPr lang="it-IT" dirty="0">
-                <a:solidFill>
-                  <a:schemeClr val="bg1">
-                    <a:lumMod val="75000"/>
-                  </a:schemeClr>
-                </a:solidFill>
-              </a:rPr>
-              <a:t>Learning switch: </a:t>
-            </a:r>
-          </a:p>
-          <a:p>
-            <a:pPr lvl="1"/>
-            <a:r>
-              <a:rPr lang="it-IT" dirty="0">
-                <a:solidFill>
-                  <a:schemeClr val="bg1">
-                    <a:lumMod val="75000"/>
-                  </a:schemeClr>
-                </a:solidFill>
-              </a:rPr>
-              <a:t>Add interface to </a:t>
-            </a:r>
-            <a:r>
-              <a:rPr lang="it-IT" dirty="0" err="1">
-                <a:solidFill>
-                  <a:schemeClr val="bg1">
-                    <a:lumMod val="75000"/>
-                  </a:schemeClr>
-                </a:solidFill>
-              </a:rPr>
-              <a:t>retreive</a:t>
-            </a:r>
-            <a:r>
-              <a:rPr lang="it-IT" dirty="0">
-                <a:solidFill>
-                  <a:schemeClr val="bg1">
-                    <a:lumMod val="75000"/>
-                  </a:schemeClr>
-                </a:solidFill>
-              </a:rPr>
-              <a:t> MAC </a:t>
-            </a:r>
-            <a:r>
-              <a:rPr lang="it-IT" dirty="0" err="1">
-                <a:solidFill>
-                  <a:schemeClr val="bg1">
-                    <a:lumMod val="75000"/>
-                  </a:schemeClr>
-                </a:solidFill>
-              </a:rPr>
-              <a:t>addresses</a:t>
-            </a:r>
-            <a:r>
-              <a:rPr lang="it-IT" dirty="0">
-                <a:solidFill>
-                  <a:schemeClr val="bg1">
-                    <a:lumMod val="75000"/>
-                  </a:schemeClr>
-                </a:solidFill>
-              </a:rPr>
-              <a:t> from the learning switch controller</a:t>
-            </a:r>
-          </a:p>
-          <a:p>
-            <a:r>
-              <a:rPr lang="it-IT" dirty="0" err="1">
-                <a:solidFill>
-                  <a:schemeClr val="bg1">
-                    <a:lumMod val="75000"/>
-                  </a:schemeClr>
-                </a:solidFill>
-              </a:rPr>
-              <a:t>Deleting</a:t>
-            </a:r>
-            <a:r>
-              <a:rPr lang="it-IT" dirty="0">
-                <a:solidFill>
-                  <a:schemeClr val="bg1">
-                    <a:lumMod val="75000"/>
-                  </a:schemeClr>
-                </a:solidFill>
-              </a:rPr>
-              <a:t> rules are </a:t>
-            </a:r>
-            <a:r>
-              <a:rPr lang="it-IT" dirty="0" err="1">
-                <a:solidFill>
-                  <a:schemeClr val="bg1">
-                    <a:lumMod val="75000"/>
-                  </a:schemeClr>
-                </a:solidFill>
-              </a:rPr>
-              <a:t>specified</a:t>
-            </a:r>
-            <a:r>
-              <a:rPr lang="it-IT" dirty="0">
-                <a:solidFill>
-                  <a:schemeClr val="bg1">
-                    <a:lumMod val="75000"/>
-                  </a:schemeClr>
-                </a:solidFill>
-              </a:rPr>
-              <a:t> </a:t>
-            </a:r>
-            <a:r>
-              <a:rPr lang="it-IT" dirty="0">
-                <a:solidFill>
-                  <a:schemeClr val="bg1">
-                    <a:lumMod val="75000"/>
-                  </a:schemeClr>
-                </a:solidFill>
-                <a:hlinkClick r:id="rId4">
-                  <a:extLst>
-                    <a:ext uri="{A12FA001-AC4F-418D-AE19-62706E023703}">
-                      <ahyp:hlinkClr xmlns:ahyp="http://schemas.microsoft.com/office/drawing/2018/hyperlinkcolor" val="tx"/>
-                    </a:ext>
-                  </a:extLst>
-                </a:hlinkClick>
-              </a:rPr>
-              <a:t>here</a:t>
-            </a:r>
-            <a:r>
-              <a:rPr lang="it-IT" dirty="0">
-                <a:solidFill>
-                  <a:schemeClr val="bg1">
-                    <a:lumMod val="75000"/>
-                  </a:schemeClr>
-                </a:solidFill>
-              </a:rPr>
-              <a:t>. </a:t>
-            </a:r>
-          </a:p>
-          <a:p>
-            <a:pPr lvl="1"/>
-            <a:r>
-              <a:rPr lang="it-IT" dirty="0" err="1">
-                <a:solidFill>
-                  <a:schemeClr val="bg1">
-                    <a:lumMod val="75000"/>
-                  </a:schemeClr>
-                </a:solidFill>
-              </a:rPr>
-              <a:t>OFFlowDelete</a:t>
-            </a:r>
-            <a:r>
-              <a:rPr lang="it-IT" dirty="0">
-                <a:solidFill>
-                  <a:schemeClr val="bg1">
-                    <a:lumMod val="75000"/>
-                  </a:schemeClr>
-                </a:solidFill>
-              </a:rPr>
-              <a:t> </a:t>
-            </a:r>
-            <a:r>
-              <a:rPr lang="it-IT" dirty="0" err="1">
-                <a:solidFill>
-                  <a:schemeClr val="bg1">
-                    <a:lumMod val="75000"/>
-                  </a:schemeClr>
-                </a:solidFill>
-              </a:rPr>
-              <a:t>deletes</a:t>
-            </a:r>
-            <a:r>
-              <a:rPr lang="it-IT" dirty="0">
-                <a:solidFill>
-                  <a:schemeClr val="bg1">
-                    <a:lumMod val="75000"/>
-                  </a:schemeClr>
-                </a:solidFill>
-              </a:rPr>
-              <a:t> rules </a:t>
-            </a:r>
-            <a:r>
-              <a:rPr lang="it-IT" dirty="0" err="1">
-                <a:solidFill>
-                  <a:schemeClr val="bg1">
-                    <a:lumMod val="75000"/>
-                  </a:schemeClr>
-                </a:solidFill>
-              </a:rPr>
-              <a:t>matching</a:t>
-            </a:r>
-            <a:r>
-              <a:rPr lang="it-IT" dirty="0">
-                <a:solidFill>
-                  <a:schemeClr val="bg1">
-                    <a:lumMod val="75000"/>
-                  </a:schemeClr>
-                </a:solidFill>
-              </a:rPr>
-              <a:t> </a:t>
-            </a:r>
-            <a:r>
-              <a:rPr lang="it-IT" dirty="0" err="1">
-                <a:solidFill>
-                  <a:schemeClr val="bg1">
-                    <a:lumMod val="75000"/>
-                  </a:schemeClr>
-                </a:solidFill>
-              </a:rPr>
-              <a:t>at</a:t>
-            </a:r>
-            <a:r>
-              <a:rPr lang="it-IT" dirty="0">
-                <a:solidFill>
-                  <a:schemeClr val="bg1">
-                    <a:lumMod val="75000"/>
-                  </a:schemeClr>
-                </a:solidFill>
-              </a:rPr>
-              <a:t> </a:t>
-            </a:r>
-            <a:r>
-              <a:rPr lang="it-IT" dirty="0" err="1">
-                <a:solidFill>
-                  <a:schemeClr val="bg1">
-                    <a:lumMod val="75000"/>
-                  </a:schemeClr>
-                </a:solidFill>
-              </a:rPr>
-              <a:t>least</a:t>
-            </a:r>
-            <a:r>
-              <a:rPr lang="it-IT" dirty="0">
-                <a:solidFill>
-                  <a:schemeClr val="bg1">
-                    <a:lumMod val="75000"/>
-                  </a:schemeClr>
-                </a:solidFill>
-              </a:rPr>
-              <a:t> the </a:t>
-            </a:r>
-            <a:r>
-              <a:rPr lang="it-IT" dirty="0" err="1">
-                <a:solidFill>
-                  <a:schemeClr val="bg1">
-                    <a:lumMod val="75000"/>
-                  </a:schemeClr>
-                </a:solidFill>
-              </a:rPr>
-              <a:t>specified</a:t>
-            </a:r>
-            <a:r>
-              <a:rPr lang="it-IT" dirty="0">
-                <a:solidFill>
-                  <a:schemeClr val="bg1">
-                    <a:lumMod val="75000"/>
-                  </a:schemeClr>
-                </a:solidFill>
-              </a:rPr>
-              <a:t> fields;</a:t>
-            </a:r>
-          </a:p>
-          <a:p>
-            <a:pPr lvl="1"/>
-            <a:r>
-              <a:rPr lang="it-IT" dirty="0" err="1">
-                <a:solidFill>
-                  <a:schemeClr val="bg1">
-                    <a:lumMod val="75000"/>
-                  </a:schemeClr>
-                </a:solidFill>
-              </a:rPr>
-              <a:t>OFFlowDeleteStrict</a:t>
-            </a:r>
-            <a:r>
-              <a:rPr lang="it-IT" dirty="0">
-                <a:solidFill>
-                  <a:schemeClr val="bg1">
-                    <a:lumMod val="75000"/>
-                  </a:schemeClr>
-                </a:solidFill>
-              </a:rPr>
-              <a:t> </a:t>
-            </a:r>
-            <a:r>
-              <a:rPr lang="it-IT" dirty="0" err="1">
-                <a:solidFill>
-                  <a:schemeClr val="bg1">
-                    <a:lumMod val="75000"/>
-                  </a:schemeClr>
-                </a:solidFill>
-              </a:rPr>
-              <a:t>deletes</a:t>
-            </a:r>
-            <a:r>
-              <a:rPr lang="it-IT" dirty="0">
-                <a:solidFill>
-                  <a:schemeClr val="bg1">
-                    <a:lumMod val="75000"/>
-                  </a:schemeClr>
-                </a:solidFill>
-              </a:rPr>
-              <a:t> the rules that </a:t>
-            </a:r>
-            <a:r>
-              <a:rPr lang="en-GB" dirty="0">
-                <a:solidFill>
-                  <a:schemeClr val="bg1">
-                    <a:lumMod val="75000"/>
-                  </a:schemeClr>
-                </a:solidFill>
-              </a:rPr>
-              <a:t>exactly looks like the match you specify</a:t>
-            </a:r>
-            <a:r>
-              <a:rPr lang="it-IT" dirty="0">
-                <a:solidFill>
-                  <a:schemeClr val="bg1">
-                    <a:lumMod val="75000"/>
-                  </a:schemeClr>
-                </a:solidFill>
-              </a:rPr>
-              <a:t>.</a:t>
-            </a:r>
-          </a:p>
-          <a:p>
-            <a:r>
-              <a:rPr lang="it-IT" dirty="0">
-                <a:solidFill>
-                  <a:schemeClr val="bg1">
-                    <a:lumMod val="75000"/>
-                  </a:schemeClr>
-                </a:solidFill>
-              </a:rPr>
-              <a:t>Testing </a:t>
-            </a:r>
-            <a:r>
-              <a:rPr lang="it-IT" dirty="0" err="1">
-                <a:solidFill>
-                  <a:schemeClr val="bg1">
-                    <a:lumMod val="75000"/>
-                  </a:schemeClr>
-                </a:solidFill>
-              </a:rPr>
-              <a:t>is</a:t>
-            </a:r>
-            <a:r>
-              <a:rPr lang="it-IT" dirty="0">
-                <a:solidFill>
-                  <a:schemeClr val="bg1">
-                    <a:lumMod val="75000"/>
-                  </a:schemeClr>
-                </a:solidFill>
-              </a:rPr>
-              <a:t> done in </a:t>
-            </a:r>
-            <a:r>
-              <a:rPr lang="it-IT" dirty="0" err="1">
-                <a:solidFill>
-                  <a:schemeClr val="bg1">
-                    <a:lumMod val="75000"/>
-                  </a:schemeClr>
-                </a:solidFill>
-              </a:rPr>
-              <a:t>python</a:t>
-            </a:r>
-            <a:r>
-              <a:rPr lang="it-IT" dirty="0">
-                <a:solidFill>
-                  <a:schemeClr val="bg1">
-                    <a:lumMod val="75000"/>
-                  </a:schemeClr>
-                </a:solidFill>
-              </a:rPr>
-              <a:t> </a:t>
-            </a:r>
-            <a:r>
-              <a:rPr lang="it-IT" dirty="0" err="1">
-                <a:solidFill>
-                  <a:schemeClr val="bg1">
-                    <a:lumMod val="75000"/>
-                  </a:schemeClr>
-                </a:solidFill>
-              </a:rPr>
-              <a:t>using</a:t>
-            </a:r>
-            <a:r>
-              <a:rPr lang="it-IT" dirty="0">
-                <a:solidFill>
-                  <a:schemeClr val="bg1">
-                    <a:lumMod val="75000"/>
-                  </a:schemeClr>
-                </a:solidFill>
-              </a:rPr>
-              <a:t> </a:t>
-            </a:r>
-            <a:r>
-              <a:rPr lang="it-IT" dirty="0" err="1">
-                <a:solidFill>
-                  <a:schemeClr val="bg1">
-                    <a:lumMod val="75000"/>
-                  </a:schemeClr>
-                </a:solidFill>
-              </a:rPr>
-              <a:t>mininet</a:t>
-            </a:r>
-            <a:r>
-              <a:rPr lang="it-IT" dirty="0">
-                <a:solidFill>
-                  <a:schemeClr val="bg1">
-                    <a:lumMod val="75000"/>
-                  </a:schemeClr>
-                </a:solidFill>
-              </a:rPr>
-              <a:t> library</a:t>
-            </a:r>
-          </a:p>
-          <a:p>
-            <a:pPr lvl="1"/>
-            <a:endParaRPr lang="en-GB" dirty="0"/>
+              <a:t>Our Pseudocode </a:t>
+            </a:r>
+            <a:endParaRPr lang="en-GB" b="1" noProof="0" dirty="0"/>
           </a:p>
         </p:txBody>
       </p:sp>
@@ -14007,7 +12809,7 @@
           <p:cNvPr id="4" name="Segnaposto piè di pagina 3">
             <a:extLst>
               <a:ext uri="{FF2B5EF4-FFF2-40B4-BE49-F238E27FC236}">
-                <a16:creationId xmlns:a16="http://schemas.microsoft.com/office/drawing/2014/main" id="{143FDC5E-D0BC-456A-BA7B-938A4422FE96}"/>
+                <a16:creationId xmlns:a16="http://schemas.microsoft.com/office/drawing/2014/main" id="{23D645FA-0AA3-4E37-9807-0FDE2B99459A}"/>
               </a:ext>
             </a:extLst>
           </p:cNvPr>
@@ -14018,7 +12820,12 @@
             <p:ph type="ftr" sz="quarter" idx="11"/>
           </p:nvPr>
         </p:nvSpPr>
-        <p:spPr/>
+        <p:spPr>
+          <a:xfrm>
+            <a:off x="4038600" y="6356350"/>
+            <a:ext cx="4114800" cy="365125"/>
+          </a:xfrm>
+        </p:spPr>
         <p:txBody>
           <a:bodyPr/>
           <a:lstStyle/>
@@ -14036,7 +12843,7 @@
           <p:cNvPr id="5" name="Segnaposto numero diapositiva 4">
             <a:extLst>
               <a:ext uri="{FF2B5EF4-FFF2-40B4-BE49-F238E27FC236}">
-                <a16:creationId xmlns:a16="http://schemas.microsoft.com/office/drawing/2014/main" id="{498B3CE7-B9F2-48C7-984E-87974B8C1C63}"/>
+                <a16:creationId xmlns:a16="http://schemas.microsoft.com/office/drawing/2014/main" id="{F9865783-E436-4F01-9664-B2759478D0A2}"/>
               </a:ext>
             </a:extLst>
           </p:cNvPr>
@@ -14047,7 +12854,12 @@
             <p:ph type="sldNum" sz="quarter" idx="12"/>
           </p:nvPr>
         </p:nvSpPr>
-        <p:spPr/>
+        <p:spPr>
+          <a:xfrm>
+            <a:off x="8610600" y="6356350"/>
+            <a:ext cx="2743200" cy="365125"/>
+          </a:xfrm>
+        </p:spPr>
         <p:txBody>
           <a:bodyPr/>
           <a:lstStyle/>
@@ -14060,10 +12872,194 @@
           </a:p>
         </p:txBody>
       </p:sp>
+      <p:pic>
+        <p:nvPicPr>
+          <p:cNvPr id="6" name="Segnaposto contenuto 6">
+            <a:extLst>
+              <a:ext uri="{FF2B5EF4-FFF2-40B4-BE49-F238E27FC236}">
+                <a16:creationId xmlns:a16="http://schemas.microsoft.com/office/drawing/2014/main" id="{D41959EA-8DEB-44C8-9569-96F37FBDB1FE}"/>
+              </a:ext>
+            </a:extLst>
+          </p:cNvPr>
+          <p:cNvPicPr>
+            <a:picLocks noGrp="1" noChangeAspect="1"/>
+          </p:cNvPicPr>
+          <p:nvPr>
+            <p:ph idx="1"/>
+          </p:nvPr>
+        </p:nvPicPr>
+        <p:blipFill rotWithShape="1">
+          <a:blip r:embed="rId3">
+            <a:extLst>
+              <a:ext uri="{28A0092B-C50C-407E-A947-70E740481C1C}">
+                <a14:useLocalDpi xmlns:a14="http://schemas.microsoft.com/office/drawing/2010/main" val="0"/>
+              </a:ext>
+            </a:extLst>
+          </a:blip>
+          <a:srcRect l="7382" t="44488" r="7382" b="7340"/>
+          <a:stretch/>
+        </p:blipFill>
+        <p:spPr>
+          <a:xfrm>
+            <a:off x="4659336" y="849214"/>
+            <a:ext cx="7113564" cy="5435600"/>
+          </a:xfrm>
+        </p:spPr>
+      </p:pic>
+      <p:sp>
+        <p:nvSpPr>
+          <p:cNvPr id="12" name="CasellaDiTesto 11">
+            <a:extLst>
+              <a:ext uri="{FF2B5EF4-FFF2-40B4-BE49-F238E27FC236}">
+                <a16:creationId xmlns:a16="http://schemas.microsoft.com/office/drawing/2014/main" id="{A2C77459-C5D4-4CC8-98D4-5DB5A7912BD8}"/>
+              </a:ext>
+            </a:extLst>
+          </p:cNvPr>
+          <p:cNvSpPr txBox="1"/>
+          <p:nvPr/>
+        </p:nvSpPr>
+        <p:spPr>
+          <a:xfrm>
+            <a:off x="419101" y="1850400"/>
+            <a:ext cx="4114800" cy="5539978"/>
+          </a:xfrm>
+          <a:prstGeom prst="rect">
+            <a:avLst/>
+          </a:prstGeom>
+          <a:noFill/>
+        </p:spPr>
+        <p:txBody>
+          <a:bodyPr wrap="square" rtlCol="0">
+            <a:spAutoFit/>
+          </a:bodyPr>
+          <a:lstStyle/>
+          <a:p>
+            <a:r>
+              <a:rPr lang="it-IT" sz="2400" dirty="0" err="1"/>
+              <a:t>Differences</a:t>
+            </a:r>
+            <a:r>
+              <a:rPr lang="it-IT" sz="2400" dirty="0"/>
+              <a:t>:</a:t>
+            </a:r>
+          </a:p>
+          <a:p>
+            <a:pPr marL="342900" indent="-342900">
+              <a:buFont typeface="Arial" panose="020B0604020202020204" pitchFamily="34" charset="0"/>
+              <a:buChar char="•"/>
+            </a:pPr>
+            <a:r>
+              <a:rPr lang="it-IT" sz="2400" b="1" dirty="0"/>
+              <a:t>Checking for connection </a:t>
+            </a:r>
+            <a:r>
+              <a:rPr lang="it-IT" sz="2400" dirty="0"/>
+              <a:t>coming from clients to new server address must be done only </a:t>
+            </a:r>
+            <a:r>
+              <a:rPr lang="it-IT" sz="2400" b="1" dirty="0"/>
+              <a:t>when </a:t>
+            </a:r>
+            <a:r>
+              <a:rPr lang="it-IT" sz="2400" b="1" dirty="0" err="1"/>
+              <a:t>protection</a:t>
+            </a:r>
+            <a:r>
+              <a:rPr lang="it-IT" sz="2400" b="1" dirty="0"/>
+              <a:t> </a:t>
+            </a:r>
+            <a:r>
+              <a:rPr lang="it-IT" sz="2400" b="1" dirty="0" err="1"/>
+              <a:t>is</a:t>
+            </a:r>
+            <a:r>
+              <a:rPr lang="it-IT" sz="2400" b="1" dirty="0"/>
+              <a:t> </a:t>
+            </a:r>
+            <a:r>
+              <a:rPr lang="it-IT" sz="2400" b="1" dirty="0" err="1"/>
+              <a:t>enabled</a:t>
+            </a:r>
+            <a:r>
+              <a:rPr lang="it-IT" sz="2400" dirty="0"/>
+              <a:t>.</a:t>
+            </a:r>
+          </a:p>
+          <a:p>
+            <a:pPr marL="342900" indent="-342900">
+              <a:buFont typeface="Arial" panose="020B0604020202020204" pitchFamily="34" charset="0"/>
+              <a:buChar char="•"/>
+            </a:pPr>
+            <a:r>
+              <a:rPr lang="it-IT" sz="2400" dirty="0"/>
+              <a:t>The </a:t>
+            </a:r>
+            <a:r>
+              <a:rPr lang="it-IT" sz="2400" b="1" dirty="0" err="1"/>
+              <a:t>dictionary</a:t>
+            </a:r>
+            <a:r>
+              <a:rPr lang="it-IT" sz="2400" b="1" dirty="0"/>
+              <a:t> of clients </a:t>
+            </a:r>
+            <a:r>
+              <a:rPr lang="it-IT" sz="2400" b="1" dirty="0" err="1"/>
+              <a:t>connecitons</a:t>
+            </a:r>
+            <a:r>
+              <a:rPr lang="it-IT" sz="2400" b="1" dirty="0"/>
+              <a:t> must be </a:t>
+            </a:r>
+            <a:r>
+              <a:rPr lang="it-IT" sz="2400" b="1" dirty="0" err="1"/>
+              <a:t>cleared</a:t>
+            </a:r>
+            <a:r>
+              <a:rPr lang="it-IT" sz="2400" b="1" dirty="0"/>
+              <a:t> </a:t>
+            </a:r>
+            <a:r>
+              <a:rPr lang="it-IT" sz="2400" dirty="0"/>
+              <a:t>when connection to new server address </a:t>
+            </a:r>
+            <a:r>
+              <a:rPr lang="it-IT" sz="2400" dirty="0" err="1"/>
+              <a:t>is</a:t>
+            </a:r>
+            <a:r>
+              <a:rPr lang="it-IT" sz="2400" dirty="0"/>
+              <a:t> </a:t>
+            </a:r>
+            <a:r>
+              <a:rPr lang="it-IT" sz="2400" dirty="0" err="1"/>
+              <a:t>detected</a:t>
+            </a:r>
+            <a:r>
+              <a:rPr lang="it-IT" sz="2400" dirty="0"/>
+              <a:t>.</a:t>
+            </a:r>
+          </a:p>
+          <a:p>
+            <a:endParaRPr lang="it-IT" dirty="0"/>
+          </a:p>
+          <a:p>
+            <a:endParaRPr lang="it-IT" dirty="0"/>
+          </a:p>
+          <a:p>
+            <a:endParaRPr lang="it-IT" dirty="0"/>
+          </a:p>
+          <a:p>
+            <a:endParaRPr lang="it-IT" dirty="0"/>
+          </a:p>
+          <a:p>
+            <a:endParaRPr lang="en-GB" dirty="0"/>
+          </a:p>
+        </p:txBody>
+      </p:sp>
     </p:spTree>
     <p:extLst>
       <p:ext uri="{BB962C8B-B14F-4D97-AF65-F5344CB8AC3E}">
-        <p14:creationId xmlns:p14="http://schemas.microsoft.com/office/powerpoint/2010/main" val="3051106695"/>
+        <p14:creationId xmlns:p14="http://schemas.microsoft.com/office/powerpoint/2010/main" val="588787209"/>
       </p:ext>
     </p:extLst>
   </p:cSld>
@@ -14112,26 +13108,13 @@
           <a:lstStyle/>
           <a:p>
             <a:r>
-              <a:rPr lang="it-IT" b="1" dirty="0" err="1">
+              <a:rPr lang="en-GB" b="1" noProof="0" dirty="0">
                 <a:solidFill>
                   <a:schemeClr val="tx2"/>
                 </a:solidFill>
               </a:rPr>
-              <a:t>Implementatio</a:t>
-            </a:r>
-            <a:r>
-              <a:rPr lang="it-IT" b="1" dirty="0">
-                <a:solidFill>
-                  <a:schemeClr val="tx2"/>
-                </a:solidFill>
-              </a:rPr>
-              <a:t> Issues</a:t>
-            </a:r>
-            <a:endParaRPr lang="en-GB" b="1" dirty="0">
-              <a:solidFill>
-                <a:schemeClr val="tx2"/>
-              </a:solidFill>
-            </a:endParaRPr>
+              <a:t>Implementation Issues</a:t>
+            </a:r>
           </a:p>
         </p:txBody>
       </p:sp>
@@ -14151,91 +13134,170 @@
             <p:ph idx="1"/>
           </p:nvPr>
         </p:nvSpPr>
-        <p:spPr/>
+        <p:spPr>
+          <a:xfrm>
+            <a:off x="838200" y="1825625"/>
+            <a:ext cx="10515600" cy="4351338"/>
+          </a:xfrm>
+        </p:spPr>
         <p:txBody>
           <a:bodyPr>
-            <a:normAutofit lnSpcReduction="10000"/>
+            <a:normAutofit fontScale="92500"/>
           </a:bodyPr>
           <a:lstStyle/>
           <a:p>
             <a:r>
-              <a:rPr lang="it-IT" dirty="0">
+              <a:rPr lang="en-GB" sz="3200" b="1" noProof="0" dirty="0"/>
+              <a:t>Execution order of floodlight modules </a:t>
+            </a:r>
+            <a:r>
+              <a:rPr lang="en-GB" sz="3200" b="1" noProof="0" dirty="0">
+                <a:hlinkClick r:id="rId3"/>
+              </a:rPr>
+              <a:t>[</a:t>
+            </a:r>
+            <a:r>
+              <a:rPr lang="en-GB" sz="3200" b="1" dirty="0">
+                <a:hlinkClick r:id="rId3"/>
+              </a:rPr>
+              <a:t>1]</a:t>
+            </a:r>
+            <a:endParaRPr lang="en-GB" sz="3200" b="1" noProof="0" dirty="0"/>
+          </a:p>
+          <a:p>
+            <a:r>
+              <a:rPr lang="en-GB" noProof="0" dirty="0">
                 <a:solidFill>
                   <a:schemeClr val="bg1">
                     <a:lumMod val="75000"/>
                   </a:schemeClr>
                 </a:solidFill>
               </a:rPr>
-              <a:t>Execution </a:t>
-            </a:r>
-            <a:r>
-              <a:rPr lang="it-IT" dirty="0" err="1">
+              <a:t>The normal rule (</a:t>
+            </a:r>
+            <a:r>
+              <a:rPr lang="en-GB" noProof="0" dirty="0" err="1">
                 <a:solidFill>
                   <a:schemeClr val="bg1">
                     <a:lumMod val="75000"/>
                   </a:schemeClr>
                 </a:solidFill>
               </a:rPr>
-              <a:t>order</a:t>
-            </a:r>
-            <a:r>
-              <a:rPr lang="it-IT" dirty="0">
+              <a:t>action.normal</a:t>
+            </a:r>
+            <a:r>
+              <a:rPr lang="en-GB" noProof="0" dirty="0">
                 <a:solidFill>
                   <a:schemeClr val="bg1">
                     <a:lumMod val="75000"/>
                   </a:schemeClr>
                 </a:solidFill>
               </a:rPr>
-              <a:t> of </a:t>
-            </a:r>
-            <a:r>
-              <a:rPr lang="it-IT" dirty="0" err="1">
+              <a:t>) does not work for non hybrid switches </a:t>
+            </a:r>
+            <a:r>
+              <a:rPr lang="en-GB" noProof="0" dirty="0">
                 <a:solidFill>
                   <a:schemeClr val="bg1">
                     <a:lumMod val="75000"/>
                   </a:schemeClr>
                 </a:solidFill>
+                <a:hlinkClick r:id="rId4"/>
               </a:rPr>
-              <a:t>floodlight</a:t>
-            </a:r>
-            <a:r>
-              <a:rPr lang="it-IT" dirty="0">
+              <a:t>[2]</a:t>
+            </a:r>
+            <a:endParaRPr lang="en-GB" noProof="0" dirty="0">
+              <a:solidFill>
+                <a:schemeClr val="bg1">
+                  <a:lumMod val="75000"/>
+                </a:schemeClr>
+              </a:solidFill>
+            </a:endParaRPr>
+          </a:p>
+          <a:p>
+            <a:r>
+              <a:rPr lang="en-GB" noProof="0" dirty="0">
                 <a:solidFill>
                   <a:schemeClr val="bg1">
                     <a:lumMod val="75000"/>
                   </a:schemeClr>
                 </a:solidFill>
               </a:rPr>
-              <a:t> </a:t>
-            </a:r>
-            <a:r>
-              <a:rPr lang="it-IT" dirty="0" err="1">
+              <a:t>Learning switch: </a:t>
+            </a:r>
+          </a:p>
+          <a:p>
+            <a:pPr lvl="1"/>
+            <a:r>
+              <a:rPr lang="en-GB" noProof="0" dirty="0">
                 <a:solidFill>
                   <a:schemeClr val="bg1">
                     <a:lumMod val="75000"/>
                   </a:schemeClr>
                 </a:solidFill>
               </a:rPr>
-              <a:t>modules</a:t>
-            </a:r>
-            <a:r>
-              <a:rPr lang="it-IT" dirty="0">
+              <a:t>Added method to </a:t>
+            </a:r>
+            <a:r>
+              <a:rPr lang="en-GB" i="1" noProof="0" dirty="0" err="1">
                 <a:solidFill>
                   <a:schemeClr val="bg1">
                     <a:lumMod val="75000"/>
                   </a:schemeClr>
                 </a:solidFill>
               </a:rPr>
-              <a:t> </a:t>
-            </a:r>
-            <a:r>
-              <a:rPr lang="it-IT" dirty="0">
+              <a:t>ILearningSwitch</a:t>
+            </a:r>
+            <a:r>
+              <a:rPr lang="en-GB" noProof="0" dirty="0">
                 <a:solidFill>
                   <a:schemeClr val="bg1">
                     <a:lumMod val="75000"/>
                   </a:schemeClr>
                 </a:solidFill>
-                <a:hlinkClick r:id="rId3">
+              </a:rPr>
+              <a:t> </a:t>
+            </a:r>
+            <a:r>
+              <a:rPr lang="en-GB" dirty="0">
+                <a:solidFill>
+                  <a:schemeClr val="bg1">
+                    <a:lumMod val="75000"/>
+                  </a:schemeClr>
+                </a:solidFill>
+              </a:rPr>
+              <a:t>to retrieve learned </a:t>
+            </a:r>
+            <a:r>
+              <a:rPr lang="en-GB" noProof="0" dirty="0">
+                <a:solidFill>
+                  <a:schemeClr val="bg1">
+                    <a:lumMod val="75000"/>
+                  </a:schemeClr>
+                </a:solidFill>
+              </a:rPr>
+              <a:t>port from MAC address</a:t>
+            </a:r>
+          </a:p>
+          <a:p>
+            <a:r>
+              <a:rPr lang="en-GB" noProof="0" dirty="0">
+                <a:solidFill>
+                  <a:schemeClr val="bg1">
+                    <a:lumMod val="75000"/>
+                  </a:schemeClr>
+                </a:solidFill>
+              </a:rPr>
+              <a:t>Deleting rules types [</a:t>
+            </a:r>
+            <a:r>
+              <a:rPr lang="en-GB" noProof="0" dirty="0">
+                <a:solidFill>
+                  <a:schemeClr val="bg1">
+                    <a:lumMod val="75000"/>
+                  </a:schemeClr>
+                </a:solidFill>
+                <a:hlinkClick r:id="rId5">
                   <a:extLst>
                     <a:ext uri="{A12FA001-AC4F-418D-AE19-62706E023703}">
                       <ahyp:hlinkClr xmlns:ahyp="http://schemas.microsoft.com/office/drawing/2018/hyperlinkcolor" val="tx"/>
@@ -14243,464 +13305,96 @@
                   </a:extLst>
                 </a:hlinkClick>
               </a:rPr>
-              <a:t>here</a:t>
-            </a:r>
-            <a:r>
-              <a:rPr lang="it-IT" dirty="0">
+              <a:t>3</a:t>
+            </a:r>
+            <a:r>
+              <a:rPr lang="en-GB" noProof="0" dirty="0">
                 <a:solidFill>
                   <a:schemeClr val="bg1">
                     <a:lumMod val="75000"/>
                   </a:schemeClr>
                 </a:solidFill>
               </a:rPr>
-              <a:t>.</a:t>
-            </a:r>
-          </a:p>
-          <a:p>
-            <a:r>
-              <a:rPr lang="it-IT" sz="3200" b="1" dirty="0"/>
-              <a:t>The normal rule (</a:t>
-            </a:r>
-            <a:r>
-              <a:rPr lang="it-IT" sz="3200" b="1" dirty="0" err="1"/>
-              <a:t>action.normal</a:t>
-            </a:r>
-            <a:r>
-              <a:rPr lang="it-IT" sz="3200" b="1" dirty="0"/>
-              <a:t>) does not work for non </a:t>
-            </a:r>
-            <a:r>
-              <a:rPr lang="it-IT" sz="3200" b="1" dirty="0" err="1"/>
-              <a:t>hybrid</a:t>
-            </a:r>
-            <a:r>
-              <a:rPr lang="it-IT" sz="3200" b="1" dirty="0"/>
-              <a:t> </a:t>
-            </a:r>
-            <a:r>
-              <a:rPr lang="it-IT" sz="3200" b="1" dirty="0" err="1"/>
-              <a:t>switches</a:t>
-            </a:r>
-            <a:r>
-              <a:rPr lang="it-IT" sz="3200" b="1" dirty="0"/>
-              <a:t>.</a:t>
-            </a:r>
-          </a:p>
-          <a:p>
-            <a:r>
-              <a:rPr lang="it-IT" dirty="0">
+              <a:t>]</a:t>
+            </a:r>
+          </a:p>
+          <a:p>
+            <a:pPr lvl="1"/>
+            <a:r>
+              <a:rPr lang="en-GB" i="1" noProof="0" dirty="0" err="1">
                 <a:solidFill>
                   <a:schemeClr val="bg1">
                     <a:lumMod val="75000"/>
                   </a:schemeClr>
                 </a:solidFill>
               </a:rPr>
-              <a:t>Learning switch: </a:t>
-            </a:r>
-          </a:p>
-          <a:p>
-            <a:pPr lvl="1"/>
-            <a:r>
-              <a:rPr lang="it-IT" dirty="0">
+              <a:t>OFFlowDelete</a:t>
+            </a:r>
+            <a:r>
+              <a:rPr lang="en-GB" noProof="0" dirty="0">
                 <a:solidFill>
                   <a:schemeClr val="bg1">
                     <a:lumMod val="75000"/>
                   </a:schemeClr>
                 </a:solidFill>
               </a:rPr>
-              <a:t>Add interface to </a:t>
-            </a:r>
-            <a:r>
-              <a:rPr lang="it-IT" dirty="0" err="1">
+              <a:t> deletes rules matching at least the specified fields</a:t>
+            </a:r>
+          </a:p>
+          <a:p>
+            <a:pPr lvl="1"/>
+            <a:r>
+              <a:rPr lang="en-GB" i="1" noProof="0" dirty="0" err="1">
                 <a:solidFill>
                   <a:schemeClr val="bg1">
                     <a:lumMod val="75000"/>
                   </a:schemeClr>
                 </a:solidFill>
               </a:rPr>
-              <a:t>retreive</a:t>
-            </a:r>
-            <a:r>
-              <a:rPr lang="it-IT" dirty="0">
+              <a:t>OFFlowDeleteStrict</a:t>
+            </a:r>
+            <a:r>
+              <a:rPr lang="en-GB" noProof="0" dirty="0">
                 <a:solidFill>
                   <a:schemeClr val="bg1">
                     <a:lumMod val="75000"/>
                   </a:schemeClr>
                 </a:solidFill>
               </a:rPr>
-              <a:t> MAC </a:t>
-            </a:r>
-            <a:r>
-              <a:rPr lang="it-IT" dirty="0" err="1">
+              <a:t> deletes the rules that exactly looks like the match you specify</a:t>
+            </a:r>
+          </a:p>
+          <a:p>
+            <a:r>
+              <a:rPr lang="en-GB" noProof="0" dirty="0">
                 <a:solidFill>
                   <a:schemeClr val="bg1">
                     <a:lumMod val="75000"/>
                   </a:schemeClr>
                 </a:solidFill>
               </a:rPr>
-              <a:t>addresses</a:t>
-            </a:r>
-            <a:r>
-              <a:rPr lang="it-IT" dirty="0">
+              <a:t>Testing is done in Python using mininet library and not mininet cli</a:t>
+            </a:r>
+          </a:p>
+          <a:p>
+            <a:pPr lvl="1"/>
+            <a:r>
+              <a:rPr lang="en-GB" dirty="0">
                 <a:solidFill>
                   <a:schemeClr val="bg1">
                     <a:lumMod val="75000"/>
                   </a:schemeClr>
                 </a:solidFill>
               </a:rPr>
-              <a:t> from the learning switch controller</a:t>
-            </a:r>
-          </a:p>
-          <a:p>
-            <a:r>
-              <a:rPr lang="it-IT" dirty="0" err="1">
-                <a:solidFill>
-                  <a:schemeClr val="bg1">
-                    <a:lumMod val="75000"/>
-                  </a:schemeClr>
-                </a:solidFill>
-              </a:rPr>
-              <a:t>Deleting</a:t>
-            </a:r>
-            <a:r>
-              <a:rPr lang="it-IT" dirty="0">
-                <a:solidFill>
-                  <a:schemeClr val="bg1">
-                    <a:lumMod val="75000"/>
-                  </a:schemeClr>
-                </a:solidFill>
-              </a:rPr>
-              <a:t> rules are </a:t>
-            </a:r>
-            <a:r>
-              <a:rPr lang="it-IT" dirty="0" err="1">
-                <a:solidFill>
-                  <a:schemeClr val="bg1">
-                    <a:lumMod val="75000"/>
-                  </a:schemeClr>
-                </a:solidFill>
-              </a:rPr>
-              <a:t>specified</a:t>
-            </a:r>
-            <a:r>
-              <a:rPr lang="it-IT" dirty="0">
-                <a:solidFill>
-                  <a:schemeClr val="bg1">
-                    <a:lumMod val="75000"/>
-                  </a:schemeClr>
-                </a:solidFill>
-              </a:rPr>
-              <a:t> </a:t>
-            </a:r>
-            <a:r>
-              <a:rPr lang="it-IT" dirty="0">
-                <a:solidFill>
-                  <a:schemeClr val="bg1">
-                    <a:lumMod val="75000"/>
-                  </a:schemeClr>
-                </a:solidFill>
-                <a:hlinkClick r:id="rId4">
-                  <a:extLst>
-                    <a:ext uri="{A12FA001-AC4F-418D-AE19-62706E023703}">
-                      <ahyp:hlinkClr xmlns:ahyp="http://schemas.microsoft.com/office/drawing/2018/hyperlinkcolor" val="tx"/>
-                    </a:ext>
-                  </a:extLst>
-                </a:hlinkClick>
-              </a:rPr>
-              <a:t>here</a:t>
-            </a:r>
-            <a:r>
-              <a:rPr lang="it-IT" dirty="0">
-                <a:solidFill>
-                  <a:schemeClr val="bg1">
-                    <a:lumMod val="75000"/>
-                  </a:schemeClr>
-                </a:solidFill>
-              </a:rPr>
-              <a:t>. </a:t>
-            </a:r>
-          </a:p>
-          <a:p>
-            <a:pPr lvl="1"/>
-            <a:r>
-              <a:rPr lang="it-IT" dirty="0" err="1">
-                <a:solidFill>
-                  <a:schemeClr val="bg1">
-                    <a:lumMod val="75000"/>
-                  </a:schemeClr>
-                </a:solidFill>
-              </a:rPr>
-              <a:t>OFFlowDelete</a:t>
-            </a:r>
-            <a:r>
-              <a:rPr lang="it-IT" dirty="0">
-                <a:solidFill>
-                  <a:schemeClr val="bg1">
-                    <a:lumMod val="75000"/>
-                  </a:schemeClr>
-                </a:solidFill>
-              </a:rPr>
-              <a:t> </a:t>
-            </a:r>
-            <a:r>
-              <a:rPr lang="it-IT" dirty="0" err="1">
-                <a:solidFill>
-                  <a:schemeClr val="bg1">
-                    <a:lumMod val="75000"/>
-                  </a:schemeClr>
-                </a:solidFill>
-              </a:rPr>
-              <a:t>deletes</a:t>
-            </a:r>
-            <a:r>
-              <a:rPr lang="it-IT" dirty="0">
-                <a:solidFill>
-                  <a:schemeClr val="bg1">
-                    <a:lumMod val="75000"/>
-                  </a:schemeClr>
-                </a:solidFill>
-              </a:rPr>
-              <a:t> rules </a:t>
-            </a:r>
-            <a:r>
-              <a:rPr lang="it-IT" dirty="0" err="1">
-                <a:solidFill>
-                  <a:schemeClr val="bg1">
-                    <a:lumMod val="75000"/>
-                  </a:schemeClr>
-                </a:solidFill>
-              </a:rPr>
-              <a:t>matching</a:t>
-            </a:r>
-            <a:r>
-              <a:rPr lang="it-IT" dirty="0">
-                <a:solidFill>
-                  <a:schemeClr val="bg1">
-                    <a:lumMod val="75000"/>
-                  </a:schemeClr>
-                </a:solidFill>
-              </a:rPr>
-              <a:t> </a:t>
-            </a:r>
-            <a:r>
-              <a:rPr lang="it-IT" dirty="0" err="1">
-                <a:solidFill>
-                  <a:schemeClr val="bg1">
-                    <a:lumMod val="75000"/>
-                  </a:schemeClr>
-                </a:solidFill>
-              </a:rPr>
-              <a:t>at</a:t>
-            </a:r>
-            <a:r>
-              <a:rPr lang="it-IT" dirty="0">
-                <a:solidFill>
-                  <a:schemeClr val="bg1">
-                    <a:lumMod val="75000"/>
-                  </a:schemeClr>
-                </a:solidFill>
-              </a:rPr>
-              <a:t> </a:t>
-            </a:r>
-            <a:r>
-              <a:rPr lang="it-IT" dirty="0" err="1">
-                <a:solidFill>
-                  <a:schemeClr val="bg1">
-                    <a:lumMod val="75000"/>
-                  </a:schemeClr>
-                </a:solidFill>
-              </a:rPr>
-              <a:t>least</a:t>
-            </a:r>
-            <a:r>
-              <a:rPr lang="it-IT" dirty="0">
-                <a:solidFill>
-                  <a:schemeClr val="bg1">
-                    <a:lumMod val="75000"/>
-                  </a:schemeClr>
-                </a:solidFill>
-              </a:rPr>
-              <a:t> the </a:t>
-            </a:r>
-            <a:r>
-              <a:rPr lang="it-IT" dirty="0" err="1">
-                <a:solidFill>
-                  <a:schemeClr val="bg1">
-                    <a:lumMod val="75000"/>
-                  </a:schemeClr>
-                </a:solidFill>
-              </a:rPr>
-              <a:t>specified</a:t>
-            </a:r>
-            <a:r>
-              <a:rPr lang="it-IT" dirty="0">
-                <a:solidFill>
-                  <a:schemeClr val="bg1">
-                    <a:lumMod val="75000"/>
-                  </a:schemeClr>
-                </a:solidFill>
-              </a:rPr>
-              <a:t> fields;</a:t>
-            </a:r>
-          </a:p>
-          <a:p>
-            <a:pPr lvl="1"/>
-            <a:r>
-              <a:rPr lang="it-IT" dirty="0" err="1">
-                <a:solidFill>
-                  <a:schemeClr val="bg1">
-                    <a:lumMod val="75000"/>
-                  </a:schemeClr>
-                </a:solidFill>
-              </a:rPr>
-              <a:t>OFFlowDeleteStrict</a:t>
-            </a:r>
-            <a:r>
-              <a:rPr lang="it-IT" dirty="0">
-                <a:solidFill>
-                  <a:schemeClr val="bg1">
-                    <a:lumMod val="75000"/>
-                  </a:schemeClr>
-                </a:solidFill>
-              </a:rPr>
-              <a:t> </a:t>
-            </a:r>
-            <a:r>
-              <a:rPr lang="it-IT" dirty="0" err="1">
-                <a:solidFill>
-                  <a:schemeClr val="bg1">
-                    <a:lumMod val="75000"/>
-                  </a:schemeClr>
-                </a:solidFill>
-              </a:rPr>
-              <a:t>deletes</a:t>
-            </a:r>
-            <a:r>
-              <a:rPr lang="it-IT" dirty="0">
-                <a:solidFill>
-                  <a:schemeClr val="bg1">
-                    <a:lumMod val="75000"/>
-                  </a:schemeClr>
-                </a:solidFill>
-              </a:rPr>
-              <a:t> the rules that </a:t>
-            </a:r>
-            <a:r>
-              <a:rPr lang="en-GB" dirty="0">
-                <a:solidFill>
-                  <a:schemeClr val="bg1">
-                    <a:lumMod val="75000"/>
-                  </a:schemeClr>
-                </a:solidFill>
-              </a:rPr>
-              <a:t>exactly looks like the match you specify</a:t>
-            </a:r>
-            <a:r>
-              <a:rPr lang="it-IT" dirty="0">
-                <a:solidFill>
-                  <a:schemeClr val="bg1">
-                    <a:lumMod val="75000"/>
-                  </a:schemeClr>
-                </a:solidFill>
-              </a:rPr>
-              <a:t>.</a:t>
-            </a:r>
-          </a:p>
-          <a:p>
-            <a:r>
-              <a:rPr lang="it-IT" dirty="0">
-                <a:solidFill>
-                  <a:schemeClr val="bg1">
-                    <a:lumMod val="75000"/>
-                  </a:schemeClr>
-                </a:solidFill>
-              </a:rPr>
-              <a:t>Testing </a:t>
-            </a:r>
-            <a:r>
-              <a:rPr lang="it-IT" dirty="0" err="1">
-                <a:solidFill>
-                  <a:schemeClr val="bg1">
-                    <a:lumMod val="75000"/>
-                  </a:schemeClr>
-                </a:solidFill>
-              </a:rPr>
-              <a:t>is</a:t>
-            </a:r>
-            <a:r>
-              <a:rPr lang="it-IT" dirty="0">
-                <a:solidFill>
-                  <a:schemeClr val="bg1">
-                    <a:lumMod val="75000"/>
-                  </a:schemeClr>
-                </a:solidFill>
-              </a:rPr>
-              <a:t> done in </a:t>
-            </a:r>
-            <a:r>
-              <a:rPr lang="it-IT" dirty="0" err="1">
-                <a:solidFill>
-                  <a:schemeClr val="bg1">
-                    <a:lumMod val="75000"/>
-                  </a:schemeClr>
-                </a:solidFill>
-              </a:rPr>
-              <a:t>python</a:t>
-            </a:r>
-            <a:r>
-              <a:rPr lang="it-IT" dirty="0">
-                <a:solidFill>
-                  <a:schemeClr val="bg1">
-                    <a:lumMod val="75000"/>
-                  </a:schemeClr>
-                </a:solidFill>
-              </a:rPr>
-              <a:t> </a:t>
-            </a:r>
-            <a:r>
-              <a:rPr lang="it-IT" dirty="0" err="1">
-                <a:solidFill>
-                  <a:schemeClr val="bg1">
-                    <a:lumMod val="75000"/>
-                  </a:schemeClr>
-                </a:solidFill>
-              </a:rPr>
-              <a:t>using</a:t>
-            </a:r>
-            <a:r>
-              <a:rPr lang="it-IT" dirty="0">
-                <a:solidFill>
-                  <a:schemeClr val="bg1">
-                    <a:lumMod val="75000"/>
-                  </a:schemeClr>
-                </a:solidFill>
-              </a:rPr>
-              <a:t> </a:t>
-            </a:r>
-            <a:r>
-              <a:rPr lang="it-IT" dirty="0" err="1">
-                <a:solidFill>
-                  <a:schemeClr val="bg1">
-                    <a:lumMod val="75000"/>
-                  </a:schemeClr>
-                </a:solidFill>
-              </a:rPr>
-              <a:t>mininet</a:t>
-            </a:r>
-            <a:r>
-              <a:rPr lang="it-IT" dirty="0">
-                <a:solidFill>
-                  <a:schemeClr val="bg1">
-                    <a:lumMod val="75000"/>
-                  </a:schemeClr>
-                </a:solidFill>
-              </a:rPr>
-              <a:t> library</a:t>
-            </a:r>
-          </a:p>
-          <a:p>
-            <a:pPr lvl="1"/>
-            <a:endParaRPr lang="en-GB" dirty="0"/>
+              <a:t>Due to automating issues for command injection</a:t>
+            </a:r>
+            <a:endParaRPr lang="en-GB" noProof="0" dirty="0">
+              <a:solidFill>
+                <a:schemeClr val="bg1">
+                  <a:lumMod val="75000"/>
+                </a:schemeClr>
+              </a:solidFill>
+            </a:endParaRPr>
           </a:p>
         </p:txBody>
       </p:sp>
@@ -14765,7 +13459,7 @@
     </p:spTree>
     <p:extLst>
       <p:ext uri="{BB962C8B-B14F-4D97-AF65-F5344CB8AC3E}">
-        <p14:creationId xmlns:p14="http://schemas.microsoft.com/office/powerpoint/2010/main" val="81249771"/>
+        <p14:creationId xmlns:p14="http://schemas.microsoft.com/office/powerpoint/2010/main" val="3051106695"/>
       </p:ext>
     </p:extLst>
   </p:cSld>
@@ -14814,14 +13508,13 @@
           <a:lstStyle/>
           <a:p>
             <a:r>
-              <a:rPr lang="it-IT" b="1" dirty="0" err="1"/>
-              <a:t>Implementatio</a:t>
-            </a:r>
-            <a:r>
-              <a:rPr lang="it-IT" b="1" dirty="0"/>
-              <a:t> Issues</a:t>
-            </a:r>
-            <a:endParaRPr lang="en-GB" b="1" dirty="0"/>
+              <a:rPr lang="en-GB" b="1" noProof="0" dirty="0">
+                <a:solidFill>
+                  <a:schemeClr val="tx2"/>
+                </a:solidFill>
+              </a:rPr>
+              <a:t>Implementation Issues</a:t>
+            </a:r>
           </a:p>
         </p:txBody>
       </p:sp>
@@ -14844,82 +13537,73 @@
         <p:spPr/>
         <p:txBody>
           <a:bodyPr>
-            <a:normAutofit fontScale="92500" lnSpcReduction="20000"/>
+            <a:normAutofit lnSpcReduction="10000"/>
           </a:bodyPr>
           <a:lstStyle/>
           <a:p>
             <a:r>
-              <a:rPr lang="it-IT" sz="3000" dirty="0">
+              <a:rPr lang="en-GB" noProof="0" dirty="0">
                 <a:solidFill>
                   <a:schemeClr val="bg1">
                     <a:lumMod val="75000"/>
                   </a:schemeClr>
                 </a:solidFill>
               </a:rPr>
-              <a:t>Execution </a:t>
-            </a:r>
-            <a:r>
-              <a:rPr lang="it-IT" sz="3000" dirty="0" err="1">
+              <a:t>Execution order of floodlight modules [1].</a:t>
+            </a:r>
+          </a:p>
+          <a:p>
+            <a:r>
+              <a:rPr lang="en-GB" sz="3200" b="1" noProof="0" dirty="0"/>
+              <a:t>The normal rule (</a:t>
+            </a:r>
+            <a:r>
+              <a:rPr lang="en-GB" sz="3200" b="1" noProof="0" dirty="0" err="1"/>
+              <a:t>action.normal</a:t>
+            </a:r>
+            <a:r>
+              <a:rPr lang="en-GB" sz="3200" b="1" noProof="0" dirty="0"/>
+              <a:t>) does not work for non hybrid switches.</a:t>
+            </a:r>
+          </a:p>
+          <a:p>
+            <a:r>
+              <a:rPr lang="en-GB" noProof="0" dirty="0">
                 <a:solidFill>
                   <a:schemeClr val="bg1">
                     <a:lumMod val="75000"/>
                   </a:schemeClr>
                 </a:solidFill>
               </a:rPr>
-              <a:t>order</a:t>
-            </a:r>
-            <a:r>
-              <a:rPr lang="it-IT" sz="3000" dirty="0">
+              <a:t>Learning switch: </a:t>
+            </a:r>
+          </a:p>
+          <a:p>
+            <a:pPr lvl="1"/>
+            <a:r>
+              <a:rPr lang="en-GB" noProof="0" dirty="0">
                 <a:solidFill>
                   <a:schemeClr val="bg1">
                     <a:lumMod val="75000"/>
                   </a:schemeClr>
                 </a:solidFill>
               </a:rPr>
-              <a:t> of </a:t>
-            </a:r>
-            <a:r>
-              <a:rPr lang="it-IT" sz="3000" dirty="0" err="1">
+              <a:t>Add interface to retrieve MAC addresses from the learning switch controller</a:t>
+            </a:r>
+          </a:p>
+          <a:p>
+            <a:r>
+              <a:rPr lang="en-GB" noProof="0" dirty="0">
                 <a:solidFill>
                   <a:schemeClr val="bg1">
                     <a:lumMod val="75000"/>
                   </a:schemeClr>
                 </a:solidFill>
               </a:rPr>
-              <a:t>floodlight</a:t>
-            </a:r>
-            <a:r>
-              <a:rPr lang="it-IT" sz="3000" dirty="0">
-                <a:solidFill>
-                  <a:schemeClr val="bg1">
-                    <a:lumMod val="75000"/>
-                  </a:schemeClr>
-                </a:solidFill>
-              </a:rPr>
-              <a:t> </a:t>
-            </a:r>
-            <a:r>
-              <a:rPr lang="it-IT" sz="3000" dirty="0" err="1">
-                <a:solidFill>
-                  <a:schemeClr val="bg1">
-                    <a:lumMod val="75000"/>
-                  </a:schemeClr>
-                </a:solidFill>
-              </a:rPr>
-              <a:t>modules</a:t>
-            </a:r>
-            <a:r>
-              <a:rPr lang="it-IT" sz="3000" dirty="0">
-                <a:solidFill>
-                  <a:schemeClr val="bg1">
-                    <a:lumMod val="75000"/>
-                  </a:schemeClr>
-                </a:solidFill>
-              </a:rPr>
-              <a:t> </a:t>
-            </a:r>
-            <a:r>
-              <a:rPr lang="it-IT" sz="3000" dirty="0">
+              <a:t>Deleting rules are specified </a:t>
+            </a:r>
+            <a:r>
+              <a:rPr lang="en-GB" noProof="0" dirty="0">
                 <a:solidFill>
                   <a:schemeClr val="bg1">
                     <a:lumMod val="75000"/>
@@ -14936,467 +13620,77 @@
               <a:t>here</a:t>
             </a:r>
             <a:r>
-              <a:rPr lang="it-IT" sz="3000" dirty="0">
+              <a:rPr lang="en-GB" noProof="0" dirty="0">
                 <a:solidFill>
                   <a:schemeClr val="bg1">
                     <a:lumMod val="75000"/>
                   </a:schemeClr>
                 </a:solidFill>
               </a:rPr>
-              <a:t>.</a:t>
-            </a:r>
-          </a:p>
-          <a:p>
-            <a:r>
-              <a:rPr lang="it-IT" sz="3000" dirty="0">
+              <a:t>. </a:t>
+            </a:r>
+          </a:p>
+          <a:p>
+            <a:pPr lvl="1"/>
+            <a:r>
+              <a:rPr lang="en-GB" noProof="0" dirty="0" err="1">
                 <a:solidFill>
                   <a:schemeClr val="bg1">
                     <a:lumMod val="75000"/>
                   </a:schemeClr>
                 </a:solidFill>
               </a:rPr>
-              <a:t>The normal rule (</a:t>
-            </a:r>
-            <a:r>
-              <a:rPr lang="it-IT" sz="3000" dirty="0" err="1">
+              <a:t>OFFlowDelete</a:t>
+            </a:r>
+            <a:r>
+              <a:rPr lang="en-GB" noProof="0" dirty="0">
                 <a:solidFill>
                   <a:schemeClr val="bg1">
                     <a:lumMod val="75000"/>
                   </a:schemeClr>
                 </a:solidFill>
               </a:rPr>
-              <a:t>action.normal</a:t>
-            </a:r>
-            <a:r>
-              <a:rPr lang="it-IT" sz="3000" dirty="0">
+              <a:t> deletes rules matching at least the specified fields;</a:t>
+            </a:r>
+          </a:p>
+          <a:p>
+            <a:pPr lvl="1"/>
+            <a:r>
+              <a:rPr lang="en-GB" noProof="0" dirty="0" err="1">
                 <a:solidFill>
                   <a:schemeClr val="bg1">
                     <a:lumMod val="75000"/>
                   </a:schemeClr>
                 </a:solidFill>
               </a:rPr>
-              <a:t>) does not work for non </a:t>
-            </a:r>
-            <a:r>
-              <a:rPr lang="it-IT" sz="3000" dirty="0" err="1">
+              <a:t>OFFlowDeleteStrict</a:t>
+            </a:r>
+            <a:r>
+              <a:rPr lang="en-GB" noProof="0" dirty="0">
                 <a:solidFill>
                   <a:schemeClr val="bg1">
                     <a:lumMod val="75000"/>
                   </a:schemeClr>
                 </a:solidFill>
               </a:rPr>
-              <a:t>hybrid</a:t>
-            </a:r>
-            <a:r>
-              <a:rPr lang="it-IT" sz="3000" dirty="0">
+              <a:t> deletes the rules that exactly looks like the match you specify.</a:t>
+            </a:r>
+          </a:p>
+          <a:p>
+            <a:r>
+              <a:rPr lang="en-GB" noProof="0" dirty="0">
                 <a:solidFill>
                   <a:schemeClr val="bg1">
                     <a:lumMod val="75000"/>
                   </a:schemeClr>
                 </a:solidFill>
               </a:rPr>
-              <a:t> </a:t>
-            </a:r>
-            <a:r>
-              <a:rPr lang="it-IT" sz="3000" dirty="0" err="1">
-                <a:solidFill>
-                  <a:schemeClr val="bg1">
-                    <a:lumMod val="75000"/>
-                  </a:schemeClr>
-                </a:solidFill>
-              </a:rPr>
-              <a:t>switches</a:t>
-            </a:r>
-            <a:r>
-              <a:rPr lang="it-IT" sz="3000" dirty="0">
-                <a:solidFill>
-                  <a:schemeClr val="bg1">
-                    <a:lumMod val="75000"/>
-                  </a:schemeClr>
-                </a:solidFill>
-              </a:rPr>
-              <a:t>.</a:t>
-            </a:r>
-          </a:p>
-          <a:p>
-            <a:r>
-              <a:rPr lang="it-IT" sz="3500" b="1" dirty="0"/>
-              <a:t>Learning switch: </a:t>
+              <a:t>Testing is done in Python using mininet library</a:t>
             </a:r>
           </a:p>
           <a:p>
             <a:pPr lvl="1"/>
-            <a:r>
-              <a:rPr lang="it-IT" sz="2800" b="1" dirty="0"/>
-              <a:t>Add interface to </a:t>
-            </a:r>
-            <a:r>
-              <a:rPr lang="it-IT" sz="2800" b="1" dirty="0" err="1"/>
-              <a:t>retreive</a:t>
-            </a:r>
-            <a:r>
-              <a:rPr lang="it-IT" sz="2800" b="1" dirty="0"/>
-              <a:t> MAC </a:t>
-            </a:r>
-            <a:r>
-              <a:rPr lang="it-IT" sz="2800" b="1" dirty="0" err="1"/>
-              <a:t>addresses</a:t>
-            </a:r>
-            <a:r>
-              <a:rPr lang="it-IT" sz="2800" b="1" dirty="0"/>
-              <a:t> from the learning switch controller.</a:t>
-            </a:r>
-          </a:p>
-          <a:p>
-            <a:r>
-              <a:rPr lang="it-IT" sz="2900" dirty="0" err="1">
-                <a:solidFill>
-                  <a:schemeClr val="bg1">
-                    <a:lumMod val="75000"/>
-                  </a:schemeClr>
-                </a:solidFill>
-              </a:rPr>
-              <a:t>Deleting</a:t>
-            </a:r>
-            <a:r>
-              <a:rPr lang="it-IT" sz="2900" dirty="0">
-                <a:solidFill>
-                  <a:schemeClr val="bg1">
-                    <a:lumMod val="75000"/>
-                  </a:schemeClr>
-                </a:solidFill>
-              </a:rPr>
-              <a:t> rules are </a:t>
-            </a:r>
-            <a:r>
-              <a:rPr lang="it-IT" sz="2900" dirty="0" err="1">
-                <a:solidFill>
-                  <a:schemeClr val="bg1">
-                    <a:lumMod val="75000"/>
-                  </a:schemeClr>
-                </a:solidFill>
-              </a:rPr>
-              <a:t>specified</a:t>
-            </a:r>
-            <a:r>
-              <a:rPr lang="it-IT" sz="2900" dirty="0">
-                <a:solidFill>
-                  <a:schemeClr val="bg1">
-                    <a:lumMod val="75000"/>
-                  </a:schemeClr>
-                </a:solidFill>
-              </a:rPr>
-              <a:t> </a:t>
-            </a:r>
-            <a:r>
-              <a:rPr lang="it-IT" sz="2900" dirty="0">
-                <a:solidFill>
-                  <a:schemeClr val="bg1">
-                    <a:lumMod val="75000"/>
-                  </a:schemeClr>
-                </a:solidFill>
-                <a:hlinkClick r:id="rId4">
-                  <a:extLst>
-                    <a:ext uri="{A12FA001-AC4F-418D-AE19-62706E023703}">
-                      <ahyp:hlinkClr xmlns:ahyp="http://schemas.microsoft.com/office/drawing/2018/hyperlinkcolor" val="tx"/>
-                    </a:ext>
-                  </a:extLst>
-                </a:hlinkClick>
-              </a:rPr>
-              <a:t>here</a:t>
-            </a:r>
-            <a:r>
-              <a:rPr lang="it-IT" sz="2900" dirty="0">
-                <a:solidFill>
-                  <a:schemeClr val="bg1">
-                    <a:lumMod val="75000"/>
-                  </a:schemeClr>
-                </a:solidFill>
-              </a:rPr>
-              <a:t>. </a:t>
-            </a:r>
-          </a:p>
-          <a:p>
-            <a:pPr lvl="1"/>
-            <a:r>
-              <a:rPr lang="it-IT" sz="2600" dirty="0" err="1">
-                <a:solidFill>
-                  <a:schemeClr val="bg1">
-                    <a:lumMod val="75000"/>
-                  </a:schemeClr>
-                </a:solidFill>
-              </a:rPr>
-              <a:t>OFFlowDelete</a:t>
-            </a:r>
-            <a:r>
-              <a:rPr lang="it-IT" sz="2600" dirty="0">
-                <a:solidFill>
-                  <a:schemeClr val="bg1">
-                    <a:lumMod val="75000"/>
-                  </a:schemeClr>
-                </a:solidFill>
-              </a:rPr>
-              <a:t> </a:t>
-            </a:r>
-            <a:r>
-              <a:rPr lang="it-IT" sz="2600" dirty="0" err="1">
-                <a:solidFill>
-                  <a:schemeClr val="bg1">
-                    <a:lumMod val="75000"/>
-                  </a:schemeClr>
-                </a:solidFill>
-              </a:rPr>
-              <a:t>deletes</a:t>
-            </a:r>
-            <a:r>
-              <a:rPr lang="it-IT" sz="2600" dirty="0">
-                <a:solidFill>
-                  <a:schemeClr val="bg1">
-                    <a:lumMod val="75000"/>
-                  </a:schemeClr>
-                </a:solidFill>
-              </a:rPr>
-              <a:t> rules </a:t>
-            </a:r>
-            <a:r>
-              <a:rPr lang="it-IT" sz="2600" dirty="0" err="1">
-                <a:solidFill>
-                  <a:schemeClr val="bg1">
-                    <a:lumMod val="75000"/>
-                  </a:schemeClr>
-                </a:solidFill>
-              </a:rPr>
-              <a:t>matching</a:t>
-            </a:r>
-            <a:r>
-              <a:rPr lang="it-IT" sz="2600" dirty="0">
-                <a:solidFill>
-                  <a:schemeClr val="bg1">
-                    <a:lumMod val="75000"/>
-                  </a:schemeClr>
-                </a:solidFill>
-              </a:rPr>
-              <a:t> </a:t>
-            </a:r>
-            <a:r>
-              <a:rPr lang="it-IT" sz="2600" dirty="0" err="1">
-                <a:solidFill>
-                  <a:schemeClr val="bg1">
-                    <a:lumMod val="75000"/>
-                  </a:schemeClr>
-                </a:solidFill>
-              </a:rPr>
-              <a:t>at</a:t>
-            </a:r>
-            <a:r>
-              <a:rPr lang="it-IT" sz="2600" dirty="0">
-                <a:solidFill>
-                  <a:schemeClr val="bg1">
-                    <a:lumMod val="75000"/>
-                  </a:schemeClr>
-                </a:solidFill>
-              </a:rPr>
-              <a:t> </a:t>
-            </a:r>
-            <a:r>
-              <a:rPr lang="it-IT" sz="2600" dirty="0" err="1">
-                <a:solidFill>
-                  <a:schemeClr val="bg1">
-                    <a:lumMod val="75000"/>
-                  </a:schemeClr>
-                </a:solidFill>
-              </a:rPr>
-              <a:t>least</a:t>
-            </a:r>
-            <a:r>
-              <a:rPr lang="it-IT" sz="2600" dirty="0">
-                <a:solidFill>
-                  <a:schemeClr val="bg1">
-                    <a:lumMod val="75000"/>
-                  </a:schemeClr>
-                </a:solidFill>
-              </a:rPr>
-              <a:t> the </a:t>
-            </a:r>
-            <a:r>
-              <a:rPr lang="it-IT" sz="2600" dirty="0" err="1">
-                <a:solidFill>
-                  <a:schemeClr val="bg1">
-                    <a:lumMod val="75000"/>
-                  </a:schemeClr>
-                </a:solidFill>
-              </a:rPr>
-              <a:t>specified</a:t>
-            </a:r>
-            <a:r>
-              <a:rPr lang="it-IT" sz="2600" dirty="0">
-                <a:solidFill>
-                  <a:schemeClr val="bg1">
-                    <a:lumMod val="75000"/>
-                  </a:schemeClr>
-                </a:solidFill>
-              </a:rPr>
-              <a:t> fields;</a:t>
-            </a:r>
-          </a:p>
-          <a:p>
-            <a:pPr lvl="1"/>
-            <a:r>
-              <a:rPr lang="it-IT" sz="2600" dirty="0" err="1">
-                <a:solidFill>
-                  <a:schemeClr val="bg1">
-                    <a:lumMod val="75000"/>
-                  </a:schemeClr>
-                </a:solidFill>
-              </a:rPr>
-              <a:t>OFFlowDeleteStrict</a:t>
-            </a:r>
-            <a:r>
-              <a:rPr lang="it-IT" sz="2600" dirty="0">
-                <a:solidFill>
-                  <a:schemeClr val="bg1">
-                    <a:lumMod val="75000"/>
-                  </a:schemeClr>
-                </a:solidFill>
-              </a:rPr>
-              <a:t> </a:t>
-            </a:r>
-            <a:r>
-              <a:rPr lang="it-IT" sz="2600" dirty="0" err="1">
-                <a:solidFill>
-                  <a:schemeClr val="bg1">
-                    <a:lumMod val="75000"/>
-                  </a:schemeClr>
-                </a:solidFill>
-              </a:rPr>
-              <a:t>deletes</a:t>
-            </a:r>
-            <a:r>
-              <a:rPr lang="it-IT" sz="2600" dirty="0">
-                <a:solidFill>
-                  <a:schemeClr val="bg1">
-                    <a:lumMod val="75000"/>
-                  </a:schemeClr>
-                </a:solidFill>
-              </a:rPr>
-              <a:t> the rules that </a:t>
-            </a:r>
-            <a:r>
-              <a:rPr lang="en-GB" sz="2600" dirty="0">
-                <a:solidFill>
-                  <a:schemeClr val="bg1">
-                    <a:lumMod val="75000"/>
-                  </a:schemeClr>
-                </a:solidFill>
-              </a:rPr>
-              <a:t>exactly looks like the match you specify</a:t>
-            </a:r>
-            <a:r>
-              <a:rPr lang="it-IT" sz="2600" dirty="0">
-                <a:solidFill>
-                  <a:schemeClr val="bg1">
-                    <a:lumMod val="75000"/>
-                  </a:schemeClr>
-                </a:solidFill>
-              </a:rPr>
-              <a:t>.</a:t>
-            </a:r>
-          </a:p>
-          <a:p>
-            <a:r>
-              <a:rPr lang="it-IT" sz="2900" dirty="0">
-                <a:solidFill>
-                  <a:schemeClr val="bg1">
-                    <a:lumMod val="75000"/>
-                  </a:schemeClr>
-                </a:solidFill>
-              </a:rPr>
-              <a:t>Testing </a:t>
-            </a:r>
-            <a:r>
-              <a:rPr lang="it-IT" sz="2900" dirty="0" err="1">
-                <a:solidFill>
-                  <a:schemeClr val="bg1">
-                    <a:lumMod val="75000"/>
-                  </a:schemeClr>
-                </a:solidFill>
-              </a:rPr>
-              <a:t>is</a:t>
-            </a:r>
-            <a:r>
-              <a:rPr lang="it-IT" sz="2900" dirty="0">
-                <a:solidFill>
-                  <a:schemeClr val="bg1">
-                    <a:lumMod val="75000"/>
-                  </a:schemeClr>
-                </a:solidFill>
-              </a:rPr>
-              <a:t> done in </a:t>
-            </a:r>
-            <a:r>
-              <a:rPr lang="it-IT" sz="2900" dirty="0" err="1">
-                <a:solidFill>
-                  <a:schemeClr val="bg1">
-                    <a:lumMod val="75000"/>
-                  </a:schemeClr>
-                </a:solidFill>
-              </a:rPr>
-              <a:t>python</a:t>
-            </a:r>
-            <a:r>
-              <a:rPr lang="it-IT" sz="2900" dirty="0">
-                <a:solidFill>
-                  <a:schemeClr val="bg1">
-                    <a:lumMod val="75000"/>
-                  </a:schemeClr>
-                </a:solidFill>
-              </a:rPr>
-              <a:t> </a:t>
-            </a:r>
-            <a:r>
-              <a:rPr lang="it-IT" sz="2900" dirty="0" err="1">
-                <a:solidFill>
-                  <a:schemeClr val="bg1">
-                    <a:lumMod val="75000"/>
-                  </a:schemeClr>
-                </a:solidFill>
-              </a:rPr>
-              <a:t>using</a:t>
-            </a:r>
-            <a:r>
-              <a:rPr lang="it-IT" sz="2900" dirty="0">
-                <a:solidFill>
-                  <a:schemeClr val="bg1">
-                    <a:lumMod val="75000"/>
-                  </a:schemeClr>
-                </a:solidFill>
-              </a:rPr>
-              <a:t> </a:t>
-            </a:r>
-            <a:r>
-              <a:rPr lang="it-IT" sz="2900" dirty="0" err="1">
-                <a:solidFill>
-                  <a:schemeClr val="bg1">
-                    <a:lumMod val="75000"/>
-                  </a:schemeClr>
-                </a:solidFill>
-              </a:rPr>
-              <a:t>mininet</a:t>
-            </a:r>
-            <a:r>
-              <a:rPr lang="it-IT" sz="2900" dirty="0">
-                <a:solidFill>
-                  <a:schemeClr val="bg1">
-                    <a:lumMod val="75000"/>
-                  </a:schemeClr>
-                </a:solidFill>
-              </a:rPr>
-              <a:t> library</a:t>
-            </a:r>
-          </a:p>
-          <a:p>
-            <a:pPr lvl="1"/>
-            <a:endParaRPr lang="en-GB" dirty="0"/>
+            <a:endParaRPr lang="en-GB" noProof="0" dirty="0"/>
           </a:p>
         </p:txBody>
       </p:sp>
@@ -15461,7 +13755,7 @@
     </p:spTree>
     <p:extLst>
       <p:ext uri="{BB962C8B-B14F-4D97-AF65-F5344CB8AC3E}">
-        <p14:creationId xmlns:p14="http://schemas.microsoft.com/office/powerpoint/2010/main" val="1033961260"/>
+        <p14:creationId xmlns:p14="http://schemas.microsoft.com/office/powerpoint/2010/main" val="81249771"/>
       </p:ext>
     </p:extLst>
   </p:cSld>

--- a/Docs/DDoSDefence.pptx
+++ b/Docs/DDoSDefence.pptx
@@ -16,10 +16,10 @@
     <p:sldId id="258" r:id="rId7"/>
     <p:sldId id="263" r:id="rId8"/>
     <p:sldId id="265" r:id="rId9"/>
-    <p:sldId id="267" r:id="rId10"/>
-    <p:sldId id="268" r:id="rId11"/>
-    <p:sldId id="269" r:id="rId12"/>
-    <p:sldId id="270" r:id="rId13"/>
+    <p:sldId id="281" r:id="rId10"/>
+    <p:sldId id="282" r:id="rId11"/>
+    <p:sldId id="283" r:id="rId12"/>
+    <p:sldId id="284" r:id="rId13"/>
     <p:sldId id="257" r:id="rId14"/>
     <p:sldId id="277" r:id="rId15"/>
     <p:sldId id="273" r:id="rId16"/>
@@ -126,6 +126,9 @@
   <p:extLst>
     <p:ext uri="{EFAFB233-063F-42B5-8137-9DF3F51BA10A}">
       <p15:sldGuideLst xmlns:p15="http://schemas.microsoft.com/office/powerpoint/2012/main"/>
+    </p:ext>
+    <p:ext uri="{2D200454-40CA-4A62-9FC3-DE9A4176ACB9}">
+      <p15:notesGuideLst xmlns:p15="http://schemas.microsoft.com/office/powerpoint/2012/main"/>
     </p:ext>
   </p:extLst>
 </p:presentation>
@@ -641,6 +644,30 @@
               <a:rPr lang="it-IT" dirty="0"/>
               <a:t> e switch</a:t>
             </a:r>
+            <a:br>
+              <a:rPr lang="it-IT" dirty="0"/>
+            </a:br>
+            <a:r>
+              <a:rPr lang="it-IT" dirty="0"/>
+              <a:t>https://www.opennetworking.org/wp-content/uploads/2014/10/openflow-spec-v1.3.3.pdf</a:t>
+            </a:r>
+            <a:br>
+              <a:rPr lang="it-IT" dirty="0"/>
+            </a:br>
+            <a:r>
+              <a:rPr lang="it-IT" dirty="0" err="1"/>
+              <a:t>chapter</a:t>
+            </a:r>
+            <a:r>
+              <a:rPr lang="it-IT" dirty="0"/>
+              <a:t> 5.1</a:t>
+            </a:r>
+          </a:p>
+          <a:p>
+            <a:pPr marL="228600" indent="-228600">
+              <a:buAutoNum type="arabicPeriod"/>
+            </a:pPr>
+            <a:endParaRPr lang="it-IT" dirty="0"/>
           </a:p>
           <a:p>
             <a:pPr marL="228600" indent="-228600">
@@ -688,7 +715,7 @@
     </p:spTree>
     <p:extLst>
       <p:ext uri="{BB962C8B-B14F-4D97-AF65-F5344CB8AC3E}">
-        <p14:creationId xmlns:p14="http://schemas.microsoft.com/office/powerpoint/2010/main" val="3244972490"/>
+        <p14:creationId xmlns:p14="http://schemas.microsoft.com/office/powerpoint/2010/main" val="2402322358"/>
       </p:ext>
     </p:extLst>
   </p:cSld>
@@ -1783,6 +1810,30 @@
               <a:rPr lang="it-IT" dirty="0"/>
               <a:t> e switch</a:t>
             </a:r>
+            <a:br>
+              <a:rPr lang="it-IT" dirty="0"/>
+            </a:br>
+            <a:r>
+              <a:rPr lang="it-IT" dirty="0"/>
+              <a:t>https://www.opennetworking.org/wp-content/uploads/2014/10/openflow-spec-v1.3.3.pdf</a:t>
+            </a:r>
+            <a:br>
+              <a:rPr lang="it-IT" dirty="0"/>
+            </a:br>
+            <a:r>
+              <a:rPr lang="it-IT" dirty="0" err="1"/>
+              <a:t>chapter</a:t>
+            </a:r>
+            <a:r>
+              <a:rPr lang="it-IT" dirty="0"/>
+              <a:t> 5.1</a:t>
+            </a:r>
+          </a:p>
+          <a:p>
+            <a:pPr marL="228600" indent="-228600">
+              <a:buAutoNum type="arabicPeriod"/>
+            </a:pPr>
+            <a:endParaRPr lang="it-IT" dirty="0"/>
           </a:p>
           <a:p>
             <a:pPr marL="228600" indent="-228600">
@@ -1830,7 +1881,7 @@
     </p:spTree>
     <p:extLst>
       <p:ext uri="{BB962C8B-B14F-4D97-AF65-F5344CB8AC3E}">
-        <p14:creationId xmlns:p14="http://schemas.microsoft.com/office/powerpoint/2010/main" val="1747886683"/>
+        <p14:creationId xmlns:p14="http://schemas.microsoft.com/office/powerpoint/2010/main" val="2565949135"/>
       </p:ext>
     </p:extLst>
   </p:cSld>
@@ -1916,6 +1967,30 @@
               <a:rPr lang="it-IT" dirty="0"/>
               <a:t> e switch</a:t>
             </a:r>
+            <a:br>
+              <a:rPr lang="it-IT" dirty="0"/>
+            </a:br>
+            <a:r>
+              <a:rPr lang="it-IT" dirty="0"/>
+              <a:t>https://www.opennetworking.org/wp-content/uploads/2014/10/openflow-spec-v1.3.3.pdf</a:t>
+            </a:r>
+            <a:br>
+              <a:rPr lang="it-IT" dirty="0"/>
+            </a:br>
+            <a:r>
+              <a:rPr lang="it-IT" dirty="0" err="1"/>
+              <a:t>chapter</a:t>
+            </a:r>
+            <a:r>
+              <a:rPr lang="it-IT" dirty="0"/>
+              <a:t> 5.1</a:t>
+            </a:r>
+          </a:p>
+          <a:p>
+            <a:pPr marL="228600" indent="-228600">
+              <a:buAutoNum type="arabicPeriod"/>
+            </a:pPr>
+            <a:endParaRPr lang="it-IT" dirty="0"/>
           </a:p>
           <a:p>
             <a:pPr marL="228600" indent="-228600">
@@ -1963,7 +2038,7 @@
     </p:spTree>
     <p:extLst>
       <p:ext uri="{BB962C8B-B14F-4D97-AF65-F5344CB8AC3E}">
-        <p14:creationId xmlns:p14="http://schemas.microsoft.com/office/powerpoint/2010/main" val="1023302255"/>
+        <p14:creationId xmlns:p14="http://schemas.microsoft.com/office/powerpoint/2010/main" val="2059098587"/>
       </p:ext>
     </p:extLst>
   </p:cSld>
@@ -2049,6 +2124,30 @@
               <a:rPr lang="it-IT" dirty="0"/>
               <a:t> e switch</a:t>
             </a:r>
+            <a:br>
+              <a:rPr lang="it-IT" dirty="0"/>
+            </a:br>
+            <a:r>
+              <a:rPr lang="it-IT" dirty="0"/>
+              <a:t>https://www.opennetworking.org/wp-content/uploads/2014/10/openflow-spec-v1.3.3.pdf</a:t>
+            </a:r>
+            <a:br>
+              <a:rPr lang="it-IT" dirty="0"/>
+            </a:br>
+            <a:r>
+              <a:rPr lang="it-IT" dirty="0" err="1"/>
+              <a:t>chapter</a:t>
+            </a:r>
+            <a:r>
+              <a:rPr lang="it-IT" dirty="0"/>
+              <a:t> 5.1</a:t>
+            </a:r>
+          </a:p>
+          <a:p>
+            <a:pPr marL="228600" indent="-228600">
+              <a:buAutoNum type="arabicPeriod"/>
+            </a:pPr>
+            <a:endParaRPr lang="it-IT" dirty="0"/>
           </a:p>
           <a:p>
             <a:pPr marL="228600" indent="-228600">
@@ -2096,7 +2195,7 @@
     </p:spTree>
     <p:extLst>
       <p:ext uri="{BB962C8B-B14F-4D97-AF65-F5344CB8AC3E}">
-        <p14:creationId xmlns:p14="http://schemas.microsoft.com/office/powerpoint/2010/main" val="1126364253"/>
+        <p14:creationId xmlns:p14="http://schemas.microsoft.com/office/powerpoint/2010/main" val="3998680832"/>
       </p:ext>
     </p:extLst>
   </p:cSld>
@@ -5482,7 +5581,7 @@
         </p:nvSpPr>
         <p:spPr>
           <a:xfrm>
-            <a:off x="2860963" y="5333856"/>
+            <a:off x="2820019" y="5340680"/>
             <a:ext cx="9144000" cy="1655762"/>
           </a:xfrm>
         </p:spPr>
@@ -5564,7 +5663,7 @@
         </p:blipFill>
         <p:spPr>
           <a:xfrm>
-            <a:off x="90589" y="5162966"/>
+            <a:off x="247540" y="5026486"/>
             <a:ext cx="2977657" cy="1584198"/>
           </a:xfrm>
           <a:prstGeom prst="rect">
@@ -5624,7 +5723,11 @@
           <a:lstStyle/>
           <a:p>
             <a:r>
-              <a:rPr lang="en-GB" b="1" noProof="0" dirty="0"/>
+              <a:rPr lang="en-GB" b="1" noProof="0" dirty="0">
+                <a:solidFill>
+                  <a:schemeClr val="tx2"/>
+                </a:solidFill>
+              </a:rPr>
               <a:t>Implementation Issues</a:t>
             </a:r>
           </a:p>
@@ -5646,15 +5749,20 @@
             <p:ph idx="1"/>
           </p:nvPr>
         </p:nvSpPr>
-        <p:spPr/>
+        <p:spPr>
+          <a:xfrm>
+            <a:off x="838200" y="1825625"/>
+            <a:ext cx="10515600" cy="4351338"/>
+          </a:xfrm>
+        </p:spPr>
         <p:txBody>
           <a:bodyPr>
-            <a:normAutofit fontScale="92500" lnSpcReduction="20000"/>
+            <a:normAutofit fontScale="92500"/>
           </a:bodyPr>
           <a:lstStyle/>
           <a:p>
             <a:r>
-              <a:rPr lang="en-GB" sz="3000" noProof="0" dirty="0">
+              <a:rPr lang="en-GB" noProof="0" dirty="0">
                 <a:solidFill>
                   <a:schemeClr val="bg1">
                     <a:lumMod val="75000"/>
@@ -5664,7 +5772,7 @@
               <a:t>Execution order of floodlight modules </a:t>
             </a:r>
             <a:r>
-              <a:rPr lang="en-GB" sz="3000" noProof="0" dirty="0">
+              <a:rPr lang="en-GB" noProof="0" dirty="0">
                 <a:solidFill>
                   <a:schemeClr val="bg1">
                     <a:lumMod val="75000"/>
@@ -5678,22 +5786,36 @@
                   </a:extLst>
                 </a:hlinkClick>
               </a:rPr>
-              <a:t>here</a:t>
-            </a:r>
-            <a:r>
-              <a:rPr lang="en-GB" sz="3000" noProof="0" dirty="0">
+              <a:t>[</a:t>
+            </a:r>
+            <a:r>
+              <a:rPr lang="en-GB" dirty="0">
                 <a:solidFill>
                   <a:schemeClr val="bg1">
                     <a:lumMod val="75000"/>
                   </a:schemeClr>
                 </a:solidFill>
+                <a:hlinkClick r:id="rId3">
+                  <a:extLst>
+                    <a:ext uri="{A12FA001-AC4F-418D-AE19-62706E023703}">
+                      <ahyp:hlinkClr xmlns:ahyp="http://schemas.microsoft.com/office/drawing/2018/hyperlinkcolor" val="tx"/>
+                    </a:ext>
+                  </a:extLst>
+                </a:hlinkClick>
               </a:rPr>
-              <a:t>.</a:t>
-            </a:r>
-          </a:p>
-          <a:p>
-            <a:r>
-              <a:rPr lang="en-GB" sz="3000" noProof="0" dirty="0">
+              <a:t>1]</a:t>
+            </a:r>
+            <a:endParaRPr lang="en-GB" noProof="0" dirty="0">
+              <a:solidFill>
+                <a:schemeClr val="bg1">
+                  <a:lumMod val="75000"/>
+                </a:schemeClr>
+              </a:solidFill>
+            </a:endParaRPr>
+          </a:p>
+          <a:p>
+            <a:r>
+              <a:rPr lang="en-GB" noProof="0" dirty="0">
                 <a:solidFill>
                   <a:schemeClr val="bg1">
                     <a:lumMod val="75000"/>
@@ -5703,7 +5825,7 @@
               <a:t>The normal rule (</a:t>
             </a:r>
             <a:r>
-              <a:rPr lang="en-GB" sz="3000" noProof="0" dirty="0" err="1">
+              <a:rPr lang="en-GB" noProof="0" dirty="0" err="1">
                 <a:solidFill>
                   <a:schemeClr val="bg1">
                     <a:lumMod val="75000"/>
@@ -5713,50 +5835,17 @@
               <a:t>action.normal</a:t>
             </a:r>
             <a:r>
-              <a:rPr lang="en-GB" sz="3000" noProof="0" dirty="0">
+              <a:rPr lang="en-GB" noProof="0" dirty="0">
                 <a:solidFill>
                   <a:schemeClr val="bg1">
                     <a:lumMod val="75000"/>
                   </a:schemeClr>
                 </a:solidFill>
               </a:rPr>
-              <a:t>) does not work for non hybrid switches.</a:t>
-            </a:r>
-          </a:p>
-          <a:p>
-            <a:r>
-              <a:rPr lang="en-GB" sz="3500" b="1" noProof="0" dirty="0"/>
-              <a:t>Learning switch: </a:t>
-            </a:r>
-          </a:p>
-          <a:p>
-            <a:pPr lvl="1"/>
-            <a:r>
-              <a:rPr lang="en-GB" sz="2800" b="1" noProof="0" dirty="0"/>
-              <a:t>Add interface </a:t>
-            </a:r>
-            <a:r>
-              <a:rPr lang="en-GB" sz="2800" b="1" dirty="0"/>
-              <a:t>to retrieve </a:t>
-            </a:r>
-            <a:r>
-              <a:rPr lang="en-GB" sz="2800" b="1" noProof="0" dirty="0"/>
-              <a:t>MAC addresses from the learning switch controller.</a:t>
-            </a:r>
-          </a:p>
-          <a:p>
-            <a:r>
-              <a:rPr lang="en-GB" sz="2900" noProof="0" dirty="0">
-                <a:solidFill>
-                  <a:schemeClr val="bg1">
-                    <a:lumMod val="75000"/>
-                  </a:schemeClr>
-                </a:solidFill>
-              </a:rPr>
-              <a:t>Deleting rules are specified </a:t>
-            </a:r>
-            <a:r>
-              <a:rPr lang="en-GB" sz="2900" noProof="0" dirty="0">
+              <a:t>) does not work for non hybrid switches </a:t>
+            </a:r>
+            <a:r>
+              <a:rPr lang="en-GB" noProof="0" dirty="0">
                 <a:solidFill>
                   <a:schemeClr val="bg1">
                     <a:lumMod val="75000"/>
@@ -5770,80 +5859,171 @@
                   </a:extLst>
                 </a:hlinkClick>
               </a:rPr>
-              <a:t>here</a:t>
-            </a:r>
-            <a:r>
-              <a:rPr lang="en-GB" sz="2900" noProof="0" dirty="0">
+              <a:t>[2]</a:t>
+            </a:r>
+            <a:endParaRPr lang="en-GB" noProof="0" dirty="0">
+              <a:solidFill>
+                <a:schemeClr val="bg1">
+                  <a:lumMod val="75000"/>
+                </a:schemeClr>
+              </a:solidFill>
+            </a:endParaRPr>
+          </a:p>
+          <a:p>
+            <a:r>
+              <a:rPr lang="en-GB" sz="3200" b="1" noProof="0" dirty="0"/>
+              <a:t>Learning switch:</a:t>
+            </a:r>
+            <a:r>
+              <a:rPr lang="en-GB" sz="3200" b="1" noProof="0" dirty="0">
                 <a:solidFill>
                   <a:schemeClr val="bg1">
                     <a:lumMod val="75000"/>
                   </a:schemeClr>
                 </a:solidFill>
               </a:rPr>
-              <a:t>. </a:t>
+              <a:t> </a:t>
             </a:r>
           </a:p>
           <a:p>
             <a:pPr lvl="1"/>
             <a:r>
-              <a:rPr lang="en-GB" sz="2600" noProof="0" dirty="0" err="1">
+              <a:rPr lang="en-GB" sz="2800" b="1" noProof="0" dirty="0"/>
+              <a:t>Added method to </a:t>
+            </a:r>
+            <a:r>
+              <a:rPr lang="en-GB" sz="2800" b="1" i="1" noProof="0" dirty="0" err="1"/>
+              <a:t>ILearningSwitch</a:t>
+            </a:r>
+            <a:r>
+              <a:rPr lang="en-GB" sz="2800" b="1" noProof="0" dirty="0"/>
+              <a:t> </a:t>
+            </a:r>
+            <a:r>
+              <a:rPr lang="en-GB" sz="2800" b="1" dirty="0"/>
+              <a:t>to retrieve learned </a:t>
+            </a:r>
+            <a:r>
+              <a:rPr lang="en-GB" sz="2800" b="1" noProof="0" dirty="0"/>
+              <a:t>port from MAC address</a:t>
+            </a:r>
+          </a:p>
+          <a:p>
+            <a:r>
+              <a:rPr lang="en-GB" noProof="0" dirty="0">
                 <a:solidFill>
                   <a:schemeClr val="bg1">
                     <a:lumMod val="75000"/>
                   </a:schemeClr>
                 </a:solidFill>
               </a:rPr>
-              <a:t>OFFlowDelete</a:t>
-            </a:r>
-            <a:r>
-              <a:rPr lang="en-GB" sz="2600" noProof="0" dirty="0">
+              <a:t>Deleting rules types [</a:t>
+            </a:r>
+            <a:r>
+              <a:rPr lang="en-GB" noProof="0" dirty="0">
                 <a:solidFill>
                   <a:schemeClr val="bg1">
                     <a:lumMod val="75000"/>
                   </a:schemeClr>
                 </a:solidFill>
+                <a:hlinkClick r:id="rId5">
+                  <a:extLst>
+                    <a:ext uri="{A12FA001-AC4F-418D-AE19-62706E023703}">
+                      <ahyp:hlinkClr xmlns:ahyp="http://schemas.microsoft.com/office/drawing/2018/hyperlinkcolor" val="tx"/>
+                    </a:ext>
+                  </a:extLst>
+                </a:hlinkClick>
               </a:rPr>
-              <a:t> deletes rules matching at least the specified fields;</a:t>
-            </a:r>
-          </a:p>
-          <a:p>
-            <a:pPr lvl="1"/>
-            <a:r>
-              <a:rPr lang="en-GB" sz="2600" noProof="0" dirty="0" err="1">
+              <a:t>3</a:t>
+            </a:r>
+            <a:r>
+              <a:rPr lang="en-GB" noProof="0" dirty="0">
                 <a:solidFill>
                   <a:schemeClr val="bg1">
                     <a:lumMod val="75000"/>
                   </a:schemeClr>
                 </a:solidFill>
               </a:rPr>
-              <a:t>OFFlowDeleteStrict</a:t>
-            </a:r>
-            <a:r>
-              <a:rPr lang="en-GB" sz="2600" noProof="0" dirty="0">
+              <a:t>]</a:t>
+            </a:r>
+          </a:p>
+          <a:p>
+            <a:pPr lvl="1"/>
+            <a:r>
+              <a:rPr lang="en-GB" i="1" noProof="0" dirty="0" err="1">
                 <a:solidFill>
                   <a:schemeClr val="bg1">
                     <a:lumMod val="75000"/>
                   </a:schemeClr>
                 </a:solidFill>
               </a:rPr>
-              <a:t> deletes the rules that exactly looks like the match you specify.</a:t>
-            </a:r>
-          </a:p>
-          <a:p>
-            <a:r>
-              <a:rPr lang="en-GB" sz="2900" noProof="0" dirty="0">
+              <a:t>OFFlowDelete</a:t>
+            </a:r>
+            <a:r>
+              <a:rPr lang="en-GB" noProof="0" dirty="0">
                 <a:solidFill>
                   <a:schemeClr val="bg1">
                     <a:lumMod val="75000"/>
                   </a:schemeClr>
                 </a:solidFill>
               </a:rPr>
-              <a:t>Testing is done in Python using mininet library</a:t>
+              <a:t> deletes rules matching at least the specified fields</a:t>
             </a:r>
           </a:p>
           <a:p>
             <a:pPr lvl="1"/>
-            <a:endParaRPr lang="en-GB" noProof="0" dirty="0"/>
+            <a:r>
+              <a:rPr lang="en-GB" i="1" noProof="0" dirty="0" err="1">
+                <a:solidFill>
+                  <a:schemeClr val="bg1">
+                    <a:lumMod val="75000"/>
+                  </a:schemeClr>
+                </a:solidFill>
+              </a:rPr>
+              <a:t>OFFlowDeleteStrict</a:t>
+            </a:r>
+            <a:r>
+              <a:rPr lang="en-GB" noProof="0" dirty="0">
+                <a:solidFill>
+                  <a:schemeClr val="bg1">
+                    <a:lumMod val="75000"/>
+                  </a:schemeClr>
+                </a:solidFill>
+              </a:rPr>
+              <a:t> deletes the rules that exactly looks like the match you specify</a:t>
+            </a:r>
+          </a:p>
+          <a:p>
+            <a:r>
+              <a:rPr lang="en-GB" noProof="0" dirty="0">
+                <a:solidFill>
+                  <a:schemeClr val="bg1">
+                    <a:lumMod val="75000"/>
+                  </a:schemeClr>
+                </a:solidFill>
+              </a:rPr>
+              <a:t>Testing is done in Python using mininet library and not mininet cli</a:t>
+            </a:r>
+          </a:p>
+          <a:p>
+            <a:pPr lvl="1"/>
+            <a:r>
+              <a:rPr lang="en-GB" dirty="0">
+                <a:solidFill>
+                  <a:schemeClr val="bg1">
+                    <a:lumMod val="75000"/>
+                  </a:schemeClr>
+                </a:solidFill>
+              </a:rPr>
+              <a:t>Due to automating issues for command injection</a:t>
+            </a:r>
+            <a:endParaRPr lang="en-GB" noProof="0" dirty="0">
+              <a:solidFill>
+                <a:schemeClr val="bg1">
+                  <a:lumMod val="75000"/>
+                </a:schemeClr>
+              </a:solidFill>
+            </a:endParaRPr>
           </a:p>
         </p:txBody>
       </p:sp>
@@ -5897,18 +6077,17 @@
           <a:bodyPr/>
           <a:lstStyle/>
           <a:p>
-            <a:fld id="{5BB7E168-F539-4513-AD44-F276B24E7DDF}" type="slidenum">
-              <a:rPr lang="en-GB" smtClean="0"/>
-              <a:t>10</a:t>
-            </a:fld>
-            <a:endParaRPr lang="en-GB"/>
+            <a:r>
+              <a:rPr lang="en-GB" dirty="0"/>
+              <a:t>8</a:t>
+            </a:r>
           </a:p>
         </p:txBody>
       </p:sp>
     </p:spTree>
     <p:extLst>
       <p:ext uri="{BB962C8B-B14F-4D97-AF65-F5344CB8AC3E}">
-        <p14:creationId xmlns:p14="http://schemas.microsoft.com/office/powerpoint/2010/main" val="1033961260"/>
+        <p14:creationId xmlns:p14="http://schemas.microsoft.com/office/powerpoint/2010/main" val="3990882678"/>
       </p:ext>
     </p:extLst>
   </p:cSld>
@@ -5957,7 +6136,11 @@
           <a:lstStyle/>
           <a:p>
             <a:r>
-              <a:rPr lang="en-GB" b="1" noProof="0" dirty="0"/>
+              <a:rPr lang="en-GB" b="1" noProof="0" dirty="0">
+                <a:solidFill>
+                  <a:schemeClr val="tx2"/>
+                </a:solidFill>
+              </a:rPr>
               <a:t>Implementation Issues</a:t>
             </a:r>
           </a:p>
@@ -5979,10 +6162,15 @@
             <p:ph idx="1"/>
           </p:nvPr>
         </p:nvSpPr>
-        <p:spPr/>
+        <p:spPr>
+          <a:xfrm>
+            <a:off x="838200" y="1825625"/>
+            <a:ext cx="10515600" cy="4351338"/>
+          </a:xfrm>
+        </p:spPr>
         <p:txBody>
           <a:bodyPr>
-            <a:normAutofit lnSpcReduction="10000"/>
+            <a:normAutofit fontScale="92500" lnSpcReduction="10000"/>
           </a:bodyPr>
           <a:lstStyle/>
           <a:p>
@@ -6011,18 +6199,32 @@
                   </a:extLst>
                 </a:hlinkClick>
               </a:rPr>
-              <a:t>here</a:t>
-            </a:r>
-            <a:r>
-              <a:rPr lang="en-GB" noProof="0" dirty="0">
+              <a:t>[</a:t>
+            </a:r>
+            <a:r>
+              <a:rPr lang="en-GB" dirty="0">
                 <a:solidFill>
                   <a:schemeClr val="bg1">
                     <a:lumMod val="75000"/>
                   </a:schemeClr>
                 </a:solidFill>
+                <a:hlinkClick r:id="rId3">
+                  <a:extLst>
+                    <a:ext uri="{A12FA001-AC4F-418D-AE19-62706E023703}">
+                      <ahyp:hlinkClr xmlns:ahyp="http://schemas.microsoft.com/office/drawing/2018/hyperlinkcolor" val="tx"/>
+                    </a:ext>
+                  </a:extLst>
+                </a:hlinkClick>
               </a:rPr>
-              <a:t>.</a:t>
-            </a:r>
+              <a:t>1]</a:t>
+            </a:r>
+            <a:endParaRPr lang="en-GB" noProof="0" dirty="0">
+              <a:solidFill>
+                <a:schemeClr val="bg1">
+                  <a:lumMod val="75000"/>
+                </a:schemeClr>
+              </a:solidFill>
+            </a:endParaRPr>
           </a:p>
           <a:p>
             <a:r>
@@ -6053,10 +6255,8 @@
                   </a:schemeClr>
                 </a:solidFill>
               </a:rPr>
-              <a:t>) does not work for non hybrid switches.</a:t>
-            </a:r>
-          </a:p>
-          <a:p>
+              <a:t>) does not work for non hybrid switches </a:t>
+            </a:r>
             <a:r>
               <a:rPr lang="en-GB" noProof="0" dirty="0">
                 <a:solidFill>
@@ -6064,12 +6264,25 @@
                     <a:lumMod val="75000"/>
                   </a:schemeClr>
                 </a:solidFill>
+                <a:hlinkClick r:id="rId4">
+                  <a:extLst>
+                    <a:ext uri="{A12FA001-AC4F-418D-AE19-62706E023703}">
+                      <ahyp:hlinkClr xmlns:ahyp="http://schemas.microsoft.com/office/drawing/2018/hyperlinkcolor" val="tx"/>
+                    </a:ext>
+                  </a:extLst>
+                </a:hlinkClick>
               </a:rPr>
-              <a:t>Learning switch: </a:t>
-            </a:r>
-          </a:p>
-          <a:p>
-            <a:pPr lvl="1"/>
+              <a:t>[2]</a:t>
+            </a:r>
+            <a:endParaRPr lang="en-GB" noProof="0" dirty="0">
+              <a:solidFill>
+                <a:schemeClr val="bg1">
+                  <a:lumMod val="75000"/>
+                </a:schemeClr>
+              </a:solidFill>
+            </a:endParaRPr>
+          </a:p>
+          <a:p>
             <a:r>
               <a:rPr lang="en-GB" noProof="0" dirty="0">
                 <a:solidFill>
@@ -6078,68 +6291,31 @@
                   </a:schemeClr>
                 </a:solidFill>
               </a:rPr>
-              <a:t>Add interface </a:t>
-            </a:r>
-            <a:r>
-              <a:rPr lang="en-GB" dirty="0">
+              <a:t>Learning switch: </a:t>
+            </a:r>
+          </a:p>
+          <a:p>
+            <a:pPr lvl="1"/>
+            <a:r>
+              <a:rPr lang="en-GB" noProof="0" dirty="0">
                 <a:solidFill>
                   <a:schemeClr val="bg1">
                     <a:lumMod val="75000"/>
                   </a:schemeClr>
                 </a:solidFill>
               </a:rPr>
-              <a:t>to retrieve </a:t>
-            </a:r>
-            <a:r>
-              <a:rPr lang="en-GB" noProof="0" dirty="0">
+              <a:t>Added method to </a:t>
+            </a:r>
+            <a:r>
+              <a:rPr lang="en-GB" i="1" noProof="0" dirty="0" err="1">
                 <a:solidFill>
                   <a:schemeClr val="bg1">
                     <a:lumMod val="75000"/>
                   </a:schemeClr>
                 </a:solidFill>
               </a:rPr>
-              <a:t>MAC addresses from the learning switch controller</a:t>
-            </a:r>
-          </a:p>
-          <a:p>
-            <a:r>
-              <a:rPr lang="en-GB" sz="3200" b="1" noProof="0" dirty="0"/>
-              <a:t>Deleting rules are specified </a:t>
-            </a:r>
-            <a:r>
-              <a:rPr lang="en-GB" sz="3200" b="1" noProof="0" dirty="0">
-                <a:hlinkClick r:id="rId4"/>
-              </a:rPr>
-              <a:t>here</a:t>
-            </a:r>
-            <a:r>
-              <a:rPr lang="en-GB" sz="3200" b="1" noProof="0" dirty="0"/>
-              <a:t>. </a:t>
-            </a:r>
-          </a:p>
-          <a:p>
-            <a:pPr lvl="1"/>
-            <a:r>
-              <a:rPr lang="en-GB" sz="2600" b="1" noProof="0" dirty="0" err="1"/>
-              <a:t>OFFlowDelete</a:t>
-            </a:r>
-            <a:r>
-              <a:rPr lang="en-GB" sz="2600" b="1" noProof="0" dirty="0"/>
-              <a:t> deletes rules matching at least the specified fields;</a:t>
-            </a:r>
-          </a:p>
-          <a:p>
-            <a:pPr lvl="1"/>
-            <a:r>
-              <a:rPr lang="en-GB" sz="2600" b="1" noProof="0" dirty="0" err="1"/>
-              <a:t>OFFlowDeleteStrict</a:t>
-            </a:r>
-            <a:r>
-              <a:rPr lang="en-GB" sz="2600" b="1" noProof="0" dirty="0"/>
-              <a:t> deletes the rules that exactly looks like the match you specify.</a:t>
-            </a:r>
-          </a:p>
-          <a:p>
+              <a:t>ILearningSwitch</a:t>
+            </a:r>
             <a:r>
               <a:rPr lang="en-GB" noProof="0" dirty="0">
                 <a:solidFill>
@@ -6148,12 +6324,119 @@
                   </a:schemeClr>
                 </a:solidFill>
               </a:rPr>
-              <a:t>Testing is done in Python using mininet library</a:t>
+              <a:t> </a:t>
+            </a:r>
+            <a:r>
+              <a:rPr lang="en-GB" dirty="0">
+                <a:solidFill>
+                  <a:schemeClr val="bg1">
+                    <a:lumMod val="75000"/>
+                  </a:schemeClr>
+                </a:solidFill>
+              </a:rPr>
+              <a:t>to retrieve learned </a:t>
+            </a:r>
+            <a:r>
+              <a:rPr lang="en-GB" noProof="0" dirty="0">
+                <a:solidFill>
+                  <a:schemeClr val="bg1">
+                    <a:lumMod val="75000"/>
+                  </a:schemeClr>
+                </a:solidFill>
+              </a:rPr>
+              <a:t>port from MAC address</a:t>
+            </a:r>
+          </a:p>
+          <a:p>
+            <a:r>
+              <a:rPr lang="en-GB" sz="3200" b="1" noProof="0" dirty="0"/>
+              <a:t>Deleting rules types </a:t>
+            </a:r>
+            <a:r>
+              <a:rPr lang="en-GB" b="1" noProof="0" dirty="0">
+                <a:solidFill>
+                  <a:schemeClr val="accent1"/>
+                </a:solidFill>
+              </a:rPr>
+              <a:t>[</a:t>
+            </a:r>
+            <a:r>
+              <a:rPr lang="en-GB" b="1" noProof="0" dirty="0">
+                <a:solidFill>
+                  <a:schemeClr val="accent1"/>
+                </a:solidFill>
+                <a:hlinkClick r:id="rId5">
+                  <a:extLst>
+                    <a:ext uri="{A12FA001-AC4F-418D-AE19-62706E023703}">
+                      <ahyp:hlinkClr xmlns:ahyp="http://schemas.microsoft.com/office/drawing/2018/hyperlinkcolor" val="tx"/>
+                    </a:ext>
+                  </a:extLst>
+                </a:hlinkClick>
+              </a:rPr>
+              <a:t>3</a:t>
+            </a:r>
+            <a:r>
+              <a:rPr lang="en-GB" b="1" noProof="0" dirty="0">
+                <a:solidFill>
+                  <a:schemeClr val="accent1"/>
+                </a:solidFill>
+              </a:rPr>
+              <a:t>]</a:t>
             </a:r>
           </a:p>
           <a:p>
             <a:pPr lvl="1"/>
-            <a:endParaRPr lang="en-GB" noProof="0" dirty="0"/>
+            <a:r>
+              <a:rPr lang="en-GB" sz="2800" b="1" i="1" noProof="0" dirty="0" err="1"/>
+              <a:t>OFFlowDelete</a:t>
+            </a:r>
+            <a:r>
+              <a:rPr lang="en-GB" sz="2800" b="1" noProof="0" dirty="0"/>
+              <a:t> deletes rules matching at least the specified fields</a:t>
+            </a:r>
+          </a:p>
+          <a:p>
+            <a:pPr lvl="1"/>
+            <a:r>
+              <a:rPr lang="en-GB" sz="2800" b="1" i="1" noProof="0" dirty="0" err="1"/>
+              <a:t>OFFlowDeleteStrict</a:t>
+            </a:r>
+            <a:r>
+              <a:rPr lang="en-GB" sz="2800" b="1" noProof="0" dirty="0"/>
+              <a:t> deletes the rules that exactly looks like the match you specify</a:t>
+            </a:r>
+          </a:p>
+          <a:p>
+            <a:r>
+              <a:rPr lang="en-GB" noProof="0" dirty="0">
+                <a:solidFill>
+                  <a:schemeClr val="bg1">
+                    <a:lumMod val="75000"/>
+                  </a:schemeClr>
+                </a:solidFill>
+              </a:rPr>
+              <a:t>Testing is done in Python using mininet library and not mininet cli</a:t>
+            </a:r>
+          </a:p>
+          <a:p>
+            <a:pPr lvl="1"/>
+            <a:r>
+              <a:rPr lang="en-GB" dirty="0">
+                <a:solidFill>
+                  <a:schemeClr val="bg1">
+                    <a:lumMod val="75000"/>
+                  </a:schemeClr>
+                </a:solidFill>
+              </a:rPr>
+              <a:t>Due to automating issues for command injection</a:t>
+            </a:r>
+            <a:endParaRPr lang="en-GB" noProof="0" dirty="0">
+              <a:solidFill>
+                <a:schemeClr val="bg1">
+                  <a:lumMod val="75000"/>
+                </a:schemeClr>
+              </a:solidFill>
+            </a:endParaRPr>
           </a:p>
         </p:txBody>
       </p:sp>
@@ -6207,18 +6490,17 @@
           <a:bodyPr/>
           <a:lstStyle/>
           <a:p>
-            <a:fld id="{5BB7E168-F539-4513-AD44-F276B24E7DDF}" type="slidenum">
-              <a:rPr lang="en-GB" smtClean="0"/>
-              <a:t>11</a:t>
-            </a:fld>
-            <a:endParaRPr lang="en-GB"/>
+            <a:r>
+              <a:rPr lang="en-GB" dirty="0"/>
+              <a:t>8</a:t>
+            </a:r>
           </a:p>
         </p:txBody>
       </p:sp>
     </p:spTree>
     <p:extLst>
       <p:ext uri="{BB962C8B-B14F-4D97-AF65-F5344CB8AC3E}">
-        <p14:creationId xmlns:p14="http://schemas.microsoft.com/office/powerpoint/2010/main" val="887066111"/>
+        <p14:creationId xmlns:p14="http://schemas.microsoft.com/office/powerpoint/2010/main" val="2736864451"/>
       </p:ext>
     </p:extLst>
   </p:cSld>
@@ -6267,7 +6549,11 @@
           <a:lstStyle/>
           <a:p>
             <a:r>
-              <a:rPr lang="en-GB" b="1" noProof="0" dirty="0"/>
+              <a:rPr lang="en-GB" b="1" noProof="0" dirty="0">
+                <a:solidFill>
+                  <a:schemeClr val="tx2"/>
+                </a:solidFill>
+              </a:rPr>
               <a:t>Implementation Issues</a:t>
             </a:r>
           </a:p>
@@ -6289,10 +6575,15 @@
             <p:ph idx="1"/>
           </p:nvPr>
         </p:nvSpPr>
-        <p:spPr/>
+        <p:spPr>
+          <a:xfrm>
+            <a:off x="838200" y="1825625"/>
+            <a:ext cx="10515600" cy="4351338"/>
+          </a:xfrm>
+        </p:spPr>
         <p:txBody>
           <a:bodyPr>
-            <a:normAutofit lnSpcReduction="10000"/>
+            <a:normAutofit fontScale="92500"/>
           </a:bodyPr>
           <a:lstStyle/>
           <a:p>
@@ -6321,18 +6612,32 @@
                   </a:extLst>
                 </a:hlinkClick>
               </a:rPr>
-              <a:t>here</a:t>
-            </a:r>
-            <a:r>
-              <a:rPr lang="en-GB" noProof="0" dirty="0">
+              <a:t>[</a:t>
+            </a:r>
+            <a:r>
+              <a:rPr lang="en-GB" dirty="0">
                 <a:solidFill>
                   <a:schemeClr val="bg1">
                     <a:lumMod val="75000"/>
                   </a:schemeClr>
                 </a:solidFill>
+                <a:hlinkClick r:id="rId3">
+                  <a:extLst>
+                    <a:ext uri="{A12FA001-AC4F-418D-AE19-62706E023703}">
+                      <ahyp:hlinkClr xmlns:ahyp="http://schemas.microsoft.com/office/drawing/2018/hyperlinkcolor" val="tx"/>
+                    </a:ext>
+                  </a:extLst>
+                </a:hlinkClick>
               </a:rPr>
-              <a:t>.</a:t>
-            </a:r>
+              <a:t>1]</a:t>
+            </a:r>
+            <a:endParaRPr lang="en-GB" noProof="0" dirty="0">
+              <a:solidFill>
+                <a:schemeClr val="bg1">
+                  <a:lumMod val="75000"/>
+                </a:schemeClr>
+              </a:solidFill>
+            </a:endParaRPr>
           </a:p>
           <a:p>
             <a:r>
@@ -6363,64 +6668,7 @@
                   </a:schemeClr>
                 </a:solidFill>
               </a:rPr>
-              <a:t>) does not work for non hybrid switches.</a:t>
-            </a:r>
-          </a:p>
-          <a:p>
-            <a:r>
-              <a:rPr lang="en-GB" noProof="0" dirty="0">
-                <a:solidFill>
-                  <a:schemeClr val="bg1">
-                    <a:lumMod val="75000"/>
-                  </a:schemeClr>
-                </a:solidFill>
-              </a:rPr>
-              <a:t>Learning switch: </a:t>
-            </a:r>
-          </a:p>
-          <a:p>
-            <a:pPr lvl="1"/>
-            <a:r>
-              <a:rPr lang="en-GB" noProof="0" dirty="0">
-                <a:solidFill>
-                  <a:schemeClr val="bg1">
-                    <a:lumMod val="75000"/>
-                  </a:schemeClr>
-                </a:solidFill>
-              </a:rPr>
-              <a:t>Add interface </a:t>
-            </a:r>
-            <a:r>
-              <a:rPr lang="en-GB" dirty="0">
-                <a:solidFill>
-                  <a:schemeClr val="bg1">
-                    <a:lumMod val="75000"/>
-                  </a:schemeClr>
-                </a:solidFill>
-              </a:rPr>
-              <a:t>to retrieve </a:t>
-            </a:r>
-            <a:r>
-              <a:rPr lang="en-GB" noProof="0" dirty="0">
-                <a:solidFill>
-                  <a:schemeClr val="bg1">
-                    <a:lumMod val="75000"/>
-                  </a:schemeClr>
-                </a:solidFill>
-              </a:rPr>
-              <a:t>MAC addresses from the learning switch controller</a:t>
-            </a:r>
-          </a:p>
-          <a:p>
-            <a:r>
-              <a:rPr lang="en-GB" noProof="0" dirty="0">
-                <a:solidFill>
-                  <a:schemeClr val="bg1">
-                    <a:lumMod val="75000"/>
-                  </a:schemeClr>
-                </a:solidFill>
-              </a:rPr>
-              <a:t>Deleting rules are specified </a:t>
+              <a:t>) does not work for non hybrid switches </a:t>
             </a:r>
             <a:r>
               <a:rPr lang="en-GB" noProof="0" dirty="0">
@@ -6437,8 +6685,17 @@
                   </a:extLst>
                 </a:hlinkClick>
               </a:rPr>
-              <a:t>here</a:t>
-            </a:r>
+              <a:t>[2]</a:t>
+            </a:r>
+            <a:endParaRPr lang="en-GB" noProof="0" dirty="0">
+              <a:solidFill>
+                <a:schemeClr val="bg1">
+                  <a:lumMod val="75000"/>
+                </a:schemeClr>
+              </a:solidFill>
+            </a:endParaRPr>
+          </a:p>
+          <a:p>
             <a:r>
               <a:rPr lang="en-GB" noProof="0" dirty="0">
                 <a:solidFill>
@@ -6447,64 +6704,160 @@
                   </a:schemeClr>
                 </a:solidFill>
               </a:rPr>
-              <a:t>. </a:t>
+              <a:t>Learning switch: </a:t>
             </a:r>
           </a:p>
           <a:p>
             <a:pPr lvl="1"/>
             <a:r>
-              <a:rPr lang="en-GB" noProof="0" dirty="0" err="1">
+              <a:rPr lang="en-GB" noProof="0" dirty="0">
                 <a:solidFill>
                   <a:schemeClr val="bg1">
                     <a:lumMod val="75000"/>
                   </a:schemeClr>
                 </a:solidFill>
               </a:rPr>
-              <a:t>OFFlowDelete</a:t>
-            </a:r>
-            <a:r>
-              <a:rPr lang="en-GB" noProof="0" dirty="0">
+              <a:t>Added method to </a:t>
+            </a:r>
+            <a:r>
+              <a:rPr lang="en-GB" i="1" noProof="0" dirty="0" err="1">
                 <a:solidFill>
                   <a:schemeClr val="bg1">
                     <a:lumMod val="75000"/>
                   </a:schemeClr>
                 </a:solidFill>
               </a:rPr>
-              <a:t> deletes rules matching at least the specified fields;</a:t>
-            </a:r>
-          </a:p>
-          <a:p>
-            <a:pPr lvl="1"/>
-            <a:r>
-              <a:rPr lang="en-GB" noProof="0" dirty="0" err="1">
+              <a:t>ILearningSwitch</a:t>
+            </a:r>
+            <a:r>
+              <a:rPr lang="en-GB" noProof="0" dirty="0">
                 <a:solidFill>
                   <a:schemeClr val="bg1">
                     <a:lumMod val="75000"/>
                   </a:schemeClr>
                 </a:solidFill>
               </a:rPr>
-              <a:t>OFFlowDeleteStrict</a:t>
-            </a:r>
-            <a:r>
-              <a:rPr lang="en-GB" noProof="0" dirty="0">
+              <a:t> </a:t>
+            </a:r>
+            <a:r>
+              <a:rPr lang="en-GB" dirty="0">
                 <a:solidFill>
                   <a:schemeClr val="bg1">
                     <a:lumMod val="75000"/>
                   </a:schemeClr>
                 </a:solidFill>
               </a:rPr>
-              <a:t> deletes the rules that exactly looks like the match you specify.</a:t>
-            </a:r>
-          </a:p>
-          <a:p>
-            <a:r>
-              <a:rPr lang="en-GB" sz="3200" b="1" noProof="0" dirty="0"/>
-              <a:t>Testing is done in Python using mininet library</a:t>
+              <a:t>to retrieve learned </a:t>
+            </a:r>
+            <a:r>
+              <a:rPr lang="en-GB" noProof="0" dirty="0">
+                <a:solidFill>
+                  <a:schemeClr val="bg1">
+                    <a:lumMod val="75000"/>
+                  </a:schemeClr>
+                </a:solidFill>
+              </a:rPr>
+              <a:t>port from MAC address</a:t>
+            </a:r>
+          </a:p>
+          <a:p>
+            <a:r>
+              <a:rPr lang="en-GB" noProof="0" dirty="0">
+                <a:solidFill>
+                  <a:schemeClr val="bg1">
+                    <a:lumMod val="75000"/>
+                  </a:schemeClr>
+                </a:solidFill>
+              </a:rPr>
+              <a:t>Deleting rules types [</a:t>
+            </a:r>
+            <a:r>
+              <a:rPr lang="en-GB" noProof="0" dirty="0">
+                <a:solidFill>
+                  <a:schemeClr val="bg1">
+                    <a:lumMod val="75000"/>
+                  </a:schemeClr>
+                </a:solidFill>
+                <a:hlinkClick r:id="rId5">
+                  <a:extLst>
+                    <a:ext uri="{A12FA001-AC4F-418D-AE19-62706E023703}">
+                      <ahyp:hlinkClr xmlns:ahyp="http://schemas.microsoft.com/office/drawing/2018/hyperlinkcolor" val="tx"/>
+                    </a:ext>
+                  </a:extLst>
+                </a:hlinkClick>
+              </a:rPr>
+              <a:t>3</a:t>
+            </a:r>
+            <a:r>
+              <a:rPr lang="en-GB" noProof="0" dirty="0">
+                <a:solidFill>
+                  <a:schemeClr val="bg1">
+                    <a:lumMod val="75000"/>
+                  </a:schemeClr>
+                </a:solidFill>
+              </a:rPr>
+              <a:t>]</a:t>
             </a:r>
           </a:p>
           <a:p>
             <a:pPr lvl="1"/>
-            <a:endParaRPr lang="en-GB" noProof="0" dirty="0"/>
+            <a:r>
+              <a:rPr lang="en-GB" i="1" noProof="0" dirty="0" err="1">
+                <a:solidFill>
+                  <a:schemeClr val="bg1">
+                    <a:lumMod val="75000"/>
+                  </a:schemeClr>
+                </a:solidFill>
+              </a:rPr>
+              <a:t>OFFlowDelete</a:t>
+            </a:r>
+            <a:r>
+              <a:rPr lang="en-GB" noProof="0" dirty="0">
+                <a:solidFill>
+                  <a:schemeClr val="bg1">
+                    <a:lumMod val="75000"/>
+                  </a:schemeClr>
+                </a:solidFill>
+              </a:rPr>
+              <a:t> deletes rules matching at least the specified fields</a:t>
+            </a:r>
+          </a:p>
+          <a:p>
+            <a:pPr lvl="1"/>
+            <a:r>
+              <a:rPr lang="en-GB" i="1" noProof="0" dirty="0" err="1">
+                <a:solidFill>
+                  <a:schemeClr val="bg1">
+                    <a:lumMod val="75000"/>
+                  </a:schemeClr>
+                </a:solidFill>
+              </a:rPr>
+              <a:t>OFFlowDeleteStrict</a:t>
+            </a:r>
+            <a:r>
+              <a:rPr lang="en-GB" noProof="0" dirty="0">
+                <a:solidFill>
+                  <a:schemeClr val="bg1">
+                    <a:lumMod val="75000"/>
+                  </a:schemeClr>
+                </a:solidFill>
+              </a:rPr>
+              <a:t> deletes the rules that exactly looks like the match you specify</a:t>
+            </a:r>
+          </a:p>
+          <a:p>
+            <a:r>
+              <a:rPr lang="en-GB" sz="3100" b="1" noProof="0" dirty="0"/>
+              <a:t>Testing is done in Python using mininet library and not mininet cli</a:t>
+            </a:r>
+          </a:p>
+          <a:p>
+            <a:pPr lvl="1"/>
+            <a:r>
+              <a:rPr lang="en-GB" sz="2800" b="1" dirty="0"/>
+              <a:t>Due to automating issues for command injection</a:t>
+            </a:r>
+            <a:endParaRPr lang="en-GB" sz="2800" b="1" noProof="0" dirty="0"/>
           </a:p>
         </p:txBody>
       </p:sp>
@@ -6558,18 +6911,17 @@
           <a:bodyPr/>
           <a:lstStyle/>
           <a:p>
-            <a:fld id="{5BB7E168-F539-4513-AD44-F276B24E7DDF}" type="slidenum">
-              <a:rPr lang="en-GB" smtClean="0"/>
-              <a:t>12</a:t>
-            </a:fld>
-            <a:endParaRPr lang="en-GB"/>
+            <a:r>
+              <a:rPr lang="en-GB" dirty="0"/>
+              <a:t>8</a:t>
+            </a:r>
           </a:p>
         </p:txBody>
       </p:sp>
     </p:spTree>
     <p:extLst>
       <p:ext uri="{BB962C8B-B14F-4D97-AF65-F5344CB8AC3E}">
-        <p14:creationId xmlns:p14="http://schemas.microsoft.com/office/powerpoint/2010/main" val="264186129"/>
+        <p14:creationId xmlns:p14="http://schemas.microsoft.com/office/powerpoint/2010/main" val="3900658796"/>
       </p:ext>
     </p:extLst>
   </p:cSld>
@@ -6705,56 +7057,6 @@
       </p:pic>
       <p:sp>
         <p:nvSpPr>
-          <p:cNvPr id="6" name="Segnaposto piè di pagina 5">
-            <a:extLst>
-              <a:ext uri="{FF2B5EF4-FFF2-40B4-BE49-F238E27FC236}">
-                <a16:creationId xmlns:a16="http://schemas.microsoft.com/office/drawing/2014/main" id="{6B127EFB-4BCA-414B-9598-8EAEE6C6008C}"/>
-              </a:ext>
-            </a:extLst>
-          </p:cNvPr>
-          <p:cNvSpPr>
-            <a:spLocks noGrp="1"/>
-          </p:cNvSpPr>
-          <p:nvPr>
-            <p:ph type="ftr" sz="quarter" idx="11"/>
-          </p:nvPr>
-        </p:nvSpPr>
-        <p:spPr>
-          <a:xfrm>
-            <a:off x="838200" y="6356350"/>
-            <a:ext cx="5960951" cy="365125"/>
-          </a:xfrm>
-          <a:noFill/>
-        </p:spPr>
-        <p:txBody>
-          <a:bodyPr vert="horz" lIns="91440" tIns="45720" rIns="91440" bIns="45720" rtlCol="0" anchor="ctr">
-            <a:normAutofit/>
-          </a:bodyPr>
-          <a:lstStyle/>
-          <a:p>
-            <a:pPr algn="l">
-              <a:spcAft>
-                <a:spcPts val="600"/>
-              </a:spcAft>
-            </a:pPr>
-            <a:r>
-              <a:rPr lang="en-US" kern="1200">
-                <a:solidFill>
-                  <a:schemeClr val="tx1">
-                    <a:tint val="75000"/>
-                  </a:schemeClr>
-                </a:solidFill>
-                <a:latin typeface="+mn-lt"/>
-                <a:ea typeface="+mn-ea"/>
-                <a:cs typeface="+mn-cs"/>
-              </a:rPr>
-              <a:t>A. Le Caldare, E. Sassu, E. Scarselli</a:t>
-            </a:r>
-          </a:p>
-        </p:txBody>
-      </p:sp>
-      <p:sp>
-        <p:nvSpPr>
           <p:cNvPr id="7" name="Segnaposto numero diapositiva 6">
             <a:extLst>
               <a:ext uri="{FF2B5EF4-FFF2-40B4-BE49-F238E27FC236}">
@@ -6787,16 +7089,10 @@
                 <a:spcPts val="600"/>
               </a:spcAft>
             </a:pPr>
-            <a:fld id="{5BB7E168-F539-4513-AD44-F276B24E7DDF}" type="slidenum">
-              <a:rPr lang="en-US" smtClean="0"/>
-              <a:pPr algn="l">
-                <a:spcAft>
-                  <a:spcPts val="600"/>
-                </a:spcAft>
-              </a:pPr>
-              <a:t>13</a:t>
-            </a:fld>
-            <a:endParaRPr lang="en-US"/>
+            <a:r>
+              <a:rPr lang="en-US" dirty="0"/>
+              <a:t>9</a:t>
+            </a:r>
           </a:p>
         </p:txBody>
       </p:sp>
@@ -6922,6 +7218,35 @@
               </a:rPr>
               <a:t>MODEL</a:t>
             </a:r>
+          </a:p>
+        </p:txBody>
+      </p:sp>
+      <p:sp>
+        <p:nvSpPr>
+          <p:cNvPr id="5" name="Segnaposto piè di pagina 4">
+            <a:extLst>
+              <a:ext uri="{FF2B5EF4-FFF2-40B4-BE49-F238E27FC236}">
+                <a16:creationId xmlns:a16="http://schemas.microsoft.com/office/drawing/2014/main" id="{FAC2D90C-14D0-4D8A-9210-C5846494F235}"/>
+              </a:ext>
+            </a:extLst>
+          </p:cNvPr>
+          <p:cNvSpPr>
+            <a:spLocks noGrp="1"/>
+          </p:cNvSpPr>
+          <p:nvPr>
+            <p:ph type="ftr" sz="quarter" idx="11"/>
+          </p:nvPr>
+        </p:nvSpPr>
+        <p:spPr/>
+        <p:txBody>
+          <a:bodyPr/>
+          <a:lstStyle/>
+          <a:p>
+            <a:r>
+              <a:rPr lang="it-IT"/>
+              <a:t>A. Le Caldare, E. Sassu, E. Scarselli</a:t>
+            </a:r>
+            <a:endParaRPr lang="en-GB"/>
           </a:p>
         </p:txBody>
       </p:sp>
@@ -7667,301 +7992,58 @@
       </p:sp>
       <p:sp>
         <p:nvSpPr>
-          <p:cNvPr id="26" name="Segnaposto piè di pagina 3">
-            <a:extLst>
-              <a:ext uri="{FF2B5EF4-FFF2-40B4-BE49-F238E27FC236}">
-                <a16:creationId xmlns:a16="http://schemas.microsoft.com/office/drawing/2014/main" id="{F5919EAC-275A-46C3-86EC-C350ABC98A16}"/>
-              </a:ext>
-            </a:extLst>
-          </p:cNvPr>
-          <p:cNvSpPr txBox="1">
-            <a:spLocks/>
-          </p:cNvSpPr>
-          <p:nvPr/>
-        </p:nvSpPr>
-        <p:spPr>
-          <a:xfrm>
-            <a:off x="750242" y="6092880"/>
-            <a:ext cx="3246992" cy="617260"/>
-          </a:xfrm>
-          <a:prstGeom prst="rect">
-            <a:avLst/>
-          </a:prstGeom>
-        </p:spPr>
-        <p:txBody>
-          <a:bodyPr vert="horz" lIns="91440" tIns="45720" rIns="91440" bIns="45720" rtlCol="0" anchor="ctr">
-            <a:normAutofit/>
-          </a:bodyPr>
-          <a:lstStyle>
-            <a:defPPr>
-              <a:defRPr lang="en-US"/>
-            </a:defPPr>
-            <a:lvl1pPr marL="0" algn="ctr" defTabSz="914400" rtl="0" eaLnBrk="1" latinLnBrk="0" hangingPunct="1">
-              <a:defRPr sz="1200" kern="1200">
-                <a:solidFill>
-                  <a:schemeClr val="tx1">
-                    <a:tint val="75000"/>
-                  </a:schemeClr>
-                </a:solidFill>
-                <a:latin typeface="+mn-lt"/>
-                <a:ea typeface="+mn-ea"/>
-                <a:cs typeface="+mn-cs"/>
-              </a:defRPr>
-            </a:lvl1pPr>
-            <a:lvl2pPr marL="457200" algn="l" defTabSz="914400" rtl="0" eaLnBrk="1" latinLnBrk="0" hangingPunct="1">
-              <a:defRPr sz="1800" kern="1200">
-                <a:solidFill>
-                  <a:schemeClr val="tx1"/>
-                </a:solidFill>
-                <a:latin typeface="+mn-lt"/>
-                <a:ea typeface="+mn-ea"/>
-                <a:cs typeface="+mn-cs"/>
-              </a:defRPr>
-            </a:lvl2pPr>
-            <a:lvl3pPr marL="914400" algn="l" defTabSz="914400" rtl="0" eaLnBrk="1" latinLnBrk="0" hangingPunct="1">
-              <a:defRPr sz="1800" kern="1200">
-                <a:solidFill>
-                  <a:schemeClr val="tx1"/>
-                </a:solidFill>
-                <a:latin typeface="+mn-lt"/>
-                <a:ea typeface="+mn-ea"/>
-                <a:cs typeface="+mn-cs"/>
-              </a:defRPr>
-            </a:lvl3pPr>
-            <a:lvl4pPr marL="1371600" algn="l" defTabSz="914400" rtl="0" eaLnBrk="1" latinLnBrk="0" hangingPunct="1">
-              <a:defRPr sz="1800" kern="1200">
-                <a:solidFill>
-                  <a:schemeClr val="tx1"/>
-                </a:solidFill>
-                <a:latin typeface="+mn-lt"/>
-                <a:ea typeface="+mn-ea"/>
-                <a:cs typeface="+mn-cs"/>
-              </a:defRPr>
-            </a:lvl4pPr>
-            <a:lvl5pPr marL="1828800" algn="l" defTabSz="914400" rtl="0" eaLnBrk="1" latinLnBrk="0" hangingPunct="1">
-              <a:defRPr sz="1800" kern="1200">
-                <a:solidFill>
-                  <a:schemeClr val="tx1"/>
-                </a:solidFill>
-                <a:latin typeface="+mn-lt"/>
-                <a:ea typeface="+mn-ea"/>
-                <a:cs typeface="+mn-cs"/>
-              </a:defRPr>
-            </a:lvl5pPr>
-            <a:lvl6pPr marL="2286000" algn="l" defTabSz="914400" rtl="0" eaLnBrk="1" latinLnBrk="0" hangingPunct="1">
-              <a:defRPr sz="1800" kern="1200">
-                <a:solidFill>
-                  <a:schemeClr val="tx1"/>
-                </a:solidFill>
-                <a:latin typeface="+mn-lt"/>
-                <a:ea typeface="+mn-ea"/>
-                <a:cs typeface="+mn-cs"/>
-              </a:defRPr>
-            </a:lvl6pPr>
-            <a:lvl7pPr marL="2743200" algn="l" defTabSz="914400" rtl="0" eaLnBrk="1" latinLnBrk="0" hangingPunct="1">
-              <a:defRPr sz="1800" kern="1200">
-                <a:solidFill>
-                  <a:schemeClr val="tx1"/>
-                </a:solidFill>
-                <a:latin typeface="+mn-lt"/>
-                <a:ea typeface="+mn-ea"/>
-                <a:cs typeface="+mn-cs"/>
-              </a:defRPr>
-            </a:lvl7pPr>
-            <a:lvl8pPr marL="3200400" algn="l" defTabSz="914400" rtl="0" eaLnBrk="1" latinLnBrk="0" hangingPunct="1">
-              <a:defRPr sz="1800" kern="1200">
-                <a:solidFill>
-                  <a:schemeClr val="tx1"/>
-                </a:solidFill>
-                <a:latin typeface="+mn-lt"/>
-                <a:ea typeface="+mn-ea"/>
-                <a:cs typeface="+mn-cs"/>
-              </a:defRPr>
-            </a:lvl8pPr>
-            <a:lvl9pPr marL="3657600" algn="l" defTabSz="914400" rtl="0" eaLnBrk="1" latinLnBrk="0" hangingPunct="1">
-              <a:defRPr sz="1800" kern="1200">
-                <a:solidFill>
-                  <a:schemeClr val="tx1"/>
-                </a:solidFill>
-                <a:latin typeface="+mn-lt"/>
-                <a:ea typeface="+mn-ea"/>
-                <a:cs typeface="+mn-cs"/>
-              </a:defRPr>
-            </a:lvl9pPr>
-          </a:lstStyle>
-          <a:p>
-            <a:pPr algn="l">
-              <a:spcAft>
-                <a:spcPts val="600"/>
-              </a:spcAft>
-            </a:pPr>
-            <a:r>
-              <a:rPr lang="it-IT" sz="1100">
-                <a:solidFill>
-                  <a:schemeClr val="tx1"/>
-                </a:solidFill>
-              </a:rPr>
+          <p:cNvPr id="2" name="Segnaposto piè di pagina 1">
+            <a:extLst>
+              <a:ext uri="{FF2B5EF4-FFF2-40B4-BE49-F238E27FC236}">
+                <a16:creationId xmlns:a16="http://schemas.microsoft.com/office/drawing/2014/main" id="{C46081FB-FBE7-4724-86C5-82829583E4E1}"/>
+              </a:ext>
+            </a:extLst>
+          </p:cNvPr>
+          <p:cNvSpPr>
+            <a:spLocks noGrp="1"/>
+          </p:cNvSpPr>
+          <p:nvPr>
+            <p:ph type="ftr" sz="quarter" idx="11"/>
+          </p:nvPr>
+        </p:nvSpPr>
+        <p:spPr/>
+        <p:txBody>
+          <a:bodyPr/>
+          <a:lstStyle/>
+          <a:p>
+            <a:r>
+              <a:rPr lang="it-IT"/>
               <a:t>A. Le Caldare, E. Sassu, E. Scarselli</a:t>
             </a:r>
-            <a:endParaRPr lang="en-GB" sz="1100" dirty="0">
-              <a:solidFill>
-                <a:schemeClr val="tx1"/>
-              </a:solidFill>
-            </a:endParaRPr>
-          </a:p>
-        </p:txBody>
-      </p:sp>
-      <p:sp>
-        <p:nvSpPr>
-          <p:cNvPr id="27" name="Segnaposto numero diapositiva 4">
-            <a:extLst>
-              <a:ext uri="{FF2B5EF4-FFF2-40B4-BE49-F238E27FC236}">
-                <a16:creationId xmlns:a16="http://schemas.microsoft.com/office/drawing/2014/main" id="{144FA246-62DE-4D8A-B3A7-E14DD88F9E99}"/>
-              </a:ext>
-            </a:extLst>
-          </p:cNvPr>
-          <p:cNvSpPr txBox="1">
-            <a:spLocks/>
-          </p:cNvSpPr>
-          <p:nvPr/>
-        </p:nvSpPr>
-        <p:spPr>
-          <a:xfrm>
-            <a:off x="11000232" y="6108192"/>
-            <a:ext cx="548640" cy="548640"/>
-          </a:xfrm>
-          <a:prstGeom prst="ellipse">
-            <a:avLst/>
-          </a:prstGeom>
-          <a:solidFill>
-            <a:srgbClr val="368B50"/>
-          </a:solidFill>
-        </p:spPr>
-        <p:txBody>
-          <a:bodyPr vert="horz" lIns="91440" tIns="45720" rIns="91440" bIns="45720" rtlCol="0" anchor="ctr">
-            <a:normAutofit/>
-          </a:bodyPr>
-          <a:lstStyle>
-            <a:defPPr>
-              <a:defRPr lang="en-US"/>
-            </a:defPPr>
-            <a:lvl1pPr marL="0" algn="r" defTabSz="914400" rtl="0" eaLnBrk="1" latinLnBrk="0" hangingPunct="1">
-              <a:defRPr sz="1200" kern="1200">
-                <a:solidFill>
-                  <a:schemeClr val="tx1">
-                    <a:tint val="75000"/>
-                  </a:schemeClr>
-                </a:solidFill>
-                <a:latin typeface="+mn-lt"/>
-                <a:ea typeface="+mn-ea"/>
-                <a:cs typeface="+mn-cs"/>
-              </a:defRPr>
-            </a:lvl1pPr>
-            <a:lvl2pPr marL="457200" algn="l" defTabSz="914400" rtl="0" eaLnBrk="1" latinLnBrk="0" hangingPunct="1">
-              <a:defRPr sz="1800" kern="1200">
-                <a:solidFill>
-                  <a:schemeClr val="tx1"/>
-                </a:solidFill>
-                <a:latin typeface="+mn-lt"/>
-                <a:ea typeface="+mn-ea"/>
-                <a:cs typeface="+mn-cs"/>
-              </a:defRPr>
-            </a:lvl2pPr>
-            <a:lvl3pPr marL="914400" algn="l" defTabSz="914400" rtl="0" eaLnBrk="1" latinLnBrk="0" hangingPunct="1">
-              <a:defRPr sz="1800" kern="1200">
-                <a:solidFill>
-                  <a:schemeClr val="tx1"/>
-                </a:solidFill>
-                <a:latin typeface="+mn-lt"/>
-                <a:ea typeface="+mn-ea"/>
-                <a:cs typeface="+mn-cs"/>
-              </a:defRPr>
-            </a:lvl3pPr>
-            <a:lvl4pPr marL="1371600" algn="l" defTabSz="914400" rtl="0" eaLnBrk="1" latinLnBrk="0" hangingPunct="1">
-              <a:defRPr sz="1800" kern="1200">
-                <a:solidFill>
-                  <a:schemeClr val="tx1"/>
-                </a:solidFill>
-                <a:latin typeface="+mn-lt"/>
-                <a:ea typeface="+mn-ea"/>
-                <a:cs typeface="+mn-cs"/>
-              </a:defRPr>
-            </a:lvl4pPr>
-            <a:lvl5pPr marL="1828800" algn="l" defTabSz="914400" rtl="0" eaLnBrk="1" latinLnBrk="0" hangingPunct="1">
-              <a:defRPr sz="1800" kern="1200">
-                <a:solidFill>
-                  <a:schemeClr val="tx1"/>
-                </a:solidFill>
-                <a:latin typeface="+mn-lt"/>
-                <a:ea typeface="+mn-ea"/>
-                <a:cs typeface="+mn-cs"/>
-              </a:defRPr>
-            </a:lvl5pPr>
-            <a:lvl6pPr marL="2286000" algn="l" defTabSz="914400" rtl="0" eaLnBrk="1" latinLnBrk="0" hangingPunct="1">
-              <a:defRPr sz="1800" kern="1200">
-                <a:solidFill>
-                  <a:schemeClr val="tx1"/>
-                </a:solidFill>
-                <a:latin typeface="+mn-lt"/>
-                <a:ea typeface="+mn-ea"/>
-                <a:cs typeface="+mn-cs"/>
-              </a:defRPr>
-            </a:lvl6pPr>
-            <a:lvl7pPr marL="2743200" algn="l" defTabSz="914400" rtl="0" eaLnBrk="1" latinLnBrk="0" hangingPunct="1">
-              <a:defRPr sz="1800" kern="1200">
-                <a:solidFill>
-                  <a:schemeClr val="tx1"/>
-                </a:solidFill>
-                <a:latin typeface="+mn-lt"/>
-                <a:ea typeface="+mn-ea"/>
-                <a:cs typeface="+mn-cs"/>
-              </a:defRPr>
-            </a:lvl7pPr>
-            <a:lvl8pPr marL="3200400" algn="l" defTabSz="914400" rtl="0" eaLnBrk="1" latinLnBrk="0" hangingPunct="1">
-              <a:defRPr sz="1800" kern="1200">
-                <a:solidFill>
-                  <a:schemeClr val="tx1"/>
-                </a:solidFill>
-                <a:latin typeface="+mn-lt"/>
-                <a:ea typeface="+mn-ea"/>
-                <a:cs typeface="+mn-cs"/>
-              </a:defRPr>
-            </a:lvl8pPr>
-            <a:lvl9pPr marL="3657600" algn="l" defTabSz="914400" rtl="0" eaLnBrk="1" latinLnBrk="0" hangingPunct="1">
-              <a:defRPr sz="1800" kern="1200">
-                <a:solidFill>
-                  <a:schemeClr val="tx1"/>
-                </a:solidFill>
-                <a:latin typeface="+mn-lt"/>
-                <a:ea typeface="+mn-ea"/>
-                <a:cs typeface="+mn-cs"/>
-              </a:defRPr>
-            </a:lvl9pPr>
-          </a:lstStyle>
-          <a:p>
-            <a:pPr algn="ctr">
-              <a:spcAft>
-                <a:spcPts val="600"/>
-              </a:spcAft>
-            </a:pPr>
-            <a:fld id="{5BB7E168-F539-4513-AD44-F276B24E7DDF}" type="slidenum">
-              <a:rPr lang="en-GB" sz="1500" smtClean="0">
-                <a:solidFill>
-                  <a:srgbClr val="FFFFFF"/>
-                </a:solidFill>
-              </a:rPr>
-              <a:pPr algn="ctr">
-                <a:spcAft>
-                  <a:spcPts val="600"/>
-                </a:spcAft>
-              </a:pPr>
-              <a:t>14</a:t>
-            </a:fld>
-            <a:endParaRPr lang="en-GB" sz="1500">
-              <a:solidFill>
-                <a:srgbClr val="FFFFFF"/>
-              </a:solidFill>
-            </a:endParaRPr>
+            <a:endParaRPr lang="en-GB"/>
+          </a:p>
+        </p:txBody>
+      </p:sp>
+      <p:sp>
+        <p:nvSpPr>
+          <p:cNvPr id="3" name="Segnaposto numero diapositiva 2">
+            <a:extLst>
+              <a:ext uri="{FF2B5EF4-FFF2-40B4-BE49-F238E27FC236}">
+                <a16:creationId xmlns:a16="http://schemas.microsoft.com/office/drawing/2014/main" id="{2169F94A-3284-4E4B-8D18-D9A542BB4FD0}"/>
+              </a:ext>
+            </a:extLst>
+          </p:cNvPr>
+          <p:cNvSpPr>
+            <a:spLocks noGrp="1"/>
+          </p:cNvSpPr>
+          <p:nvPr>
+            <p:ph type="sldNum" sz="quarter" idx="12"/>
+          </p:nvPr>
+        </p:nvSpPr>
+        <p:spPr/>
+        <p:txBody>
+          <a:bodyPr/>
+          <a:lstStyle/>
+          <a:p>
+            <a:r>
+              <a:rPr lang="en-GB" dirty="0"/>
+              <a:t>10</a:t>
+            </a:r>
           </a:p>
         </p:txBody>
       </p:sp>
@@ -8654,306 +8736,6 @@
           </a:p>
         </p:txBody>
       </p:sp>
-      <p:sp>
-        <p:nvSpPr>
-          <p:cNvPr id="26" name="Segnaposto piè di pagina 3">
-            <a:extLst>
-              <a:ext uri="{FF2B5EF4-FFF2-40B4-BE49-F238E27FC236}">
-                <a16:creationId xmlns:a16="http://schemas.microsoft.com/office/drawing/2014/main" id="{F5919EAC-275A-46C3-86EC-C350ABC98A16}"/>
-              </a:ext>
-            </a:extLst>
-          </p:cNvPr>
-          <p:cNvSpPr txBox="1">
-            <a:spLocks/>
-          </p:cNvSpPr>
-          <p:nvPr/>
-        </p:nvSpPr>
-        <p:spPr>
-          <a:xfrm>
-            <a:off x="750242" y="6092880"/>
-            <a:ext cx="3246992" cy="617260"/>
-          </a:xfrm>
-          <a:prstGeom prst="rect">
-            <a:avLst/>
-          </a:prstGeom>
-        </p:spPr>
-        <p:txBody>
-          <a:bodyPr vert="horz" lIns="91440" tIns="45720" rIns="91440" bIns="45720" rtlCol="0" anchor="ctr">
-            <a:normAutofit/>
-          </a:bodyPr>
-          <a:lstStyle>
-            <a:defPPr>
-              <a:defRPr lang="en-US"/>
-            </a:defPPr>
-            <a:lvl1pPr marL="0" algn="ctr" defTabSz="914400" rtl="0" eaLnBrk="1" latinLnBrk="0" hangingPunct="1">
-              <a:defRPr sz="1200" kern="1200">
-                <a:solidFill>
-                  <a:schemeClr val="tx1">
-                    <a:tint val="75000"/>
-                  </a:schemeClr>
-                </a:solidFill>
-                <a:latin typeface="+mn-lt"/>
-                <a:ea typeface="+mn-ea"/>
-                <a:cs typeface="+mn-cs"/>
-              </a:defRPr>
-            </a:lvl1pPr>
-            <a:lvl2pPr marL="457200" algn="l" defTabSz="914400" rtl="0" eaLnBrk="1" latinLnBrk="0" hangingPunct="1">
-              <a:defRPr sz="1800" kern="1200">
-                <a:solidFill>
-                  <a:schemeClr val="tx1"/>
-                </a:solidFill>
-                <a:latin typeface="+mn-lt"/>
-                <a:ea typeface="+mn-ea"/>
-                <a:cs typeface="+mn-cs"/>
-              </a:defRPr>
-            </a:lvl2pPr>
-            <a:lvl3pPr marL="914400" algn="l" defTabSz="914400" rtl="0" eaLnBrk="1" latinLnBrk="0" hangingPunct="1">
-              <a:defRPr sz="1800" kern="1200">
-                <a:solidFill>
-                  <a:schemeClr val="tx1"/>
-                </a:solidFill>
-                <a:latin typeface="+mn-lt"/>
-                <a:ea typeface="+mn-ea"/>
-                <a:cs typeface="+mn-cs"/>
-              </a:defRPr>
-            </a:lvl3pPr>
-            <a:lvl4pPr marL="1371600" algn="l" defTabSz="914400" rtl="0" eaLnBrk="1" latinLnBrk="0" hangingPunct="1">
-              <a:defRPr sz="1800" kern="1200">
-                <a:solidFill>
-                  <a:schemeClr val="tx1"/>
-                </a:solidFill>
-                <a:latin typeface="+mn-lt"/>
-                <a:ea typeface="+mn-ea"/>
-                <a:cs typeface="+mn-cs"/>
-              </a:defRPr>
-            </a:lvl4pPr>
-            <a:lvl5pPr marL="1828800" algn="l" defTabSz="914400" rtl="0" eaLnBrk="1" latinLnBrk="0" hangingPunct="1">
-              <a:defRPr sz="1800" kern="1200">
-                <a:solidFill>
-                  <a:schemeClr val="tx1"/>
-                </a:solidFill>
-                <a:latin typeface="+mn-lt"/>
-                <a:ea typeface="+mn-ea"/>
-                <a:cs typeface="+mn-cs"/>
-              </a:defRPr>
-            </a:lvl5pPr>
-            <a:lvl6pPr marL="2286000" algn="l" defTabSz="914400" rtl="0" eaLnBrk="1" latinLnBrk="0" hangingPunct="1">
-              <a:defRPr sz="1800" kern="1200">
-                <a:solidFill>
-                  <a:schemeClr val="tx1"/>
-                </a:solidFill>
-                <a:latin typeface="+mn-lt"/>
-                <a:ea typeface="+mn-ea"/>
-                <a:cs typeface="+mn-cs"/>
-              </a:defRPr>
-            </a:lvl6pPr>
-            <a:lvl7pPr marL="2743200" algn="l" defTabSz="914400" rtl="0" eaLnBrk="1" latinLnBrk="0" hangingPunct="1">
-              <a:defRPr sz="1800" kern="1200">
-                <a:solidFill>
-                  <a:schemeClr val="tx1"/>
-                </a:solidFill>
-                <a:latin typeface="+mn-lt"/>
-                <a:ea typeface="+mn-ea"/>
-                <a:cs typeface="+mn-cs"/>
-              </a:defRPr>
-            </a:lvl7pPr>
-            <a:lvl8pPr marL="3200400" algn="l" defTabSz="914400" rtl="0" eaLnBrk="1" latinLnBrk="0" hangingPunct="1">
-              <a:defRPr sz="1800" kern="1200">
-                <a:solidFill>
-                  <a:schemeClr val="tx1"/>
-                </a:solidFill>
-                <a:latin typeface="+mn-lt"/>
-                <a:ea typeface="+mn-ea"/>
-                <a:cs typeface="+mn-cs"/>
-              </a:defRPr>
-            </a:lvl8pPr>
-            <a:lvl9pPr marL="3657600" algn="l" defTabSz="914400" rtl="0" eaLnBrk="1" latinLnBrk="0" hangingPunct="1">
-              <a:defRPr sz="1800" kern="1200">
-                <a:solidFill>
-                  <a:schemeClr val="tx1"/>
-                </a:solidFill>
-                <a:latin typeface="+mn-lt"/>
-                <a:ea typeface="+mn-ea"/>
-                <a:cs typeface="+mn-cs"/>
-              </a:defRPr>
-            </a:lvl9pPr>
-          </a:lstStyle>
-          <a:p>
-            <a:pPr algn="l">
-              <a:spcAft>
-                <a:spcPts val="600"/>
-              </a:spcAft>
-            </a:pPr>
-            <a:r>
-              <a:rPr lang="it-IT" sz="1100">
-                <a:solidFill>
-                  <a:schemeClr val="tx1"/>
-                </a:solidFill>
-              </a:rPr>
-              <a:t>A. Le Caldare, E. Sassu, E. Scarselli</a:t>
-            </a:r>
-            <a:endParaRPr lang="en-GB" sz="1100" dirty="0">
-              <a:solidFill>
-                <a:schemeClr val="tx1"/>
-              </a:solidFill>
-            </a:endParaRPr>
-          </a:p>
-        </p:txBody>
-      </p:sp>
-      <p:sp>
-        <p:nvSpPr>
-          <p:cNvPr id="27" name="Segnaposto numero diapositiva 4">
-            <a:extLst>
-              <a:ext uri="{FF2B5EF4-FFF2-40B4-BE49-F238E27FC236}">
-                <a16:creationId xmlns:a16="http://schemas.microsoft.com/office/drawing/2014/main" id="{144FA246-62DE-4D8A-B3A7-E14DD88F9E99}"/>
-              </a:ext>
-            </a:extLst>
-          </p:cNvPr>
-          <p:cNvSpPr txBox="1">
-            <a:spLocks/>
-          </p:cNvSpPr>
-          <p:nvPr/>
-        </p:nvSpPr>
-        <p:spPr>
-          <a:xfrm>
-            <a:off x="11000232" y="6108192"/>
-            <a:ext cx="548640" cy="548640"/>
-          </a:xfrm>
-          <a:prstGeom prst="ellipse">
-            <a:avLst/>
-          </a:prstGeom>
-          <a:solidFill>
-            <a:srgbClr val="368B50"/>
-          </a:solidFill>
-        </p:spPr>
-        <p:txBody>
-          <a:bodyPr vert="horz" lIns="91440" tIns="45720" rIns="91440" bIns="45720" rtlCol="0" anchor="ctr">
-            <a:normAutofit/>
-          </a:bodyPr>
-          <a:lstStyle>
-            <a:defPPr>
-              <a:defRPr lang="en-US"/>
-            </a:defPPr>
-            <a:lvl1pPr marL="0" algn="r" defTabSz="914400" rtl="0" eaLnBrk="1" latinLnBrk="0" hangingPunct="1">
-              <a:defRPr sz="1200" kern="1200">
-                <a:solidFill>
-                  <a:schemeClr val="tx1">
-                    <a:tint val="75000"/>
-                  </a:schemeClr>
-                </a:solidFill>
-                <a:latin typeface="+mn-lt"/>
-                <a:ea typeface="+mn-ea"/>
-                <a:cs typeface="+mn-cs"/>
-              </a:defRPr>
-            </a:lvl1pPr>
-            <a:lvl2pPr marL="457200" algn="l" defTabSz="914400" rtl="0" eaLnBrk="1" latinLnBrk="0" hangingPunct="1">
-              <a:defRPr sz="1800" kern="1200">
-                <a:solidFill>
-                  <a:schemeClr val="tx1"/>
-                </a:solidFill>
-                <a:latin typeface="+mn-lt"/>
-                <a:ea typeface="+mn-ea"/>
-                <a:cs typeface="+mn-cs"/>
-              </a:defRPr>
-            </a:lvl2pPr>
-            <a:lvl3pPr marL="914400" algn="l" defTabSz="914400" rtl="0" eaLnBrk="1" latinLnBrk="0" hangingPunct="1">
-              <a:defRPr sz="1800" kern="1200">
-                <a:solidFill>
-                  <a:schemeClr val="tx1"/>
-                </a:solidFill>
-                <a:latin typeface="+mn-lt"/>
-                <a:ea typeface="+mn-ea"/>
-                <a:cs typeface="+mn-cs"/>
-              </a:defRPr>
-            </a:lvl3pPr>
-            <a:lvl4pPr marL="1371600" algn="l" defTabSz="914400" rtl="0" eaLnBrk="1" latinLnBrk="0" hangingPunct="1">
-              <a:defRPr sz="1800" kern="1200">
-                <a:solidFill>
-                  <a:schemeClr val="tx1"/>
-                </a:solidFill>
-                <a:latin typeface="+mn-lt"/>
-                <a:ea typeface="+mn-ea"/>
-                <a:cs typeface="+mn-cs"/>
-              </a:defRPr>
-            </a:lvl4pPr>
-            <a:lvl5pPr marL="1828800" algn="l" defTabSz="914400" rtl="0" eaLnBrk="1" latinLnBrk="0" hangingPunct="1">
-              <a:defRPr sz="1800" kern="1200">
-                <a:solidFill>
-                  <a:schemeClr val="tx1"/>
-                </a:solidFill>
-                <a:latin typeface="+mn-lt"/>
-                <a:ea typeface="+mn-ea"/>
-                <a:cs typeface="+mn-cs"/>
-              </a:defRPr>
-            </a:lvl5pPr>
-            <a:lvl6pPr marL="2286000" algn="l" defTabSz="914400" rtl="0" eaLnBrk="1" latinLnBrk="0" hangingPunct="1">
-              <a:defRPr sz="1800" kern="1200">
-                <a:solidFill>
-                  <a:schemeClr val="tx1"/>
-                </a:solidFill>
-                <a:latin typeface="+mn-lt"/>
-                <a:ea typeface="+mn-ea"/>
-                <a:cs typeface="+mn-cs"/>
-              </a:defRPr>
-            </a:lvl6pPr>
-            <a:lvl7pPr marL="2743200" algn="l" defTabSz="914400" rtl="0" eaLnBrk="1" latinLnBrk="0" hangingPunct="1">
-              <a:defRPr sz="1800" kern="1200">
-                <a:solidFill>
-                  <a:schemeClr val="tx1"/>
-                </a:solidFill>
-                <a:latin typeface="+mn-lt"/>
-                <a:ea typeface="+mn-ea"/>
-                <a:cs typeface="+mn-cs"/>
-              </a:defRPr>
-            </a:lvl7pPr>
-            <a:lvl8pPr marL="3200400" algn="l" defTabSz="914400" rtl="0" eaLnBrk="1" latinLnBrk="0" hangingPunct="1">
-              <a:defRPr sz="1800" kern="1200">
-                <a:solidFill>
-                  <a:schemeClr val="tx1"/>
-                </a:solidFill>
-                <a:latin typeface="+mn-lt"/>
-                <a:ea typeface="+mn-ea"/>
-                <a:cs typeface="+mn-cs"/>
-              </a:defRPr>
-            </a:lvl8pPr>
-            <a:lvl9pPr marL="3657600" algn="l" defTabSz="914400" rtl="0" eaLnBrk="1" latinLnBrk="0" hangingPunct="1">
-              <a:defRPr sz="1800" kern="1200">
-                <a:solidFill>
-                  <a:schemeClr val="tx1"/>
-                </a:solidFill>
-                <a:latin typeface="+mn-lt"/>
-                <a:ea typeface="+mn-ea"/>
-                <a:cs typeface="+mn-cs"/>
-              </a:defRPr>
-            </a:lvl9pPr>
-          </a:lstStyle>
-          <a:p>
-            <a:pPr algn="ctr">
-              <a:spcAft>
-                <a:spcPts val="600"/>
-              </a:spcAft>
-            </a:pPr>
-            <a:fld id="{5BB7E168-F539-4513-AD44-F276B24E7DDF}" type="slidenum">
-              <a:rPr lang="en-GB" sz="1500" smtClean="0">
-                <a:solidFill>
-                  <a:srgbClr val="FFFFFF"/>
-                </a:solidFill>
-              </a:rPr>
-              <a:pPr algn="ctr">
-                <a:spcAft>
-                  <a:spcPts val="600"/>
-                </a:spcAft>
-              </a:pPr>
-              <a:t>15</a:t>
-            </a:fld>
-            <a:endParaRPr lang="en-GB" sz="1500">
-              <a:solidFill>
-                <a:srgbClr val="FFFFFF"/>
-              </a:solidFill>
-            </a:endParaRPr>
-          </a:p>
-        </p:txBody>
-      </p:sp>
       <p:pic>
         <p:nvPicPr>
           <p:cNvPr id="3" name="Immagine 2">
@@ -8990,6 +8772,64 @@
           </a:prstGeom>
         </p:spPr>
       </p:pic>
+      <p:sp>
+        <p:nvSpPr>
+          <p:cNvPr id="2" name="Segnaposto piè di pagina 1">
+            <a:extLst>
+              <a:ext uri="{FF2B5EF4-FFF2-40B4-BE49-F238E27FC236}">
+                <a16:creationId xmlns:a16="http://schemas.microsoft.com/office/drawing/2014/main" id="{03446EDC-DAEB-4561-8A59-88BEECE9C7BD}"/>
+              </a:ext>
+            </a:extLst>
+          </p:cNvPr>
+          <p:cNvSpPr>
+            <a:spLocks noGrp="1"/>
+          </p:cNvSpPr>
+          <p:nvPr>
+            <p:ph type="ftr" sz="quarter" idx="11"/>
+          </p:nvPr>
+        </p:nvSpPr>
+        <p:spPr/>
+        <p:txBody>
+          <a:bodyPr/>
+          <a:lstStyle/>
+          <a:p>
+            <a:r>
+              <a:rPr lang="it-IT"/>
+              <a:t>A. Le Caldare, E. Sassu, E. Scarselli</a:t>
+            </a:r>
+            <a:endParaRPr lang="en-GB"/>
+          </a:p>
+        </p:txBody>
+      </p:sp>
+      <p:sp>
+        <p:nvSpPr>
+          <p:cNvPr id="4" name="Segnaposto numero diapositiva 3">
+            <a:extLst>
+              <a:ext uri="{FF2B5EF4-FFF2-40B4-BE49-F238E27FC236}">
+                <a16:creationId xmlns:a16="http://schemas.microsoft.com/office/drawing/2014/main" id="{51F41A5D-C183-43E7-9836-7A0162A5C415}"/>
+              </a:ext>
+            </a:extLst>
+          </p:cNvPr>
+          <p:cNvSpPr>
+            <a:spLocks noGrp="1"/>
+          </p:cNvSpPr>
+          <p:nvPr>
+            <p:ph type="sldNum" sz="quarter" idx="12"/>
+          </p:nvPr>
+        </p:nvSpPr>
+        <p:spPr/>
+        <p:txBody>
+          <a:bodyPr/>
+          <a:lstStyle/>
+          <a:p>
+            <a:r>
+              <a:rPr lang="it-IT" dirty="0"/>
+              <a:t>11</a:t>
+            </a:r>
+            <a:endParaRPr lang="en-GB" dirty="0"/>
+          </a:p>
+        </p:txBody>
+      </p:sp>
     </p:spTree>
     <p:extLst>
       <p:ext uri="{BB962C8B-B14F-4D97-AF65-F5344CB8AC3E}">
@@ -9714,306 +9554,6 @@
           </a:p>
         </p:txBody>
       </p:sp>
-      <p:sp>
-        <p:nvSpPr>
-          <p:cNvPr id="26" name="Segnaposto piè di pagina 3">
-            <a:extLst>
-              <a:ext uri="{FF2B5EF4-FFF2-40B4-BE49-F238E27FC236}">
-                <a16:creationId xmlns:a16="http://schemas.microsoft.com/office/drawing/2014/main" id="{F5919EAC-275A-46C3-86EC-C350ABC98A16}"/>
-              </a:ext>
-            </a:extLst>
-          </p:cNvPr>
-          <p:cNvSpPr txBox="1">
-            <a:spLocks/>
-          </p:cNvSpPr>
-          <p:nvPr/>
-        </p:nvSpPr>
-        <p:spPr>
-          <a:xfrm>
-            <a:off x="750242" y="6092880"/>
-            <a:ext cx="3246992" cy="617260"/>
-          </a:xfrm>
-          <a:prstGeom prst="rect">
-            <a:avLst/>
-          </a:prstGeom>
-        </p:spPr>
-        <p:txBody>
-          <a:bodyPr vert="horz" lIns="91440" tIns="45720" rIns="91440" bIns="45720" rtlCol="0" anchor="ctr">
-            <a:normAutofit/>
-          </a:bodyPr>
-          <a:lstStyle>
-            <a:defPPr>
-              <a:defRPr lang="en-US"/>
-            </a:defPPr>
-            <a:lvl1pPr marL="0" algn="ctr" defTabSz="914400" rtl="0" eaLnBrk="1" latinLnBrk="0" hangingPunct="1">
-              <a:defRPr sz="1200" kern="1200">
-                <a:solidFill>
-                  <a:schemeClr val="tx1">
-                    <a:tint val="75000"/>
-                  </a:schemeClr>
-                </a:solidFill>
-                <a:latin typeface="+mn-lt"/>
-                <a:ea typeface="+mn-ea"/>
-                <a:cs typeface="+mn-cs"/>
-              </a:defRPr>
-            </a:lvl1pPr>
-            <a:lvl2pPr marL="457200" algn="l" defTabSz="914400" rtl="0" eaLnBrk="1" latinLnBrk="0" hangingPunct="1">
-              <a:defRPr sz="1800" kern="1200">
-                <a:solidFill>
-                  <a:schemeClr val="tx1"/>
-                </a:solidFill>
-                <a:latin typeface="+mn-lt"/>
-                <a:ea typeface="+mn-ea"/>
-                <a:cs typeface="+mn-cs"/>
-              </a:defRPr>
-            </a:lvl2pPr>
-            <a:lvl3pPr marL="914400" algn="l" defTabSz="914400" rtl="0" eaLnBrk="1" latinLnBrk="0" hangingPunct="1">
-              <a:defRPr sz="1800" kern="1200">
-                <a:solidFill>
-                  <a:schemeClr val="tx1"/>
-                </a:solidFill>
-                <a:latin typeface="+mn-lt"/>
-                <a:ea typeface="+mn-ea"/>
-                <a:cs typeface="+mn-cs"/>
-              </a:defRPr>
-            </a:lvl3pPr>
-            <a:lvl4pPr marL="1371600" algn="l" defTabSz="914400" rtl="0" eaLnBrk="1" latinLnBrk="0" hangingPunct="1">
-              <a:defRPr sz="1800" kern="1200">
-                <a:solidFill>
-                  <a:schemeClr val="tx1"/>
-                </a:solidFill>
-                <a:latin typeface="+mn-lt"/>
-                <a:ea typeface="+mn-ea"/>
-                <a:cs typeface="+mn-cs"/>
-              </a:defRPr>
-            </a:lvl4pPr>
-            <a:lvl5pPr marL="1828800" algn="l" defTabSz="914400" rtl="0" eaLnBrk="1" latinLnBrk="0" hangingPunct="1">
-              <a:defRPr sz="1800" kern="1200">
-                <a:solidFill>
-                  <a:schemeClr val="tx1"/>
-                </a:solidFill>
-                <a:latin typeface="+mn-lt"/>
-                <a:ea typeface="+mn-ea"/>
-                <a:cs typeface="+mn-cs"/>
-              </a:defRPr>
-            </a:lvl5pPr>
-            <a:lvl6pPr marL="2286000" algn="l" defTabSz="914400" rtl="0" eaLnBrk="1" latinLnBrk="0" hangingPunct="1">
-              <a:defRPr sz="1800" kern="1200">
-                <a:solidFill>
-                  <a:schemeClr val="tx1"/>
-                </a:solidFill>
-                <a:latin typeface="+mn-lt"/>
-                <a:ea typeface="+mn-ea"/>
-                <a:cs typeface="+mn-cs"/>
-              </a:defRPr>
-            </a:lvl6pPr>
-            <a:lvl7pPr marL="2743200" algn="l" defTabSz="914400" rtl="0" eaLnBrk="1" latinLnBrk="0" hangingPunct="1">
-              <a:defRPr sz="1800" kern="1200">
-                <a:solidFill>
-                  <a:schemeClr val="tx1"/>
-                </a:solidFill>
-                <a:latin typeface="+mn-lt"/>
-                <a:ea typeface="+mn-ea"/>
-                <a:cs typeface="+mn-cs"/>
-              </a:defRPr>
-            </a:lvl7pPr>
-            <a:lvl8pPr marL="3200400" algn="l" defTabSz="914400" rtl="0" eaLnBrk="1" latinLnBrk="0" hangingPunct="1">
-              <a:defRPr sz="1800" kern="1200">
-                <a:solidFill>
-                  <a:schemeClr val="tx1"/>
-                </a:solidFill>
-                <a:latin typeface="+mn-lt"/>
-                <a:ea typeface="+mn-ea"/>
-                <a:cs typeface="+mn-cs"/>
-              </a:defRPr>
-            </a:lvl8pPr>
-            <a:lvl9pPr marL="3657600" algn="l" defTabSz="914400" rtl="0" eaLnBrk="1" latinLnBrk="0" hangingPunct="1">
-              <a:defRPr sz="1800" kern="1200">
-                <a:solidFill>
-                  <a:schemeClr val="tx1"/>
-                </a:solidFill>
-                <a:latin typeface="+mn-lt"/>
-                <a:ea typeface="+mn-ea"/>
-                <a:cs typeface="+mn-cs"/>
-              </a:defRPr>
-            </a:lvl9pPr>
-          </a:lstStyle>
-          <a:p>
-            <a:pPr algn="l">
-              <a:spcAft>
-                <a:spcPts val="600"/>
-              </a:spcAft>
-            </a:pPr>
-            <a:r>
-              <a:rPr lang="it-IT" sz="1100">
-                <a:solidFill>
-                  <a:schemeClr val="tx1"/>
-                </a:solidFill>
-              </a:rPr>
-              <a:t>A. Le Caldare, E. Sassu, E. Scarselli</a:t>
-            </a:r>
-            <a:endParaRPr lang="en-GB" sz="1100" dirty="0">
-              <a:solidFill>
-                <a:schemeClr val="tx1"/>
-              </a:solidFill>
-            </a:endParaRPr>
-          </a:p>
-        </p:txBody>
-      </p:sp>
-      <p:sp>
-        <p:nvSpPr>
-          <p:cNvPr id="27" name="Segnaposto numero diapositiva 4">
-            <a:extLst>
-              <a:ext uri="{FF2B5EF4-FFF2-40B4-BE49-F238E27FC236}">
-                <a16:creationId xmlns:a16="http://schemas.microsoft.com/office/drawing/2014/main" id="{144FA246-62DE-4D8A-B3A7-E14DD88F9E99}"/>
-              </a:ext>
-            </a:extLst>
-          </p:cNvPr>
-          <p:cNvSpPr txBox="1">
-            <a:spLocks/>
-          </p:cNvSpPr>
-          <p:nvPr/>
-        </p:nvSpPr>
-        <p:spPr>
-          <a:xfrm>
-            <a:off x="11000232" y="6108192"/>
-            <a:ext cx="548640" cy="548640"/>
-          </a:xfrm>
-          <a:prstGeom prst="ellipse">
-            <a:avLst/>
-          </a:prstGeom>
-          <a:solidFill>
-            <a:srgbClr val="368B50"/>
-          </a:solidFill>
-        </p:spPr>
-        <p:txBody>
-          <a:bodyPr vert="horz" lIns="91440" tIns="45720" rIns="91440" bIns="45720" rtlCol="0" anchor="ctr">
-            <a:normAutofit/>
-          </a:bodyPr>
-          <a:lstStyle>
-            <a:defPPr>
-              <a:defRPr lang="en-US"/>
-            </a:defPPr>
-            <a:lvl1pPr marL="0" algn="r" defTabSz="914400" rtl="0" eaLnBrk="1" latinLnBrk="0" hangingPunct="1">
-              <a:defRPr sz="1200" kern="1200">
-                <a:solidFill>
-                  <a:schemeClr val="tx1">
-                    <a:tint val="75000"/>
-                  </a:schemeClr>
-                </a:solidFill>
-                <a:latin typeface="+mn-lt"/>
-                <a:ea typeface="+mn-ea"/>
-                <a:cs typeface="+mn-cs"/>
-              </a:defRPr>
-            </a:lvl1pPr>
-            <a:lvl2pPr marL="457200" algn="l" defTabSz="914400" rtl="0" eaLnBrk="1" latinLnBrk="0" hangingPunct="1">
-              <a:defRPr sz="1800" kern="1200">
-                <a:solidFill>
-                  <a:schemeClr val="tx1"/>
-                </a:solidFill>
-                <a:latin typeface="+mn-lt"/>
-                <a:ea typeface="+mn-ea"/>
-                <a:cs typeface="+mn-cs"/>
-              </a:defRPr>
-            </a:lvl2pPr>
-            <a:lvl3pPr marL="914400" algn="l" defTabSz="914400" rtl="0" eaLnBrk="1" latinLnBrk="0" hangingPunct="1">
-              <a:defRPr sz="1800" kern="1200">
-                <a:solidFill>
-                  <a:schemeClr val="tx1"/>
-                </a:solidFill>
-                <a:latin typeface="+mn-lt"/>
-                <a:ea typeface="+mn-ea"/>
-                <a:cs typeface="+mn-cs"/>
-              </a:defRPr>
-            </a:lvl3pPr>
-            <a:lvl4pPr marL="1371600" algn="l" defTabSz="914400" rtl="0" eaLnBrk="1" latinLnBrk="0" hangingPunct="1">
-              <a:defRPr sz="1800" kern="1200">
-                <a:solidFill>
-                  <a:schemeClr val="tx1"/>
-                </a:solidFill>
-                <a:latin typeface="+mn-lt"/>
-                <a:ea typeface="+mn-ea"/>
-                <a:cs typeface="+mn-cs"/>
-              </a:defRPr>
-            </a:lvl4pPr>
-            <a:lvl5pPr marL="1828800" algn="l" defTabSz="914400" rtl="0" eaLnBrk="1" latinLnBrk="0" hangingPunct="1">
-              <a:defRPr sz="1800" kern="1200">
-                <a:solidFill>
-                  <a:schemeClr val="tx1"/>
-                </a:solidFill>
-                <a:latin typeface="+mn-lt"/>
-                <a:ea typeface="+mn-ea"/>
-                <a:cs typeface="+mn-cs"/>
-              </a:defRPr>
-            </a:lvl5pPr>
-            <a:lvl6pPr marL="2286000" algn="l" defTabSz="914400" rtl="0" eaLnBrk="1" latinLnBrk="0" hangingPunct="1">
-              <a:defRPr sz="1800" kern="1200">
-                <a:solidFill>
-                  <a:schemeClr val="tx1"/>
-                </a:solidFill>
-                <a:latin typeface="+mn-lt"/>
-                <a:ea typeface="+mn-ea"/>
-                <a:cs typeface="+mn-cs"/>
-              </a:defRPr>
-            </a:lvl6pPr>
-            <a:lvl7pPr marL="2743200" algn="l" defTabSz="914400" rtl="0" eaLnBrk="1" latinLnBrk="0" hangingPunct="1">
-              <a:defRPr sz="1800" kern="1200">
-                <a:solidFill>
-                  <a:schemeClr val="tx1"/>
-                </a:solidFill>
-                <a:latin typeface="+mn-lt"/>
-                <a:ea typeface="+mn-ea"/>
-                <a:cs typeface="+mn-cs"/>
-              </a:defRPr>
-            </a:lvl7pPr>
-            <a:lvl8pPr marL="3200400" algn="l" defTabSz="914400" rtl="0" eaLnBrk="1" latinLnBrk="0" hangingPunct="1">
-              <a:defRPr sz="1800" kern="1200">
-                <a:solidFill>
-                  <a:schemeClr val="tx1"/>
-                </a:solidFill>
-                <a:latin typeface="+mn-lt"/>
-                <a:ea typeface="+mn-ea"/>
-                <a:cs typeface="+mn-cs"/>
-              </a:defRPr>
-            </a:lvl8pPr>
-            <a:lvl9pPr marL="3657600" algn="l" defTabSz="914400" rtl="0" eaLnBrk="1" latinLnBrk="0" hangingPunct="1">
-              <a:defRPr sz="1800" kern="1200">
-                <a:solidFill>
-                  <a:schemeClr val="tx1"/>
-                </a:solidFill>
-                <a:latin typeface="+mn-lt"/>
-                <a:ea typeface="+mn-ea"/>
-                <a:cs typeface="+mn-cs"/>
-              </a:defRPr>
-            </a:lvl9pPr>
-          </a:lstStyle>
-          <a:p>
-            <a:pPr algn="ctr">
-              <a:spcAft>
-                <a:spcPts val="600"/>
-              </a:spcAft>
-            </a:pPr>
-            <a:fld id="{5BB7E168-F539-4513-AD44-F276B24E7DDF}" type="slidenum">
-              <a:rPr lang="en-GB" sz="1500" smtClean="0">
-                <a:solidFill>
-                  <a:srgbClr val="FFFFFF"/>
-                </a:solidFill>
-              </a:rPr>
-              <a:pPr algn="ctr">
-                <a:spcAft>
-                  <a:spcPts val="600"/>
-                </a:spcAft>
-              </a:pPr>
-              <a:t>16</a:t>
-            </a:fld>
-            <a:endParaRPr lang="en-GB" sz="1500">
-              <a:solidFill>
-                <a:srgbClr val="FFFFFF"/>
-              </a:solidFill>
-            </a:endParaRPr>
-          </a:p>
-        </p:txBody>
-      </p:sp>
       <p:pic>
         <p:nvPicPr>
           <p:cNvPr id="3" name="Immagine 2">
@@ -10050,6 +9590,64 @@
           </a:prstGeom>
         </p:spPr>
       </p:pic>
+      <p:sp>
+        <p:nvSpPr>
+          <p:cNvPr id="2" name="Segnaposto piè di pagina 1">
+            <a:extLst>
+              <a:ext uri="{FF2B5EF4-FFF2-40B4-BE49-F238E27FC236}">
+                <a16:creationId xmlns:a16="http://schemas.microsoft.com/office/drawing/2014/main" id="{FFE3D1F7-CDD2-416F-B6D0-A15B3CB03416}"/>
+              </a:ext>
+            </a:extLst>
+          </p:cNvPr>
+          <p:cNvSpPr>
+            <a:spLocks noGrp="1"/>
+          </p:cNvSpPr>
+          <p:nvPr>
+            <p:ph type="ftr" sz="quarter" idx="11"/>
+          </p:nvPr>
+        </p:nvSpPr>
+        <p:spPr/>
+        <p:txBody>
+          <a:bodyPr/>
+          <a:lstStyle/>
+          <a:p>
+            <a:r>
+              <a:rPr lang="it-IT"/>
+              <a:t>A. Le Caldare, E. Sassu, E. Scarselli</a:t>
+            </a:r>
+            <a:endParaRPr lang="en-GB"/>
+          </a:p>
+        </p:txBody>
+      </p:sp>
+      <p:sp>
+        <p:nvSpPr>
+          <p:cNvPr id="4" name="Segnaposto numero diapositiva 3">
+            <a:extLst>
+              <a:ext uri="{FF2B5EF4-FFF2-40B4-BE49-F238E27FC236}">
+                <a16:creationId xmlns:a16="http://schemas.microsoft.com/office/drawing/2014/main" id="{E81E109F-DE96-4502-A81D-FDB7F4786CCA}"/>
+              </a:ext>
+            </a:extLst>
+          </p:cNvPr>
+          <p:cNvSpPr>
+            <a:spLocks noGrp="1"/>
+          </p:cNvSpPr>
+          <p:nvPr>
+            <p:ph type="sldNum" sz="quarter" idx="12"/>
+          </p:nvPr>
+        </p:nvSpPr>
+        <p:spPr/>
+        <p:txBody>
+          <a:bodyPr/>
+          <a:lstStyle/>
+          <a:p>
+            <a:r>
+              <a:rPr lang="it-IT" dirty="0"/>
+              <a:t>12</a:t>
+            </a:r>
+            <a:endParaRPr lang="en-GB" dirty="0"/>
+          </a:p>
+        </p:txBody>
+      </p:sp>
     </p:spTree>
     <p:extLst>
       <p:ext uri="{BB962C8B-B14F-4D97-AF65-F5344CB8AC3E}">
@@ -10772,301 +10370,74 @@
       </p:sp>
       <p:sp>
         <p:nvSpPr>
-          <p:cNvPr id="26" name="Segnaposto piè di pagina 3">
-            <a:extLst>
-              <a:ext uri="{FF2B5EF4-FFF2-40B4-BE49-F238E27FC236}">
-                <a16:creationId xmlns:a16="http://schemas.microsoft.com/office/drawing/2014/main" id="{F5919EAC-275A-46C3-86EC-C350ABC98A16}"/>
-              </a:ext>
-            </a:extLst>
-          </p:cNvPr>
-          <p:cNvSpPr txBox="1">
-            <a:spLocks/>
-          </p:cNvSpPr>
-          <p:nvPr/>
-        </p:nvSpPr>
-        <p:spPr>
-          <a:xfrm>
-            <a:off x="750242" y="6092880"/>
-            <a:ext cx="3246992" cy="617260"/>
-          </a:xfrm>
-          <a:prstGeom prst="rect">
-            <a:avLst/>
-          </a:prstGeom>
-        </p:spPr>
-        <p:txBody>
-          <a:bodyPr vert="horz" lIns="91440" tIns="45720" rIns="91440" bIns="45720" rtlCol="0" anchor="ctr">
-            <a:normAutofit/>
-          </a:bodyPr>
-          <a:lstStyle>
-            <a:defPPr>
-              <a:defRPr lang="en-US"/>
-            </a:defPPr>
-            <a:lvl1pPr marL="0" algn="ctr" defTabSz="914400" rtl="0" eaLnBrk="1" latinLnBrk="0" hangingPunct="1">
-              <a:defRPr sz="1200" kern="1200">
-                <a:solidFill>
-                  <a:schemeClr val="tx1">
-                    <a:tint val="75000"/>
-                  </a:schemeClr>
-                </a:solidFill>
-                <a:latin typeface="+mn-lt"/>
-                <a:ea typeface="+mn-ea"/>
-                <a:cs typeface="+mn-cs"/>
-              </a:defRPr>
-            </a:lvl1pPr>
-            <a:lvl2pPr marL="457200" algn="l" defTabSz="914400" rtl="0" eaLnBrk="1" latinLnBrk="0" hangingPunct="1">
-              <a:defRPr sz="1800" kern="1200">
-                <a:solidFill>
-                  <a:schemeClr val="tx1"/>
-                </a:solidFill>
-                <a:latin typeface="+mn-lt"/>
-                <a:ea typeface="+mn-ea"/>
-                <a:cs typeface="+mn-cs"/>
-              </a:defRPr>
-            </a:lvl2pPr>
-            <a:lvl3pPr marL="914400" algn="l" defTabSz="914400" rtl="0" eaLnBrk="1" latinLnBrk="0" hangingPunct="1">
-              <a:defRPr sz="1800" kern="1200">
-                <a:solidFill>
-                  <a:schemeClr val="tx1"/>
-                </a:solidFill>
-                <a:latin typeface="+mn-lt"/>
-                <a:ea typeface="+mn-ea"/>
-                <a:cs typeface="+mn-cs"/>
-              </a:defRPr>
-            </a:lvl3pPr>
-            <a:lvl4pPr marL="1371600" algn="l" defTabSz="914400" rtl="0" eaLnBrk="1" latinLnBrk="0" hangingPunct="1">
-              <a:defRPr sz="1800" kern="1200">
-                <a:solidFill>
-                  <a:schemeClr val="tx1"/>
-                </a:solidFill>
-                <a:latin typeface="+mn-lt"/>
-                <a:ea typeface="+mn-ea"/>
-                <a:cs typeface="+mn-cs"/>
-              </a:defRPr>
-            </a:lvl4pPr>
-            <a:lvl5pPr marL="1828800" algn="l" defTabSz="914400" rtl="0" eaLnBrk="1" latinLnBrk="0" hangingPunct="1">
-              <a:defRPr sz="1800" kern="1200">
-                <a:solidFill>
-                  <a:schemeClr val="tx1"/>
-                </a:solidFill>
-                <a:latin typeface="+mn-lt"/>
-                <a:ea typeface="+mn-ea"/>
-                <a:cs typeface="+mn-cs"/>
-              </a:defRPr>
-            </a:lvl5pPr>
-            <a:lvl6pPr marL="2286000" algn="l" defTabSz="914400" rtl="0" eaLnBrk="1" latinLnBrk="0" hangingPunct="1">
-              <a:defRPr sz="1800" kern="1200">
-                <a:solidFill>
-                  <a:schemeClr val="tx1"/>
-                </a:solidFill>
-                <a:latin typeface="+mn-lt"/>
-                <a:ea typeface="+mn-ea"/>
-                <a:cs typeface="+mn-cs"/>
-              </a:defRPr>
-            </a:lvl6pPr>
-            <a:lvl7pPr marL="2743200" algn="l" defTabSz="914400" rtl="0" eaLnBrk="1" latinLnBrk="0" hangingPunct="1">
-              <a:defRPr sz="1800" kern="1200">
-                <a:solidFill>
-                  <a:schemeClr val="tx1"/>
-                </a:solidFill>
-                <a:latin typeface="+mn-lt"/>
-                <a:ea typeface="+mn-ea"/>
-                <a:cs typeface="+mn-cs"/>
-              </a:defRPr>
-            </a:lvl7pPr>
-            <a:lvl8pPr marL="3200400" algn="l" defTabSz="914400" rtl="0" eaLnBrk="1" latinLnBrk="0" hangingPunct="1">
-              <a:defRPr sz="1800" kern="1200">
-                <a:solidFill>
-                  <a:schemeClr val="tx1"/>
-                </a:solidFill>
-                <a:latin typeface="+mn-lt"/>
-                <a:ea typeface="+mn-ea"/>
-                <a:cs typeface="+mn-cs"/>
-              </a:defRPr>
-            </a:lvl8pPr>
-            <a:lvl9pPr marL="3657600" algn="l" defTabSz="914400" rtl="0" eaLnBrk="1" latinLnBrk="0" hangingPunct="1">
-              <a:defRPr sz="1800" kern="1200">
-                <a:solidFill>
-                  <a:schemeClr val="tx1"/>
-                </a:solidFill>
-                <a:latin typeface="+mn-lt"/>
-                <a:ea typeface="+mn-ea"/>
-                <a:cs typeface="+mn-cs"/>
-              </a:defRPr>
-            </a:lvl9pPr>
-          </a:lstStyle>
-          <a:p>
-            <a:pPr algn="l">
-              <a:spcAft>
-                <a:spcPts val="600"/>
-              </a:spcAft>
-            </a:pPr>
-            <a:r>
-              <a:rPr lang="it-IT" sz="1100">
-                <a:solidFill>
-                  <a:schemeClr val="tx1"/>
-                </a:solidFill>
-              </a:rPr>
-              <a:t>A. Le Caldare, E. Sassu, E. Scarselli</a:t>
-            </a:r>
-            <a:endParaRPr lang="en-GB" sz="1100" dirty="0">
-              <a:solidFill>
-                <a:schemeClr val="tx1"/>
-              </a:solidFill>
-            </a:endParaRPr>
-          </a:p>
-        </p:txBody>
-      </p:sp>
-      <p:sp>
-        <p:nvSpPr>
-          <p:cNvPr id="27" name="Segnaposto numero diapositiva 4">
-            <a:extLst>
-              <a:ext uri="{FF2B5EF4-FFF2-40B4-BE49-F238E27FC236}">
-                <a16:creationId xmlns:a16="http://schemas.microsoft.com/office/drawing/2014/main" id="{144FA246-62DE-4D8A-B3A7-E14DD88F9E99}"/>
-              </a:ext>
-            </a:extLst>
-          </p:cNvPr>
-          <p:cNvSpPr txBox="1">
-            <a:spLocks/>
-          </p:cNvSpPr>
-          <p:nvPr/>
-        </p:nvSpPr>
-        <p:spPr>
-          <a:xfrm>
-            <a:off x="11000232" y="6108192"/>
-            <a:ext cx="548640" cy="548640"/>
-          </a:xfrm>
-          <a:prstGeom prst="ellipse">
-            <a:avLst/>
-          </a:prstGeom>
-          <a:solidFill>
-            <a:srgbClr val="368B50"/>
-          </a:solidFill>
-        </p:spPr>
-        <p:txBody>
-          <a:bodyPr vert="horz" lIns="91440" tIns="45720" rIns="91440" bIns="45720" rtlCol="0" anchor="ctr">
-            <a:normAutofit/>
-          </a:bodyPr>
-          <a:lstStyle>
-            <a:defPPr>
-              <a:defRPr lang="en-US"/>
-            </a:defPPr>
-            <a:lvl1pPr marL="0" algn="r" defTabSz="914400" rtl="0" eaLnBrk="1" latinLnBrk="0" hangingPunct="1">
-              <a:defRPr sz="1200" kern="1200">
-                <a:solidFill>
-                  <a:schemeClr val="tx1">
-                    <a:tint val="75000"/>
-                  </a:schemeClr>
-                </a:solidFill>
-                <a:latin typeface="+mn-lt"/>
-                <a:ea typeface="+mn-ea"/>
-                <a:cs typeface="+mn-cs"/>
-              </a:defRPr>
-            </a:lvl1pPr>
-            <a:lvl2pPr marL="457200" algn="l" defTabSz="914400" rtl="0" eaLnBrk="1" latinLnBrk="0" hangingPunct="1">
-              <a:defRPr sz="1800" kern="1200">
-                <a:solidFill>
-                  <a:schemeClr val="tx1"/>
-                </a:solidFill>
-                <a:latin typeface="+mn-lt"/>
-                <a:ea typeface="+mn-ea"/>
-                <a:cs typeface="+mn-cs"/>
-              </a:defRPr>
-            </a:lvl2pPr>
-            <a:lvl3pPr marL="914400" algn="l" defTabSz="914400" rtl="0" eaLnBrk="1" latinLnBrk="0" hangingPunct="1">
-              <a:defRPr sz="1800" kern="1200">
-                <a:solidFill>
-                  <a:schemeClr val="tx1"/>
-                </a:solidFill>
-                <a:latin typeface="+mn-lt"/>
-                <a:ea typeface="+mn-ea"/>
-                <a:cs typeface="+mn-cs"/>
-              </a:defRPr>
-            </a:lvl3pPr>
-            <a:lvl4pPr marL="1371600" algn="l" defTabSz="914400" rtl="0" eaLnBrk="1" latinLnBrk="0" hangingPunct="1">
-              <a:defRPr sz="1800" kern="1200">
-                <a:solidFill>
-                  <a:schemeClr val="tx1"/>
-                </a:solidFill>
-                <a:latin typeface="+mn-lt"/>
-                <a:ea typeface="+mn-ea"/>
-                <a:cs typeface="+mn-cs"/>
-              </a:defRPr>
-            </a:lvl4pPr>
-            <a:lvl5pPr marL="1828800" algn="l" defTabSz="914400" rtl="0" eaLnBrk="1" latinLnBrk="0" hangingPunct="1">
-              <a:defRPr sz="1800" kern="1200">
-                <a:solidFill>
-                  <a:schemeClr val="tx1"/>
-                </a:solidFill>
-                <a:latin typeface="+mn-lt"/>
-                <a:ea typeface="+mn-ea"/>
-                <a:cs typeface="+mn-cs"/>
-              </a:defRPr>
-            </a:lvl5pPr>
-            <a:lvl6pPr marL="2286000" algn="l" defTabSz="914400" rtl="0" eaLnBrk="1" latinLnBrk="0" hangingPunct="1">
-              <a:defRPr sz="1800" kern="1200">
-                <a:solidFill>
-                  <a:schemeClr val="tx1"/>
-                </a:solidFill>
-                <a:latin typeface="+mn-lt"/>
-                <a:ea typeface="+mn-ea"/>
-                <a:cs typeface="+mn-cs"/>
-              </a:defRPr>
-            </a:lvl6pPr>
-            <a:lvl7pPr marL="2743200" algn="l" defTabSz="914400" rtl="0" eaLnBrk="1" latinLnBrk="0" hangingPunct="1">
-              <a:defRPr sz="1800" kern="1200">
-                <a:solidFill>
-                  <a:schemeClr val="tx1"/>
-                </a:solidFill>
-                <a:latin typeface="+mn-lt"/>
-                <a:ea typeface="+mn-ea"/>
-                <a:cs typeface="+mn-cs"/>
-              </a:defRPr>
-            </a:lvl7pPr>
-            <a:lvl8pPr marL="3200400" algn="l" defTabSz="914400" rtl="0" eaLnBrk="1" latinLnBrk="0" hangingPunct="1">
-              <a:defRPr sz="1800" kern="1200">
-                <a:solidFill>
-                  <a:schemeClr val="tx1"/>
-                </a:solidFill>
-                <a:latin typeface="+mn-lt"/>
-                <a:ea typeface="+mn-ea"/>
-                <a:cs typeface="+mn-cs"/>
-              </a:defRPr>
-            </a:lvl8pPr>
-            <a:lvl9pPr marL="3657600" algn="l" defTabSz="914400" rtl="0" eaLnBrk="1" latinLnBrk="0" hangingPunct="1">
-              <a:defRPr sz="1800" kern="1200">
-                <a:solidFill>
-                  <a:schemeClr val="tx1"/>
-                </a:solidFill>
-                <a:latin typeface="+mn-lt"/>
-                <a:ea typeface="+mn-ea"/>
-                <a:cs typeface="+mn-cs"/>
-              </a:defRPr>
-            </a:lvl9pPr>
-          </a:lstStyle>
-          <a:p>
-            <a:pPr algn="ctr">
-              <a:spcAft>
-                <a:spcPts val="600"/>
-              </a:spcAft>
-            </a:pPr>
-            <a:fld id="{5BB7E168-F539-4513-AD44-F276B24E7DDF}" type="slidenum">
-              <a:rPr lang="en-GB" sz="1500" smtClean="0">
-                <a:solidFill>
-                  <a:srgbClr val="FFFFFF"/>
-                </a:solidFill>
-              </a:rPr>
-              <a:pPr algn="ctr">
-                <a:spcAft>
-                  <a:spcPts val="600"/>
-                </a:spcAft>
-              </a:pPr>
-              <a:t>17</a:t>
-            </a:fld>
-            <a:endParaRPr lang="en-GB" sz="1500">
-              <a:solidFill>
-                <a:srgbClr val="FFFFFF"/>
-              </a:solidFill>
-            </a:endParaRPr>
+          <p:cNvPr id="2" name="Segnaposto piè di pagina 1">
+            <a:extLst>
+              <a:ext uri="{FF2B5EF4-FFF2-40B4-BE49-F238E27FC236}">
+                <a16:creationId xmlns:a16="http://schemas.microsoft.com/office/drawing/2014/main" id="{0F145B13-D746-4F30-9245-505AEB433AE9}"/>
+              </a:ext>
+            </a:extLst>
+          </p:cNvPr>
+          <p:cNvSpPr>
+            <a:spLocks noGrp="1"/>
+          </p:cNvSpPr>
+          <p:nvPr>
+            <p:ph type="ftr" sz="quarter" idx="11"/>
+          </p:nvPr>
+        </p:nvSpPr>
+        <p:spPr/>
+        <p:txBody>
+          <a:bodyPr/>
+          <a:lstStyle/>
+          <a:p>
+            <a:r>
+              <a:rPr lang="it-IT" dirty="0"/>
+              <a:t>A. Le </a:t>
+            </a:r>
+            <a:r>
+              <a:rPr lang="it-IT" dirty="0" err="1"/>
+              <a:t>Caldare</a:t>
+            </a:r>
+            <a:r>
+              <a:rPr lang="it-IT" dirty="0"/>
+              <a:t>, E. </a:t>
+            </a:r>
+            <a:r>
+              <a:rPr lang="it-IT" dirty="0" err="1"/>
+              <a:t>Sassu</a:t>
+            </a:r>
+            <a:r>
+              <a:rPr lang="it-IT" dirty="0"/>
+              <a:t>, E. Scarselli</a:t>
+            </a:r>
+            <a:endParaRPr lang="en-GB" dirty="0"/>
+          </a:p>
+        </p:txBody>
+      </p:sp>
+      <p:sp>
+        <p:nvSpPr>
+          <p:cNvPr id="3" name="Segnaposto numero diapositiva 2">
+            <a:extLst>
+              <a:ext uri="{FF2B5EF4-FFF2-40B4-BE49-F238E27FC236}">
+                <a16:creationId xmlns:a16="http://schemas.microsoft.com/office/drawing/2014/main" id="{B9EF7013-7740-4319-974B-8A9B1818E30C}"/>
+              </a:ext>
+            </a:extLst>
+          </p:cNvPr>
+          <p:cNvSpPr>
+            <a:spLocks noGrp="1"/>
+          </p:cNvSpPr>
+          <p:nvPr>
+            <p:ph type="sldNum" sz="quarter" idx="12"/>
+          </p:nvPr>
+        </p:nvSpPr>
+        <p:spPr/>
+        <p:txBody>
+          <a:bodyPr/>
+          <a:lstStyle/>
+          <a:p>
+            <a:r>
+              <a:rPr lang="en-GB" dirty="0"/>
+              <a:t>13</a:t>
+            </a:r>
           </a:p>
         </p:txBody>
       </p:sp>
@@ -13202,7 +12573,13 @@
                     <a:lumMod val="75000"/>
                   </a:schemeClr>
                 </a:solidFill>
-                <a:hlinkClick r:id="rId4"/>
+                <a:hlinkClick r:id="rId4">
+                  <a:extLst>
+                    <a:ext uri="{A12FA001-AC4F-418D-AE19-62706E023703}">
+                      <ahyp:hlinkClr xmlns:ahyp="http://schemas.microsoft.com/office/drawing/2018/hyperlinkcolor" val="tx"/>
+                    </a:ext>
+                  </a:extLst>
+                </a:hlinkClick>
               </a:rPr>
               <a:t>[2]</a:t>
             </a:r>
@@ -13534,10 +12911,15 @@
             <p:ph idx="1"/>
           </p:nvPr>
         </p:nvSpPr>
-        <p:spPr/>
+        <p:spPr>
+          <a:xfrm>
+            <a:off x="838200" y="1825625"/>
+            <a:ext cx="10515600" cy="4351338"/>
+          </a:xfrm>
+        </p:spPr>
         <p:txBody>
           <a:bodyPr>
-            <a:normAutofit lnSpcReduction="10000"/>
+            <a:normAutofit fontScale="92500"/>
           </a:bodyPr>
           <a:lstStyle/>
           <a:p>
@@ -13549,58 +12931,7 @@
                   </a:schemeClr>
                 </a:solidFill>
               </a:rPr>
-              <a:t>Execution order of floodlight modules [1].</a:t>
-            </a:r>
-          </a:p>
-          <a:p>
-            <a:r>
-              <a:rPr lang="en-GB" sz="3200" b="1" noProof="0" dirty="0"/>
-              <a:t>The normal rule (</a:t>
-            </a:r>
-            <a:r>
-              <a:rPr lang="en-GB" sz="3200" b="1" noProof="0" dirty="0" err="1"/>
-              <a:t>action.normal</a:t>
-            </a:r>
-            <a:r>
-              <a:rPr lang="en-GB" sz="3200" b="1" noProof="0" dirty="0"/>
-              <a:t>) does not work for non hybrid switches.</a:t>
-            </a:r>
-          </a:p>
-          <a:p>
-            <a:r>
-              <a:rPr lang="en-GB" noProof="0" dirty="0">
-                <a:solidFill>
-                  <a:schemeClr val="bg1">
-                    <a:lumMod val="75000"/>
-                  </a:schemeClr>
-                </a:solidFill>
-              </a:rPr>
-              <a:t>Learning switch: </a:t>
-            </a:r>
-          </a:p>
-          <a:p>
-            <a:pPr lvl="1"/>
-            <a:r>
-              <a:rPr lang="en-GB" noProof="0" dirty="0">
-                <a:solidFill>
-                  <a:schemeClr val="bg1">
-                    <a:lumMod val="75000"/>
-                  </a:schemeClr>
-                </a:solidFill>
-              </a:rPr>
-              <a:t>Add interface to retrieve MAC addresses from the learning switch controller</a:t>
-            </a:r>
-          </a:p>
-          <a:p>
-            <a:r>
-              <a:rPr lang="en-GB" noProof="0" dirty="0">
-                <a:solidFill>
-                  <a:schemeClr val="bg1">
-                    <a:lumMod val="75000"/>
-                  </a:schemeClr>
-                </a:solidFill>
-              </a:rPr>
-              <a:t>Deleting rules are specified </a:t>
+              <a:t>Execution order of floodlight modules </a:t>
             </a:r>
             <a:r>
               <a:rPr lang="en-GB" noProof="0" dirty="0">
@@ -13617,54 +12948,89 @@
                   </a:extLst>
                 </a:hlinkClick>
               </a:rPr>
-              <a:t>here</a:t>
-            </a:r>
-            <a:r>
-              <a:rPr lang="en-GB" noProof="0" dirty="0">
+              <a:t>[</a:t>
+            </a:r>
+            <a:r>
+              <a:rPr lang="en-GB" dirty="0">
                 <a:solidFill>
                   <a:schemeClr val="bg1">
                     <a:lumMod val="75000"/>
                   </a:schemeClr>
                 </a:solidFill>
+                <a:hlinkClick r:id="rId3">
+                  <a:extLst>
+                    <a:ext uri="{A12FA001-AC4F-418D-AE19-62706E023703}">
+                      <ahyp:hlinkClr xmlns:ahyp="http://schemas.microsoft.com/office/drawing/2018/hyperlinkcolor" val="tx"/>
+                    </a:ext>
+                  </a:extLst>
+                </a:hlinkClick>
               </a:rPr>
-              <a:t>. </a:t>
-            </a:r>
-          </a:p>
-          <a:p>
-            <a:pPr lvl="1"/>
-            <a:r>
-              <a:rPr lang="en-GB" noProof="0" dirty="0" err="1">
+              <a:t>1]</a:t>
+            </a:r>
+            <a:endParaRPr lang="en-GB" noProof="0" dirty="0">
+              <a:solidFill>
+                <a:schemeClr val="bg1">
+                  <a:lumMod val="75000"/>
+                </a:schemeClr>
+              </a:solidFill>
+            </a:endParaRPr>
+          </a:p>
+          <a:p>
+            <a:r>
+              <a:rPr lang="en-GB" sz="3200" b="1" noProof="0" dirty="0"/>
+              <a:t>The normal rule (</a:t>
+            </a:r>
+            <a:r>
+              <a:rPr lang="en-GB" sz="3200" b="1" noProof="0" dirty="0" err="1"/>
+              <a:t>action.normal</a:t>
+            </a:r>
+            <a:r>
+              <a:rPr lang="en-GB" sz="3200" b="1" noProof="0" dirty="0"/>
+              <a:t>) does not work for non hybrid switches</a:t>
+            </a:r>
+            <a:r>
+              <a:rPr lang="en-GB" b="1" noProof="0" dirty="0">
                 <a:solidFill>
                   <a:schemeClr val="bg1">
                     <a:lumMod val="75000"/>
                   </a:schemeClr>
                 </a:solidFill>
               </a:rPr>
-              <a:t>OFFlowDelete</a:t>
-            </a:r>
-            <a:r>
-              <a:rPr lang="en-GB" noProof="0" dirty="0">
+              <a:t> </a:t>
+            </a:r>
+            <a:r>
+              <a:rPr lang="en-GB" b="1" noProof="0" dirty="0">
                 <a:solidFill>
                   <a:schemeClr val="bg1">
                     <a:lumMod val="75000"/>
                   </a:schemeClr>
                 </a:solidFill>
+                <a:hlinkClick r:id="rId4"/>
               </a:rPr>
-              <a:t> deletes rules matching at least the specified fields;</a:t>
-            </a:r>
-          </a:p>
-          <a:p>
-            <a:pPr lvl="1"/>
-            <a:r>
-              <a:rPr lang="en-GB" noProof="0" dirty="0" err="1">
+              <a:t>[2]</a:t>
+            </a:r>
+            <a:endParaRPr lang="en-GB" b="1" noProof="0" dirty="0">
+              <a:solidFill>
+                <a:schemeClr val="bg1">
+                  <a:lumMod val="75000"/>
+                </a:schemeClr>
+              </a:solidFill>
+            </a:endParaRPr>
+          </a:p>
+          <a:p>
+            <a:r>
+              <a:rPr lang="en-GB" noProof="0" dirty="0">
                 <a:solidFill>
                   <a:schemeClr val="bg1">
                     <a:lumMod val="75000"/>
                   </a:schemeClr>
                 </a:solidFill>
               </a:rPr>
-              <a:t>OFFlowDeleteStrict</a:t>
-            </a:r>
+              <a:t>Learning switch: </a:t>
+            </a:r>
+          </a:p>
+          <a:p>
+            <a:pPr lvl="1"/>
             <a:r>
               <a:rPr lang="en-GB" noProof="0" dirty="0">
                 <a:solidFill>
@@ -13673,24 +13039,165 @@
                   </a:schemeClr>
                 </a:solidFill>
               </a:rPr>
-              <a:t> deletes the rules that exactly looks like the match you specify.</a:t>
-            </a:r>
-          </a:p>
-          <a:p>
-            <a:r>
-              <a:rPr lang="en-GB" noProof="0" dirty="0">
+              <a:t>Added method to </a:t>
+            </a:r>
+            <a:r>
+              <a:rPr lang="en-GB" i="1" noProof="0" dirty="0" err="1">
                 <a:solidFill>
                   <a:schemeClr val="bg1">
                     <a:lumMod val="75000"/>
                   </a:schemeClr>
                 </a:solidFill>
               </a:rPr>
-              <a:t>Testing is done in Python using mininet library</a:t>
+              <a:t>ILearningSwitch</a:t>
+            </a:r>
+            <a:r>
+              <a:rPr lang="en-GB" noProof="0" dirty="0">
+                <a:solidFill>
+                  <a:schemeClr val="bg1">
+                    <a:lumMod val="75000"/>
+                  </a:schemeClr>
+                </a:solidFill>
+              </a:rPr>
+              <a:t> </a:t>
+            </a:r>
+            <a:r>
+              <a:rPr lang="en-GB" dirty="0">
+                <a:solidFill>
+                  <a:schemeClr val="bg1">
+                    <a:lumMod val="75000"/>
+                  </a:schemeClr>
+                </a:solidFill>
+              </a:rPr>
+              <a:t>to retrieve learned </a:t>
+            </a:r>
+            <a:r>
+              <a:rPr lang="en-GB" noProof="0" dirty="0">
+                <a:solidFill>
+                  <a:schemeClr val="bg1">
+                    <a:lumMod val="75000"/>
+                  </a:schemeClr>
+                </a:solidFill>
+              </a:rPr>
+              <a:t>port from MAC address</a:t>
+            </a:r>
+          </a:p>
+          <a:p>
+            <a:r>
+              <a:rPr lang="en-GB" noProof="0" dirty="0">
+                <a:solidFill>
+                  <a:schemeClr val="bg1">
+                    <a:lumMod val="75000"/>
+                  </a:schemeClr>
+                </a:solidFill>
+              </a:rPr>
+              <a:t>Deleting rules types [</a:t>
+            </a:r>
+            <a:r>
+              <a:rPr lang="en-GB" noProof="0" dirty="0">
+                <a:solidFill>
+                  <a:schemeClr val="bg1">
+                    <a:lumMod val="75000"/>
+                  </a:schemeClr>
+                </a:solidFill>
+                <a:hlinkClick r:id="rId5">
+                  <a:extLst>
+                    <a:ext uri="{A12FA001-AC4F-418D-AE19-62706E023703}">
+                      <ahyp:hlinkClr xmlns:ahyp="http://schemas.microsoft.com/office/drawing/2018/hyperlinkcolor" val="tx"/>
+                    </a:ext>
+                  </a:extLst>
+                </a:hlinkClick>
+              </a:rPr>
+              <a:t>3</a:t>
+            </a:r>
+            <a:r>
+              <a:rPr lang="en-GB" noProof="0" dirty="0">
+                <a:solidFill>
+                  <a:schemeClr val="bg1">
+                    <a:lumMod val="75000"/>
+                  </a:schemeClr>
+                </a:solidFill>
+              </a:rPr>
+              <a:t>]</a:t>
             </a:r>
           </a:p>
           <a:p>
             <a:pPr lvl="1"/>
-            <a:endParaRPr lang="en-GB" noProof="0" dirty="0"/>
+            <a:r>
+              <a:rPr lang="en-GB" i="1" noProof="0" dirty="0" err="1">
+                <a:solidFill>
+                  <a:schemeClr val="bg1">
+                    <a:lumMod val="75000"/>
+                  </a:schemeClr>
+                </a:solidFill>
+              </a:rPr>
+              <a:t>OFFlowDelete</a:t>
+            </a:r>
+            <a:r>
+              <a:rPr lang="en-GB" noProof="0" dirty="0">
+                <a:solidFill>
+                  <a:schemeClr val="bg1">
+                    <a:lumMod val="75000"/>
+                  </a:schemeClr>
+                </a:solidFill>
+              </a:rPr>
+              <a:t> deletes rules matching at least the specified fields</a:t>
+            </a:r>
+          </a:p>
+          <a:p>
+            <a:pPr lvl="1"/>
+            <a:r>
+              <a:rPr lang="en-GB" i="1" noProof="0" dirty="0" err="1">
+                <a:solidFill>
+                  <a:schemeClr val="bg1">
+                    <a:lumMod val="75000"/>
+                  </a:schemeClr>
+                </a:solidFill>
+              </a:rPr>
+              <a:t>OFFlowDeleteStrict</a:t>
+            </a:r>
+            <a:r>
+              <a:rPr lang="en-GB" noProof="0" dirty="0">
+                <a:solidFill>
+                  <a:schemeClr val="bg1">
+                    <a:lumMod val="75000"/>
+                  </a:schemeClr>
+                </a:solidFill>
+              </a:rPr>
+              <a:t> deletes the rules that exactly looks like the match you specify</a:t>
+            </a:r>
+          </a:p>
+          <a:p>
+            <a:r>
+              <a:rPr lang="en-GB" noProof="0" dirty="0">
+                <a:solidFill>
+                  <a:schemeClr val="bg1">
+                    <a:lumMod val="75000"/>
+                  </a:schemeClr>
+                </a:solidFill>
+              </a:rPr>
+              <a:t>Testing is done in Python using mininet library and not mininet cli</a:t>
+            </a:r>
+          </a:p>
+          <a:p>
+            <a:pPr lvl="1"/>
+            <a:r>
+              <a:rPr lang="en-GB" dirty="0">
+                <a:solidFill>
+                  <a:schemeClr val="bg1">
+                    <a:lumMod val="75000"/>
+                  </a:schemeClr>
+                </a:solidFill>
+              </a:rPr>
+              <a:t>Due to automating issues for command injection</a:t>
+            </a:r>
+            <a:endParaRPr lang="en-GB" noProof="0" dirty="0">
+              <a:solidFill>
+                <a:schemeClr val="bg1">
+                  <a:lumMod val="75000"/>
+                </a:schemeClr>
+              </a:solidFill>
+            </a:endParaRPr>
           </a:p>
         </p:txBody>
       </p:sp>
@@ -13744,18 +13251,17 @@
           <a:bodyPr/>
           <a:lstStyle/>
           <a:p>
-            <a:fld id="{5BB7E168-F539-4513-AD44-F276B24E7DDF}" type="slidenum">
-              <a:rPr lang="en-GB" smtClean="0"/>
-              <a:t>9</a:t>
-            </a:fld>
-            <a:endParaRPr lang="en-GB"/>
+            <a:r>
+              <a:rPr lang="it-IT" dirty="0"/>
+              <a:t>8</a:t>
+            </a:r>
           </a:p>
         </p:txBody>
       </p:sp>
     </p:spTree>
     <p:extLst>
       <p:ext uri="{BB962C8B-B14F-4D97-AF65-F5344CB8AC3E}">
-        <p14:creationId xmlns:p14="http://schemas.microsoft.com/office/powerpoint/2010/main" val="81249771"/>
+        <p14:creationId xmlns:p14="http://schemas.microsoft.com/office/powerpoint/2010/main" val="4069999851"/>
       </p:ext>
     </p:extLst>
   </p:cSld>

--- a/Docs/DDoSDefence.pptx
+++ b/Docs/DDoSDefence.pptx
@@ -216,7 +216,7 @@
           <a:p>
             <a:fld id="{77EA6FB2-8CC3-4627-9AFD-974BAE12EB8C}" type="datetimeFigureOut">
               <a:rPr lang="en-GB" smtClean="0"/>
-              <a:t>27/01/2019</a:t>
+              <a:t>29/01/2019</a:t>
             </a:fld>
             <a:endParaRPr lang="en-GB"/>
           </a:p>
@@ -769,6 +769,150 @@
           <a:bodyPr/>
           <a:lstStyle/>
           <a:p>
+            <a:r>
+              <a:rPr lang="en-US" dirty="0"/>
+              <a:t>Il </a:t>
+            </a:r>
+            <a:r>
+              <a:rPr lang="en-US" dirty="0" err="1"/>
+              <a:t>nostro</a:t>
+            </a:r>
+            <a:r>
+              <a:rPr lang="en-US" dirty="0"/>
+              <a:t> modulo è </a:t>
+            </a:r>
+            <a:r>
+              <a:rPr lang="en-US" dirty="0" err="1"/>
+              <a:t>stato</a:t>
+            </a:r>
+            <a:r>
+              <a:rPr lang="en-US" dirty="0"/>
+              <a:t> </a:t>
+            </a:r>
+            <a:r>
+              <a:rPr lang="en-US" dirty="0" err="1"/>
+              <a:t>testato</a:t>
+            </a:r>
+            <a:r>
+              <a:rPr lang="en-US" dirty="0"/>
+              <a:t> </a:t>
+            </a:r>
+            <a:r>
+              <a:rPr lang="en-US" dirty="0" err="1"/>
+              <a:t>usando</a:t>
+            </a:r>
+            <a:r>
+              <a:rPr lang="en-US" dirty="0"/>
+              <a:t> un set di script da </a:t>
+            </a:r>
+            <a:r>
+              <a:rPr lang="en-US" dirty="0" err="1"/>
+              <a:t>noi</a:t>
+            </a:r>
+            <a:r>
+              <a:rPr lang="en-US" dirty="0"/>
+              <a:t> </a:t>
+            </a:r>
+            <a:r>
+              <a:rPr lang="en-US" dirty="0" err="1"/>
+              <a:t>prodotti</a:t>
+            </a:r>
+            <a:r>
+              <a:rPr lang="en-US" dirty="0"/>
+              <a:t>. </a:t>
+            </a:r>
+          </a:p>
+          <a:p>
+            <a:r>
+              <a:rPr lang="en-US" dirty="0" err="1"/>
+              <a:t>Abbiamo</a:t>
+            </a:r>
+            <a:r>
+              <a:rPr lang="en-US" dirty="0"/>
+              <a:t> </a:t>
+            </a:r>
+            <a:r>
+              <a:rPr lang="en-US" dirty="0" err="1"/>
+              <a:t>creato</a:t>
+            </a:r>
+            <a:r>
+              <a:rPr lang="en-US" dirty="0"/>
+              <a:t> un </a:t>
+            </a:r>
+            <a:r>
+              <a:rPr lang="en-US" dirty="0" err="1"/>
+              <a:t>ambiente</a:t>
+            </a:r>
+            <a:r>
+              <a:rPr lang="en-US" dirty="0"/>
+              <a:t> come </a:t>
+            </a:r>
+            <a:r>
+              <a:rPr lang="en-US" dirty="0" err="1"/>
+              <a:t>quello</a:t>
+            </a:r>
+            <a:r>
+              <a:rPr lang="en-US" dirty="0"/>
+              <a:t> in </a:t>
+            </a:r>
+            <a:r>
+              <a:rPr lang="en-US" dirty="0" err="1"/>
+              <a:t>figura</a:t>
+            </a:r>
+            <a:r>
+              <a:rPr lang="en-US" dirty="0"/>
+              <a:t>, </a:t>
+            </a:r>
+            <a:r>
+              <a:rPr lang="en-US" dirty="0" err="1"/>
+              <a:t>composto</a:t>
+            </a:r>
+            <a:r>
+              <a:rPr lang="en-US" dirty="0"/>
+              <a:t> da un server HTTP, 3 client, 8 bot e </a:t>
+            </a:r>
+            <a:r>
+              <a:rPr lang="en-US" dirty="0" err="1"/>
+              <a:t>uno</a:t>
+            </a:r>
+            <a:r>
+              <a:rPr lang="en-US" dirty="0"/>
+              <a:t> switch con controller.</a:t>
+            </a:r>
+          </a:p>
+          <a:p>
+            <a:pPr marL="0" marR="0" lvl="0" indent="0" algn="l" defTabSz="914400" rtl="0" eaLnBrk="1" fontAlgn="auto" latinLnBrk="0" hangingPunct="1">
+              <a:lnSpc>
+                <a:spcPct val="100000"/>
+              </a:lnSpc>
+              <a:spcBef>
+                <a:spcPts val="0"/>
+              </a:spcBef>
+              <a:spcAft>
+                <a:spcPts val="0"/>
+              </a:spcAft>
+              <a:buClrTx/>
+              <a:buSzTx/>
+              <a:buFontTx/>
+              <a:buNone/>
+              <a:tabLst/>
+              <a:defRPr/>
+            </a:pPr>
+            <a:r>
+              <a:rPr lang="it-IT" dirty="0"/>
+              <a:t>Il server ha un indirizzo nel range di 7.7.7.0/24 i client e i bot 80.80.80.0/24 e il controller aspetterà per le connessioni </a:t>
+            </a:r>
+            <a:r>
+              <a:rPr lang="it-IT" dirty="0" err="1"/>
+              <a:t>OpenFlow</a:t>
+            </a:r>
+            <a:r>
+              <a:rPr lang="it-IT" dirty="0"/>
+              <a:t> PACKET_IN su 120.0.0.1:6653. </a:t>
+            </a:r>
+            <a:endParaRPr lang="en-GB" dirty="0"/>
+          </a:p>
+          <a:p>
             <a:endParaRPr lang="en-US" dirty="0"/>
           </a:p>
         </p:txBody>
@@ -853,30 +997,54 @@
           <a:bodyPr/>
           <a:lstStyle/>
           <a:p>
-            <a:pPr marL="0" marR="0" lvl="0" indent="0" algn="l" defTabSz="914400" rtl="0" eaLnBrk="1" fontAlgn="auto" latinLnBrk="0" hangingPunct="1">
-              <a:lnSpc>
-                <a:spcPct val="100000"/>
-              </a:lnSpc>
-              <a:spcBef>
-                <a:spcPts val="0"/>
-              </a:spcBef>
-              <a:spcAft>
-                <a:spcPts val="0"/>
-              </a:spcAft>
-              <a:buClrTx/>
-              <a:buSzTx/>
-              <a:buFontTx/>
-              <a:buNone/>
-              <a:tabLst/>
-              <a:defRPr/>
-            </a:pPr>
-            <a:r>
-              <a:rPr lang="en-GB" dirty="0"/>
-              <a:t>Even if the Bots send requests continuously, the Server is always able to respond, because it opens a new thread for each request, so the server does not stop even if it is bombarded with requests</a:t>
-            </a:r>
-            <a:endParaRPr lang="it-IT" dirty="0"/>
-          </a:p>
-          <a:p>
+            <a:r>
+              <a:rPr lang="it-IT" dirty="0"/>
+              <a:t>I due scenari sono simulati usando due script separati: </a:t>
+            </a:r>
+            <a:r>
+              <a:rPr lang="it-IT" dirty="0" err="1"/>
+              <a:t>start_client</a:t>
+            </a:r>
+            <a:r>
+              <a:rPr lang="it-IT" dirty="0"/>
+              <a:t> e </a:t>
+            </a:r>
+            <a:r>
+              <a:rPr lang="it-IT" dirty="0" err="1"/>
+              <a:t>start_bot</a:t>
+            </a:r>
+            <a:r>
+              <a:rPr lang="it-IT" dirty="0"/>
+              <a:t>. </a:t>
+            </a:r>
+          </a:p>
+          <a:p>
+            <a:r>
+              <a:rPr lang="it-IT" dirty="0" err="1"/>
+              <a:t>Start_bot</a:t>
+            </a:r>
+            <a:r>
+              <a:rPr lang="it-IT" dirty="0"/>
+              <a:t> inizia una connessione per volta e prova a riconnettersi se la perde, un altro bot ancora potrebbe </a:t>
+            </a:r>
+            <a:r>
+              <a:rPr lang="it-IT" dirty="0" err="1"/>
+              <a:t>inizare</a:t>
+            </a:r>
+            <a:r>
+              <a:rPr lang="it-IT" dirty="0"/>
+              <a:t> una connessione in modo asincrono, questo andrebbe ad incrementare il contatore del numero di connessioni del server.</a:t>
+            </a:r>
+          </a:p>
+          <a:p>
+            <a:r>
+              <a:rPr lang="it-IT" dirty="0" err="1"/>
+              <a:t>Start_client</a:t>
+            </a:r>
+            <a:r>
+              <a:rPr lang="it-IT" dirty="0"/>
+              <a:t> deve essere in grado di fare il forwarding, ma questo deve essere abbastanza complesso da non poter essere fatto da un bot, abbiamo risolto questo problema facendo in modo che lo script del bot ignori il forwarding.</a:t>
+            </a:r>
             <a:endParaRPr lang="en-GB" dirty="0"/>
           </a:p>
         </p:txBody>
@@ -961,28 +1129,32 @@
           <a:bodyPr/>
           <a:lstStyle/>
           <a:p>
-            <a:pPr marL="0" marR="0" lvl="0" indent="0" algn="l" defTabSz="914400" rtl="0" eaLnBrk="1" fontAlgn="auto" latinLnBrk="0" hangingPunct="1">
-              <a:lnSpc>
-                <a:spcPct val="100000"/>
-              </a:lnSpc>
-              <a:spcBef>
-                <a:spcPts val="0"/>
-              </a:spcBef>
-              <a:spcAft>
-                <a:spcPts val="0"/>
-              </a:spcAft>
-              <a:buClrTx/>
-              <a:buSzTx/>
-              <a:buFontTx/>
-              <a:buNone/>
-              <a:tabLst/>
-              <a:defRPr/>
-            </a:pPr>
-            <a:r>
-              <a:rPr lang="en-GB" dirty="0"/>
-              <a:t>Even if the Bots send requests continuously, the Server is always able to respond, because it opens a new thread for each request, so the server does not stop even if it is bombarded with requests</a:t>
-            </a:r>
-            <a:endParaRPr lang="it-IT" dirty="0"/>
+            <a:r>
+              <a:rPr lang="it-IT" dirty="0"/>
+              <a:t>I client connessi al server possono essere client regolari o maliziosi. Sia i client che i bot mandano continuamente richieste HTTP al server,  la differenza è che il client potrà risolvere il forwarding mentre il bot non può eseguire operazioni complesse come il </a:t>
+            </a:r>
+            <a:r>
+              <a:rPr lang="it-IT" dirty="0" err="1"/>
+              <a:t>captcha</a:t>
+            </a:r>
+            <a:r>
+              <a:rPr lang="it-IT" dirty="0"/>
+              <a:t> per il forwarding e quindi continuerà a fare richieste sul vecchio indirizzo.</a:t>
+            </a:r>
+          </a:p>
+          <a:p>
+            <a:r>
+              <a:rPr lang="it-IT" dirty="0"/>
+              <a:t>Non sono necessarie regole di routing o di inoltro complesse perché lo switch risolverà il problema di indirizzamento utilizzando le tabelle di switching del </a:t>
+            </a:r>
+            <a:r>
+              <a:rPr lang="it-IT" dirty="0" err="1"/>
+              <a:t>layer</a:t>
+            </a:r>
+            <a:r>
+              <a:rPr lang="it-IT" dirty="0"/>
+              <a:t> 2. L’unica regola che serve è quella per mandare i pacchetti originati dai device emulati attraverso l’interfaccia connessa allo switch. ARP assicura di impostare l’indirizzo MAC di destinazione  corretto sul pacchetto di origine.</a:t>
+            </a:r>
           </a:p>
           <a:p>
             <a:endParaRPr lang="en-GB" dirty="0"/>
@@ -1069,30 +1241,26 @@
           <a:bodyPr/>
           <a:lstStyle/>
           <a:p>
-            <a:pPr marL="0" marR="0" lvl="0" indent="0" algn="l" defTabSz="914400" rtl="0" eaLnBrk="1" fontAlgn="auto" latinLnBrk="0" hangingPunct="1">
-              <a:lnSpc>
-                <a:spcPct val="100000"/>
-              </a:lnSpc>
-              <a:spcBef>
-                <a:spcPts val="0"/>
-              </a:spcBef>
-              <a:spcAft>
-                <a:spcPts val="0"/>
-              </a:spcAft>
-              <a:buClrTx/>
-              <a:buSzTx/>
-              <a:buFontTx/>
-              <a:buNone/>
-              <a:tabLst/>
-              <a:defRPr/>
-            </a:pPr>
-            <a:r>
-              <a:rPr lang="en-GB" dirty="0"/>
-              <a:t>Even if the Bots send requests continuously, the Server is always able to respond, because it opens a new thread for each request, so the server does not stop even if it is bombarded with requests</a:t>
-            </a:r>
-            <a:endParaRPr lang="it-IT" dirty="0"/>
-          </a:p>
-          <a:p>
+            <a:r>
+              <a:rPr lang="it-IT" dirty="0"/>
+              <a:t>Quando la protezione è disabilitata ogni pacchetto viene </a:t>
+            </a:r>
+            <a:r>
+              <a:rPr lang="it-IT" dirty="0" err="1"/>
+              <a:t>forwardato</a:t>
+            </a:r>
+            <a:r>
+              <a:rPr lang="it-IT" dirty="0"/>
+              <a:t> al server e ogni risposta del server viene mandata al client. Quando il server si accorge di essere sotto attacco notifica al controller di abilitare la protezione attraverso l’interfaccia REST e il server cambia il suo indirizzo con uno nuovo fornito dal controller, mantenendo il vecchio indirizzo in cui verrà eseguito il </a:t>
+            </a:r>
+            <a:r>
+              <a:rPr lang="it-IT" dirty="0" err="1"/>
+              <a:t>captcha</a:t>
+            </a:r>
+            <a:r>
+              <a:rPr lang="it-IT" dirty="0"/>
+              <a:t> per il forwarding al nuovo indirizzo. Quando la protezione è abilitata, avremo lo stesso tipo di risposta sia per i client che per i server solamente fino a quando il numero di connessioni è minore della soglia prestabilita. Superata la soglia il client viene identificato come bot e le vecchie entrate della tabella vengono eliminate tramite una regola di timeout. Se è il client ad effettuare le richieste con la protezione attiva, allora passerà al nuovo indirizzo D’ e le vecchie regole sono droppate.</a:t>
+            </a:r>
             <a:endParaRPr lang="en-GB" dirty="0"/>
           </a:p>
         </p:txBody>
@@ -1177,30 +1345,34 @@
           <a:bodyPr/>
           <a:lstStyle/>
           <a:p>
-            <a:pPr marL="0" marR="0" lvl="0" indent="0" algn="l" defTabSz="914400" rtl="0" eaLnBrk="1" fontAlgn="auto" latinLnBrk="0" hangingPunct="1">
-              <a:lnSpc>
-                <a:spcPct val="100000"/>
-              </a:lnSpc>
-              <a:spcBef>
-                <a:spcPts val="0"/>
-              </a:spcBef>
-              <a:spcAft>
-                <a:spcPts val="0"/>
-              </a:spcAft>
-              <a:buClrTx/>
-              <a:buSzTx/>
-              <a:buFontTx/>
-              <a:buNone/>
-              <a:tabLst/>
-              <a:defRPr/>
-            </a:pPr>
-            <a:r>
-              <a:rPr lang="en-GB" dirty="0"/>
-              <a:t>Even if the Bots send requests continuously, the Server is always able to respond, because it opens a new thread for each request, so the server does not stop even if it is bombarded with requests</a:t>
-            </a:r>
-            <a:endParaRPr lang="it-IT" dirty="0"/>
-          </a:p>
-          <a:p>
+            <a:r>
+              <a:rPr lang="it-IT" dirty="0"/>
+              <a:t>Quindi, ricapitolando, l’ambiente di test è creato utilizzando le librerie </a:t>
+            </a:r>
+            <a:r>
+              <a:rPr lang="it-IT" dirty="0" err="1"/>
+              <a:t>mininet</a:t>
+            </a:r>
+            <a:r>
+              <a:rPr lang="it-IT" dirty="0"/>
+              <a:t> di </a:t>
+            </a:r>
+            <a:r>
+              <a:rPr lang="it-IT" dirty="0" err="1"/>
+              <a:t>python</a:t>
+            </a:r>
+            <a:r>
+              <a:rPr lang="it-IT" dirty="0"/>
+              <a:t>. Lo script fornisce una graphic user interface che può eseguire la procedura di abilitazione della protezione tramite l’utilizzo di comandi da console oppure tramite la libreria request per l’esecuzione delle richieste REST api per l’inizializzazione e l’abilitazione della protezione. L’interfaccia grafica mostra una consolle per ogni client e bot nella quale ognuno di loro riporta la risposta alla richiesta HTTP. Nell’interfaccia grafica che adesso andremo a vedere viene fornito un set di pulsanti per avviare il test, abilitare la protezione ed eseguire dei test generici come il </a:t>
+            </a:r>
+            <a:r>
+              <a:rPr lang="it-IT" dirty="0" err="1"/>
+              <a:t>ping</a:t>
+            </a:r>
+            <a:r>
+              <a:rPr lang="it-IT" dirty="0"/>
+              <a:t>. </a:t>
+            </a:r>
             <a:endParaRPr lang="en-GB" dirty="0"/>
           </a:p>
         </p:txBody>
@@ -2354,7 +2526,7 @@
           <a:p>
             <a:fld id="{144F7E4B-DE20-473D-AB1D-E55B028D2B82}" type="datetime1">
               <a:rPr lang="en-GB" smtClean="0"/>
-              <a:t>27/01/2019</a:t>
+              <a:t>29/01/2019</a:t>
             </a:fld>
             <a:endParaRPr lang="en-GB"/>
           </a:p>
@@ -2558,7 +2730,7 @@
           <a:p>
             <a:fld id="{5EF5E582-83CD-4B5D-93A5-3EE70CBA785D}" type="datetime1">
               <a:rPr lang="en-GB" smtClean="0"/>
-              <a:t>27/01/2019</a:t>
+              <a:t>29/01/2019</a:t>
             </a:fld>
             <a:endParaRPr lang="en-GB"/>
           </a:p>
@@ -2772,7 +2944,7 @@
           <a:p>
             <a:fld id="{9BDD35A3-C59F-4EE5-AD24-E668C12CE372}" type="datetime1">
               <a:rPr lang="en-GB" smtClean="0"/>
-              <a:t>27/01/2019</a:t>
+              <a:t>29/01/2019</a:t>
             </a:fld>
             <a:endParaRPr lang="en-GB"/>
           </a:p>
@@ -2976,7 +3148,7 @@
           <a:p>
             <a:fld id="{A6F8E820-4D09-4884-A162-6CE29A96B170}" type="datetime1">
               <a:rPr lang="en-GB" smtClean="0"/>
-              <a:t>27/01/2019</a:t>
+              <a:t>29/01/2019</a:t>
             </a:fld>
             <a:endParaRPr lang="en-GB"/>
           </a:p>
@@ -3256,7 +3428,7 @@
           <a:p>
             <a:fld id="{5D05A4AA-0914-4B1F-88E3-9415A6274E09}" type="datetime1">
               <a:rPr lang="en-GB" smtClean="0"/>
-              <a:t>27/01/2019</a:t>
+              <a:t>29/01/2019</a:t>
             </a:fld>
             <a:endParaRPr lang="en-GB"/>
           </a:p>
@@ -3528,7 +3700,7 @@
           <a:p>
             <a:fld id="{6A2CF0AD-B45F-40C1-B1FF-A739A7554DF9}" type="datetime1">
               <a:rPr lang="en-GB" smtClean="0"/>
-              <a:t>27/01/2019</a:t>
+              <a:t>29/01/2019</a:t>
             </a:fld>
             <a:endParaRPr lang="en-GB"/>
           </a:p>
@@ -3947,7 +4119,7 @@
           <a:p>
             <a:fld id="{3E087565-DE12-408E-9747-F41F38EDB236}" type="datetime1">
               <a:rPr lang="en-GB" smtClean="0"/>
-              <a:t>27/01/2019</a:t>
+              <a:t>29/01/2019</a:t>
             </a:fld>
             <a:endParaRPr lang="en-GB"/>
           </a:p>
@@ -4093,7 +4265,7 @@
           <a:p>
             <a:fld id="{CBC1C182-3B38-4198-AA69-8B60B91A400A}" type="datetime1">
               <a:rPr lang="en-GB" smtClean="0"/>
-              <a:t>27/01/2019</a:t>
+              <a:t>29/01/2019</a:t>
             </a:fld>
             <a:endParaRPr lang="en-GB"/>
           </a:p>
@@ -4210,7 +4382,7 @@
           <a:p>
             <a:fld id="{5BF3AFCF-F646-465F-92EC-2785C2E056CD}" type="datetime1">
               <a:rPr lang="en-GB" smtClean="0"/>
-              <a:t>27/01/2019</a:t>
+              <a:t>29/01/2019</a:t>
             </a:fld>
             <a:endParaRPr lang="en-GB"/>
           </a:p>
@@ -4527,7 +4699,7 @@
           <a:p>
             <a:fld id="{9A8F7003-99C8-481C-A4CD-B3BB91C2A8F7}" type="datetime1">
               <a:rPr lang="en-GB" smtClean="0"/>
-              <a:t>27/01/2019</a:t>
+              <a:t>29/01/2019</a:t>
             </a:fld>
             <a:endParaRPr lang="en-GB"/>
           </a:p>
@@ -4820,7 +4992,7 @@
           <a:p>
             <a:fld id="{E0584EEC-4656-48D7-8A48-D261D57F7554}" type="datetime1">
               <a:rPr lang="en-GB" smtClean="0"/>
-              <a:t>27/01/2019</a:t>
+              <a:t>29/01/2019</a:t>
             </a:fld>
             <a:endParaRPr lang="en-GB"/>
           </a:p>
@@ -5067,7 +5239,7 @@
           <a:p>
             <a:fld id="{08A3035C-570A-4995-B50D-9FFDAF4A1C50}" type="datetime1">
               <a:rPr lang="en-GB" smtClean="0"/>
-              <a:t>27/01/2019</a:t>
+              <a:t>29/01/2019</a:t>
             </a:fld>
             <a:endParaRPr lang="en-GB"/>
           </a:p>

--- a/Docs/DDoSDefence.pptx
+++ b/Docs/DDoSDefence.pptx
@@ -216,7 +216,7 @@
           <a:p>
             <a:fld id="{77EA6FB2-8CC3-4627-9AFD-974BAE12EB8C}" type="datetimeFigureOut">
               <a:rPr lang="en-GB" smtClean="0"/>
-              <a:t>29/01/2019</a:t>
+              <a:t>30/01/2019</a:t>
             </a:fld>
             <a:endParaRPr lang="en-GB"/>
           </a:p>
@@ -2526,7 +2526,7 @@
           <a:p>
             <a:fld id="{144F7E4B-DE20-473D-AB1D-E55B028D2B82}" type="datetime1">
               <a:rPr lang="en-GB" smtClean="0"/>
-              <a:t>29/01/2019</a:t>
+              <a:t>30/01/2019</a:t>
             </a:fld>
             <a:endParaRPr lang="en-GB"/>
           </a:p>
@@ -2730,7 +2730,7 @@
           <a:p>
             <a:fld id="{5EF5E582-83CD-4B5D-93A5-3EE70CBA785D}" type="datetime1">
               <a:rPr lang="en-GB" smtClean="0"/>
-              <a:t>29/01/2019</a:t>
+              <a:t>30/01/2019</a:t>
             </a:fld>
             <a:endParaRPr lang="en-GB"/>
           </a:p>
@@ -2944,7 +2944,7 @@
           <a:p>
             <a:fld id="{9BDD35A3-C59F-4EE5-AD24-E668C12CE372}" type="datetime1">
               <a:rPr lang="en-GB" smtClean="0"/>
-              <a:t>29/01/2019</a:t>
+              <a:t>30/01/2019</a:t>
             </a:fld>
             <a:endParaRPr lang="en-GB"/>
           </a:p>
@@ -3148,7 +3148,7 @@
           <a:p>
             <a:fld id="{A6F8E820-4D09-4884-A162-6CE29A96B170}" type="datetime1">
               <a:rPr lang="en-GB" smtClean="0"/>
-              <a:t>29/01/2019</a:t>
+              <a:t>30/01/2019</a:t>
             </a:fld>
             <a:endParaRPr lang="en-GB"/>
           </a:p>
@@ -3428,7 +3428,7 @@
           <a:p>
             <a:fld id="{5D05A4AA-0914-4B1F-88E3-9415A6274E09}" type="datetime1">
               <a:rPr lang="en-GB" smtClean="0"/>
-              <a:t>29/01/2019</a:t>
+              <a:t>30/01/2019</a:t>
             </a:fld>
             <a:endParaRPr lang="en-GB"/>
           </a:p>
@@ -3700,7 +3700,7 @@
           <a:p>
             <a:fld id="{6A2CF0AD-B45F-40C1-B1FF-A739A7554DF9}" type="datetime1">
               <a:rPr lang="en-GB" smtClean="0"/>
-              <a:t>29/01/2019</a:t>
+              <a:t>30/01/2019</a:t>
             </a:fld>
             <a:endParaRPr lang="en-GB"/>
           </a:p>
@@ -4119,7 +4119,7 @@
           <a:p>
             <a:fld id="{3E087565-DE12-408E-9747-F41F38EDB236}" type="datetime1">
               <a:rPr lang="en-GB" smtClean="0"/>
-              <a:t>29/01/2019</a:t>
+              <a:t>30/01/2019</a:t>
             </a:fld>
             <a:endParaRPr lang="en-GB"/>
           </a:p>
@@ -4265,7 +4265,7 @@
           <a:p>
             <a:fld id="{CBC1C182-3B38-4198-AA69-8B60B91A400A}" type="datetime1">
               <a:rPr lang="en-GB" smtClean="0"/>
-              <a:t>29/01/2019</a:t>
+              <a:t>30/01/2019</a:t>
             </a:fld>
             <a:endParaRPr lang="en-GB"/>
           </a:p>
@@ -4382,7 +4382,7 @@
           <a:p>
             <a:fld id="{5BF3AFCF-F646-465F-92EC-2785C2E056CD}" type="datetime1">
               <a:rPr lang="en-GB" smtClean="0"/>
-              <a:t>29/01/2019</a:t>
+              <a:t>30/01/2019</a:t>
             </a:fld>
             <a:endParaRPr lang="en-GB"/>
           </a:p>
@@ -4699,7 +4699,7 @@
           <a:p>
             <a:fld id="{9A8F7003-99C8-481C-A4CD-B3BB91C2A8F7}" type="datetime1">
               <a:rPr lang="en-GB" smtClean="0"/>
-              <a:t>29/01/2019</a:t>
+              <a:t>30/01/2019</a:t>
             </a:fld>
             <a:endParaRPr lang="en-GB"/>
           </a:p>
@@ -4992,7 +4992,7 @@
           <a:p>
             <a:fld id="{E0584EEC-4656-48D7-8A48-D261D57F7554}" type="datetime1">
               <a:rPr lang="en-GB" smtClean="0"/>
-              <a:t>29/01/2019</a:t>
+              <a:t>30/01/2019</a:t>
             </a:fld>
             <a:endParaRPr lang="en-GB"/>
           </a:p>
@@ -5239,7 +5239,7 @@
           <a:p>
             <a:fld id="{08A3035C-570A-4995-B50D-9FFDAF4A1C50}" type="datetime1">
               <a:rPr lang="en-GB" smtClean="0"/>
-              <a:t>29/01/2019</a:t>
+              <a:t>30/01/2019</a:t>
             </a:fld>
             <a:endParaRPr lang="en-GB"/>
           </a:p>
@@ -10895,41 +10895,6 @@
           <a:chExt cx="0" cy="0"/>
         </a:xfrm>
       </p:grpSpPr>
-      <p:pic>
-        <p:nvPicPr>
-          <p:cNvPr id="7" name="Immagine 6">
-            <a:extLst>
-              <a:ext uri="{FF2B5EF4-FFF2-40B4-BE49-F238E27FC236}">
-                <a16:creationId xmlns:a16="http://schemas.microsoft.com/office/drawing/2014/main" id="{E3A062A0-6FB7-44C9-903C-6987F5F231B1}"/>
-              </a:ext>
-            </a:extLst>
-          </p:cNvPr>
-          <p:cNvPicPr>
-            <a:picLocks noChangeAspect="1"/>
-          </p:cNvPicPr>
-          <p:nvPr/>
-        </p:nvPicPr>
-        <p:blipFill rotWithShape="1">
-          <a:blip r:embed="rId3">
-            <a:extLst>
-              <a:ext uri="{28A0092B-C50C-407E-A947-70E740481C1C}">
-                <a14:useLocalDpi xmlns:a14="http://schemas.microsoft.com/office/drawing/2010/main" val="0"/>
-              </a:ext>
-            </a:extLst>
-          </a:blip>
-          <a:srcRect l="1236" t="-2140" r="-432" b="-1565"/>
-          <a:stretch/>
-        </p:blipFill>
-        <p:spPr>
-          <a:xfrm>
-            <a:off x="3055660" y="-93218"/>
-            <a:ext cx="8954370" cy="7044435"/>
-          </a:xfrm>
-          <a:prstGeom prst="rect">
-            <a:avLst/>
-          </a:prstGeom>
-        </p:spPr>
-      </p:pic>
       <p:sp>
         <p:nvSpPr>
           <p:cNvPr id="19" name="Freeform: Shape 18">
@@ -11523,6 +11488,42 @@
           </a:p>
         </p:txBody>
       </p:sp>
+      <p:pic>
+        <p:nvPicPr>
+          <p:cNvPr id="8" name="Immagine 7">
+            <a:extLst>
+              <a:ext uri="{FF2B5EF4-FFF2-40B4-BE49-F238E27FC236}">
+                <a16:creationId xmlns:a16="http://schemas.microsoft.com/office/drawing/2014/main" id="{AEBF0350-10CE-4D0A-BA4D-8C3237650E6B}"/>
+              </a:ext>
+            </a:extLst>
+          </p:cNvPr>
+          <p:cNvPicPr>
+            <a:picLocks noChangeAspect="1"/>
+          </p:cNvPicPr>
+          <p:nvPr/>
+        </p:nvPicPr>
+        <p:blipFill>
+          <a:blip r:embed="rId3">
+            <a:extLst>
+              <a:ext uri="{28A0092B-C50C-407E-A947-70E740481C1C}">
+                <a14:useLocalDpi xmlns:a14="http://schemas.microsoft.com/office/drawing/2010/main" val="0"/>
+              </a:ext>
+            </a:extLst>
+          </a:blip>
+          <a:stretch>
+            <a:fillRect/>
+          </a:stretch>
+        </p:blipFill>
+        <p:spPr>
+          <a:xfrm>
+            <a:off x="5356746" y="1516940"/>
+            <a:ext cx="6315853" cy="3824119"/>
+          </a:xfrm>
+          <a:prstGeom prst="rect">
+            <a:avLst/>
+          </a:prstGeom>
+        </p:spPr>
+      </p:pic>
     </p:spTree>
     <p:extLst>
       <p:ext uri="{BB962C8B-B14F-4D97-AF65-F5344CB8AC3E}">

--- a/Docs/DDoSDefence.pptx
+++ b/Docs/DDoSDefence.pptx
@@ -908,7 +908,7 @@
             </a:r>
             <a:r>
               <a:rPr lang="it-IT" dirty="0"/>
-              <a:t> PACKET_IN su 120.0.0.1:6653. </a:t>
+              <a:t> PACKET_IN su 127.0.0.1:6653. </a:t>
             </a:r>
             <a:endParaRPr lang="en-GB" dirty="0"/>
           </a:p>
@@ -1259,7 +1259,7 @@
             </a:r>
             <a:r>
               <a:rPr lang="it-IT" dirty="0"/>
-              <a:t> per il forwarding al nuovo indirizzo. Quando la protezione è abilitata, avremo lo stesso tipo di risposta sia per i client che per i server solamente fino a quando il numero di connessioni è minore della soglia prestabilita. Superata la soglia il client viene identificato come bot e le vecchie entrate della tabella vengono eliminate tramite una regola di timeout. Se è il client ad effettuare le richieste con la protezione attiva, allora passerà al nuovo indirizzo D’ e le vecchie regole sono droppate.</a:t>
+              <a:t> per il forwarding al nuovo indirizzo. Quando la protezione è abilitata, avremo lo stesso tipo di risposta sia per i client che per i bot solamente fino a quando il numero di connessioni è minore della soglia prestabilita. Superata la soglia il client viene identificato come bot e le vecchie entrate della tabella vengono eliminate tramite una regola di timeout. Se è il client regolare ad effettuare le richieste con la protezione attiva, allora passerà al nuovo indirizzo D’ e le vecchie regole sono droppate.</a:t>
             </a:r>
             <a:endParaRPr lang="en-GB" dirty="0"/>
           </a:p>
@@ -1346,8 +1346,12 @@
           <a:lstStyle/>
           <a:p>
             <a:r>
+              <a:rPr lang="it-IT"/>
+              <a:t>Quindi, </a:t>
+            </a:r>
+            <a:r>
               <a:rPr lang="it-IT" dirty="0"/>
-              <a:t>Quindi, ricapitolando, l’ambiente di test è creato utilizzando le librerie </a:t>
+              <a:t>l’ambiente di test è creato utilizzando le librerie </a:t>
             </a:r>
             <a:r>
               <a:rPr lang="it-IT" dirty="0" err="1"/>
